--- a/eQTL_GWAS_riskSNPs/raggr_results_tables.pptx
+++ b/eQTL_GWAS_riskSNPs/raggr_results_tables.pptx
@@ -7,9 +7,8 @@
   <p:sldIdLst>
     <p:sldId id="340" r:id="rId2"/>
     <p:sldId id="346" r:id="rId3"/>
-    <p:sldId id="350" r:id="rId4"/>
-    <p:sldId id="321" r:id="rId5"/>
-    <p:sldId id="322" r:id="rId6"/>
+    <p:sldId id="321" r:id="rId4"/>
+    <p:sldId id="322" r:id="rId5"/>
   </p:sldIdLst>
   <p:sldSz cx="12192000" cy="6858000"/>
   <p:notesSz cx="6858000" cy="9144000"/>
@@ -353,7 +352,7 @@
           <a:p>
             <a:fld id="{E491DC8F-E103-4FD8-8B4A-5D7FAD71FEDE}" type="datetimeFigureOut">
               <a:rPr lang="en-US" smtClean="0"/>
-              <a:t>6/20/2018</a:t>
+              <a:t>6/26/2018</a:t>
             </a:fld>
             <a:endParaRPr lang="en-US"/>
           </a:p>
@@ -566,7 +565,7 @@
           <a:p>
             <a:fld id="{E491DC8F-E103-4FD8-8B4A-5D7FAD71FEDE}" type="datetimeFigureOut">
               <a:rPr lang="en-US" smtClean="0"/>
-              <a:t>6/20/2018</a:t>
+              <a:t>6/26/2018</a:t>
             </a:fld>
             <a:endParaRPr lang="en-US"/>
           </a:p>
@@ -822,7 +821,7 @@
           <a:p>
             <a:fld id="{E491DC8F-E103-4FD8-8B4A-5D7FAD71FEDE}" type="datetimeFigureOut">
               <a:rPr lang="en-US" smtClean="0"/>
-              <a:t>6/20/2018</a:t>
+              <a:t>6/26/2018</a:t>
             </a:fld>
             <a:endParaRPr lang="en-US"/>
           </a:p>
@@ -997,7 +996,7 @@
           <a:p>
             <a:fld id="{E491DC8F-E103-4FD8-8B4A-5D7FAD71FEDE}" type="datetimeFigureOut">
               <a:rPr lang="en-US" smtClean="0"/>
-              <a:t>6/20/2018</a:t>
+              <a:t>6/26/2018</a:t>
             </a:fld>
             <a:endParaRPr lang="en-US"/>
           </a:p>
@@ -1332,7 +1331,7 @@
           <a:p>
             <a:fld id="{E491DC8F-E103-4FD8-8B4A-5D7FAD71FEDE}" type="datetimeFigureOut">
               <a:rPr lang="en-US" smtClean="0"/>
-              <a:t>6/20/2018</a:t>
+              <a:t>6/26/2018</a:t>
             </a:fld>
             <a:endParaRPr lang="en-US"/>
           </a:p>
@@ -1612,7 +1611,7 @@
           <a:p>
             <a:fld id="{E491DC8F-E103-4FD8-8B4A-5D7FAD71FEDE}" type="datetimeFigureOut">
               <a:rPr lang="en-US" smtClean="0"/>
-              <a:t>6/20/2018</a:t>
+              <a:t>6/26/2018</a:t>
             </a:fld>
             <a:endParaRPr lang="en-US"/>
           </a:p>
@@ -1991,7 +1990,7 @@
           <a:p>
             <a:fld id="{E491DC8F-E103-4FD8-8B4A-5D7FAD71FEDE}" type="datetimeFigureOut">
               <a:rPr lang="en-US" smtClean="0"/>
-              <a:t>6/20/2018</a:t>
+              <a:t>6/26/2018</a:t>
             </a:fld>
             <a:endParaRPr lang="en-US"/>
           </a:p>
@@ -2109,7 +2108,7 @@
           <a:p>
             <a:fld id="{E491DC8F-E103-4FD8-8B4A-5D7FAD71FEDE}" type="datetimeFigureOut">
               <a:rPr lang="en-US" smtClean="0"/>
-              <a:t>6/20/2018</a:t>
+              <a:t>6/26/2018</a:t>
             </a:fld>
             <a:endParaRPr lang="en-US"/>
           </a:p>
@@ -2280,7 +2279,7 @@
           <a:p>
             <a:fld id="{E491DC8F-E103-4FD8-8B4A-5D7FAD71FEDE}" type="datetimeFigureOut">
               <a:rPr lang="en-US" smtClean="0"/>
-              <a:t>6/20/2018</a:t>
+              <a:t>6/26/2018</a:t>
             </a:fld>
             <a:endParaRPr lang="en-US"/>
           </a:p>
@@ -2634,7 +2633,7 @@
           <a:p>
             <a:fld id="{E491DC8F-E103-4FD8-8B4A-5D7FAD71FEDE}" type="datetimeFigureOut">
               <a:rPr lang="en-US" smtClean="0"/>
-              <a:t>6/20/2018</a:t>
+              <a:t>6/26/2018</a:t>
             </a:fld>
             <a:endParaRPr lang="en-US"/>
           </a:p>
@@ -3011,7 +3010,7 @@
           <a:p>
             <a:fld id="{E491DC8F-E103-4FD8-8B4A-5D7FAD71FEDE}" type="datetimeFigureOut">
               <a:rPr lang="en-US" smtClean="0"/>
-              <a:t>6/20/2018</a:t>
+              <a:t>6/26/2018</a:t>
             </a:fld>
             <a:endParaRPr lang="en-US"/>
           </a:p>
@@ -3303,7 +3302,7 @@
           <a:p>
             <a:fld id="{E491DC8F-E103-4FD8-8B4A-5D7FAD71FEDE}" type="datetimeFigureOut">
               <a:rPr lang="en-US" smtClean="0"/>
-              <a:t>6/20/2018</a:t>
+              <a:t>6/26/2018</a:t>
             </a:fld>
             <a:endParaRPr lang="en-US"/>
           </a:p>
@@ -4637,7 +4636,6 @@
                         <a:rPr lang="en-US" sz="1600" dirty="0" smtClean="0"/>
                         <a:t>124 / 273</a:t>
                       </a:r>
-                      <a:endParaRPr lang="en-US" sz="1600" dirty="0" smtClean="0"/>
                     </a:p>
                   </a:txBody>
                   <a:tcPr anchor="ctr">
@@ -5108,7 +5106,6 @@
                         <a:rPr lang="en-US" sz="1600" dirty="0" smtClean="0"/>
                         <a:t>[13.0, 96.9]</a:t>
                       </a:r>
-                      <a:endParaRPr lang="en-US" sz="1600" dirty="0" smtClean="0"/>
                     </a:p>
                   </a:txBody>
                   <a:tcPr anchor="ctr">
@@ -5183,11 +5180,7 @@
           <a:p>
             <a:r>
               <a:rPr lang="en-US" sz="2800" dirty="0" smtClean="0"/>
-              <a:t>Sample </a:t>
-            </a:r>
-            <a:r>
-              <a:rPr lang="en-US" sz="2800" dirty="0" smtClean="0"/>
-              <a:t>information</a:t>
+              <a:t>Sample information</a:t>
             </a:r>
           </a:p>
         </p:txBody>
@@ -6432,8 +6425,8 @@
         </p:nvSpPr>
         <p:spPr>
           <a:xfrm>
-            <a:off x="725986" y="1661135"/>
-            <a:ext cx="5320853" cy="4209087"/>
+            <a:off x="923544" y="1661135"/>
+            <a:ext cx="9144000" cy="4117873"/>
           </a:xfrm>
         </p:spPr>
         <p:txBody>
@@ -6561,13 +6554,34 @@
               <a:buChar char="•"/>
             </a:pPr>
             <a:r>
+              <a:rPr lang="en-US" sz="1800" kern="0" dirty="0" smtClean="0">
+                <a:solidFill>
+                  <a:schemeClr val="tx1"/>
+                </a:solidFill>
+              </a:rPr>
+              <a:t>Mean </a:t>
+            </a:r>
+            <a:r>
               <a:rPr lang="en-US" sz="1800" kern="0" dirty="0">
                 <a:solidFill>
                   <a:schemeClr val="tx1"/>
                 </a:solidFill>
               </a:rPr>
-              <a:t>Mean expression cut-offs: </a:t>
-            </a:r>
+              <a:t>expression </a:t>
+            </a:r>
+            <a:r>
+              <a:rPr lang="en-US" sz="1800" kern="0" dirty="0" smtClean="0">
+                <a:solidFill>
+                  <a:schemeClr val="tx1"/>
+                </a:solidFill>
+              </a:rPr>
+              <a:t>cut-offs - calculated with all samples (both regions, all ages): </a:t>
+            </a:r>
+            <a:endParaRPr lang="en-US" sz="1800" kern="0" dirty="0">
+              <a:solidFill>
+                <a:schemeClr val="tx1"/>
+              </a:solidFill>
+            </a:endParaRPr>
           </a:p>
           <a:p>
             <a:pPr marL="521208" lvl="1" indent="-228600">
@@ -6620,7 +6634,23 @@
                   <a:schemeClr val="tx1"/>
                 </a:solidFill>
               </a:rPr>
-              <a:t>Jxn 0.35 (RP10M)</a:t>
+              <a:t>Jxn </a:t>
+            </a:r>
+            <a:r>
+              <a:rPr lang="de-DE" kern="0" dirty="0" smtClean="0">
+                <a:solidFill>
+                  <a:schemeClr val="tx1"/>
+                </a:solidFill>
+              </a:rPr>
+              <a:t>0.46 </a:t>
+            </a:r>
+            <a:r>
+              <a:rPr lang="de-DE" kern="0" dirty="0">
+                <a:solidFill>
+                  <a:schemeClr val="tx1"/>
+                </a:solidFill>
+              </a:rPr>
+              <a:t>(RP10M)</a:t>
             </a:r>
           </a:p>
           <a:p>
@@ -6638,7 +6668,23 @@
                   <a:schemeClr val="tx1"/>
                 </a:solidFill>
               </a:rPr>
-              <a:t>Tx 0.40 (</a:t>
+              <a:t>Tx </a:t>
+            </a:r>
+            <a:r>
+              <a:rPr lang="de-DE" kern="0" dirty="0" smtClean="0">
+                <a:solidFill>
+                  <a:schemeClr val="tx1"/>
+                </a:solidFill>
+              </a:rPr>
+              <a:t>0.38 </a:t>
+            </a:r>
+            <a:r>
+              <a:rPr lang="de-DE" kern="0" dirty="0">
+                <a:solidFill>
+                  <a:schemeClr val="tx1"/>
+                </a:solidFill>
+              </a:rPr>
+              <a:t>(</a:t>
             </a:r>
             <a:r>
               <a:rPr lang="de-DE" kern="0" dirty="0" smtClean="0">
@@ -6659,45 +6705,16 @@
               <a:buChar char="•"/>
             </a:pPr>
             <a:r>
-              <a:rPr lang="de-DE" sz="1800" kern="0" dirty="0" smtClean="0">
+              <a:rPr lang="en-US" sz="1800" kern="0" dirty="0">
                 <a:solidFill>
                   <a:schemeClr val="tx1"/>
                 </a:solidFill>
               </a:rPr>
-              <a:t>Cutoff </a:t>
-            </a:r>
-            <a:r>
-              <a:rPr lang="de-DE" sz="1800" kern="0" dirty="0">
-                <a:solidFill>
-                  <a:schemeClr val="tx1"/>
-                </a:solidFill>
-              </a:rPr>
-              <a:t>applied to sACC &amp; Amygdala expression – then take those same features in </a:t>
-            </a:r>
-            <a:r>
-              <a:rPr lang="de-DE" sz="1800" kern="0" dirty="0" smtClean="0">
-                <a:solidFill>
-                  <a:schemeClr val="tx1"/>
-                </a:solidFill>
-              </a:rPr>
-              <a:t>DLPFC </a:t>
-            </a:r>
-            <a:r>
-              <a:rPr lang="de-DE" sz="1500" kern="0" dirty="0" smtClean="0">
-                <a:solidFill>
-                  <a:schemeClr val="tx1"/>
-                </a:solidFill>
-              </a:rPr>
-              <a:t>(note 3 exons missing in DLPFC)</a:t>
-            </a:r>
-            <a:endParaRPr lang="en-US" sz="1500" kern="0" dirty="0">
-              <a:solidFill>
-                <a:schemeClr val="tx1"/>
-              </a:solidFill>
-            </a:endParaRPr>
-          </a:p>
-          <a:p>
-            <a:pPr marL="228600" indent="-228600">
+              <a:t>Age cutoff &gt; 13</a:t>
+            </a:r>
+          </a:p>
+          <a:p>
+            <a:pPr marL="521208" lvl="1" indent="-228600">
               <a:spcBef>
                 <a:spcPts val="600"/>
               </a:spcBef>
@@ -6705,509 +6722,19 @@
               <a:buFont typeface="Arial" panose="020B0604020202020204" pitchFamily="34" charset="0"/>
               <a:buChar char="•"/>
             </a:pPr>
-            <a:endParaRPr lang="en-US" sz="1800" kern="0" dirty="0">
+            <a:endParaRPr lang="de-DE" kern="0" dirty="0" smtClean="0">
               <a:solidFill>
                 <a:schemeClr val="tx1"/>
               </a:solidFill>
             </a:endParaRPr>
           </a:p>
-        </p:txBody>
-      </p:sp>
-      <p:sp>
-        <p:nvSpPr>
-          <p:cNvPr id="7" name="Content Placeholder 2">
-            <a:extLst>
-              <a:ext uri="{FF2B5EF4-FFF2-40B4-BE49-F238E27FC236}">
-                <a16:creationId xmlns:a16="http://schemas.microsoft.com/office/drawing/2014/main" id="{AAFB53C2-F082-4FEF-A980-915B3F466CB7}"/>
-              </a:ext>
-            </a:extLst>
-          </p:cNvPr>
-          <p:cNvSpPr txBox="1">
-            <a:spLocks/>
-          </p:cNvSpPr>
-          <p:nvPr/>
-        </p:nvSpPr>
-        <p:spPr>
-          <a:xfrm>
-            <a:off x="7010400" y="1661135"/>
-            <a:ext cx="4929748" cy="3887354"/>
-          </a:xfrm>
-          <a:prstGeom prst="rect">
-            <a:avLst/>
-          </a:prstGeom>
-        </p:spPr>
-        <p:txBody>
-          <a:bodyPr vert="horz" lIns="0" tIns="45720" rIns="0" bIns="45720" rtlCol="0">
-            <a:noAutofit/>
-          </a:bodyPr>
-          <a:lstStyle>
-            <a:lvl1pPr marL="91440" indent="-91440" algn="l" defTabSz="914400" rtl="0" eaLnBrk="1" latinLnBrk="0" hangingPunct="1">
-              <a:lnSpc>
-                <a:spcPct val="90000"/>
-              </a:lnSpc>
-              <a:spcBef>
-                <a:spcPts val="1200"/>
-              </a:spcBef>
-              <a:spcAft>
-                <a:spcPts val="200"/>
-              </a:spcAft>
-              <a:buClr>
-                <a:schemeClr val="accent1"/>
-              </a:buClr>
-              <a:buSzPct val="100000"/>
-              <a:buFont typeface="Calibri" panose="020F0502020204030204" pitchFamily="34" charset="0"/>
-              <a:buChar char=" "/>
-              <a:defRPr sz="2000" kern="1200">
-                <a:solidFill>
-                  <a:schemeClr val="tx1">
-                    <a:lumMod val="75000"/>
-                    <a:lumOff val="25000"/>
-                  </a:schemeClr>
-                </a:solidFill>
-                <a:latin typeface="+mn-lt"/>
-                <a:ea typeface="+mn-ea"/>
-                <a:cs typeface="+mn-cs"/>
-              </a:defRPr>
-            </a:lvl1pPr>
-            <a:lvl2pPr marL="384048" indent="-182880" algn="l" defTabSz="914400" rtl="0" eaLnBrk="1" latinLnBrk="0" hangingPunct="1">
-              <a:lnSpc>
-                <a:spcPct val="90000"/>
-              </a:lnSpc>
-              <a:spcBef>
-                <a:spcPts val="200"/>
-              </a:spcBef>
-              <a:spcAft>
-                <a:spcPts val="400"/>
-              </a:spcAft>
-              <a:buClr>
-                <a:schemeClr val="accent1"/>
-              </a:buClr>
-              <a:buFont typeface="Calibri" pitchFamily="34" charset="0"/>
-              <a:buChar char="◦"/>
-              <a:defRPr sz="1800" kern="1200">
-                <a:solidFill>
-                  <a:schemeClr val="tx1">
-                    <a:lumMod val="75000"/>
-                    <a:lumOff val="25000"/>
-                  </a:schemeClr>
-                </a:solidFill>
-                <a:latin typeface="+mn-lt"/>
-                <a:ea typeface="+mn-ea"/>
-                <a:cs typeface="+mn-cs"/>
-              </a:defRPr>
-            </a:lvl2pPr>
-            <a:lvl3pPr marL="566928" indent="-182880" algn="l" defTabSz="914400" rtl="0" eaLnBrk="1" latinLnBrk="0" hangingPunct="1">
-              <a:lnSpc>
-                <a:spcPct val="90000"/>
-              </a:lnSpc>
-              <a:spcBef>
-                <a:spcPts val="200"/>
-              </a:spcBef>
-              <a:spcAft>
-                <a:spcPts val="400"/>
-              </a:spcAft>
-              <a:buClr>
-                <a:schemeClr val="accent1"/>
-              </a:buClr>
-              <a:buFont typeface="Calibri" pitchFamily="34" charset="0"/>
-              <a:buChar char="◦"/>
-              <a:defRPr sz="1400" kern="1200">
-                <a:solidFill>
-                  <a:schemeClr val="tx1">
-                    <a:lumMod val="75000"/>
-                    <a:lumOff val="25000"/>
-                  </a:schemeClr>
-                </a:solidFill>
-                <a:latin typeface="+mn-lt"/>
-                <a:ea typeface="+mn-ea"/>
-                <a:cs typeface="+mn-cs"/>
-              </a:defRPr>
-            </a:lvl3pPr>
-            <a:lvl4pPr marL="749808" indent="-182880" algn="l" defTabSz="914400" rtl="0" eaLnBrk="1" latinLnBrk="0" hangingPunct="1">
-              <a:lnSpc>
-                <a:spcPct val="90000"/>
-              </a:lnSpc>
-              <a:spcBef>
-                <a:spcPts val="200"/>
-              </a:spcBef>
-              <a:spcAft>
-                <a:spcPts val="400"/>
-              </a:spcAft>
-              <a:buClr>
-                <a:schemeClr val="accent1"/>
-              </a:buClr>
-              <a:buFont typeface="Calibri" pitchFamily="34" charset="0"/>
-              <a:buChar char="◦"/>
-              <a:defRPr sz="1400" kern="1200">
-                <a:solidFill>
-                  <a:schemeClr val="tx1">
-                    <a:lumMod val="75000"/>
-                    <a:lumOff val="25000"/>
-                  </a:schemeClr>
-                </a:solidFill>
-                <a:latin typeface="+mn-lt"/>
-                <a:ea typeface="+mn-ea"/>
-                <a:cs typeface="+mn-cs"/>
-              </a:defRPr>
-            </a:lvl4pPr>
-            <a:lvl5pPr marL="932688" indent="-182880" algn="l" defTabSz="914400" rtl="0" eaLnBrk="1" latinLnBrk="0" hangingPunct="1">
-              <a:lnSpc>
-                <a:spcPct val="90000"/>
-              </a:lnSpc>
-              <a:spcBef>
-                <a:spcPts val="200"/>
-              </a:spcBef>
-              <a:spcAft>
-                <a:spcPts val="400"/>
-              </a:spcAft>
-              <a:buClr>
-                <a:schemeClr val="accent1"/>
-              </a:buClr>
-              <a:buFont typeface="Calibri" pitchFamily="34" charset="0"/>
-              <a:buChar char="◦"/>
-              <a:defRPr sz="1400" kern="1200">
-                <a:solidFill>
-                  <a:schemeClr val="tx1">
-                    <a:lumMod val="75000"/>
-                    <a:lumOff val="25000"/>
-                  </a:schemeClr>
-                </a:solidFill>
-                <a:latin typeface="+mn-lt"/>
-                <a:ea typeface="+mn-ea"/>
-                <a:cs typeface="+mn-cs"/>
-              </a:defRPr>
-            </a:lvl5pPr>
-            <a:lvl6pPr marL="1100000" indent="-228600" algn="l" defTabSz="914400" rtl="0" eaLnBrk="1" latinLnBrk="0" hangingPunct="1">
-              <a:lnSpc>
-                <a:spcPct val="90000"/>
-              </a:lnSpc>
-              <a:spcBef>
-                <a:spcPts val="200"/>
-              </a:spcBef>
-              <a:spcAft>
-                <a:spcPts val="400"/>
-              </a:spcAft>
-              <a:buClr>
-                <a:schemeClr val="accent1"/>
-              </a:buClr>
-              <a:buFont typeface="Calibri" pitchFamily="34" charset="0"/>
-              <a:buChar char="◦"/>
-              <a:defRPr sz="1400" kern="1200">
-                <a:solidFill>
-                  <a:schemeClr val="tx1">
-                    <a:lumMod val="75000"/>
-                    <a:lumOff val="25000"/>
-                  </a:schemeClr>
-                </a:solidFill>
-                <a:latin typeface="+mn-lt"/>
-                <a:ea typeface="+mn-ea"/>
-                <a:cs typeface="+mn-cs"/>
-              </a:defRPr>
-            </a:lvl6pPr>
-            <a:lvl7pPr marL="1300000" indent="-228600" algn="l" defTabSz="914400" rtl="0" eaLnBrk="1" latinLnBrk="0" hangingPunct="1">
-              <a:lnSpc>
-                <a:spcPct val="90000"/>
-              </a:lnSpc>
-              <a:spcBef>
-                <a:spcPts val="200"/>
-              </a:spcBef>
-              <a:spcAft>
-                <a:spcPts val="400"/>
-              </a:spcAft>
-              <a:buClr>
-                <a:schemeClr val="accent1"/>
-              </a:buClr>
-              <a:buFont typeface="Calibri" pitchFamily="34" charset="0"/>
-              <a:buChar char="◦"/>
-              <a:defRPr sz="1400" kern="1200">
-                <a:solidFill>
-                  <a:schemeClr val="tx1">
-                    <a:lumMod val="75000"/>
-                    <a:lumOff val="25000"/>
-                  </a:schemeClr>
-                </a:solidFill>
-                <a:latin typeface="+mn-lt"/>
-                <a:ea typeface="+mn-ea"/>
-                <a:cs typeface="+mn-cs"/>
-              </a:defRPr>
-            </a:lvl7pPr>
-            <a:lvl8pPr marL="1500000" indent="-228600" algn="l" defTabSz="914400" rtl="0" eaLnBrk="1" latinLnBrk="0" hangingPunct="1">
-              <a:lnSpc>
-                <a:spcPct val="90000"/>
-              </a:lnSpc>
-              <a:spcBef>
-                <a:spcPts val="200"/>
-              </a:spcBef>
-              <a:spcAft>
-                <a:spcPts val="400"/>
-              </a:spcAft>
-              <a:buClr>
-                <a:schemeClr val="accent1"/>
-              </a:buClr>
-              <a:buFont typeface="Calibri" pitchFamily="34" charset="0"/>
-              <a:buChar char="◦"/>
-              <a:defRPr sz="1400" kern="1200">
-                <a:solidFill>
-                  <a:schemeClr val="tx1">
-                    <a:lumMod val="75000"/>
-                    <a:lumOff val="25000"/>
-                  </a:schemeClr>
-                </a:solidFill>
-                <a:latin typeface="+mn-lt"/>
-                <a:ea typeface="+mn-ea"/>
-                <a:cs typeface="+mn-cs"/>
-              </a:defRPr>
-            </a:lvl8pPr>
-            <a:lvl9pPr marL="1700000" indent="-228600" algn="l" defTabSz="914400" rtl="0" eaLnBrk="1" latinLnBrk="0" hangingPunct="1">
-              <a:lnSpc>
-                <a:spcPct val="90000"/>
-              </a:lnSpc>
-              <a:spcBef>
-                <a:spcPts val="200"/>
-              </a:spcBef>
-              <a:spcAft>
-                <a:spcPts val="400"/>
-              </a:spcAft>
-              <a:buClr>
-                <a:schemeClr val="accent1"/>
-              </a:buClr>
-              <a:buFont typeface="Calibri" pitchFamily="34" charset="0"/>
-              <a:buChar char="◦"/>
-              <a:defRPr sz="1400" kern="1200">
-                <a:solidFill>
-                  <a:schemeClr val="tx1">
-                    <a:lumMod val="75000"/>
-                    <a:lumOff val="25000"/>
-                  </a:schemeClr>
-                </a:solidFill>
-                <a:latin typeface="+mn-lt"/>
-                <a:ea typeface="+mn-ea"/>
-                <a:cs typeface="+mn-cs"/>
-              </a:defRPr>
-            </a:lvl9pPr>
-          </a:lstStyle>
-          <a:p>
-            <a:pPr marL="342900" indent="-342900">
+          <a:p>
+            <a:pPr marL="0" indent="0">
               <a:spcBef>
                 <a:spcPts val="600"/>
               </a:spcBef>
               <a:buClrTx/>
-              <a:buFont typeface="+mj-lt"/>
-              <a:buAutoNum type="arabicPeriod"/>
-            </a:pPr>
-            <a:r>
-              <a:rPr lang="en-US" sz="1800" kern="0" dirty="0" err="1" smtClean="0">
-                <a:solidFill>
-                  <a:schemeClr val="tx1"/>
-                </a:solidFill>
-              </a:rPr>
-              <a:t>rAggr</a:t>
-            </a:r>
-            <a:r>
-              <a:rPr lang="en-US" sz="1800" kern="0" dirty="0" smtClean="0">
-                <a:solidFill>
-                  <a:schemeClr val="tx1"/>
-                </a:solidFill>
-              </a:rPr>
-              <a:t> SNPs</a:t>
-            </a:r>
-          </a:p>
-          <a:p>
-            <a:pPr marL="635508" lvl="1" indent="-342900">
-              <a:spcBef>
-                <a:spcPts val="600"/>
-              </a:spcBef>
-              <a:buClrTx/>
-              <a:buFont typeface="Arial" panose="020B0604020202020204" pitchFamily="34" charset="0"/>
-              <a:buChar char="•"/>
-            </a:pPr>
-            <a:r>
-              <a:rPr lang="en-US" kern="0" dirty="0" smtClean="0">
-                <a:solidFill>
-                  <a:schemeClr val="tx1"/>
-                </a:solidFill>
-              </a:rPr>
-              <a:t>881 PGC suggestive SNPs + neighboring proxies</a:t>
-            </a:r>
-          </a:p>
-          <a:p>
-            <a:pPr marL="635508" lvl="1" indent="-342900">
-              <a:spcBef>
-                <a:spcPts val="600"/>
-              </a:spcBef>
-              <a:buClrTx/>
-              <a:buFont typeface="Arial" panose="020B0604020202020204" pitchFamily="34" charset="0"/>
-              <a:buChar char="•"/>
-            </a:pPr>
-            <a:r>
-              <a:rPr lang="en-US" kern="0" dirty="0" smtClean="0">
-                <a:solidFill>
-                  <a:schemeClr val="tx1"/>
-                </a:solidFill>
-              </a:rPr>
-              <a:t>10,777 SNPs total</a:t>
-            </a:r>
-          </a:p>
-          <a:p>
-            <a:pPr marL="635508" lvl="1" indent="-342900">
-              <a:spcBef>
-                <a:spcPts val="600"/>
-              </a:spcBef>
-              <a:buClrTx/>
-              <a:buFont typeface="Arial" panose="020B0604020202020204" pitchFamily="34" charset="0"/>
-              <a:buChar char="•"/>
-            </a:pPr>
-            <a:r>
-              <a:rPr lang="en-US" kern="0" dirty="0" smtClean="0">
-                <a:solidFill>
-                  <a:schemeClr val="tx1"/>
-                </a:solidFill>
-              </a:rPr>
-              <a:t>Results can be </a:t>
-            </a:r>
-            <a:r>
-              <a:rPr lang="en-US" kern="0" dirty="0" err="1" smtClean="0">
-                <a:solidFill>
-                  <a:schemeClr val="tx1"/>
-                </a:solidFill>
-              </a:rPr>
-              <a:t>subsetted</a:t>
-            </a:r>
-            <a:r>
-              <a:rPr lang="en-US" kern="0" dirty="0" smtClean="0">
-                <a:solidFill>
-                  <a:schemeClr val="tx1"/>
-                </a:solidFill>
-              </a:rPr>
-              <a:t> to 31 genome-wide significant SNP + proxy results</a:t>
-            </a:r>
-          </a:p>
-          <a:p>
-            <a:pPr marL="1184148" lvl="4" indent="-342900">
-              <a:spcBef>
-                <a:spcPts val="600"/>
-              </a:spcBef>
-              <a:buClrTx/>
-              <a:buFont typeface="Arial" panose="020B0604020202020204" pitchFamily="34" charset="0"/>
-              <a:buChar char="•"/>
-            </a:pPr>
-            <a:r>
-              <a:rPr lang="en-US" sz="1600" kern="0" dirty="0" smtClean="0">
-                <a:solidFill>
-                  <a:schemeClr val="tx1"/>
-                </a:solidFill>
-              </a:rPr>
-              <a:t>1226 SNPs total</a:t>
-            </a:r>
-          </a:p>
-          <a:p>
-            <a:pPr marL="1184148" lvl="4" indent="-342900">
-              <a:spcBef>
-                <a:spcPts val="600"/>
-              </a:spcBef>
-              <a:buClrTx/>
-              <a:buFont typeface="Arial" panose="020B0604020202020204" pitchFamily="34" charset="0"/>
-              <a:buChar char="•"/>
-            </a:pPr>
-            <a:r>
-              <a:rPr lang="en-US" sz="1600" kern="0" dirty="0" smtClean="0">
-                <a:solidFill>
-                  <a:schemeClr val="tx1"/>
-                </a:solidFill>
-              </a:rPr>
-              <a:t>FDR recalculated. P-value, beta, etc. will be identical to previous numbers.</a:t>
-            </a:r>
-          </a:p>
-          <a:p>
-            <a:pPr marL="1184148" lvl="4" indent="-342900">
-              <a:spcBef>
-                <a:spcPts val="600"/>
-              </a:spcBef>
-              <a:buClrTx/>
-              <a:buFont typeface="Arial" panose="020B0604020202020204" pitchFamily="34" charset="0"/>
-              <a:buChar char="•"/>
-            </a:pPr>
-            <a:endParaRPr lang="en-US" kern="0" dirty="0" smtClean="0">
-              <a:solidFill>
-                <a:schemeClr val="tx1"/>
-              </a:solidFill>
-            </a:endParaRPr>
-          </a:p>
-          <a:p>
-            <a:pPr marL="342900" indent="-342900">
-              <a:spcBef>
-                <a:spcPts val="600"/>
-              </a:spcBef>
-              <a:buClrTx/>
-              <a:buFont typeface="+mj-lt"/>
-              <a:buAutoNum type="arabicPeriod"/>
-            </a:pPr>
-            <a:r>
-              <a:rPr lang="en-US" sz="1800" kern="0" dirty="0">
-                <a:solidFill>
-                  <a:schemeClr val="tx1"/>
-                </a:solidFill>
-              </a:rPr>
-              <a:t> G</a:t>
-            </a:r>
-            <a:r>
-              <a:rPr lang="en-US" sz="1800" kern="0" dirty="0" smtClean="0">
-                <a:solidFill>
-                  <a:schemeClr val="tx1"/>
-                </a:solidFill>
-              </a:rPr>
-              <a:t>enome wide analysis</a:t>
-            </a:r>
-          </a:p>
-          <a:p>
-            <a:pPr marL="635508" lvl="1" indent="-342900">
-              <a:spcBef>
-                <a:spcPts val="600"/>
-              </a:spcBef>
-              <a:buClrTx/>
-              <a:buFont typeface="Arial" panose="020B0604020202020204" pitchFamily="34" charset="0"/>
-              <a:buChar char="•"/>
-            </a:pPr>
-            <a:r>
-              <a:rPr lang="en-US" kern="0" dirty="0" smtClean="0">
-                <a:solidFill>
-                  <a:schemeClr val="tx1"/>
-                </a:solidFill>
-              </a:rPr>
-              <a:t>____ </a:t>
-            </a:r>
-            <a:r>
-              <a:rPr lang="en-US" kern="0" dirty="0">
-                <a:solidFill>
-                  <a:schemeClr val="tx1"/>
-                </a:solidFill>
-              </a:rPr>
-              <a:t>SNPs total</a:t>
-            </a:r>
-          </a:p>
-          <a:p>
-            <a:pPr marL="342900" indent="-342900">
-              <a:spcBef>
-                <a:spcPts val="600"/>
-              </a:spcBef>
-              <a:buClrTx/>
-              <a:buFont typeface="+mj-lt"/>
-              <a:buAutoNum type="arabicPeriod"/>
-            </a:pPr>
-            <a:endParaRPr lang="en-US" sz="1800" kern="0" dirty="0" smtClean="0">
-              <a:solidFill>
-                <a:schemeClr val="tx1"/>
-              </a:solidFill>
-            </a:endParaRPr>
-          </a:p>
-          <a:p>
-            <a:pPr marL="228600" indent="-228600">
-              <a:spcBef>
-                <a:spcPts val="600"/>
-              </a:spcBef>
-              <a:buClrTx/>
-              <a:buFont typeface="Arial" panose="020B0604020202020204" pitchFamily="34" charset="0"/>
-              <a:buChar char="•"/>
+              <a:buNone/>
             </a:pPr>
             <a:endParaRPr lang="en-US" sz="1800" kern="0" dirty="0">
               <a:solidFill>
@@ -7289,1128 +6816,6 @@
               <a:rPr lang="en-US" dirty="0" smtClean="0">
                 <a:latin typeface="+mn-lt"/>
               </a:rPr>
-              <a:t>Analyses</a:t>
-            </a:r>
-            <a:endParaRPr lang="en-US" dirty="0">
-              <a:latin typeface="+mn-lt"/>
-            </a:endParaRPr>
-          </a:p>
-        </p:txBody>
-      </p:sp>
-      <p:sp>
-        <p:nvSpPr>
-          <p:cNvPr id="7" name="Content Placeholder 2">
-            <a:extLst>
-              <a:ext uri="{FF2B5EF4-FFF2-40B4-BE49-F238E27FC236}">
-                <a16:creationId xmlns:a16="http://schemas.microsoft.com/office/drawing/2014/main" id="{AAFB53C2-F082-4FEF-A980-915B3F466CB7}"/>
-              </a:ext>
-            </a:extLst>
-          </p:cNvPr>
-          <p:cNvSpPr txBox="1">
-            <a:spLocks/>
-          </p:cNvSpPr>
-          <p:nvPr/>
-        </p:nvSpPr>
-        <p:spPr>
-          <a:xfrm>
-            <a:off x="725986" y="1444825"/>
-            <a:ext cx="5162750" cy="3887354"/>
-          </a:xfrm>
-          <a:prstGeom prst="rect">
-            <a:avLst/>
-          </a:prstGeom>
-        </p:spPr>
-        <p:txBody>
-          <a:bodyPr vert="horz" lIns="0" tIns="45720" rIns="0" bIns="45720" rtlCol="0">
-            <a:noAutofit/>
-          </a:bodyPr>
-          <a:lstStyle>
-            <a:lvl1pPr marL="91440" indent="-91440" algn="l" defTabSz="914400" rtl="0" eaLnBrk="1" latinLnBrk="0" hangingPunct="1">
-              <a:lnSpc>
-                <a:spcPct val="90000"/>
-              </a:lnSpc>
-              <a:spcBef>
-                <a:spcPts val="1200"/>
-              </a:spcBef>
-              <a:spcAft>
-                <a:spcPts val="200"/>
-              </a:spcAft>
-              <a:buClr>
-                <a:schemeClr val="accent1"/>
-              </a:buClr>
-              <a:buSzPct val="100000"/>
-              <a:buFont typeface="Calibri" panose="020F0502020204030204" pitchFamily="34" charset="0"/>
-              <a:buChar char=" "/>
-              <a:defRPr sz="2000" kern="1200">
-                <a:solidFill>
-                  <a:schemeClr val="tx1">
-                    <a:lumMod val="75000"/>
-                    <a:lumOff val="25000"/>
-                  </a:schemeClr>
-                </a:solidFill>
-                <a:latin typeface="+mn-lt"/>
-                <a:ea typeface="+mn-ea"/>
-                <a:cs typeface="+mn-cs"/>
-              </a:defRPr>
-            </a:lvl1pPr>
-            <a:lvl2pPr marL="384048" indent="-182880" algn="l" defTabSz="914400" rtl="0" eaLnBrk="1" latinLnBrk="0" hangingPunct="1">
-              <a:lnSpc>
-                <a:spcPct val="90000"/>
-              </a:lnSpc>
-              <a:spcBef>
-                <a:spcPts val="200"/>
-              </a:spcBef>
-              <a:spcAft>
-                <a:spcPts val="400"/>
-              </a:spcAft>
-              <a:buClr>
-                <a:schemeClr val="accent1"/>
-              </a:buClr>
-              <a:buFont typeface="Calibri" pitchFamily="34" charset="0"/>
-              <a:buChar char="◦"/>
-              <a:defRPr sz="1800" kern="1200">
-                <a:solidFill>
-                  <a:schemeClr val="tx1">
-                    <a:lumMod val="75000"/>
-                    <a:lumOff val="25000"/>
-                  </a:schemeClr>
-                </a:solidFill>
-                <a:latin typeface="+mn-lt"/>
-                <a:ea typeface="+mn-ea"/>
-                <a:cs typeface="+mn-cs"/>
-              </a:defRPr>
-            </a:lvl2pPr>
-            <a:lvl3pPr marL="566928" indent="-182880" algn="l" defTabSz="914400" rtl="0" eaLnBrk="1" latinLnBrk="0" hangingPunct="1">
-              <a:lnSpc>
-                <a:spcPct val="90000"/>
-              </a:lnSpc>
-              <a:spcBef>
-                <a:spcPts val="200"/>
-              </a:spcBef>
-              <a:spcAft>
-                <a:spcPts val="400"/>
-              </a:spcAft>
-              <a:buClr>
-                <a:schemeClr val="accent1"/>
-              </a:buClr>
-              <a:buFont typeface="Calibri" pitchFamily="34" charset="0"/>
-              <a:buChar char="◦"/>
-              <a:defRPr sz="1400" kern="1200">
-                <a:solidFill>
-                  <a:schemeClr val="tx1">
-                    <a:lumMod val="75000"/>
-                    <a:lumOff val="25000"/>
-                  </a:schemeClr>
-                </a:solidFill>
-                <a:latin typeface="+mn-lt"/>
-                <a:ea typeface="+mn-ea"/>
-                <a:cs typeface="+mn-cs"/>
-              </a:defRPr>
-            </a:lvl3pPr>
-            <a:lvl4pPr marL="749808" indent="-182880" algn="l" defTabSz="914400" rtl="0" eaLnBrk="1" latinLnBrk="0" hangingPunct="1">
-              <a:lnSpc>
-                <a:spcPct val="90000"/>
-              </a:lnSpc>
-              <a:spcBef>
-                <a:spcPts val="200"/>
-              </a:spcBef>
-              <a:spcAft>
-                <a:spcPts val="400"/>
-              </a:spcAft>
-              <a:buClr>
-                <a:schemeClr val="accent1"/>
-              </a:buClr>
-              <a:buFont typeface="Calibri" pitchFamily="34" charset="0"/>
-              <a:buChar char="◦"/>
-              <a:defRPr sz="1400" kern="1200">
-                <a:solidFill>
-                  <a:schemeClr val="tx1">
-                    <a:lumMod val="75000"/>
-                    <a:lumOff val="25000"/>
-                  </a:schemeClr>
-                </a:solidFill>
-                <a:latin typeface="+mn-lt"/>
-                <a:ea typeface="+mn-ea"/>
-                <a:cs typeface="+mn-cs"/>
-              </a:defRPr>
-            </a:lvl4pPr>
-            <a:lvl5pPr marL="932688" indent="-182880" algn="l" defTabSz="914400" rtl="0" eaLnBrk="1" latinLnBrk="0" hangingPunct="1">
-              <a:lnSpc>
-                <a:spcPct val="90000"/>
-              </a:lnSpc>
-              <a:spcBef>
-                <a:spcPts val="200"/>
-              </a:spcBef>
-              <a:spcAft>
-                <a:spcPts val="400"/>
-              </a:spcAft>
-              <a:buClr>
-                <a:schemeClr val="accent1"/>
-              </a:buClr>
-              <a:buFont typeface="Calibri" pitchFamily="34" charset="0"/>
-              <a:buChar char="◦"/>
-              <a:defRPr sz="1400" kern="1200">
-                <a:solidFill>
-                  <a:schemeClr val="tx1">
-                    <a:lumMod val="75000"/>
-                    <a:lumOff val="25000"/>
-                  </a:schemeClr>
-                </a:solidFill>
-                <a:latin typeface="+mn-lt"/>
-                <a:ea typeface="+mn-ea"/>
-                <a:cs typeface="+mn-cs"/>
-              </a:defRPr>
-            </a:lvl5pPr>
-            <a:lvl6pPr marL="1100000" indent="-228600" algn="l" defTabSz="914400" rtl="0" eaLnBrk="1" latinLnBrk="0" hangingPunct="1">
-              <a:lnSpc>
-                <a:spcPct val="90000"/>
-              </a:lnSpc>
-              <a:spcBef>
-                <a:spcPts val="200"/>
-              </a:spcBef>
-              <a:spcAft>
-                <a:spcPts val="400"/>
-              </a:spcAft>
-              <a:buClr>
-                <a:schemeClr val="accent1"/>
-              </a:buClr>
-              <a:buFont typeface="Calibri" pitchFamily="34" charset="0"/>
-              <a:buChar char="◦"/>
-              <a:defRPr sz="1400" kern="1200">
-                <a:solidFill>
-                  <a:schemeClr val="tx1">
-                    <a:lumMod val="75000"/>
-                    <a:lumOff val="25000"/>
-                  </a:schemeClr>
-                </a:solidFill>
-                <a:latin typeface="+mn-lt"/>
-                <a:ea typeface="+mn-ea"/>
-                <a:cs typeface="+mn-cs"/>
-              </a:defRPr>
-            </a:lvl6pPr>
-            <a:lvl7pPr marL="1300000" indent="-228600" algn="l" defTabSz="914400" rtl="0" eaLnBrk="1" latinLnBrk="0" hangingPunct="1">
-              <a:lnSpc>
-                <a:spcPct val="90000"/>
-              </a:lnSpc>
-              <a:spcBef>
-                <a:spcPts val="200"/>
-              </a:spcBef>
-              <a:spcAft>
-                <a:spcPts val="400"/>
-              </a:spcAft>
-              <a:buClr>
-                <a:schemeClr val="accent1"/>
-              </a:buClr>
-              <a:buFont typeface="Calibri" pitchFamily="34" charset="0"/>
-              <a:buChar char="◦"/>
-              <a:defRPr sz="1400" kern="1200">
-                <a:solidFill>
-                  <a:schemeClr val="tx1">
-                    <a:lumMod val="75000"/>
-                    <a:lumOff val="25000"/>
-                  </a:schemeClr>
-                </a:solidFill>
-                <a:latin typeface="+mn-lt"/>
-                <a:ea typeface="+mn-ea"/>
-                <a:cs typeface="+mn-cs"/>
-              </a:defRPr>
-            </a:lvl7pPr>
-            <a:lvl8pPr marL="1500000" indent="-228600" algn="l" defTabSz="914400" rtl="0" eaLnBrk="1" latinLnBrk="0" hangingPunct="1">
-              <a:lnSpc>
-                <a:spcPct val="90000"/>
-              </a:lnSpc>
-              <a:spcBef>
-                <a:spcPts val="200"/>
-              </a:spcBef>
-              <a:spcAft>
-                <a:spcPts val="400"/>
-              </a:spcAft>
-              <a:buClr>
-                <a:schemeClr val="accent1"/>
-              </a:buClr>
-              <a:buFont typeface="Calibri" pitchFamily="34" charset="0"/>
-              <a:buChar char="◦"/>
-              <a:defRPr sz="1400" kern="1200">
-                <a:solidFill>
-                  <a:schemeClr val="tx1">
-                    <a:lumMod val="75000"/>
-                    <a:lumOff val="25000"/>
-                  </a:schemeClr>
-                </a:solidFill>
-                <a:latin typeface="+mn-lt"/>
-                <a:ea typeface="+mn-ea"/>
-                <a:cs typeface="+mn-cs"/>
-              </a:defRPr>
-            </a:lvl8pPr>
-            <a:lvl9pPr marL="1700000" indent="-228600" algn="l" defTabSz="914400" rtl="0" eaLnBrk="1" latinLnBrk="0" hangingPunct="1">
-              <a:lnSpc>
-                <a:spcPct val="90000"/>
-              </a:lnSpc>
-              <a:spcBef>
-                <a:spcPts val="200"/>
-              </a:spcBef>
-              <a:spcAft>
-                <a:spcPts val="400"/>
-              </a:spcAft>
-              <a:buClr>
-                <a:schemeClr val="accent1"/>
-              </a:buClr>
-              <a:buFont typeface="Calibri" pitchFamily="34" charset="0"/>
-              <a:buChar char="◦"/>
-              <a:defRPr sz="1400" kern="1200">
-                <a:solidFill>
-                  <a:schemeClr val="tx1">
-                    <a:lumMod val="75000"/>
-                    <a:lumOff val="25000"/>
-                  </a:schemeClr>
-                </a:solidFill>
-                <a:latin typeface="+mn-lt"/>
-                <a:ea typeface="+mn-ea"/>
-                <a:cs typeface="+mn-cs"/>
-              </a:defRPr>
-            </a:lvl9pPr>
-          </a:lstStyle>
-          <a:p>
-            <a:pPr marL="342900" indent="-342900">
-              <a:spcBef>
-                <a:spcPts val="600"/>
-              </a:spcBef>
-              <a:buClrTx/>
-              <a:buFont typeface="+mj-lt"/>
-              <a:buAutoNum type="arabicPeriod"/>
-            </a:pPr>
-            <a:r>
-              <a:rPr lang="en-US" sz="1800" kern="0" dirty="0" err="1" smtClean="0">
-                <a:solidFill>
-                  <a:schemeClr val="tx1"/>
-                </a:solidFill>
-              </a:rPr>
-              <a:t>rAggr</a:t>
-            </a:r>
-            <a:r>
-              <a:rPr lang="en-US" sz="1800" kern="0" dirty="0" smtClean="0">
-                <a:solidFill>
-                  <a:schemeClr val="tx1"/>
-                </a:solidFill>
-              </a:rPr>
-              <a:t> SNPs</a:t>
-            </a:r>
-          </a:p>
-          <a:p>
-            <a:pPr marL="635508" lvl="1" indent="-342900">
-              <a:spcBef>
-                <a:spcPts val="600"/>
-              </a:spcBef>
-              <a:buClrTx/>
-              <a:buFont typeface="Arial" panose="020B0604020202020204" pitchFamily="34" charset="0"/>
-              <a:buChar char="•"/>
-            </a:pPr>
-            <a:r>
-              <a:rPr lang="en-US" kern="0" dirty="0" smtClean="0">
-                <a:solidFill>
-                  <a:schemeClr val="tx1"/>
-                </a:solidFill>
-              </a:rPr>
-              <a:t>179 </a:t>
-            </a:r>
-            <a:r>
-              <a:rPr lang="en-US" kern="0" dirty="0" smtClean="0">
-                <a:solidFill>
-                  <a:schemeClr val="tx1"/>
-                </a:solidFill>
-              </a:rPr>
-              <a:t>PGC suggestive SNPs + neighboring proxies</a:t>
-            </a:r>
-          </a:p>
-          <a:p>
-            <a:pPr marL="635508" lvl="1" indent="-342900">
-              <a:spcBef>
-                <a:spcPts val="600"/>
-              </a:spcBef>
-              <a:buClrTx/>
-              <a:buFont typeface="Arial" panose="020B0604020202020204" pitchFamily="34" charset="0"/>
-              <a:buChar char="•"/>
-            </a:pPr>
-            <a:r>
-              <a:rPr lang="en-US" kern="0" dirty="0" smtClean="0">
-                <a:solidFill>
-                  <a:schemeClr val="tx1"/>
-                </a:solidFill>
-              </a:rPr>
-              <a:t>10,981 </a:t>
-            </a:r>
-            <a:r>
-              <a:rPr lang="en-US" kern="0" dirty="0" smtClean="0">
-                <a:solidFill>
-                  <a:schemeClr val="tx1"/>
-                </a:solidFill>
-              </a:rPr>
-              <a:t>SNPs total</a:t>
-            </a:r>
-          </a:p>
-          <a:p>
-            <a:pPr marL="342900" indent="-342900">
-              <a:spcBef>
-                <a:spcPts val="600"/>
-              </a:spcBef>
-              <a:buClrTx/>
-              <a:buFont typeface="+mj-lt"/>
-              <a:buAutoNum type="arabicPeriod"/>
-            </a:pPr>
-            <a:endParaRPr lang="en-US" sz="1800" kern="0" dirty="0" smtClean="0">
-              <a:solidFill>
-                <a:schemeClr val="tx1"/>
-              </a:solidFill>
-            </a:endParaRPr>
-          </a:p>
-          <a:p>
-            <a:pPr marL="228600" indent="-228600">
-              <a:spcBef>
-                <a:spcPts val="600"/>
-              </a:spcBef>
-              <a:buClrTx/>
-              <a:buFont typeface="Arial" panose="020B0604020202020204" pitchFamily="34" charset="0"/>
-              <a:buChar char="•"/>
-            </a:pPr>
-            <a:endParaRPr lang="en-US" sz="1800" kern="0" dirty="0">
-              <a:solidFill>
-                <a:schemeClr val="tx1"/>
-              </a:solidFill>
-            </a:endParaRPr>
-          </a:p>
-        </p:txBody>
-      </p:sp>
-      <p:sp>
-        <p:nvSpPr>
-          <p:cNvPr id="5" name="Rectangle 4"/>
-          <p:cNvSpPr/>
-          <p:nvPr/>
-        </p:nvSpPr>
-        <p:spPr>
-          <a:xfrm>
-            <a:off x="725986" y="2993985"/>
-            <a:ext cx="8142711" cy="1661993"/>
-          </a:xfrm>
-          <a:prstGeom prst="rect">
-            <a:avLst/>
-          </a:prstGeom>
-        </p:spPr>
-        <p:txBody>
-          <a:bodyPr wrap="square">
-            <a:spAutoFit/>
-          </a:bodyPr>
-          <a:lstStyle/>
-          <a:p>
-            <a:r>
-              <a:rPr lang="en-US" sz="2400" kern="0" dirty="0" smtClean="0"/>
-              <a:t>Notes:</a:t>
-            </a:r>
-          </a:p>
-          <a:p>
-            <a:endParaRPr lang="en-US" sz="2400" kern="0" dirty="0" smtClean="0"/>
-          </a:p>
-          <a:p>
-            <a:r>
-              <a:rPr lang="en-US" kern="0" dirty="0" smtClean="0"/>
-              <a:t>- 116 proxy SNPs that map to multiple indexes (see Excel file).</a:t>
-            </a:r>
-          </a:p>
-          <a:p>
-            <a:pPr marL="285750" indent="-285750">
-              <a:buFontTx/>
-              <a:buChar char="-"/>
-            </a:pPr>
-            <a:endParaRPr lang="en-US" kern="0" dirty="0"/>
-          </a:p>
-          <a:p>
-            <a:r>
-              <a:rPr lang="en-US" kern="0" dirty="0" smtClean="0"/>
-              <a:t>- Three index SNPs that are all also proxies for each other:</a:t>
-            </a:r>
-            <a:endParaRPr lang="en-US" dirty="0"/>
-          </a:p>
-        </p:txBody>
-      </p:sp>
-      <p:graphicFrame>
-        <p:nvGraphicFramePr>
-          <p:cNvPr id="8" name="Table 7"/>
-          <p:cNvGraphicFramePr>
-            <a:graphicFrameLocks noGrp="1"/>
-          </p:cNvGraphicFramePr>
-          <p:nvPr>
-            <p:extLst>
-              <p:ext uri="{D42A27DB-BD31-4B8C-83A1-F6EECF244321}">
-                <p14:modId xmlns:p14="http://schemas.microsoft.com/office/powerpoint/2010/main" val="3681979909"/>
-              </p:ext>
-            </p:extLst>
-          </p:nvPr>
-        </p:nvGraphicFramePr>
-        <p:xfrm>
-          <a:off x="768896" y="4655978"/>
-          <a:ext cx="6271002" cy="1174552"/>
-        </p:xfrm>
-        <a:graphic>
-          <a:graphicData uri="http://schemas.openxmlformats.org/drawingml/2006/table">
-            <a:tbl>
-              <a:tblPr/>
-              <a:tblGrid>
-                <a:gridCol w="3399981">
-                  <a:extLst>
-                    <a:ext uri="{9D8B030D-6E8A-4147-A177-3AD203B41FA5}">
-                      <a16:colId xmlns:a16="http://schemas.microsoft.com/office/drawing/2014/main" val="1532202802"/>
-                    </a:ext>
-                  </a:extLst>
-                </a:gridCol>
-                <a:gridCol w="1158033">
-                  <a:extLst>
-                    <a:ext uri="{9D8B030D-6E8A-4147-A177-3AD203B41FA5}">
-                      <a16:colId xmlns:a16="http://schemas.microsoft.com/office/drawing/2014/main" val="748022907"/>
-                    </a:ext>
-                  </a:extLst>
-                </a:gridCol>
-                <a:gridCol w="1712988">
-                  <a:extLst>
-                    <a:ext uri="{9D8B030D-6E8A-4147-A177-3AD203B41FA5}">
-                      <a16:colId xmlns:a16="http://schemas.microsoft.com/office/drawing/2014/main" val="2807299838"/>
-                    </a:ext>
-                  </a:extLst>
-                </a:gridCol>
-              </a:tblGrid>
-              <a:tr h="293638">
-                <a:tc>
-                  <a:txBody>
-                    <a:bodyPr/>
-                    <a:lstStyle/>
-                    <a:p>
-                      <a:pPr algn="ctr" fontAlgn="b"/>
-                      <a:r>
-                        <a:rPr lang="en-US" sz="1800" b="1" i="0" u="none" strike="noStrike" dirty="0">
-                          <a:solidFill>
-                            <a:srgbClr val="000000"/>
-                          </a:solidFill>
-                          <a:effectLst/>
-                          <a:latin typeface="Calibri" panose="020F0502020204030204" pitchFamily="34" charset="0"/>
-                        </a:rPr>
-                        <a:t>SNP1 Name</a:t>
-                      </a:r>
-                    </a:p>
-                  </a:txBody>
-                  <a:tcPr marL="7620" marR="7620" marT="7620" marB="0" anchor="ctr">
-                    <a:lnL>
-                      <a:noFill/>
-                    </a:lnL>
-                    <a:lnR>
-                      <a:noFill/>
-                    </a:lnR>
-                    <a:lnT w="12700" cap="flat" cmpd="sng" algn="ctr">
-                      <a:solidFill>
-                        <a:srgbClr val="000000"/>
-                      </a:solidFill>
-                      <a:prstDash val="solid"/>
-                      <a:round/>
-                      <a:headEnd type="none" w="med" len="med"/>
-                      <a:tailEnd type="none" w="med" len="med"/>
-                    </a:lnT>
-                    <a:lnB w="12700" cap="flat" cmpd="sng" algn="ctr">
-                      <a:solidFill>
-                        <a:srgbClr val="000000"/>
-                      </a:solidFill>
-                      <a:prstDash val="solid"/>
-                      <a:round/>
-                      <a:headEnd type="none" w="med" len="med"/>
-                      <a:tailEnd type="none" w="med" len="med"/>
-                    </a:lnB>
-                    <a:solidFill>
-                      <a:srgbClr val="A5A5A5"/>
-                    </a:solidFill>
-                  </a:tcPr>
-                </a:tc>
-                <a:tc>
-                  <a:txBody>
-                    <a:bodyPr/>
-                    <a:lstStyle/>
-                    <a:p>
-                      <a:pPr algn="ctr" fontAlgn="b"/>
-                      <a:r>
-                        <a:rPr lang="en-US" sz="1800" b="1" i="0" u="none" strike="noStrike" dirty="0">
-                          <a:solidFill>
-                            <a:srgbClr val="000000"/>
-                          </a:solidFill>
-                          <a:effectLst/>
-                          <a:latin typeface="Calibri" panose="020F0502020204030204" pitchFamily="34" charset="0"/>
-                        </a:rPr>
-                        <a:t>SNP1 </a:t>
-                      </a:r>
-                      <a:r>
-                        <a:rPr lang="en-US" sz="1800" b="1" i="0" u="none" strike="noStrike" dirty="0" err="1">
-                          <a:solidFill>
-                            <a:srgbClr val="000000"/>
-                          </a:solidFill>
-                          <a:effectLst/>
-                          <a:latin typeface="Calibri" panose="020F0502020204030204" pitchFamily="34" charset="0"/>
-                        </a:rPr>
-                        <a:t>Chr</a:t>
-                      </a:r>
-                      <a:endParaRPr lang="en-US" sz="1800" b="1" i="0" u="none" strike="noStrike" dirty="0">
-                        <a:solidFill>
-                          <a:srgbClr val="000000"/>
-                        </a:solidFill>
-                        <a:effectLst/>
-                        <a:latin typeface="Calibri" panose="020F0502020204030204" pitchFamily="34" charset="0"/>
-                      </a:endParaRPr>
-                    </a:p>
-                  </a:txBody>
-                  <a:tcPr marL="7620" marR="7620" marT="7620" marB="0" anchor="ctr">
-                    <a:lnL>
-                      <a:noFill/>
-                    </a:lnL>
-                    <a:lnR>
-                      <a:noFill/>
-                    </a:lnR>
-                    <a:lnT w="12700" cap="flat" cmpd="sng" algn="ctr">
-                      <a:solidFill>
-                        <a:srgbClr val="000000"/>
-                      </a:solidFill>
-                      <a:prstDash val="solid"/>
-                      <a:round/>
-                      <a:headEnd type="none" w="med" len="med"/>
-                      <a:tailEnd type="none" w="med" len="med"/>
-                    </a:lnT>
-                    <a:lnB w="12700" cap="flat" cmpd="sng" algn="ctr">
-                      <a:solidFill>
-                        <a:srgbClr val="000000"/>
-                      </a:solidFill>
-                      <a:prstDash val="solid"/>
-                      <a:round/>
-                      <a:headEnd type="none" w="med" len="med"/>
-                      <a:tailEnd type="none" w="med" len="med"/>
-                    </a:lnB>
-                    <a:solidFill>
-                      <a:srgbClr val="A5A5A5"/>
-                    </a:solidFill>
-                  </a:tcPr>
-                </a:tc>
-                <a:tc>
-                  <a:txBody>
-                    <a:bodyPr/>
-                    <a:lstStyle/>
-                    <a:p>
-                      <a:pPr algn="ctr" fontAlgn="b"/>
-                      <a:r>
-                        <a:rPr lang="en-US" sz="1800" b="1" i="0" u="none" strike="noStrike">
-                          <a:solidFill>
-                            <a:srgbClr val="000000"/>
-                          </a:solidFill>
-                          <a:effectLst/>
-                          <a:latin typeface="Calibri" panose="020F0502020204030204" pitchFamily="34" charset="0"/>
-                        </a:rPr>
-                        <a:t>SNP1 Pos</a:t>
-                      </a:r>
-                    </a:p>
-                  </a:txBody>
-                  <a:tcPr marL="7620" marR="7620" marT="7620" marB="0" anchor="ctr">
-                    <a:lnL>
-                      <a:noFill/>
-                    </a:lnL>
-                    <a:lnR>
-                      <a:noFill/>
-                    </a:lnR>
-                    <a:lnT w="12700" cap="flat" cmpd="sng" algn="ctr">
-                      <a:solidFill>
-                        <a:srgbClr val="000000"/>
-                      </a:solidFill>
-                      <a:prstDash val="solid"/>
-                      <a:round/>
-                      <a:headEnd type="none" w="med" len="med"/>
-                      <a:tailEnd type="none" w="med" len="med"/>
-                    </a:lnT>
-                    <a:lnB w="12700" cap="flat" cmpd="sng" algn="ctr">
-                      <a:solidFill>
-                        <a:srgbClr val="000000"/>
-                      </a:solidFill>
-                      <a:prstDash val="solid"/>
-                      <a:round/>
-                      <a:headEnd type="none" w="med" len="med"/>
-                      <a:tailEnd type="none" w="med" len="med"/>
-                    </a:lnB>
-                    <a:solidFill>
-                      <a:srgbClr val="A5A5A5"/>
-                    </a:solidFill>
-                  </a:tcPr>
-                </a:tc>
-                <a:extLst>
-                  <a:ext uri="{0D108BD9-81ED-4DB2-BD59-A6C34878D82A}">
-                    <a16:rowId xmlns:a16="http://schemas.microsoft.com/office/drawing/2014/main" val="1624527857"/>
-                  </a:ext>
-                </a:extLst>
-              </a:tr>
-              <a:tr h="293638">
-                <a:tc>
-                  <a:txBody>
-                    <a:bodyPr/>
-                    <a:lstStyle/>
-                    <a:p>
-                      <a:pPr marL="0" marR="0" lvl="0" indent="0" algn="ctr" defTabSz="914400" rtl="0" eaLnBrk="1" fontAlgn="b" latinLnBrk="0" hangingPunct="1">
-                        <a:lnSpc>
-                          <a:spcPct val="100000"/>
-                        </a:lnSpc>
-                        <a:spcBef>
-                          <a:spcPts val="0"/>
-                        </a:spcBef>
-                        <a:spcAft>
-                          <a:spcPts val="0"/>
-                        </a:spcAft>
-                        <a:buClrTx/>
-                        <a:buSzTx/>
-                        <a:buFontTx/>
-                        <a:buNone/>
-                        <a:tabLst/>
-                        <a:defRPr/>
-                      </a:pPr>
-                      <a:r>
-                        <a:rPr lang="en-US" sz="1800" b="0" i="0" u="none" strike="noStrike" dirty="0" smtClean="0">
-                          <a:solidFill>
-                            <a:srgbClr val="000000"/>
-                          </a:solidFill>
-                          <a:effectLst/>
-                          <a:latin typeface="Calibri" panose="020F0502020204030204" pitchFamily="34" charset="0"/>
-                        </a:rPr>
-                        <a:t>rs58411478:1699077:T:C</a:t>
-                      </a:r>
-                    </a:p>
-                  </a:txBody>
-                  <a:tcPr marL="7620" marR="7620" marT="7620" marB="0" anchor="ctr">
-                    <a:lnL>
-                      <a:noFill/>
-                    </a:lnL>
-                    <a:lnR>
-                      <a:noFill/>
-                    </a:lnR>
-                    <a:lnT w="12700" cap="flat" cmpd="sng" algn="ctr">
-                      <a:solidFill>
-                        <a:srgbClr val="000000"/>
-                      </a:solidFill>
-                      <a:prstDash val="solid"/>
-                      <a:round/>
-                      <a:headEnd type="none" w="med" len="med"/>
-                      <a:tailEnd type="none" w="med" len="med"/>
-                    </a:lnT>
-                    <a:lnB>
-                      <a:noFill/>
-                    </a:lnB>
-                    <a:solidFill>
-                      <a:srgbClr val="D9D9D9"/>
-                    </a:solidFill>
-                  </a:tcPr>
-                </a:tc>
-                <a:tc>
-                  <a:txBody>
-                    <a:bodyPr/>
-                    <a:lstStyle/>
-                    <a:p>
-                      <a:pPr algn="ctr" fontAlgn="b"/>
-                      <a:r>
-                        <a:rPr lang="en-US" sz="1800" b="0" i="0" u="none" strike="noStrike" dirty="0">
-                          <a:solidFill>
-                            <a:srgbClr val="000000"/>
-                          </a:solidFill>
-                          <a:effectLst/>
-                          <a:latin typeface="Calibri" panose="020F0502020204030204" pitchFamily="34" charset="0"/>
-                        </a:rPr>
-                        <a:t>11</a:t>
-                      </a:r>
-                    </a:p>
-                  </a:txBody>
-                  <a:tcPr marL="7620" marR="7620" marT="7620" marB="0" anchor="ctr">
-                    <a:lnL>
-                      <a:noFill/>
-                    </a:lnL>
-                    <a:lnR>
-                      <a:noFill/>
-                    </a:lnR>
-                    <a:lnT w="12700" cap="flat" cmpd="sng" algn="ctr">
-                      <a:solidFill>
-                        <a:srgbClr val="000000"/>
-                      </a:solidFill>
-                      <a:prstDash val="solid"/>
-                      <a:round/>
-                      <a:headEnd type="none" w="med" len="med"/>
-                      <a:tailEnd type="none" w="med" len="med"/>
-                    </a:lnT>
-                    <a:lnB>
-                      <a:noFill/>
-                    </a:lnB>
-                    <a:solidFill>
-                      <a:srgbClr val="D9D9D9"/>
-                    </a:solidFill>
-                  </a:tcPr>
-                </a:tc>
-                <a:tc>
-                  <a:txBody>
-                    <a:bodyPr/>
-                    <a:lstStyle/>
-                    <a:p>
-                      <a:pPr algn="ctr" fontAlgn="b"/>
-                      <a:r>
-                        <a:rPr lang="en-US" sz="1800" b="0" i="0" u="none" strike="noStrike" dirty="0" smtClean="0">
-                          <a:solidFill>
-                            <a:srgbClr val="000000"/>
-                          </a:solidFill>
-                          <a:effectLst/>
-                          <a:latin typeface="Calibri" panose="020F0502020204030204" pitchFamily="34" charset="0"/>
-                        </a:rPr>
-                        <a:t>1699077</a:t>
-                      </a:r>
-                      <a:endParaRPr lang="en-US" sz="1800" b="0" i="0" u="none" strike="noStrike" dirty="0">
-                        <a:solidFill>
-                          <a:srgbClr val="000000"/>
-                        </a:solidFill>
-                        <a:effectLst/>
-                        <a:latin typeface="Calibri" panose="020F0502020204030204" pitchFamily="34" charset="0"/>
-                      </a:endParaRPr>
-                    </a:p>
-                  </a:txBody>
-                  <a:tcPr marL="7620" marR="7620" marT="7620" marB="0" anchor="ctr">
-                    <a:lnL>
-                      <a:noFill/>
-                    </a:lnL>
-                    <a:lnR>
-                      <a:noFill/>
-                    </a:lnR>
-                    <a:lnT w="12700" cap="flat" cmpd="sng" algn="ctr">
-                      <a:solidFill>
-                        <a:srgbClr val="000000"/>
-                      </a:solidFill>
-                      <a:prstDash val="solid"/>
-                      <a:round/>
-                      <a:headEnd type="none" w="med" len="med"/>
-                      <a:tailEnd type="none" w="med" len="med"/>
-                    </a:lnT>
-                    <a:lnB>
-                      <a:noFill/>
-                    </a:lnB>
-                    <a:solidFill>
-                      <a:srgbClr val="D9D9D9"/>
-                    </a:solidFill>
-                  </a:tcPr>
-                </a:tc>
-                <a:extLst>
-                  <a:ext uri="{0D108BD9-81ED-4DB2-BD59-A6C34878D82A}">
-                    <a16:rowId xmlns:a16="http://schemas.microsoft.com/office/drawing/2014/main" val="66172720"/>
-                  </a:ext>
-                </a:extLst>
-              </a:tr>
-              <a:tr h="293638">
-                <a:tc>
-                  <a:txBody>
-                    <a:bodyPr/>
-                    <a:lstStyle/>
-                    <a:p>
-                      <a:pPr algn="ctr" fontAlgn="b"/>
-                      <a:r>
-                        <a:rPr lang="en-US" sz="1800" b="0" i="0" u="none" strike="noStrike" dirty="0">
-                          <a:solidFill>
-                            <a:srgbClr val="000000"/>
-                          </a:solidFill>
-                          <a:effectLst/>
-                          <a:latin typeface="Calibri" panose="020F0502020204030204" pitchFamily="34" charset="0"/>
-                        </a:rPr>
-                        <a:t>rs61509608:1697786:C:T</a:t>
-                      </a:r>
-                    </a:p>
-                  </a:txBody>
-                  <a:tcPr marL="7620" marR="7620" marT="7620" marB="0" anchor="ctr">
-                    <a:lnL>
-                      <a:noFill/>
-                    </a:lnL>
-                    <a:lnR>
-                      <a:noFill/>
-                    </a:lnR>
-                    <a:lnT>
-                      <a:noFill/>
-                    </a:lnT>
-                    <a:lnB>
-                      <a:noFill/>
-                    </a:lnB>
-                  </a:tcPr>
-                </a:tc>
-                <a:tc>
-                  <a:txBody>
-                    <a:bodyPr/>
-                    <a:lstStyle/>
-                    <a:p>
-                      <a:pPr algn="ctr" fontAlgn="b"/>
-                      <a:r>
-                        <a:rPr lang="en-US" sz="1800" b="0" i="0" u="none" strike="noStrike" dirty="0">
-                          <a:solidFill>
-                            <a:srgbClr val="000000"/>
-                          </a:solidFill>
-                          <a:effectLst/>
-                          <a:latin typeface="Calibri" panose="020F0502020204030204" pitchFamily="34" charset="0"/>
-                        </a:rPr>
-                        <a:t>11</a:t>
-                      </a:r>
-                    </a:p>
-                  </a:txBody>
-                  <a:tcPr marL="7620" marR="7620" marT="7620" marB="0" anchor="ctr">
-                    <a:lnL>
-                      <a:noFill/>
-                    </a:lnL>
-                    <a:lnR>
-                      <a:noFill/>
-                    </a:lnR>
-                    <a:lnT>
-                      <a:noFill/>
-                    </a:lnT>
-                    <a:lnB>
-                      <a:noFill/>
-                    </a:lnB>
-                  </a:tcPr>
-                </a:tc>
-                <a:tc>
-                  <a:txBody>
-                    <a:bodyPr/>
-                    <a:lstStyle/>
-                    <a:p>
-                      <a:pPr algn="ctr" fontAlgn="b"/>
-                      <a:r>
-                        <a:rPr lang="en-US" sz="1800" b="0" i="0" u="none" strike="noStrike" dirty="0">
-                          <a:solidFill>
-                            <a:srgbClr val="000000"/>
-                          </a:solidFill>
-                          <a:effectLst/>
-                          <a:latin typeface="Calibri" panose="020F0502020204030204" pitchFamily="34" charset="0"/>
-                        </a:rPr>
-                        <a:t>1697786</a:t>
-                      </a:r>
-                    </a:p>
-                  </a:txBody>
-                  <a:tcPr marL="7620" marR="7620" marT="7620" marB="0" anchor="ctr">
-                    <a:lnL>
-                      <a:noFill/>
-                    </a:lnL>
-                    <a:lnR>
-                      <a:noFill/>
-                    </a:lnR>
-                    <a:lnT>
-                      <a:noFill/>
-                    </a:lnT>
-                    <a:lnB>
-                      <a:noFill/>
-                    </a:lnB>
-                  </a:tcPr>
-                </a:tc>
-                <a:extLst>
-                  <a:ext uri="{0D108BD9-81ED-4DB2-BD59-A6C34878D82A}">
-                    <a16:rowId xmlns:a16="http://schemas.microsoft.com/office/drawing/2014/main" val="3738592957"/>
-                  </a:ext>
-                </a:extLst>
-              </a:tr>
-              <a:tr h="293638">
-                <a:tc>
-                  <a:txBody>
-                    <a:bodyPr/>
-                    <a:lstStyle/>
-                    <a:p>
-                      <a:pPr algn="ctr" fontAlgn="b"/>
-                      <a:r>
-                        <a:rPr lang="en-US" sz="1800" b="0" i="0" u="none" strike="noStrike" dirty="0" smtClean="0">
-                          <a:solidFill>
-                            <a:srgbClr val="000000"/>
-                          </a:solidFill>
-                          <a:effectLst/>
-                          <a:latin typeface="Calibri" panose="020F0502020204030204" pitchFamily="34" charset="0"/>
-                        </a:rPr>
-                        <a:t>rs73404742:1704107:G:A</a:t>
-                      </a:r>
-                      <a:endParaRPr lang="en-US" sz="1800" b="0" i="0" u="none" strike="noStrike" dirty="0">
-                        <a:solidFill>
-                          <a:srgbClr val="000000"/>
-                        </a:solidFill>
-                        <a:effectLst/>
-                        <a:latin typeface="Calibri" panose="020F0502020204030204" pitchFamily="34" charset="0"/>
-                      </a:endParaRPr>
-                    </a:p>
-                  </a:txBody>
-                  <a:tcPr marL="7620" marR="7620" marT="7620" marB="0" anchor="ctr">
-                    <a:lnL>
-                      <a:noFill/>
-                    </a:lnL>
-                    <a:lnR>
-                      <a:noFill/>
-                    </a:lnR>
-                    <a:lnT>
-                      <a:noFill/>
-                    </a:lnT>
-                    <a:lnB>
-                      <a:noFill/>
-                    </a:lnB>
-                    <a:solidFill>
-                      <a:srgbClr val="D9D9D9"/>
-                    </a:solidFill>
-                  </a:tcPr>
-                </a:tc>
-                <a:tc>
-                  <a:txBody>
-                    <a:bodyPr/>
-                    <a:lstStyle/>
-                    <a:p>
-                      <a:pPr algn="ctr" fontAlgn="b"/>
-                      <a:r>
-                        <a:rPr lang="en-US" sz="1800" b="0" i="0" u="none" strike="noStrike" dirty="0">
-                          <a:solidFill>
-                            <a:srgbClr val="000000"/>
-                          </a:solidFill>
-                          <a:effectLst/>
-                          <a:latin typeface="Calibri" panose="020F0502020204030204" pitchFamily="34" charset="0"/>
-                        </a:rPr>
-                        <a:t>11</a:t>
-                      </a:r>
-                    </a:p>
-                  </a:txBody>
-                  <a:tcPr marL="7620" marR="7620" marT="7620" marB="0" anchor="ctr">
-                    <a:lnL>
-                      <a:noFill/>
-                    </a:lnL>
-                    <a:lnR>
-                      <a:noFill/>
-                    </a:lnR>
-                    <a:lnT>
-                      <a:noFill/>
-                    </a:lnT>
-                    <a:lnB>
-                      <a:noFill/>
-                    </a:lnB>
-                    <a:solidFill>
-                      <a:srgbClr val="D9D9D9"/>
-                    </a:solidFill>
-                  </a:tcPr>
-                </a:tc>
-                <a:tc>
-                  <a:txBody>
-                    <a:bodyPr/>
-                    <a:lstStyle/>
-                    <a:p>
-                      <a:pPr algn="ctr" fontAlgn="b"/>
-                      <a:r>
-                        <a:rPr lang="en-US" sz="1800" b="0" i="0" u="none" strike="noStrike" dirty="0" smtClean="0">
-                          <a:solidFill>
-                            <a:srgbClr val="000000"/>
-                          </a:solidFill>
-                          <a:effectLst/>
-                          <a:latin typeface="Calibri" panose="020F0502020204030204" pitchFamily="34" charset="0"/>
-                        </a:rPr>
-                        <a:t>1704107</a:t>
-                      </a:r>
-                      <a:endParaRPr lang="en-US" sz="1800" b="0" i="0" u="none" strike="noStrike" dirty="0">
-                        <a:solidFill>
-                          <a:srgbClr val="000000"/>
-                        </a:solidFill>
-                        <a:effectLst/>
-                        <a:latin typeface="Calibri" panose="020F0502020204030204" pitchFamily="34" charset="0"/>
-                      </a:endParaRPr>
-                    </a:p>
-                  </a:txBody>
-                  <a:tcPr marL="7620" marR="7620" marT="7620" marB="0" anchor="ctr">
-                    <a:lnL>
-                      <a:noFill/>
-                    </a:lnL>
-                    <a:lnR>
-                      <a:noFill/>
-                    </a:lnR>
-                    <a:lnT>
-                      <a:noFill/>
-                    </a:lnT>
-                    <a:lnB>
-                      <a:noFill/>
-                    </a:lnB>
-                    <a:solidFill>
-                      <a:srgbClr val="D9D9D9"/>
-                    </a:solidFill>
-                  </a:tcPr>
-                </a:tc>
-                <a:extLst>
-                  <a:ext uri="{0D108BD9-81ED-4DB2-BD59-A6C34878D82A}">
-                    <a16:rowId xmlns:a16="http://schemas.microsoft.com/office/drawing/2014/main" val="2823271260"/>
-                  </a:ext>
-                </a:extLst>
-              </a:tr>
-            </a:tbl>
-          </a:graphicData>
-        </a:graphic>
-      </p:graphicFrame>
-    </p:spTree>
-    <p:extLst>
-      <p:ext uri="{BB962C8B-B14F-4D97-AF65-F5344CB8AC3E}">
-        <p14:creationId xmlns:p14="http://schemas.microsoft.com/office/powerpoint/2010/main" val="3033165088"/>
-      </p:ext>
-    </p:extLst>
-  </p:cSld>
-  <p:clrMapOvr>
-    <a:masterClrMapping/>
-  </p:clrMapOvr>
-</p:sld>
-</file>
-
-<file path=ppt/slides/slide4.xml><?xml version="1.0" encoding="utf-8"?>
-<p:sld xmlns:a="http://schemas.openxmlformats.org/drawingml/2006/main" xmlns:r="http://schemas.openxmlformats.org/officeDocument/2006/relationships" xmlns:p="http://schemas.openxmlformats.org/presentationml/2006/main">
-  <p:cSld>
-    <p:spTree>
-      <p:nvGrpSpPr>
-        <p:cNvPr id="1" name=""/>
-        <p:cNvGrpSpPr/>
-        <p:nvPr/>
-      </p:nvGrpSpPr>
-      <p:grpSpPr>
-        <a:xfrm>
-          <a:off x="0" y="0"/>
-          <a:ext cx="0" cy="0"/>
-          <a:chOff x="0" y="0"/>
-          <a:chExt cx="0" cy="0"/>
-        </a:xfrm>
-      </p:grpSpPr>
-      <p:sp>
-        <p:nvSpPr>
-          <p:cNvPr id="2" name="Title 1">
-            <a:extLst>
-              <a:ext uri="{FF2B5EF4-FFF2-40B4-BE49-F238E27FC236}">
-                <a16:creationId xmlns:a16="http://schemas.microsoft.com/office/drawing/2014/main" id="{7D15BA8E-A30A-4CFD-BE26-AA6787FA3EE5}"/>
-              </a:ext>
-            </a:extLst>
-          </p:cNvPr>
-          <p:cNvSpPr>
-            <a:spLocks noGrp="1"/>
-          </p:cNvSpPr>
-          <p:nvPr>
-            <p:ph type="title"/>
-          </p:nvPr>
-        </p:nvSpPr>
-        <p:spPr>
-          <a:xfrm>
-            <a:off x="725986" y="333286"/>
-            <a:ext cx="10058400" cy="872727"/>
-          </a:xfrm>
-        </p:spPr>
-        <p:txBody>
-          <a:bodyPr/>
-          <a:lstStyle/>
-          <a:p>
-            <a:r>
-              <a:rPr lang="en-US" dirty="0" err="1">
-                <a:latin typeface="+mn-lt"/>
-              </a:rPr>
-              <a:t>eQTL</a:t>
-            </a:r>
-            <a:r>
-              <a:rPr lang="en-US" dirty="0">
-                <a:latin typeface="+mn-lt"/>
-              </a:rPr>
-              <a:t> </a:t>
-            </a:r>
-            <a:r>
-              <a:rPr lang="en-US" dirty="0" smtClean="0">
-                <a:latin typeface="+mn-lt"/>
-              </a:rPr>
               <a:t>Analysis - </a:t>
             </a:r>
             <a:r>
@@ -8440,7 +6845,7 @@
           <p:nvPr>
             <p:extLst>
               <p:ext uri="{D42A27DB-BD31-4B8C-83A1-F6EECF244321}">
-                <p14:modId xmlns:p14="http://schemas.microsoft.com/office/powerpoint/2010/main" val="4220975432"/>
+                <p14:modId xmlns:p14="http://schemas.microsoft.com/office/powerpoint/2010/main" val="479551316"/>
               </p:ext>
             </p:extLst>
           </p:nvPr>
@@ -8534,10 +6939,10 @@
                     <a:p>
                       <a:pPr algn="ctr"/>
                       <a:r>
-                        <a:rPr lang="en-US" sz="1800" dirty="0" smtClean="0"/>
-                        <a:t>Amygdala (n=243)</a:t>
+                        <a:rPr lang="en-US" sz="1800" b="1" smtClean="0"/>
+                        <a:t>Hippo (n=395)</a:t>
                       </a:r>
-                      <a:endParaRPr lang="en-US" sz="1800" dirty="0"/>
+                      <a:endParaRPr lang="en-US" sz="1800" b="1" dirty="0"/>
                     </a:p>
                   </a:txBody>
                   <a:tcPr anchor="ctr">
@@ -8586,10 +6991,10 @@
                     <a:p>
                       <a:pPr algn="ctr"/>
                       <a:r>
-                        <a:rPr lang="en-US" sz="1800" dirty="0" smtClean="0"/>
-                        <a:t>DLPFC (n=167)</a:t>
+                        <a:rPr lang="en-US" sz="1800" b="1" dirty="0" smtClean="0"/>
+                        <a:t>DLPFC (n=397)</a:t>
                       </a:r>
-                      <a:endParaRPr lang="en-US" sz="1800" dirty="0"/>
+                      <a:endParaRPr lang="en-US" sz="1800" b="1" dirty="0"/>
                     </a:p>
                   </a:txBody>
                   <a:tcPr anchor="ctr">
@@ -8694,7 +7099,7 @@
                     </a:lnB>
                   </a:tcPr>
                 </a:tc>
-                <a:tc>
+                <a:tc gridSpan="2">
                   <a:txBody>
                     <a:bodyPr/>
                     <a:lstStyle/>
@@ -8702,7 +7107,7 @@
                       <a:pPr algn="ctr"/>
                       <a:r>
                         <a:rPr lang="en-US" sz="1600" dirty="0" smtClean="0"/>
-                        <a:t>10,777 (456)</a:t>
+                        <a:t>9692 (135)</a:t>
                       </a:r>
                       <a:endParaRPr lang="en-US" sz="1600" dirty="0"/>
                     </a:p>
@@ -8746,16 +7151,12 @@
                     </a:lnB>
                   </a:tcPr>
                 </a:tc>
-                <a:tc>
+                <a:tc hMerge="1">
                   <a:txBody>
                     <a:bodyPr/>
                     <a:lstStyle/>
                     <a:p>
                       <a:pPr algn="ctr"/>
-                      <a:r>
-                        <a:rPr lang="en-US" sz="1600" dirty="0" smtClean="0"/>
-                        <a:t>10,777 (456)</a:t>
-                      </a:r>
                       <a:endParaRPr lang="en-US" sz="1600" dirty="0"/>
                     </a:p>
                   </a:txBody>
@@ -8856,7 +7257,7 @@
                     </a:lnB>
                   </a:tcPr>
                 </a:tc>
-                <a:tc>
+                <a:tc gridSpan="2">
                   <a:txBody>
                     <a:bodyPr/>
                     <a:lstStyle/>
@@ -8864,7 +7265,7 @@
                       <a:pPr algn="ctr"/>
                       <a:r>
                         <a:rPr lang="en-US" sz="1600" dirty="0" smtClean="0"/>
-                        <a:t>25,136</a:t>
+                        <a:t>24,652</a:t>
                       </a:r>
                       <a:endParaRPr lang="en-US" sz="1600" dirty="0"/>
                     </a:p>
@@ -8908,16 +7309,12 @@
                     </a:lnB>
                   </a:tcPr>
                 </a:tc>
-                <a:tc>
+                <a:tc hMerge="1">
                   <a:txBody>
                     <a:bodyPr/>
                     <a:lstStyle/>
                     <a:p>
                       <a:pPr algn="ctr"/>
-                      <a:r>
-                        <a:rPr lang="en-US" sz="1600" dirty="0" smtClean="0"/>
-                        <a:t>25,136</a:t>
-                      </a:r>
                       <a:endParaRPr lang="en-US" sz="1600" dirty="0"/>
                     </a:p>
                   </a:txBody>
@@ -9018,7 +7415,7 @@
                     </a:lnB>
                   </a:tcPr>
                 </a:tc>
-                <a:tc>
+                <a:tc gridSpan="2">
                   <a:txBody>
                     <a:bodyPr/>
                     <a:lstStyle/>
@@ -9026,7 +7423,7 @@
                       <a:pPr algn="ctr"/>
                       <a:r>
                         <a:rPr lang="en-US" sz="1600" dirty="0" smtClean="0"/>
-                        <a:t>73,214 (27,077)</a:t>
+                        <a:t>92,732 (31,707)</a:t>
                       </a:r>
                       <a:endParaRPr lang="en-US" sz="1600" dirty="0"/>
                     </a:p>
@@ -9070,16 +7467,12 @@
                     </a:lnB>
                   </a:tcPr>
                 </a:tc>
-                <a:tc>
+                <a:tc hMerge="1">
                   <a:txBody>
                     <a:bodyPr/>
                     <a:lstStyle/>
                     <a:p>
                       <a:pPr algn="ctr"/>
-                      <a:r>
-                        <a:rPr lang="en-US" sz="1600" dirty="0" smtClean="0"/>
-                        <a:t>73,214 (27,077)</a:t>
-                      </a:r>
                       <a:endParaRPr lang="en-US" sz="1600" dirty="0"/>
                     </a:p>
                   </a:txBody>
@@ -9196,7 +7589,7 @@
                     </a:lnB>
                   </a:tcPr>
                 </a:tc>
-                <a:tc>
+                <a:tc gridSpan="2">
                   <a:txBody>
                     <a:bodyPr/>
                     <a:lstStyle/>
@@ -9220,9 +7613,13 @@
                       </a:pPr>
                       <a:r>
                         <a:rPr lang="en-US" sz="1600" dirty="0" smtClean="0"/>
-                        <a:t>396,818 (23,628)</a:t>
+                        <a:t>396,583 (23,943)</a:t>
                       </a:r>
-                      <a:endParaRPr lang="en-US" sz="1600" dirty="0"/>
+                      <a:endParaRPr lang="en-US" sz="1600" dirty="0">
+                        <a:solidFill>
+                          <a:schemeClr val="tx1"/>
+                        </a:solidFill>
+                      </a:endParaRPr>
                     </a:p>
                   </a:txBody>
                   <a:tcPr anchor="ctr">
@@ -9264,28 +7661,12 @@
                     </a:lnB>
                   </a:tcPr>
                 </a:tc>
-                <a:tc>
+                <a:tc hMerge="1">
                   <a:txBody>
                     <a:bodyPr/>
                     <a:lstStyle/>
                     <a:p>
                       <a:pPr algn="ctr"/>
-                      <a:r>
-                        <a:rPr lang="en-US" sz="1600" dirty="0" smtClean="0">
-                          <a:solidFill>
-                            <a:srgbClr val="FF0000"/>
-                          </a:solidFill>
-                        </a:rPr>
-                        <a:t>396,815</a:t>
-                      </a:r>
-                      <a:r>
-                        <a:rPr lang="en-US" sz="1600" dirty="0" smtClean="0">
-                          <a:solidFill>
-                            <a:schemeClr val="tx1"/>
-                          </a:solidFill>
-                        </a:rPr>
-                        <a:t> (23,628)</a:t>
-                      </a:r>
                       <a:endParaRPr lang="en-US" sz="1600" dirty="0">
                         <a:solidFill>
                           <a:schemeClr val="tx1"/>
@@ -9406,7 +7787,7 @@
                     </a:lnB>
                   </a:tcPr>
                 </a:tc>
-                <a:tc>
+                <a:tc gridSpan="2">
                   <a:txBody>
                     <a:bodyPr/>
                     <a:lstStyle/>
@@ -9414,7 +7795,7 @@
                       <a:pPr algn="ctr"/>
                       <a:r>
                         <a:rPr lang="en-US" sz="1600" dirty="0" smtClean="0"/>
-                        <a:t>266,197 (20,024)</a:t>
+                        <a:t>297,181 (18,330)</a:t>
                       </a:r>
                       <a:endParaRPr lang="en-US" sz="1600" dirty="0"/>
                     </a:p>
@@ -9458,16 +7839,12 @@
                     </a:lnB>
                   </a:tcPr>
                 </a:tc>
-                <a:tc>
+                <a:tc hMerge="1">
                   <a:txBody>
                     <a:bodyPr/>
                     <a:lstStyle/>
                     <a:p>
                       <a:pPr algn="ctr"/>
-                      <a:r>
-                        <a:rPr lang="en-US" sz="1600" dirty="0" smtClean="0"/>
-                        <a:t>258,774 (19,850)</a:t>
-                      </a:r>
                       <a:endParaRPr lang="en-US" sz="1600" dirty="0"/>
                     </a:p>
                   </a:txBody>
@@ -9581,7 +7958,7 @@
           <a:p>
             <a:pPr algn="ctr"/>
             <a:r>
-              <a:rPr lang="en-US" sz="2400" spc="-50" dirty="0">
+              <a:rPr lang="en-US" sz="2400" spc="-50" dirty="0" smtClean="0">
                 <a:solidFill>
                   <a:schemeClr val="tx1">
                     <a:lumMod val="75000"/>
@@ -9591,7 +7968,7 @@
                 <a:ea typeface="+mj-ea"/>
                 <a:cs typeface="+mj-cs"/>
               </a:rPr>
-              <a:t>881</a:t>
+              <a:t>179</a:t>
             </a:r>
             <a:r>
               <a:rPr lang="en-US" sz="2400" dirty="0" smtClean="0"/>
@@ -9626,7 +8003,7 @@
 </p:sld>
 </file>
 
-<file path=ppt/slides/slide5.xml><?xml version="1.0" encoding="utf-8"?>
+<file path=ppt/slides/slide4.xml><?xml version="1.0" encoding="utf-8"?>
 <p:sld xmlns:a="http://schemas.openxmlformats.org/drawingml/2006/main" xmlns:r="http://schemas.openxmlformats.org/officeDocument/2006/relationships" xmlns:p="http://schemas.openxmlformats.org/presentationml/2006/main">
   <p:cSld>
     <p:spTree>
@@ -9722,7 +8099,7 @@
           <p:nvPr>
             <p:extLst>
               <p:ext uri="{D42A27DB-BD31-4B8C-83A1-F6EECF244321}">
-                <p14:modId xmlns:p14="http://schemas.microsoft.com/office/powerpoint/2010/main" val="3140177606"/>
+                <p14:modId xmlns:p14="http://schemas.microsoft.com/office/powerpoint/2010/main" val="575452014"/>
               </p:ext>
             </p:extLst>
           </p:nvPr>
@@ -9816,9 +8193,10 @@
                     <a:p>
                       <a:pPr algn="ctr"/>
                       <a:r>
-                        <a:rPr lang="en-US" sz="1800" dirty="0"/>
-                        <a:t>Amygdala</a:t>
+                        <a:rPr lang="en-US" sz="1800" dirty="0" smtClean="0"/>
+                        <a:t>Hippocampus</a:t>
                       </a:r>
+                      <a:endParaRPr lang="en-US" sz="1800" dirty="0"/>
                     </a:p>
                   </a:txBody>
                   <a:tcPr anchor="ctr">
@@ -9982,7 +8360,7 @@
                       <a:pPr algn="ctr"/>
                       <a:r>
                         <a:rPr lang="en-US" sz="1600" dirty="0" smtClean="0"/>
-                        <a:t>2943 (102)</a:t>
+                        <a:t>5510 (45)</a:t>
                       </a:r>
                       <a:endParaRPr lang="en-US" sz="1600" dirty="0"/>
                     </a:p>
@@ -10034,7 +8412,7 @@
                       <a:pPr algn="ctr"/>
                       <a:r>
                         <a:rPr lang="en-US" sz="1600" dirty="0" smtClean="0"/>
-                        <a:t>2619 (93)</a:t>
+                        <a:t>6780 (52)</a:t>
                       </a:r>
                       <a:endParaRPr lang="en-US" sz="1600" dirty="0"/>
                     </a:p>
@@ -10167,8 +8545,9 @@
                       </a:pPr>
                       <a:r>
                         <a:rPr lang="en-US" sz="1600" dirty="0" smtClean="0"/>
-                        <a:t>998</a:t>
+                        <a:t>1731</a:t>
                       </a:r>
+                      <a:endParaRPr lang="en-US" sz="1600" dirty="0" smtClean="0"/>
                     </a:p>
                   </a:txBody>
                   <a:tcPr anchor="ctr">
@@ -10220,7 +8599,7 @@
                       <a:pPr algn="ctr"/>
                       <a:r>
                         <a:rPr lang="en-US" sz="1600" dirty="0" smtClean="0"/>
-                        <a:t>807</a:t>
+                        <a:t>2525</a:t>
                       </a:r>
                       <a:endParaRPr lang="en-US" sz="1600" dirty="0"/>
                     </a:p>
@@ -10357,8 +8736,9 @@
                       </a:pPr>
                       <a:r>
                         <a:rPr lang="en-US" sz="1600" dirty="0" smtClean="0"/>
-                        <a:t>105</a:t>
+                        <a:t>123</a:t>
                       </a:r>
+                      <a:endParaRPr lang="en-US" sz="1600" dirty="0" smtClean="0"/>
                     </a:p>
                   </a:txBody>
                   <a:tcPr anchor="ctr">
@@ -10412,7 +8792,7 @@
                       <a:pPr algn="ctr"/>
                       <a:r>
                         <a:rPr lang="en-US" sz="1600" dirty="0" smtClean="0"/>
-                        <a:t>89</a:t>
+                        <a:t>171</a:t>
                       </a:r>
                       <a:endParaRPr lang="en-US" sz="1600" dirty="0"/>
                     </a:p>
@@ -10566,8 +8946,9 @@
                       </a:pPr>
                       <a:r>
                         <a:rPr lang="en-US" sz="1600" dirty="0" smtClean="0"/>
-                        <a:t>130</a:t>
+                        <a:t>244</a:t>
                       </a:r>
+                      <a:endParaRPr lang="en-US" sz="1600" dirty="0" smtClean="0"/>
                     </a:p>
                   </a:txBody>
                   <a:tcPr anchor="ctr">
@@ -10621,7 +9002,7 @@
                       <a:pPr algn="ctr"/>
                       <a:r>
                         <a:rPr lang="en-US" sz="1600" dirty="0" smtClean="0"/>
-                        <a:t>146</a:t>
+                        <a:t>332</a:t>
                       </a:r>
                       <a:endParaRPr lang="en-US" sz="1600" dirty="0"/>
                     </a:p>
@@ -10784,8 +9165,9 @@
                       </a:pPr>
                       <a:r>
                         <a:rPr lang="en-US" sz="1600" dirty="0" smtClean="0"/>
-                        <a:t>506</a:t>
+                        <a:t>857</a:t>
                       </a:r>
+                      <a:endParaRPr lang="en-US" sz="1600" dirty="0" smtClean="0"/>
                     </a:p>
                   </a:txBody>
                   <a:tcPr anchor="ctr">
@@ -10839,7 +9221,7 @@
                       <a:pPr algn="ctr"/>
                       <a:r>
                         <a:rPr lang="en-US" sz="1600" dirty="0" smtClean="0"/>
-                        <a:t>378</a:t>
+                        <a:t>1363</a:t>
                       </a:r>
                       <a:endParaRPr lang="en-US" sz="1600" dirty="0"/>
                     </a:p>
@@ -11000,8 +9382,9 @@
                       </a:pPr>
                       <a:r>
                         <a:rPr lang="en-US" sz="1600" dirty="0" smtClean="0"/>
-                        <a:t>257</a:t>
+                        <a:t>507</a:t>
                       </a:r>
+                      <a:endParaRPr lang="en-US" sz="1600" dirty="0" smtClean="0"/>
                     </a:p>
                   </a:txBody>
                   <a:tcPr anchor="ctr">
@@ -11053,7 +9436,7 @@
                       <a:pPr algn="ctr"/>
                       <a:r>
                         <a:rPr lang="en-US" sz="1600" dirty="0" smtClean="0"/>
-                        <a:t>194</a:t>
+                        <a:t>659</a:t>
                       </a:r>
                       <a:endParaRPr lang="en-US" sz="1600" dirty="0"/>
                     </a:p>
@@ -11192,8 +9575,9 @@
                       </a:pPr>
                       <a:r>
                         <a:rPr lang="en-US" sz="1600" dirty="0" smtClean="0"/>
-                        <a:t>22,572 (229)</a:t>
+                        <a:t>66,923 (463)</a:t>
                       </a:r>
+                      <a:endParaRPr lang="en-US" sz="1600" dirty="0" smtClean="0"/>
                     </a:p>
                   </a:txBody>
                   <a:tcPr anchor="ctr">
@@ -11245,7 +9629,7 @@
                       <a:pPr algn="ctr"/>
                       <a:r>
                         <a:rPr lang="en-US" sz="1600" dirty="0" smtClean="0"/>
-                        <a:t>14,669 (249)</a:t>
+                        <a:t>106,438 (568)</a:t>
                       </a:r>
                       <a:endParaRPr lang="en-US" sz="1600" dirty="0"/>
                     </a:p>
@@ -11358,12 +9742,28 @@
                     <a:bodyPr/>
                     <a:lstStyle/>
                     <a:p>
-                      <a:pPr algn="ctr"/>
+                      <a:pPr marL="0" marR="0" lvl="0" indent="0" algn="ctr" defTabSz="914400" rtl="0" eaLnBrk="1" fontAlgn="auto" latinLnBrk="0" hangingPunct="1">
+                        <a:lnSpc>
+                          <a:spcPct val="100000"/>
+                        </a:lnSpc>
+                        <a:spcBef>
+                          <a:spcPts val="0"/>
+                        </a:spcBef>
+                        <a:spcAft>
+                          <a:spcPts val="0"/>
+                        </a:spcAft>
+                        <a:buClrTx/>
+                        <a:buSzTx/>
+                        <a:buFontTx/>
+                        <a:buNone/>
+                        <a:tabLst/>
+                        <a:defRPr/>
+                      </a:pPr>
                       <a:r>
                         <a:rPr lang="en-US" sz="1600" dirty="0" smtClean="0"/>
-                        <a:t>2638 (85)</a:t>
+                        <a:t>4795 (123)</a:t>
                       </a:r>
-                      <a:endParaRPr lang="en-US" sz="1600" dirty="0"/>
+                      <a:endParaRPr lang="en-US" sz="1600" dirty="0" smtClean="0"/>
                     </a:p>
                   </a:txBody>
                   <a:tcPr anchor="ctr">
@@ -11417,7 +9817,7 @@
                       <a:pPr algn="ctr"/>
                       <a:r>
                         <a:rPr lang="en-US" sz="1600" dirty="0" smtClean="0"/>
-                        <a:t>1886 (89)</a:t>
+                        <a:t>7358 (171)</a:t>
                       </a:r>
                       <a:endParaRPr lang="en-US" sz="1600" dirty="0"/>
                     </a:p>
@@ -11537,12 +9937,28 @@
                     <a:bodyPr/>
                     <a:lstStyle/>
                     <a:p>
-                      <a:pPr algn="ctr"/>
+                      <a:pPr marL="0" marR="0" lvl="0" indent="0" algn="ctr" defTabSz="914400" rtl="0" eaLnBrk="1" fontAlgn="auto" latinLnBrk="0" hangingPunct="1">
+                        <a:lnSpc>
+                          <a:spcPct val="100000"/>
+                        </a:lnSpc>
+                        <a:spcBef>
+                          <a:spcPts val="0"/>
+                        </a:spcBef>
+                        <a:spcAft>
+                          <a:spcPts val="0"/>
+                        </a:spcAft>
+                        <a:buClrTx/>
+                        <a:buSzTx/>
+                        <a:buFontTx/>
+                        <a:buNone/>
+                        <a:tabLst/>
+                        <a:defRPr/>
+                      </a:pPr>
                       <a:r>
                         <a:rPr lang="en-US" sz="1600" dirty="0" smtClean="0"/>
-                        <a:t>3129 (91)</a:t>
+                        <a:t>9629 (170)</a:t>
                       </a:r>
-                      <a:endParaRPr lang="en-US" sz="1600" dirty="0"/>
+                      <a:endParaRPr lang="en-US" sz="1600" dirty="0" smtClean="0"/>
                     </a:p>
                   </a:txBody>
                   <a:tcPr anchor="ctr">
@@ -11596,7 +10012,7 @@
                       <a:pPr algn="ctr"/>
                       <a:r>
                         <a:rPr lang="en-US" sz="1600" dirty="0" smtClean="0"/>
-                        <a:t>2837 (121)</a:t>
+                        <a:t>13,218 (216)</a:t>
                       </a:r>
                       <a:endParaRPr lang="en-US" sz="1600" dirty="0"/>
                     </a:p>
@@ -11716,12 +10132,28 @@
                     <a:bodyPr/>
                     <a:lstStyle/>
                     <a:p>
-                      <a:pPr algn="ctr"/>
+                      <a:pPr marL="0" marR="0" lvl="0" indent="0" algn="ctr" defTabSz="914400" rtl="0" eaLnBrk="1" fontAlgn="auto" latinLnBrk="0" hangingPunct="1">
+                        <a:lnSpc>
+                          <a:spcPct val="100000"/>
+                        </a:lnSpc>
+                        <a:spcBef>
+                          <a:spcPts val="0"/>
+                        </a:spcBef>
+                        <a:spcAft>
+                          <a:spcPts val="0"/>
+                        </a:spcAft>
+                        <a:buClrTx/>
+                        <a:buSzTx/>
+                        <a:buFontTx/>
+                        <a:buNone/>
+                        <a:tabLst/>
+                        <a:defRPr/>
+                      </a:pPr>
                       <a:r>
                         <a:rPr lang="en-US" sz="1600" dirty="0" smtClean="0"/>
-                        <a:t>10,370 (133)</a:t>
+                        <a:t>33,122 (216)</a:t>
                       </a:r>
-                      <a:endParaRPr lang="en-US" sz="1600" dirty="0"/>
+                      <a:endParaRPr lang="en-US" sz="1600" dirty="0" smtClean="0"/>
                     </a:p>
                   </a:txBody>
                   <a:tcPr anchor="ctr">
@@ -11775,7 +10207,7 @@
                       <a:pPr algn="ctr"/>
                       <a:r>
                         <a:rPr lang="en-US" sz="1600" dirty="0" smtClean="0"/>
-                        <a:t>6019 (126)</a:t>
+                        <a:t>57,986 (270)</a:t>
                       </a:r>
                       <a:endParaRPr lang="en-US" sz="1600" dirty="0"/>
                     </a:p>
@@ -11893,12 +10325,28 @@
                     <a:bodyPr/>
                     <a:lstStyle/>
                     <a:p>
-                      <a:pPr algn="ctr"/>
+                      <a:pPr marL="0" marR="0" lvl="0" indent="0" algn="ctr" defTabSz="914400" rtl="0" eaLnBrk="1" fontAlgn="auto" latinLnBrk="0" hangingPunct="1">
+                        <a:lnSpc>
+                          <a:spcPct val="100000"/>
+                        </a:lnSpc>
+                        <a:spcBef>
+                          <a:spcPts val="0"/>
+                        </a:spcBef>
+                        <a:spcAft>
+                          <a:spcPts val="0"/>
+                        </a:spcAft>
+                        <a:buClrTx/>
+                        <a:buSzTx/>
+                        <a:buFontTx/>
+                        <a:buNone/>
+                        <a:tabLst/>
+                        <a:defRPr/>
+                      </a:pPr>
                       <a:r>
                         <a:rPr lang="en-US" sz="1600" dirty="0" smtClean="0"/>
-                        <a:t>6435 (120)</a:t>
+                        <a:t>19,377 (165)</a:t>
                       </a:r>
-                      <a:endParaRPr lang="en-US" sz="1600" dirty="0"/>
+                      <a:endParaRPr lang="en-US" sz="1600" dirty="0" smtClean="0"/>
                     </a:p>
                   </a:txBody>
                   <a:tcPr anchor="ctr">
@@ -11950,7 +10398,7 @@
                       <a:pPr algn="ctr"/>
                       <a:r>
                         <a:rPr lang="en-US" sz="1600" dirty="0" smtClean="0"/>
-                        <a:t>3927 (106)</a:t>
+                        <a:t>27,876 (204)</a:t>
                       </a:r>
                       <a:endParaRPr lang="en-US" sz="1600" dirty="0"/>
                     </a:p>

--- a/eQTL_GWAS_riskSNPs/raggr_results_tables.pptx
+++ b/eQTL_GWAS_riskSNPs/raggr_results_tables.pptx
@@ -9,6 +9,9 @@
     <p:sldId id="346" r:id="rId3"/>
     <p:sldId id="321" r:id="rId4"/>
     <p:sldId id="322" r:id="rId5"/>
+    <p:sldId id="347" r:id="rId6"/>
+    <p:sldId id="349" r:id="rId7"/>
+    <p:sldId id="348" r:id="rId8"/>
   </p:sldIdLst>
   <p:sldSz cx="12192000" cy="6858000"/>
   <p:notesSz cx="6858000" cy="9144000"/>
@@ -8099,7 +8102,7 @@
           <p:nvPr>
             <p:extLst>
               <p:ext uri="{D42A27DB-BD31-4B8C-83A1-F6EECF244321}">
-                <p14:modId xmlns:p14="http://schemas.microsoft.com/office/powerpoint/2010/main" val="575452014"/>
+                <p14:modId xmlns:p14="http://schemas.microsoft.com/office/powerpoint/2010/main" val="3130385695"/>
               </p:ext>
             </p:extLst>
           </p:nvPr>
@@ -8547,7 +8550,6 @@
                         <a:rPr lang="en-US" sz="1600" dirty="0" smtClean="0"/>
                         <a:t>1731</a:t>
                       </a:r>
-                      <a:endParaRPr lang="en-US" sz="1600" dirty="0" smtClean="0"/>
                     </a:p>
                   </a:txBody>
                   <a:tcPr anchor="ctr">
@@ -8738,7 +8740,6 @@
                         <a:rPr lang="en-US" sz="1600" dirty="0" smtClean="0"/>
                         <a:t>123</a:t>
                       </a:r>
-                      <a:endParaRPr lang="en-US" sz="1600" dirty="0" smtClean="0"/>
                     </a:p>
                   </a:txBody>
                   <a:tcPr anchor="ctr">
@@ -8948,7 +8949,6 @@
                         <a:rPr lang="en-US" sz="1600" dirty="0" smtClean="0"/>
                         <a:t>244</a:t>
                       </a:r>
-                      <a:endParaRPr lang="en-US" sz="1600" dirty="0" smtClean="0"/>
                     </a:p>
                   </a:txBody>
                   <a:tcPr anchor="ctr">
@@ -9167,7 +9167,6 @@
                         <a:rPr lang="en-US" sz="1600" dirty="0" smtClean="0"/>
                         <a:t>857</a:t>
                       </a:r>
-                      <a:endParaRPr lang="en-US" sz="1600" dirty="0" smtClean="0"/>
                     </a:p>
                   </a:txBody>
                   <a:tcPr anchor="ctr">
@@ -9384,7 +9383,6 @@
                         <a:rPr lang="en-US" sz="1600" dirty="0" smtClean="0"/>
                         <a:t>507</a:t>
                       </a:r>
-                      <a:endParaRPr lang="en-US" sz="1600" dirty="0" smtClean="0"/>
                     </a:p>
                   </a:txBody>
                   <a:tcPr anchor="ctr">
@@ -9575,7 +9573,11 @@
                       </a:pPr>
                       <a:r>
                         <a:rPr lang="en-US" sz="1600" dirty="0" smtClean="0"/>
-                        <a:t>66,923 (463)</a:t>
+                        <a:t>66,923 </a:t>
+                      </a:r>
+                      <a:r>
+                        <a:rPr lang="en-US" sz="1600" dirty="0" smtClean="0"/>
+                        <a:t>(334)</a:t>
                       </a:r>
                       <a:endParaRPr lang="en-US" sz="1600" dirty="0" smtClean="0"/>
                     </a:p>
@@ -9629,7 +9631,11 @@
                       <a:pPr algn="ctr"/>
                       <a:r>
                         <a:rPr lang="en-US" sz="1600" dirty="0" smtClean="0"/>
-                        <a:t>106,438 (568)</a:t>
+                        <a:t>106,438 </a:t>
+                      </a:r>
+                      <a:r>
+                        <a:rPr lang="en-US" sz="1600" dirty="0" smtClean="0"/>
+                        <a:t>(412)</a:t>
                       </a:r>
                       <a:endParaRPr lang="en-US" sz="1600" dirty="0"/>
                     </a:p>
@@ -9763,7 +9769,6 @@
                         <a:rPr lang="en-US" sz="1600" dirty="0" smtClean="0"/>
                         <a:t>4795 (123)</a:t>
                       </a:r>
-                      <a:endParaRPr lang="en-US" sz="1600" dirty="0" smtClean="0"/>
                     </a:p>
                   </a:txBody>
                   <a:tcPr anchor="ctr">
@@ -9958,7 +9963,6 @@
                         <a:rPr lang="en-US" sz="1600" dirty="0" smtClean="0"/>
                         <a:t>9629 (170)</a:t>
                       </a:r>
-                      <a:endParaRPr lang="en-US" sz="1600" dirty="0" smtClean="0"/>
                     </a:p>
                   </a:txBody>
                   <a:tcPr anchor="ctr">
@@ -10153,7 +10157,6 @@
                         <a:rPr lang="en-US" sz="1600" dirty="0" smtClean="0"/>
                         <a:t>33,122 (216)</a:t>
                       </a:r>
-                      <a:endParaRPr lang="en-US" sz="1600" dirty="0" smtClean="0"/>
                     </a:p>
                   </a:txBody>
                   <a:tcPr anchor="ctr">
@@ -10346,7 +10349,6 @@
                         <a:rPr lang="en-US" sz="1600" dirty="0" smtClean="0"/>
                         <a:t>19,377 (165)</a:t>
                       </a:r>
-                      <a:endParaRPr lang="en-US" sz="1600" dirty="0" smtClean="0"/>
                     </a:p>
                   </a:txBody>
                   <a:tcPr anchor="ctr">
@@ -10458,6 +10460,4842 @@
     <p:extLst>
       <p:ext uri="{BB962C8B-B14F-4D97-AF65-F5344CB8AC3E}">
         <p14:creationId xmlns:p14="http://schemas.microsoft.com/office/powerpoint/2010/main" val="3528260852"/>
+      </p:ext>
+    </p:extLst>
+  </p:cSld>
+  <p:clrMapOvr>
+    <a:masterClrMapping/>
+  </p:clrMapOvr>
+</p:sld>
+</file>
+
+<file path=ppt/slides/slide5.xml><?xml version="1.0" encoding="utf-8"?>
+<p:sld xmlns:a="http://schemas.openxmlformats.org/drawingml/2006/main" xmlns:r="http://schemas.openxmlformats.org/officeDocument/2006/relationships" xmlns:p="http://schemas.openxmlformats.org/presentationml/2006/main">
+  <p:cSld>
+    <p:spTree>
+      <p:nvGrpSpPr>
+        <p:cNvPr id="1" name=""/>
+        <p:cNvGrpSpPr/>
+        <p:nvPr/>
+      </p:nvGrpSpPr>
+      <p:grpSpPr>
+        <a:xfrm>
+          <a:off x="0" y="0"/>
+          <a:ext cx="0" cy="0"/>
+          <a:chOff x="0" y="0"/>
+          <a:chExt cx="0" cy="0"/>
+        </a:xfrm>
+      </p:grpSpPr>
+      <p:sp>
+        <p:nvSpPr>
+          <p:cNvPr id="2" name="Title 1">
+            <a:extLst>
+              <a:ext uri="{FF2B5EF4-FFF2-40B4-BE49-F238E27FC236}">
+                <a16:creationId xmlns:a16="http://schemas.microsoft.com/office/drawing/2014/main" id="{5CFE0278-5FE9-4F97-9C97-2D0BFFE62AE7}"/>
+              </a:ext>
+            </a:extLst>
+          </p:cNvPr>
+          <p:cNvSpPr>
+            <a:spLocks noGrp="1"/>
+          </p:cNvSpPr>
+          <p:nvPr>
+            <p:ph type="title"/>
+          </p:nvPr>
+        </p:nvSpPr>
+        <p:spPr>
+          <a:xfrm>
+            <a:off x="734781" y="407530"/>
+            <a:ext cx="10058400" cy="839291"/>
+          </a:xfrm>
+        </p:spPr>
+        <p:txBody>
+          <a:bodyPr/>
+          <a:lstStyle/>
+          <a:p>
+            <a:r>
+              <a:rPr lang="en-US" dirty="0">
+                <a:latin typeface="+mn-lt"/>
+              </a:rPr>
+              <a:t>Overall </a:t>
+            </a:r>
+            <a:r>
+              <a:rPr lang="en-US" dirty="0" err="1">
+                <a:latin typeface="+mn-lt"/>
+              </a:rPr>
+              <a:t>eQTLs</a:t>
+            </a:r>
+            <a:r>
+              <a:rPr lang="en-US" dirty="0">
+                <a:latin typeface="+mn-lt"/>
+              </a:rPr>
+              <a:t> at </a:t>
+            </a:r>
+            <a:r>
+              <a:rPr lang="en-US" dirty="0" smtClean="0">
+                <a:latin typeface="+mn-lt"/>
+              </a:rPr>
+              <a:t>FDR &lt; 1% </a:t>
+            </a:r>
+            <a:r>
+              <a:rPr lang="en-US" dirty="0"/>
+              <a:t>- </a:t>
+            </a:r>
+            <a:r>
+              <a:rPr lang="en-US" dirty="0" err="1"/>
+              <a:t>rAggr</a:t>
+            </a:r>
+            <a:endParaRPr lang="en-US" dirty="0">
+              <a:latin typeface="+mn-lt"/>
+            </a:endParaRPr>
+          </a:p>
+        </p:txBody>
+      </p:sp>
+      <p:pic>
+        <p:nvPicPr>
+          <p:cNvPr id="4" name="Picture 3"/>
+          <p:cNvPicPr>
+            <a:picLocks noChangeAspect="1"/>
+          </p:cNvPicPr>
+          <p:nvPr/>
+        </p:nvPicPr>
+        <p:blipFill rotWithShape="1">
+          <a:blip r:embed="rId2" cstate="print">
+            <a:extLst>
+              <a:ext uri="{28A0092B-C50C-407E-A947-70E740481C1C}">
+                <a14:useLocalDpi xmlns:a14="http://schemas.microsoft.com/office/drawing/2010/main" val="0"/>
+              </a:ext>
+            </a:extLst>
+          </a:blip>
+          <a:srcRect b="12328"/>
+          <a:stretch/>
+        </p:blipFill>
+        <p:spPr>
+          <a:xfrm>
+            <a:off x="8133672" y="3258139"/>
+            <a:ext cx="3782746" cy="3316397"/>
+          </a:xfrm>
+          <a:prstGeom prst="rect">
+            <a:avLst/>
+          </a:prstGeom>
+        </p:spPr>
+      </p:pic>
+      <p:pic>
+        <p:nvPicPr>
+          <p:cNvPr id="5" name="Picture 4"/>
+          <p:cNvPicPr>
+            <a:picLocks noChangeAspect="1"/>
+          </p:cNvPicPr>
+          <p:nvPr/>
+        </p:nvPicPr>
+        <p:blipFill rotWithShape="1">
+          <a:blip r:embed="rId3" cstate="print">
+            <a:extLst>
+              <a:ext uri="{28A0092B-C50C-407E-A947-70E740481C1C}">
+                <a14:useLocalDpi xmlns:a14="http://schemas.microsoft.com/office/drawing/2010/main" val="0"/>
+              </a:ext>
+            </a:extLst>
+          </a:blip>
+          <a:srcRect b="13295"/>
+          <a:stretch/>
+        </p:blipFill>
+        <p:spPr>
+          <a:xfrm>
+            <a:off x="1669295" y="3294715"/>
+            <a:ext cx="3782746" cy="3279821"/>
+          </a:xfrm>
+          <a:prstGeom prst="rect">
+            <a:avLst/>
+          </a:prstGeom>
+        </p:spPr>
+      </p:pic>
+      <p:graphicFrame>
+        <p:nvGraphicFramePr>
+          <p:cNvPr id="6" name="Table 5"/>
+          <p:cNvGraphicFramePr>
+            <a:graphicFrameLocks noGrp="1"/>
+          </p:cNvGraphicFramePr>
+          <p:nvPr>
+            <p:extLst>
+              <p:ext uri="{D42A27DB-BD31-4B8C-83A1-F6EECF244321}">
+                <p14:modId xmlns:p14="http://schemas.microsoft.com/office/powerpoint/2010/main" val="3269112058"/>
+              </p:ext>
+            </p:extLst>
+          </p:nvPr>
+        </p:nvGraphicFramePr>
+        <p:xfrm>
+          <a:off x="588477" y="1487406"/>
+          <a:ext cx="8632033" cy="876442"/>
+        </p:xfrm>
+        <a:graphic>
+          <a:graphicData uri="http://schemas.openxmlformats.org/drawingml/2006/table">
+            <a:tbl>
+              <a:tblPr firstRow="1" bandRow="1">
+                <a:tableStyleId>{2D5ABB26-0587-4C30-8999-92F81FD0307C}</a:tableStyleId>
+              </a:tblPr>
+              <a:tblGrid>
+                <a:gridCol w="4412955">
+                  <a:extLst>
+                    <a:ext uri="{9D8B030D-6E8A-4147-A177-3AD203B41FA5}">
+                      <a16:colId xmlns:a16="http://schemas.microsoft.com/office/drawing/2014/main" val="1178349782"/>
+                    </a:ext>
+                  </a:extLst>
+                </a:gridCol>
+                <a:gridCol w="2109539">
+                  <a:extLst>
+                    <a:ext uri="{9D8B030D-6E8A-4147-A177-3AD203B41FA5}">
+                      <a16:colId xmlns:a16="http://schemas.microsoft.com/office/drawing/2014/main" val="1816200263"/>
+                    </a:ext>
+                  </a:extLst>
+                </a:gridCol>
+                <a:gridCol w="2109539">
+                  <a:extLst>
+                    <a:ext uri="{9D8B030D-6E8A-4147-A177-3AD203B41FA5}">
+                      <a16:colId xmlns:a16="http://schemas.microsoft.com/office/drawing/2014/main" val="3834981325"/>
+                    </a:ext>
+                  </a:extLst>
+                </a:gridCol>
+              </a:tblGrid>
+              <a:tr h="464962">
+                <a:tc>
+                  <a:txBody>
+                    <a:bodyPr/>
+                    <a:lstStyle/>
+                    <a:p>
+                      <a:pPr algn="ctr"/>
+                      <a:endParaRPr lang="en-US" sz="1800" dirty="0"/>
+                    </a:p>
+                  </a:txBody>
+                  <a:tcPr anchor="ctr">
+                    <a:lnL w="12700" cap="flat" cmpd="sng" algn="ctr">
+                      <a:solidFill>
+                        <a:schemeClr val="tx1"/>
+                      </a:solidFill>
+                      <a:prstDash val="solid"/>
+                      <a:round/>
+                      <a:headEnd type="none" w="med" len="med"/>
+                      <a:tailEnd type="none" w="med" len="med"/>
+                    </a:lnL>
+                    <a:lnR w="12700" cap="flat" cmpd="sng" algn="ctr">
+                      <a:solidFill>
+                        <a:schemeClr val="tx1"/>
+                      </a:solidFill>
+                      <a:prstDash val="solid"/>
+                      <a:round/>
+                      <a:headEnd type="none" w="med" len="med"/>
+                      <a:tailEnd type="none" w="med" len="med"/>
+                    </a:lnR>
+                    <a:lnT w="12700" cap="flat" cmpd="sng" algn="ctr">
+                      <a:solidFill>
+                        <a:schemeClr val="tx1"/>
+                      </a:solidFill>
+                      <a:prstDash val="solid"/>
+                      <a:round/>
+                      <a:headEnd type="none" w="med" len="med"/>
+                      <a:tailEnd type="none" w="med" len="med"/>
+                    </a:lnT>
+                    <a:lnB w="12700" cap="flat" cmpd="sng" algn="ctr">
+                      <a:solidFill>
+                        <a:schemeClr val="tx1"/>
+                      </a:solidFill>
+                      <a:prstDash val="solid"/>
+                      <a:round/>
+                      <a:headEnd type="none" w="med" len="med"/>
+                      <a:tailEnd type="none" w="med" len="med"/>
+                    </a:lnB>
+                  </a:tcPr>
+                </a:tc>
+                <a:tc>
+                  <a:txBody>
+                    <a:bodyPr/>
+                    <a:lstStyle/>
+                    <a:p>
+                      <a:pPr algn="ctr"/>
+                      <a:r>
+                        <a:rPr lang="en-US" sz="1800" dirty="0" smtClean="0"/>
+                        <a:t>Hippocampus</a:t>
+                      </a:r>
+                      <a:endParaRPr lang="en-US" sz="1800" dirty="0"/>
+                    </a:p>
+                  </a:txBody>
+                  <a:tcPr anchor="ctr">
+                    <a:lnL w="12700" cap="flat" cmpd="sng" algn="ctr">
+                      <a:solidFill>
+                        <a:schemeClr val="tx1"/>
+                      </a:solidFill>
+                      <a:prstDash val="solid"/>
+                      <a:round/>
+                      <a:headEnd type="none" w="med" len="med"/>
+                      <a:tailEnd type="none" w="med" len="med"/>
+                    </a:lnL>
+                    <a:lnR w="12700" cap="flat" cmpd="sng" algn="ctr">
+                      <a:solidFill>
+                        <a:schemeClr val="tx1"/>
+                      </a:solidFill>
+                      <a:prstDash val="solid"/>
+                      <a:round/>
+                      <a:headEnd type="none" w="med" len="med"/>
+                      <a:tailEnd type="none" w="med" len="med"/>
+                    </a:lnR>
+                    <a:lnT w="12700" cap="flat" cmpd="sng" algn="ctr">
+                      <a:solidFill>
+                        <a:schemeClr val="tx1"/>
+                      </a:solidFill>
+                      <a:prstDash val="solid"/>
+                      <a:round/>
+                      <a:headEnd type="none" w="med" len="med"/>
+                      <a:tailEnd type="none" w="med" len="med"/>
+                    </a:lnT>
+                    <a:lnB w="12700" cap="flat" cmpd="sng" algn="ctr">
+                      <a:solidFill>
+                        <a:schemeClr val="tx1"/>
+                      </a:solidFill>
+                      <a:prstDash val="solid"/>
+                      <a:round/>
+                      <a:headEnd type="none" w="med" len="med"/>
+                      <a:tailEnd type="none" w="med" len="med"/>
+                    </a:lnB>
+                  </a:tcPr>
+                </a:tc>
+                <a:tc>
+                  <a:txBody>
+                    <a:bodyPr/>
+                    <a:lstStyle/>
+                    <a:p>
+                      <a:pPr algn="ctr"/>
+                      <a:r>
+                        <a:rPr lang="en-US" sz="1800" dirty="0"/>
+                        <a:t>DLPFC</a:t>
+                      </a:r>
+                    </a:p>
+                  </a:txBody>
+                  <a:tcPr anchor="ctr">
+                    <a:lnL w="12700" cap="flat" cmpd="sng" algn="ctr">
+                      <a:solidFill>
+                        <a:schemeClr val="tx1"/>
+                      </a:solidFill>
+                      <a:prstDash val="solid"/>
+                      <a:round/>
+                      <a:headEnd type="none" w="med" len="med"/>
+                      <a:tailEnd type="none" w="med" len="med"/>
+                    </a:lnL>
+                    <a:lnR w="12700" cap="flat" cmpd="sng" algn="ctr">
+                      <a:solidFill>
+                        <a:schemeClr val="tx1"/>
+                      </a:solidFill>
+                      <a:prstDash val="solid"/>
+                      <a:round/>
+                      <a:headEnd type="none" w="med" len="med"/>
+                      <a:tailEnd type="none" w="med" len="med"/>
+                    </a:lnR>
+                    <a:lnT w="12700" cap="flat" cmpd="sng" algn="ctr">
+                      <a:solidFill>
+                        <a:schemeClr val="tx1"/>
+                      </a:solidFill>
+                      <a:prstDash val="solid"/>
+                      <a:round/>
+                      <a:headEnd type="none" w="med" len="med"/>
+                      <a:tailEnd type="none" w="med" len="med"/>
+                    </a:lnT>
+                    <a:lnB w="12700" cap="flat" cmpd="sng" algn="ctr">
+                      <a:solidFill>
+                        <a:schemeClr val="tx1"/>
+                      </a:solidFill>
+                      <a:prstDash val="solid"/>
+                      <a:round/>
+                      <a:headEnd type="none" w="med" len="med"/>
+                      <a:tailEnd type="none" w="med" len="med"/>
+                    </a:lnB>
+                  </a:tcPr>
+                </a:tc>
+                <a:extLst>
+                  <a:ext uri="{0D108BD9-81ED-4DB2-BD59-A6C34878D82A}">
+                    <a16:rowId xmlns:a16="http://schemas.microsoft.com/office/drawing/2014/main" val="2128684183"/>
+                  </a:ext>
+                </a:extLst>
+              </a:tr>
+              <a:tr h="411480">
+                <a:tc>
+                  <a:txBody>
+                    <a:bodyPr/>
+                    <a:lstStyle/>
+                    <a:p>
+                      <a:pPr algn="l"/>
+                      <a:r>
+                        <a:rPr lang="en-US" sz="1800" dirty="0"/>
+                        <a:t># </a:t>
+                      </a:r>
+                      <a:r>
+                        <a:rPr lang="en-US" sz="1800" dirty="0" smtClean="0"/>
+                        <a:t>unique SNPs (unique index SNPs)</a:t>
+                      </a:r>
+                      <a:endParaRPr lang="en-US" sz="1800" dirty="0"/>
+                    </a:p>
+                  </a:txBody>
+                  <a:tcPr anchor="ctr">
+                    <a:lnL w="12700" cap="flat" cmpd="sng" algn="ctr">
+                      <a:solidFill>
+                        <a:schemeClr val="tx1"/>
+                      </a:solidFill>
+                      <a:prstDash val="solid"/>
+                      <a:round/>
+                      <a:headEnd type="none" w="med" len="med"/>
+                      <a:tailEnd type="none" w="med" len="med"/>
+                    </a:lnL>
+                    <a:lnR w="12700" cap="flat" cmpd="sng" algn="ctr">
+                      <a:solidFill>
+                        <a:schemeClr val="tx1"/>
+                      </a:solidFill>
+                      <a:prstDash val="solid"/>
+                      <a:round/>
+                      <a:headEnd type="none" w="med" len="med"/>
+                      <a:tailEnd type="none" w="med" len="med"/>
+                    </a:lnR>
+                    <a:lnT w="12700" cap="flat" cmpd="sng" algn="ctr">
+                      <a:solidFill>
+                        <a:schemeClr val="tx1"/>
+                      </a:solidFill>
+                      <a:prstDash val="solid"/>
+                      <a:round/>
+                      <a:headEnd type="none" w="med" len="med"/>
+                      <a:tailEnd type="none" w="med" len="med"/>
+                    </a:lnT>
+                    <a:lnB w="12700" cap="flat" cmpd="sng" algn="ctr">
+                      <a:solidFill>
+                        <a:schemeClr val="tx1"/>
+                      </a:solidFill>
+                      <a:prstDash val="solid"/>
+                      <a:round/>
+                      <a:headEnd type="none" w="med" len="med"/>
+                      <a:tailEnd type="none" w="med" len="med"/>
+                    </a:lnB>
+                  </a:tcPr>
+                </a:tc>
+                <a:tc>
+                  <a:txBody>
+                    <a:bodyPr/>
+                    <a:lstStyle/>
+                    <a:p>
+                      <a:pPr algn="ctr"/>
+                      <a:r>
+                        <a:rPr lang="en-US" sz="1600" dirty="0" smtClean="0"/>
+                        <a:t>5510 (45)</a:t>
+                      </a:r>
+                      <a:endParaRPr lang="en-US" sz="1600" dirty="0"/>
+                    </a:p>
+                  </a:txBody>
+                  <a:tcPr anchor="ctr">
+                    <a:lnL w="12700" cap="flat" cmpd="sng" algn="ctr">
+                      <a:solidFill>
+                        <a:schemeClr val="tx1"/>
+                      </a:solidFill>
+                      <a:prstDash val="solid"/>
+                      <a:round/>
+                      <a:headEnd type="none" w="med" len="med"/>
+                      <a:tailEnd type="none" w="med" len="med"/>
+                    </a:lnL>
+                    <a:lnR w="12700" cap="flat" cmpd="sng" algn="ctr">
+                      <a:solidFill>
+                        <a:schemeClr val="tx1"/>
+                      </a:solidFill>
+                      <a:prstDash val="solid"/>
+                      <a:round/>
+                      <a:headEnd type="none" w="med" len="med"/>
+                      <a:tailEnd type="none" w="med" len="med"/>
+                    </a:lnR>
+                    <a:lnT w="12700" cap="flat" cmpd="sng" algn="ctr">
+                      <a:solidFill>
+                        <a:schemeClr val="tx1"/>
+                      </a:solidFill>
+                      <a:prstDash val="solid"/>
+                      <a:round/>
+                      <a:headEnd type="none" w="med" len="med"/>
+                      <a:tailEnd type="none" w="med" len="med"/>
+                    </a:lnT>
+                    <a:lnB w="12700" cap="flat" cmpd="sng" algn="ctr">
+                      <a:solidFill>
+                        <a:schemeClr val="tx1"/>
+                      </a:solidFill>
+                      <a:prstDash val="solid"/>
+                      <a:round/>
+                      <a:headEnd type="none" w="med" len="med"/>
+                      <a:tailEnd type="none" w="med" len="med"/>
+                    </a:lnB>
+                  </a:tcPr>
+                </a:tc>
+                <a:tc>
+                  <a:txBody>
+                    <a:bodyPr/>
+                    <a:lstStyle/>
+                    <a:p>
+                      <a:pPr algn="ctr"/>
+                      <a:r>
+                        <a:rPr lang="en-US" sz="1600" dirty="0" smtClean="0"/>
+                        <a:t>6780 (52)</a:t>
+                      </a:r>
+                      <a:endParaRPr lang="en-US" sz="1600" dirty="0"/>
+                    </a:p>
+                  </a:txBody>
+                  <a:tcPr anchor="ctr">
+                    <a:lnL w="12700" cap="flat" cmpd="sng" algn="ctr">
+                      <a:solidFill>
+                        <a:schemeClr val="tx1"/>
+                      </a:solidFill>
+                      <a:prstDash val="solid"/>
+                      <a:round/>
+                      <a:headEnd type="none" w="med" len="med"/>
+                      <a:tailEnd type="none" w="med" len="med"/>
+                    </a:lnL>
+                    <a:lnR w="12700" cap="flat" cmpd="sng" algn="ctr">
+                      <a:solidFill>
+                        <a:schemeClr val="tx1"/>
+                      </a:solidFill>
+                      <a:prstDash val="solid"/>
+                      <a:round/>
+                      <a:headEnd type="none" w="med" len="med"/>
+                      <a:tailEnd type="none" w="med" len="med"/>
+                    </a:lnR>
+                    <a:lnT w="12700" cap="flat" cmpd="sng" algn="ctr">
+                      <a:solidFill>
+                        <a:schemeClr val="tx1"/>
+                      </a:solidFill>
+                      <a:prstDash val="solid"/>
+                      <a:round/>
+                      <a:headEnd type="none" w="med" len="med"/>
+                      <a:tailEnd type="none" w="med" len="med"/>
+                    </a:lnT>
+                    <a:lnB w="12700" cap="flat" cmpd="sng" algn="ctr">
+                      <a:solidFill>
+                        <a:schemeClr val="tx1"/>
+                      </a:solidFill>
+                      <a:prstDash val="solid"/>
+                      <a:round/>
+                      <a:headEnd type="none" w="med" len="med"/>
+                      <a:tailEnd type="none" w="med" len="med"/>
+                    </a:lnB>
+                  </a:tcPr>
+                </a:tc>
+                <a:extLst>
+                  <a:ext uri="{0D108BD9-81ED-4DB2-BD59-A6C34878D82A}">
+                    <a16:rowId xmlns:a16="http://schemas.microsoft.com/office/drawing/2014/main" val="1681956944"/>
+                  </a:ext>
+                </a:extLst>
+              </a:tr>
+            </a:tbl>
+          </a:graphicData>
+        </a:graphic>
+      </p:graphicFrame>
+      <p:sp>
+        <p:nvSpPr>
+          <p:cNvPr id="7" name="Rectangle 6"/>
+          <p:cNvSpPr/>
+          <p:nvPr/>
+        </p:nvSpPr>
+        <p:spPr>
+          <a:xfrm>
+            <a:off x="734781" y="3399782"/>
+            <a:ext cx="1636602" cy="369332"/>
+          </a:xfrm>
+          <a:prstGeom prst="rect">
+            <a:avLst/>
+          </a:prstGeom>
+        </p:spPr>
+        <p:txBody>
+          <a:bodyPr wrap="none">
+            <a:spAutoFit/>
+          </a:bodyPr>
+          <a:lstStyle/>
+          <a:p>
+            <a:r>
+              <a:rPr lang="en-US" dirty="0"/>
+              <a:t># unique </a:t>
+            </a:r>
+            <a:r>
+              <a:rPr lang="en-US" dirty="0" smtClean="0"/>
+              <a:t>SNPs: </a:t>
+            </a:r>
+            <a:endParaRPr lang="en-US" dirty="0"/>
+          </a:p>
+        </p:txBody>
+      </p:sp>
+      <p:sp>
+        <p:nvSpPr>
+          <p:cNvPr id="8" name="Rectangle 7"/>
+          <p:cNvSpPr/>
+          <p:nvPr/>
+        </p:nvSpPr>
+        <p:spPr>
+          <a:xfrm>
+            <a:off x="6553155" y="3399782"/>
+            <a:ext cx="2197396" cy="369332"/>
+          </a:xfrm>
+          <a:prstGeom prst="rect">
+            <a:avLst/>
+          </a:prstGeom>
+        </p:spPr>
+        <p:txBody>
+          <a:bodyPr wrap="none">
+            <a:spAutoFit/>
+          </a:bodyPr>
+          <a:lstStyle/>
+          <a:p>
+            <a:r>
+              <a:rPr lang="en-US" dirty="0"/>
+              <a:t># unique </a:t>
+            </a:r>
+            <a:r>
+              <a:rPr lang="en-US" dirty="0" smtClean="0"/>
+              <a:t>index SNPs: </a:t>
+            </a:r>
+            <a:endParaRPr lang="en-US" dirty="0"/>
+          </a:p>
+        </p:txBody>
+      </p:sp>
+    </p:spTree>
+    <p:extLst>
+      <p:ext uri="{BB962C8B-B14F-4D97-AF65-F5344CB8AC3E}">
+        <p14:creationId xmlns:p14="http://schemas.microsoft.com/office/powerpoint/2010/main" val="750588315"/>
+      </p:ext>
+    </p:extLst>
+  </p:cSld>
+  <p:clrMapOvr>
+    <a:masterClrMapping/>
+  </p:clrMapOvr>
+</p:sld>
+</file>
+
+<file path=ppt/slides/slide6.xml><?xml version="1.0" encoding="utf-8"?>
+<p:sld xmlns:a="http://schemas.openxmlformats.org/drawingml/2006/main" xmlns:r="http://schemas.openxmlformats.org/officeDocument/2006/relationships" xmlns:p="http://schemas.openxmlformats.org/presentationml/2006/main">
+  <p:cSld>
+    <p:spTree>
+      <p:nvGrpSpPr>
+        <p:cNvPr id="1" name=""/>
+        <p:cNvGrpSpPr/>
+        <p:nvPr/>
+      </p:nvGrpSpPr>
+      <p:grpSpPr>
+        <a:xfrm>
+          <a:off x="0" y="0"/>
+          <a:ext cx="0" cy="0"/>
+          <a:chOff x="0" y="0"/>
+          <a:chExt cx="0" cy="0"/>
+        </a:xfrm>
+      </p:grpSpPr>
+      <p:sp>
+        <p:nvSpPr>
+          <p:cNvPr id="2" name="Title 1">
+            <a:extLst>
+              <a:ext uri="{FF2B5EF4-FFF2-40B4-BE49-F238E27FC236}">
+                <a16:creationId xmlns:a16="http://schemas.microsoft.com/office/drawing/2014/main" id="{5CFE0278-5FE9-4F97-9C97-2D0BFFE62AE7}"/>
+              </a:ext>
+            </a:extLst>
+          </p:cNvPr>
+          <p:cNvSpPr>
+            <a:spLocks noGrp="1"/>
+          </p:cNvSpPr>
+          <p:nvPr>
+            <p:ph type="title"/>
+          </p:nvPr>
+        </p:nvSpPr>
+        <p:spPr>
+          <a:xfrm>
+            <a:off x="734781" y="407530"/>
+            <a:ext cx="10058400" cy="839291"/>
+          </a:xfrm>
+        </p:spPr>
+        <p:txBody>
+          <a:bodyPr/>
+          <a:lstStyle/>
+          <a:p>
+            <a:r>
+              <a:rPr lang="en-US" dirty="0">
+                <a:latin typeface="+mn-lt"/>
+              </a:rPr>
+              <a:t>Overall </a:t>
+            </a:r>
+            <a:r>
+              <a:rPr lang="en-US" dirty="0" err="1">
+                <a:latin typeface="+mn-lt"/>
+              </a:rPr>
+              <a:t>eQTLs</a:t>
+            </a:r>
+            <a:r>
+              <a:rPr lang="en-US" dirty="0">
+                <a:latin typeface="+mn-lt"/>
+              </a:rPr>
+              <a:t> at </a:t>
+            </a:r>
+            <a:r>
+              <a:rPr lang="en-US" dirty="0" smtClean="0">
+                <a:latin typeface="+mn-lt"/>
+              </a:rPr>
+              <a:t>FDR &lt; 1% </a:t>
+            </a:r>
+            <a:r>
+              <a:rPr lang="en-US" dirty="0"/>
+              <a:t>- </a:t>
+            </a:r>
+            <a:r>
+              <a:rPr lang="en-US" dirty="0" err="1"/>
+              <a:t>rAggr</a:t>
+            </a:r>
+            <a:endParaRPr lang="en-US" dirty="0">
+              <a:latin typeface="+mn-lt"/>
+            </a:endParaRPr>
+          </a:p>
+        </p:txBody>
+      </p:sp>
+      <p:graphicFrame>
+        <p:nvGraphicFramePr>
+          <p:cNvPr id="3" name="Table 2">
+            <a:extLst>
+              <a:ext uri="{FF2B5EF4-FFF2-40B4-BE49-F238E27FC236}">
+                <a16:creationId xmlns:a16="http://schemas.microsoft.com/office/drawing/2014/main" id="{6EAA19EE-3291-48DC-BC9A-993BC172CA21}"/>
+              </a:ext>
+            </a:extLst>
+          </p:cNvPr>
+          <p:cNvGraphicFramePr>
+            <a:graphicFrameLocks noGrp="1"/>
+          </p:cNvGraphicFramePr>
+          <p:nvPr>
+            <p:extLst>
+              <p:ext uri="{D42A27DB-BD31-4B8C-83A1-F6EECF244321}">
+                <p14:modId xmlns:p14="http://schemas.microsoft.com/office/powerpoint/2010/main" val="2895277277"/>
+              </p:ext>
+            </p:extLst>
+          </p:nvPr>
+        </p:nvGraphicFramePr>
+        <p:xfrm>
+          <a:off x="588578" y="1487828"/>
+          <a:ext cx="8632033" cy="2933842"/>
+        </p:xfrm>
+        <a:graphic>
+          <a:graphicData uri="http://schemas.openxmlformats.org/drawingml/2006/table">
+            <a:tbl>
+              <a:tblPr firstRow="1" bandRow="1">
+                <a:tableStyleId>{2D5ABB26-0587-4C30-8999-92F81FD0307C}</a:tableStyleId>
+              </a:tblPr>
+              <a:tblGrid>
+                <a:gridCol w="4412955">
+                  <a:extLst>
+                    <a:ext uri="{9D8B030D-6E8A-4147-A177-3AD203B41FA5}">
+                      <a16:colId xmlns:a16="http://schemas.microsoft.com/office/drawing/2014/main" val="1143890325"/>
+                    </a:ext>
+                  </a:extLst>
+                </a:gridCol>
+                <a:gridCol w="2109539">
+                  <a:extLst>
+                    <a:ext uri="{9D8B030D-6E8A-4147-A177-3AD203B41FA5}">
+                      <a16:colId xmlns:a16="http://schemas.microsoft.com/office/drawing/2014/main" val="3732076525"/>
+                    </a:ext>
+                  </a:extLst>
+                </a:gridCol>
+                <a:gridCol w="2109539">
+                  <a:extLst>
+                    <a:ext uri="{9D8B030D-6E8A-4147-A177-3AD203B41FA5}">
+                      <a16:colId xmlns:a16="http://schemas.microsoft.com/office/drawing/2014/main" val="953123779"/>
+                    </a:ext>
+                  </a:extLst>
+                </a:gridCol>
+              </a:tblGrid>
+              <a:tr h="464962">
+                <a:tc>
+                  <a:txBody>
+                    <a:bodyPr/>
+                    <a:lstStyle/>
+                    <a:p>
+                      <a:pPr algn="ctr"/>
+                      <a:endParaRPr lang="en-US" sz="1800" dirty="0"/>
+                    </a:p>
+                  </a:txBody>
+                  <a:tcPr anchor="ctr">
+                    <a:lnL w="12700" cap="flat" cmpd="sng" algn="ctr">
+                      <a:solidFill>
+                        <a:schemeClr val="tx1"/>
+                      </a:solidFill>
+                      <a:prstDash val="solid"/>
+                      <a:round/>
+                      <a:headEnd type="none" w="med" len="med"/>
+                      <a:tailEnd type="none" w="med" len="med"/>
+                    </a:lnL>
+                    <a:lnR w="12700" cap="flat" cmpd="sng" algn="ctr">
+                      <a:solidFill>
+                        <a:schemeClr val="tx1"/>
+                      </a:solidFill>
+                      <a:prstDash val="solid"/>
+                      <a:round/>
+                      <a:headEnd type="none" w="med" len="med"/>
+                      <a:tailEnd type="none" w="med" len="med"/>
+                    </a:lnR>
+                    <a:lnT w="12700" cap="flat" cmpd="sng" algn="ctr">
+                      <a:solidFill>
+                        <a:schemeClr val="tx1"/>
+                      </a:solidFill>
+                      <a:prstDash val="solid"/>
+                      <a:round/>
+                      <a:headEnd type="none" w="med" len="med"/>
+                      <a:tailEnd type="none" w="med" len="med"/>
+                    </a:lnT>
+                    <a:lnB w="12700" cap="flat" cmpd="sng" algn="ctr">
+                      <a:solidFill>
+                        <a:schemeClr val="tx1"/>
+                      </a:solidFill>
+                      <a:prstDash val="solid"/>
+                      <a:round/>
+                      <a:headEnd type="none" w="med" len="med"/>
+                      <a:tailEnd type="none" w="med" len="med"/>
+                    </a:lnB>
+                  </a:tcPr>
+                </a:tc>
+                <a:tc>
+                  <a:txBody>
+                    <a:bodyPr/>
+                    <a:lstStyle/>
+                    <a:p>
+                      <a:pPr algn="ctr"/>
+                      <a:r>
+                        <a:rPr lang="en-US" sz="1800" dirty="0" smtClean="0"/>
+                        <a:t>Hippocampus</a:t>
+                      </a:r>
+                      <a:endParaRPr lang="en-US" sz="1800" dirty="0"/>
+                    </a:p>
+                  </a:txBody>
+                  <a:tcPr anchor="ctr">
+                    <a:lnL w="12700" cap="flat" cmpd="sng" algn="ctr">
+                      <a:solidFill>
+                        <a:schemeClr val="tx1"/>
+                      </a:solidFill>
+                      <a:prstDash val="solid"/>
+                      <a:round/>
+                      <a:headEnd type="none" w="med" len="med"/>
+                      <a:tailEnd type="none" w="med" len="med"/>
+                    </a:lnL>
+                    <a:lnR w="12700" cap="flat" cmpd="sng" algn="ctr">
+                      <a:solidFill>
+                        <a:schemeClr val="tx1"/>
+                      </a:solidFill>
+                      <a:prstDash val="solid"/>
+                      <a:round/>
+                      <a:headEnd type="none" w="med" len="med"/>
+                      <a:tailEnd type="none" w="med" len="med"/>
+                    </a:lnR>
+                    <a:lnT w="12700" cap="flat" cmpd="sng" algn="ctr">
+                      <a:solidFill>
+                        <a:schemeClr val="tx1"/>
+                      </a:solidFill>
+                      <a:prstDash val="solid"/>
+                      <a:round/>
+                      <a:headEnd type="none" w="med" len="med"/>
+                      <a:tailEnd type="none" w="med" len="med"/>
+                    </a:lnT>
+                    <a:lnB w="12700" cap="flat" cmpd="sng" algn="ctr">
+                      <a:solidFill>
+                        <a:schemeClr val="tx1"/>
+                      </a:solidFill>
+                      <a:prstDash val="solid"/>
+                      <a:round/>
+                      <a:headEnd type="none" w="med" len="med"/>
+                      <a:tailEnd type="none" w="med" len="med"/>
+                    </a:lnB>
+                  </a:tcPr>
+                </a:tc>
+                <a:tc>
+                  <a:txBody>
+                    <a:bodyPr/>
+                    <a:lstStyle/>
+                    <a:p>
+                      <a:pPr algn="ctr"/>
+                      <a:r>
+                        <a:rPr lang="en-US" sz="1800" dirty="0"/>
+                        <a:t>DLPFC</a:t>
+                      </a:r>
+                    </a:p>
+                  </a:txBody>
+                  <a:tcPr anchor="ctr">
+                    <a:lnL w="12700" cap="flat" cmpd="sng" algn="ctr">
+                      <a:solidFill>
+                        <a:schemeClr val="tx1"/>
+                      </a:solidFill>
+                      <a:prstDash val="solid"/>
+                      <a:round/>
+                      <a:headEnd type="none" w="med" len="med"/>
+                      <a:tailEnd type="none" w="med" len="med"/>
+                    </a:lnL>
+                    <a:lnR w="12700" cap="flat" cmpd="sng" algn="ctr">
+                      <a:solidFill>
+                        <a:schemeClr val="tx1"/>
+                      </a:solidFill>
+                      <a:prstDash val="solid"/>
+                      <a:round/>
+                      <a:headEnd type="none" w="med" len="med"/>
+                      <a:tailEnd type="none" w="med" len="med"/>
+                    </a:lnR>
+                    <a:lnT w="12700" cap="flat" cmpd="sng" algn="ctr">
+                      <a:solidFill>
+                        <a:schemeClr val="tx1"/>
+                      </a:solidFill>
+                      <a:prstDash val="solid"/>
+                      <a:round/>
+                      <a:headEnd type="none" w="med" len="med"/>
+                      <a:tailEnd type="none" w="med" len="med"/>
+                    </a:lnT>
+                    <a:lnB w="12700" cap="flat" cmpd="sng" algn="ctr">
+                      <a:solidFill>
+                        <a:schemeClr val="tx1"/>
+                      </a:solidFill>
+                      <a:prstDash val="solid"/>
+                      <a:round/>
+                      <a:headEnd type="none" w="med" len="med"/>
+                      <a:tailEnd type="none" w="med" len="med"/>
+                    </a:lnB>
+                  </a:tcPr>
+                </a:tc>
+                <a:extLst>
+                  <a:ext uri="{0D108BD9-81ED-4DB2-BD59-A6C34878D82A}">
+                    <a16:rowId xmlns:a16="http://schemas.microsoft.com/office/drawing/2014/main" val="1905010493"/>
+                  </a:ext>
+                </a:extLst>
+              </a:tr>
+              <a:tr h="411480">
+                <a:tc>
+                  <a:txBody>
+                    <a:bodyPr/>
+                    <a:lstStyle/>
+                    <a:p>
+                      <a:pPr algn="l"/>
+                      <a:r>
+                        <a:rPr lang="en-US" sz="1800" dirty="0"/>
+                        <a:t># </a:t>
+                      </a:r>
+                      <a:r>
+                        <a:rPr lang="en-US" sz="1800" dirty="0" smtClean="0"/>
+                        <a:t>unique SNPs (unique index SNPs)</a:t>
+                      </a:r>
+                      <a:endParaRPr lang="en-US" sz="1800" dirty="0"/>
+                    </a:p>
+                  </a:txBody>
+                  <a:tcPr anchor="ctr">
+                    <a:lnL w="12700" cap="flat" cmpd="sng" algn="ctr">
+                      <a:solidFill>
+                        <a:schemeClr val="tx1"/>
+                      </a:solidFill>
+                      <a:prstDash val="solid"/>
+                      <a:round/>
+                      <a:headEnd type="none" w="med" len="med"/>
+                      <a:tailEnd type="none" w="med" len="med"/>
+                    </a:lnL>
+                    <a:lnR w="12700" cap="flat" cmpd="sng" algn="ctr">
+                      <a:solidFill>
+                        <a:schemeClr val="tx1"/>
+                      </a:solidFill>
+                      <a:prstDash val="solid"/>
+                      <a:round/>
+                      <a:headEnd type="none" w="med" len="med"/>
+                      <a:tailEnd type="none" w="med" len="med"/>
+                    </a:lnR>
+                    <a:lnT w="12700" cap="flat" cmpd="sng" algn="ctr">
+                      <a:solidFill>
+                        <a:schemeClr val="tx1"/>
+                      </a:solidFill>
+                      <a:prstDash val="solid"/>
+                      <a:round/>
+                      <a:headEnd type="none" w="med" len="med"/>
+                      <a:tailEnd type="none" w="med" len="med"/>
+                    </a:lnT>
+                    <a:lnB w="12700" cap="flat" cmpd="sng" algn="ctr">
+                      <a:solidFill>
+                        <a:schemeClr val="tx1"/>
+                      </a:solidFill>
+                      <a:prstDash val="solid"/>
+                      <a:round/>
+                      <a:headEnd type="none" w="med" len="med"/>
+                      <a:tailEnd type="none" w="med" len="med"/>
+                    </a:lnB>
+                  </a:tcPr>
+                </a:tc>
+                <a:tc>
+                  <a:txBody>
+                    <a:bodyPr/>
+                    <a:lstStyle/>
+                    <a:p>
+                      <a:pPr algn="ctr"/>
+                      <a:r>
+                        <a:rPr lang="en-US" sz="1600" dirty="0" smtClean="0"/>
+                        <a:t>5510 (45)</a:t>
+                      </a:r>
+                      <a:endParaRPr lang="en-US" sz="1600" dirty="0"/>
+                    </a:p>
+                  </a:txBody>
+                  <a:tcPr anchor="ctr">
+                    <a:lnL w="12700" cap="flat" cmpd="sng" algn="ctr">
+                      <a:solidFill>
+                        <a:schemeClr val="tx1"/>
+                      </a:solidFill>
+                      <a:prstDash val="solid"/>
+                      <a:round/>
+                      <a:headEnd type="none" w="med" len="med"/>
+                      <a:tailEnd type="none" w="med" len="med"/>
+                    </a:lnL>
+                    <a:lnR w="12700" cap="flat" cmpd="sng" algn="ctr">
+                      <a:solidFill>
+                        <a:schemeClr val="tx1"/>
+                      </a:solidFill>
+                      <a:prstDash val="solid"/>
+                      <a:round/>
+                      <a:headEnd type="none" w="med" len="med"/>
+                      <a:tailEnd type="none" w="med" len="med"/>
+                    </a:lnR>
+                    <a:lnT w="12700" cap="flat" cmpd="sng" algn="ctr">
+                      <a:solidFill>
+                        <a:schemeClr val="tx1"/>
+                      </a:solidFill>
+                      <a:prstDash val="solid"/>
+                      <a:round/>
+                      <a:headEnd type="none" w="med" len="med"/>
+                      <a:tailEnd type="none" w="med" len="med"/>
+                    </a:lnT>
+                    <a:lnB w="12700" cap="flat" cmpd="sng" algn="ctr">
+                      <a:solidFill>
+                        <a:schemeClr val="tx1"/>
+                      </a:solidFill>
+                      <a:prstDash val="solid"/>
+                      <a:round/>
+                      <a:headEnd type="none" w="med" len="med"/>
+                      <a:tailEnd type="none" w="med" len="med"/>
+                    </a:lnB>
+                  </a:tcPr>
+                </a:tc>
+                <a:tc>
+                  <a:txBody>
+                    <a:bodyPr/>
+                    <a:lstStyle/>
+                    <a:p>
+                      <a:pPr algn="ctr"/>
+                      <a:r>
+                        <a:rPr lang="en-US" sz="1600" dirty="0" smtClean="0"/>
+                        <a:t>6780 (52)</a:t>
+                      </a:r>
+                      <a:endParaRPr lang="en-US" sz="1600" dirty="0"/>
+                    </a:p>
+                  </a:txBody>
+                  <a:tcPr anchor="ctr">
+                    <a:lnL w="12700" cap="flat" cmpd="sng" algn="ctr">
+                      <a:solidFill>
+                        <a:schemeClr val="tx1"/>
+                      </a:solidFill>
+                      <a:prstDash val="solid"/>
+                      <a:round/>
+                      <a:headEnd type="none" w="med" len="med"/>
+                      <a:tailEnd type="none" w="med" len="med"/>
+                    </a:lnL>
+                    <a:lnR w="12700" cap="flat" cmpd="sng" algn="ctr">
+                      <a:solidFill>
+                        <a:schemeClr val="tx1"/>
+                      </a:solidFill>
+                      <a:prstDash val="solid"/>
+                      <a:round/>
+                      <a:headEnd type="none" w="med" len="med"/>
+                      <a:tailEnd type="none" w="med" len="med"/>
+                    </a:lnR>
+                    <a:lnT w="12700" cap="flat" cmpd="sng" algn="ctr">
+                      <a:solidFill>
+                        <a:schemeClr val="tx1"/>
+                      </a:solidFill>
+                      <a:prstDash val="solid"/>
+                      <a:round/>
+                      <a:headEnd type="none" w="med" len="med"/>
+                      <a:tailEnd type="none" w="med" len="med"/>
+                    </a:lnT>
+                    <a:lnB w="12700" cap="flat" cmpd="sng" algn="ctr">
+                      <a:solidFill>
+                        <a:schemeClr val="tx1"/>
+                      </a:solidFill>
+                      <a:prstDash val="solid"/>
+                      <a:round/>
+                      <a:headEnd type="none" w="med" len="med"/>
+                      <a:tailEnd type="none" w="med" len="med"/>
+                    </a:lnB>
+                  </a:tcPr>
+                </a:tc>
+                <a:extLst>
+                  <a:ext uri="{0D108BD9-81ED-4DB2-BD59-A6C34878D82A}">
+                    <a16:rowId xmlns:a16="http://schemas.microsoft.com/office/drawing/2014/main" val="578274855"/>
+                  </a:ext>
+                </a:extLst>
+              </a:tr>
+              <a:tr h="411480">
+                <a:tc>
+                  <a:txBody>
+                    <a:bodyPr/>
+                    <a:lstStyle/>
+                    <a:p>
+                      <a:pPr algn="l"/>
+                      <a:r>
+                        <a:rPr lang="en-US" sz="1800" dirty="0"/>
+                        <a:t># </a:t>
+                      </a:r>
+                      <a:r>
+                        <a:rPr lang="en-US" sz="1800" dirty="0" smtClean="0"/>
+                        <a:t>unique features</a:t>
+                      </a:r>
+                      <a:endParaRPr lang="en-US" sz="1800" dirty="0"/>
+                    </a:p>
+                  </a:txBody>
+                  <a:tcPr anchor="ctr">
+                    <a:lnL w="12700" cap="flat" cmpd="sng" algn="ctr">
+                      <a:solidFill>
+                        <a:schemeClr val="tx1"/>
+                      </a:solidFill>
+                      <a:prstDash val="solid"/>
+                      <a:round/>
+                      <a:headEnd type="none" w="med" len="med"/>
+                      <a:tailEnd type="none" w="med" len="med"/>
+                    </a:lnL>
+                    <a:lnR w="12700" cap="flat" cmpd="sng" algn="ctr">
+                      <a:solidFill>
+                        <a:schemeClr val="tx1"/>
+                      </a:solidFill>
+                      <a:prstDash val="solid"/>
+                      <a:round/>
+                      <a:headEnd type="none" w="med" len="med"/>
+                      <a:tailEnd type="none" w="med" len="med"/>
+                    </a:lnR>
+                    <a:lnT w="12700" cap="flat" cmpd="sng" algn="ctr">
+                      <a:solidFill>
+                        <a:schemeClr val="tx1"/>
+                      </a:solidFill>
+                      <a:prstDash val="solid"/>
+                      <a:round/>
+                      <a:headEnd type="none" w="med" len="med"/>
+                      <a:tailEnd type="none" w="med" len="med"/>
+                    </a:lnT>
+                    <a:lnB w="12700" cap="flat" cmpd="sng" algn="ctr">
+                      <a:solidFill>
+                        <a:schemeClr val="bg1">
+                          <a:lumMod val="65000"/>
+                        </a:schemeClr>
+                      </a:solidFill>
+                      <a:prstDash val="solid"/>
+                      <a:round/>
+                      <a:headEnd type="none" w="med" len="med"/>
+                      <a:tailEnd type="none" w="med" len="med"/>
+                    </a:lnB>
+                  </a:tcPr>
+                </a:tc>
+                <a:tc>
+                  <a:txBody>
+                    <a:bodyPr/>
+                    <a:lstStyle/>
+                    <a:p>
+                      <a:pPr marL="0" marR="0" lvl="0" indent="0" algn="ctr" defTabSz="914400" rtl="0" eaLnBrk="1" fontAlgn="auto" latinLnBrk="0" hangingPunct="1">
+                        <a:lnSpc>
+                          <a:spcPct val="100000"/>
+                        </a:lnSpc>
+                        <a:spcBef>
+                          <a:spcPts val="0"/>
+                        </a:spcBef>
+                        <a:spcAft>
+                          <a:spcPts val="0"/>
+                        </a:spcAft>
+                        <a:buClrTx/>
+                        <a:buSzTx/>
+                        <a:buFontTx/>
+                        <a:buNone/>
+                        <a:tabLst/>
+                        <a:defRPr/>
+                      </a:pPr>
+                      <a:r>
+                        <a:rPr lang="en-US" sz="1600" dirty="0" smtClean="0"/>
+                        <a:t>1731</a:t>
+                      </a:r>
+                    </a:p>
+                  </a:txBody>
+                  <a:tcPr anchor="ctr">
+                    <a:lnL w="12700" cap="flat" cmpd="sng" algn="ctr">
+                      <a:solidFill>
+                        <a:schemeClr val="tx1"/>
+                      </a:solidFill>
+                      <a:prstDash val="solid"/>
+                      <a:round/>
+                      <a:headEnd type="none" w="med" len="med"/>
+                      <a:tailEnd type="none" w="med" len="med"/>
+                    </a:lnL>
+                    <a:lnR w="12700" cap="flat" cmpd="sng" algn="ctr">
+                      <a:solidFill>
+                        <a:schemeClr val="tx1"/>
+                      </a:solidFill>
+                      <a:prstDash val="solid"/>
+                      <a:round/>
+                      <a:headEnd type="none" w="med" len="med"/>
+                      <a:tailEnd type="none" w="med" len="med"/>
+                    </a:lnR>
+                    <a:lnT w="12700" cap="flat" cmpd="sng" algn="ctr">
+                      <a:solidFill>
+                        <a:schemeClr val="tx1"/>
+                      </a:solidFill>
+                      <a:prstDash val="solid"/>
+                      <a:round/>
+                      <a:headEnd type="none" w="med" len="med"/>
+                      <a:tailEnd type="none" w="med" len="med"/>
+                    </a:lnT>
+                    <a:lnB w="12700" cap="flat" cmpd="sng" algn="ctr">
+                      <a:solidFill>
+                        <a:schemeClr val="bg1">
+                          <a:lumMod val="65000"/>
+                        </a:schemeClr>
+                      </a:solidFill>
+                      <a:prstDash val="solid"/>
+                      <a:round/>
+                      <a:headEnd type="none" w="med" len="med"/>
+                      <a:tailEnd type="none" w="med" len="med"/>
+                    </a:lnB>
+                  </a:tcPr>
+                </a:tc>
+                <a:tc>
+                  <a:txBody>
+                    <a:bodyPr/>
+                    <a:lstStyle/>
+                    <a:p>
+                      <a:pPr algn="ctr"/>
+                      <a:r>
+                        <a:rPr lang="en-US" sz="1600" dirty="0" smtClean="0"/>
+                        <a:t>2525</a:t>
+                      </a:r>
+                      <a:endParaRPr lang="en-US" sz="1600" dirty="0"/>
+                    </a:p>
+                  </a:txBody>
+                  <a:tcPr anchor="ctr">
+                    <a:lnL w="12700" cap="flat" cmpd="sng" algn="ctr">
+                      <a:solidFill>
+                        <a:schemeClr val="tx1"/>
+                      </a:solidFill>
+                      <a:prstDash val="solid"/>
+                      <a:round/>
+                      <a:headEnd type="none" w="med" len="med"/>
+                      <a:tailEnd type="none" w="med" len="med"/>
+                    </a:lnL>
+                    <a:lnR w="12700" cap="flat" cmpd="sng" algn="ctr">
+                      <a:solidFill>
+                        <a:schemeClr val="tx1"/>
+                      </a:solidFill>
+                      <a:prstDash val="solid"/>
+                      <a:round/>
+                      <a:headEnd type="none" w="med" len="med"/>
+                      <a:tailEnd type="none" w="med" len="med"/>
+                    </a:lnR>
+                    <a:lnT w="12700" cap="flat" cmpd="sng" algn="ctr">
+                      <a:solidFill>
+                        <a:schemeClr val="tx1"/>
+                      </a:solidFill>
+                      <a:prstDash val="solid"/>
+                      <a:round/>
+                      <a:headEnd type="none" w="med" len="med"/>
+                      <a:tailEnd type="none" w="med" len="med"/>
+                    </a:lnT>
+                    <a:lnB w="12700" cap="flat" cmpd="sng" algn="ctr">
+                      <a:solidFill>
+                        <a:schemeClr val="bg1">
+                          <a:lumMod val="65000"/>
+                        </a:schemeClr>
+                      </a:solidFill>
+                      <a:prstDash val="solid"/>
+                      <a:round/>
+                      <a:headEnd type="none" w="med" len="med"/>
+                      <a:tailEnd type="none" w="med" len="med"/>
+                    </a:lnB>
+                  </a:tcPr>
+                </a:tc>
+                <a:extLst>
+                  <a:ext uri="{0D108BD9-81ED-4DB2-BD59-A6C34878D82A}">
+                    <a16:rowId xmlns:a16="http://schemas.microsoft.com/office/drawing/2014/main" val="308442309"/>
+                  </a:ext>
+                </a:extLst>
+              </a:tr>
+              <a:tr h="411480">
+                <a:tc>
+                  <a:txBody>
+                    <a:bodyPr/>
+                    <a:lstStyle/>
+                    <a:p>
+                      <a:pPr algn="l"/>
+                      <a:r>
+                        <a:rPr lang="en-US" sz="1800" dirty="0"/>
+                        <a:t># </a:t>
+                      </a:r>
+                      <a:r>
+                        <a:rPr lang="en-US" sz="1800" dirty="0" smtClean="0"/>
+                        <a:t>Unique genes</a:t>
+                      </a:r>
+                      <a:endParaRPr lang="en-US" sz="1800" dirty="0"/>
+                    </a:p>
+                  </a:txBody>
+                  <a:tcPr marL="548640" anchor="ctr">
+                    <a:lnL w="12700" cap="flat" cmpd="sng" algn="ctr">
+                      <a:solidFill>
+                        <a:schemeClr val="tx1"/>
+                      </a:solidFill>
+                      <a:prstDash val="solid"/>
+                      <a:round/>
+                      <a:headEnd type="none" w="med" len="med"/>
+                      <a:tailEnd type="none" w="med" len="med"/>
+                    </a:lnL>
+                    <a:lnR w="12700" cap="flat" cmpd="sng" algn="ctr">
+                      <a:solidFill>
+                        <a:schemeClr val="tx1"/>
+                      </a:solidFill>
+                      <a:prstDash val="solid"/>
+                      <a:round/>
+                      <a:headEnd type="none" w="med" len="med"/>
+                      <a:tailEnd type="none" w="med" len="med"/>
+                    </a:lnR>
+                    <a:lnT w="12700" cap="flat" cmpd="sng" algn="ctr">
+                      <a:solidFill>
+                        <a:schemeClr val="bg1">
+                          <a:lumMod val="65000"/>
+                        </a:schemeClr>
+                      </a:solidFill>
+                      <a:prstDash val="solid"/>
+                      <a:round/>
+                      <a:headEnd type="none" w="med" len="med"/>
+                      <a:tailEnd type="none" w="med" len="med"/>
+                    </a:lnT>
+                    <a:lnB w="12700" cap="flat" cmpd="sng" algn="ctr">
+                      <a:solidFill>
+                        <a:schemeClr val="bg1">
+                          <a:lumMod val="65000"/>
+                        </a:schemeClr>
+                      </a:solidFill>
+                      <a:prstDash val="solid"/>
+                      <a:round/>
+                      <a:headEnd type="none" w="med" len="med"/>
+                      <a:tailEnd type="none" w="med" len="med"/>
+                    </a:lnB>
+                  </a:tcPr>
+                </a:tc>
+                <a:tc>
+                  <a:txBody>
+                    <a:bodyPr/>
+                    <a:lstStyle/>
+                    <a:p>
+                      <a:pPr marL="0" marR="0" lvl="0" indent="0" algn="ctr" defTabSz="914400" rtl="0" eaLnBrk="1" fontAlgn="auto" latinLnBrk="0" hangingPunct="1">
+                        <a:lnSpc>
+                          <a:spcPct val="100000"/>
+                        </a:lnSpc>
+                        <a:spcBef>
+                          <a:spcPts val="0"/>
+                        </a:spcBef>
+                        <a:spcAft>
+                          <a:spcPts val="0"/>
+                        </a:spcAft>
+                        <a:buClrTx/>
+                        <a:buSzTx/>
+                        <a:buFontTx/>
+                        <a:buNone/>
+                        <a:tabLst/>
+                        <a:defRPr/>
+                      </a:pPr>
+                      <a:r>
+                        <a:rPr lang="en-US" sz="1600" dirty="0" smtClean="0"/>
+                        <a:t>123</a:t>
+                      </a:r>
+                    </a:p>
+                  </a:txBody>
+                  <a:tcPr anchor="ctr">
+                    <a:lnL w="12700" cap="flat" cmpd="sng" algn="ctr">
+                      <a:solidFill>
+                        <a:schemeClr val="tx1"/>
+                      </a:solidFill>
+                      <a:prstDash val="solid"/>
+                      <a:round/>
+                      <a:headEnd type="none" w="med" len="med"/>
+                      <a:tailEnd type="none" w="med" len="med"/>
+                    </a:lnL>
+                    <a:lnR w="12700" cap="flat" cmpd="sng" algn="ctr">
+                      <a:solidFill>
+                        <a:schemeClr val="tx1"/>
+                      </a:solidFill>
+                      <a:prstDash val="solid"/>
+                      <a:round/>
+                      <a:headEnd type="none" w="med" len="med"/>
+                      <a:tailEnd type="none" w="med" len="med"/>
+                    </a:lnR>
+                    <a:lnT w="12700" cap="flat" cmpd="sng" algn="ctr">
+                      <a:solidFill>
+                        <a:schemeClr val="bg1">
+                          <a:lumMod val="65000"/>
+                        </a:schemeClr>
+                      </a:solidFill>
+                      <a:prstDash val="solid"/>
+                      <a:round/>
+                      <a:headEnd type="none" w="med" len="med"/>
+                      <a:tailEnd type="none" w="med" len="med"/>
+                    </a:lnT>
+                    <a:lnB w="12700" cap="flat" cmpd="sng" algn="ctr">
+                      <a:solidFill>
+                        <a:schemeClr val="bg1">
+                          <a:lumMod val="65000"/>
+                        </a:schemeClr>
+                      </a:solidFill>
+                      <a:prstDash val="solid"/>
+                      <a:round/>
+                      <a:headEnd type="none" w="med" len="med"/>
+                      <a:tailEnd type="none" w="med" len="med"/>
+                    </a:lnB>
+                  </a:tcPr>
+                </a:tc>
+                <a:tc>
+                  <a:txBody>
+                    <a:bodyPr/>
+                    <a:lstStyle/>
+                    <a:p>
+                      <a:pPr algn="ctr"/>
+                      <a:r>
+                        <a:rPr lang="en-US" sz="1600" dirty="0" smtClean="0"/>
+                        <a:t>171</a:t>
+                      </a:r>
+                      <a:endParaRPr lang="en-US" sz="1600" dirty="0"/>
+                    </a:p>
+                  </a:txBody>
+                  <a:tcPr anchor="ctr">
+                    <a:lnL w="12700" cap="flat" cmpd="sng" algn="ctr">
+                      <a:solidFill>
+                        <a:schemeClr val="tx1"/>
+                      </a:solidFill>
+                      <a:prstDash val="solid"/>
+                      <a:round/>
+                      <a:headEnd type="none" w="med" len="med"/>
+                      <a:tailEnd type="none" w="med" len="med"/>
+                    </a:lnL>
+                    <a:lnR w="12700" cap="flat" cmpd="sng" algn="ctr">
+                      <a:solidFill>
+                        <a:schemeClr val="tx1"/>
+                      </a:solidFill>
+                      <a:prstDash val="solid"/>
+                      <a:round/>
+                      <a:headEnd type="none" w="med" len="med"/>
+                      <a:tailEnd type="none" w="med" len="med"/>
+                    </a:lnR>
+                    <a:lnT w="12700" cap="flat" cmpd="sng" algn="ctr">
+                      <a:solidFill>
+                        <a:schemeClr val="bg1">
+                          <a:lumMod val="65000"/>
+                        </a:schemeClr>
+                      </a:solidFill>
+                      <a:prstDash val="solid"/>
+                      <a:round/>
+                      <a:headEnd type="none" w="med" len="med"/>
+                      <a:tailEnd type="none" w="med" len="med"/>
+                    </a:lnT>
+                    <a:lnB w="12700" cap="flat" cmpd="sng" algn="ctr">
+                      <a:solidFill>
+                        <a:schemeClr val="bg1">
+                          <a:lumMod val="65000"/>
+                        </a:schemeClr>
+                      </a:solidFill>
+                      <a:prstDash val="solid"/>
+                      <a:round/>
+                      <a:headEnd type="none" w="med" len="med"/>
+                      <a:tailEnd type="none" w="med" len="med"/>
+                    </a:lnB>
+                  </a:tcPr>
+                </a:tc>
+                <a:extLst>
+                  <a:ext uri="{0D108BD9-81ED-4DB2-BD59-A6C34878D82A}">
+                    <a16:rowId xmlns:a16="http://schemas.microsoft.com/office/drawing/2014/main" val="2278071081"/>
+                  </a:ext>
+                </a:extLst>
+              </a:tr>
+              <a:tr h="411480">
+                <a:tc>
+                  <a:txBody>
+                    <a:bodyPr/>
+                    <a:lstStyle/>
+                    <a:p>
+                      <a:pPr marL="0" marR="0" lvl="0" indent="0" algn="l" defTabSz="914400" rtl="0" eaLnBrk="1" fontAlgn="auto" latinLnBrk="0" hangingPunct="1">
+                        <a:lnSpc>
+                          <a:spcPct val="100000"/>
+                        </a:lnSpc>
+                        <a:spcBef>
+                          <a:spcPts val="0"/>
+                        </a:spcBef>
+                        <a:spcAft>
+                          <a:spcPts val="0"/>
+                        </a:spcAft>
+                        <a:buClrTx/>
+                        <a:buSzTx/>
+                        <a:buFontTx/>
+                        <a:buNone/>
+                        <a:tabLst/>
+                        <a:defRPr/>
+                      </a:pPr>
+                      <a:r>
+                        <a:rPr lang="en-US" sz="1800" dirty="0"/>
+                        <a:t># </a:t>
+                      </a:r>
+                      <a:r>
+                        <a:rPr lang="en-US" sz="1800" dirty="0" smtClean="0"/>
+                        <a:t>Unique transcripts</a:t>
+                      </a:r>
+                    </a:p>
+                  </a:txBody>
+                  <a:tcPr marL="548640" anchor="ctr">
+                    <a:lnL w="12700" cap="flat" cmpd="sng" algn="ctr">
+                      <a:solidFill>
+                        <a:schemeClr val="tx1"/>
+                      </a:solidFill>
+                      <a:prstDash val="solid"/>
+                      <a:round/>
+                      <a:headEnd type="none" w="med" len="med"/>
+                      <a:tailEnd type="none" w="med" len="med"/>
+                    </a:lnL>
+                    <a:lnR w="12700" cap="flat" cmpd="sng" algn="ctr">
+                      <a:solidFill>
+                        <a:schemeClr val="tx1"/>
+                      </a:solidFill>
+                      <a:prstDash val="solid"/>
+                      <a:round/>
+                      <a:headEnd type="none" w="med" len="med"/>
+                      <a:tailEnd type="none" w="med" len="med"/>
+                    </a:lnR>
+                    <a:lnT w="12700" cap="flat" cmpd="sng" algn="ctr">
+                      <a:solidFill>
+                        <a:schemeClr val="bg1">
+                          <a:lumMod val="65000"/>
+                        </a:schemeClr>
+                      </a:solidFill>
+                      <a:prstDash val="solid"/>
+                      <a:round/>
+                      <a:headEnd type="none" w="med" len="med"/>
+                      <a:tailEnd type="none" w="med" len="med"/>
+                    </a:lnT>
+                    <a:lnB w="12700" cap="flat" cmpd="sng" algn="ctr">
+                      <a:solidFill>
+                        <a:schemeClr val="bg1">
+                          <a:lumMod val="65000"/>
+                        </a:schemeClr>
+                      </a:solidFill>
+                      <a:prstDash val="solid"/>
+                      <a:round/>
+                      <a:headEnd type="none" w="med" len="med"/>
+                      <a:tailEnd type="none" w="med" len="med"/>
+                    </a:lnB>
+                  </a:tcPr>
+                </a:tc>
+                <a:tc>
+                  <a:txBody>
+                    <a:bodyPr/>
+                    <a:lstStyle/>
+                    <a:p>
+                      <a:pPr marL="0" marR="0" lvl="0" indent="0" algn="ctr" defTabSz="914400" rtl="0" eaLnBrk="1" fontAlgn="auto" latinLnBrk="0" hangingPunct="1">
+                        <a:lnSpc>
+                          <a:spcPct val="100000"/>
+                        </a:lnSpc>
+                        <a:spcBef>
+                          <a:spcPts val="0"/>
+                        </a:spcBef>
+                        <a:spcAft>
+                          <a:spcPts val="0"/>
+                        </a:spcAft>
+                        <a:buClrTx/>
+                        <a:buSzTx/>
+                        <a:buFontTx/>
+                        <a:buNone/>
+                        <a:tabLst/>
+                        <a:defRPr/>
+                      </a:pPr>
+                      <a:r>
+                        <a:rPr lang="en-US" sz="1600" dirty="0" smtClean="0"/>
+                        <a:t>244</a:t>
+                      </a:r>
+                    </a:p>
+                  </a:txBody>
+                  <a:tcPr anchor="ctr">
+                    <a:lnL w="12700" cap="flat" cmpd="sng" algn="ctr">
+                      <a:solidFill>
+                        <a:schemeClr val="tx1"/>
+                      </a:solidFill>
+                      <a:prstDash val="solid"/>
+                      <a:round/>
+                      <a:headEnd type="none" w="med" len="med"/>
+                      <a:tailEnd type="none" w="med" len="med"/>
+                    </a:lnL>
+                    <a:lnR w="12700" cap="flat" cmpd="sng" algn="ctr">
+                      <a:solidFill>
+                        <a:schemeClr val="tx1"/>
+                      </a:solidFill>
+                      <a:prstDash val="solid"/>
+                      <a:round/>
+                      <a:headEnd type="none" w="med" len="med"/>
+                      <a:tailEnd type="none" w="med" len="med"/>
+                    </a:lnR>
+                    <a:lnT w="12700" cap="flat" cmpd="sng" algn="ctr">
+                      <a:solidFill>
+                        <a:schemeClr val="bg1">
+                          <a:lumMod val="65000"/>
+                        </a:schemeClr>
+                      </a:solidFill>
+                      <a:prstDash val="solid"/>
+                      <a:round/>
+                      <a:headEnd type="none" w="med" len="med"/>
+                      <a:tailEnd type="none" w="med" len="med"/>
+                    </a:lnT>
+                    <a:lnB w="12700" cap="flat" cmpd="sng" algn="ctr">
+                      <a:solidFill>
+                        <a:schemeClr val="bg1">
+                          <a:lumMod val="65000"/>
+                        </a:schemeClr>
+                      </a:solidFill>
+                      <a:prstDash val="solid"/>
+                      <a:round/>
+                      <a:headEnd type="none" w="med" len="med"/>
+                      <a:tailEnd type="none" w="med" len="med"/>
+                    </a:lnB>
+                  </a:tcPr>
+                </a:tc>
+                <a:tc>
+                  <a:txBody>
+                    <a:bodyPr/>
+                    <a:lstStyle/>
+                    <a:p>
+                      <a:pPr algn="ctr"/>
+                      <a:r>
+                        <a:rPr lang="en-US" sz="1600" dirty="0" smtClean="0"/>
+                        <a:t>332</a:t>
+                      </a:r>
+                      <a:endParaRPr lang="en-US" sz="1600" dirty="0"/>
+                    </a:p>
+                  </a:txBody>
+                  <a:tcPr anchor="ctr">
+                    <a:lnL w="12700" cap="flat" cmpd="sng" algn="ctr">
+                      <a:solidFill>
+                        <a:schemeClr val="tx1"/>
+                      </a:solidFill>
+                      <a:prstDash val="solid"/>
+                      <a:round/>
+                      <a:headEnd type="none" w="med" len="med"/>
+                      <a:tailEnd type="none" w="med" len="med"/>
+                    </a:lnL>
+                    <a:lnR w="12700" cap="flat" cmpd="sng" algn="ctr">
+                      <a:solidFill>
+                        <a:schemeClr val="tx1"/>
+                      </a:solidFill>
+                      <a:prstDash val="solid"/>
+                      <a:round/>
+                      <a:headEnd type="none" w="med" len="med"/>
+                      <a:tailEnd type="none" w="med" len="med"/>
+                    </a:lnR>
+                    <a:lnT w="12700" cap="flat" cmpd="sng" algn="ctr">
+                      <a:solidFill>
+                        <a:schemeClr val="bg1">
+                          <a:lumMod val="65000"/>
+                        </a:schemeClr>
+                      </a:solidFill>
+                      <a:prstDash val="solid"/>
+                      <a:round/>
+                      <a:headEnd type="none" w="med" len="med"/>
+                      <a:tailEnd type="none" w="med" len="med"/>
+                    </a:lnT>
+                    <a:lnB w="12700" cap="flat" cmpd="sng" algn="ctr">
+                      <a:solidFill>
+                        <a:schemeClr val="bg1">
+                          <a:lumMod val="65000"/>
+                        </a:schemeClr>
+                      </a:solidFill>
+                      <a:prstDash val="solid"/>
+                      <a:round/>
+                      <a:headEnd type="none" w="med" len="med"/>
+                      <a:tailEnd type="none" w="med" len="med"/>
+                    </a:lnB>
+                  </a:tcPr>
+                </a:tc>
+                <a:extLst>
+                  <a:ext uri="{0D108BD9-81ED-4DB2-BD59-A6C34878D82A}">
+                    <a16:rowId xmlns:a16="http://schemas.microsoft.com/office/drawing/2014/main" val="1676669772"/>
+                  </a:ext>
+                </a:extLst>
+              </a:tr>
+              <a:tr h="411480">
+                <a:tc>
+                  <a:txBody>
+                    <a:bodyPr/>
+                    <a:lstStyle/>
+                    <a:p>
+                      <a:pPr marL="0" marR="0" lvl="0" indent="0" algn="l" defTabSz="914400" rtl="0" eaLnBrk="1" fontAlgn="auto" latinLnBrk="0" hangingPunct="1">
+                        <a:lnSpc>
+                          <a:spcPct val="100000"/>
+                        </a:lnSpc>
+                        <a:spcBef>
+                          <a:spcPts val="0"/>
+                        </a:spcBef>
+                        <a:spcAft>
+                          <a:spcPts val="0"/>
+                        </a:spcAft>
+                        <a:buClrTx/>
+                        <a:buSzTx/>
+                        <a:buFontTx/>
+                        <a:buNone/>
+                        <a:tabLst/>
+                        <a:defRPr/>
+                      </a:pPr>
+                      <a:r>
+                        <a:rPr kumimoji="0" lang="en-US" sz="1800" b="0" i="0" u="none" strike="noStrike" kern="1200" cap="none" spc="0" normalizeH="0" baseline="0" noProof="0" dirty="0" smtClean="0">
+                          <a:ln>
+                            <a:noFill/>
+                          </a:ln>
+                          <a:solidFill>
+                            <a:prstClr val="black"/>
+                          </a:solidFill>
+                          <a:effectLst/>
+                          <a:uLnTx/>
+                          <a:uFillTx/>
+                          <a:latin typeface="Calibri" panose="020F0502020204030204"/>
+                          <a:ea typeface="+mn-ea"/>
+                          <a:cs typeface="+mn-cs"/>
+                        </a:rPr>
+                        <a:t># Unique exons</a:t>
+                      </a:r>
+                    </a:p>
+                  </a:txBody>
+                  <a:tcPr marL="548640" anchor="ctr">
+                    <a:lnL w="12700" cap="flat" cmpd="sng" algn="ctr">
+                      <a:solidFill>
+                        <a:schemeClr val="tx1"/>
+                      </a:solidFill>
+                      <a:prstDash val="solid"/>
+                      <a:round/>
+                      <a:headEnd type="none" w="med" len="med"/>
+                      <a:tailEnd type="none" w="med" len="med"/>
+                    </a:lnL>
+                    <a:lnR w="12700" cap="flat" cmpd="sng" algn="ctr">
+                      <a:solidFill>
+                        <a:schemeClr val="tx1"/>
+                      </a:solidFill>
+                      <a:prstDash val="solid"/>
+                      <a:round/>
+                      <a:headEnd type="none" w="med" len="med"/>
+                      <a:tailEnd type="none" w="med" len="med"/>
+                    </a:lnR>
+                    <a:lnT w="12700" cap="flat" cmpd="sng" algn="ctr">
+                      <a:solidFill>
+                        <a:schemeClr val="bg1">
+                          <a:lumMod val="65000"/>
+                        </a:schemeClr>
+                      </a:solidFill>
+                      <a:prstDash val="solid"/>
+                      <a:round/>
+                      <a:headEnd type="none" w="med" len="med"/>
+                      <a:tailEnd type="none" w="med" len="med"/>
+                    </a:lnT>
+                    <a:lnB w="12700" cap="flat" cmpd="sng" algn="ctr">
+                      <a:solidFill>
+                        <a:schemeClr val="bg1">
+                          <a:lumMod val="65000"/>
+                        </a:schemeClr>
+                      </a:solidFill>
+                      <a:prstDash val="solid"/>
+                      <a:round/>
+                      <a:headEnd type="none" w="med" len="med"/>
+                      <a:tailEnd type="none" w="med" len="med"/>
+                    </a:lnB>
+                  </a:tcPr>
+                </a:tc>
+                <a:tc>
+                  <a:txBody>
+                    <a:bodyPr/>
+                    <a:lstStyle/>
+                    <a:p>
+                      <a:pPr marL="0" marR="0" lvl="0" indent="0" algn="ctr" defTabSz="914400" rtl="0" eaLnBrk="1" fontAlgn="auto" latinLnBrk="0" hangingPunct="1">
+                        <a:lnSpc>
+                          <a:spcPct val="100000"/>
+                        </a:lnSpc>
+                        <a:spcBef>
+                          <a:spcPts val="0"/>
+                        </a:spcBef>
+                        <a:spcAft>
+                          <a:spcPts val="0"/>
+                        </a:spcAft>
+                        <a:buClrTx/>
+                        <a:buSzTx/>
+                        <a:buFontTx/>
+                        <a:buNone/>
+                        <a:tabLst/>
+                        <a:defRPr/>
+                      </a:pPr>
+                      <a:r>
+                        <a:rPr lang="en-US" sz="1600" dirty="0" smtClean="0"/>
+                        <a:t>857</a:t>
+                      </a:r>
+                    </a:p>
+                  </a:txBody>
+                  <a:tcPr anchor="ctr">
+                    <a:lnL w="12700" cap="flat" cmpd="sng" algn="ctr">
+                      <a:solidFill>
+                        <a:schemeClr val="tx1"/>
+                      </a:solidFill>
+                      <a:prstDash val="solid"/>
+                      <a:round/>
+                      <a:headEnd type="none" w="med" len="med"/>
+                      <a:tailEnd type="none" w="med" len="med"/>
+                    </a:lnL>
+                    <a:lnR w="12700" cap="flat" cmpd="sng" algn="ctr">
+                      <a:solidFill>
+                        <a:schemeClr val="tx1"/>
+                      </a:solidFill>
+                      <a:prstDash val="solid"/>
+                      <a:round/>
+                      <a:headEnd type="none" w="med" len="med"/>
+                      <a:tailEnd type="none" w="med" len="med"/>
+                    </a:lnR>
+                    <a:lnT w="12700" cap="flat" cmpd="sng" algn="ctr">
+                      <a:solidFill>
+                        <a:schemeClr val="bg1">
+                          <a:lumMod val="65000"/>
+                        </a:schemeClr>
+                      </a:solidFill>
+                      <a:prstDash val="solid"/>
+                      <a:round/>
+                      <a:headEnd type="none" w="med" len="med"/>
+                      <a:tailEnd type="none" w="med" len="med"/>
+                    </a:lnT>
+                    <a:lnB w="12700" cap="flat" cmpd="sng" algn="ctr">
+                      <a:solidFill>
+                        <a:schemeClr val="bg1">
+                          <a:lumMod val="65000"/>
+                        </a:schemeClr>
+                      </a:solidFill>
+                      <a:prstDash val="solid"/>
+                      <a:round/>
+                      <a:headEnd type="none" w="med" len="med"/>
+                      <a:tailEnd type="none" w="med" len="med"/>
+                    </a:lnB>
+                  </a:tcPr>
+                </a:tc>
+                <a:tc>
+                  <a:txBody>
+                    <a:bodyPr/>
+                    <a:lstStyle/>
+                    <a:p>
+                      <a:pPr algn="ctr"/>
+                      <a:r>
+                        <a:rPr lang="en-US" sz="1600" dirty="0" smtClean="0"/>
+                        <a:t>1363</a:t>
+                      </a:r>
+                      <a:endParaRPr lang="en-US" sz="1600" dirty="0"/>
+                    </a:p>
+                  </a:txBody>
+                  <a:tcPr anchor="ctr">
+                    <a:lnL w="12700" cap="flat" cmpd="sng" algn="ctr">
+                      <a:solidFill>
+                        <a:schemeClr val="tx1"/>
+                      </a:solidFill>
+                      <a:prstDash val="solid"/>
+                      <a:round/>
+                      <a:headEnd type="none" w="med" len="med"/>
+                      <a:tailEnd type="none" w="med" len="med"/>
+                    </a:lnL>
+                    <a:lnR w="12700" cap="flat" cmpd="sng" algn="ctr">
+                      <a:solidFill>
+                        <a:schemeClr val="tx1"/>
+                      </a:solidFill>
+                      <a:prstDash val="solid"/>
+                      <a:round/>
+                      <a:headEnd type="none" w="med" len="med"/>
+                      <a:tailEnd type="none" w="med" len="med"/>
+                    </a:lnR>
+                    <a:lnT w="12700" cap="flat" cmpd="sng" algn="ctr">
+                      <a:solidFill>
+                        <a:schemeClr val="bg1">
+                          <a:lumMod val="65000"/>
+                        </a:schemeClr>
+                      </a:solidFill>
+                      <a:prstDash val="solid"/>
+                      <a:round/>
+                      <a:headEnd type="none" w="med" len="med"/>
+                      <a:tailEnd type="none" w="med" len="med"/>
+                    </a:lnT>
+                    <a:lnB w="12700" cap="flat" cmpd="sng" algn="ctr">
+                      <a:solidFill>
+                        <a:schemeClr val="bg1">
+                          <a:lumMod val="65000"/>
+                        </a:schemeClr>
+                      </a:solidFill>
+                      <a:prstDash val="solid"/>
+                      <a:round/>
+                      <a:headEnd type="none" w="med" len="med"/>
+                      <a:tailEnd type="none" w="med" len="med"/>
+                    </a:lnB>
+                  </a:tcPr>
+                </a:tc>
+                <a:extLst>
+                  <a:ext uri="{0D108BD9-81ED-4DB2-BD59-A6C34878D82A}">
+                    <a16:rowId xmlns:a16="http://schemas.microsoft.com/office/drawing/2014/main" val="3297591499"/>
+                  </a:ext>
+                </a:extLst>
+              </a:tr>
+              <a:tr h="411480">
+                <a:tc>
+                  <a:txBody>
+                    <a:bodyPr/>
+                    <a:lstStyle/>
+                    <a:p>
+                      <a:pPr marL="0" marR="0" lvl="0" indent="0" algn="l" defTabSz="914400" rtl="0" eaLnBrk="1" fontAlgn="auto" latinLnBrk="0" hangingPunct="1">
+                        <a:lnSpc>
+                          <a:spcPct val="100000"/>
+                        </a:lnSpc>
+                        <a:spcBef>
+                          <a:spcPts val="0"/>
+                        </a:spcBef>
+                        <a:spcAft>
+                          <a:spcPts val="0"/>
+                        </a:spcAft>
+                        <a:buClrTx/>
+                        <a:buSzTx/>
+                        <a:buFontTx/>
+                        <a:buNone/>
+                        <a:tabLst/>
+                        <a:defRPr/>
+                      </a:pPr>
+                      <a:r>
+                        <a:rPr kumimoji="0" lang="en-US" sz="1800" b="0" i="0" u="none" strike="noStrike" kern="1200" cap="none" spc="0" normalizeH="0" baseline="0" noProof="0" dirty="0" smtClean="0">
+                          <a:ln>
+                            <a:noFill/>
+                          </a:ln>
+                          <a:solidFill>
+                            <a:prstClr val="black"/>
+                          </a:solidFill>
+                          <a:effectLst/>
+                          <a:uLnTx/>
+                          <a:uFillTx/>
+                          <a:latin typeface="Calibri" panose="020F0502020204030204"/>
+                          <a:ea typeface="+mn-ea"/>
+                          <a:cs typeface="+mn-cs"/>
+                        </a:rPr>
+                        <a:t># Unique junctions</a:t>
+                      </a:r>
+                    </a:p>
+                  </a:txBody>
+                  <a:tcPr marL="548640" anchor="ctr">
+                    <a:lnL w="12700" cap="flat" cmpd="sng" algn="ctr">
+                      <a:solidFill>
+                        <a:schemeClr val="tx1"/>
+                      </a:solidFill>
+                      <a:prstDash val="solid"/>
+                      <a:round/>
+                      <a:headEnd type="none" w="med" len="med"/>
+                      <a:tailEnd type="none" w="med" len="med"/>
+                    </a:lnL>
+                    <a:lnR w="12700" cap="flat" cmpd="sng" algn="ctr">
+                      <a:solidFill>
+                        <a:schemeClr val="tx1"/>
+                      </a:solidFill>
+                      <a:prstDash val="solid"/>
+                      <a:round/>
+                      <a:headEnd type="none" w="med" len="med"/>
+                      <a:tailEnd type="none" w="med" len="med"/>
+                    </a:lnR>
+                    <a:lnT w="12700" cap="flat" cmpd="sng" algn="ctr">
+                      <a:solidFill>
+                        <a:schemeClr val="bg1">
+                          <a:lumMod val="65000"/>
+                        </a:schemeClr>
+                      </a:solidFill>
+                      <a:prstDash val="solid"/>
+                      <a:round/>
+                      <a:headEnd type="none" w="med" len="med"/>
+                      <a:tailEnd type="none" w="med" len="med"/>
+                    </a:lnT>
+                    <a:lnB w="12700" cap="flat" cmpd="sng" algn="ctr">
+                      <a:solidFill>
+                        <a:schemeClr val="tx1"/>
+                      </a:solidFill>
+                      <a:prstDash val="solid"/>
+                      <a:round/>
+                      <a:headEnd type="none" w="med" len="med"/>
+                      <a:tailEnd type="none" w="med" len="med"/>
+                    </a:lnB>
+                  </a:tcPr>
+                </a:tc>
+                <a:tc>
+                  <a:txBody>
+                    <a:bodyPr/>
+                    <a:lstStyle/>
+                    <a:p>
+                      <a:pPr marL="0" marR="0" lvl="0" indent="0" algn="ctr" defTabSz="914400" rtl="0" eaLnBrk="1" fontAlgn="auto" latinLnBrk="0" hangingPunct="1">
+                        <a:lnSpc>
+                          <a:spcPct val="100000"/>
+                        </a:lnSpc>
+                        <a:spcBef>
+                          <a:spcPts val="0"/>
+                        </a:spcBef>
+                        <a:spcAft>
+                          <a:spcPts val="0"/>
+                        </a:spcAft>
+                        <a:buClrTx/>
+                        <a:buSzTx/>
+                        <a:buFontTx/>
+                        <a:buNone/>
+                        <a:tabLst/>
+                        <a:defRPr/>
+                      </a:pPr>
+                      <a:r>
+                        <a:rPr lang="en-US" sz="1600" dirty="0" smtClean="0"/>
+                        <a:t>507</a:t>
+                      </a:r>
+                    </a:p>
+                  </a:txBody>
+                  <a:tcPr anchor="ctr">
+                    <a:lnL w="12700" cap="flat" cmpd="sng" algn="ctr">
+                      <a:solidFill>
+                        <a:schemeClr val="tx1"/>
+                      </a:solidFill>
+                      <a:prstDash val="solid"/>
+                      <a:round/>
+                      <a:headEnd type="none" w="med" len="med"/>
+                      <a:tailEnd type="none" w="med" len="med"/>
+                    </a:lnL>
+                    <a:lnR w="12700" cap="flat" cmpd="sng" algn="ctr">
+                      <a:solidFill>
+                        <a:schemeClr val="tx1"/>
+                      </a:solidFill>
+                      <a:prstDash val="solid"/>
+                      <a:round/>
+                      <a:headEnd type="none" w="med" len="med"/>
+                      <a:tailEnd type="none" w="med" len="med"/>
+                    </a:lnR>
+                    <a:lnT w="12700" cap="flat" cmpd="sng" algn="ctr">
+                      <a:solidFill>
+                        <a:schemeClr val="bg1">
+                          <a:lumMod val="65000"/>
+                        </a:schemeClr>
+                      </a:solidFill>
+                      <a:prstDash val="solid"/>
+                      <a:round/>
+                      <a:headEnd type="none" w="med" len="med"/>
+                      <a:tailEnd type="none" w="med" len="med"/>
+                    </a:lnT>
+                    <a:lnB w="12700" cap="flat" cmpd="sng" algn="ctr">
+                      <a:solidFill>
+                        <a:schemeClr val="tx1"/>
+                      </a:solidFill>
+                      <a:prstDash val="solid"/>
+                      <a:round/>
+                      <a:headEnd type="none" w="med" len="med"/>
+                      <a:tailEnd type="none" w="med" len="med"/>
+                    </a:lnB>
+                  </a:tcPr>
+                </a:tc>
+                <a:tc>
+                  <a:txBody>
+                    <a:bodyPr/>
+                    <a:lstStyle/>
+                    <a:p>
+                      <a:pPr algn="ctr"/>
+                      <a:r>
+                        <a:rPr lang="en-US" sz="1600" dirty="0" smtClean="0"/>
+                        <a:t>659</a:t>
+                      </a:r>
+                      <a:endParaRPr lang="en-US" sz="1600" dirty="0"/>
+                    </a:p>
+                  </a:txBody>
+                  <a:tcPr anchor="ctr">
+                    <a:lnL w="12700" cap="flat" cmpd="sng" algn="ctr">
+                      <a:solidFill>
+                        <a:schemeClr val="tx1"/>
+                      </a:solidFill>
+                      <a:prstDash val="solid"/>
+                      <a:round/>
+                      <a:headEnd type="none" w="med" len="med"/>
+                      <a:tailEnd type="none" w="med" len="med"/>
+                    </a:lnL>
+                    <a:lnR w="12700" cap="flat" cmpd="sng" algn="ctr">
+                      <a:solidFill>
+                        <a:schemeClr val="tx1"/>
+                      </a:solidFill>
+                      <a:prstDash val="solid"/>
+                      <a:round/>
+                      <a:headEnd type="none" w="med" len="med"/>
+                      <a:tailEnd type="none" w="med" len="med"/>
+                    </a:lnR>
+                    <a:lnT w="12700" cap="flat" cmpd="sng" algn="ctr">
+                      <a:solidFill>
+                        <a:schemeClr val="bg1">
+                          <a:lumMod val="65000"/>
+                        </a:schemeClr>
+                      </a:solidFill>
+                      <a:prstDash val="solid"/>
+                      <a:round/>
+                      <a:headEnd type="none" w="med" len="med"/>
+                      <a:tailEnd type="none" w="med" len="med"/>
+                    </a:lnT>
+                    <a:lnB w="12700" cap="flat" cmpd="sng" algn="ctr">
+                      <a:solidFill>
+                        <a:schemeClr val="tx1"/>
+                      </a:solidFill>
+                      <a:prstDash val="solid"/>
+                      <a:round/>
+                      <a:headEnd type="none" w="med" len="med"/>
+                      <a:tailEnd type="none" w="med" len="med"/>
+                    </a:lnB>
+                  </a:tcPr>
+                </a:tc>
+                <a:extLst>
+                  <a:ext uri="{0D108BD9-81ED-4DB2-BD59-A6C34878D82A}">
+                    <a16:rowId xmlns:a16="http://schemas.microsoft.com/office/drawing/2014/main" val="186654310"/>
+                  </a:ext>
+                </a:extLst>
+              </a:tr>
+            </a:tbl>
+          </a:graphicData>
+        </a:graphic>
+      </p:graphicFrame>
+      <p:pic>
+        <p:nvPicPr>
+          <p:cNvPr id="4" name="Picture 3"/>
+          <p:cNvPicPr>
+            <a:picLocks noChangeAspect="1"/>
+          </p:cNvPicPr>
+          <p:nvPr/>
+        </p:nvPicPr>
+        <p:blipFill>
+          <a:blip r:embed="rId2" cstate="print">
+            <a:extLst>
+              <a:ext uri="{28A0092B-C50C-407E-A947-70E740481C1C}">
+                <a14:useLocalDpi xmlns:a14="http://schemas.microsoft.com/office/drawing/2010/main" val="0"/>
+              </a:ext>
+            </a:extLst>
+          </a:blip>
+          <a:stretch>
+            <a:fillRect/>
+          </a:stretch>
+        </p:blipFill>
+        <p:spPr>
+          <a:xfrm>
+            <a:off x="3225338" y="4633041"/>
+            <a:ext cx="2224957" cy="2224957"/>
+          </a:xfrm>
+          <a:prstGeom prst="rect">
+            <a:avLst/>
+          </a:prstGeom>
+        </p:spPr>
+      </p:pic>
+      <p:pic>
+        <p:nvPicPr>
+          <p:cNvPr id="5" name="Picture 4"/>
+          <p:cNvPicPr>
+            <a:picLocks noChangeAspect="1"/>
+          </p:cNvPicPr>
+          <p:nvPr/>
+        </p:nvPicPr>
+        <p:blipFill>
+          <a:blip r:embed="rId3" cstate="print">
+            <a:extLst>
+              <a:ext uri="{28A0092B-C50C-407E-A947-70E740481C1C}">
+                <a14:useLocalDpi xmlns:a14="http://schemas.microsoft.com/office/drawing/2010/main" val="0"/>
+              </a:ext>
+            </a:extLst>
+          </a:blip>
+          <a:stretch>
+            <a:fillRect/>
+          </a:stretch>
+        </p:blipFill>
+        <p:spPr>
+          <a:xfrm>
+            <a:off x="9680702" y="4574919"/>
+            <a:ext cx="2224957" cy="2224957"/>
+          </a:xfrm>
+          <a:prstGeom prst="rect">
+            <a:avLst/>
+          </a:prstGeom>
+        </p:spPr>
+      </p:pic>
+      <p:pic>
+        <p:nvPicPr>
+          <p:cNvPr id="6" name="Picture 5"/>
+          <p:cNvPicPr>
+            <a:picLocks noChangeAspect="1"/>
+          </p:cNvPicPr>
+          <p:nvPr/>
+        </p:nvPicPr>
+        <p:blipFill>
+          <a:blip r:embed="rId4" cstate="print">
+            <a:extLst>
+              <a:ext uri="{28A0092B-C50C-407E-A947-70E740481C1C}">
+                <a14:useLocalDpi xmlns:a14="http://schemas.microsoft.com/office/drawing/2010/main" val="0"/>
+              </a:ext>
+            </a:extLst>
+          </a:blip>
+          <a:stretch>
+            <a:fillRect/>
+          </a:stretch>
+        </p:blipFill>
+        <p:spPr>
+          <a:xfrm>
+            <a:off x="6453020" y="4613886"/>
+            <a:ext cx="2224957" cy="2224957"/>
+          </a:xfrm>
+          <a:prstGeom prst="rect">
+            <a:avLst/>
+          </a:prstGeom>
+        </p:spPr>
+      </p:pic>
+      <p:pic>
+        <p:nvPicPr>
+          <p:cNvPr id="7" name="Picture 6"/>
+          <p:cNvPicPr>
+            <a:picLocks noChangeAspect="1"/>
+          </p:cNvPicPr>
+          <p:nvPr/>
+        </p:nvPicPr>
+        <p:blipFill>
+          <a:blip r:embed="rId5" cstate="print">
+            <a:extLst>
+              <a:ext uri="{28A0092B-C50C-407E-A947-70E740481C1C}">
+                <a14:useLocalDpi xmlns:a14="http://schemas.microsoft.com/office/drawing/2010/main" val="0"/>
+              </a:ext>
+            </a:extLst>
+          </a:blip>
+          <a:stretch>
+            <a:fillRect/>
+          </a:stretch>
+        </p:blipFill>
+        <p:spPr>
+          <a:xfrm>
+            <a:off x="373974" y="4633040"/>
+            <a:ext cx="2224957" cy="2224957"/>
+          </a:xfrm>
+          <a:prstGeom prst="rect">
+            <a:avLst/>
+          </a:prstGeom>
+        </p:spPr>
+      </p:pic>
+      <p:sp>
+        <p:nvSpPr>
+          <p:cNvPr id="8" name="Rectangle 7"/>
+          <p:cNvSpPr/>
+          <p:nvPr/>
+        </p:nvSpPr>
+        <p:spPr>
+          <a:xfrm>
+            <a:off x="911809" y="6488665"/>
+            <a:ext cx="772969" cy="369332"/>
+          </a:xfrm>
+          <a:prstGeom prst="rect">
+            <a:avLst/>
+          </a:prstGeom>
+        </p:spPr>
+        <p:txBody>
+          <a:bodyPr wrap="none">
+            <a:spAutoFit/>
+          </a:bodyPr>
+          <a:lstStyle/>
+          <a:p>
+            <a:r>
+              <a:rPr lang="en-US" dirty="0" smtClean="0"/>
+              <a:t>Genes</a:t>
+            </a:r>
+            <a:endParaRPr lang="en-US" dirty="0"/>
+          </a:p>
+        </p:txBody>
+      </p:sp>
+      <p:sp>
+        <p:nvSpPr>
+          <p:cNvPr id="9" name="Rectangle 8"/>
+          <p:cNvSpPr/>
+          <p:nvPr/>
+        </p:nvSpPr>
+        <p:spPr>
+          <a:xfrm>
+            <a:off x="3951331" y="6483291"/>
+            <a:ext cx="1198533" cy="369332"/>
+          </a:xfrm>
+          <a:prstGeom prst="rect">
+            <a:avLst/>
+          </a:prstGeom>
+        </p:spPr>
+        <p:txBody>
+          <a:bodyPr wrap="none">
+            <a:spAutoFit/>
+          </a:bodyPr>
+          <a:lstStyle/>
+          <a:p>
+            <a:r>
+              <a:rPr lang="en-US" dirty="0" smtClean="0"/>
+              <a:t>Transcripts</a:t>
+            </a:r>
+            <a:endParaRPr lang="en-US" dirty="0"/>
+          </a:p>
+        </p:txBody>
+      </p:sp>
+      <p:sp>
+        <p:nvSpPr>
+          <p:cNvPr id="10" name="Rectangle 9"/>
+          <p:cNvSpPr/>
+          <p:nvPr/>
+        </p:nvSpPr>
+        <p:spPr>
+          <a:xfrm>
+            <a:off x="7179013" y="6469511"/>
+            <a:ext cx="723468" cy="369332"/>
+          </a:xfrm>
+          <a:prstGeom prst="rect">
+            <a:avLst/>
+          </a:prstGeom>
+        </p:spPr>
+        <p:txBody>
+          <a:bodyPr wrap="none">
+            <a:spAutoFit/>
+          </a:bodyPr>
+          <a:lstStyle/>
+          <a:p>
+            <a:r>
+              <a:rPr lang="en-US" dirty="0" smtClean="0"/>
+              <a:t>Exons</a:t>
+            </a:r>
+            <a:endParaRPr lang="en-US" dirty="0"/>
+          </a:p>
+        </p:txBody>
+      </p:sp>
+      <p:sp>
+        <p:nvSpPr>
+          <p:cNvPr id="11" name="Rectangle 10"/>
+          <p:cNvSpPr/>
+          <p:nvPr/>
+        </p:nvSpPr>
+        <p:spPr>
+          <a:xfrm>
+            <a:off x="10406695" y="6469511"/>
+            <a:ext cx="1063112" cy="369332"/>
+          </a:xfrm>
+          <a:prstGeom prst="rect">
+            <a:avLst/>
+          </a:prstGeom>
+        </p:spPr>
+        <p:txBody>
+          <a:bodyPr wrap="none">
+            <a:spAutoFit/>
+          </a:bodyPr>
+          <a:lstStyle/>
+          <a:p>
+            <a:r>
+              <a:rPr lang="en-US" dirty="0" smtClean="0"/>
+              <a:t>Junctions</a:t>
+            </a:r>
+            <a:endParaRPr lang="en-US" dirty="0"/>
+          </a:p>
+        </p:txBody>
+      </p:sp>
+    </p:spTree>
+    <p:extLst>
+      <p:ext uri="{BB962C8B-B14F-4D97-AF65-F5344CB8AC3E}">
+        <p14:creationId xmlns:p14="http://schemas.microsoft.com/office/powerpoint/2010/main" val="2440231781"/>
+      </p:ext>
+    </p:extLst>
+  </p:cSld>
+  <p:clrMapOvr>
+    <a:masterClrMapping/>
+  </p:clrMapOvr>
+</p:sld>
+</file>
+
+<file path=ppt/slides/slide7.xml><?xml version="1.0" encoding="utf-8"?>
+<p:sld xmlns:a="http://schemas.openxmlformats.org/drawingml/2006/main" xmlns:r="http://schemas.openxmlformats.org/officeDocument/2006/relationships" xmlns:p="http://schemas.openxmlformats.org/presentationml/2006/main">
+  <p:cSld>
+    <p:spTree>
+      <p:nvGrpSpPr>
+        <p:cNvPr id="1" name=""/>
+        <p:cNvGrpSpPr/>
+        <p:nvPr/>
+      </p:nvGrpSpPr>
+      <p:grpSpPr>
+        <a:xfrm>
+          <a:off x="0" y="0"/>
+          <a:ext cx="0" cy="0"/>
+          <a:chOff x="0" y="0"/>
+          <a:chExt cx="0" cy="0"/>
+        </a:xfrm>
+      </p:grpSpPr>
+      <p:sp>
+        <p:nvSpPr>
+          <p:cNvPr id="2" name="Title 1">
+            <a:extLst>
+              <a:ext uri="{FF2B5EF4-FFF2-40B4-BE49-F238E27FC236}">
+                <a16:creationId xmlns:a16="http://schemas.microsoft.com/office/drawing/2014/main" id="{5CFE0278-5FE9-4F97-9C97-2D0BFFE62AE7}"/>
+              </a:ext>
+            </a:extLst>
+          </p:cNvPr>
+          <p:cNvSpPr>
+            <a:spLocks noGrp="1"/>
+          </p:cNvSpPr>
+          <p:nvPr>
+            <p:ph type="title"/>
+          </p:nvPr>
+        </p:nvSpPr>
+        <p:spPr>
+          <a:xfrm>
+            <a:off x="734781" y="407530"/>
+            <a:ext cx="10058400" cy="839291"/>
+          </a:xfrm>
+        </p:spPr>
+        <p:txBody>
+          <a:bodyPr/>
+          <a:lstStyle/>
+          <a:p>
+            <a:r>
+              <a:rPr lang="en-US" dirty="0">
+                <a:latin typeface="+mn-lt"/>
+              </a:rPr>
+              <a:t>Overall </a:t>
+            </a:r>
+            <a:r>
+              <a:rPr lang="en-US" dirty="0" err="1">
+                <a:latin typeface="+mn-lt"/>
+              </a:rPr>
+              <a:t>eQTLs</a:t>
+            </a:r>
+            <a:r>
+              <a:rPr lang="en-US" dirty="0">
+                <a:latin typeface="+mn-lt"/>
+              </a:rPr>
+              <a:t> at </a:t>
+            </a:r>
+            <a:r>
+              <a:rPr lang="en-US" dirty="0" smtClean="0">
+                <a:latin typeface="+mn-lt"/>
+              </a:rPr>
+              <a:t>FDR &lt; 1% </a:t>
+            </a:r>
+            <a:r>
+              <a:rPr lang="en-US" dirty="0"/>
+              <a:t>- </a:t>
+            </a:r>
+            <a:r>
+              <a:rPr lang="en-US" dirty="0" err="1"/>
+              <a:t>rAggr</a:t>
+            </a:r>
+            <a:endParaRPr lang="en-US" dirty="0">
+              <a:latin typeface="+mn-lt"/>
+            </a:endParaRPr>
+          </a:p>
+        </p:txBody>
+      </p:sp>
+      <p:graphicFrame>
+        <p:nvGraphicFramePr>
+          <p:cNvPr id="3" name="Table 2"/>
+          <p:cNvGraphicFramePr>
+            <a:graphicFrameLocks noGrp="1"/>
+          </p:cNvGraphicFramePr>
+          <p:nvPr>
+            <p:extLst>
+              <p:ext uri="{D42A27DB-BD31-4B8C-83A1-F6EECF244321}">
+                <p14:modId xmlns:p14="http://schemas.microsoft.com/office/powerpoint/2010/main" val="2117384729"/>
+              </p:ext>
+            </p:extLst>
+          </p:nvPr>
+        </p:nvGraphicFramePr>
+        <p:xfrm>
+          <a:off x="182878" y="3673178"/>
+          <a:ext cx="11777481" cy="1959528"/>
+        </p:xfrm>
+        <a:graphic>
+          <a:graphicData uri="http://schemas.openxmlformats.org/drawingml/2006/table">
+            <a:tbl>
+              <a:tblPr firstCol="1" bandRow="1">
+                <a:tableStyleId>{073A0DAA-6AF3-43AB-8588-CEC1D06C72B9}</a:tableStyleId>
+              </a:tblPr>
+              <a:tblGrid>
+                <a:gridCol w="1006604">
+                  <a:extLst>
+                    <a:ext uri="{9D8B030D-6E8A-4147-A177-3AD203B41FA5}">
+                      <a16:colId xmlns:a16="http://schemas.microsoft.com/office/drawing/2014/main" val="321783189"/>
+                    </a:ext>
+                  </a:extLst>
+                </a:gridCol>
+                <a:gridCol w="633581">
+                  <a:extLst>
+                    <a:ext uri="{9D8B030D-6E8A-4147-A177-3AD203B41FA5}">
+                      <a16:colId xmlns:a16="http://schemas.microsoft.com/office/drawing/2014/main" val="983072481"/>
+                    </a:ext>
+                  </a:extLst>
+                </a:gridCol>
+                <a:gridCol w="633581">
+                  <a:extLst>
+                    <a:ext uri="{9D8B030D-6E8A-4147-A177-3AD203B41FA5}">
+                      <a16:colId xmlns:a16="http://schemas.microsoft.com/office/drawing/2014/main" val="1542481117"/>
+                    </a:ext>
+                  </a:extLst>
+                </a:gridCol>
+                <a:gridCol w="633581">
+                  <a:extLst>
+                    <a:ext uri="{9D8B030D-6E8A-4147-A177-3AD203B41FA5}">
+                      <a16:colId xmlns:a16="http://schemas.microsoft.com/office/drawing/2014/main" val="47893457"/>
+                    </a:ext>
+                  </a:extLst>
+                </a:gridCol>
+                <a:gridCol w="633581">
+                  <a:extLst>
+                    <a:ext uri="{9D8B030D-6E8A-4147-A177-3AD203B41FA5}">
+                      <a16:colId xmlns:a16="http://schemas.microsoft.com/office/drawing/2014/main" val="2212632435"/>
+                    </a:ext>
+                  </a:extLst>
+                </a:gridCol>
+                <a:gridCol w="633581">
+                  <a:extLst>
+                    <a:ext uri="{9D8B030D-6E8A-4147-A177-3AD203B41FA5}">
+                      <a16:colId xmlns:a16="http://schemas.microsoft.com/office/drawing/2014/main" val="3242244007"/>
+                    </a:ext>
+                  </a:extLst>
+                </a:gridCol>
+                <a:gridCol w="633581">
+                  <a:extLst>
+                    <a:ext uri="{9D8B030D-6E8A-4147-A177-3AD203B41FA5}">
+                      <a16:colId xmlns:a16="http://schemas.microsoft.com/office/drawing/2014/main" val="373322989"/>
+                    </a:ext>
+                  </a:extLst>
+                </a:gridCol>
+                <a:gridCol w="633581">
+                  <a:extLst>
+                    <a:ext uri="{9D8B030D-6E8A-4147-A177-3AD203B41FA5}">
+                      <a16:colId xmlns:a16="http://schemas.microsoft.com/office/drawing/2014/main" val="2004755825"/>
+                    </a:ext>
+                  </a:extLst>
+                </a:gridCol>
+                <a:gridCol w="633581">
+                  <a:extLst>
+                    <a:ext uri="{9D8B030D-6E8A-4147-A177-3AD203B41FA5}">
+                      <a16:colId xmlns:a16="http://schemas.microsoft.com/office/drawing/2014/main" val="3632885095"/>
+                    </a:ext>
+                  </a:extLst>
+                </a:gridCol>
+                <a:gridCol w="633581">
+                  <a:extLst>
+                    <a:ext uri="{9D8B030D-6E8A-4147-A177-3AD203B41FA5}">
+                      <a16:colId xmlns:a16="http://schemas.microsoft.com/office/drawing/2014/main" val="3440648747"/>
+                    </a:ext>
+                  </a:extLst>
+                </a:gridCol>
+                <a:gridCol w="633581">
+                  <a:extLst>
+                    <a:ext uri="{9D8B030D-6E8A-4147-A177-3AD203B41FA5}">
+                      <a16:colId xmlns:a16="http://schemas.microsoft.com/office/drawing/2014/main" val="194009094"/>
+                    </a:ext>
+                  </a:extLst>
+                </a:gridCol>
+                <a:gridCol w="633581">
+                  <a:extLst>
+                    <a:ext uri="{9D8B030D-6E8A-4147-A177-3AD203B41FA5}">
+                      <a16:colId xmlns:a16="http://schemas.microsoft.com/office/drawing/2014/main" val="1813486093"/>
+                    </a:ext>
+                  </a:extLst>
+                </a:gridCol>
+                <a:gridCol w="633581">
+                  <a:extLst>
+                    <a:ext uri="{9D8B030D-6E8A-4147-A177-3AD203B41FA5}">
+                      <a16:colId xmlns:a16="http://schemas.microsoft.com/office/drawing/2014/main" val="81180624"/>
+                    </a:ext>
+                  </a:extLst>
+                </a:gridCol>
+                <a:gridCol w="633581">
+                  <a:extLst>
+                    <a:ext uri="{9D8B030D-6E8A-4147-A177-3AD203B41FA5}">
+                      <a16:colId xmlns:a16="http://schemas.microsoft.com/office/drawing/2014/main" val="674025747"/>
+                    </a:ext>
+                  </a:extLst>
+                </a:gridCol>
+                <a:gridCol w="633581">
+                  <a:extLst>
+                    <a:ext uri="{9D8B030D-6E8A-4147-A177-3AD203B41FA5}">
+                      <a16:colId xmlns:a16="http://schemas.microsoft.com/office/drawing/2014/main" val="983902903"/>
+                    </a:ext>
+                  </a:extLst>
+                </a:gridCol>
+                <a:gridCol w="633581">
+                  <a:extLst>
+                    <a:ext uri="{9D8B030D-6E8A-4147-A177-3AD203B41FA5}">
+                      <a16:colId xmlns:a16="http://schemas.microsoft.com/office/drawing/2014/main" val="2464655292"/>
+                    </a:ext>
+                  </a:extLst>
+                </a:gridCol>
+                <a:gridCol w="633581">
+                  <a:extLst>
+                    <a:ext uri="{9D8B030D-6E8A-4147-A177-3AD203B41FA5}">
+                      <a16:colId xmlns:a16="http://schemas.microsoft.com/office/drawing/2014/main" val="3388589090"/>
+                    </a:ext>
+                  </a:extLst>
+                </a:gridCol>
+                <a:gridCol w="633581">
+                  <a:extLst>
+                    <a:ext uri="{9D8B030D-6E8A-4147-A177-3AD203B41FA5}">
+                      <a16:colId xmlns:a16="http://schemas.microsoft.com/office/drawing/2014/main" val="3310805336"/>
+                    </a:ext>
+                  </a:extLst>
+                </a:gridCol>
+              </a:tblGrid>
+              <a:tr h="489882">
+                <a:tc rowSpan="2">
+                  <a:txBody>
+                    <a:bodyPr/>
+                    <a:lstStyle/>
+                    <a:p>
+                      <a:pPr algn="ctr"/>
+                      <a:r>
+                        <a:rPr lang="en-US" dirty="0" smtClean="0"/>
+                        <a:t>Hippo</a:t>
+                      </a:r>
+                      <a:endParaRPr lang="en-US" dirty="0"/>
+                    </a:p>
+                  </a:txBody>
+                  <a:tcPr anchor="ctr">
+                    <a:lnL w="12700" cap="flat" cmpd="sng" algn="ctr">
+                      <a:solidFill>
+                        <a:schemeClr val="tx1"/>
+                      </a:solidFill>
+                      <a:prstDash val="solid"/>
+                      <a:round/>
+                      <a:headEnd type="none" w="med" len="med"/>
+                      <a:tailEnd type="none" w="med" len="med"/>
+                    </a:lnL>
+                    <a:lnT w="12700" cap="flat" cmpd="sng" algn="ctr">
+                      <a:solidFill>
+                        <a:schemeClr val="tx1"/>
+                      </a:solidFill>
+                      <a:prstDash val="solid"/>
+                      <a:round/>
+                      <a:headEnd type="none" w="med" len="med"/>
+                      <a:tailEnd type="none" w="med" len="med"/>
+                    </a:lnT>
+                    <a:lnB w="12700" cap="flat" cmpd="sng" algn="ctr">
+                      <a:solidFill>
+                        <a:schemeClr val="tx1"/>
+                      </a:solidFill>
+                      <a:prstDash val="solid"/>
+                      <a:round/>
+                      <a:headEnd type="none" w="med" len="med"/>
+                      <a:tailEnd type="none" w="med" len="med"/>
+                    </a:lnB>
+                  </a:tcPr>
+                </a:tc>
+                <a:tc>
+                  <a:txBody>
+                    <a:bodyPr/>
+                    <a:lstStyle/>
+                    <a:p>
+                      <a:pPr algn="ctr"/>
+                      <a:r>
+                        <a:rPr lang="en-US" sz="1600" dirty="0" smtClean="0"/>
+                        <a:t>1</a:t>
+                      </a:r>
+                      <a:endParaRPr lang="en-US" sz="1600" dirty="0"/>
+                    </a:p>
+                  </a:txBody>
+                  <a:tcPr anchor="ctr">
+                    <a:lnT w="12700" cap="flat" cmpd="sng" algn="ctr">
+                      <a:solidFill>
+                        <a:schemeClr val="tx1"/>
+                      </a:solidFill>
+                      <a:prstDash val="solid"/>
+                      <a:round/>
+                      <a:headEnd type="none" w="med" len="med"/>
+                      <a:tailEnd type="none" w="med" len="med"/>
+                    </a:lnT>
+                  </a:tcPr>
+                </a:tc>
+                <a:tc>
+                  <a:txBody>
+                    <a:bodyPr/>
+                    <a:lstStyle/>
+                    <a:p>
+                      <a:pPr algn="ctr"/>
+                      <a:r>
+                        <a:rPr lang="en-US" sz="1600" dirty="0" smtClean="0"/>
+                        <a:t>2</a:t>
+                      </a:r>
+                      <a:endParaRPr lang="en-US" sz="1600" dirty="0"/>
+                    </a:p>
+                  </a:txBody>
+                  <a:tcPr anchor="ctr">
+                    <a:lnT w="12700" cap="flat" cmpd="sng" algn="ctr">
+                      <a:solidFill>
+                        <a:schemeClr val="tx1"/>
+                      </a:solidFill>
+                      <a:prstDash val="solid"/>
+                      <a:round/>
+                      <a:headEnd type="none" w="med" len="med"/>
+                      <a:tailEnd type="none" w="med" len="med"/>
+                    </a:lnT>
+                  </a:tcPr>
+                </a:tc>
+                <a:tc>
+                  <a:txBody>
+                    <a:bodyPr/>
+                    <a:lstStyle/>
+                    <a:p>
+                      <a:pPr algn="ctr"/>
+                      <a:r>
+                        <a:rPr lang="en-US" sz="1600" dirty="0" smtClean="0"/>
+                        <a:t>3</a:t>
+                      </a:r>
+                      <a:endParaRPr lang="en-US" sz="1600" dirty="0"/>
+                    </a:p>
+                  </a:txBody>
+                  <a:tcPr anchor="ctr">
+                    <a:lnT w="12700" cap="flat" cmpd="sng" algn="ctr">
+                      <a:solidFill>
+                        <a:schemeClr val="tx1"/>
+                      </a:solidFill>
+                      <a:prstDash val="solid"/>
+                      <a:round/>
+                      <a:headEnd type="none" w="med" len="med"/>
+                      <a:tailEnd type="none" w="med" len="med"/>
+                    </a:lnT>
+                  </a:tcPr>
+                </a:tc>
+                <a:tc>
+                  <a:txBody>
+                    <a:bodyPr/>
+                    <a:lstStyle/>
+                    <a:p>
+                      <a:pPr algn="ctr"/>
+                      <a:r>
+                        <a:rPr lang="en-US" sz="1600" dirty="0" smtClean="0"/>
+                        <a:t>4</a:t>
+                      </a:r>
+                      <a:endParaRPr lang="en-US" sz="1600" dirty="0"/>
+                    </a:p>
+                  </a:txBody>
+                  <a:tcPr anchor="ctr">
+                    <a:lnT w="12700" cap="flat" cmpd="sng" algn="ctr">
+                      <a:solidFill>
+                        <a:schemeClr val="tx1"/>
+                      </a:solidFill>
+                      <a:prstDash val="solid"/>
+                      <a:round/>
+                      <a:headEnd type="none" w="med" len="med"/>
+                      <a:tailEnd type="none" w="med" len="med"/>
+                    </a:lnT>
+                  </a:tcPr>
+                </a:tc>
+                <a:tc>
+                  <a:txBody>
+                    <a:bodyPr/>
+                    <a:lstStyle/>
+                    <a:p>
+                      <a:pPr algn="ctr"/>
+                      <a:r>
+                        <a:rPr lang="en-US" sz="1600" dirty="0" smtClean="0"/>
+                        <a:t>5</a:t>
+                      </a:r>
+                      <a:endParaRPr lang="en-US" sz="1600" dirty="0"/>
+                    </a:p>
+                  </a:txBody>
+                  <a:tcPr anchor="ctr">
+                    <a:lnT w="12700" cap="flat" cmpd="sng" algn="ctr">
+                      <a:solidFill>
+                        <a:schemeClr val="tx1"/>
+                      </a:solidFill>
+                      <a:prstDash val="solid"/>
+                      <a:round/>
+                      <a:headEnd type="none" w="med" len="med"/>
+                      <a:tailEnd type="none" w="med" len="med"/>
+                    </a:lnT>
+                  </a:tcPr>
+                </a:tc>
+                <a:tc>
+                  <a:txBody>
+                    <a:bodyPr/>
+                    <a:lstStyle/>
+                    <a:p>
+                      <a:pPr algn="ctr"/>
+                      <a:r>
+                        <a:rPr lang="en-US" sz="1600" dirty="0" smtClean="0"/>
+                        <a:t>6</a:t>
+                      </a:r>
+                      <a:endParaRPr lang="en-US" sz="1600" dirty="0"/>
+                    </a:p>
+                  </a:txBody>
+                  <a:tcPr anchor="ctr">
+                    <a:lnT w="12700" cap="flat" cmpd="sng" algn="ctr">
+                      <a:solidFill>
+                        <a:schemeClr val="tx1"/>
+                      </a:solidFill>
+                      <a:prstDash val="solid"/>
+                      <a:round/>
+                      <a:headEnd type="none" w="med" len="med"/>
+                      <a:tailEnd type="none" w="med" len="med"/>
+                    </a:lnT>
+                  </a:tcPr>
+                </a:tc>
+                <a:tc>
+                  <a:txBody>
+                    <a:bodyPr/>
+                    <a:lstStyle/>
+                    <a:p>
+                      <a:pPr algn="ctr"/>
+                      <a:r>
+                        <a:rPr lang="en-US" sz="1600" dirty="0" smtClean="0"/>
+                        <a:t>7</a:t>
+                      </a:r>
+                      <a:endParaRPr lang="en-US" sz="1600" dirty="0"/>
+                    </a:p>
+                  </a:txBody>
+                  <a:tcPr anchor="ctr">
+                    <a:lnT w="12700" cap="flat" cmpd="sng" algn="ctr">
+                      <a:solidFill>
+                        <a:schemeClr val="tx1"/>
+                      </a:solidFill>
+                      <a:prstDash val="solid"/>
+                      <a:round/>
+                      <a:headEnd type="none" w="med" len="med"/>
+                      <a:tailEnd type="none" w="med" len="med"/>
+                    </a:lnT>
+                  </a:tcPr>
+                </a:tc>
+                <a:tc>
+                  <a:txBody>
+                    <a:bodyPr/>
+                    <a:lstStyle/>
+                    <a:p>
+                      <a:pPr algn="ctr"/>
+                      <a:r>
+                        <a:rPr lang="en-US" sz="1600" dirty="0" smtClean="0"/>
+                        <a:t>8</a:t>
+                      </a:r>
+                      <a:endParaRPr lang="en-US" sz="1600" dirty="0"/>
+                    </a:p>
+                  </a:txBody>
+                  <a:tcPr anchor="ctr">
+                    <a:lnT w="12700" cap="flat" cmpd="sng" algn="ctr">
+                      <a:solidFill>
+                        <a:schemeClr val="tx1"/>
+                      </a:solidFill>
+                      <a:prstDash val="solid"/>
+                      <a:round/>
+                      <a:headEnd type="none" w="med" len="med"/>
+                      <a:tailEnd type="none" w="med" len="med"/>
+                    </a:lnT>
+                  </a:tcPr>
+                </a:tc>
+                <a:tc>
+                  <a:txBody>
+                    <a:bodyPr/>
+                    <a:lstStyle/>
+                    <a:p>
+                      <a:pPr algn="ctr"/>
+                      <a:r>
+                        <a:rPr lang="en-US" sz="1600" dirty="0" smtClean="0"/>
+                        <a:t>9</a:t>
+                      </a:r>
+                      <a:endParaRPr lang="en-US" sz="1600" dirty="0"/>
+                    </a:p>
+                  </a:txBody>
+                  <a:tcPr anchor="ctr">
+                    <a:lnT w="12700" cap="flat" cmpd="sng" algn="ctr">
+                      <a:solidFill>
+                        <a:schemeClr val="tx1"/>
+                      </a:solidFill>
+                      <a:prstDash val="solid"/>
+                      <a:round/>
+                      <a:headEnd type="none" w="med" len="med"/>
+                      <a:tailEnd type="none" w="med" len="med"/>
+                    </a:lnT>
+                  </a:tcPr>
+                </a:tc>
+                <a:tc>
+                  <a:txBody>
+                    <a:bodyPr/>
+                    <a:lstStyle/>
+                    <a:p>
+                      <a:pPr algn="ctr"/>
+                      <a:r>
+                        <a:rPr lang="en-US" sz="1600" dirty="0" smtClean="0"/>
+                        <a:t>10</a:t>
+                      </a:r>
+                      <a:endParaRPr lang="en-US" sz="1600" dirty="0"/>
+                    </a:p>
+                  </a:txBody>
+                  <a:tcPr anchor="ctr">
+                    <a:lnT w="12700" cap="flat" cmpd="sng" algn="ctr">
+                      <a:solidFill>
+                        <a:schemeClr val="tx1"/>
+                      </a:solidFill>
+                      <a:prstDash val="solid"/>
+                      <a:round/>
+                      <a:headEnd type="none" w="med" len="med"/>
+                      <a:tailEnd type="none" w="med" len="med"/>
+                    </a:lnT>
+                  </a:tcPr>
+                </a:tc>
+                <a:tc>
+                  <a:txBody>
+                    <a:bodyPr/>
+                    <a:lstStyle/>
+                    <a:p>
+                      <a:pPr algn="ctr"/>
+                      <a:r>
+                        <a:rPr lang="en-US" sz="1600" dirty="0" smtClean="0"/>
+                        <a:t>11</a:t>
+                      </a:r>
+                      <a:endParaRPr lang="en-US" sz="1600" dirty="0"/>
+                    </a:p>
+                  </a:txBody>
+                  <a:tcPr anchor="ctr">
+                    <a:lnT w="12700" cap="flat" cmpd="sng" algn="ctr">
+                      <a:solidFill>
+                        <a:schemeClr val="tx1"/>
+                      </a:solidFill>
+                      <a:prstDash val="solid"/>
+                      <a:round/>
+                      <a:headEnd type="none" w="med" len="med"/>
+                      <a:tailEnd type="none" w="med" len="med"/>
+                    </a:lnT>
+                  </a:tcPr>
+                </a:tc>
+                <a:tc>
+                  <a:txBody>
+                    <a:bodyPr/>
+                    <a:lstStyle/>
+                    <a:p>
+                      <a:pPr algn="ctr"/>
+                      <a:r>
+                        <a:rPr lang="en-US" sz="1600" dirty="0" smtClean="0"/>
+                        <a:t>12</a:t>
+                      </a:r>
+                      <a:endParaRPr lang="en-US" sz="1600" dirty="0"/>
+                    </a:p>
+                  </a:txBody>
+                  <a:tcPr anchor="ctr">
+                    <a:lnT w="12700" cap="flat" cmpd="sng" algn="ctr">
+                      <a:solidFill>
+                        <a:schemeClr val="tx1"/>
+                      </a:solidFill>
+                      <a:prstDash val="solid"/>
+                      <a:round/>
+                      <a:headEnd type="none" w="med" len="med"/>
+                      <a:tailEnd type="none" w="med" len="med"/>
+                    </a:lnT>
+                  </a:tcPr>
+                </a:tc>
+                <a:tc>
+                  <a:txBody>
+                    <a:bodyPr/>
+                    <a:lstStyle/>
+                    <a:p>
+                      <a:pPr algn="ctr"/>
+                      <a:r>
+                        <a:rPr lang="en-US" sz="1600" dirty="0" smtClean="0"/>
+                        <a:t>13</a:t>
+                      </a:r>
+                      <a:endParaRPr lang="en-US" sz="1600" dirty="0"/>
+                    </a:p>
+                  </a:txBody>
+                  <a:tcPr anchor="ctr">
+                    <a:lnT w="12700" cap="flat" cmpd="sng" algn="ctr">
+                      <a:solidFill>
+                        <a:schemeClr val="tx1"/>
+                      </a:solidFill>
+                      <a:prstDash val="solid"/>
+                      <a:round/>
+                      <a:headEnd type="none" w="med" len="med"/>
+                      <a:tailEnd type="none" w="med" len="med"/>
+                    </a:lnT>
+                  </a:tcPr>
+                </a:tc>
+                <a:tc>
+                  <a:txBody>
+                    <a:bodyPr/>
+                    <a:lstStyle/>
+                    <a:p>
+                      <a:pPr algn="ctr"/>
+                      <a:endParaRPr lang="en-US" sz="1600" dirty="0"/>
+                    </a:p>
+                  </a:txBody>
+                  <a:tcPr anchor="ctr">
+                    <a:lnT w="12700" cap="flat" cmpd="sng" algn="ctr">
+                      <a:solidFill>
+                        <a:schemeClr val="tx1"/>
+                      </a:solidFill>
+                      <a:prstDash val="solid"/>
+                      <a:round/>
+                      <a:headEnd type="none" w="med" len="med"/>
+                      <a:tailEnd type="none" w="med" len="med"/>
+                    </a:lnT>
+                  </a:tcPr>
+                </a:tc>
+                <a:tc>
+                  <a:txBody>
+                    <a:bodyPr/>
+                    <a:lstStyle/>
+                    <a:p>
+                      <a:pPr algn="ctr"/>
+                      <a:endParaRPr lang="en-US" sz="1600" dirty="0"/>
+                    </a:p>
+                  </a:txBody>
+                  <a:tcPr anchor="ctr">
+                    <a:lnT w="12700" cap="flat" cmpd="sng" algn="ctr">
+                      <a:solidFill>
+                        <a:schemeClr val="tx1"/>
+                      </a:solidFill>
+                      <a:prstDash val="solid"/>
+                      <a:round/>
+                      <a:headEnd type="none" w="med" len="med"/>
+                      <a:tailEnd type="none" w="med" len="med"/>
+                    </a:lnT>
+                  </a:tcPr>
+                </a:tc>
+                <a:tc>
+                  <a:txBody>
+                    <a:bodyPr/>
+                    <a:lstStyle/>
+                    <a:p>
+                      <a:pPr algn="ctr"/>
+                      <a:endParaRPr lang="en-US" sz="1600" dirty="0"/>
+                    </a:p>
+                  </a:txBody>
+                  <a:tcPr anchor="ctr">
+                    <a:lnT w="12700" cap="flat" cmpd="sng" algn="ctr">
+                      <a:solidFill>
+                        <a:schemeClr val="tx1"/>
+                      </a:solidFill>
+                      <a:prstDash val="solid"/>
+                      <a:round/>
+                      <a:headEnd type="none" w="med" len="med"/>
+                      <a:tailEnd type="none" w="med" len="med"/>
+                    </a:lnT>
+                  </a:tcPr>
+                </a:tc>
+                <a:tc>
+                  <a:txBody>
+                    <a:bodyPr/>
+                    <a:lstStyle/>
+                    <a:p>
+                      <a:pPr algn="ctr"/>
+                      <a:r>
+                        <a:rPr lang="en-US" sz="1600" b="1" dirty="0" smtClean="0"/>
+                        <a:t>Total</a:t>
+                      </a:r>
+                      <a:endParaRPr lang="en-US" sz="1600" b="1" dirty="0"/>
+                    </a:p>
+                  </a:txBody>
+                  <a:tcPr anchor="ctr">
+                    <a:lnR w="12700" cap="flat" cmpd="sng" algn="ctr">
+                      <a:solidFill>
+                        <a:schemeClr val="tx1"/>
+                      </a:solidFill>
+                      <a:prstDash val="solid"/>
+                      <a:round/>
+                      <a:headEnd type="none" w="med" len="med"/>
+                      <a:tailEnd type="none" w="med" len="med"/>
+                    </a:lnR>
+                    <a:lnT w="12700" cap="flat" cmpd="sng" algn="ctr">
+                      <a:solidFill>
+                        <a:schemeClr val="tx1"/>
+                      </a:solidFill>
+                      <a:prstDash val="solid"/>
+                      <a:round/>
+                      <a:headEnd type="none" w="med" len="med"/>
+                      <a:tailEnd type="none" w="med" len="med"/>
+                    </a:lnT>
+                  </a:tcPr>
+                </a:tc>
+                <a:extLst>
+                  <a:ext uri="{0D108BD9-81ED-4DB2-BD59-A6C34878D82A}">
+                    <a16:rowId xmlns:a16="http://schemas.microsoft.com/office/drawing/2014/main" val="3415911684"/>
+                  </a:ext>
+                </a:extLst>
+              </a:tr>
+              <a:tr h="489882">
+                <a:tc vMerge="1">
+                  <a:txBody>
+                    <a:bodyPr/>
+                    <a:lstStyle/>
+                    <a:p>
+                      <a:endParaRPr lang="en-US" dirty="0"/>
+                    </a:p>
+                  </a:txBody>
+                  <a:tcPr/>
+                </a:tc>
+                <a:tc>
+                  <a:txBody>
+                    <a:bodyPr/>
+                    <a:lstStyle/>
+                    <a:p>
+                      <a:pPr algn="ctr"/>
+                      <a:r>
+                        <a:rPr lang="en-US" sz="1600" dirty="0" smtClean="0"/>
+                        <a:t>1982</a:t>
+                      </a:r>
+                      <a:endParaRPr lang="en-US" sz="1600" dirty="0"/>
+                    </a:p>
+                  </a:txBody>
+                  <a:tcPr anchor="ctr">
+                    <a:lnB w="12700" cap="flat" cmpd="sng" algn="ctr">
+                      <a:solidFill>
+                        <a:schemeClr val="tx1"/>
+                      </a:solidFill>
+                      <a:prstDash val="solid"/>
+                      <a:round/>
+                      <a:headEnd type="none" w="med" len="med"/>
+                      <a:tailEnd type="none" w="med" len="med"/>
+                    </a:lnB>
+                  </a:tcPr>
+                </a:tc>
+                <a:tc>
+                  <a:txBody>
+                    <a:bodyPr/>
+                    <a:lstStyle/>
+                    <a:p>
+                      <a:pPr algn="ctr"/>
+                      <a:r>
+                        <a:rPr lang="en-US" sz="1600" dirty="0" smtClean="0"/>
+                        <a:t>1353</a:t>
+                      </a:r>
+                      <a:endParaRPr lang="en-US" sz="1600" dirty="0"/>
+                    </a:p>
+                  </a:txBody>
+                  <a:tcPr anchor="ctr">
+                    <a:lnB w="12700" cap="flat" cmpd="sng" algn="ctr">
+                      <a:solidFill>
+                        <a:schemeClr val="tx1"/>
+                      </a:solidFill>
+                      <a:prstDash val="solid"/>
+                      <a:round/>
+                      <a:headEnd type="none" w="med" len="med"/>
+                      <a:tailEnd type="none" w="med" len="med"/>
+                    </a:lnB>
+                  </a:tcPr>
+                </a:tc>
+                <a:tc>
+                  <a:txBody>
+                    <a:bodyPr/>
+                    <a:lstStyle/>
+                    <a:p>
+                      <a:pPr algn="ctr"/>
+                      <a:r>
+                        <a:rPr lang="en-US" sz="1600" dirty="0" smtClean="0"/>
+                        <a:t>653</a:t>
+                      </a:r>
+                      <a:endParaRPr lang="en-US" sz="1600" dirty="0"/>
+                    </a:p>
+                  </a:txBody>
+                  <a:tcPr anchor="ctr">
+                    <a:lnB w="12700" cap="flat" cmpd="sng" algn="ctr">
+                      <a:solidFill>
+                        <a:schemeClr val="tx1"/>
+                      </a:solidFill>
+                      <a:prstDash val="solid"/>
+                      <a:round/>
+                      <a:headEnd type="none" w="med" len="med"/>
+                      <a:tailEnd type="none" w="med" len="med"/>
+                    </a:lnB>
+                  </a:tcPr>
+                </a:tc>
+                <a:tc>
+                  <a:txBody>
+                    <a:bodyPr/>
+                    <a:lstStyle/>
+                    <a:p>
+                      <a:pPr algn="ctr"/>
+                      <a:r>
+                        <a:rPr lang="en-US" sz="1600" dirty="0" smtClean="0"/>
+                        <a:t>580</a:t>
+                      </a:r>
+                      <a:endParaRPr lang="en-US" sz="1600" dirty="0"/>
+                    </a:p>
+                  </a:txBody>
+                  <a:tcPr anchor="ctr">
+                    <a:lnB w="12700" cap="flat" cmpd="sng" algn="ctr">
+                      <a:solidFill>
+                        <a:schemeClr val="tx1"/>
+                      </a:solidFill>
+                      <a:prstDash val="solid"/>
+                      <a:round/>
+                      <a:headEnd type="none" w="med" len="med"/>
+                      <a:tailEnd type="none" w="med" len="med"/>
+                    </a:lnB>
+                  </a:tcPr>
+                </a:tc>
+                <a:tc>
+                  <a:txBody>
+                    <a:bodyPr/>
+                    <a:lstStyle/>
+                    <a:p>
+                      <a:pPr algn="ctr"/>
+                      <a:r>
+                        <a:rPr lang="en-US" sz="1600" dirty="0" smtClean="0"/>
+                        <a:t>317</a:t>
+                      </a:r>
+                      <a:endParaRPr lang="en-US" sz="1600" dirty="0"/>
+                    </a:p>
+                  </a:txBody>
+                  <a:tcPr anchor="ctr">
+                    <a:lnB w="12700" cap="flat" cmpd="sng" algn="ctr">
+                      <a:solidFill>
+                        <a:schemeClr val="tx1"/>
+                      </a:solidFill>
+                      <a:prstDash val="solid"/>
+                      <a:round/>
+                      <a:headEnd type="none" w="med" len="med"/>
+                      <a:tailEnd type="none" w="med" len="med"/>
+                    </a:lnB>
+                  </a:tcPr>
+                </a:tc>
+                <a:tc>
+                  <a:txBody>
+                    <a:bodyPr/>
+                    <a:lstStyle/>
+                    <a:p>
+                      <a:pPr algn="ctr"/>
+                      <a:r>
+                        <a:rPr lang="en-US" sz="1600" dirty="0" smtClean="0"/>
+                        <a:t>91</a:t>
+                      </a:r>
+                      <a:endParaRPr lang="en-US" sz="1600" dirty="0"/>
+                    </a:p>
+                  </a:txBody>
+                  <a:tcPr anchor="ctr">
+                    <a:lnB w="12700" cap="flat" cmpd="sng" algn="ctr">
+                      <a:solidFill>
+                        <a:schemeClr val="tx1"/>
+                      </a:solidFill>
+                      <a:prstDash val="solid"/>
+                      <a:round/>
+                      <a:headEnd type="none" w="med" len="med"/>
+                      <a:tailEnd type="none" w="med" len="med"/>
+                    </a:lnB>
+                  </a:tcPr>
+                </a:tc>
+                <a:tc>
+                  <a:txBody>
+                    <a:bodyPr/>
+                    <a:lstStyle/>
+                    <a:p>
+                      <a:pPr algn="ctr"/>
+                      <a:r>
+                        <a:rPr lang="en-US" sz="1600" dirty="0" smtClean="0"/>
+                        <a:t>229</a:t>
+                      </a:r>
+                      <a:endParaRPr lang="en-US" sz="1600" dirty="0"/>
+                    </a:p>
+                  </a:txBody>
+                  <a:tcPr anchor="ctr">
+                    <a:lnB w="12700" cap="flat" cmpd="sng" algn="ctr">
+                      <a:solidFill>
+                        <a:schemeClr val="tx1"/>
+                      </a:solidFill>
+                      <a:prstDash val="solid"/>
+                      <a:round/>
+                      <a:headEnd type="none" w="med" len="med"/>
+                      <a:tailEnd type="none" w="med" len="med"/>
+                    </a:lnB>
+                  </a:tcPr>
+                </a:tc>
+                <a:tc>
+                  <a:txBody>
+                    <a:bodyPr/>
+                    <a:lstStyle/>
+                    <a:p>
+                      <a:pPr algn="ctr"/>
+                      <a:r>
+                        <a:rPr lang="en-US" sz="1600" dirty="0" smtClean="0"/>
+                        <a:t>28</a:t>
+                      </a:r>
+                      <a:endParaRPr lang="en-US" sz="1600" dirty="0"/>
+                    </a:p>
+                  </a:txBody>
+                  <a:tcPr anchor="ctr">
+                    <a:lnB w="12700" cap="flat" cmpd="sng" algn="ctr">
+                      <a:solidFill>
+                        <a:schemeClr val="tx1"/>
+                      </a:solidFill>
+                      <a:prstDash val="solid"/>
+                      <a:round/>
+                      <a:headEnd type="none" w="med" len="med"/>
+                      <a:tailEnd type="none" w="med" len="med"/>
+                    </a:lnB>
+                  </a:tcPr>
+                </a:tc>
+                <a:tc>
+                  <a:txBody>
+                    <a:bodyPr/>
+                    <a:lstStyle/>
+                    <a:p>
+                      <a:pPr algn="ctr"/>
+                      <a:r>
+                        <a:rPr lang="en-US" sz="1600" dirty="0" smtClean="0"/>
+                        <a:t>106</a:t>
+                      </a:r>
+                      <a:endParaRPr lang="en-US" sz="1600" dirty="0"/>
+                    </a:p>
+                  </a:txBody>
+                  <a:tcPr anchor="ctr">
+                    <a:lnB w="12700" cap="flat" cmpd="sng" algn="ctr">
+                      <a:solidFill>
+                        <a:schemeClr val="tx1"/>
+                      </a:solidFill>
+                      <a:prstDash val="solid"/>
+                      <a:round/>
+                      <a:headEnd type="none" w="med" len="med"/>
+                      <a:tailEnd type="none" w="med" len="med"/>
+                    </a:lnB>
+                  </a:tcPr>
+                </a:tc>
+                <a:tc>
+                  <a:txBody>
+                    <a:bodyPr/>
+                    <a:lstStyle/>
+                    <a:p>
+                      <a:pPr algn="ctr"/>
+                      <a:r>
+                        <a:rPr lang="en-US" sz="1600" dirty="0" smtClean="0"/>
+                        <a:t>47</a:t>
+                      </a:r>
+                      <a:endParaRPr lang="en-US" sz="1600" dirty="0"/>
+                    </a:p>
+                  </a:txBody>
+                  <a:tcPr anchor="ctr">
+                    <a:lnB w="12700" cap="flat" cmpd="sng" algn="ctr">
+                      <a:solidFill>
+                        <a:schemeClr val="tx1"/>
+                      </a:solidFill>
+                      <a:prstDash val="solid"/>
+                      <a:round/>
+                      <a:headEnd type="none" w="med" len="med"/>
+                      <a:tailEnd type="none" w="med" len="med"/>
+                    </a:lnB>
+                  </a:tcPr>
+                </a:tc>
+                <a:tc>
+                  <a:txBody>
+                    <a:bodyPr/>
+                    <a:lstStyle/>
+                    <a:p>
+                      <a:pPr algn="ctr"/>
+                      <a:r>
+                        <a:rPr lang="en-US" sz="1600" dirty="0" smtClean="0"/>
+                        <a:t>58</a:t>
+                      </a:r>
+                      <a:endParaRPr lang="en-US" sz="1600" dirty="0"/>
+                    </a:p>
+                  </a:txBody>
+                  <a:tcPr anchor="ctr">
+                    <a:lnB w="12700" cap="flat" cmpd="sng" algn="ctr">
+                      <a:solidFill>
+                        <a:schemeClr val="tx1"/>
+                      </a:solidFill>
+                      <a:prstDash val="solid"/>
+                      <a:round/>
+                      <a:headEnd type="none" w="med" len="med"/>
+                      <a:tailEnd type="none" w="med" len="med"/>
+                    </a:lnB>
+                  </a:tcPr>
+                </a:tc>
+                <a:tc>
+                  <a:txBody>
+                    <a:bodyPr/>
+                    <a:lstStyle/>
+                    <a:p>
+                      <a:pPr algn="ctr"/>
+                      <a:r>
+                        <a:rPr lang="en-US" sz="1600" dirty="0" smtClean="0"/>
+                        <a:t>59</a:t>
+                      </a:r>
+                      <a:endParaRPr lang="en-US" sz="1600" dirty="0"/>
+                    </a:p>
+                  </a:txBody>
+                  <a:tcPr anchor="ctr">
+                    <a:lnB w="12700" cap="flat" cmpd="sng" algn="ctr">
+                      <a:solidFill>
+                        <a:schemeClr val="tx1"/>
+                      </a:solidFill>
+                      <a:prstDash val="solid"/>
+                      <a:round/>
+                      <a:headEnd type="none" w="med" len="med"/>
+                      <a:tailEnd type="none" w="med" len="med"/>
+                    </a:lnB>
+                  </a:tcPr>
+                </a:tc>
+                <a:tc>
+                  <a:txBody>
+                    <a:bodyPr/>
+                    <a:lstStyle/>
+                    <a:p>
+                      <a:pPr algn="ctr"/>
+                      <a:r>
+                        <a:rPr lang="en-US" sz="1600" dirty="0" smtClean="0"/>
+                        <a:t>7</a:t>
+                      </a:r>
+                      <a:endParaRPr lang="en-US" sz="1600" dirty="0"/>
+                    </a:p>
+                  </a:txBody>
+                  <a:tcPr anchor="ctr">
+                    <a:lnB w="12700" cap="flat" cmpd="sng" algn="ctr">
+                      <a:solidFill>
+                        <a:schemeClr val="tx1"/>
+                      </a:solidFill>
+                      <a:prstDash val="solid"/>
+                      <a:round/>
+                      <a:headEnd type="none" w="med" len="med"/>
+                      <a:tailEnd type="none" w="med" len="med"/>
+                    </a:lnB>
+                  </a:tcPr>
+                </a:tc>
+                <a:tc>
+                  <a:txBody>
+                    <a:bodyPr/>
+                    <a:lstStyle/>
+                    <a:p>
+                      <a:pPr algn="ctr"/>
+                      <a:r>
+                        <a:rPr lang="en-US" sz="1600" dirty="0" smtClean="0"/>
+                        <a:t>-</a:t>
+                      </a:r>
+                      <a:endParaRPr lang="en-US" sz="1600" dirty="0"/>
+                    </a:p>
+                  </a:txBody>
+                  <a:tcPr anchor="ctr">
+                    <a:lnB w="12700" cap="flat" cmpd="sng" algn="ctr">
+                      <a:solidFill>
+                        <a:schemeClr val="tx1"/>
+                      </a:solidFill>
+                      <a:prstDash val="solid"/>
+                      <a:round/>
+                      <a:headEnd type="none" w="med" len="med"/>
+                      <a:tailEnd type="none" w="med" len="med"/>
+                    </a:lnB>
+                  </a:tcPr>
+                </a:tc>
+                <a:tc>
+                  <a:txBody>
+                    <a:bodyPr/>
+                    <a:lstStyle/>
+                    <a:p>
+                      <a:pPr algn="ctr"/>
+                      <a:r>
+                        <a:rPr lang="en-US" sz="1600" dirty="0" smtClean="0"/>
+                        <a:t>-</a:t>
+                      </a:r>
+                      <a:endParaRPr lang="en-US" sz="1600" dirty="0"/>
+                    </a:p>
+                  </a:txBody>
+                  <a:tcPr anchor="ctr">
+                    <a:lnB w="12700" cap="flat" cmpd="sng" algn="ctr">
+                      <a:solidFill>
+                        <a:schemeClr val="tx1"/>
+                      </a:solidFill>
+                      <a:prstDash val="solid"/>
+                      <a:round/>
+                      <a:headEnd type="none" w="med" len="med"/>
+                      <a:tailEnd type="none" w="med" len="med"/>
+                    </a:lnB>
+                  </a:tcPr>
+                </a:tc>
+                <a:tc>
+                  <a:txBody>
+                    <a:bodyPr/>
+                    <a:lstStyle/>
+                    <a:p>
+                      <a:pPr algn="ctr"/>
+                      <a:r>
+                        <a:rPr lang="en-US" sz="1600" dirty="0" smtClean="0"/>
+                        <a:t>-</a:t>
+                      </a:r>
+                      <a:endParaRPr lang="en-US" sz="1600" dirty="0"/>
+                    </a:p>
+                  </a:txBody>
+                  <a:tcPr anchor="ctr">
+                    <a:lnB w="12700" cap="flat" cmpd="sng" algn="ctr">
+                      <a:solidFill>
+                        <a:schemeClr val="tx1"/>
+                      </a:solidFill>
+                      <a:prstDash val="solid"/>
+                      <a:round/>
+                      <a:headEnd type="none" w="med" len="med"/>
+                      <a:tailEnd type="none" w="med" len="med"/>
+                    </a:lnB>
+                  </a:tcPr>
+                </a:tc>
+                <a:tc>
+                  <a:txBody>
+                    <a:bodyPr/>
+                    <a:lstStyle/>
+                    <a:p>
+                      <a:pPr algn="ctr"/>
+                      <a:r>
+                        <a:rPr lang="en-US" sz="1600" dirty="0" smtClean="0"/>
+                        <a:t>5510</a:t>
+                      </a:r>
+                      <a:endParaRPr lang="en-US" sz="1600" dirty="0"/>
+                    </a:p>
+                  </a:txBody>
+                  <a:tcPr anchor="ctr">
+                    <a:lnR w="12700" cap="flat" cmpd="sng" algn="ctr">
+                      <a:solidFill>
+                        <a:schemeClr val="tx1"/>
+                      </a:solidFill>
+                      <a:prstDash val="solid"/>
+                      <a:round/>
+                      <a:headEnd type="none" w="med" len="med"/>
+                      <a:tailEnd type="none" w="med" len="med"/>
+                    </a:lnR>
+                    <a:lnB w="12700" cap="flat" cmpd="sng" algn="ctr">
+                      <a:solidFill>
+                        <a:schemeClr val="tx1"/>
+                      </a:solidFill>
+                      <a:prstDash val="solid"/>
+                      <a:round/>
+                      <a:headEnd type="none" w="med" len="med"/>
+                      <a:tailEnd type="none" w="med" len="med"/>
+                    </a:lnB>
+                  </a:tcPr>
+                </a:tc>
+                <a:extLst>
+                  <a:ext uri="{0D108BD9-81ED-4DB2-BD59-A6C34878D82A}">
+                    <a16:rowId xmlns:a16="http://schemas.microsoft.com/office/drawing/2014/main" val="2128326411"/>
+                  </a:ext>
+                </a:extLst>
+              </a:tr>
+              <a:tr h="489882">
+                <a:tc rowSpan="2">
+                  <a:txBody>
+                    <a:bodyPr/>
+                    <a:lstStyle/>
+                    <a:p>
+                      <a:pPr algn="ctr"/>
+                      <a:r>
+                        <a:rPr lang="en-US" dirty="0" smtClean="0"/>
+                        <a:t>DLPFC</a:t>
+                      </a:r>
+                      <a:endParaRPr lang="en-US" dirty="0"/>
+                    </a:p>
+                  </a:txBody>
+                  <a:tcPr anchor="ctr">
+                    <a:lnL w="12700" cap="flat" cmpd="sng" algn="ctr">
+                      <a:solidFill>
+                        <a:schemeClr val="tx1"/>
+                      </a:solidFill>
+                      <a:prstDash val="solid"/>
+                      <a:round/>
+                      <a:headEnd type="none" w="med" len="med"/>
+                      <a:tailEnd type="none" w="med" len="med"/>
+                    </a:lnL>
+                    <a:lnT w="12700" cap="flat" cmpd="sng" algn="ctr">
+                      <a:solidFill>
+                        <a:schemeClr val="tx1"/>
+                      </a:solidFill>
+                      <a:prstDash val="solid"/>
+                      <a:round/>
+                      <a:headEnd type="none" w="med" len="med"/>
+                      <a:tailEnd type="none" w="med" len="med"/>
+                    </a:lnT>
+                    <a:lnB w="12700" cap="flat" cmpd="sng" algn="ctr">
+                      <a:solidFill>
+                        <a:schemeClr val="tx1"/>
+                      </a:solidFill>
+                      <a:prstDash val="solid"/>
+                      <a:round/>
+                      <a:headEnd type="none" w="med" len="med"/>
+                      <a:tailEnd type="none" w="med" len="med"/>
+                    </a:lnB>
+                  </a:tcPr>
+                </a:tc>
+                <a:tc>
+                  <a:txBody>
+                    <a:bodyPr/>
+                    <a:lstStyle/>
+                    <a:p>
+                      <a:pPr algn="ctr"/>
+                      <a:r>
+                        <a:rPr lang="en-US" sz="1600" dirty="0" smtClean="0"/>
+                        <a:t>1</a:t>
+                      </a:r>
+                      <a:endParaRPr lang="en-US" sz="1600" dirty="0"/>
+                    </a:p>
+                  </a:txBody>
+                  <a:tcPr anchor="ctr">
+                    <a:lnT w="12700" cap="flat" cmpd="sng" algn="ctr">
+                      <a:solidFill>
+                        <a:schemeClr val="tx1"/>
+                      </a:solidFill>
+                      <a:prstDash val="solid"/>
+                      <a:round/>
+                      <a:headEnd type="none" w="med" len="med"/>
+                      <a:tailEnd type="none" w="med" len="med"/>
+                    </a:lnT>
+                  </a:tcPr>
+                </a:tc>
+                <a:tc>
+                  <a:txBody>
+                    <a:bodyPr/>
+                    <a:lstStyle/>
+                    <a:p>
+                      <a:pPr algn="ctr"/>
+                      <a:r>
+                        <a:rPr lang="en-US" sz="1600" dirty="0" smtClean="0"/>
+                        <a:t>2</a:t>
+                      </a:r>
+                      <a:endParaRPr lang="en-US" sz="1600" dirty="0"/>
+                    </a:p>
+                  </a:txBody>
+                  <a:tcPr anchor="ctr">
+                    <a:lnT w="12700" cap="flat" cmpd="sng" algn="ctr">
+                      <a:solidFill>
+                        <a:schemeClr val="tx1"/>
+                      </a:solidFill>
+                      <a:prstDash val="solid"/>
+                      <a:round/>
+                      <a:headEnd type="none" w="med" len="med"/>
+                      <a:tailEnd type="none" w="med" len="med"/>
+                    </a:lnT>
+                  </a:tcPr>
+                </a:tc>
+                <a:tc>
+                  <a:txBody>
+                    <a:bodyPr/>
+                    <a:lstStyle/>
+                    <a:p>
+                      <a:pPr algn="ctr"/>
+                      <a:r>
+                        <a:rPr lang="en-US" sz="1600" dirty="0" smtClean="0"/>
+                        <a:t>3</a:t>
+                      </a:r>
+                      <a:endParaRPr lang="en-US" sz="1600" dirty="0"/>
+                    </a:p>
+                  </a:txBody>
+                  <a:tcPr anchor="ctr">
+                    <a:lnT w="12700" cap="flat" cmpd="sng" algn="ctr">
+                      <a:solidFill>
+                        <a:schemeClr val="tx1"/>
+                      </a:solidFill>
+                      <a:prstDash val="solid"/>
+                      <a:round/>
+                      <a:headEnd type="none" w="med" len="med"/>
+                      <a:tailEnd type="none" w="med" len="med"/>
+                    </a:lnT>
+                  </a:tcPr>
+                </a:tc>
+                <a:tc>
+                  <a:txBody>
+                    <a:bodyPr/>
+                    <a:lstStyle/>
+                    <a:p>
+                      <a:pPr algn="ctr"/>
+                      <a:r>
+                        <a:rPr lang="en-US" sz="1600" dirty="0" smtClean="0"/>
+                        <a:t>4</a:t>
+                      </a:r>
+                      <a:endParaRPr lang="en-US" sz="1600" dirty="0"/>
+                    </a:p>
+                  </a:txBody>
+                  <a:tcPr anchor="ctr">
+                    <a:lnT w="12700" cap="flat" cmpd="sng" algn="ctr">
+                      <a:solidFill>
+                        <a:schemeClr val="tx1"/>
+                      </a:solidFill>
+                      <a:prstDash val="solid"/>
+                      <a:round/>
+                      <a:headEnd type="none" w="med" len="med"/>
+                      <a:tailEnd type="none" w="med" len="med"/>
+                    </a:lnT>
+                  </a:tcPr>
+                </a:tc>
+                <a:tc>
+                  <a:txBody>
+                    <a:bodyPr/>
+                    <a:lstStyle/>
+                    <a:p>
+                      <a:pPr algn="ctr"/>
+                      <a:r>
+                        <a:rPr lang="en-US" sz="1600" dirty="0" smtClean="0"/>
+                        <a:t>5</a:t>
+                      </a:r>
+                      <a:endParaRPr lang="en-US" sz="1600" dirty="0"/>
+                    </a:p>
+                  </a:txBody>
+                  <a:tcPr anchor="ctr">
+                    <a:lnT w="12700" cap="flat" cmpd="sng" algn="ctr">
+                      <a:solidFill>
+                        <a:schemeClr val="tx1"/>
+                      </a:solidFill>
+                      <a:prstDash val="solid"/>
+                      <a:round/>
+                      <a:headEnd type="none" w="med" len="med"/>
+                      <a:tailEnd type="none" w="med" len="med"/>
+                    </a:lnT>
+                  </a:tcPr>
+                </a:tc>
+                <a:tc>
+                  <a:txBody>
+                    <a:bodyPr/>
+                    <a:lstStyle/>
+                    <a:p>
+                      <a:pPr algn="ctr"/>
+                      <a:r>
+                        <a:rPr lang="en-US" sz="1600" dirty="0" smtClean="0"/>
+                        <a:t>6</a:t>
+                      </a:r>
+                      <a:endParaRPr lang="en-US" sz="1600" dirty="0"/>
+                    </a:p>
+                  </a:txBody>
+                  <a:tcPr anchor="ctr">
+                    <a:lnT w="12700" cap="flat" cmpd="sng" algn="ctr">
+                      <a:solidFill>
+                        <a:schemeClr val="tx1"/>
+                      </a:solidFill>
+                      <a:prstDash val="solid"/>
+                      <a:round/>
+                      <a:headEnd type="none" w="med" len="med"/>
+                      <a:tailEnd type="none" w="med" len="med"/>
+                    </a:lnT>
+                  </a:tcPr>
+                </a:tc>
+                <a:tc>
+                  <a:txBody>
+                    <a:bodyPr/>
+                    <a:lstStyle/>
+                    <a:p>
+                      <a:pPr algn="ctr"/>
+                      <a:r>
+                        <a:rPr lang="en-US" sz="1600" dirty="0" smtClean="0"/>
+                        <a:t>7</a:t>
+                      </a:r>
+                      <a:endParaRPr lang="en-US" sz="1600" dirty="0"/>
+                    </a:p>
+                  </a:txBody>
+                  <a:tcPr anchor="ctr">
+                    <a:lnT w="12700" cap="flat" cmpd="sng" algn="ctr">
+                      <a:solidFill>
+                        <a:schemeClr val="tx1"/>
+                      </a:solidFill>
+                      <a:prstDash val="solid"/>
+                      <a:round/>
+                      <a:headEnd type="none" w="med" len="med"/>
+                      <a:tailEnd type="none" w="med" len="med"/>
+                    </a:lnT>
+                  </a:tcPr>
+                </a:tc>
+                <a:tc>
+                  <a:txBody>
+                    <a:bodyPr/>
+                    <a:lstStyle/>
+                    <a:p>
+                      <a:pPr algn="ctr"/>
+                      <a:r>
+                        <a:rPr lang="en-US" sz="1600" dirty="0" smtClean="0"/>
+                        <a:t>8</a:t>
+                      </a:r>
+                      <a:endParaRPr lang="en-US" sz="1600" dirty="0"/>
+                    </a:p>
+                  </a:txBody>
+                  <a:tcPr anchor="ctr">
+                    <a:lnT w="12700" cap="flat" cmpd="sng" algn="ctr">
+                      <a:solidFill>
+                        <a:schemeClr val="tx1"/>
+                      </a:solidFill>
+                      <a:prstDash val="solid"/>
+                      <a:round/>
+                      <a:headEnd type="none" w="med" len="med"/>
+                      <a:tailEnd type="none" w="med" len="med"/>
+                    </a:lnT>
+                  </a:tcPr>
+                </a:tc>
+                <a:tc>
+                  <a:txBody>
+                    <a:bodyPr/>
+                    <a:lstStyle/>
+                    <a:p>
+                      <a:pPr algn="ctr"/>
+                      <a:r>
+                        <a:rPr lang="en-US" sz="1600" dirty="0" smtClean="0"/>
+                        <a:t>9</a:t>
+                      </a:r>
+                      <a:endParaRPr lang="en-US" sz="1600" dirty="0"/>
+                    </a:p>
+                  </a:txBody>
+                  <a:tcPr anchor="ctr">
+                    <a:lnT w="12700" cap="flat" cmpd="sng" algn="ctr">
+                      <a:solidFill>
+                        <a:schemeClr val="tx1"/>
+                      </a:solidFill>
+                      <a:prstDash val="solid"/>
+                      <a:round/>
+                      <a:headEnd type="none" w="med" len="med"/>
+                      <a:tailEnd type="none" w="med" len="med"/>
+                    </a:lnT>
+                  </a:tcPr>
+                </a:tc>
+                <a:tc>
+                  <a:txBody>
+                    <a:bodyPr/>
+                    <a:lstStyle/>
+                    <a:p>
+                      <a:pPr algn="ctr"/>
+                      <a:r>
+                        <a:rPr lang="en-US" sz="1600" dirty="0" smtClean="0"/>
+                        <a:t>10</a:t>
+                      </a:r>
+                      <a:endParaRPr lang="en-US" sz="1600" dirty="0"/>
+                    </a:p>
+                  </a:txBody>
+                  <a:tcPr anchor="ctr">
+                    <a:lnT w="12700" cap="flat" cmpd="sng" algn="ctr">
+                      <a:solidFill>
+                        <a:schemeClr val="tx1"/>
+                      </a:solidFill>
+                      <a:prstDash val="solid"/>
+                      <a:round/>
+                      <a:headEnd type="none" w="med" len="med"/>
+                      <a:tailEnd type="none" w="med" len="med"/>
+                    </a:lnT>
+                  </a:tcPr>
+                </a:tc>
+                <a:tc>
+                  <a:txBody>
+                    <a:bodyPr/>
+                    <a:lstStyle/>
+                    <a:p>
+                      <a:pPr algn="ctr"/>
+                      <a:r>
+                        <a:rPr lang="en-US" sz="1600" dirty="0" smtClean="0"/>
+                        <a:t>11</a:t>
+                      </a:r>
+                      <a:endParaRPr lang="en-US" sz="1600" dirty="0"/>
+                    </a:p>
+                  </a:txBody>
+                  <a:tcPr anchor="ctr">
+                    <a:lnT w="12700" cap="flat" cmpd="sng" algn="ctr">
+                      <a:solidFill>
+                        <a:schemeClr val="tx1"/>
+                      </a:solidFill>
+                      <a:prstDash val="solid"/>
+                      <a:round/>
+                      <a:headEnd type="none" w="med" len="med"/>
+                      <a:tailEnd type="none" w="med" len="med"/>
+                    </a:lnT>
+                  </a:tcPr>
+                </a:tc>
+                <a:tc>
+                  <a:txBody>
+                    <a:bodyPr/>
+                    <a:lstStyle/>
+                    <a:p>
+                      <a:pPr algn="ctr"/>
+                      <a:r>
+                        <a:rPr lang="en-US" sz="1600" dirty="0" smtClean="0"/>
+                        <a:t>12</a:t>
+                      </a:r>
+                      <a:endParaRPr lang="en-US" sz="1600" dirty="0"/>
+                    </a:p>
+                  </a:txBody>
+                  <a:tcPr anchor="ctr">
+                    <a:lnT w="12700" cap="flat" cmpd="sng" algn="ctr">
+                      <a:solidFill>
+                        <a:schemeClr val="tx1"/>
+                      </a:solidFill>
+                      <a:prstDash val="solid"/>
+                      <a:round/>
+                      <a:headEnd type="none" w="med" len="med"/>
+                      <a:tailEnd type="none" w="med" len="med"/>
+                    </a:lnT>
+                  </a:tcPr>
+                </a:tc>
+                <a:tc>
+                  <a:txBody>
+                    <a:bodyPr/>
+                    <a:lstStyle/>
+                    <a:p>
+                      <a:pPr algn="ctr"/>
+                      <a:r>
+                        <a:rPr lang="en-US" sz="1600" dirty="0" smtClean="0"/>
+                        <a:t>13</a:t>
+                      </a:r>
+                      <a:endParaRPr lang="en-US" sz="1600" dirty="0"/>
+                    </a:p>
+                  </a:txBody>
+                  <a:tcPr anchor="ctr">
+                    <a:lnT w="12700" cap="flat" cmpd="sng" algn="ctr">
+                      <a:solidFill>
+                        <a:schemeClr val="tx1"/>
+                      </a:solidFill>
+                      <a:prstDash val="solid"/>
+                      <a:round/>
+                      <a:headEnd type="none" w="med" len="med"/>
+                      <a:tailEnd type="none" w="med" len="med"/>
+                    </a:lnT>
+                  </a:tcPr>
+                </a:tc>
+                <a:tc>
+                  <a:txBody>
+                    <a:bodyPr/>
+                    <a:lstStyle/>
+                    <a:p>
+                      <a:pPr algn="ctr"/>
+                      <a:r>
+                        <a:rPr lang="en-US" sz="1600" dirty="0" smtClean="0"/>
+                        <a:t>14</a:t>
+                      </a:r>
+                      <a:endParaRPr lang="en-US" sz="1600" dirty="0"/>
+                    </a:p>
+                  </a:txBody>
+                  <a:tcPr anchor="ctr">
+                    <a:lnT w="12700" cap="flat" cmpd="sng" algn="ctr">
+                      <a:solidFill>
+                        <a:schemeClr val="tx1"/>
+                      </a:solidFill>
+                      <a:prstDash val="solid"/>
+                      <a:round/>
+                      <a:headEnd type="none" w="med" len="med"/>
+                      <a:tailEnd type="none" w="med" len="med"/>
+                    </a:lnT>
+                  </a:tcPr>
+                </a:tc>
+                <a:tc>
+                  <a:txBody>
+                    <a:bodyPr/>
+                    <a:lstStyle/>
+                    <a:p>
+                      <a:pPr algn="ctr"/>
+                      <a:r>
+                        <a:rPr lang="en-US" sz="1600" dirty="0" smtClean="0"/>
+                        <a:t>15</a:t>
+                      </a:r>
+                      <a:endParaRPr lang="en-US" sz="1600" dirty="0"/>
+                    </a:p>
+                  </a:txBody>
+                  <a:tcPr anchor="ctr">
+                    <a:lnT w="12700" cap="flat" cmpd="sng" algn="ctr">
+                      <a:solidFill>
+                        <a:schemeClr val="tx1"/>
+                      </a:solidFill>
+                      <a:prstDash val="solid"/>
+                      <a:round/>
+                      <a:headEnd type="none" w="med" len="med"/>
+                      <a:tailEnd type="none" w="med" len="med"/>
+                    </a:lnT>
+                  </a:tcPr>
+                </a:tc>
+                <a:tc>
+                  <a:txBody>
+                    <a:bodyPr/>
+                    <a:lstStyle/>
+                    <a:p>
+                      <a:pPr algn="ctr"/>
+                      <a:r>
+                        <a:rPr lang="en-US" sz="1600" dirty="0" smtClean="0"/>
+                        <a:t>16</a:t>
+                      </a:r>
+                      <a:endParaRPr lang="en-US" sz="1600" dirty="0"/>
+                    </a:p>
+                  </a:txBody>
+                  <a:tcPr anchor="ctr">
+                    <a:lnT w="12700" cap="flat" cmpd="sng" algn="ctr">
+                      <a:solidFill>
+                        <a:schemeClr val="tx1"/>
+                      </a:solidFill>
+                      <a:prstDash val="solid"/>
+                      <a:round/>
+                      <a:headEnd type="none" w="med" len="med"/>
+                      <a:tailEnd type="none" w="med" len="med"/>
+                    </a:lnT>
+                  </a:tcPr>
+                </a:tc>
+                <a:tc>
+                  <a:txBody>
+                    <a:bodyPr/>
+                    <a:lstStyle/>
+                    <a:p>
+                      <a:pPr algn="ctr"/>
+                      <a:endParaRPr lang="en-US" sz="1600" dirty="0"/>
+                    </a:p>
+                  </a:txBody>
+                  <a:tcPr anchor="ctr">
+                    <a:lnR w="12700" cap="flat" cmpd="sng" algn="ctr">
+                      <a:solidFill>
+                        <a:schemeClr val="tx1"/>
+                      </a:solidFill>
+                      <a:prstDash val="solid"/>
+                      <a:round/>
+                      <a:headEnd type="none" w="med" len="med"/>
+                      <a:tailEnd type="none" w="med" len="med"/>
+                    </a:lnR>
+                    <a:lnT w="12700" cap="flat" cmpd="sng" algn="ctr">
+                      <a:solidFill>
+                        <a:schemeClr val="tx1"/>
+                      </a:solidFill>
+                      <a:prstDash val="solid"/>
+                      <a:round/>
+                      <a:headEnd type="none" w="med" len="med"/>
+                      <a:tailEnd type="none" w="med" len="med"/>
+                    </a:lnT>
+                  </a:tcPr>
+                </a:tc>
+                <a:extLst>
+                  <a:ext uri="{0D108BD9-81ED-4DB2-BD59-A6C34878D82A}">
+                    <a16:rowId xmlns:a16="http://schemas.microsoft.com/office/drawing/2014/main" val="2810899241"/>
+                  </a:ext>
+                </a:extLst>
+              </a:tr>
+              <a:tr h="489882">
+                <a:tc vMerge="1">
+                  <a:txBody>
+                    <a:bodyPr/>
+                    <a:lstStyle/>
+                    <a:p>
+                      <a:endParaRPr lang="en-US" dirty="0"/>
+                    </a:p>
+                  </a:txBody>
+                  <a:tcPr/>
+                </a:tc>
+                <a:tc>
+                  <a:txBody>
+                    <a:bodyPr/>
+                    <a:lstStyle/>
+                    <a:p>
+                      <a:pPr algn="ctr"/>
+                      <a:r>
+                        <a:rPr lang="en-US" sz="1600" dirty="0" smtClean="0"/>
+                        <a:t>2447</a:t>
+                      </a:r>
+                      <a:endParaRPr lang="en-US" sz="1600" dirty="0"/>
+                    </a:p>
+                  </a:txBody>
+                  <a:tcPr anchor="ctr">
+                    <a:lnB w="12700" cap="flat" cmpd="sng" algn="ctr">
+                      <a:solidFill>
+                        <a:schemeClr val="tx1"/>
+                      </a:solidFill>
+                      <a:prstDash val="solid"/>
+                      <a:round/>
+                      <a:headEnd type="none" w="med" len="med"/>
+                      <a:tailEnd type="none" w="med" len="med"/>
+                    </a:lnB>
+                  </a:tcPr>
+                </a:tc>
+                <a:tc>
+                  <a:txBody>
+                    <a:bodyPr/>
+                    <a:lstStyle/>
+                    <a:p>
+                      <a:pPr algn="ctr"/>
+                      <a:r>
+                        <a:rPr lang="en-US" sz="1600" dirty="0" smtClean="0"/>
+                        <a:t>1790</a:t>
+                      </a:r>
+                      <a:endParaRPr lang="en-US" sz="1600" dirty="0"/>
+                    </a:p>
+                  </a:txBody>
+                  <a:tcPr anchor="ctr">
+                    <a:lnB w="12700" cap="flat" cmpd="sng" algn="ctr">
+                      <a:solidFill>
+                        <a:schemeClr val="tx1"/>
+                      </a:solidFill>
+                      <a:prstDash val="solid"/>
+                      <a:round/>
+                      <a:headEnd type="none" w="med" len="med"/>
+                      <a:tailEnd type="none" w="med" len="med"/>
+                    </a:lnB>
+                  </a:tcPr>
+                </a:tc>
+                <a:tc>
+                  <a:txBody>
+                    <a:bodyPr/>
+                    <a:lstStyle/>
+                    <a:p>
+                      <a:pPr algn="ctr"/>
+                      <a:r>
+                        <a:rPr lang="en-US" sz="1600" dirty="0" smtClean="0"/>
+                        <a:t>679</a:t>
+                      </a:r>
+                      <a:endParaRPr lang="en-US" sz="1600" dirty="0"/>
+                    </a:p>
+                  </a:txBody>
+                  <a:tcPr anchor="ctr">
+                    <a:lnB w="12700" cap="flat" cmpd="sng" algn="ctr">
+                      <a:solidFill>
+                        <a:schemeClr val="tx1"/>
+                      </a:solidFill>
+                      <a:prstDash val="solid"/>
+                      <a:round/>
+                      <a:headEnd type="none" w="med" len="med"/>
+                      <a:tailEnd type="none" w="med" len="med"/>
+                    </a:lnB>
+                  </a:tcPr>
+                </a:tc>
+                <a:tc>
+                  <a:txBody>
+                    <a:bodyPr/>
+                    <a:lstStyle/>
+                    <a:p>
+                      <a:pPr algn="ctr"/>
+                      <a:r>
+                        <a:rPr lang="en-US" sz="1600" dirty="0" smtClean="0"/>
+                        <a:t>686</a:t>
+                      </a:r>
+                      <a:endParaRPr lang="en-US" sz="1600" dirty="0"/>
+                    </a:p>
+                  </a:txBody>
+                  <a:tcPr anchor="ctr">
+                    <a:lnB w="12700" cap="flat" cmpd="sng" algn="ctr">
+                      <a:solidFill>
+                        <a:schemeClr val="tx1"/>
+                      </a:solidFill>
+                      <a:prstDash val="solid"/>
+                      <a:round/>
+                      <a:headEnd type="none" w="med" len="med"/>
+                      <a:tailEnd type="none" w="med" len="med"/>
+                    </a:lnB>
+                  </a:tcPr>
+                </a:tc>
+                <a:tc>
+                  <a:txBody>
+                    <a:bodyPr/>
+                    <a:lstStyle/>
+                    <a:p>
+                      <a:pPr algn="ctr"/>
+                      <a:r>
+                        <a:rPr lang="en-US" sz="1600" dirty="0" smtClean="0"/>
+                        <a:t>329</a:t>
+                      </a:r>
+                      <a:endParaRPr lang="en-US" sz="1600" dirty="0"/>
+                    </a:p>
+                  </a:txBody>
+                  <a:tcPr anchor="ctr">
+                    <a:lnB w="12700" cap="flat" cmpd="sng" algn="ctr">
+                      <a:solidFill>
+                        <a:schemeClr val="tx1"/>
+                      </a:solidFill>
+                      <a:prstDash val="solid"/>
+                      <a:round/>
+                      <a:headEnd type="none" w="med" len="med"/>
+                      <a:tailEnd type="none" w="med" len="med"/>
+                    </a:lnB>
+                  </a:tcPr>
+                </a:tc>
+                <a:tc>
+                  <a:txBody>
+                    <a:bodyPr/>
+                    <a:lstStyle/>
+                    <a:p>
+                      <a:pPr algn="ctr"/>
+                      <a:r>
+                        <a:rPr lang="en-US" sz="1600" dirty="0" smtClean="0"/>
+                        <a:t>292</a:t>
+                      </a:r>
+                      <a:endParaRPr lang="en-US" sz="1600" dirty="0"/>
+                    </a:p>
+                  </a:txBody>
+                  <a:tcPr anchor="ctr">
+                    <a:lnB w="12700" cap="flat" cmpd="sng" algn="ctr">
+                      <a:solidFill>
+                        <a:schemeClr val="tx1"/>
+                      </a:solidFill>
+                      <a:prstDash val="solid"/>
+                      <a:round/>
+                      <a:headEnd type="none" w="med" len="med"/>
+                      <a:tailEnd type="none" w="med" len="med"/>
+                    </a:lnB>
+                  </a:tcPr>
+                </a:tc>
+                <a:tc>
+                  <a:txBody>
+                    <a:bodyPr/>
+                    <a:lstStyle/>
+                    <a:p>
+                      <a:pPr algn="ctr"/>
+                      <a:r>
+                        <a:rPr lang="en-US" sz="1600" dirty="0" smtClean="0"/>
+                        <a:t>107</a:t>
+                      </a:r>
+                      <a:endParaRPr lang="en-US" sz="1600" dirty="0"/>
+                    </a:p>
+                  </a:txBody>
+                  <a:tcPr anchor="ctr">
+                    <a:lnB w="12700" cap="flat" cmpd="sng" algn="ctr">
+                      <a:solidFill>
+                        <a:schemeClr val="tx1"/>
+                      </a:solidFill>
+                      <a:prstDash val="solid"/>
+                      <a:round/>
+                      <a:headEnd type="none" w="med" len="med"/>
+                      <a:tailEnd type="none" w="med" len="med"/>
+                    </a:lnB>
+                  </a:tcPr>
+                </a:tc>
+                <a:tc>
+                  <a:txBody>
+                    <a:bodyPr/>
+                    <a:lstStyle/>
+                    <a:p>
+                      <a:pPr algn="ctr"/>
+                      <a:r>
+                        <a:rPr lang="en-US" sz="1600" dirty="0" smtClean="0"/>
+                        <a:t>136</a:t>
+                      </a:r>
+                      <a:endParaRPr lang="en-US" sz="1600" dirty="0"/>
+                    </a:p>
+                  </a:txBody>
+                  <a:tcPr anchor="ctr">
+                    <a:lnB w="12700" cap="flat" cmpd="sng" algn="ctr">
+                      <a:solidFill>
+                        <a:schemeClr val="tx1"/>
+                      </a:solidFill>
+                      <a:prstDash val="solid"/>
+                      <a:round/>
+                      <a:headEnd type="none" w="med" len="med"/>
+                      <a:tailEnd type="none" w="med" len="med"/>
+                    </a:lnB>
+                  </a:tcPr>
+                </a:tc>
+                <a:tc>
+                  <a:txBody>
+                    <a:bodyPr/>
+                    <a:lstStyle/>
+                    <a:p>
+                      <a:pPr algn="ctr"/>
+                      <a:r>
+                        <a:rPr lang="en-US" sz="1600" dirty="0" smtClean="0"/>
+                        <a:t>50</a:t>
+                      </a:r>
+                      <a:endParaRPr lang="en-US" sz="1600" dirty="0"/>
+                    </a:p>
+                  </a:txBody>
+                  <a:tcPr anchor="ctr">
+                    <a:lnB w="12700" cap="flat" cmpd="sng" algn="ctr">
+                      <a:solidFill>
+                        <a:schemeClr val="tx1"/>
+                      </a:solidFill>
+                      <a:prstDash val="solid"/>
+                      <a:round/>
+                      <a:headEnd type="none" w="med" len="med"/>
+                      <a:tailEnd type="none" w="med" len="med"/>
+                    </a:lnB>
+                  </a:tcPr>
+                </a:tc>
+                <a:tc>
+                  <a:txBody>
+                    <a:bodyPr/>
+                    <a:lstStyle/>
+                    <a:p>
+                      <a:pPr algn="ctr"/>
+                      <a:r>
+                        <a:rPr lang="en-US" sz="1600" dirty="0" smtClean="0"/>
+                        <a:t>49</a:t>
+                      </a:r>
+                      <a:endParaRPr lang="en-US" sz="1600" dirty="0"/>
+                    </a:p>
+                  </a:txBody>
+                  <a:tcPr anchor="ctr">
+                    <a:lnB w="12700" cap="flat" cmpd="sng" algn="ctr">
+                      <a:solidFill>
+                        <a:schemeClr val="tx1"/>
+                      </a:solidFill>
+                      <a:prstDash val="solid"/>
+                      <a:round/>
+                      <a:headEnd type="none" w="med" len="med"/>
+                      <a:tailEnd type="none" w="med" len="med"/>
+                    </a:lnB>
+                  </a:tcPr>
+                </a:tc>
+                <a:tc>
+                  <a:txBody>
+                    <a:bodyPr/>
+                    <a:lstStyle/>
+                    <a:p>
+                      <a:pPr algn="ctr"/>
+                      <a:r>
+                        <a:rPr lang="en-US" sz="1600" dirty="0" smtClean="0"/>
+                        <a:t>70</a:t>
+                      </a:r>
+                      <a:endParaRPr lang="en-US" sz="1600" dirty="0"/>
+                    </a:p>
+                  </a:txBody>
+                  <a:tcPr anchor="ctr">
+                    <a:lnB w="12700" cap="flat" cmpd="sng" algn="ctr">
+                      <a:solidFill>
+                        <a:schemeClr val="tx1"/>
+                      </a:solidFill>
+                      <a:prstDash val="solid"/>
+                      <a:round/>
+                      <a:headEnd type="none" w="med" len="med"/>
+                      <a:tailEnd type="none" w="med" len="med"/>
+                    </a:lnB>
+                  </a:tcPr>
+                </a:tc>
+                <a:tc>
+                  <a:txBody>
+                    <a:bodyPr/>
+                    <a:lstStyle/>
+                    <a:p>
+                      <a:pPr algn="ctr"/>
+                      <a:r>
+                        <a:rPr lang="en-US" sz="1600" dirty="0" smtClean="0"/>
+                        <a:t>73</a:t>
+                      </a:r>
+                      <a:endParaRPr lang="en-US" sz="1600" dirty="0"/>
+                    </a:p>
+                  </a:txBody>
+                  <a:tcPr anchor="ctr">
+                    <a:lnB w="12700" cap="flat" cmpd="sng" algn="ctr">
+                      <a:solidFill>
+                        <a:schemeClr val="tx1"/>
+                      </a:solidFill>
+                      <a:prstDash val="solid"/>
+                      <a:round/>
+                      <a:headEnd type="none" w="med" len="med"/>
+                      <a:tailEnd type="none" w="med" len="med"/>
+                    </a:lnB>
+                  </a:tcPr>
+                </a:tc>
+                <a:tc>
+                  <a:txBody>
+                    <a:bodyPr/>
+                    <a:lstStyle/>
+                    <a:p>
+                      <a:pPr algn="ctr"/>
+                      <a:r>
+                        <a:rPr lang="en-US" sz="1600" dirty="0" smtClean="0"/>
+                        <a:t>36</a:t>
+                      </a:r>
+                      <a:endParaRPr lang="en-US" sz="1600" dirty="0"/>
+                    </a:p>
+                  </a:txBody>
+                  <a:tcPr anchor="ctr">
+                    <a:lnB w="12700" cap="flat" cmpd="sng" algn="ctr">
+                      <a:solidFill>
+                        <a:schemeClr val="tx1"/>
+                      </a:solidFill>
+                      <a:prstDash val="solid"/>
+                      <a:round/>
+                      <a:headEnd type="none" w="med" len="med"/>
+                      <a:tailEnd type="none" w="med" len="med"/>
+                    </a:lnB>
+                  </a:tcPr>
+                </a:tc>
+                <a:tc>
+                  <a:txBody>
+                    <a:bodyPr/>
+                    <a:lstStyle/>
+                    <a:p>
+                      <a:pPr algn="ctr"/>
+                      <a:r>
+                        <a:rPr lang="en-US" sz="1600" dirty="0" smtClean="0"/>
+                        <a:t>28</a:t>
+                      </a:r>
+                      <a:endParaRPr lang="en-US" sz="1600" dirty="0"/>
+                    </a:p>
+                  </a:txBody>
+                  <a:tcPr anchor="ctr">
+                    <a:lnB w="12700" cap="flat" cmpd="sng" algn="ctr">
+                      <a:solidFill>
+                        <a:schemeClr val="tx1"/>
+                      </a:solidFill>
+                      <a:prstDash val="solid"/>
+                      <a:round/>
+                      <a:headEnd type="none" w="med" len="med"/>
+                      <a:tailEnd type="none" w="med" len="med"/>
+                    </a:lnB>
+                  </a:tcPr>
+                </a:tc>
+                <a:tc>
+                  <a:txBody>
+                    <a:bodyPr/>
+                    <a:lstStyle/>
+                    <a:p>
+                      <a:pPr algn="ctr"/>
+                      <a:r>
+                        <a:rPr lang="en-US" sz="1600" dirty="0" smtClean="0"/>
+                        <a:t>7</a:t>
+                      </a:r>
+                      <a:endParaRPr lang="en-US" sz="1600" dirty="0"/>
+                    </a:p>
+                  </a:txBody>
+                  <a:tcPr anchor="ctr">
+                    <a:lnB w="12700" cap="flat" cmpd="sng" algn="ctr">
+                      <a:solidFill>
+                        <a:schemeClr val="tx1"/>
+                      </a:solidFill>
+                      <a:prstDash val="solid"/>
+                      <a:round/>
+                      <a:headEnd type="none" w="med" len="med"/>
+                      <a:tailEnd type="none" w="med" len="med"/>
+                    </a:lnB>
+                  </a:tcPr>
+                </a:tc>
+                <a:tc>
+                  <a:txBody>
+                    <a:bodyPr/>
+                    <a:lstStyle/>
+                    <a:p>
+                      <a:pPr algn="ctr"/>
+                      <a:r>
+                        <a:rPr lang="en-US" sz="1600" dirty="0" smtClean="0"/>
+                        <a:t>1</a:t>
+                      </a:r>
+                      <a:endParaRPr lang="en-US" sz="1600" dirty="0"/>
+                    </a:p>
+                  </a:txBody>
+                  <a:tcPr anchor="ctr">
+                    <a:lnB w="12700" cap="flat" cmpd="sng" algn="ctr">
+                      <a:solidFill>
+                        <a:schemeClr val="tx1"/>
+                      </a:solidFill>
+                      <a:prstDash val="solid"/>
+                      <a:round/>
+                      <a:headEnd type="none" w="med" len="med"/>
+                      <a:tailEnd type="none" w="med" len="med"/>
+                    </a:lnB>
+                  </a:tcPr>
+                </a:tc>
+                <a:tc>
+                  <a:txBody>
+                    <a:bodyPr/>
+                    <a:lstStyle/>
+                    <a:p>
+                      <a:pPr algn="ctr"/>
+                      <a:r>
+                        <a:rPr lang="en-US" sz="1600" dirty="0" smtClean="0"/>
+                        <a:t>6780</a:t>
+                      </a:r>
+                      <a:endParaRPr lang="en-US" sz="1600" dirty="0"/>
+                    </a:p>
+                  </a:txBody>
+                  <a:tcPr anchor="ctr">
+                    <a:lnR w="12700" cap="flat" cmpd="sng" algn="ctr">
+                      <a:solidFill>
+                        <a:schemeClr val="tx1"/>
+                      </a:solidFill>
+                      <a:prstDash val="solid"/>
+                      <a:round/>
+                      <a:headEnd type="none" w="med" len="med"/>
+                      <a:tailEnd type="none" w="med" len="med"/>
+                    </a:lnR>
+                    <a:lnB w="12700" cap="flat" cmpd="sng" algn="ctr">
+                      <a:solidFill>
+                        <a:schemeClr val="tx1"/>
+                      </a:solidFill>
+                      <a:prstDash val="solid"/>
+                      <a:round/>
+                      <a:headEnd type="none" w="med" len="med"/>
+                      <a:tailEnd type="none" w="med" len="med"/>
+                    </a:lnB>
+                  </a:tcPr>
+                </a:tc>
+                <a:extLst>
+                  <a:ext uri="{0D108BD9-81ED-4DB2-BD59-A6C34878D82A}">
+                    <a16:rowId xmlns:a16="http://schemas.microsoft.com/office/drawing/2014/main" val="1363691137"/>
+                  </a:ext>
+                </a:extLst>
+              </a:tr>
+            </a:tbl>
+          </a:graphicData>
+        </a:graphic>
+      </p:graphicFrame>
+      <p:sp>
+        <p:nvSpPr>
+          <p:cNvPr id="9" name="Rectangle 8"/>
+          <p:cNvSpPr/>
+          <p:nvPr/>
+        </p:nvSpPr>
+        <p:spPr>
+          <a:xfrm>
+            <a:off x="182878" y="3171182"/>
+            <a:ext cx="3659720" cy="369332"/>
+          </a:xfrm>
+          <a:prstGeom prst="rect">
+            <a:avLst/>
+          </a:prstGeom>
+        </p:spPr>
+        <p:txBody>
+          <a:bodyPr wrap="none">
+            <a:spAutoFit/>
+          </a:bodyPr>
+          <a:lstStyle/>
+          <a:p>
+            <a:r>
+              <a:rPr lang="en-US" dirty="0" smtClean="0"/>
+              <a:t>Number of SNPs that pair to n genes:</a:t>
+            </a:r>
+            <a:endParaRPr lang="en-US" dirty="0"/>
+          </a:p>
+        </p:txBody>
+      </p:sp>
+      <p:graphicFrame>
+        <p:nvGraphicFramePr>
+          <p:cNvPr id="10" name="Table 9"/>
+          <p:cNvGraphicFramePr>
+            <a:graphicFrameLocks noGrp="1"/>
+          </p:cNvGraphicFramePr>
+          <p:nvPr>
+            <p:extLst>
+              <p:ext uri="{D42A27DB-BD31-4B8C-83A1-F6EECF244321}">
+                <p14:modId xmlns:p14="http://schemas.microsoft.com/office/powerpoint/2010/main" val="1531797971"/>
+              </p:ext>
+            </p:extLst>
+          </p:nvPr>
+        </p:nvGraphicFramePr>
+        <p:xfrm>
+          <a:off x="588477" y="1487406"/>
+          <a:ext cx="8632033" cy="876442"/>
+        </p:xfrm>
+        <a:graphic>
+          <a:graphicData uri="http://schemas.openxmlformats.org/drawingml/2006/table">
+            <a:tbl>
+              <a:tblPr firstRow="1" bandRow="1">
+                <a:tableStyleId>{2D5ABB26-0587-4C30-8999-92F81FD0307C}</a:tableStyleId>
+              </a:tblPr>
+              <a:tblGrid>
+                <a:gridCol w="4412955">
+                  <a:extLst>
+                    <a:ext uri="{9D8B030D-6E8A-4147-A177-3AD203B41FA5}">
+                      <a16:colId xmlns:a16="http://schemas.microsoft.com/office/drawing/2014/main" val="1178349782"/>
+                    </a:ext>
+                  </a:extLst>
+                </a:gridCol>
+                <a:gridCol w="2109539">
+                  <a:extLst>
+                    <a:ext uri="{9D8B030D-6E8A-4147-A177-3AD203B41FA5}">
+                      <a16:colId xmlns:a16="http://schemas.microsoft.com/office/drawing/2014/main" val="1816200263"/>
+                    </a:ext>
+                  </a:extLst>
+                </a:gridCol>
+                <a:gridCol w="2109539">
+                  <a:extLst>
+                    <a:ext uri="{9D8B030D-6E8A-4147-A177-3AD203B41FA5}">
+                      <a16:colId xmlns:a16="http://schemas.microsoft.com/office/drawing/2014/main" val="3834981325"/>
+                    </a:ext>
+                  </a:extLst>
+                </a:gridCol>
+              </a:tblGrid>
+              <a:tr h="464962">
+                <a:tc>
+                  <a:txBody>
+                    <a:bodyPr/>
+                    <a:lstStyle/>
+                    <a:p>
+                      <a:pPr algn="ctr"/>
+                      <a:endParaRPr lang="en-US" sz="1800" dirty="0"/>
+                    </a:p>
+                  </a:txBody>
+                  <a:tcPr anchor="ctr">
+                    <a:lnL w="12700" cap="flat" cmpd="sng" algn="ctr">
+                      <a:solidFill>
+                        <a:schemeClr val="tx1"/>
+                      </a:solidFill>
+                      <a:prstDash val="solid"/>
+                      <a:round/>
+                      <a:headEnd type="none" w="med" len="med"/>
+                      <a:tailEnd type="none" w="med" len="med"/>
+                    </a:lnL>
+                    <a:lnR w="12700" cap="flat" cmpd="sng" algn="ctr">
+                      <a:solidFill>
+                        <a:schemeClr val="tx1"/>
+                      </a:solidFill>
+                      <a:prstDash val="solid"/>
+                      <a:round/>
+                      <a:headEnd type="none" w="med" len="med"/>
+                      <a:tailEnd type="none" w="med" len="med"/>
+                    </a:lnR>
+                    <a:lnT w="12700" cap="flat" cmpd="sng" algn="ctr">
+                      <a:solidFill>
+                        <a:schemeClr val="tx1"/>
+                      </a:solidFill>
+                      <a:prstDash val="solid"/>
+                      <a:round/>
+                      <a:headEnd type="none" w="med" len="med"/>
+                      <a:tailEnd type="none" w="med" len="med"/>
+                    </a:lnT>
+                    <a:lnB w="12700" cap="flat" cmpd="sng" algn="ctr">
+                      <a:solidFill>
+                        <a:schemeClr val="tx1"/>
+                      </a:solidFill>
+                      <a:prstDash val="solid"/>
+                      <a:round/>
+                      <a:headEnd type="none" w="med" len="med"/>
+                      <a:tailEnd type="none" w="med" len="med"/>
+                    </a:lnB>
+                  </a:tcPr>
+                </a:tc>
+                <a:tc>
+                  <a:txBody>
+                    <a:bodyPr/>
+                    <a:lstStyle/>
+                    <a:p>
+                      <a:pPr algn="ctr"/>
+                      <a:r>
+                        <a:rPr lang="en-US" sz="1800" dirty="0" smtClean="0"/>
+                        <a:t>Hippocampus</a:t>
+                      </a:r>
+                      <a:endParaRPr lang="en-US" sz="1800" dirty="0"/>
+                    </a:p>
+                  </a:txBody>
+                  <a:tcPr anchor="ctr">
+                    <a:lnL w="12700" cap="flat" cmpd="sng" algn="ctr">
+                      <a:solidFill>
+                        <a:schemeClr val="tx1"/>
+                      </a:solidFill>
+                      <a:prstDash val="solid"/>
+                      <a:round/>
+                      <a:headEnd type="none" w="med" len="med"/>
+                      <a:tailEnd type="none" w="med" len="med"/>
+                    </a:lnL>
+                    <a:lnR w="12700" cap="flat" cmpd="sng" algn="ctr">
+                      <a:solidFill>
+                        <a:schemeClr val="tx1"/>
+                      </a:solidFill>
+                      <a:prstDash val="solid"/>
+                      <a:round/>
+                      <a:headEnd type="none" w="med" len="med"/>
+                      <a:tailEnd type="none" w="med" len="med"/>
+                    </a:lnR>
+                    <a:lnT w="12700" cap="flat" cmpd="sng" algn="ctr">
+                      <a:solidFill>
+                        <a:schemeClr val="tx1"/>
+                      </a:solidFill>
+                      <a:prstDash val="solid"/>
+                      <a:round/>
+                      <a:headEnd type="none" w="med" len="med"/>
+                      <a:tailEnd type="none" w="med" len="med"/>
+                    </a:lnT>
+                    <a:lnB w="12700" cap="flat" cmpd="sng" algn="ctr">
+                      <a:solidFill>
+                        <a:schemeClr val="tx1"/>
+                      </a:solidFill>
+                      <a:prstDash val="solid"/>
+                      <a:round/>
+                      <a:headEnd type="none" w="med" len="med"/>
+                      <a:tailEnd type="none" w="med" len="med"/>
+                    </a:lnB>
+                  </a:tcPr>
+                </a:tc>
+                <a:tc>
+                  <a:txBody>
+                    <a:bodyPr/>
+                    <a:lstStyle/>
+                    <a:p>
+                      <a:pPr algn="ctr"/>
+                      <a:r>
+                        <a:rPr lang="en-US" sz="1800" dirty="0"/>
+                        <a:t>DLPFC</a:t>
+                      </a:r>
+                    </a:p>
+                  </a:txBody>
+                  <a:tcPr anchor="ctr">
+                    <a:lnL w="12700" cap="flat" cmpd="sng" algn="ctr">
+                      <a:solidFill>
+                        <a:schemeClr val="tx1"/>
+                      </a:solidFill>
+                      <a:prstDash val="solid"/>
+                      <a:round/>
+                      <a:headEnd type="none" w="med" len="med"/>
+                      <a:tailEnd type="none" w="med" len="med"/>
+                    </a:lnL>
+                    <a:lnR w="12700" cap="flat" cmpd="sng" algn="ctr">
+                      <a:solidFill>
+                        <a:schemeClr val="tx1"/>
+                      </a:solidFill>
+                      <a:prstDash val="solid"/>
+                      <a:round/>
+                      <a:headEnd type="none" w="med" len="med"/>
+                      <a:tailEnd type="none" w="med" len="med"/>
+                    </a:lnR>
+                    <a:lnT w="12700" cap="flat" cmpd="sng" algn="ctr">
+                      <a:solidFill>
+                        <a:schemeClr val="tx1"/>
+                      </a:solidFill>
+                      <a:prstDash val="solid"/>
+                      <a:round/>
+                      <a:headEnd type="none" w="med" len="med"/>
+                      <a:tailEnd type="none" w="med" len="med"/>
+                    </a:lnT>
+                    <a:lnB w="12700" cap="flat" cmpd="sng" algn="ctr">
+                      <a:solidFill>
+                        <a:schemeClr val="tx1"/>
+                      </a:solidFill>
+                      <a:prstDash val="solid"/>
+                      <a:round/>
+                      <a:headEnd type="none" w="med" len="med"/>
+                      <a:tailEnd type="none" w="med" len="med"/>
+                    </a:lnB>
+                  </a:tcPr>
+                </a:tc>
+                <a:extLst>
+                  <a:ext uri="{0D108BD9-81ED-4DB2-BD59-A6C34878D82A}">
+                    <a16:rowId xmlns:a16="http://schemas.microsoft.com/office/drawing/2014/main" val="2128684183"/>
+                  </a:ext>
+                </a:extLst>
+              </a:tr>
+              <a:tr h="411480">
+                <a:tc>
+                  <a:txBody>
+                    <a:bodyPr/>
+                    <a:lstStyle/>
+                    <a:p>
+                      <a:pPr algn="l"/>
+                      <a:r>
+                        <a:rPr lang="en-US" sz="1800" dirty="0"/>
+                        <a:t># </a:t>
+                      </a:r>
+                      <a:r>
+                        <a:rPr lang="en-US" sz="1800" dirty="0" smtClean="0"/>
+                        <a:t>unique SNPs (unique index SNPs)</a:t>
+                      </a:r>
+                      <a:endParaRPr lang="en-US" sz="1800" dirty="0"/>
+                    </a:p>
+                  </a:txBody>
+                  <a:tcPr anchor="ctr">
+                    <a:lnL w="12700" cap="flat" cmpd="sng" algn="ctr">
+                      <a:solidFill>
+                        <a:schemeClr val="tx1"/>
+                      </a:solidFill>
+                      <a:prstDash val="solid"/>
+                      <a:round/>
+                      <a:headEnd type="none" w="med" len="med"/>
+                      <a:tailEnd type="none" w="med" len="med"/>
+                    </a:lnL>
+                    <a:lnR w="12700" cap="flat" cmpd="sng" algn="ctr">
+                      <a:solidFill>
+                        <a:schemeClr val="tx1"/>
+                      </a:solidFill>
+                      <a:prstDash val="solid"/>
+                      <a:round/>
+                      <a:headEnd type="none" w="med" len="med"/>
+                      <a:tailEnd type="none" w="med" len="med"/>
+                    </a:lnR>
+                    <a:lnT w="12700" cap="flat" cmpd="sng" algn="ctr">
+                      <a:solidFill>
+                        <a:schemeClr val="tx1"/>
+                      </a:solidFill>
+                      <a:prstDash val="solid"/>
+                      <a:round/>
+                      <a:headEnd type="none" w="med" len="med"/>
+                      <a:tailEnd type="none" w="med" len="med"/>
+                    </a:lnT>
+                    <a:lnB w="12700" cap="flat" cmpd="sng" algn="ctr">
+                      <a:solidFill>
+                        <a:schemeClr val="tx1"/>
+                      </a:solidFill>
+                      <a:prstDash val="solid"/>
+                      <a:round/>
+                      <a:headEnd type="none" w="med" len="med"/>
+                      <a:tailEnd type="none" w="med" len="med"/>
+                    </a:lnB>
+                  </a:tcPr>
+                </a:tc>
+                <a:tc>
+                  <a:txBody>
+                    <a:bodyPr/>
+                    <a:lstStyle/>
+                    <a:p>
+                      <a:pPr algn="ctr"/>
+                      <a:r>
+                        <a:rPr lang="en-US" sz="1600" dirty="0" smtClean="0"/>
+                        <a:t>5510 (45)</a:t>
+                      </a:r>
+                      <a:endParaRPr lang="en-US" sz="1600" dirty="0"/>
+                    </a:p>
+                  </a:txBody>
+                  <a:tcPr anchor="ctr">
+                    <a:lnL w="12700" cap="flat" cmpd="sng" algn="ctr">
+                      <a:solidFill>
+                        <a:schemeClr val="tx1"/>
+                      </a:solidFill>
+                      <a:prstDash val="solid"/>
+                      <a:round/>
+                      <a:headEnd type="none" w="med" len="med"/>
+                      <a:tailEnd type="none" w="med" len="med"/>
+                    </a:lnL>
+                    <a:lnR w="12700" cap="flat" cmpd="sng" algn="ctr">
+                      <a:solidFill>
+                        <a:schemeClr val="tx1"/>
+                      </a:solidFill>
+                      <a:prstDash val="solid"/>
+                      <a:round/>
+                      <a:headEnd type="none" w="med" len="med"/>
+                      <a:tailEnd type="none" w="med" len="med"/>
+                    </a:lnR>
+                    <a:lnT w="12700" cap="flat" cmpd="sng" algn="ctr">
+                      <a:solidFill>
+                        <a:schemeClr val="tx1"/>
+                      </a:solidFill>
+                      <a:prstDash val="solid"/>
+                      <a:round/>
+                      <a:headEnd type="none" w="med" len="med"/>
+                      <a:tailEnd type="none" w="med" len="med"/>
+                    </a:lnT>
+                    <a:lnB w="12700" cap="flat" cmpd="sng" algn="ctr">
+                      <a:solidFill>
+                        <a:schemeClr val="tx1"/>
+                      </a:solidFill>
+                      <a:prstDash val="solid"/>
+                      <a:round/>
+                      <a:headEnd type="none" w="med" len="med"/>
+                      <a:tailEnd type="none" w="med" len="med"/>
+                    </a:lnB>
+                  </a:tcPr>
+                </a:tc>
+                <a:tc>
+                  <a:txBody>
+                    <a:bodyPr/>
+                    <a:lstStyle/>
+                    <a:p>
+                      <a:pPr algn="ctr"/>
+                      <a:r>
+                        <a:rPr lang="en-US" sz="1600" dirty="0" smtClean="0"/>
+                        <a:t>6780 (52)</a:t>
+                      </a:r>
+                      <a:endParaRPr lang="en-US" sz="1600" dirty="0"/>
+                    </a:p>
+                  </a:txBody>
+                  <a:tcPr anchor="ctr">
+                    <a:lnL w="12700" cap="flat" cmpd="sng" algn="ctr">
+                      <a:solidFill>
+                        <a:schemeClr val="tx1"/>
+                      </a:solidFill>
+                      <a:prstDash val="solid"/>
+                      <a:round/>
+                      <a:headEnd type="none" w="med" len="med"/>
+                      <a:tailEnd type="none" w="med" len="med"/>
+                    </a:lnL>
+                    <a:lnR w="12700" cap="flat" cmpd="sng" algn="ctr">
+                      <a:solidFill>
+                        <a:schemeClr val="tx1"/>
+                      </a:solidFill>
+                      <a:prstDash val="solid"/>
+                      <a:round/>
+                      <a:headEnd type="none" w="med" len="med"/>
+                      <a:tailEnd type="none" w="med" len="med"/>
+                    </a:lnR>
+                    <a:lnT w="12700" cap="flat" cmpd="sng" algn="ctr">
+                      <a:solidFill>
+                        <a:schemeClr val="tx1"/>
+                      </a:solidFill>
+                      <a:prstDash val="solid"/>
+                      <a:round/>
+                      <a:headEnd type="none" w="med" len="med"/>
+                      <a:tailEnd type="none" w="med" len="med"/>
+                    </a:lnT>
+                    <a:lnB w="12700" cap="flat" cmpd="sng" algn="ctr">
+                      <a:solidFill>
+                        <a:schemeClr val="tx1"/>
+                      </a:solidFill>
+                      <a:prstDash val="solid"/>
+                      <a:round/>
+                      <a:headEnd type="none" w="med" len="med"/>
+                      <a:tailEnd type="none" w="med" len="med"/>
+                    </a:lnB>
+                  </a:tcPr>
+                </a:tc>
+                <a:extLst>
+                  <a:ext uri="{0D108BD9-81ED-4DB2-BD59-A6C34878D82A}">
+                    <a16:rowId xmlns:a16="http://schemas.microsoft.com/office/drawing/2014/main" val="1681956944"/>
+                  </a:ext>
+                </a:extLst>
+              </a:tr>
+            </a:tbl>
+          </a:graphicData>
+        </a:graphic>
+      </p:graphicFrame>
+    </p:spTree>
+    <p:extLst>
+      <p:ext uri="{BB962C8B-B14F-4D97-AF65-F5344CB8AC3E}">
+        <p14:creationId xmlns:p14="http://schemas.microsoft.com/office/powerpoint/2010/main" val="2698720002"/>
       </p:ext>
     </p:extLst>
   </p:cSld>

--- a/eQTL_GWAS_riskSNPs/raggr_results_tables.pptx
+++ b/eQTL_GWAS_riskSNPs/raggr_results_tables.pptx
@@ -12,6 +12,7 @@
     <p:sldId id="347" r:id="rId6"/>
     <p:sldId id="349" r:id="rId7"/>
     <p:sldId id="348" r:id="rId8"/>
+    <p:sldId id="350" r:id="rId9"/>
   </p:sldIdLst>
   <p:sldSz cx="12192000" cy="6858000"/>
   <p:notesSz cx="6858000" cy="9144000"/>
@@ -355,7 +356,7 @@
           <a:p>
             <a:fld id="{E491DC8F-E103-4FD8-8B4A-5D7FAD71FEDE}" type="datetimeFigureOut">
               <a:rPr lang="en-US" smtClean="0"/>
-              <a:t>6/26/2018</a:t>
+              <a:t>9/5/2018</a:t>
             </a:fld>
             <a:endParaRPr lang="en-US"/>
           </a:p>
@@ -568,7 +569,7 @@
           <a:p>
             <a:fld id="{E491DC8F-E103-4FD8-8B4A-5D7FAD71FEDE}" type="datetimeFigureOut">
               <a:rPr lang="en-US" smtClean="0"/>
-              <a:t>6/26/2018</a:t>
+              <a:t>9/5/2018</a:t>
             </a:fld>
             <a:endParaRPr lang="en-US"/>
           </a:p>
@@ -824,7 +825,7 @@
           <a:p>
             <a:fld id="{E491DC8F-E103-4FD8-8B4A-5D7FAD71FEDE}" type="datetimeFigureOut">
               <a:rPr lang="en-US" smtClean="0"/>
-              <a:t>6/26/2018</a:t>
+              <a:t>9/5/2018</a:t>
             </a:fld>
             <a:endParaRPr lang="en-US"/>
           </a:p>
@@ -999,7 +1000,7 @@
           <a:p>
             <a:fld id="{E491DC8F-E103-4FD8-8B4A-5D7FAD71FEDE}" type="datetimeFigureOut">
               <a:rPr lang="en-US" smtClean="0"/>
-              <a:t>6/26/2018</a:t>
+              <a:t>9/5/2018</a:t>
             </a:fld>
             <a:endParaRPr lang="en-US"/>
           </a:p>
@@ -1334,7 +1335,7 @@
           <a:p>
             <a:fld id="{E491DC8F-E103-4FD8-8B4A-5D7FAD71FEDE}" type="datetimeFigureOut">
               <a:rPr lang="en-US" smtClean="0"/>
-              <a:t>6/26/2018</a:t>
+              <a:t>9/5/2018</a:t>
             </a:fld>
             <a:endParaRPr lang="en-US"/>
           </a:p>
@@ -1614,7 +1615,7 @@
           <a:p>
             <a:fld id="{E491DC8F-E103-4FD8-8B4A-5D7FAD71FEDE}" type="datetimeFigureOut">
               <a:rPr lang="en-US" smtClean="0"/>
-              <a:t>6/26/2018</a:t>
+              <a:t>9/5/2018</a:t>
             </a:fld>
             <a:endParaRPr lang="en-US"/>
           </a:p>
@@ -1993,7 +1994,7 @@
           <a:p>
             <a:fld id="{E491DC8F-E103-4FD8-8B4A-5D7FAD71FEDE}" type="datetimeFigureOut">
               <a:rPr lang="en-US" smtClean="0"/>
-              <a:t>6/26/2018</a:t>
+              <a:t>9/5/2018</a:t>
             </a:fld>
             <a:endParaRPr lang="en-US"/>
           </a:p>
@@ -2111,7 +2112,7 @@
           <a:p>
             <a:fld id="{E491DC8F-E103-4FD8-8B4A-5D7FAD71FEDE}" type="datetimeFigureOut">
               <a:rPr lang="en-US" smtClean="0"/>
-              <a:t>6/26/2018</a:t>
+              <a:t>9/5/2018</a:t>
             </a:fld>
             <a:endParaRPr lang="en-US"/>
           </a:p>
@@ -2282,7 +2283,7 @@
           <a:p>
             <a:fld id="{E491DC8F-E103-4FD8-8B4A-5D7FAD71FEDE}" type="datetimeFigureOut">
               <a:rPr lang="en-US" smtClean="0"/>
-              <a:t>6/26/2018</a:t>
+              <a:t>9/5/2018</a:t>
             </a:fld>
             <a:endParaRPr lang="en-US"/>
           </a:p>
@@ -2636,7 +2637,7 @@
           <a:p>
             <a:fld id="{E491DC8F-E103-4FD8-8B4A-5D7FAD71FEDE}" type="datetimeFigureOut">
               <a:rPr lang="en-US" smtClean="0"/>
-              <a:t>6/26/2018</a:t>
+              <a:t>9/5/2018</a:t>
             </a:fld>
             <a:endParaRPr lang="en-US"/>
           </a:p>
@@ -3013,7 +3014,7 @@
           <a:p>
             <a:fld id="{E491DC8F-E103-4FD8-8B4A-5D7FAD71FEDE}" type="datetimeFigureOut">
               <a:rPr lang="en-US" smtClean="0"/>
-              <a:t>6/26/2018</a:t>
+              <a:t>9/5/2018</a:t>
             </a:fld>
             <a:endParaRPr lang="en-US"/>
           </a:p>
@@ -3305,7 +3306,7 @@
           <a:p>
             <a:fld id="{E491DC8F-E103-4FD8-8B4A-5D7FAD71FEDE}" type="datetimeFigureOut">
               <a:rPr lang="en-US" smtClean="0"/>
-              <a:t>6/26/2018</a:t>
+              <a:t>9/5/2018</a:t>
             </a:fld>
             <a:endParaRPr lang="en-US"/>
           </a:p>
@@ -8102,7 +8103,7 @@
           <p:nvPr>
             <p:extLst>
               <p:ext uri="{D42A27DB-BD31-4B8C-83A1-F6EECF244321}">
-                <p14:modId xmlns:p14="http://schemas.microsoft.com/office/powerpoint/2010/main" val="3130385695"/>
+                <p14:modId xmlns:p14="http://schemas.microsoft.com/office/powerpoint/2010/main" val="1481205532"/>
               </p:ext>
             </p:extLst>
           </p:nvPr>
@@ -8363,7 +8364,11 @@
                       <a:pPr algn="ctr"/>
                       <a:r>
                         <a:rPr lang="en-US" sz="1600" dirty="0" smtClean="0"/>
-                        <a:t>5510 (45)</a:t>
+                        <a:t>5510 </a:t>
+                      </a:r>
+                      <a:r>
+                        <a:rPr lang="en-US" sz="1600" dirty="0" smtClean="0"/>
+                        <a:t>(103)</a:t>
                       </a:r>
                       <a:endParaRPr lang="en-US" sz="1600" dirty="0"/>
                     </a:p>
@@ -8415,7 +8420,11 @@
                       <a:pPr algn="ctr"/>
                       <a:r>
                         <a:rPr lang="en-US" sz="1600" dirty="0" smtClean="0"/>
-                        <a:t>6780 (52)</a:t>
+                        <a:t>6780 </a:t>
+                      </a:r>
+                      <a:r>
+                        <a:rPr lang="en-US" sz="1600" dirty="0" smtClean="0"/>
+                        <a:t>(116)</a:t>
                       </a:r>
                       <a:endParaRPr lang="en-US" sz="1600" dirty="0"/>
                     </a:p>
@@ -9573,13 +9582,8 @@
                       </a:pPr>
                       <a:r>
                         <a:rPr lang="en-US" sz="1600" dirty="0" smtClean="0"/>
-                        <a:t>66,923 </a:t>
-                      </a:r>
-                      <a:r>
-                        <a:rPr lang="en-US" sz="1600" dirty="0" smtClean="0"/>
-                        <a:t>(334)</a:t>
-                      </a:r>
-                      <a:endParaRPr lang="en-US" sz="1600" dirty="0" smtClean="0"/>
+                        <a:t>66,923 (334)</a:t>
+                      </a:r>
                     </a:p>
                   </a:txBody>
                   <a:tcPr anchor="ctr">
@@ -9631,11 +9635,7 @@
                       <a:pPr algn="ctr"/>
                       <a:r>
                         <a:rPr lang="en-US" sz="1600" dirty="0" smtClean="0"/>
-                        <a:t>106,438 </a:t>
-                      </a:r>
-                      <a:r>
-                        <a:rPr lang="en-US" sz="1600" dirty="0" smtClean="0"/>
-                        <a:t>(412)</a:t>
+                        <a:t>106,438 (412)</a:t>
                       </a:r>
                       <a:endParaRPr lang="en-US" sz="1600" dirty="0"/>
                     </a:p>
@@ -10486,6 +10486,35 @@
           <a:chExt cx="0" cy="0"/>
         </a:xfrm>
       </p:grpSpPr>
+      <p:pic>
+        <p:nvPicPr>
+          <p:cNvPr id="3" name="Picture 2"/>
+          <p:cNvPicPr>
+            <a:picLocks noChangeAspect="1"/>
+          </p:cNvPicPr>
+          <p:nvPr/>
+        </p:nvPicPr>
+        <p:blipFill rotWithShape="1">
+          <a:blip r:embed="rId2" cstate="print">
+            <a:extLst>
+              <a:ext uri="{28A0092B-C50C-407E-A947-70E740481C1C}">
+                <a14:useLocalDpi xmlns:a14="http://schemas.microsoft.com/office/drawing/2010/main" val="0"/>
+              </a:ext>
+            </a:extLst>
+          </a:blip>
+          <a:srcRect l="2854" t="113" r="3115" b="16553"/>
+          <a:stretch/>
+        </p:blipFill>
+        <p:spPr>
+          <a:xfrm>
+            <a:off x="8513806" y="3639211"/>
+            <a:ext cx="3367216" cy="2984123"/>
+          </a:xfrm>
+          <a:prstGeom prst="rect">
+            <a:avLst/>
+          </a:prstGeom>
+        </p:spPr>
+      </p:pic>
       <p:sp>
         <p:nvSpPr>
           <p:cNvPr id="2" name="Title 1">
@@ -10552,35 +10581,6 @@
       </p:sp>
       <p:pic>
         <p:nvPicPr>
-          <p:cNvPr id="4" name="Picture 3"/>
-          <p:cNvPicPr>
-            <a:picLocks noChangeAspect="1"/>
-          </p:cNvPicPr>
-          <p:nvPr/>
-        </p:nvPicPr>
-        <p:blipFill rotWithShape="1">
-          <a:blip r:embed="rId2" cstate="print">
-            <a:extLst>
-              <a:ext uri="{28A0092B-C50C-407E-A947-70E740481C1C}">
-                <a14:useLocalDpi xmlns:a14="http://schemas.microsoft.com/office/drawing/2010/main" val="0"/>
-              </a:ext>
-            </a:extLst>
-          </a:blip>
-          <a:srcRect b="12328"/>
-          <a:stretch/>
-        </p:blipFill>
-        <p:spPr>
-          <a:xfrm>
-            <a:off x="8133672" y="3258139"/>
-            <a:ext cx="3782746" cy="3316397"/>
-          </a:xfrm>
-          <a:prstGeom prst="rect">
-            <a:avLst/>
-          </a:prstGeom>
-        </p:spPr>
-      </p:pic>
-      <p:pic>
-        <p:nvPicPr>
           <p:cNvPr id="5" name="Picture 4"/>
           <p:cNvPicPr>
             <a:picLocks noChangeAspect="1"/>
@@ -10617,7 +10617,7 @@
           <p:nvPr>
             <p:extLst>
               <p:ext uri="{D42A27DB-BD31-4B8C-83A1-F6EECF244321}">
-                <p14:modId xmlns:p14="http://schemas.microsoft.com/office/powerpoint/2010/main" val="3269112058"/>
+                <p14:modId xmlns:p14="http://schemas.microsoft.com/office/powerpoint/2010/main" val="1409659208"/>
               </p:ext>
             </p:extLst>
           </p:nvPr>
@@ -10878,7 +10878,11 @@
                       <a:pPr algn="ctr"/>
                       <a:r>
                         <a:rPr lang="en-US" sz="1600" dirty="0" smtClean="0"/>
-                        <a:t>5510 (45)</a:t>
+                        <a:t>5510 </a:t>
+                      </a:r>
+                      <a:r>
+                        <a:rPr lang="en-US" sz="1600" dirty="0" smtClean="0"/>
+                        <a:t>(103)</a:t>
                       </a:r>
                       <a:endParaRPr lang="en-US" sz="1600" dirty="0"/>
                     </a:p>
@@ -10930,7 +10934,11 @@
                       <a:pPr algn="ctr"/>
                       <a:r>
                         <a:rPr lang="en-US" sz="1600" dirty="0" smtClean="0"/>
-                        <a:t>6780 (52)</a:t>
+                        <a:t>6780 </a:t>
+                      </a:r>
+                      <a:r>
+                        <a:rPr lang="en-US" sz="1600" dirty="0" smtClean="0"/>
+                        <a:t>(116)</a:t>
                       </a:r>
                       <a:endParaRPr lang="en-US" sz="1600" dirty="0"/>
                     </a:p>
@@ -11047,6 +11055,44 @@
               <a:t>index SNPs: </a:t>
             </a:r>
             <a:endParaRPr lang="en-US" dirty="0"/>
+          </a:p>
+        </p:txBody>
+      </p:sp>
+      <p:sp>
+        <p:nvSpPr>
+          <p:cNvPr id="9" name="TextBox 8"/>
+          <p:cNvSpPr txBox="1"/>
+          <p:nvPr/>
+        </p:nvSpPr>
+        <p:spPr>
+          <a:xfrm>
+            <a:off x="7259594" y="3823877"/>
+            <a:ext cx="1427205" cy="369332"/>
+          </a:xfrm>
+          <a:prstGeom prst="rect">
+            <a:avLst/>
+          </a:prstGeom>
+          <a:noFill/>
+        </p:spPr>
+        <p:txBody>
+          <a:bodyPr wrap="square" rtlCol="0">
+            <a:spAutoFit/>
+          </a:bodyPr>
+          <a:lstStyle/>
+          <a:p>
+            <a:r>
+              <a:rPr lang="en-US" dirty="0" smtClean="0">
+                <a:solidFill>
+                  <a:srgbClr val="C00000"/>
+                </a:solidFill>
+              </a:rPr>
+              <a:t>Updated 9/5:</a:t>
+            </a:r>
+            <a:endParaRPr lang="en-US" dirty="0">
+              <a:solidFill>
+                <a:srgbClr val="C00000"/>
+              </a:solidFill>
+            </a:endParaRPr>
           </a:p>
         </p:txBody>
       </p:sp>
@@ -11159,7 +11205,7 @@
           <p:nvPr>
             <p:extLst>
               <p:ext uri="{D42A27DB-BD31-4B8C-83A1-F6EECF244321}">
-                <p14:modId xmlns:p14="http://schemas.microsoft.com/office/powerpoint/2010/main" val="2895277277"/>
+                <p14:modId xmlns:p14="http://schemas.microsoft.com/office/powerpoint/2010/main" val="1022215123"/>
               </p:ext>
             </p:extLst>
           </p:nvPr>
@@ -11420,7 +11466,11 @@
                       <a:pPr algn="ctr"/>
                       <a:r>
                         <a:rPr lang="en-US" sz="1600" dirty="0" smtClean="0"/>
-                        <a:t>5510 (45)</a:t>
+                        <a:t>5510 </a:t>
+                      </a:r>
+                      <a:r>
+                        <a:rPr lang="en-US" sz="1600" dirty="0" smtClean="0"/>
+                        <a:t>(103)</a:t>
                       </a:r>
                       <a:endParaRPr lang="en-US" sz="1600" dirty="0"/>
                     </a:p>
@@ -11472,7 +11522,11 @@
                       <a:pPr algn="ctr"/>
                       <a:r>
                         <a:rPr lang="en-US" sz="1600" dirty="0" smtClean="0"/>
-                        <a:t>6780 (52)</a:t>
+                        <a:t>6780 </a:t>
+                      </a:r>
+                      <a:r>
+                        <a:rPr lang="en-US" sz="1600" dirty="0" smtClean="0"/>
+                        <a:t>(116)</a:t>
                       </a:r>
                       <a:endParaRPr lang="en-US" sz="1600" dirty="0"/>
                     </a:p>
@@ -14925,7 +14979,7 @@
           <p:nvPr>
             <p:extLst>
               <p:ext uri="{D42A27DB-BD31-4B8C-83A1-F6EECF244321}">
-                <p14:modId xmlns:p14="http://schemas.microsoft.com/office/powerpoint/2010/main" val="1531797971"/>
+                <p14:modId xmlns:p14="http://schemas.microsoft.com/office/powerpoint/2010/main" val="4220634214"/>
               </p:ext>
             </p:extLst>
           </p:nvPr>
@@ -15186,7 +15240,11 @@
                       <a:pPr algn="ctr"/>
                       <a:r>
                         <a:rPr lang="en-US" sz="1600" dirty="0" smtClean="0"/>
-                        <a:t>5510 (45)</a:t>
+                        <a:t>5510 </a:t>
+                      </a:r>
+                      <a:r>
+                        <a:rPr lang="en-US" sz="1600" dirty="0" smtClean="0"/>
+                        <a:t>(103)</a:t>
                       </a:r>
                       <a:endParaRPr lang="en-US" sz="1600" dirty="0"/>
                     </a:p>
@@ -15238,7 +15296,11 @@
                       <a:pPr algn="ctr"/>
                       <a:r>
                         <a:rPr lang="en-US" sz="1600" dirty="0" smtClean="0"/>
-                        <a:t>6780 (52)</a:t>
+                        <a:t>6780 </a:t>
+                      </a:r>
+                      <a:r>
+                        <a:rPr lang="en-US" sz="1600" dirty="0" smtClean="0"/>
+                        <a:t>(116)</a:t>
                       </a:r>
                       <a:endParaRPr lang="en-US" sz="1600" dirty="0"/>
                     </a:p>
@@ -15296,6 +15358,3705 @@
     <p:extLst>
       <p:ext uri="{BB962C8B-B14F-4D97-AF65-F5344CB8AC3E}">
         <p14:creationId xmlns:p14="http://schemas.microsoft.com/office/powerpoint/2010/main" val="2698720002"/>
+      </p:ext>
+    </p:extLst>
+  </p:cSld>
+  <p:clrMapOvr>
+    <a:masterClrMapping/>
+  </p:clrMapOvr>
+</p:sld>
+</file>
+
+<file path=ppt/slides/slide8.xml><?xml version="1.0" encoding="utf-8"?>
+<p:sld xmlns:a="http://schemas.openxmlformats.org/drawingml/2006/main" xmlns:r="http://schemas.openxmlformats.org/officeDocument/2006/relationships" xmlns:p="http://schemas.openxmlformats.org/presentationml/2006/main">
+  <p:cSld>
+    <p:spTree>
+      <p:nvGrpSpPr>
+        <p:cNvPr id="1" name=""/>
+        <p:cNvGrpSpPr/>
+        <p:nvPr/>
+      </p:nvGrpSpPr>
+      <p:grpSpPr>
+        <a:xfrm>
+          <a:off x="0" y="0"/>
+          <a:ext cx="0" cy="0"/>
+          <a:chOff x="0" y="0"/>
+          <a:chExt cx="0" cy="0"/>
+        </a:xfrm>
+      </p:grpSpPr>
+      <p:sp>
+        <p:nvSpPr>
+          <p:cNvPr id="2" name="Title 1">
+            <a:extLst>
+              <a:ext uri="{FF2B5EF4-FFF2-40B4-BE49-F238E27FC236}">
+                <a16:creationId xmlns:a16="http://schemas.microsoft.com/office/drawing/2014/main" id="{5CFE0278-5FE9-4F97-9C97-2D0BFFE62AE7}"/>
+              </a:ext>
+            </a:extLst>
+          </p:cNvPr>
+          <p:cNvSpPr>
+            <a:spLocks noGrp="1"/>
+          </p:cNvSpPr>
+          <p:nvPr>
+            <p:ph type="title"/>
+          </p:nvPr>
+        </p:nvSpPr>
+        <p:spPr>
+          <a:xfrm>
+            <a:off x="734781" y="407530"/>
+            <a:ext cx="10058400" cy="839291"/>
+          </a:xfrm>
+        </p:spPr>
+        <p:txBody>
+          <a:bodyPr/>
+          <a:lstStyle/>
+          <a:p>
+            <a:r>
+              <a:rPr lang="en-US" dirty="0">
+                <a:latin typeface="+mn-lt"/>
+              </a:rPr>
+              <a:t>Overall </a:t>
+            </a:r>
+            <a:r>
+              <a:rPr lang="en-US" dirty="0" err="1">
+                <a:latin typeface="+mn-lt"/>
+              </a:rPr>
+              <a:t>eQTLs</a:t>
+            </a:r>
+            <a:r>
+              <a:rPr lang="en-US" dirty="0">
+                <a:latin typeface="+mn-lt"/>
+              </a:rPr>
+              <a:t> at </a:t>
+            </a:r>
+            <a:r>
+              <a:rPr lang="en-US" dirty="0" smtClean="0">
+                <a:latin typeface="+mn-lt"/>
+              </a:rPr>
+              <a:t>FDR &lt; 1% </a:t>
+            </a:r>
+            <a:r>
+              <a:rPr lang="en-US" dirty="0"/>
+              <a:t>- </a:t>
+            </a:r>
+            <a:r>
+              <a:rPr lang="en-US" dirty="0" err="1"/>
+              <a:t>rAggr</a:t>
+            </a:r>
+            <a:endParaRPr lang="en-US" dirty="0">
+              <a:latin typeface="+mn-lt"/>
+            </a:endParaRPr>
+          </a:p>
+        </p:txBody>
+      </p:sp>
+      <p:graphicFrame>
+        <p:nvGraphicFramePr>
+          <p:cNvPr id="3" name="Table 2"/>
+          <p:cNvGraphicFramePr>
+            <a:graphicFrameLocks noGrp="1"/>
+          </p:cNvGraphicFramePr>
+          <p:nvPr>
+            <p:extLst>
+              <p:ext uri="{D42A27DB-BD31-4B8C-83A1-F6EECF244321}">
+                <p14:modId xmlns:p14="http://schemas.microsoft.com/office/powerpoint/2010/main" val="1464596246"/>
+              </p:ext>
+            </p:extLst>
+          </p:nvPr>
+        </p:nvGraphicFramePr>
+        <p:xfrm>
+          <a:off x="182878" y="3673178"/>
+          <a:ext cx="11790827" cy="1959528"/>
+        </p:xfrm>
+        <a:graphic>
+          <a:graphicData uri="http://schemas.openxmlformats.org/drawingml/2006/table">
+            <a:tbl>
+              <a:tblPr firstCol="1" bandRow="1">
+                <a:tableStyleId>{073A0DAA-6AF3-43AB-8588-CEC1D06C72B9}</a:tableStyleId>
+              </a:tblPr>
+              <a:tblGrid>
+                <a:gridCol w="734603">
+                  <a:extLst>
+                    <a:ext uri="{9D8B030D-6E8A-4147-A177-3AD203B41FA5}">
+                      <a16:colId xmlns:a16="http://schemas.microsoft.com/office/drawing/2014/main" val="321783189"/>
+                    </a:ext>
+                  </a:extLst>
+                </a:gridCol>
+                <a:gridCol w="419417">
+                  <a:extLst>
+                    <a:ext uri="{9D8B030D-6E8A-4147-A177-3AD203B41FA5}">
+                      <a16:colId xmlns:a16="http://schemas.microsoft.com/office/drawing/2014/main" val="983072481"/>
+                    </a:ext>
+                  </a:extLst>
+                </a:gridCol>
+                <a:gridCol w="419417">
+                  <a:extLst>
+                    <a:ext uri="{9D8B030D-6E8A-4147-A177-3AD203B41FA5}">
+                      <a16:colId xmlns:a16="http://schemas.microsoft.com/office/drawing/2014/main" val="1542481117"/>
+                    </a:ext>
+                  </a:extLst>
+                </a:gridCol>
+                <a:gridCol w="419417">
+                  <a:extLst>
+                    <a:ext uri="{9D8B030D-6E8A-4147-A177-3AD203B41FA5}">
+                      <a16:colId xmlns:a16="http://schemas.microsoft.com/office/drawing/2014/main" val="47893457"/>
+                    </a:ext>
+                  </a:extLst>
+                </a:gridCol>
+                <a:gridCol w="419417">
+                  <a:extLst>
+                    <a:ext uri="{9D8B030D-6E8A-4147-A177-3AD203B41FA5}">
+                      <a16:colId xmlns:a16="http://schemas.microsoft.com/office/drawing/2014/main" val="2212632435"/>
+                    </a:ext>
+                  </a:extLst>
+                </a:gridCol>
+                <a:gridCol w="419417">
+                  <a:extLst>
+                    <a:ext uri="{9D8B030D-6E8A-4147-A177-3AD203B41FA5}">
+                      <a16:colId xmlns:a16="http://schemas.microsoft.com/office/drawing/2014/main" val="3242244007"/>
+                    </a:ext>
+                  </a:extLst>
+                </a:gridCol>
+                <a:gridCol w="419417">
+                  <a:extLst>
+                    <a:ext uri="{9D8B030D-6E8A-4147-A177-3AD203B41FA5}">
+                      <a16:colId xmlns:a16="http://schemas.microsoft.com/office/drawing/2014/main" val="373322989"/>
+                    </a:ext>
+                  </a:extLst>
+                </a:gridCol>
+                <a:gridCol w="419417">
+                  <a:extLst>
+                    <a:ext uri="{9D8B030D-6E8A-4147-A177-3AD203B41FA5}">
+                      <a16:colId xmlns:a16="http://schemas.microsoft.com/office/drawing/2014/main" val="2004755825"/>
+                    </a:ext>
+                  </a:extLst>
+                </a:gridCol>
+                <a:gridCol w="419417">
+                  <a:extLst>
+                    <a:ext uri="{9D8B030D-6E8A-4147-A177-3AD203B41FA5}">
+                      <a16:colId xmlns:a16="http://schemas.microsoft.com/office/drawing/2014/main" val="3632885095"/>
+                    </a:ext>
+                  </a:extLst>
+                </a:gridCol>
+                <a:gridCol w="419417">
+                  <a:extLst>
+                    <a:ext uri="{9D8B030D-6E8A-4147-A177-3AD203B41FA5}">
+                      <a16:colId xmlns:a16="http://schemas.microsoft.com/office/drawing/2014/main" val="3440648747"/>
+                    </a:ext>
+                  </a:extLst>
+                </a:gridCol>
+                <a:gridCol w="419417">
+                  <a:extLst>
+                    <a:ext uri="{9D8B030D-6E8A-4147-A177-3AD203B41FA5}">
+                      <a16:colId xmlns:a16="http://schemas.microsoft.com/office/drawing/2014/main" val="194009094"/>
+                    </a:ext>
+                  </a:extLst>
+                </a:gridCol>
+                <a:gridCol w="419417">
+                  <a:extLst>
+                    <a:ext uri="{9D8B030D-6E8A-4147-A177-3AD203B41FA5}">
+                      <a16:colId xmlns:a16="http://schemas.microsoft.com/office/drawing/2014/main" val="1813486093"/>
+                    </a:ext>
+                  </a:extLst>
+                </a:gridCol>
+                <a:gridCol w="419417">
+                  <a:extLst>
+                    <a:ext uri="{9D8B030D-6E8A-4147-A177-3AD203B41FA5}">
+                      <a16:colId xmlns:a16="http://schemas.microsoft.com/office/drawing/2014/main" val="81180624"/>
+                    </a:ext>
+                  </a:extLst>
+                </a:gridCol>
+                <a:gridCol w="419417">
+                  <a:extLst>
+                    <a:ext uri="{9D8B030D-6E8A-4147-A177-3AD203B41FA5}">
+                      <a16:colId xmlns:a16="http://schemas.microsoft.com/office/drawing/2014/main" val="674025747"/>
+                    </a:ext>
+                  </a:extLst>
+                </a:gridCol>
+                <a:gridCol w="419417">
+                  <a:extLst>
+                    <a:ext uri="{9D8B030D-6E8A-4147-A177-3AD203B41FA5}">
+                      <a16:colId xmlns:a16="http://schemas.microsoft.com/office/drawing/2014/main" val="983902903"/>
+                    </a:ext>
+                  </a:extLst>
+                </a:gridCol>
+                <a:gridCol w="419417">
+                  <a:extLst>
+                    <a:ext uri="{9D8B030D-6E8A-4147-A177-3AD203B41FA5}">
+                      <a16:colId xmlns:a16="http://schemas.microsoft.com/office/drawing/2014/main" val="2464655292"/>
+                    </a:ext>
+                  </a:extLst>
+                </a:gridCol>
+                <a:gridCol w="419417">
+                  <a:extLst>
+                    <a:ext uri="{9D8B030D-6E8A-4147-A177-3AD203B41FA5}">
+                      <a16:colId xmlns:a16="http://schemas.microsoft.com/office/drawing/2014/main" val="3388589090"/>
+                    </a:ext>
+                  </a:extLst>
+                </a:gridCol>
+                <a:gridCol w="419417">
+                  <a:extLst>
+                    <a:ext uri="{9D8B030D-6E8A-4147-A177-3AD203B41FA5}">
+                      <a16:colId xmlns:a16="http://schemas.microsoft.com/office/drawing/2014/main" val="672264503"/>
+                    </a:ext>
+                  </a:extLst>
+                </a:gridCol>
+                <a:gridCol w="419417">
+                  <a:extLst>
+                    <a:ext uri="{9D8B030D-6E8A-4147-A177-3AD203B41FA5}">
+                      <a16:colId xmlns:a16="http://schemas.microsoft.com/office/drawing/2014/main" val="2903210534"/>
+                    </a:ext>
+                  </a:extLst>
+                </a:gridCol>
+                <a:gridCol w="419417">
+                  <a:extLst>
+                    <a:ext uri="{9D8B030D-6E8A-4147-A177-3AD203B41FA5}">
+                      <a16:colId xmlns:a16="http://schemas.microsoft.com/office/drawing/2014/main" val="3914328701"/>
+                    </a:ext>
+                  </a:extLst>
+                </a:gridCol>
+                <a:gridCol w="419417">
+                  <a:extLst>
+                    <a:ext uri="{9D8B030D-6E8A-4147-A177-3AD203B41FA5}">
+                      <a16:colId xmlns:a16="http://schemas.microsoft.com/office/drawing/2014/main" val="1395181067"/>
+                    </a:ext>
+                  </a:extLst>
+                </a:gridCol>
+                <a:gridCol w="419417">
+                  <a:extLst>
+                    <a:ext uri="{9D8B030D-6E8A-4147-A177-3AD203B41FA5}">
+                      <a16:colId xmlns:a16="http://schemas.microsoft.com/office/drawing/2014/main" val="49607373"/>
+                    </a:ext>
+                  </a:extLst>
+                </a:gridCol>
+                <a:gridCol w="419417">
+                  <a:extLst>
+                    <a:ext uri="{9D8B030D-6E8A-4147-A177-3AD203B41FA5}">
+                      <a16:colId xmlns:a16="http://schemas.microsoft.com/office/drawing/2014/main" val="2766919843"/>
+                    </a:ext>
+                  </a:extLst>
+                </a:gridCol>
+                <a:gridCol w="419417">
+                  <a:extLst>
+                    <a:ext uri="{9D8B030D-6E8A-4147-A177-3AD203B41FA5}">
+                      <a16:colId xmlns:a16="http://schemas.microsoft.com/office/drawing/2014/main" val="3360177626"/>
+                    </a:ext>
+                  </a:extLst>
+                </a:gridCol>
+                <a:gridCol w="419417">
+                  <a:extLst>
+                    <a:ext uri="{9D8B030D-6E8A-4147-A177-3AD203B41FA5}">
+                      <a16:colId xmlns:a16="http://schemas.microsoft.com/office/drawing/2014/main" val="2323266073"/>
+                    </a:ext>
+                  </a:extLst>
+                </a:gridCol>
+                <a:gridCol w="419417">
+                  <a:extLst>
+                    <a:ext uri="{9D8B030D-6E8A-4147-A177-3AD203B41FA5}">
+                      <a16:colId xmlns:a16="http://schemas.microsoft.com/office/drawing/2014/main" val="1672443541"/>
+                    </a:ext>
+                  </a:extLst>
+                </a:gridCol>
+                <a:gridCol w="570799">
+                  <a:extLst>
+                    <a:ext uri="{9D8B030D-6E8A-4147-A177-3AD203B41FA5}">
+                      <a16:colId xmlns:a16="http://schemas.microsoft.com/office/drawing/2014/main" val="2653118477"/>
+                    </a:ext>
+                  </a:extLst>
+                </a:gridCol>
+              </a:tblGrid>
+              <a:tr h="489882">
+                <a:tc rowSpan="2">
+                  <a:txBody>
+                    <a:bodyPr/>
+                    <a:lstStyle/>
+                    <a:p>
+                      <a:pPr algn="ctr"/>
+                      <a:r>
+                        <a:rPr lang="en-US" sz="1400" dirty="0" smtClean="0"/>
+                        <a:t>Hippo</a:t>
+                      </a:r>
+                      <a:endParaRPr lang="en-US" sz="1400" dirty="0"/>
+                    </a:p>
+                  </a:txBody>
+                  <a:tcPr anchor="ctr">
+                    <a:lnL w="12700" cap="flat" cmpd="sng" algn="ctr">
+                      <a:solidFill>
+                        <a:schemeClr val="tx1"/>
+                      </a:solidFill>
+                      <a:prstDash val="solid"/>
+                      <a:round/>
+                      <a:headEnd type="none" w="med" len="med"/>
+                      <a:tailEnd type="none" w="med" len="med"/>
+                    </a:lnL>
+                    <a:lnT w="12700" cap="flat" cmpd="sng" algn="ctr">
+                      <a:solidFill>
+                        <a:schemeClr val="tx1"/>
+                      </a:solidFill>
+                      <a:prstDash val="solid"/>
+                      <a:round/>
+                      <a:headEnd type="none" w="med" len="med"/>
+                      <a:tailEnd type="none" w="med" len="med"/>
+                    </a:lnT>
+                    <a:lnB w="12700" cap="flat" cmpd="sng" algn="ctr">
+                      <a:solidFill>
+                        <a:schemeClr val="tx1"/>
+                      </a:solidFill>
+                      <a:prstDash val="solid"/>
+                      <a:round/>
+                      <a:headEnd type="none" w="med" len="med"/>
+                      <a:tailEnd type="none" w="med" len="med"/>
+                    </a:lnB>
+                  </a:tcPr>
+                </a:tc>
+                <a:tc>
+                  <a:txBody>
+                    <a:bodyPr/>
+                    <a:lstStyle/>
+                    <a:p>
+                      <a:pPr algn="ctr"/>
+                      <a:r>
+                        <a:rPr lang="en-US" sz="1400" dirty="0" smtClean="0"/>
+                        <a:t>1</a:t>
+                      </a:r>
+                      <a:endParaRPr lang="en-US" sz="1400" dirty="0"/>
+                    </a:p>
+                  </a:txBody>
+                  <a:tcPr anchor="ctr">
+                    <a:lnT w="12700" cap="flat" cmpd="sng" algn="ctr">
+                      <a:solidFill>
+                        <a:schemeClr val="tx1"/>
+                      </a:solidFill>
+                      <a:prstDash val="solid"/>
+                      <a:round/>
+                      <a:headEnd type="none" w="med" len="med"/>
+                      <a:tailEnd type="none" w="med" len="med"/>
+                    </a:lnT>
+                  </a:tcPr>
+                </a:tc>
+                <a:tc>
+                  <a:txBody>
+                    <a:bodyPr/>
+                    <a:lstStyle/>
+                    <a:p>
+                      <a:pPr algn="ctr"/>
+                      <a:r>
+                        <a:rPr lang="en-US" sz="1400" dirty="0" smtClean="0"/>
+                        <a:t>2</a:t>
+                      </a:r>
+                      <a:endParaRPr lang="en-US" sz="1400" dirty="0"/>
+                    </a:p>
+                  </a:txBody>
+                  <a:tcPr anchor="ctr">
+                    <a:lnT w="12700" cap="flat" cmpd="sng" algn="ctr">
+                      <a:solidFill>
+                        <a:schemeClr val="tx1"/>
+                      </a:solidFill>
+                      <a:prstDash val="solid"/>
+                      <a:round/>
+                      <a:headEnd type="none" w="med" len="med"/>
+                      <a:tailEnd type="none" w="med" len="med"/>
+                    </a:lnT>
+                  </a:tcPr>
+                </a:tc>
+                <a:tc>
+                  <a:txBody>
+                    <a:bodyPr/>
+                    <a:lstStyle/>
+                    <a:p>
+                      <a:pPr algn="ctr"/>
+                      <a:r>
+                        <a:rPr lang="en-US" sz="1400" dirty="0" smtClean="0"/>
+                        <a:t>3</a:t>
+                      </a:r>
+                      <a:endParaRPr lang="en-US" sz="1400" dirty="0"/>
+                    </a:p>
+                  </a:txBody>
+                  <a:tcPr anchor="ctr">
+                    <a:lnT w="12700" cap="flat" cmpd="sng" algn="ctr">
+                      <a:solidFill>
+                        <a:schemeClr val="tx1"/>
+                      </a:solidFill>
+                      <a:prstDash val="solid"/>
+                      <a:round/>
+                      <a:headEnd type="none" w="med" len="med"/>
+                      <a:tailEnd type="none" w="med" len="med"/>
+                    </a:lnT>
+                  </a:tcPr>
+                </a:tc>
+                <a:tc>
+                  <a:txBody>
+                    <a:bodyPr/>
+                    <a:lstStyle/>
+                    <a:p>
+                      <a:pPr algn="ctr"/>
+                      <a:r>
+                        <a:rPr lang="en-US" sz="1400" dirty="0" smtClean="0"/>
+                        <a:t>4</a:t>
+                      </a:r>
+                      <a:endParaRPr lang="en-US" sz="1400" dirty="0"/>
+                    </a:p>
+                  </a:txBody>
+                  <a:tcPr anchor="ctr">
+                    <a:lnT w="12700" cap="flat" cmpd="sng" algn="ctr">
+                      <a:solidFill>
+                        <a:schemeClr val="tx1"/>
+                      </a:solidFill>
+                      <a:prstDash val="solid"/>
+                      <a:round/>
+                      <a:headEnd type="none" w="med" len="med"/>
+                      <a:tailEnd type="none" w="med" len="med"/>
+                    </a:lnT>
+                  </a:tcPr>
+                </a:tc>
+                <a:tc>
+                  <a:txBody>
+                    <a:bodyPr/>
+                    <a:lstStyle/>
+                    <a:p>
+                      <a:pPr algn="ctr"/>
+                      <a:r>
+                        <a:rPr lang="en-US" sz="1400" dirty="0" smtClean="0"/>
+                        <a:t>5</a:t>
+                      </a:r>
+                      <a:endParaRPr lang="en-US" sz="1400" dirty="0"/>
+                    </a:p>
+                  </a:txBody>
+                  <a:tcPr anchor="ctr">
+                    <a:lnT w="12700" cap="flat" cmpd="sng" algn="ctr">
+                      <a:solidFill>
+                        <a:schemeClr val="tx1"/>
+                      </a:solidFill>
+                      <a:prstDash val="solid"/>
+                      <a:round/>
+                      <a:headEnd type="none" w="med" len="med"/>
+                      <a:tailEnd type="none" w="med" len="med"/>
+                    </a:lnT>
+                  </a:tcPr>
+                </a:tc>
+                <a:tc>
+                  <a:txBody>
+                    <a:bodyPr/>
+                    <a:lstStyle/>
+                    <a:p>
+                      <a:pPr algn="ctr"/>
+                      <a:r>
+                        <a:rPr lang="en-US" sz="1400" dirty="0" smtClean="0"/>
+                        <a:t>6</a:t>
+                      </a:r>
+                      <a:endParaRPr lang="en-US" sz="1400" dirty="0"/>
+                    </a:p>
+                  </a:txBody>
+                  <a:tcPr anchor="ctr">
+                    <a:lnT w="12700" cap="flat" cmpd="sng" algn="ctr">
+                      <a:solidFill>
+                        <a:schemeClr val="tx1"/>
+                      </a:solidFill>
+                      <a:prstDash val="solid"/>
+                      <a:round/>
+                      <a:headEnd type="none" w="med" len="med"/>
+                      <a:tailEnd type="none" w="med" len="med"/>
+                    </a:lnT>
+                  </a:tcPr>
+                </a:tc>
+                <a:tc>
+                  <a:txBody>
+                    <a:bodyPr/>
+                    <a:lstStyle/>
+                    <a:p>
+                      <a:pPr algn="ctr"/>
+                      <a:r>
+                        <a:rPr lang="en-US" sz="1400" dirty="0" smtClean="0"/>
+                        <a:t>7</a:t>
+                      </a:r>
+                      <a:endParaRPr lang="en-US" sz="1400" dirty="0"/>
+                    </a:p>
+                  </a:txBody>
+                  <a:tcPr anchor="ctr">
+                    <a:lnT w="12700" cap="flat" cmpd="sng" algn="ctr">
+                      <a:solidFill>
+                        <a:schemeClr val="tx1"/>
+                      </a:solidFill>
+                      <a:prstDash val="solid"/>
+                      <a:round/>
+                      <a:headEnd type="none" w="med" len="med"/>
+                      <a:tailEnd type="none" w="med" len="med"/>
+                    </a:lnT>
+                  </a:tcPr>
+                </a:tc>
+                <a:tc>
+                  <a:txBody>
+                    <a:bodyPr/>
+                    <a:lstStyle/>
+                    <a:p>
+                      <a:pPr algn="ctr"/>
+                      <a:r>
+                        <a:rPr lang="en-US" sz="1400" dirty="0" smtClean="0"/>
+                        <a:t>8</a:t>
+                      </a:r>
+                      <a:endParaRPr lang="en-US" sz="1400" dirty="0"/>
+                    </a:p>
+                  </a:txBody>
+                  <a:tcPr anchor="ctr">
+                    <a:lnT w="12700" cap="flat" cmpd="sng" algn="ctr">
+                      <a:solidFill>
+                        <a:schemeClr val="tx1"/>
+                      </a:solidFill>
+                      <a:prstDash val="solid"/>
+                      <a:round/>
+                      <a:headEnd type="none" w="med" len="med"/>
+                      <a:tailEnd type="none" w="med" len="med"/>
+                    </a:lnT>
+                  </a:tcPr>
+                </a:tc>
+                <a:tc>
+                  <a:txBody>
+                    <a:bodyPr/>
+                    <a:lstStyle/>
+                    <a:p>
+                      <a:pPr algn="ctr"/>
+                      <a:r>
+                        <a:rPr lang="en-US" sz="1400" dirty="0" smtClean="0"/>
+                        <a:t>9</a:t>
+                      </a:r>
+                      <a:endParaRPr lang="en-US" sz="1400" dirty="0"/>
+                    </a:p>
+                  </a:txBody>
+                  <a:tcPr anchor="ctr">
+                    <a:lnT w="12700" cap="flat" cmpd="sng" algn="ctr">
+                      <a:solidFill>
+                        <a:schemeClr val="tx1"/>
+                      </a:solidFill>
+                      <a:prstDash val="solid"/>
+                      <a:round/>
+                      <a:headEnd type="none" w="med" len="med"/>
+                      <a:tailEnd type="none" w="med" len="med"/>
+                    </a:lnT>
+                  </a:tcPr>
+                </a:tc>
+                <a:tc>
+                  <a:txBody>
+                    <a:bodyPr/>
+                    <a:lstStyle/>
+                    <a:p>
+                      <a:pPr algn="ctr"/>
+                      <a:r>
+                        <a:rPr lang="en-US" sz="1400" dirty="0" smtClean="0"/>
+                        <a:t>10</a:t>
+                      </a:r>
+                      <a:endParaRPr lang="en-US" sz="1400" dirty="0"/>
+                    </a:p>
+                  </a:txBody>
+                  <a:tcPr anchor="ctr">
+                    <a:lnT w="12700" cap="flat" cmpd="sng" algn="ctr">
+                      <a:solidFill>
+                        <a:schemeClr val="tx1"/>
+                      </a:solidFill>
+                      <a:prstDash val="solid"/>
+                      <a:round/>
+                      <a:headEnd type="none" w="med" len="med"/>
+                      <a:tailEnd type="none" w="med" len="med"/>
+                    </a:lnT>
+                  </a:tcPr>
+                </a:tc>
+                <a:tc>
+                  <a:txBody>
+                    <a:bodyPr/>
+                    <a:lstStyle/>
+                    <a:p>
+                      <a:pPr algn="ctr"/>
+                      <a:r>
+                        <a:rPr lang="en-US" sz="1400" dirty="0" smtClean="0"/>
+                        <a:t>11</a:t>
+                      </a:r>
+                      <a:endParaRPr lang="en-US" sz="1400" dirty="0"/>
+                    </a:p>
+                  </a:txBody>
+                  <a:tcPr anchor="ctr">
+                    <a:lnT w="12700" cap="flat" cmpd="sng" algn="ctr">
+                      <a:solidFill>
+                        <a:schemeClr val="tx1"/>
+                      </a:solidFill>
+                      <a:prstDash val="solid"/>
+                      <a:round/>
+                      <a:headEnd type="none" w="med" len="med"/>
+                      <a:tailEnd type="none" w="med" len="med"/>
+                    </a:lnT>
+                  </a:tcPr>
+                </a:tc>
+                <a:tc>
+                  <a:txBody>
+                    <a:bodyPr/>
+                    <a:lstStyle/>
+                    <a:p>
+                      <a:pPr algn="ctr"/>
+                      <a:r>
+                        <a:rPr lang="en-US" sz="1400" dirty="0" smtClean="0"/>
+                        <a:t>12</a:t>
+                      </a:r>
+                      <a:endParaRPr lang="en-US" sz="1400" dirty="0"/>
+                    </a:p>
+                  </a:txBody>
+                  <a:tcPr anchor="ctr">
+                    <a:lnT w="12700" cap="flat" cmpd="sng" algn="ctr">
+                      <a:solidFill>
+                        <a:schemeClr val="tx1"/>
+                      </a:solidFill>
+                      <a:prstDash val="solid"/>
+                      <a:round/>
+                      <a:headEnd type="none" w="med" len="med"/>
+                      <a:tailEnd type="none" w="med" len="med"/>
+                    </a:lnT>
+                  </a:tcPr>
+                </a:tc>
+                <a:tc>
+                  <a:txBody>
+                    <a:bodyPr/>
+                    <a:lstStyle/>
+                    <a:p>
+                      <a:pPr algn="ctr"/>
+                      <a:r>
+                        <a:rPr lang="en-US" sz="1400" dirty="0" smtClean="0"/>
+                        <a:t>13</a:t>
+                      </a:r>
+                      <a:endParaRPr lang="en-US" sz="1400" dirty="0"/>
+                    </a:p>
+                  </a:txBody>
+                  <a:tcPr anchor="ctr">
+                    <a:lnT w="12700" cap="flat" cmpd="sng" algn="ctr">
+                      <a:solidFill>
+                        <a:schemeClr val="tx1"/>
+                      </a:solidFill>
+                      <a:prstDash val="solid"/>
+                      <a:round/>
+                      <a:headEnd type="none" w="med" len="med"/>
+                      <a:tailEnd type="none" w="med" len="med"/>
+                    </a:lnT>
+                  </a:tcPr>
+                </a:tc>
+                <a:tc>
+                  <a:txBody>
+                    <a:bodyPr/>
+                    <a:lstStyle/>
+                    <a:p>
+                      <a:pPr algn="ctr"/>
+                      <a:r>
+                        <a:rPr lang="en-US" sz="1400" dirty="0" smtClean="0"/>
+                        <a:t>14</a:t>
+                      </a:r>
+                      <a:endParaRPr lang="en-US" sz="1400" dirty="0"/>
+                    </a:p>
+                  </a:txBody>
+                  <a:tcPr anchor="ctr">
+                    <a:lnT w="12700" cap="flat" cmpd="sng" algn="ctr">
+                      <a:solidFill>
+                        <a:schemeClr val="tx1"/>
+                      </a:solidFill>
+                      <a:prstDash val="solid"/>
+                      <a:round/>
+                      <a:headEnd type="none" w="med" len="med"/>
+                      <a:tailEnd type="none" w="med" len="med"/>
+                    </a:lnT>
+                  </a:tcPr>
+                </a:tc>
+                <a:tc>
+                  <a:txBody>
+                    <a:bodyPr/>
+                    <a:lstStyle/>
+                    <a:p>
+                      <a:pPr algn="ctr"/>
+                      <a:r>
+                        <a:rPr lang="en-US" sz="1400" dirty="0" smtClean="0"/>
+                        <a:t>15</a:t>
+                      </a:r>
+                      <a:endParaRPr lang="en-US" sz="1400" dirty="0"/>
+                    </a:p>
+                  </a:txBody>
+                  <a:tcPr anchor="ctr">
+                    <a:lnT w="12700" cap="flat" cmpd="sng" algn="ctr">
+                      <a:solidFill>
+                        <a:schemeClr val="tx1"/>
+                      </a:solidFill>
+                      <a:prstDash val="solid"/>
+                      <a:round/>
+                      <a:headEnd type="none" w="med" len="med"/>
+                      <a:tailEnd type="none" w="med" len="med"/>
+                    </a:lnT>
+                  </a:tcPr>
+                </a:tc>
+                <a:tc>
+                  <a:txBody>
+                    <a:bodyPr/>
+                    <a:lstStyle/>
+                    <a:p>
+                      <a:pPr algn="ctr"/>
+                      <a:r>
+                        <a:rPr lang="en-US" sz="1400" dirty="0" smtClean="0"/>
+                        <a:t>16</a:t>
+                      </a:r>
+                      <a:endParaRPr lang="en-US" sz="1400" dirty="0"/>
+                    </a:p>
+                  </a:txBody>
+                  <a:tcPr anchor="ctr">
+                    <a:lnT w="12700" cap="flat" cmpd="sng" algn="ctr">
+                      <a:solidFill>
+                        <a:schemeClr val="tx1"/>
+                      </a:solidFill>
+                      <a:prstDash val="solid"/>
+                      <a:round/>
+                      <a:headEnd type="none" w="med" len="med"/>
+                      <a:tailEnd type="none" w="med" len="med"/>
+                    </a:lnT>
+                  </a:tcPr>
+                </a:tc>
+                <a:tc>
+                  <a:txBody>
+                    <a:bodyPr/>
+                    <a:lstStyle/>
+                    <a:p>
+                      <a:pPr algn="ctr"/>
+                      <a:r>
+                        <a:rPr lang="en-US" sz="1400" b="0" dirty="0" smtClean="0"/>
+                        <a:t>17</a:t>
+                      </a:r>
+                      <a:endParaRPr lang="en-US" sz="1400" b="0" dirty="0"/>
+                    </a:p>
+                  </a:txBody>
+                  <a:tcPr anchor="ctr">
+                    <a:lnT w="12700" cap="flat" cmpd="sng" algn="ctr">
+                      <a:solidFill>
+                        <a:schemeClr val="tx1"/>
+                      </a:solidFill>
+                      <a:prstDash val="solid"/>
+                      <a:round/>
+                      <a:headEnd type="none" w="med" len="med"/>
+                      <a:tailEnd type="none" w="med" len="med"/>
+                    </a:lnT>
+                  </a:tcPr>
+                </a:tc>
+                <a:tc>
+                  <a:txBody>
+                    <a:bodyPr/>
+                    <a:lstStyle/>
+                    <a:p>
+                      <a:pPr algn="ctr"/>
+                      <a:r>
+                        <a:rPr lang="en-US" sz="1400" b="0" dirty="0" smtClean="0"/>
+                        <a:t>18</a:t>
+                      </a:r>
+                      <a:endParaRPr lang="en-US" sz="1400" b="0" dirty="0"/>
+                    </a:p>
+                  </a:txBody>
+                  <a:tcPr anchor="ctr">
+                    <a:lnT w="12700" cap="flat" cmpd="sng" algn="ctr">
+                      <a:solidFill>
+                        <a:schemeClr val="tx1"/>
+                      </a:solidFill>
+                      <a:prstDash val="solid"/>
+                      <a:round/>
+                      <a:headEnd type="none" w="med" len="med"/>
+                      <a:tailEnd type="none" w="med" len="med"/>
+                    </a:lnT>
+                  </a:tcPr>
+                </a:tc>
+                <a:tc>
+                  <a:txBody>
+                    <a:bodyPr/>
+                    <a:lstStyle/>
+                    <a:p>
+                      <a:pPr algn="ctr"/>
+                      <a:r>
+                        <a:rPr lang="en-US" sz="1400" b="0" dirty="0" smtClean="0"/>
+                        <a:t>19</a:t>
+                      </a:r>
+                      <a:endParaRPr lang="en-US" sz="1400" b="0" dirty="0"/>
+                    </a:p>
+                  </a:txBody>
+                  <a:tcPr anchor="ctr">
+                    <a:lnT w="12700" cap="flat" cmpd="sng" algn="ctr">
+                      <a:solidFill>
+                        <a:schemeClr val="tx1"/>
+                      </a:solidFill>
+                      <a:prstDash val="solid"/>
+                      <a:round/>
+                      <a:headEnd type="none" w="med" len="med"/>
+                      <a:tailEnd type="none" w="med" len="med"/>
+                    </a:lnT>
+                  </a:tcPr>
+                </a:tc>
+                <a:tc>
+                  <a:txBody>
+                    <a:bodyPr/>
+                    <a:lstStyle/>
+                    <a:p>
+                      <a:pPr algn="ctr"/>
+                      <a:r>
+                        <a:rPr lang="en-US" sz="1400" b="0" dirty="0" smtClean="0"/>
+                        <a:t>20</a:t>
+                      </a:r>
+                      <a:endParaRPr lang="en-US" sz="1400" b="0" dirty="0"/>
+                    </a:p>
+                  </a:txBody>
+                  <a:tcPr anchor="ctr">
+                    <a:lnT w="12700" cap="flat" cmpd="sng" algn="ctr">
+                      <a:solidFill>
+                        <a:schemeClr val="tx1"/>
+                      </a:solidFill>
+                      <a:prstDash val="solid"/>
+                      <a:round/>
+                      <a:headEnd type="none" w="med" len="med"/>
+                      <a:tailEnd type="none" w="med" len="med"/>
+                    </a:lnT>
+                  </a:tcPr>
+                </a:tc>
+                <a:tc>
+                  <a:txBody>
+                    <a:bodyPr/>
+                    <a:lstStyle/>
+                    <a:p>
+                      <a:pPr algn="ctr"/>
+                      <a:r>
+                        <a:rPr lang="en-US" sz="1400" b="0" dirty="0" smtClean="0"/>
+                        <a:t>21</a:t>
+                      </a:r>
+                      <a:endParaRPr lang="en-US" sz="1400" b="0" dirty="0"/>
+                    </a:p>
+                  </a:txBody>
+                  <a:tcPr anchor="ctr">
+                    <a:lnT w="12700" cap="flat" cmpd="sng" algn="ctr">
+                      <a:solidFill>
+                        <a:schemeClr val="tx1"/>
+                      </a:solidFill>
+                      <a:prstDash val="solid"/>
+                      <a:round/>
+                      <a:headEnd type="none" w="med" len="med"/>
+                      <a:tailEnd type="none" w="med" len="med"/>
+                    </a:lnT>
+                  </a:tcPr>
+                </a:tc>
+                <a:tc>
+                  <a:txBody>
+                    <a:bodyPr/>
+                    <a:lstStyle/>
+                    <a:p>
+                      <a:pPr algn="ctr"/>
+                      <a:r>
+                        <a:rPr lang="en-US" sz="1400" b="0" dirty="0" smtClean="0"/>
+                        <a:t>22</a:t>
+                      </a:r>
+                      <a:endParaRPr lang="en-US" sz="1400" b="0" dirty="0"/>
+                    </a:p>
+                  </a:txBody>
+                  <a:tcPr anchor="ctr">
+                    <a:lnT w="12700" cap="flat" cmpd="sng" algn="ctr">
+                      <a:solidFill>
+                        <a:schemeClr val="tx1"/>
+                      </a:solidFill>
+                      <a:prstDash val="solid"/>
+                      <a:round/>
+                      <a:headEnd type="none" w="med" len="med"/>
+                      <a:tailEnd type="none" w="med" len="med"/>
+                    </a:lnT>
+                  </a:tcPr>
+                </a:tc>
+                <a:tc>
+                  <a:txBody>
+                    <a:bodyPr/>
+                    <a:lstStyle/>
+                    <a:p>
+                      <a:pPr algn="ctr"/>
+                      <a:r>
+                        <a:rPr lang="en-US" sz="1400" b="0" dirty="0" smtClean="0"/>
+                        <a:t>23</a:t>
+                      </a:r>
+                      <a:endParaRPr lang="en-US" sz="1400" b="0" dirty="0"/>
+                    </a:p>
+                  </a:txBody>
+                  <a:tcPr anchor="ctr">
+                    <a:lnT w="12700" cap="flat" cmpd="sng" algn="ctr">
+                      <a:solidFill>
+                        <a:schemeClr val="tx1"/>
+                      </a:solidFill>
+                      <a:prstDash val="solid"/>
+                      <a:round/>
+                      <a:headEnd type="none" w="med" len="med"/>
+                      <a:tailEnd type="none" w="med" len="med"/>
+                    </a:lnT>
+                  </a:tcPr>
+                </a:tc>
+                <a:tc>
+                  <a:txBody>
+                    <a:bodyPr/>
+                    <a:lstStyle/>
+                    <a:p>
+                      <a:pPr algn="ctr"/>
+                      <a:r>
+                        <a:rPr lang="en-US" sz="1400" b="0" dirty="0" smtClean="0"/>
+                        <a:t>24</a:t>
+                      </a:r>
+                      <a:endParaRPr lang="en-US" sz="1400" b="0" dirty="0"/>
+                    </a:p>
+                  </a:txBody>
+                  <a:tcPr anchor="ctr">
+                    <a:lnT w="12700" cap="flat" cmpd="sng" algn="ctr">
+                      <a:solidFill>
+                        <a:schemeClr val="tx1"/>
+                      </a:solidFill>
+                      <a:prstDash val="solid"/>
+                      <a:round/>
+                      <a:headEnd type="none" w="med" len="med"/>
+                      <a:tailEnd type="none" w="med" len="med"/>
+                    </a:lnT>
+                  </a:tcPr>
+                </a:tc>
+                <a:tc>
+                  <a:txBody>
+                    <a:bodyPr/>
+                    <a:lstStyle/>
+                    <a:p>
+                      <a:pPr algn="ctr"/>
+                      <a:r>
+                        <a:rPr lang="en-US" sz="1400" b="0" dirty="0" smtClean="0"/>
+                        <a:t>25</a:t>
+                      </a:r>
+                      <a:endParaRPr lang="en-US" sz="1400" b="0" dirty="0"/>
+                    </a:p>
+                  </a:txBody>
+                  <a:tcPr anchor="ctr">
+                    <a:lnT w="12700" cap="flat" cmpd="sng" algn="ctr">
+                      <a:solidFill>
+                        <a:schemeClr val="tx1"/>
+                      </a:solidFill>
+                      <a:prstDash val="solid"/>
+                      <a:round/>
+                      <a:headEnd type="none" w="med" len="med"/>
+                      <a:tailEnd type="none" w="med" len="med"/>
+                    </a:lnT>
+                  </a:tcPr>
+                </a:tc>
+                <a:tc>
+                  <a:txBody>
+                    <a:bodyPr/>
+                    <a:lstStyle/>
+                    <a:p>
+                      <a:pPr algn="ctr"/>
+                      <a:r>
+                        <a:rPr lang="en-US" sz="1400" b="1" dirty="0" smtClean="0"/>
+                        <a:t>Total</a:t>
+                      </a:r>
+                      <a:endParaRPr lang="en-US" sz="1400" b="1" dirty="0"/>
+                    </a:p>
+                  </a:txBody>
+                  <a:tcPr anchor="ctr">
+                    <a:lnR w="12700" cap="flat" cmpd="sng" algn="ctr">
+                      <a:solidFill>
+                        <a:schemeClr val="tx1"/>
+                      </a:solidFill>
+                      <a:prstDash val="solid"/>
+                      <a:round/>
+                      <a:headEnd type="none" w="med" len="med"/>
+                      <a:tailEnd type="none" w="med" len="med"/>
+                    </a:lnR>
+                    <a:lnT w="12700" cap="flat" cmpd="sng" algn="ctr">
+                      <a:solidFill>
+                        <a:schemeClr val="tx1"/>
+                      </a:solidFill>
+                      <a:prstDash val="solid"/>
+                      <a:round/>
+                      <a:headEnd type="none" w="med" len="med"/>
+                      <a:tailEnd type="none" w="med" len="med"/>
+                    </a:lnT>
+                  </a:tcPr>
+                </a:tc>
+                <a:extLst>
+                  <a:ext uri="{0D108BD9-81ED-4DB2-BD59-A6C34878D82A}">
+                    <a16:rowId xmlns:a16="http://schemas.microsoft.com/office/drawing/2014/main" val="3415911684"/>
+                  </a:ext>
+                </a:extLst>
+              </a:tr>
+              <a:tr h="489882">
+                <a:tc vMerge="1">
+                  <a:txBody>
+                    <a:bodyPr/>
+                    <a:lstStyle/>
+                    <a:p>
+                      <a:endParaRPr lang="en-US" dirty="0"/>
+                    </a:p>
+                  </a:txBody>
+                  <a:tcPr/>
+                </a:tc>
+                <a:tc>
+                  <a:txBody>
+                    <a:bodyPr/>
+                    <a:lstStyle/>
+                    <a:p>
+                      <a:pPr algn="ctr"/>
+                      <a:r>
+                        <a:rPr lang="en-US" sz="1400" dirty="0" smtClean="0"/>
+                        <a:t>38</a:t>
+                      </a:r>
+                      <a:endParaRPr lang="en-US" sz="1400" dirty="0"/>
+                    </a:p>
+                  </a:txBody>
+                  <a:tcPr anchor="ctr">
+                    <a:lnB w="12700" cap="flat" cmpd="sng" algn="ctr">
+                      <a:solidFill>
+                        <a:schemeClr val="tx1"/>
+                      </a:solidFill>
+                      <a:prstDash val="solid"/>
+                      <a:round/>
+                      <a:headEnd type="none" w="med" len="med"/>
+                      <a:tailEnd type="none" w="med" len="med"/>
+                    </a:lnB>
+                  </a:tcPr>
+                </a:tc>
+                <a:tc>
+                  <a:txBody>
+                    <a:bodyPr/>
+                    <a:lstStyle/>
+                    <a:p>
+                      <a:pPr algn="ctr"/>
+                      <a:r>
+                        <a:rPr lang="en-US" sz="1400" dirty="0" smtClean="0"/>
+                        <a:t>18</a:t>
+                      </a:r>
+                      <a:endParaRPr lang="en-US" sz="1400" dirty="0"/>
+                    </a:p>
+                  </a:txBody>
+                  <a:tcPr anchor="ctr">
+                    <a:lnB w="12700" cap="flat" cmpd="sng" algn="ctr">
+                      <a:solidFill>
+                        <a:schemeClr val="tx1"/>
+                      </a:solidFill>
+                      <a:prstDash val="solid"/>
+                      <a:round/>
+                      <a:headEnd type="none" w="med" len="med"/>
+                      <a:tailEnd type="none" w="med" len="med"/>
+                    </a:lnB>
+                  </a:tcPr>
+                </a:tc>
+                <a:tc>
+                  <a:txBody>
+                    <a:bodyPr/>
+                    <a:lstStyle/>
+                    <a:p>
+                      <a:pPr algn="ctr"/>
+                      <a:r>
+                        <a:rPr lang="en-US" sz="1400" dirty="0" smtClean="0"/>
+                        <a:t>13</a:t>
+                      </a:r>
+                      <a:endParaRPr lang="en-US" sz="1400" dirty="0"/>
+                    </a:p>
+                  </a:txBody>
+                  <a:tcPr anchor="ctr">
+                    <a:lnB w="12700" cap="flat" cmpd="sng" algn="ctr">
+                      <a:solidFill>
+                        <a:schemeClr val="tx1"/>
+                      </a:solidFill>
+                      <a:prstDash val="solid"/>
+                      <a:round/>
+                      <a:headEnd type="none" w="med" len="med"/>
+                      <a:tailEnd type="none" w="med" len="med"/>
+                    </a:lnB>
+                  </a:tcPr>
+                </a:tc>
+                <a:tc>
+                  <a:txBody>
+                    <a:bodyPr/>
+                    <a:lstStyle/>
+                    <a:p>
+                      <a:pPr algn="ctr"/>
+                      <a:r>
+                        <a:rPr lang="en-US" sz="1400" dirty="0" smtClean="0"/>
+                        <a:t>9</a:t>
+                      </a:r>
+                      <a:endParaRPr lang="en-US" sz="1400" dirty="0"/>
+                    </a:p>
+                  </a:txBody>
+                  <a:tcPr anchor="ctr">
+                    <a:lnB w="12700" cap="flat" cmpd="sng" algn="ctr">
+                      <a:solidFill>
+                        <a:schemeClr val="tx1"/>
+                      </a:solidFill>
+                      <a:prstDash val="solid"/>
+                      <a:round/>
+                      <a:headEnd type="none" w="med" len="med"/>
+                      <a:tailEnd type="none" w="med" len="med"/>
+                    </a:lnB>
+                  </a:tcPr>
+                </a:tc>
+                <a:tc>
+                  <a:txBody>
+                    <a:bodyPr/>
+                    <a:lstStyle/>
+                    <a:p>
+                      <a:pPr algn="ctr"/>
+                      <a:r>
+                        <a:rPr lang="en-US" sz="1400" dirty="0" smtClean="0"/>
+                        <a:t>4</a:t>
+                      </a:r>
+                      <a:endParaRPr lang="en-US" sz="1400" dirty="0"/>
+                    </a:p>
+                  </a:txBody>
+                  <a:tcPr anchor="ctr">
+                    <a:lnB w="12700" cap="flat" cmpd="sng" algn="ctr">
+                      <a:solidFill>
+                        <a:schemeClr val="tx1"/>
+                      </a:solidFill>
+                      <a:prstDash val="solid"/>
+                      <a:round/>
+                      <a:headEnd type="none" w="med" len="med"/>
+                      <a:tailEnd type="none" w="med" len="med"/>
+                    </a:lnB>
+                  </a:tcPr>
+                </a:tc>
+                <a:tc>
+                  <a:txBody>
+                    <a:bodyPr/>
+                    <a:lstStyle/>
+                    <a:p>
+                      <a:pPr algn="ctr"/>
+                      <a:r>
+                        <a:rPr lang="en-US" sz="1400" dirty="0" smtClean="0"/>
+                        <a:t>1</a:t>
+                      </a:r>
+                      <a:endParaRPr lang="en-US" sz="1400" dirty="0"/>
+                    </a:p>
+                  </a:txBody>
+                  <a:tcPr anchor="ctr">
+                    <a:lnB w="12700" cap="flat" cmpd="sng" algn="ctr">
+                      <a:solidFill>
+                        <a:schemeClr val="tx1"/>
+                      </a:solidFill>
+                      <a:prstDash val="solid"/>
+                      <a:round/>
+                      <a:headEnd type="none" w="med" len="med"/>
+                      <a:tailEnd type="none" w="med" len="med"/>
+                    </a:lnB>
+                  </a:tcPr>
+                </a:tc>
+                <a:tc>
+                  <a:txBody>
+                    <a:bodyPr/>
+                    <a:lstStyle/>
+                    <a:p>
+                      <a:pPr algn="ctr"/>
+                      <a:r>
+                        <a:rPr lang="en-US" sz="1400" dirty="0" smtClean="0"/>
+                        <a:t>4</a:t>
+                      </a:r>
+                      <a:endParaRPr lang="en-US" sz="1400" dirty="0"/>
+                    </a:p>
+                  </a:txBody>
+                  <a:tcPr anchor="ctr">
+                    <a:lnB w="12700" cap="flat" cmpd="sng" algn="ctr">
+                      <a:solidFill>
+                        <a:schemeClr val="tx1"/>
+                      </a:solidFill>
+                      <a:prstDash val="solid"/>
+                      <a:round/>
+                      <a:headEnd type="none" w="med" len="med"/>
+                      <a:tailEnd type="none" w="med" len="med"/>
+                    </a:lnB>
+                  </a:tcPr>
+                </a:tc>
+                <a:tc>
+                  <a:txBody>
+                    <a:bodyPr/>
+                    <a:lstStyle/>
+                    <a:p>
+                      <a:pPr algn="ctr"/>
+                      <a:r>
+                        <a:rPr lang="en-US" sz="1400" dirty="0" smtClean="0"/>
+                        <a:t>2</a:t>
+                      </a:r>
+                      <a:endParaRPr lang="en-US" sz="1400" dirty="0"/>
+                    </a:p>
+                  </a:txBody>
+                  <a:tcPr anchor="ctr">
+                    <a:lnB w="12700" cap="flat" cmpd="sng" algn="ctr">
+                      <a:solidFill>
+                        <a:schemeClr val="tx1"/>
+                      </a:solidFill>
+                      <a:prstDash val="solid"/>
+                      <a:round/>
+                      <a:headEnd type="none" w="med" len="med"/>
+                      <a:tailEnd type="none" w="med" len="med"/>
+                    </a:lnB>
+                  </a:tcPr>
+                </a:tc>
+                <a:tc>
+                  <a:txBody>
+                    <a:bodyPr/>
+                    <a:lstStyle/>
+                    <a:p>
+                      <a:pPr algn="ctr"/>
+                      <a:r>
+                        <a:rPr lang="en-US" sz="1400" dirty="0" smtClean="0"/>
+                        <a:t>5</a:t>
+                      </a:r>
+                      <a:endParaRPr lang="en-US" sz="1400" dirty="0"/>
+                    </a:p>
+                  </a:txBody>
+                  <a:tcPr anchor="ctr">
+                    <a:lnB w="12700" cap="flat" cmpd="sng" algn="ctr">
+                      <a:solidFill>
+                        <a:schemeClr val="tx1"/>
+                      </a:solidFill>
+                      <a:prstDash val="solid"/>
+                      <a:round/>
+                      <a:headEnd type="none" w="med" len="med"/>
+                      <a:tailEnd type="none" w="med" len="med"/>
+                    </a:lnB>
+                  </a:tcPr>
+                </a:tc>
+                <a:tc>
+                  <a:txBody>
+                    <a:bodyPr/>
+                    <a:lstStyle/>
+                    <a:p>
+                      <a:pPr algn="ctr"/>
+                      <a:r>
+                        <a:rPr lang="en-US" sz="1400" dirty="0" smtClean="0"/>
+                        <a:t>1</a:t>
+                      </a:r>
+                      <a:endParaRPr lang="en-US" sz="1400" dirty="0"/>
+                    </a:p>
+                  </a:txBody>
+                  <a:tcPr anchor="ctr">
+                    <a:lnB w="12700" cap="flat" cmpd="sng" algn="ctr">
+                      <a:solidFill>
+                        <a:schemeClr val="tx1"/>
+                      </a:solidFill>
+                      <a:prstDash val="solid"/>
+                      <a:round/>
+                      <a:headEnd type="none" w="med" len="med"/>
+                      <a:tailEnd type="none" w="med" len="med"/>
+                    </a:lnB>
+                  </a:tcPr>
+                </a:tc>
+                <a:tc>
+                  <a:txBody>
+                    <a:bodyPr/>
+                    <a:lstStyle/>
+                    <a:p>
+                      <a:pPr algn="ctr"/>
+                      <a:r>
+                        <a:rPr lang="en-US" sz="1400" dirty="0" smtClean="0"/>
+                        <a:t>1</a:t>
+                      </a:r>
+                      <a:endParaRPr lang="en-US" sz="1400" dirty="0"/>
+                    </a:p>
+                  </a:txBody>
+                  <a:tcPr anchor="ctr">
+                    <a:lnB w="12700" cap="flat" cmpd="sng" algn="ctr">
+                      <a:solidFill>
+                        <a:schemeClr val="tx1"/>
+                      </a:solidFill>
+                      <a:prstDash val="solid"/>
+                      <a:round/>
+                      <a:headEnd type="none" w="med" len="med"/>
+                      <a:tailEnd type="none" w="med" len="med"/>
+                    </a:lnB>
+                  </a:tcPr>
+                </a:tc>
+                <a:tc>
+                  <a:txBody>
+                    <a:bodyPr/>
+                    <a:lstStyle/>
+                    <a:p>
+                      <a:pPr algn="ctr"/>
+                      <a:r>
+                        <a:rPr lang="en-US" sz="1400" dirty="0" smtClean="0"/>
+                        <a:t>1</a:t>
+                      </a:r>
+                      <a:endParaRPr lang="en-US" sz="1400" dirty="0"/>
+                    </a:p>
+                  </a:txBody>
+                  <a:tcPr anchor="ctr">
+                    <a:lnB w="12700" cap="flat" cmpd="sng" algn="ctr">
+                      <a:solidFill>
+                        <a:schemeClr val="tx1"/>
+                      </a:solidFill>
+                      <a:prstDash val="solid"/>
+                      <a:round/>
+                      <a:headEnd type="none" w="med" len="med"/>
+                      <a:tailEnd type="none" w="med" len="med"/>
+                    </a:lnB>
+                  </a:tcPr>
+                </a:tc>
+                <a:tc>
+                  <a:txBody>
+                    <a:bodyPr/>
+                    <a:lstStyle/>
+                    <a:p>
+                      <a:pPr algn="ctr"/>
+                      <a:r>
+                        <a:rPr lang="en-US" sz="1400" dirty="0" smtClean="0">
+                          <a:solidFill>
+                            <a:schemeClr val="bg1">
+                              <a:lumMod val="50000"/>
+                            </a:schemeClr>
+                          </a:solidFill>
+                        </a:rPr>
+                        <a:t>-</a:t>
+                      </a:r>
+                      <a:endParaRPr lang="en-US" sz="1400" dirty="0">
+                        <a:solidFill>
+                          <a:schemeClr val="bg1">
+                            <a:lumMod val="50000"/>
+                          </a:schemeClr>
+                        </a:solidFill>
+                      </a:endParaRPr>
+                    </a:p>
+                  </a:txBody>
+                  <a:tcPr anchor="ctr">
+                    <a:lnB w="12700" cap="flat" cmpd="sng" algn="ctr">
+                      <a:solidFill>
+                        <a:schemeClr val="tx1"/>
+                      </a:solidFill>
+                      <a:prstDash val="solid"/>
+                      <a:round/>
+                      <a:headEnd type="none" w="med" len="med"/>
+                      <a:tailEnd type="none" w="med" len="med"/>
+                    </a:lnB>
+                  </a:tcPr>
+                </a:tc>
+                <a:tc>
+                  <a:txBody>
+                    <a:bodyPr/>
+                    <a:lstStyle/>
+                    <a:p>
+                      <a:pPr algn="ctr"/>
+                      <a:r>
+                        <a:rPr lang="en-US" sz="1400" dirty="0" smtClean="0"/>
+                        <a:t>3</a:t>
+                      </a:r>
+                      <a:endParaRPr lang="en-US" sz="1400" dirty="0"/>
+                    </a:p>
+                  </a:txBody>
+                  <a:tcPr anchor="ctr">
+                    <a:lnB w="12700" cap="flat" cmpd="sng" algn="ctr">
+                      <a:solidFill>
+                        <a:schemeClr val="tx1"/>
+                      </a:solidFill>
+                      <a:prstDash val="solid"/>
+                      <a:round/>
+                      <a:headEnd type="none" w="med" len="med"/>
+                      <a:tailEnd type="none" w="med" len="med"/>
+                    </a:lnB>
+                  </a:tcPr>
+                </a:tc>
+                <a:tc>
+                  <a:txBody>
+                    <a:bodyPr/>
+                    <a:lstStyle/>
+                    <a:p>
+                      <a:pPr algn="ctr"/>
+                      <a:r>
+                        <a:rPr lang="en-US" sz="1400" dirty="0" smtClean="0">
+                          <a:solidFill>
+                            <a:schemeClr val="bg1">
+                              <a:lumMod val="50000"/>
+                            </a:schemeClr>
+                          </a:solidFill>
+                        </a:rPr>
+                        <a:t>-</a:t>
+                      </a:r>
+                      <a:endParaRPr lang="en-US" sz="1400" dirty="0">
+                        <a:solidFill>
+                          <a:schemeClr val="bg1">
+                            <a:lumMod val="50000"/>
+                          </a:schemeClr>
+                        </a:solidFill>
+                      </a:endParaRPr>
+                    </a:p>
+                  </a:txBody>
+                  <a:tcPr anchor="ctr">
+                    <a:lnB w="12700" cap="flat" cmpd="sng" algn="ctr">
+                      <a:solidFill>
+                        <a:schemeClr val="tx1"/>
+                      </a:solidFill>
+                      <a:prstDash val="solid"/>
+                      <a:round/>
+                      <a:headEnd type="none" w="med" len="med"/>
+                      <a:tailEnd type="none" w="med" len="med"/>
+                    </a:lnB>
+                  </a:tcPr>
+                </a:tc>
+                <a:tc>
+                  <a:txBody>
+                    <a:bodyPr/>
+                    <a:lstStyle/>
+                    <a:p>
+                      <a:pPr algn="ctr"/>
+                      <a:r>
+                        <a:rPr lang="en-US" sz="1400" dirty="0" smtClean="0">
+                          <a:solidFill>
+                            <a:schemeClr val="bg1">
+                              <a:lumMod val="50000"/>
+                            </a:schemeClr>
+                          </a:solidFill>
+                        </a:rPr>
+                        <a:t>-</a:t>
+                      </a:r>
+                      <a:endParaRPr lang="en-US" sz="1400" dirty="0">
+                        <a:solidFill>
+                          <a:schemeClr val="bg1">
+                            <a:lumMod val="50000"/>
+                          </a:schemeClr>
+                        </a:solidFill>
+                      </a:endParaRPr>
+                    </a:p>
+                  </a:txBody>
+                  <a:tcPr anchor="ctr">
+                    <a:lnB w="12700" cap="flat" cmpd="sng" algn="ctr">
+                      <a:solidFill>
+                        <a:schemeClr val="tx1"/>
+                      </a:solidFill>
+                      <a:prstDash val="solid"/>
+                      <a:round/>
+                      <a:headEnd type="none" w="med" len="med"/>
+                      <a:tailEnd type="none" w="med" len="med"/>
+                    </a:lnB>
+                  </a:tcPr>
+                </a:tc>
+                <a:tc>
+                  <a:txBody>
+                    <a:bodyPr/>
+                    <a:lstStyle/>
+                    <a:p>
+                      <a:pPr algn="ctr"/>
+                      <a:r>
+                        <a:rPr lang="en-US" sz="1400" dirty="0" smtClean="0">
+                          <a:solidFill>
+                            <a:schemeClr val="bg1">
+                              <a:lumMod val="50000"/>
+                            </a:schemeClr>
+                          </a:solidFill>
+                        </a:rPr>
+                        <a:t>-</a:t>
+                      </a:r>
+                      <a:endParaRPr lang="en-US" sz="1400" dirty="0">
+                        <a:solidFill>
+                          <a:schemeClr val="bg1">
+                            <a:lumMod val="50000"/>
+                          </a:schemeClr>
+                        </a:solidFill>
+                      </a:endParaRPr>
+                    </a:p>
+                  </a:txBody>
+                  <a:tcPr anchor="ctr">
+                    <a:lnB w="12700" cap="flat" cmpd="sng" algn="ctr">
+                      <a:solidFill>
+                        <a:schemeClr val="tx1"/>
+                      </a:solidFill>
+                      <a:prstDash val="solid"/>
+                      <a:round/>
+                      <a:headEnd type="none" w="med" len="med"/>
+                      <a:tailEnd type="none" w="med" len="med"/>
+                    </a:lnB>
+                  </a:tcPr>
+                </a:tc>
+                <a:tc>
+                  <a:txBody>
+                    <a:bodyPr/>
+                    <a:lstStyle/>
+                    <a:p>
+                      <a:pPr algn="ctr"/>
+                      <a:r>
+                        <a:rPr lang="en-US" sz="1400" dirty="0" smtClean="0"/>
+                        <a:t>1</a:t>
+                      </a:r>
+                      <a:endParaRPr lang="en-US" sz="1400" dirty="0"/>
+                    </a:p>
+                  </a:txBody>
+                  <a:tcPr anchor="ctr">
+                    <a:lnB w="12700" cap="flat" cmpd="sng" algn="ctr">
+                      <a:solidFill>
+                        <a:schemeClr val="tx1"/>
+                      </a:solidFill>
+                      <a:prstDash val="solid"/>
+                      <a:round/>
+                      <a:headEnd type="none" w="med" len="med"/>
+                      <a:tailEnd type="none" w="med" len="med"/>
+                    </a:lnB>
+                  </a:tcPr>
+                </a:tc>
+                <a:tc>
+                  <a:txBody>
+                    <a:bodyPr/>
+                    <a:lstStyle/>
+                    <a:p>
+                      <a:pPr algn="ctr"/>
+                      <a:r>
+                        <a:rPr lang="en-US" sz="1400" dirty="0" smtClean="0">
+                          <a:solidFill>
+                            <a:schemeClr val="bg1">
+                              <a:lumMod val="50000"/>
+                            </a:schemeClr>
+                          </a:solidFill>
+                        </a:rPr>
+                        <a:t>-</a:t>
+                      </a:r>
+                      <a:endParaRPr lang="en-US" sz="1400" dirty="0">
+                        <a:solidFill>
+                          <a:schemeClr val="bg1">
+                            <a:lumMod val="50000"/>
+                          </a:schemeClr>
+                        </a:solidFill>
+                      </a:endParaRPr>
+                    </a:p>
+                  </a:txBody>
+                  <a:tcPr anchor="ctr">
+                    <a:lnB w="12700" cap="flat" cmpd="sng" algn="ctr">
+                      <a:solidFill>
+                        <a:schemeClr val="tx1"/>
+                      </a:solidFill>
+                      <a:prstDash val="solid"/>
+                      <a:round/>
+                      <a:headEnd type="none" w="med" len="med"/>
+                      <a:tailEnd type="none" w="med" len="med"/>
+                    </a:lnB>
+                  </a:tcPr>
+                </a:tc>
+                <a:tc>
+                  <a:txBody>
+                    <a:bodyPr/>
+                    <a:lstStyle/>
+                    <a:p>
+                      <a:pPr algn="ctr"/>
+                      <a:r>
+                        <a:rPr lang="en-US" sz="1400" dirty="0" smtClean="0">
+                          <a:solidFill>
+                            <a:schemeClr val="bg1">
+                              <a:lumMod val="50000"/>
+                            </a:schemeClr>
+                          </a:solidFill>
+                        </a:rPr>
+                        <a:t>-</a:t>
+                      </a:r>
+                      <a:endParaRPr lang="en-US" sz="1400" dirty="0">
+                        <a:solidFill>
+                          <a:schemeClr val="bg1">
+                            <a:lumMod val="50000"/>
+                          </a:schemeClr>
+                        </a:solidFill>
+                      </a:endParaRPr>
+                    </a:p>
+                  </a:txBody>
+                  <a:tcPr anchor="ctr">
+                    <a:lnB w="12700" cap="flat" cmpd="sng" algn="ctr">
+                      <a:solidFill>
+                        <a:schemeClr val="tx1"/>
+                      </a:solidFill>
+                      <a:prstDash val="solid"/>
+                      <a:round/>
+                      <a:headEnd type="none" w="med" len="med"/>
+                      <a:tailEnd type="none" w="med" len="med"/>
+                    </a:lnB>
+                  </a:tcPr>
+                </a:tc>
+                <a:tc>
+                  <a:txBody>
+                    <a:bodyPr/>
+                    <a:lstStyle/>
+                    <a:p>
+                      <a:pPr algn="ctr"/>
+                      <a:r>
+                        <a:rPr lang="en-US" sz="1400" dirty="0" smtClean="0">
+                          <a:solidFill>
+                            <a:schemeClr val="bg1">
+                              <a:lumMod val="50000"/>
+                            </a:schemeClr>
+                          </a:solidFill>
+                        </a:rPr>
+                        <a:t>-</a:t>
+                      </a:r>
+                      <a:endParaRPr lang="en-US" sz="1400" dirty="0">
+                        <a:solidFill>
+                          <a:schemeClr val="bg1">
+                            <a:lumMod val="50000"/>
+                          </a:schemeClr>
+                        </a:solidFill>
+                      </a:endParaRPr>
+                    </a:p>
+                  </a:txBody>
+                  <a:tcPr anchor="ctr">
+                    <a:lnB w="12700" cap="flat" cmpd="sng" algn="ctr">
+                      <a:solidFill>
+                        <a:schemeClr val="tx1"/>
+                      </a:solidFill>
+                      <a:prstDash val="solid"/>
+                      <a:round/>
+                      <a:headEnd type="none" w="med" len="med"/>
+                      <a:tailEnd type="none" w="med" len="med"/>
+                    </a:lnB>
+                  </a:tcPr>
+                </a:tc>
+                <a:tc>
+                  <a:txBody>
+                    <a:bodyPr/>
+                    <a:lstStyle/>
+                    <a:p>
+                      <a:pPr algn="ctr"/>
+                      <a:r>
+                        <a:rPr lang="en-US" sz="1400" dirty="0" smtClean="0"/>
+                        <a:t>1</a:t>
+                      </a:r>
+                      <a:endParaRPr lang="en-US" sz="1400" dirty="0"/>
+                    </a:p>
+                  </a:txBody>
+                  <a:tcPr anchor="ctr">
+                    <a:lnB w="12700" cap="flat" cmpd="sng" algn="ctr">
+                      <a:solidFill>
+                        <a:schemeClr val="tx1"/>
+                      </a:solidFill>
+                      <a:prstDash val="solid"/>
+                      <a:round/>
+                      <a:headEnd type="none" w="med" len="med"/>
+                      <a:tailEnd type="none" w="med" len="med"/>
+                    </a:lnB>
+                  </a:tcPr>
+                </a:tc>
+                <a:tc>
+                  <a:txBody>
+                    <a:bodyPr/>
+                    <a:lstStyle/>
+                    <a:p>
+                      <a:pPr algn="ctr"/>
+                      <a:r>
+                        <a:rPr lang="en-US" sz="1400" dirty="0" smtClean="0">
+                          <a:solidFill>
+                            <a:schemeClr val="bg1">
+                              <a:lumMod val="50000"/>
+                            </a:schemeClr>
+                          </a:solidFill>
+                        </a:rPr>
+                        <a:t>-</a:t>
+                      </a:r>
+                      <a:endParaRPr lang="en-US" sz="1400" dirty="0">
+                        <a:solidFill>
+                          <a:schemeClr val="bg1">
+                            <a:lumMod val="50000"/>
+                          </a:schemeClr>
+                        </a:solidFill>
+                      </a:endParaRPr>
+                    </a:p>
+                  </a:txBody>
+                  <a:tcPr anchor="ctr">
+                    <a:lnB w="12700" cap="flat" cmpd="sng" algn="ctr">
+                      <a:solidFill>
+                        <a:schemeClr val="tx1"/>
+                      </a:solidFill>
+                      <a:prstDash val="solid"/>
+                      <a:round/>
+                      <a:headEnd type="none" w="med" len="med"/>
+                      <a:tailEnd type="none" w="med" len="med"/>
+                    </a:lnB>
+                  </a:tcPr>
+                </a:tc>
+                <a:tc>
+                  <a:txBody>
+                    <a:bodyPr/>
+                    <a:lstStyle/>
+                    <a:p>
+                      <a:pPr algn="ctr"/>
+                      <a:r>
+                        <a:rPr lang="en-US" sz="1400" dirty="0" smtClean="0">
+                          <a:solidFill>
+                            <a:schemeClr val="bg1">
+                              <a:lumMod val="50000"/>
+                            </a:schemeClr>
+                          </a:solidFill>
+                        </a:rPr>
+                        <a:t>-</a:t>
+                      </a:r>
+                      <a:endParaRPr lang="en-US" sz="1400" dirty="0">
+                        <a:solidFill>
+                          <a:schemeClr val="bg1">
+                            <a:lumMod val="50000"/>
+                          </a:schemeClr>
+                        </a:solidFill>
+                      </a:endParaRPr>
+                    </a:p>
+                  </a:txBody>
+                  <a:tcPr anchor="ctr">
+                    <a:lnB w="12700" cap="flat" cmpd="sng" algn="ctr">
+                      <a:solidFill>
+                        <a:schemeClr val="tx1"/>
+                      </a:solidFill>
+                      <a:prstDash val="solid"/>
+                      <a:round/>
+                      <a:headEnd type="none" w="med" len="med"/>
+                      <a:tailEnd type="none" w="med" len="med"/>
+                    </a:lnB>
+                  </a:tcPr>
+                </a:tc>
+                <a:tc>
+                  <a:txBody>
+                    <a:bodyPr/>
+                    <a:lstStyle/>
+                    <a:p>
+                      <a:pPr algn="ctr"/>
+                      <a:r>
+                        <a:rPr lang="en-US" sz="1400" dirty="0" smtClean="0"/>
+                        <a:t>1</a:t>
+                      </a:r>
+                      <a:endParaRPr lang="en-US" sz="1400" dirty="0"/>
+                    </a:p>
+                  </a:txBody>
+                  <a:tcPr anchor="ctr">
+                    <a:lnB w="12700" cap="flat" cmpd="sng" algn="ctr">
+                      <a:solidFill>
+                        <a:schemeClr val="tx1"/>
+                      </a:solidFill>
+                      <a:prstDash val="solid"/>
+                      <a:round/>
+                      <a:headEnd type="none" w="med" len="med"/>
+                      <a:tailEnd type="none" w="med" len="med"/>
+                    </a:lnB>
+                  </a:tcPr>
+                </a:tc>
+                <a:tc>
+                  <a:txBody>
+                    <a:bodyPr/>
+                    <a:lstStyle/>
+                    <a:p>
+                      <a:pPr algn="ctr"/>
+                      <a:r>
+                        <a:rPr lang="en-US" sz="1400" dirty="0" smtClean="0"/>
+                        <a:t>103</a:t>
+                      </a:r>
+                      <a:endParaRPr lang="en-US" sz="1400" dirty="0"/>
+                    </a:p>
+                  </a:txBody>
+                  <a:tcPr anchor="ctr">
+                    <a:lnR w="12700" cap="flat" cmpd="sng" algn="ctr">
+                      <a:solidFill>
+                        <a:schemeClr val="tx1"/>
+                      </a:solidFill>
+                      <a:prstDash val="solid"/>
+                      <a:round/>
+                      <a:headEnd type="none" w="med" len="med"/>
+                      <a:tailEnd type="none" w="med" len="med"/>
+                    </a:lnR>
+                    <a:lnB w="12700" cap="flat" cmpd="sng" algn="ctr">
+                      <a:solidFill>
+                        <a:schemeClr val="tx1"/>
+                      </a:solidFill>
+                      <a:prstDash val="solid"/>
+                      <a:round/>
+                      <a:headEnd type="none" w="med" len="med"/>
+                      <a:tailEnd type="none" w="med" len="med"/>
+                    </a:lnB>
+                  </a:tcPr>
+                </a:tc>
+                <a:extLst>
+                  <a:ext uri="{0D108BD9-81ED-4DB2-BD59-A6C34878D82A}">
+                    <a16:rowId xmlns:a16="http://schemas.microsoft.com/office/drawing/2014/main" val="2128326411"/>
+                  </a:ext>
+                </a:extLst>
+              </a:tr>
+              <a:tr h="489882">
+                <a:tc rowSpan="2">
+                  <a:txBody>
+                    <a:bodyPr/>
+                    <a:lstStyle/>
+                    <a:p>
+                      <a:pPr algn="ctr"/>
+                      <a:r>
+                        <a:rPr lang="en-US" sz="1400" dirty="0" smtClean="0"/>
+                        <a:t>DLPFC</a:t>
+                      </a:r>
+                      <a:endParaRPr lang="en-US" sz="1400" dirty="0"/>
+                    </a:p>
+                  </a:txBody>
+                  <a:tcPr anchor="ctr">
+                    <a:lnL w="12700" cap="flat" cmpd="sng" algn="ctr">
+                      <a:solidFill>
+                        <a:schemeClr val="tx1"/>
+                      </a:solidFill>
+                      <a:prstDash val="solid"/>
+                      <a:round/>
+                      <a:headEnd type="none" w="med" len="med"/>
+                      <a:tailEnd type="none" w="med" len="med"/>
+                    </a:lnL>
+                    <a:lnT w="12700" cap="flat" cmpd="sng" algn="ctr">
+                      <a:solidFill>
+                        <a:schemeClr val="tx1"/>
+                      </a:solidFill>
+                      <a:prstDash val="solid"/>
+                      <a:round/>
+                      <a:headEnd type="none" w="med" len="med"/>
+                      <a:tailEnd type="none" w="med" len="med"/>
+                    </a:lnT>
+                    <a:lnB w="12700" cap="flat" cmpd="sng" algn="ctr">
+                      <a:solidFill>
+                        <a:schemeClr val="tx1"/>
+                      </a:solidFill>
+                      <a:prstDash val="solid"/>
+                      <a:round/>
+                      <a:headEnd type="none" w="med" len="med"/>
+                      <a:tailEnd type="none" w="med" len="med"/>
+                    </a:lnB>
+                  </a:tcPr>
+                </a:tc>
+                <a:tc>
+                  <a:txBody>
+                    <a:bodyPr/>
+                    <a:lstStyle/>
+                    <a:p>
+                      <a:pPr algn="ctr"/>
+                      <a:r>
+                        <a:rPr lang="en-US" sz="1400" dirty="0" smtClean="0"/>
+                        <a:t>1</a:t>
+                      </a:r>
+                      <a:endParaRPr lang="en-US" sz="1400" dirty="0"/>
+                    </a:p>
+                  </a:txBody>
+                  <a:tcPr anchor="ctr">
+                    <a:lnT w="12700" cap="flat" cmpd="sng" algn="ctr">
+                      <a:solidFill>
+                        <a:schemeClr val="tx1"/>
+                      </a:solidFill>
+                      <a:prstDash val="solid"/>
+                      <a:round/>
+                      <a:headEnd type="none" w="med" len="med"/>
+                      <a:tailEnd type="none" w="med" len="med"/>
+                    </a:lnT>
+                  </a:tcPr>
+                </a:tc>
+                <a:tc>
+                  <a:txBody>
+                    <a:bodyPr/>
+                    <a:lstStyle/>
+                    <a:p>
+                      <a:pPr algn="ctr"/>
+                      <a:r>
+                        <a:rPr lang="en-US" sz="1400" dirty="0" smtClean="0"/>
+                        <a:t>2</a:t>
+                      </a:r>
+                      <a:endParaRPr lang="en-US" sz="1400" dirty="0"/>
+                    </a:p>
+                  </a:txBody>
+                  <a:tcPr anchor="ctr">
+                    <a:lnT w="12700" cap="flat" cmpd="sng" algn="ctr">
+                      <a:solidFill>
+                        <a:schemeClr val="tx1"/>
+                      </a:solidFill>
+                      <a:prstDash val="solid"/>
+                      <a:round/>
+                      <a:headEnd type="none" w="med" len="med"/>
+                      <a:tailEnd type="none" w="med" len="med"/>
+                    </a:lnT>
+                  </a:tcPr>
+                </a:tc>
+                <a:tc>
+                  <a:txBody>
+                    <a:bodyPr/>
+                    <a:lstStyle/>
+                    <a:p>
+                      <a:pPr algn="ctr"/>
+                      <a:r>
+                        <a:rPr lang="en-US" sz="1400" dirty="0" smtClean="0"/>
+                        <a:t>3</a:t>
+                      </a:r>
+                      <a:endParaRPr lang="en-US" sz="1400" dirty="0"/>
+                    </a:p>
+                  </a:txBody>
+                  <a:tcPr anchor="ctr">
+                    <a:lnT w="12700" cap="flat" cmpd="sng" algn="ctr">
+                      <a:solidFill>
+                        <a:schemeClr val="tx1"/>
+                      </a:solidFill>
+                      <a:prstDash val="solid"/>
+                      <a:round/>
+                      <a:headEnd type="none" w="med" len="med"/>
+                      <a:tailEnd type="none" w="med" len="med"/>
+                    </a:lnT>
+                  </a:tcPr>
+                </a:tc>
+                <a:tc>
+                  <a:txBody>
+                    <a:bodyPr/>
+                    <a:lstStyle/>
+                    <a:p>
+                      <a:pPr algn="ctr"/>
+                      <a:r>
+                        <a:rPr lang="en-US" sz="1400" dirty="0" smtClean="0"/>
+                        <a:t>4</a:t>
+                      </a:r>
+                      <a:endParaRPr lang="en-US" sz="1400" dirty="0"/>
+                    </a:p>
+                  </a:txBody>
+                  <a:tcPr anchor="ctr">
+                    <a:lnT w="12700" cap="flat" cmpd="sng" algn="ctr">
+                      <a:solidFill>
+                        <a:schemeClr val="tx1"/>
+                      </a:solidFill>
+                      <a:prstDash val="solid"/>
+                      <a:round/>
+                      <a:headEnd type="none" w="med" len="med"/>
+                      <a:tailEnd type="none" w="med" len="med"/>
+                    </a:lnT>
+                  </a:tcPr>
+                </a:tc>
+                <a:tc>
+                  <a:txBody>
+                    <a:bodyPr/>
+                    <a:lstStyle/>
+                    <a:p>
+                      <a:pPr algn="ctr"/>
+                      <a:r>
+                        <a:rPr lang="en-US" sz="1400" dirty="0" smtClean="0"/>
+                        <a:t>5</a:t>
+                      </a:r>
+                      <a:endParaRPr lang="en-US" sz="1400" dirty="0"/>
+                    </a:p>
+                  </a:txBody>
+                  <a:tcPr anchor="ctr">
+                    <a:lnT w="12700" cap="flat" cmpd="sng" algn="ctr">
+                      <a:solidFill>
+                        <a:schemeClr val="tx1"/>
+                      </a:solidFill>
+                      <a:prstDash val="solid"/>
+                      <a:round/>
+                      <a:headEnd type="none" w="med" len="med"/>
+                      <a:tailEnd type="none" w="med" len="med"/>
+                    </a:lnT>
+                  </a:tcPr>
+                </a:tc>
+                <a:tc>
+                  <a:txBody>
+                    <a:bodyPr/>
+                    <a:lstStyle/>
+                    <a:p>
+                      <a:pPr algn="ctr"/>
+                      <a:r>
+                        <a:rPr lang="en-US" sz="1400" dirty="0" smtClean="0"/>
+                        <a:t>6</a:t>
+                      </a:r>
+                      <a:endParaRPr lang="en-US" sz="1400" dirty="0"/>
+                    </a:p>
+                  </a:txBody>
+                  <a:tcPr anchor="ctr">
+                    <a:lnT w="12700" cap="flat" cmpd="sng" algn="ctr">
+                      <a:solidFill>
+                        <a:schemeClr val="tx1"/>
+                      </a:solidFill>
+                      <a:prstDash val="solid"/>
+                      <a:round/>
+                      <a:headEnd type="none" w="med" len="med"/>
+                      <a:tailEnd type="none" w="med" len="med"/>
+                    </a:lnT>
+                  </a:tcPr>
+                </a:tc>
+                <a:tc>
+                  <a:txBody>
+                    <a:bodyPr/>
+                    <a:lstStyle/>
+                    <a:p>
+                      <a:pPr algn="ctr"/>
+                      <a:r>
+                        <a:rPr lang="en-US" sz="1400" dirty="0" smtClean="0"/>
+                        <a:t>7</a:t>
+                      </a:r>
+                      <a:endParaRPr lang="en-US" sz="1400" dirty="0"/>
+                    </a:p>
+                  </a:txBody>
+                  <a:tcPr anchor="ctr">
+                    <a:lnT w="12700" cap="flat" cmpd="sng" algn="ctr">
+                      <a:solidFill>
+                        <a:schemeClr val="tx1"/>
+                      </a:solidFill>
+                      <a:prstDash val="solid"/>
+                      <a:round/>
+                      <a:headEnd type="none" w="med" len="med"/>
+                      <a:tailEnd type="none" w="med" len="med"/>
+                    </a:lnT>
+                  </a:tcPr>
+                </a:tc>
+                <a:tc>
+                  <a:txBody>
+                    <a:bodyPr/>
+                    <a:lstStyle/>
+                    <a:p>
+                      <a:pPr algn="ctr"/>
+                      <a:r>
+                        <a:rPr lang="en-US" sz="1400" dirty="0" smtClean="0"/>
+                        <a:t>8</a:t>
+                      </a:r>
+                      <a:endParaRPr lang="en-US" sz="1400" dirty="0"/>
+                    </a:p>
+                  </a:txBody>
+                  <a:tcPr anchor="ctr">
+                    <a:lnT w="12700" cap="flat" cmpd="sng" algn="ctr">
+                      <a:solidFill>
+                        <a:schemeClr val="tx1"/>
+                      </a:solidFill>
+                      <a:prstDash val="solid"/>
+                      <a:round/>
+                      <a:headEnd type="none" w="med" len="med"/>
+                      <a:tailEnd type="none" w="med" len="med"/>
+                    </a:lnT>
+                  </a:tcPr>
+                </a:tc>
+                <a:tc>
+                  <a:txBody>
+                    <a:bodyPr/>
+                    <a:lstStyle/>
+                    <a:p>
+                      <a:pPr algn="ctr"/>
+                      <a:r>
+                        <a:rPr lang="en-US" sz="1400" dirty="0" smtClean="0"/>
+                        <a:t>9</a:t>
+                      </a:r>
+                      <a:endParaRPr lang="en-US" sz="1400" dirty="0"/>
+                    </a:p>
+                  </a:txBody>
+                  <a:tcPr anchor="ctr">
+                    <a:lnT w="12700" cap="flat" cmpd="sng" algn="ctr">
+                      <a:solidFill>
+                        <a:schemeClr val="tx1"/>
+                      </a:solidFill>
+                      <a:prstDash val="solid"/>
+                      <a:round/>
+                      <a:headEnd type="none" w="med" len="med"/>
+                      <a:tailEnd type="none" w="med" len="med"/>
+                    </a:lnT>
+                  </a:tcPr>
+                </a:tc>
+                <a:tc>
+                  <a:txBody>
+                    <a:bodyPr/>
+                    <a:lstStyle/>
+                    <a:p>
+                      <a:pPr algn="ctr"/>
+                      <a:r>
+                        <a:rPr lang="en-US" sz="1400" dirty="0" smtClean="0"/>
+                        <a:t>10</a:t>
+                      </a:r>
+                      <a:endParaRPr lang="en-US" sz="1400" dirty="0"/>
+                    </a:p>
+                  </a:txBody>
+                  <a:tcPr anchor="ctr">
+                    <a:lnT w="12700" cap="flat" cmpd="sng" algn="ctr">
+                      <a:solidFill>
+                        <a:schemeClr val="tx1"/>
+                      </a:solidFill>
+                      <a:prstDash val="solid"/>
+                      <a:round/>
+                      <a:headEnd type="none" w="med" len="med"/>
+                      <a:tailEnd type="none" w="med" len="med"/>
+                    </a:lnT>
+                  </a:tcPr>
+                </a:tc>
+                <a:tc>
+                  <a:txBody>
+                    <a:bodyPr/>
+                    <a:lstStyle/>
+                    <a:p>
+                      <a:pPr algn="ctr"/>
+                      <a:r>
+                        <a:rPr lang="en-US" sz="1400" dirty="0" smtClean="0"/>
+                        <a:t>11</a:t>
+                      </a:r>
+                      <a:endParaRPr lang="en-US" sz="1400" dirty="0"/>
+                    </a:p>
+                  </a:txBody>
+                  <a:tcPr anchor="ctr">
+                    <a:lnT w="12700" cap="flat" cmpd="sng" algn="ctr">
+                      <a:solidFill>
+                        <a:schemeClr val="tx1"/>
+                      </a:solidFill>
+                      <a:prstDash val="solid"/>
+                      <a:round/>
+                      <a:headEnd type="none" w="med" len="med"/>
+                      <a:tailEnd type="none" w="med" len="med"/>
+                    </a:lnT>
+                  </a:tcPr>
+                </a:tc>
+                <a:tc>
+                  <a:txBody>
+                    <a:bodyPr/>
+                    <a:lstStyle/>
+                    <a:p>
+                      <a:pPr algn="ctr"/>
+                      <a:r>
+                        <a:rPr lang="en-US" sz="1400" dirty="0" smtClean="0"/>
+                        <a:t>12</a:t>
+                      </a:r>
+                      <a:endParaRPr lang="en-US" sz="1400" dirty="0"/>
+                    </a:p>
+                  </a:txBody>
+                  <a:tcPr anchor="ctr">
+                    <a:lnT w="12700" cap="flat" cmpd="sng" algn="ctr">
+                      <a:solidFill>
+                        <a:schemeClr val="tx1"/>
+                      </a:solidFill>
+                      <a:prstDash val="solid"/>
+                      <a:round/>
+                      <a:headEnd type="none" w="med" len="med"/>
+                      <a:tailEnd type="none" w="med" len="med"/>
+                    </a:lnT>
+                  </a:tcPr>
+                </a:tc>
+                <a:tc>
+                  <a:txBody>
+                    <a:bodyPr/>
+                    <a:lstStyle/>
+                    <a:p>
+                      <a:pPr algn="ctr"/>
+                      <a:r>
+                        <a:rPr lang="en-US" sz="1400" dirty="0" smtClean="0"/>
+                        <a:t>13</a:t>
+                      </a:r>
+                      <a:endParaRPr lang="en-US" sz="1400" dirty="0"/>
+                    </a:p>
+                  </a:txBody>
+                  <a:tcPr anchor="ctr">
+                    <a:lnT w="12700" cap="flat" cmpd="sng" algn="ctr">
+                      <a:solidFill>
+                        <a:schemeClr val="tx1"/>
+                      </a:solidFill>
+                      <a:prstDash val="solid"/>
+                      <a:round/>
+                      <a:headEnd type="none" w="med" len="med"/>
+                      <a:tailEnd type="none" w="med" len="med"/>
+                    </a:lnT>
+                  </a:tcPr>
+                </a:tc>
+                <a:tc>
+                  <a:txBody>
+                    <a:bodyPr/>
+                    <a:lstStyle/>
+                    <a:p>
+                      <a:pPr algn="ctr"/>
+                      <a:r>
+                        <a:rPr lang="en-US" sz="1400" dirty="0" smtClean="0"/>
+                        <a:t>14</a:t>
+                      </a:r>
+                      <a:endParaRPr lang="en-US" sz="1400" dirty="0"/>
+                    </a:p>
+                  </a:txBody>
+                  <a:tcPr anchor="ctr">
+                    <a:lnT w="12700" cap="flat" cmpd="sng" algn="ctr">
+                      <a:solidFill>
+                        <a:schemeClr val="tx1"/>
+                      </a:solidFill>
+                      <a:prstDash val="solid"/>
+                      <a:round/>
+                      <a:headEnd type="none" w="med" len="med"/>
+                      <a:tailEnd type="none" w="med" len="med"/>
+                    </a:lnT>
+                  </a:tcPr>
+                </a:tc>
+                <a:tc>
+                  <a:txBody>
+                    <a:bodyPr/>
+                    <a:lstStyle/>
+                    <a:p>
+                      <a:pPr algn="ctr"/>
+                      <a:r>
+                        <a:rPr lang="en-US" sz="1400" dirty="0" smtClean="0"/>
+                        <a:t>15</a:t>
+                      </a:r>
+                      <a:endParaRPr lang="en-US" sz="1400" dirty="0"/>
+                    </a:p>
+                  </a:txBody>
+                  <a:tcPr anchor="ctr">
+                    <a:lnT w="12700" cap="flat" cmpd="sng" algn="ctr">
+                      <a:solidFill>
+                        <a:schemeClr val="tx1"/>
+                      </a:solidFill>
+                      <a:prstDash val="solid"/>
+                      <a:round/>
+                      <a:headEnd type="none" w="med" len="med"/>
+                      <a:tailEnd type="none" w="med" len="med"/>
+                    </a:lnT>
+                  </a:tcPr>
+                </a:tc>
+                <a:tc>
+                  <a:txBody>
+                    <a:bodyPr/>
+                    <a:lstStyle/>
+                    <a:p>
+                      <a:pPr algn="ctr"/>
+                      <a:r>
+                        <a:rPr lang="en-US" sz="1400" dirty="0" smtClean="0"/>
+                        <a:t>16</a:t>
+                      </a:r>
+                      <a:endParaRPr lang="en-US" sz="1400" dirty="0"/>
+                    </a:p>
+                  </a:txBody>
+                  <a:tcPr anchor="ctr">
+                    <a:lnT w="12700" cap="flat" cmpd="sng" algn="ctr">
+                      <a:solidFill>
+                        <a:schemeClr val="tx1"/>
+                      </a:solidFill>
+                      <a:prstDash val="solid"/>
+                      <a:round/>
+                      <a:headEnd type="none" w="med" len="med"/>
+                      <a:tailEnd type="none" w="med" len="med"/>
+                    </a:lnT>
+                  </a:tcPr>
+                </a:tc>
+                <a:tc>
+                  <a:txBody>
+                    <a:bodyPr/>
+                    <a:lstStyle/>
+                    <a:p>
+                      <a:pPr algn="ctr"/>
+                      <a:r>
+                        <a:rPr lang="en-US" sz="1400" b="0" dirty="0" smtClean="0"/>
+                        <a:t>17</a:t>
+                      </a:r>
+                      <a:endParaRPr lang="en-US" sz="1400" b="0" dirty="0"/>
+                    </a:p>
+                  </a:txBody>
+                  <a:tcPr anchor="ctr">
+                    <a:lnT w="12700" cap="flat" cmpd="sng" algn="ctr">
+                      <a:solidFill>
+                        <a:schemeClr val="tx1"/>
+                      </a:solidFill>
+                      <a:prstDash val="solid"/>
+                      <a:round/>
+                      <a:headEnd type="none" w="med" len="med"/>
+                      <a:tailEnd type="none" w="med" len="med"/>
+                    </a:lnT>
+                  </a:tcPr>
+                </a:tc>
+                <a:tc>
+                  <a:txBody>
+                    <a:bodyPr/>
+                    <a:lstStyle/>
+                    <a:p>
+                      <a:pPr algn="ctr"/>
+                      <a:r>
+                        <a:rPr lang="en-US" sz="1400" b="0" dirty="0" smtClean="0"/>
+                        <a:t>18</a:t>
+                      </a:r>
+                      <a:endParaRPr lang="en-US" sz="1400" b="0" dirty="0"/>
+                    </a:p>
+                  </a:txBody>
+                  <a:tcPr anchor="ctr">
+                    <a:lnT w="12700" cap="flat" cmpd="sng" algn="ctr">
+                      <a:solidFill>
+                        <a:schemeClr val="tx1"/>
+                      </a:solidFill>
+                      <a:prstDash val="solid"/>
+                      <a:round/>
+                      <a:headEnd type="none" w="med" len="med"/>
+                      <a:tailEnd type="none" w="med" len="med"/>
+                    </a:lnT>
+                  </a:tcPr>
+                </a:tc>
+                <a:tc>
+                  <a:txBody>
+                    <a:bodyPr/>
+                    <a:lstStyle/>
+                    <a:p>
+                      <a:pPr algn="ctr"/>
+                      <a:r>
+                        <a:rPr lang="en-US" sz="1400" b="0" dirty="0" smtClean="0"/>
+                        <a:t>19</a:t>
+                      </a:r>
+                      <a:endParaRPr lang="en-US" sz="1400" b="0" dirty="0"/>
+                    </a:p>
+                  </a:txBody>
+                  <a:tcPr anchor="ctr">
+                    <a:lnT w="12700" cap="flat" cmpd="sng" algn="ctr">
+                      <a:solidFill>
+                        <a:schemeClr val="tx1"/>
+                      </a:solidFill>
+                      <a:prstDash val="solid"/>
+                      <a:round/>
+                      <a:headEnd type="none" w="med" len="med"/>
+                      <a:tailEnd type="none" w="med" len="med"/>
+                    </a:lnT>
+                  </a:tcPr>
+                </a:tc>
+                <a:tc>
+                  <a:txBody>
+                    <a:bodyPr/>
+                    <a:lstStyle/>
+                    <a:p>
+                      <a:pPr algn="ctr"/>
+                      <a:r>
+                        <a:rPr lang="en-US" sz="1400" b="0" dirty="0" smtClean="0"/>
+                        <a:t>20</a:t>
+                      </a:r>
+                      <a:endParaRPr lang="en-US" sz="1400" b="0" dirty="0"/>
+                    </a:p>
+                  </a:txBody>
+                  <a:tcPr anchor="ctr">
+                    <a:lnT w="12700" cap="flat" cmpd="sng" algn="ctr">
+                      <a:solidFill>
+                        <a:schemeClr val="tx1"/>
+                      </a:solidFill>
+                      <a:prstDash val="solid"/>
+                      <a:round/>
+                      <a:headEnd type="none" w="med" len="med"/>
+                      <a:tailEnd type="none" w="med" len="med"/>
+                    </a:lnT>
+                  </a:tcPr>
+                </a:tc>
+                <a:tc>
+                  <a:txBody>
+                    <a:bodyPr/>
+                    <a:lstStyle/>
+                    <a:p>
+                      <a:pPr algn="ctr"/>
+                      <a:r>
+                        <a:rPr lang="en-US" sz="1400" b="0" dirty="0" smtClean="0"/>
+                        <a:t>21</a:t>
+                      </a:r>
+                      <a:endParaRPr lang="en-US" sz="1400" b="0" dirty="0"/>
+                    </a:p>
+                  </a:txBody>
+                  <a:tcPr anchor="ctr">
+                    <a:lnT w="12700" cap="flat" cmpd="sng" algn="ctr">
+                      <a:solidFill>
+                        <a:schemeClr val="tx1"/>
+                      </a:solidFill>
+                      <a:prstDash val="solid"/>
+                      <a:round/>
+                      <a:headEnd type="none" w="med" len="med"/>
+                      <a:tailEnd type="none" w="med" len="med"/>
+                    </a:lnT>
+                  </a:tcPr>
+                </a:tc>
+                <a:tc>
+                  <a:txBody>
+                    <a:bodyPr/>
+                    <a:lstStyle/>
+                    <a:p>
+                      <a:pPr algn="ctr"/>
+                      <a:r>
+                        <a:rPr lang="en-US" sz="1400" b="0" dirty="0" smtClean="0"/>
+                        <a:t>22</a:t>
+                      </a:r>
+                      <a:endParaRPr lang="en-US" sz="1400" b="0" dirty="0"/>
+                    </a:p>
+                  </a:txBody>
+                  <a:tcPr anchor="ctr">
+                    <a:lnT w="12700" cap="flat" cmpd="sng" algn="ctr">
+                      <a:solidFill>
+                        <a:schemeClr val="tx1"/>
+                      </a:solidFill>
+                      <a:prstDash val="solid"/>
+                      <a:round/>
+                      <a:headEnd type="none" w="med" len="med"/>
+                      <a:tailEnd type="none" w="med" len="med"/>
+                    </a:lnT>
+                  </a:tcPr>
+                </a:tc>
+                <a:tc>
+                  <a:txBody>
+                    <a:bodyPr/>
+                    <a:lstStyle/>
+                    <a:p>
+                      <a:pPr algn="ctr"/>
+                      <a:r>
+                        <a:rPr lang="en-US" sz="1400" b="0" dirty="0" smtClean="0"/>
+                        <a:t>23</a:t>
+                      </a:r>
+                      <a:endParaRPr lang="en-US" sz="1400" b="0" dirty="0"/>
+                    </a:p>
+                  </a:txBody>
+                  <a:tcPr anchor="ctr">
+                    <a:lnT w="12700" cap="flat" cmpd="sng" algn="ctr">
+                      <a:solidFill>
+                        <a:schemeClr val="tx1"/>
+                      </a:solidFill>
+                      <a:prstDash val="solid"/>
+                      <a:round/>
+                      <a:headEnd type="none" w="med" len="med"/>
+                      <a:tailEnd type="none" w="med" len="med"/>
+                    </a:lnT>
+                  </a:tcPr>
+                </a:tc>
+                <a:tc>
+                  <a:txBody>
+                    <a:bodyPr/>
+                    <a:lstStyle/>
+                    <a:p>
+                      <a:pPr algn="ctr"/>
+                      <a:r>
+                        <a:rPr lang="en-US" sz="1400" b="0" dirty="0" smtClean="0"/>
+                        <a:t>24</a:t>
+                      </a:r>
+                      <a:endParaRPr lang="en-US" sz="1400" b="0" dirty="0"/>
+                    </a:p>
+                  </a:txBody>
+                  <a:tcPr anchor="ctr">
+                    <a:lnT w="12700" cap="flat" cmpd="sng" algn="ctr">
+                      <a:solidFill>
+                        <a:schemeClr val="tx1"/>
+                      </a:solidFill>
+                      <a:prstDash val="solid"/>
+                      <a:round/>
+                      <a:headEnd type="none" w="med" len="med"/>
+                      <a:tailEnd type="none" w="med" len="med"/>
+                    </a:lnT>
+                  </a:tcPr>
+                </a:tc>
+                <a:tc>
+                  <a:txBody>
+                    <a:bodyPr/>
+                    <a:lstStyle/>
+                    <a:p>
+                      <a:pPr algn="ctr"/>
+                      <a:r>
+                        <a:rPr lang="en-US" sz="1400" b="0" dirty="0" smtClean="0"/>
+                        <a:t>25</a:t>
+                      </a:r>
+                      <a:endParaRPr lang="en-US" sz="1400" b="0" dirty="0"/>
+                    </a:p>
+                  </a:txBody>
+                  <a:tcPr anchor="ctr">
+                    <a:lnT w="12700" cap="flat" cmpd="sng" algn="ctr">
+                      <a:solidFill>
+                        <a:schemeClr val="tx1"/>
+                      </a:solidFill>
+                      <a:prstDash val="solid"/>
+                      <a:round/>
+                      <a:headEnd type="none" w="med" len="med"/>
+                      <a:tailEnd type="none" w="med" len="med"/>
+                    </a:lnT>
+                  </a:tcPr>
+                </a:tc>
+                <a:tc>
+                  <a:txBody>
+                    <a:bodyPr/>
+                    <a:lstStyle/>
+                    <a:p>
+                      <a:pPr marL="0" marR="0" lvl="0" indent="0" algn="ctr" defTabSz="914400" rtl="0" eaLnBrk="1" fontAlgn="auto" latinLnBrk="0" hangingPunct="1">
+                        <a:lnSpc>
+                          <a:spcPct val="100000"/>
+                        </a:lnSpc>
+                        <a:spcBef>
+                          <a:spcPts val="0"/>
+                        </a:spcBef>
+                        <a:spcAft>
+                          <a:spcPts val="0"/>
+                        </a:spcAft>
+                        <a:buClrTx/>
+                        <a:buSzTx/>
+                        <a:buFontTx/>
+                        <a:buNone/>
+                        <a:tabLst/>
+                        <a:defRPr/>
+                      </a:pPr>
+                      <a:r>
+                        <a:rPr lang="en-US" sz="1400" b="1" dirty="0" smtClean="0"/>
+                        <a:t>Total</a:t>
+                      </a:r>
+                    </a:p>
+                  </a:txBody>
+                  <a:tcPr anchor="ctr">
+                    <a:lnR w="12700" cap="flat" cmpd="sng" algn="ctr">
+                      <a:solidFill>
+                        <a:schemeClr val="tx1"/>
+                      </a:solidFill>
+                      <a:prstDash val="solid"/>
+                      <a:round/>
+                      <a:headEnd type="none" w="med" len="med"/>
+                      <a:tailEnd type="none" w="med" len="med"/>
+                    </a:lnR>
+                    <a:lnT w="12700" cap="flat" cmpd="sng" algn="ctr">
+                      <a:solidFill>
+                        <a:schemeClr val="tx1"/>
+                      </a:solidFill>
+                      <a:prstDash val="solid"/>
+                      <a:round/>
+                      <a:headEnd type="none" w="med" len="med"/>
+                      <a:tailEnd type="none" w="med" len="med"/>
+                    </a:lnT>
+                  </a:tcPr>
+                </a:tc>
+                <a:extLst>
+                  <a:ext uri="{0D108BD9-81ED-4DB2-BD59-A6C34878D82A}">
+                    <a16:rowId xmlns:a16="http://schemas.microsoft.com/office/drawing/2014/main" val="2810899241"/>
+                  </a:ext>
+                </a:extLst>
+              </a:tr>
+              <a:tr h="489882">
+                <a:tc vMerge="1">
+                  <a:txBody>
+                    <a:bodyPr/>
+                    <a:lstStyle/>
+                    <a:p>
+                      <a:endParaRPr lang="en-US" dirty="0"/>
+                    </a:p>
+                  </a:txBody>
+                  <a:tcPr/>
+                </a:tc>
+                <a:tc>
+                  <a:txBody>
+                    <a:bodyPr/>
+                    <a:lstStyle/>
+                    <a:p>
+                      <a:pPr algn="ctr"/>
+                      <a:r>
+                        <a:rPr lang="en-US" sz="1400" dirty="0" smtClean="0"/>
+                        <a:t>37</a:t>
+                      </a:r>
+                      <a:endParaRPr lang="en-US" sz="1400" dirty="0"/>
+                    </a:p>
+                  </a:txBody>
+                  <a:tcPr anchor="ctr">
+                    <a:lnB w="12700" cap="flat" cmpd="sng" algn="ctr">
+                      <a:solidFill>
+                        <a:schemeClr val="tx1"/>
+                      </a:solidFill>
+                      <a:prstDash val="solid"/>
+                      <a:round/>
+                      <a:headEnd type="none" w="med" len="med"/>
+                      <a:tailEnd type="none" w="med" len="med"/>
+                    </a:lnB>
+                  </a:tcPr>
+                </a:tc>
+                <a:tc>
+                  <a:txBody>
+                    <a:bodyPr/>
+                    <a:lstStyle/>
+                    <a:p>
+                      <a:pPr algn="ctr"/>
+                      <a:r>
+                        <a:rPr lang="en-US" sz="1400" dirty="0" smtClean="0"/>
+                        <a:t>19</a:t>
+                      </a:r>
+                      <a:endParaRPr lang="en-US" sz="1400" dirty="0"/>
+                    </a:p>
+                  </a:txBody>
+                  <a:tcPr anchor="ctr">
+                    <a:lnB w="12700" cap="flat" cmpd="sng" algn="ctr">
+                      <a:solidFill>
+                        <a:schemeClr val="tx1"/>
+                      </a:solidFill>
+                      <a:prstDash val="solid"/>
+                      <a:round/>
+                      <a:headEnd type="none" w="med" len="med"/>
+                      <a:tailEnd type="none" w="med" len="med"/>
+                    </a:lnB>
+                  </a:tcPr>
+                </a:tc>
+                <a:tc>
+                  <a:txBody>
+                    <a:bodyPr/>
+                    <a:lstStyle/>
+                    <a:p>
+                      <a:pPr algn="ctr"/>
+                      <a:r>
+                        <a:rPr lang="en-US" sz="1400" dirty="0" smtClean="0"/>
+                        <a:t>20</a:t>
+                      </a:r>
+                      <a:endParaRPr lang="en-US" sz="1400" dirty="0"/>
+                    </a:p>
+                  </a:txBody>
+                  <a:tcPr anchor="ctr">
+                    <a:lnB w="12700" cap="flat" cmpd="sng" algn="ctr">
+                      <a:solidFill>
+                        <a:schemeClr val="tx1"/>
+                      </a:solidFill>
+                      <a:prstDash val="solid"/>
+                      <a:round/>
+                      <a:headEnd type="none" w="med" len="med"/>
+                      <a:tailEnd type="none" w="med" len="med"/>
+                    </a:lnB>
+                  </a:tcPr>
+                </a:tc>
+                <a:tc>
+                  <a:txBody>
+                    <a:bodyPr/>
+                    <a:lstStyle/>
+                    <a:p>
+                      <a:pPr algn="ctr"/>
+                      <a:r>
+                        <a:rPr lang="en-US" sz="1400" dirty="0" smtClean="0"/>
+                        <a:t>8</a:t>
+                      </a:r>
+                      <a:endParaRPr lang="en-US" sz="1400" dirty="0"/>
+                    </a:p>
+                  </a:txBody>
+                  <a:tcPr anchor="ctr">
+                    <a:lnB w="12700" cap="flat" cmpd="sng" algn="ctr">
+                      <a:solidFill>
+                        <a:schemeClr val="tx1"/>
+                      </a:solidFill>
+                      <a:prstDash val="solid"/>
+                      <a:round/>
+                      <a:headEnd type="none" w="med" len="med"/>
+                      <a:tailEnd type="none" w="med" len="med"/>
+                    </a:lnB>
+                  </a:tcPr>
+                </a:tc>
+                <a:tc>
+                  <a:txBody>
+                    <a:bodyPr/>
+                    <a:lstStyle/>
+                    <a:p>
+                      <a:pPr algn="ctr"/>
+                      <a:r>
+                        <a:rPr lang="en-US" sz="1400" dirty="0" smtClean="0"/>
+                        <a:t>7</a:t>
+                      </a:r>
+                      <a:endParaRPr lang="en-US" sz="1400" dirty="0"/>
+                    </a:p>
+                  </a:txBody>
+                  <a:tcPr anchor="ctr">
+                    <a:lnB w="12700" cap="flat" cmpd="sng" algn="ctr">
+                      <a:solidFill>
+                        <a:schemeClr val="tx1"/>
+                      </a:solidFill>
+                      <a:prstDash val="solid"/>
+                      <a:round/>
+                      <a:headEnd type="none" w="med" len="med"/>
+                      <a:tailEnd type="none" w="med" len="med"/>
+                    </a:lnB>
+                  </a:tcPr>
+                </a:tc>
+                <a:tc>
+                  <a:txBody>
+                    <a:bodyPr/>
+                    <a:lstStyle/>
+                    <a:p>
+                      <a:pPr algn="ctr"/>
+                      <a:r>
+                        <a:rPr lang="en-US" sz="1400" dirty="0" smtClean="0"/>
+                        <a:t>2</a:t>
+                      </a:r>
+                      <a:endParaRPr lang="en-US" sz="1400" dirty="0"/>
+                    </a:p>
+                  </a:txBody>
+                  <a:tcPr anchor="ctr">
+                    <a:lnB w="12700" cap="flat" cmpd="sng" algn="ctr">
+                      <a:solidFill>
+                        <a:schemeClr val="tx1"/>
+                      </a:solidFill>
+                      <a:prstDash val="solid"/>
+                      <a:round/>
+                      <a:headEnd type="none" w="med" len="med"/>
+                      <a:tailEnd type="none" w="med" len="med"/>
+                    </a:lnB>
+                  </a:tcPr>
+                </a:tc>
+                <a:tc>
+                  <a:txBody>
+                    <a:bodyPr/>
+                    <a:lstStyle/>
+                    <a:p>
+                      <a:pPr algn="ctr"/>
+                      <a:r>
+                        <a:rPr lang="en-US" sz="1400" dirty="0" smtClean="0"/>
+                        <a:t>3</a:t>
+                      </a:r>
+                      <a:endParaRPr lang="en-US" sz="1400" dirty="0"/>
+                    </a:p>
+                  </a:txBody>
+                  <a:tcPr anchor="ctr">
+                    <a:lnB w="12700" cap="flat" cmpd="sng" algn="ctr">
+                      <a:solidFill>
+                        <a:schemeClr val="tx1"/>
+                      </a:solidFill>
+                      <a:prstDash val="solid"/>
+                      <a:round/>
+                      <a:headEnd type="none" w="med" len="med"/>
+                      <a:tailEnd type="none" w="med" len="med"/>
+                    </a:lnB>
+                  </a:tcPr>
+                </a:tc>
+                <a:tc>
+                  <a:txBody>
+                    <a:bodyPr/>
+                    <a:lstStyle/>
+                    <a:p>
+                      <a:pPr algn="ctr"/>
+                      <a:r>
+                        <a:rPr lang="en-US" sz="1400" dirty="0" smtClean="0"/>
+                        <a:t>4</a:t>
+                      </a:r>
+                      <a:endParaRPr lang="en-US" sz="1400" dirty="0"/>
+                    </a:p>
+                  </a:txBody>
+                  <a:tcPr anchor="ctr">
+                    <a:lnB w="12700" cap="flat" cmpd="sng" algn="ctr">
+                      <a:solidFill>
+                        <a:schemeClr val="tx1"/>
+                      </a:solidFill>
+                      <a:prstDash val="solid"/>
+                      <a:round/>
+                      <a:headEnd type="none" w="med" len="med"/>
+                      <a:tailEnd type="none" w="med" len="med"/>
+                    </a:lnB>
+                  </a:tcPr>
+                </a:tc>
+                <a:tc>
+                  <a:txBody>
+                    <a:bodyPr/>
+                    <a:lstStyle/>
+                    <a:p>
+                      <a:pPr algn="ctr"/>
+                      <a:r>
+                        <a:rPr lang="en-US" sz="1400" dirty="0" smtClean="0"/>
+                        <a:t>4</a:t>
+                      </a:r>
+                      <a:endParaRPr lang="en-US" sz="1400" dirty="0"/>
+                    </a:p>
+                  </a:txBody>
+                  <a:tcPr anchor="ctr">
+                    <a:lnB w="12700" cap="flat" cmpd="sng" algn="ctr">
+                      <a:solidFill>
+                        <a:schemeClr val="tx1"/>
+                      </a:solidFill>
+                      <a:prstDash val="solid"/>
+                      <a:round/>
+                      <a:headEnd type="none" w="med" len="med"/>
+                      <a:tailEnd type="none" w="med" len="med"/>
+                    </a:lnB>
+                  </a:tcPr>
+                </a:tc>
+                <a:tc>
+                  <a:txBody>
+                    <a:bodyPr/>
+                    <a:lstStyle/>
+                    <a:p>
+                      <a:pPr algn="ctr"/>
+                      <a:r>
+                        <a:rPr lang="en-US" sz="1400" dirty="0" smtClean="0"/>
+                        <a:t>4</a:t>
+                      </a:r>
+                      <a:endParaRPr lang="en-US" sz="1400" dirty="0"/>
+                    </a:p>
+                  </a:txBody>
+                  <a:tcPr anchor="ctr">
+                    <a:lnB w="12700" cap="flat" cmpd="sng" algn="ctr">
+                      <a:solidFill>
+                        <a:schemeClr val="tx1"/>
+                      </a:solidFill>
+                      <a:prstDash val="solid"/>
+                      <a:round/>
+                      <a:headEnd type="none" w="med" len="med"/>
+                      <a:tailEnd type="none" w="med" len="med"/>
+                    </a:lnB>
+                  </a:tcPr>
+                </a:tc>
+                <a:tc>
+                  <a:txBody>
+                    <a:bodyPr/>
+                    <a:lstStyle/>
+                    <a:p>
+                      <a:pPr algn="ctr"/>
+                      <a:r>
+                        <a:rPr lang="en-US" sz="1400" dirty="0" smtClean="0"/>
+                        <a:t>2</a:t>
+                      </a:r>
+                      <a:endParaRPr lang="en-US" sz="1400" dirty="0"/>
+                    </a:p>
+                  </a:txBody>
+                  <a:tcPr anchor="ctr">
+                    <a:lnB w="12700" cap="flat" cmpd="sng" algn="ctr">
+                      <a:solidFill>
+                        <a:schemeClr val="tx1"/>
+                      </a:solidFill>
+                      <a:prstDash val="solid"/>
+                      <a:round/>
+                      <a:headEnd type="none" w="med" len="med"/>
+                      <a:tailEnd type="none" w="med" len="med"/>
+                    </a:lnB>
+                  </a:tcPr>
+                </a:tc>
+                <a:tc>
+                  <a:txBody>
+                    <a:bodyPr/>
+                    <a:lstStyle/>
+                    <a:p>
+                      <a:pPr algn="ctr"/>
+                      <a:r>
+                        <a:rPr lang="en-US" sz="1400" dirty="0" smtClean="0"/>
+                        <a:t>3</a:t>
+                      </a:r>
+                      <a:endParaRPr lang="en-US" sz="1400" dirty="0"/>
+                    </a:p>
+                  </a:txBody>
+                  <a:tcPr anchor="ctr">
+                    <a:lnB w="12700" cap="flat" cmpd="sng" algn="ctr">
+                      <a:solidFill>
+                        <a:schemeClr val="tx1"/>
+                      </a:solidFill>
+                      <a:prstDash val="solid"/>
+                      <a:round/>
+                      <a:headEnd type="none" w="med" len="med"/>
+                      <a:tailEnd type="none" w="med" len="med"/>
+                    </a:lnB>
+                  </a:tcPr>
+                </a:tc>
+                <a:tc>
+                  <a:txBody>
+                    <a:bodyPr/>
+                    <a:lstStyle/>
+                    <a:p>
+                      <a:pPr algn="ctr"/>
+                      <a:r>
+                        <a:rPr lang="en-US" sz="1400" dirty="0" smtClean="0"/>
+                        <a:t>1</a:t>
+                      </a:r>
+                      <a:endParaRPr lang="en-US" sz="1400" dirty="0"/>
+                    </a:p>
+                  </a:txBody>
+                  <a:tcPr anchor="ctr">
+                    <a:lnB w="12700" cap="flat" cmpd="sng" algn="ctr">
+                      <a:solidFill>
+                        <a:schemeClr val="tx1"/>
+                      </a:solidFill>
+                      <a:prstDash val="solid"/>
+                      <a:round/>
+                      <a:headEnd type="none" w="med" len="med"/>
+                      <a:tailEnd type="none" w="med" len="med"/>
+                    </a:lnB>
+                  </a:tcPr>
+                </a:tc>
+                <a:tc>
+                  <a:txBody>
+                    <a:bodyPr/>
+                    <a:lstStyle/>
+                    <a:p>
+                      <a:pPr algn="ctr"/>
+                      <a:r>
+                        <a:rPr lang="en-US" sz="1400" dirty="0" smtClean="0"/>
+                        <a:t>1</a:t>
+                      </a:r>
+                      <a:endParaRPr lang="en-US" sz="1400" dirty="0"/>
+                    </a:p>
+                  </a:txBody>
+                  <a:tcPr anchor="ctr">
+                    <a:lnB w="12700" cap="flat" cmpd="sng" algn="ctr">
+                      <a:solidFill>
+                        <a:schemeClr val="tx1"/>
+                      </a:solidFill>
+                      <a:prstDash val="solid"/>
+                      <a:round/>
+                      <a:headEnd type="none" w="med" len="med"/>
+                      <a:tailEnd type="none" w="med" len="med"/>
+                    </a:lnB>
+                  </a:tcPr>
+                </a:tc>
+                <a:tc>
+                  <a:txBody>
+                    <a:bodyPr/>
+                    <a:lstStyle/>
+                    <a:p>
+                      <a:pPr algn="ctr"/>
+                      <a:r>
+                        <a:rPr lang="en-US" sz="1400" dirty="0" smtClean="0"/>
+                        <a:t>1</a:t>
+                      </a:r>
+                      <a:endParaRPr lang="en-US" sz="1400" dirty="0"/>
+                    </a:p>
+                  </a:txBody>
+                  <a:tcPr anchor="ctr">
+                    <a:lnB w="12700" cap="flat" cmpd="sng" algn="ctr">
+                      <a:solidFill>
+                        <a:schemeClr val="tx1"/>
+                      </a:solidFill>
+                      <a:prstDash val="solid"/>
+                      <a:round/>
+                      <a:headEnd type="none" w="med" len="med"/>
+                      <a:tailEnd type="none" w="med" len="med"/>
+                    </a:lnB>
+                  </a:tcPr>
+                </a:tc>
+                <a:tc>
+                  <a:txBody>
+                    <a:bodyPr/>
+                    <a:lstStyle/>
+                    <a:p>
+                      <a:pPr algn="ctr"/>
+                      <a:r>
+                        <a:rPr lang="en-US" sz="1400" dirty="0" smtClean="0">
+                          <a:solidFill>
+                            <a:schemeClr val="bg1">
+                              <a:lumMod val="50000"/>
+                            </a:schemeClr>
+                          </a:solidFill>
+                        </a:rPr>
+                        <a:t>-</a:t>
+                      </a:r>
+                      <a:endParaRPr lang="en-US" sz="1400" dirty="0">
+                        <a:solidFill>
+                          <a:schemeClr val="bg1">
+                            <a:lumMod val="50000"/>
+                          </a:schemeClr>
+                        </a:solidFill>
+                      </a:endParaRPr>
+                    </a:p>
+                  </a:txBody>
+                  <a:tcPr anchor="ctr">
+                    <a:lnB w="12700" cap="flat" cmpd="sng" algn="ctr">
+                      <a:solidFill>
+                        <a:schemeClr val="tx1"/>
+                      </a:solidFill>
+                      <a:prstDash val="solid"/>
+                      <a:round/>
+                      <a:headEnd type="none" w="med" len="med"/>
+                      <a:tailEnd type="none" w="med" len="med"/>
+                    </a:lnB>
+                  </a:tcPr>
+                </a:tc>
+                <a:tc>
+                  <a:txBody>
+                    <a:bodyPr/>
+                    <a:lstStyle/>
+                    <a:p>
+                      <a:pPr algn="ctr"/>
+                      <a:r>
+                        <a:rPr lang="en-US" sz="1400" dirty="0" smtClean="0"/>
+                        <a:t>1</a:t>
+                      </a:r>
+                      <a:endParaRPr lang="en-US" sz="1400" dirty="0"/>
+                    </a:p>
+                  </a:txBody>
+                  <a:tcPr anchor="ctr">
+                    <a:lnB w="12700" cap="flat" cmpd="sng" algn="ctr">
+                      <a:solidFill>
+                        <a:schemeClr val="tx1"/>
+                      </a:solidFill>
+                      <a:prstDash val="solid"/>
+                      <a:round/>
+                      <a:headEnd type="none" w="med" len="med"/>
+                      <a:tailEnd type="none" w="med" len="med"/>
+                    </a:lnB>
+                  </a:tcPr>
+                </a:tc>
+                <a:tc>
+                  <a:txBody>
+                    <a:bodyPr/>
+                    <a:lstStyle/>
+                    <a:p>
+                      <a:pPr algn="ctr"/>
+                      <a:r>
+                        <a:rPr lang="en-US" sz="1400" dirty="0" smtClean="0">
+                          <a:solidFill>
+                            <a:schemeClr val="bg1">
+                              <a:lumMod val="50000"/>
+                            </a:schemeClr>
+                          </a:solidFill>
+                        </a:rPr>
+                        <a:t>-</a:t>
+                      </a:r>
+                      <a:endParaRPr lang="en-US" sz="1400" dirty="0">
+                        <a:solidFill>
+                          <a:schemeClr val="bg1">
+                            <a:lumMod val="50000"/>
+                          </a:schemeClr>
+                        </a:solidFill>
+                      </a:endParaRPr>
+                    </a:p>
+                  </a:txBody>
+                  <a:tcPr anchor="ctr">
+                    <a:lnB w="12700" cap="flat" cmpd="sng" algn="ctr">
+                      <a:solidFill>
+                        <a:schemeClr val="tx1"/>
+                      </a:solidFill>
+                      <a:prstDash val="solid"/>
+                      <a:round/>
+                      <a:headEnd type="none" w="med" len="med"/>
+                      <a:tailEnd type="none" w="med" len="med"/>
+                    </a:lnB>
+                  </a:tcPr>
+                </a:tc>
+                <a:tc>
+                  <a:txBody>
+                    <a:bodyPr/>
+                    <a:lstStyle/>
+                    <a:p>
+                      <a:pPr algn="ctr"/>
+                      <a:r>
+                        <a:rPr lang="en-US" sz="1400" dirty="0" smtClean="0">
+                          <a:solidFill>
+                            <a:schemeClr val="bg1">
+                              <a:lumMod val="50000"/>
+                            </a:schemeClr>
+                          </a:solidFill>
+                        </a:rPr>
+                        <a:t>-</a:t>
+                      </a:r>
+                      <a:endParaRPr lang="en-US" sz="1400" dirty="0">
+                        <a:solidFill>
+                          <a:schemeClr val="bg1">
+                            <a:lumMod val="50000"/>
+                          </a:schemeClr>
+                        </a:solidFill>
+                      </a:endParaRPr>
+                    </a:p>
+                  </a:txBody>
+                  <a:tcPr anchor="ctr">
+                    <a:lnB w="12700" cap="flat" cmpd="sng" algn="ctr">
+                      <a:solidFill>
+                        <a:schemeClr val="tx1"/>
+                      </a:solidFill>
+                      <a:prstDash val="solid"/>
+                      <a:round/>
+                      <a:headEnd type="none" w="med" len="med"/>
+                      <a:tailEnd type="none" w="med" len="med"/>
+                    </a:lnB>
+                  </a:tcPr>
+                </a:tc>
+                <a:tc>
+                  <a:txBody>
+                    <a:bodyPr/>
+                    <a:lstStyle/>
+                    <a:p>
+                      <a:pPr algn="ctr"/>
+                      <a:r>
+                        <a:rPr lang="en-US" sz="1400" dirty="0" smtClean="0"/>
+                        <a:t>1</a:t>
+                      </a:r>
+                      <a:endParaRPr lang="en-US" sz="1400" dirty="0"/>
+                    </a:p>
+                  </a:txBody>
+                  <a:tcPr anchor="ctr">
+                    <a:lnB w="12700" cap="flat" cmpd="sng" algn="ctr">
+                      <a:solidFill>
+                        <a:schemeClr val="tx1"/>
+                      </a:solidFill>
+                      <a:prstDash val="solid"/>
+                      <a:round/>
+                      <a:headEnd type="none" w="med" len="med"/>
+                      <a:tailEnd type="none" w="med" len="med"/>
+                    </a:lnB>
+                  </a:tcPr>
+                </a:tc>
+                <a:tc>
+                  <a:txBody>
+                    <a:bodyPr/>
+                    <a:lstStyle/>
+                    <a:p>
+                      <a:pPr algn="ctr"/>
+                      <a:r>
+                        <a:rPr lang="en-US" sz="1400" dirty="0" smtClean="0">
+                          <a:solidFill>
+                            <a:schemeClr val="bg1">
+                              <a:lumMod val="50000"/>
+                            </a:schemeClr>
+                          </a:solidFill>
+                        </a:rPr>
+                        <a:t>-</a:t>
+                      </a:r>
+                      <a:endParaRPr lang="en-US" sz="1400" dirty="0">
+                        <a:solidFill>
+                          <a:schemeClr val="bg1">
+                            <a:lumMod val="50000"/>
+                          </a:schemeClr>
+                        </a:solidFill>
+                      </a:endParaRPr>
+                    </a:p>
+                  </a:txBody>
+                  <a:tcPr anchor="ctr">
+                    <a:lnB w="12700" cap="flat" cmpd="sng" algn="ctr">
+                      <a:solidFill>
+                        <a:schemeClr val="tx1"/>
+                      </a:solidFill>
+                      <a:prstDash val="solid"/>
+                      <a:round/>
+                      <a:headEnd type="none" w="med" len="med"/>
+                      <a:tailEnd type="none" w="med" len="med"/>
+                    </a:lnB>
+                  </a:tcPr>
+                </a:tc>
+                <a:tc>
+                  <a:txBody>
+                    <a:bodyPr/>
+                    <a:lstStyle/>
+                    <a:p>
+                      <a:pPr algn="ctr"/>
+                      <a:r>
+                        <a:rPr lang="en-US" sz="1400" dirty="0" smtClean="0">
+                          <a:solidFill>
+                            <a:schemeClr val="bg1">
+                              <a:lumMod val="50000"/>
+                            </a:schemeClr>
+                          </a:solidFill>
+                        </a:rPr>
+                        <a:t>-</a:t>
+                      </a:r>
+                      <a:endParaRPr lang="en-US" sz="1400" dirty="0">
+                        <a:solidFill>
+                          <a:schemeClr val="bg1">
+                            <a:lumMod val="50000"/>
+                          </a:schemeClr>
+                        </a:solidFill>
+                      </a:endParaRPr>
+                    </a:p>
+                  </a:txBody>
+                  <a:tcPr anchor="ctr">
+                    <a:lnB w="12700" cap="flat" cmpd="sng" algn="ctr">
+                      <a:solidFill>
+                        <a:schemeClr val="tx1"/>
+                      </a:solidFill>
+                      <a:prstDash val="solid"/>
+                      <a:round/>
+                      <a:headEnd type="none" w="med" len="med"/>
+                      <a:tailEnd type="none" w="med" len="med"/>
+                    </a:lnB>
+                  </a:tcPr>
+                </a:tc>
+                <a:tc>
+                  <a:txBody>
+                    <a:bodyPr/>
+                    <a:lstStyle/>
+                    <a:p>
+                      <a:pPr algn="ctr"/>
+                      <a:r>
+                        <a:rPr lang="en-US" sz="1400" dirty="0" smtClean="0"/>
+                        <a:t>1</a:t>
+                      </a:r>
+                      <a:endParaRPr lang="en-US" sz="1400" dirty="0"/>
+                    </a:p>
+                  </a:txBody>
+                  <a:tcPr anchor="ctr">
+                    <a:lnB w="12700" cap="flat" cmpd="sng" algn="ctr">
+                      <a:solidFill>
+                        <a:schemeClr val="tx1"/>
+                      </a:solidFill>
+                      <a:prstDash val="solid"/>
+                      <a:round/>
+                      <a:headEnd type="none" w="med" len="med"/>
+                      <a:tailEnd type="none" w="med" len="med"/>
+                    </a:lnB>
+                  </a:tcPr>
+                </a:tc>
+                <a:tc>
+                  <a:txBody>
+                    <a:bodyPr/>
+                    <a:lstStyle/>
+                    <a:p>
+                      <a:pPr algn="ctr"/>
+                      <a:r>
+                        <a:rPr lang="en-US" sz="1400" dirty="0" smtClean="0"/>
+                        <a:t>1</a:t>
+                      </a:r>
+                      <a:endParaRPr lang="en-US" sz="1400" dirty="0"/>
+                    </a:p>
+                  </a:txBody>
+                  <a:tcPr anchor="ctr">
+                    <a:lnB w="12700" cap="flat" cmpd="sng" algn="ctr">
+                      <a:solidFill>
+                        <a:schemeClr val="tx1"/>
+                      </a:solidFill>
+                      <a:prstDash val="solid"/>
+                      <a:round/>
+                      <a:headEnd type="none" w="med" len="med"/>
+                      <a:tailEnd type="none" w="med" len="med"/>
+                    </a:lnB>
+                  </a:tcPr>
+                </a:tc>
+                <a:tc>
+                  <a:txBody>
+                    <a:bodyPr/>
+                    <a:lstStyle/>
+                    <a:p>
+                      <a:pPr algn="ctr"/>
+                      <a:r>
+                        <a:rPr lang="en-US" sz="1400" dirty="0" smtClean="0">
+                          <a:solidFill>
+                            <a:schemeClr val="bg1">
+                              <a:lumMod val="50000"/>
+                            </a:schemeClr>
+                          </a:solidFill>
+                        </a:rPr>
+                        <a:t>-</a:t>
+                      </a:r>
+                      <a:endParaRPr lang="en-US" sz="1400" dirty="0">
+                        <a:solidFill>
+                          <a:schemeClr val="bg1">
+                            <a:lumMod val="50000"/>
+                          </a:schemeClr>
+                        </a:solidFill>
+                      </a:endParaRPr>
+                    </a:p>
+                  </a:txBody>
+                  <a:tcPr anchor="ctr">
+                    <a:lnB w="12700" cap="flat" cmpd="sng" algn="ctr">
+                      <a:solidFill>
+                        <a:schemeClr val="tx1"/>
+                      </a:solidFill>
+                      <a:prstDash val="solid"/>
+                      <a:round/>
+                      <a:headEnd type="none" w="med" len="med"/>
+                      <a:tailEnd type="none" w="med" len="med"/>
+                    </a:lnB>
+                  </a:tcPr>
+                </a:tc>
+                <a:tc>
+                  <a:txBody>
+                    <a:bodyPr/>
+                    <a:lstStyle/>
+                    <a:p>
+                      <a:pPr algn="ctr"/>
+                      <a:r>
+                        <a:rPr lang="en-US" sz="1400" dirty="0" smtClean="0"/>
+                        <a:t>116</a:t>
+                      </a:r>
+                      <a:endParaRPr lang="en-US" sz="1400" dirty="0"/>
+                    </a:p>
+                  </a:txBody>
+                  <a:tcPr anchor="ctr">
+                    <a:lnR w="12700" cap="flat" cmpd="sng" algn="ctr">
+                      <a:solidFill>
+                        <a:schemeClr val="tx1"/>
+                      </a:solidFill>
+                      <a:prstDash val="solid"/>
+                      <a:round/>
+                      <a:headEnd type="none" w="med" len="med"/>
+                      <a:tailEnd type="none" w="med" len="med"/>
+                    </a:lnR>
+                    <a:lnB w="12700" cap="flat" cmpd="sng" algn="ctr">
+                      <a:solidFill>
+                        <a:schemeClr val="tx1"/>
+                      </a:solidFill>
+                      <a:prstDash val="solid"/>
+                      <a:round/>
+                      <a:headEnd type="none" w="med" len="med"/>
+                      <a:tailEnd type="none" w="med" len="med"/>
+                    </a:lnB>
+                  </a:tcPr>
+                </a:tc>
+                <a:extLst>
+                  <a:ext uri="{0D108BD9-81ED-4DB2-BD59-A6C34878D82A}">
+                    <a16:rowId xmlns:a16="http://schemas.microsoft.com/office/drawing/2014/main" val="1363691137"/>
+                  </a:ext>
+                </a:extLst>
+              </a:tr>
+            </a:tbl>
+          </a:graphicData>
+        </a:graphic>
+      </p:graphicFrame>
+      <p:sp>
+        <p:nvSpPr>
+          <p:cNvPr id="9" name="Rectangle 8"/>
+          <p:cNvSpPr/>
+          <p:nvPr/>
+        </p:nvSpPr>
+        <p:spPr>
+          <a:xfrm>
+            <a:off x="182878" y="3189717"/>
+            <a:ext cx="4456156" cy="369332"/>
+          </a:xfrm>
+          <a:prstGeom prst="rect">
+            <a:avLst/>
+          </a:prstGeom>
+        </p:spPr>
+        <p:txBody>
+          <a:bodyPr wrap="none">
+            <a:spAutoFit/>
+          </a:bodyPr>
+          <a:lstStyle/>
+          <a:p>
+            <a:r>
+              <a:rPr lang="en-US" dirty="0" smtClean="0"/>
+              <a:t>Number of </a:t>
+            </a:r>
+            <a:r>
+              <a:rPr lang="en-US" dirty="0" smtClean="0"/>
+              <a:t>*Index SNPs* </a:t>
+            </a:r>
+            <a:r>
+              <a:rPr lang="en-US" dirty="0" smtClean="0"/>
+              <a:t>that pair to n genes:</a:t>
+            </a:r>
+            <a:endParaRPr lang="en-US" dirty="0"/>
+          </a:p>
+        </p:txBody>
+      </p:sp>
+      <p:graphicFrame>
+        <p:nvGraphicFramePr>
+          <p:cNvPr id="6" name="Table 5"/>
+          <p:cNvGraphicFramePr>
+            <a:graphicFrameLocks noGrp="1"/>
+          </p:cNvGraphicFramePr>
+          <p:nvPr>
+            <p:extLst>
+              <p:ext uri="{D42A27DB-BD31-4B8C-83A1-F6EECF244321}">
+                <p14:modId xmlns:p14="http://schemas.microsoft.com/office/powerpoint/2010/main" val="3888729864"/>
+              </p:ext>
+            </p:extLst>
+          </p:nvPr>
+        </p:nvGraphicFramePr>
+        <p:xfrm>
+          <a:off x="588477" y="1487406"/>
+          <a:ext cx="8632033" cy="876442"/>
+        </p:xfrm>
+        <a:graphic>
+          <a:graphicData uri="http://schemas.openxmlformats.org/drawingml/2006/table">
+            <a:tbl>
+              <a:tblPr firstRow="1" bandRow="1">
+                <a:tableStyleId>{2D5ABB26-0587-4C30-8999-92F81FD0307C}</a:tableStyleId>
+              </a:tblPr>
+              <a:tblGrid>
+                <a:gridCol w="4412955">
+                  <a:extLst>
+                    <a:ext uri="{9D8B030D-6E8A-4147-A177-3AD203B41FA5}">
+                      <a16:colId xmlns:a16="http://schemas.microsoft.com/office/drawing/2014/main" val="1178349782"/>
+                    </a:ext>
+                  </a:extLst>
+                </a:gridCol>
+                <a:gridCol w="2109539">
+                  <a:extLst>
+                    <a:ext uri="{9D8B030D-6E8A-4147-A177-3AD203B41FA5}">
+                      <a16:colId xmlns:a16="http://schemas.microsoft.com/office/drawing/2014/main" val="1816200263"/>
+                    </a:ext>
+                  </a:extLst>
+                </a:gridCol>
+                <a:gridCol w="2109539">
+                  <a:extLst>
+                    <a:ext uri="{9D8B030D-6E8A-4147-A177-3AD203B41FA5}">
+                      <a16:colId xmlns:a16="http://schemas.microsoft.com/office/drawing/2014/main" val="3834981325"/>
+                    </a:ext>
+                  </a:extLst>
+                </a:gridCol>
+              </a:tblGrid>
+              <a:tr h="464962">
+                <a:tc>
+                  <a:txBody>
+                    <a:bodyPr/>
+                    <a:lstStyle/>
+                    <a:p>
+                      <a:pPr algn="ctr"/>
+                      <a:endParaRPr lang="en-US" sz="1800" dirty="0"/>
+                    </a:p>
+                  </a:txBody>
+                  <a:tcPr anchor="ctr">
+                    <a:lnL w="12700" cap="flat" cmpd="sng" algn="ctr">
+                      <a:solidFill>
+                        <a:schemeClr val="tx1"/>
+                      </a:solidFill>
+                      <a:prstDash val="solid"/>
+                      <a:round/>
+                      <a:headEnd type="none" w="med" len="med"/>
+                      <a:tailEnd type="none" w="med" len="med"/>
+                    </a:lnL>
+                    <a:lnR w="12700" cap="flat" cmpd="sng" algn="ctr">
+                      <a:solidFill>
+                        <a:schemeClr val="tx1"/>
+                      </a:solidFill>
+                      <a:prstDash val="solid"/>
+                      <a:round/>
+                      <a:headEnd type="none" w="med" len="med"/>
+                      <a:tailEnd type="none" w="med" len="med"/>
+                    </a:lnR>
+                    <a:lnT w="12700" cap="flat" cmpd="sng" algn="ctr">
+                      <a:solidFill>
+                        <a:schemeClr val="tx1"/>
+                      </a:solidFill>
+                      <a:prstDash val="solid"/>
+                      <a:round/>
+                      <a:headEnd type="none" w="med" len="med"/>
+                      <a:tailEnd type="none" w="med" len="med"/>
+                    </a:lnT>
+                    <a:lnB w="12700" cap="flat" cmpd="sng" algn="ctr">
+                      <a:solidFill>
+                        <a:schemeClr val="tx1"/>
+                      </a:solidFill>
+                      <a:prstDash val="solid"/>
+                      <a:round/>
+                      <a:headEnd type="none" w="med" len="med"/>
+                      <a:tailEnd type="none" w="med" len="med"/>
+                    </a:lnB>
+                  </a:tcPr>
+                </a:tc>
+                <a:tc>
+                  <a:txBody>
+                    <a:bodyPr/>
+                    <a:lstStyle/>
+                    <a:p>
+                      <a:pPr algn="ctr"/>
+                      <a:r>
+                        <a:rPr lang="en-US" sz="1800" dirty="0" smtClean="0"/>
+                        <a:t>Hippocampus</a:t>
+                      </a:r>
+                      <a:endParaRPr lang="en-US" sz="1800" dirty="0"/>
+                    </a:p>
+                  </a:txBody>
+                  <a:tcPr anchor="ctr">
+                    <a:lnL w="12700" cap="flat" cmpd="sng" algn="ctr">
+                      <a:solidFill>
+                        <a:schemeClr val="tx1"/>
+                      </a:solidFill>
+                      <a:prstDash val="solid"/>
+                      <a:round/>
+                      <a:headEnd type="none" w="med" len="med"/>
+                      <a:tailEnd type="none" w="med" len="med"/>
+                    </a:lnL>
+                    <a:lnR w="12700" cap="flat" cmpd="sng" algn="ctr">
+                      <a:solidFill>
+                        <a:schemeClr val="tx1"/>
+                      </a:solidFill>
+                      <a:prstDash val="solid"/>
+                      <a:round/>
+                      <a:headEnd type="none" w="med" len="med"/>
+                      <a:tailEnd type="none" w="med" len="med"/>
+                    </a:lnR>
+                    <a:lnT w="12700" cap="flat" cmpd="sng" algn="ctr">
+                      <a:solidFill>
+                        <a:schemeClr val="tx1"/>
+                      </a:solidFill>
+                      <a:prstDash val="solid"/>
+                      <a:round/>
+                      <a:headEnd type="none" w="med" len="med"/>
+                      <a:tailEnd type="none" w="med" len="med"/>
+                    </a:lnT>
+                    <a:lnB w="12700" cap="flat" cmpd="sng" algn="ctr">
+                      <a:solidFill>
+                        <a:schemeClr val="tx1"/>
+                      </a:solidFill>
+                      <a:prstDash val="solid"/>
+                      <a:round/>
+                      <a:headEnd type="none" w="med" len="med"/>
+                      <a:tailEnd type="none" w="med" len="med"/>
+                    </a:lnB>
+                  </a:tcPr>
+                </a:tc>
+                <a:tc>
+                  <a:txBody>
+                    <a:bodyPr/>
+                    <a:lstStyle/>
+                    <a:p>
+                      <a:pPr algn="ctr"/>
+                      <a:r>
+                        <a:rPr lang="en-US" sz="1800" dirty="0"/>
+                        <a:t>DLPFC</a:t>
+                      </a:r>
+                    </a:p>
+                  </a:txBody>
+                  <a:tcPr anchor="ctr">
+                    <a:lnL w="12700" cap="flat" cmpd="sng" algn="ctr">
+                      <a:solidFill>
+                        <a:schemeClr val="tx1"/>
+                      </a:solidFill>
+                      <a:prstDash val="solid"/>
+                      <a:round/>
+                      <a:headEnd type="none" w="med" len="med"/>
+                      <a:tailEnd type="none" w="med" len="med"/>
+                    </a:lnL>
+                    <a:lnR w="12700" cap="flat" cmpd="sng" algn="ctr">
+                      <a:solidFill>
+                        <a:schemeClr val="tx1"/>
+                      </a:solidFill>
+                      <a:prstDash val="solid"/>
+                      <a:round/>
+                      <a:headEnd type="none" w="med" len="med"/>
+                      <a:tailEnd type="none" w="med" len="med"/>
+                    </a:lnR>
+                    <a:lnT w="12700" cap="flat" cmpd="sng" algn="ctr">
+                      <a:solidFill>
+                        <a:schemeClr val="tx1"/>
+                      </a:solidFill>
+                      <a:prstDash val="solid"/>
+                      <a:round/>
+                      <a:headEnd type="none" w="med" len="med"/>
+                      <a:tailEnd type="none" w="med" len="med"/>
+                    </a:lnT>
+                    <a:lnB w="12700" cap="flat" cmpd="sng" algn="ctr">
+                      <a:solidFill>
+                        <a:schemeClr val="tx1"/>
+                      </a:solidFill>
+                      <a:prstDash val="solid"/>
+                      <a:round/>
+                      <a:headEnd type="none" w="med" len="med"/>
+                      <a:tailEnd type="none" w="med" len="med"/>
+                    </a:lnB>
+                  </a:tcPr>
+                </a:tc>
+                <a:extLst>
+                  <a:ext uri="{0D108BD9-81ED-4DB2-BD59-A6C34878D82A}">
+                    <a16:rowId xmlns:a16="http://schemas.microsoft.com/office/drawing/2014/main" val="2128684183"/>
+                  </a:ext>
+                </a:extLst>
+              </a:tr>
+              <a:tr h="411480">
+                <a:tc>
+                  <a:txBody>
+                    <a:bodyPr/>
+                    <a:lstStyle/>
+                    <a:p>
+                      <a:pPr algn="l"/>
+                      <a:r>
+                        <a:rPr lang="en-US" sz="1800" dirty="0"/>
+                        <a:t># </a:t>
+                      </a:r>
+                      <a:r>
+                        <a:rPr lang="en-US" sz="1800" dirty="0" smtClean="0"/>
+                        <a:t>unique SNPs (unique index SNPs)</a:t>
+                      </a:r>
+                      <a:endParaRPr lang="en-US" sz="1800" dirty="0"/>
+                    </a:p>
+                  </a:txBody>
+                  <a:tcPr anchor="ctr">
+                    <a:lnL w="12700" cap="flat" cmpd="sng" algn="ctr">
+                      <a:solidFill>
+                        <a:schemeClr val="tx1"/>
+                      </a:solidFill>
+                      <a:prstDash val="solid"/>
+                      <a:round/>
+                      <a:headEnd type="none" w="med" len="med"/>
+                      <a:tailEnd type="none" w="med" len="med"/>
+                    </a:lnL>
+                    <a:lnR w="12700" cap="flat" cmpd="sng" algn="ctr">
+                      <a:solidFill>
+                        <a:schemeClr val="tx1"/>
+                      </a:solidFill>
+                      <a:prstDash val="solid"/>
+                      <a:round/>
+                      <a:headEnd type="none" w="med" len="med"/>
+                      <a:tailEnd type="none" w="med" len="med"/>
+                    </a:lnR>
+                    <a:lnT w="12700" cap="flat" cmpd="sng" algn="ctr">
+                      <a:solidFill>
+                        <a:schemeClr val="tx1"/>
+                      </a:solidFill>
+                      <a:prstDash val="solid"/>
+                      <a:round/>
+                      <a:headEnd type="none" w="med" len="med"/>
+                      <a:tailEnd type="none" w="med" len="med"/>
+                    </a:lnT>
+                    <a:lnB w="12700" cap="flat" cmpd="sng" algn="ctr">
+                      <a:solidFill>
+                        <a:schemeClr val="tx1"/>
+                      </a:solidFill>
+                      <a:prstDash val="solid"/>
+                      <a:round/>
+                      <a:headEnd type="none" w="med" len="med"/>
+                      <a:tailEnd type="none" w="med" len="med"/>
+                    </a:lnB>
+                  </a:tcPr>
+                </a:tc>
+                <a:tc>
+                  <a:txBody>
+                    <a:bodyPr/>
+                    <a:lstStyle/>
+                    <a:p>
+                      <a:pPr algn="ctr"/>
+                      <a:r>
+                        <a:rPr lang="en-US" sz="1600" dirty="0" smtClean="0"/>
+                        <a:t>5510 </a:t>
+                      </a:r>
+                      <a:r>
+                        <a:rPr lang="en-US" sz="1600" dirty="0" smtClean="0"/>
+                        <a:t>(103)</a:t>
+                      </a:r>
+                      <a:endParaRPr lang="en-US" sz="1600" dirty="0"/>
+                    </a:p>
+                  </a:txBody>
+                  <a:tcPr anchor="ctr">
+                    <a:lnL w="12700" cap="flat" cmpd="sng" algn="ctr">
+                      <a:solidFill>
+                        <a:schemeClr val="tx1"/>
+                      </a:solidFill>
+                      <a:prstDash val="solid"/>
+                      <a:round/>
+                      <a:headEnd type="none" w="med" len="med"/>
+                      <a:tailEnd type="none" w="med" len="med"/>
+                    </a:lnL>
+                    <a:lnR w="12700" cap="flat" cmpd="sng" algn="ctr">
+                      <a:solidFill>
+                        <a:schemeClr val="tx1"/>
+                      </a:solidFill>
+                      <a:prstDash val="solid"/>
+                      <a:round/>
+                      <a:headEnd type="none" w="med" len="med"/>
+                      <a:tailEnd type="none" w="med" len="med"/>
+                    </a:lnR>
+                    <a:lnT w="12700" cap="flat" cmpd="sng" algn="ctr">
+                      <a:solidFill>
+                        <a:schemeClr val="tx1"/>
+                      </a:solidFill>
+                      <a:prstDash val="solid"/>
+                      <a:round/>
+                      <a:headEnd type="none" w="med" len="med"/>
+                      <a:tailEnd type="none" w="med" len="med"/>
+                    </a:lnT>
+                    <a:lnB w="12700" cap="flat" cmpd="sng" algn="ctr">
+                      <a:solidFill>
+                        <a:schemeClr val="tx1"/>
+                      </a:solidFill>
+                      <a:prstDash val="solid"/>
+                      <a:round/>
+                      <a:headEnd type="none" w="med" len="med"/>
+                      <a:tailEnd type="none" w="med" len="med"/>
+                    </a:lnB>
+                  </a:tcPr>
+                </a:tc>
+                <a:tc>
+                  <a:txBody>
+                    <a:bodyPr/>
+                    <a:lstStyle/>
+                    <a:p>
+                      <a:pPr algn="ctr"/>
+                      <a:r>
+                        <a:rPr lang="en-US" sz="1600" dirty="0" smtClean="0"/>
+                        <a:t>6780 </a:t>
+                      </a:r>
+                      <a:r>
+                        <a:rPr lang="en-US" sz="1600" dirty="0" smtClean="0"/>
+                        <a:t>(116)</a:t>
+                      </a:r>
+                      <a:endParaRPr lang="en-US" sz="1600" dirty="0"/>
+                    </a:p>
+                  </a:txBody>
+                  <a:tcPr anchor="ctr">
+                    <a:lnL w="12700" cap="flat" cmpd="sng" algn="ctr">
+                      <a:solidFill>
+                        <a:schemeClr val="tx1"/>
+                      </a:solidFill>
+                      <a:prstDash val="solid"/>
+                      <a:round/>
+                      <a:headEnd type="none" w="med" len="med"/>
+                      <a:tailEnd type="none" w="med" len="med"/>
+                    </a:lnL>
+                    <a:lnR w="12700" cap="flat" cmpd="sng" algn="ctr">
+                      <a:solidFill>
+                        <a:schemeClr val="tx1"/>
+                      </a:solidFill>
+                      <a:prstDash val="solid"/>
+                      <a:round/>
+                      <a:headEnd type="none" w="med" len="med"/>
+                      <a:tailEnd type="none" w="med" len="med"/>
+                    </a:lnR>
+                    <a:lnT w="12700" cap="flat" cmpd="sng" algn="ctr">
+                      <a:solidFill>
+                        <a:schemeClr val="tx1"/>
+                      </a:solidFill>
+                      <a:prstDash val="solid"/>
+                      <a:round/>
+                      <a:headEnd type="none" w="med" len="med"/>
+                      <a:tailEnd type="none" w="med" len="med"/>
+                    </a:lnT>
+                    <a:lnB w="12700" cap="flat" cmpd="sng" algn="ctr">
+                      <a:solidFill>
+                        <a:schemeClr val="tx1"/>
+                      </a:solidFill>
+                      <a:prstDash val="solid"/>
+                      <a:round/>
+                      <a:headEnd type="none" w="med" len="med"/>
+                      <a:tailEnd type="none" w="med" len="med"/>
+                    </a:lnB>
+                  </a:tcPr>
+                </a:tc>
+                <a:extLst>
+                  <a:ext uri="{0D108BD9-81ED-4DB2-BD59-A6C34878D82A}">
+                    <a16:rowId xmlns:a16="http://schemas.microsoft.com/office/drawing/2014/main" val="1681956944"/>
+                  </a:ext>
+                </a:extLst>
+              </a:tr>
+            </a:tbl>
+          </a:graphicData>
+        </a:graphic>
+      </p:graphicFrame>
+    </p:spTree>
+    <p:extLst>
+      <p:ext uri="{BB962C8B-B14F-4D97-AF65-F5344CB8AC3E}">
+        <p14:creationId xmlns:p14="http://schemas.microsoft.com/office/powerpoint/2010/main" val="1248623542"/>
       </p:ext>
     </p:extLst>
   </p:cSld>

--- a/eQTL_GWAS_riskSNPs/raggr_results_tables.pptx
+++ b/eQTL_GWAS_riskSNPs/raggr_results_tables.pptx
@@ -356,7 +356,7 @@
           <a:p>
             <a:fld id="{E491DC8F-E103-4FD8-8B4A-5D7FAD71FEDE}" type="datetimeFigureOut">
               <a:rPr lang="en-US" smtClean="0"/>
-              <a:t>9/5/2018</a:t>
+              <a:t>9/5/18</a:t>
             </a:fld>
             <a:endParaRPr lang="en-US"/>
           </a:p>
@@ -569,7 +569,7 @@
           <a:p>
             <a:fld id="{E491DC8F-E103-4FD8-8B4A-5D7FAD71FEDE}" type="datetimeFigureOut">
               <a:rPr lang="en-US" smtClean="0"/>
-              <a:t>9/5/2018</a:t>
+              <a:t>9/5/18</a:t>
             </a:fld>
             <a:endParaRPr lang="en-US"/>
           </a:p>
@@ -825,7 +825,7 @@
           <a:p>
             <a:fld id="{E491DC8F-E103-4FD8-8B4A-5D7FAD71FEDE}" type="datetimeFigureOut">
               <a:rPr lang="en-US" smtClean="0"/>
-              <a:t>9/5/2018</a:t>
+              <a:t>9/5/18</a:t>
             </a:fld>
             <a:endParaRPr lang="en-US"/>
           </a:p>
@@ -1000,7 +1000,7 @@
           <a:p>
             <a:fld id="{E491DC8F-E103-4FD8-8B4A-5D7FAD71FEDE}" type="datetimeFigureOut">
               <a:rPr lang="en-US" smtClean="0"/>
-              <a:t>9/5/2018</a:t>
+              <a:t>9/5/18</a:t>
             </a:fld>
             <a:endParaRPr lang="en-US"/>
           </a:p>
@@ -1335,7 +1335,7 @@
           <a:p>
             <a:fld id="{E491DC8F-E103-4FD8-8B4A-5D7FAD71FEDE}" type="datetimeFigureOut">
               <a:rPr lang="en-US" smtClean="0"/>
-              <a:t>9/5/2018</a:t>
+              <a:t>9/5/18</a:t>
             </a:fld>
             <a:endParaRPr lang="en-US"/>
           </a:p>
@@ -1615,7 +1615,7 @@
           <a:p>
             <a:fld id="{E491DC8F-E103-4FD8-8B4A-5D7FAD71FEDE}" type="datetimeFigureOut">
               <a:rPr lang="en-US" smtClean="0"/>
-              <a:t>9/5/2018</a:t>
+              <a:t>9/5/18</a:t>
             </a:fld>
             <a:endParaRPr lang="en-US"/>
           </a:p>
@@ -1994,7 +1994,7 @@
           <a:p>
             <a:fld id="{E491DC8F-E103-4FD8-8B4A-5D7FAD71FEDE}" type="datetimeFigureOut">
               <a:rPr lang="en-US" smtClean="0"/>
-              <a:t>9/5/2018</a:t>
+              <a:t>9/5/18</a:t>
             </a:fld>
             <a:endParaRPr lang="en-US"/>
           </a:p>
@@ -2112,7 +2112,7 @@
           <a:p>
             <a:fld id="{E491DC8F-E103-4FD8-8B4A-5D7FAD71FEDE}" type="datetimeFigureOut">
               <a:rPr lang="en-US" smtClean="0"/>
-              <a:t>9/5/2018</a:t>
+              <a:t>9/5/18</a:t>
             </a:fld>
             <a:endParaRPr lang="en-US"/>
           </a:p>
@@ -2283,7 +2283,7 @@
           <a:p>
             <a:fld id="{E491DC8F-E103-4FD8-8B4A-5D7FAD71FEDE}" type="datetimeFigureOut">
               <a:rPr lang="en-US" smtClean="0"/>
-              <a:t>9/5/2018</a:t>
+              <a:t>9/5/18</a:t>
             </a:fld>
             <a:endParaRPr lang="en-US"/>
           </a:p>
@@ -2637,7 +2637,7 @@
           <a:p>
             <a:fld id="{E491DC8F-E103-4FD8-8B4A-5D7FAD71FEDE}" type="datetimeFigureOut">
               <a:rPr lang="en-US" smtClean="0"/>
-              <a:t>9/5/2018</a:t>
+              <a:t>9/5/18</a:t>
             </a:fld>
             <a:endParaRPr lang="en-US"/>
           </a:p>
@@ -3014,7 +3014,7 @@
           <a:p>
             <a:fld id="{E491DC8F-E103-4FD8-8B4A-5D7FAD71FEDE}" type="datetimeFigureOut">
               <a:rPr lang="en-US" smtClean="0"/>
-              <a:t>9/5/2018</a:t>
+              <a:t>9/5/18</a:t>
             </a:fld>
             <a:endParaRPr lang="en-US"/>
           </a:p>
@@ -3306,7 +3306,7 @@
           <a:p>
             <a:fld id="{E491DC8F-E103-4FD8-8B4A-5D7FAD71FEDE}" type="datetimeFigureOut">
               <a:rPr lang="en-US" smtClean="0"/>
-              <a:t>9/5/2018</a:t>
+              <a:t>9/5/18</a:t>
             </a:fld>
             <a:endParaRPr lang="en-US"/>
           </a:p>
@@ -3912,10 +3912,9 @@
               <a:buNone/>
             </a:pPr>
             <a:r>
-              <a:rPr lang="en-US" sz="1800" kern="0" dirty="0" smtClean="0"/>
+              <a:rPr lang="en-US" sz="1800" kern="0" dirty="0"/>
               <a:t>Brain overlaps by region:</a:t>
             </a:r>
-            <a:endParaRPr lang="en-US" sz="1800" kern="0" dirty="0"/>
           </a:p>
         </p:txBody>
       </p:sp>
@@ -4030,10 +4029,9 @@
                     <a:p>
                       <a:pPr algn="ctr"/>
                       <a:r>
-                        <a:rPr lang="en-US" sz="1800" dirty="0" smtClean="0"/>
+                        <a:rPr lang="en-US" sz="1800" dirty="0"/>
                         <a:t>Hippo</a:t>
                       </a:r>
-                      <a:endParaRPr lang="en-US" sz="1800" dirty="0"/>
                     </a:p>
                   </a:txBody>
                   <a:tcPr anchor="ctr">
@@ -4084,10 +4082,9 @@
                     <a:p>
                       <a:pPr algn="ctr"/>
                       <a:r>
-                        <a:rPr lang="en-US" sz="1800" dirty="0" smtClean="0"/>
+                        <a:rPr lang="en-US" sz="1800" dirty="0"/>
                         <a:t>DLPFC</a:t>
                       </a:r>
-                      <a:endParaRPr lang="en-US" sz="1800" dirty="0"/>
                     </a:p>
                   </a:txBody>
                   <a:tcPr anchor="ctr">
@@ -4145,10 +4142,9 @@
                     <a:p>
                       <a:pPr algn="l"/>
                       <a:r>
-                        <a:rPr lang="en-US" sz="1800" b="1" dirty="0" smtClean="0"/>
+                        <a:rPr lang="en-US" sz="1800" b="1" dirty="0"/>
                         <a:t>Total</a:t>
                       </a:r>
-                      <a:endParaRPr lang="en-US" sz="1800" b="1" dirty="0"/>
                     </a:p>
                   </a:txBody>
                   <a:tcPr anchor="ctr">
@@ -4199,10 +4195,9 @@
                     <a:p>
                       <a:pPr algn="ctr"/>
                       <a:r>
-                        <a:rPr lang="en-US" sz="1800" b="1" dirty="0" smtClean="0"/>
+                        <a:rPr lang="en-US" sz="1800" b="1" dirty="0"/>
                         <a:t>395</a:t>
                       </a:r>
-                      <a:endParaRPr lang="en-US" sz="1800" b="1" dirty="0"/>
                     </a:p>
                   </a:txBody>
                   <a:tcPr anchor="ctr">
@@ -4253,10 +4248,9 @@
                     <a:p>
                       <a:pPr algn="ctr"/>
                       <a:r>
-                        <a:rPr lang="en-US" sz="1800" b="1" dirty="0" smtClean="0"/>
+                        <a:rPr lang="en-US" sz="1800" b="1" dirty="0"/>
                         <a:t>397</a:t>
                       </a:r>
-                      <a:endParaRPr lang="en-US" sz="1800" b="1" dirty="0"/>
                     </a:p>
                   </a:txBody>
                   <a:tcPr anchor="ctr">
@@ -4330,14 +4324,14 @@
                         <a:defRPr/>
                       </a:pPr>
                       <a:r>
-                        <a:rPr lang="en-US" sz="1600" dirty="0" smtClean="0"/>
+                        <a:rPr lang="en-US" sz="1600" dirty="0"/>
                         <a:t>Control / </a:t>
                       </a:r>
                       <a:r>
-                        <a:rPr lang="en-US" sz="1600" dirty="0" err="1" smtClean="0"/>
+                        <a:rPr lang="en-US" sz="1600" dirty="0" err="1"/>
                         <a:t>Schiz</a:t>
                       </a:r>
-                      <a:endParaRPr lang="en-US" sz="1600" dirty="0" smtClean="0"/>
+                      <a:endParaRPr lang="en-US" sz="1600" dirty="0"/>
                     </a:p>
                   </a:txBody>
                   <a:tcPr anchor="ctr">
@@ -4386,10 +4380,9 @@
                     <a:p>
                       <a:pPr algn="ctr"/>
                       <a:r>
-                        <a:rPr lang="en-US" sz="1600" dirty="0" smtClean="0"/>
+                        <a:rPr lang="en-US" sz="1600" dirty="0"/>
                         <a:t>262 / 133</a:t>
                       </a:r>
-                      <a:endParaRPr lang="en-US" sz="1600" dirty="0"/>
                     </a:p>
                   </a:txBody>
                   <a:tcPr anchor="ctr">
@@ -4438,10 +4431,9 @@
                     <a:p>
                       <a:pPr algn="ctr"/>
                       <a:r>
-                        <a:rPr lang="en-US" sz="1600" dirty="0" smtClean="0"/>
+                        <a:rPr lang="en-US" sz="1600" dirty="0"/>
                         <a:t>244 / 153</a:t>
                       </a:r>
-                      <a:endParaRPr lang="en-US" sz="1600" dirty="0"/>
                     </a:p>
                   </a:txBody>
                   <a:tcPr anchor="ctr">
@@ -4513,14 +4505,14 @@
                         <a:defRPr/>
                       </a:pPr>
                       <a:r>
-                        <a:rPr lang="en-US" sz="1600" dirty="0" smtClean="0"/>
+                        <a:rPr lang="en-US" sz="1600" dirty="0"/>
                         <a:t>Female</a:t>
                       </a:r>
                       <a:r>
-                        <a:rPr lang="en-US" sz="1600" baseline="0" dirty="0" smtClean="0"/>
+                        <a:rPr lang="en-US" sz="1600" baseline="0" dirty="0"/>
                         <a:t> / Male</a:t>
                       </a:r>
-                      <a:endParaRPr lang="en-US" sz="1600" dirty="0" smtClean="0"/>
+                      <a:endParaRPr lang="en-US" sz="1600" dirty="0"/>
                     </a:p>
                   </a:txBody>
                   <a:tcPr anchor="ctr">
@@ -4569,10 +4561,9 @@
                     <a:p>
                       <a:pPr algn="ctr"/>
                       <a:r>
-                        <a:rPr lang="en-US" sz="1600" dirty="0" smtClean="0"/>
+                        <a:rPr lang="en-US" sz="1600" dirty="0"/>
                         <a:t>126 / 269</a:t>
                       </a:r>
-                      <a:endParaRPr lang="en-US" sz="1600" dirty="0"/>
                     </a:p>
                   </a:txBody>
                   <a:tcPr anchor="ctr">
@@ -4637,7 +4628,7 @@
                         <a:defRPr/>
                       </a:pPr>
                       <a:r>
-                        <a:rPr lang="en-US" sz="1600" dirty="0" smtClean="0"/>
+                        <a:rPr lang="en-US" sz="1600" dirty="0"/>
                         <a:t>124 / 273</a:t>
                       </a:r>
                     </a:p>
@@ -4711,22 +4702,22 @@
                         <a:defRPr/>
                       </a:pPr>
                       <a:r>
-                        <a:rPr lang="en-US" sz="1600" dirty="0" smtClean="0"/>
+                        <a:rPr lang="en-US" sz="1600" dirty="0"/>
                         <a:t>AA / Asian / </a:t>
                       </a:r>
                       <a:r>
-                        <a:rPr lang="en-US" sz="1600" dirty="0" err="1" smtClean="0"/>
+                        <a:rPr lang="en-US" sz="1600" dirty="0" err="1"/>
                         <a:t>Cauc</a:t>
                       </a:r>
                       <a:r>
-                        <a:rPr lang="en-US" sz="1600" baseline="0" dirty="0" smtClean="0"/>
+                        <a:rPr lang="en-US" sz="1600" baseline="0" dirty="0"/>
                         <a:t> / </a:t>
                       </a:r>
                       <a:r>
-                        <a:rPr lang="en-US" sz="1600" baseline="0" dirty="0" err="1" smtClean="0"/>
+                        <a:rPr lang="en-US" sz="1600" baseline="0" dirty="0" err="1"/>
                         <a:t>Hisp</a:t>
                       </a:r>
-                      <a:endParaRPr lang="en-US" sz="1600" dirty="0" smtClean="0"/>
+                      <a:endParaRPr lang="en-US" sz="1600" dirty="0"/>
                     </a:p>
                   </a:txBody>
                   <a:tcPr anchor="ctr">
@@ -4775,10 +4766,9 @@
                     <a:p>
                       <a:pPr algn="ctr"/>
                       <a:r>
-                        <a:rPr lang="en-US" sz="1600" dirty="0" smtClean="0"/>
+                        <a:rPr lang="en-US" sz="1600" dirty="0"/>
                         <a:t>213 / 0 / 182 / 0</a:t>
                       </a:r>
-                      <a:endParaRPr lang="en-US" sz="1600" dirty="0"/>
                     </a:p>
                   </a:txBody>
                   <a:tcPr anchor="ctr">
@@ -4843,14 +4833,14 @@
                         <a:defRPr/>
                       </a:pPr>
                       <a:r>
-                        <a:rPr lang="en-US" sz="1600" dirty="0" smtClean="0"/>
+                        <a:rPr lang="en-US" sz="1600" dirty="0"/>
                         <a:t>204</a:t>
                       </a:r>
                       <a:r>
-                        <a:rPr lang="en-US" sz="1600" baseline="0" dirty="0" smtClean="0"/>
+                        <a:rPr lang="en-US" sz="1600" baseline="0" dirty="0"/>
                         <a:t> / 9 / 174 / 10</a:t>
                       </a:r>
-                      <a:endParaRPr lang="en-US" sz="1600" dirty="0" smtClean="0"/>
+                      <a:endParaRPr lang="en-US" sz="1600" dirty="0"/>
                     </a:p>
                   </a:txBody>
                   <a:tcPr anchor="ctr">
@@ -4922,11 +4912,11 @@
                         <a:defRPr/>
                       </a:pPr>
                       <a:r>
-                        <a:rPr lang="en-US" sz="1600" dirty="0" smtClean="0"/>
+                        <a:rPr lang="en-US" sz="1600" dirty="0"/>
                         <a:t>Mean</a:t>
                       </a:r>
                       <a:r>
-                        <a:rPr lang="en-US" sz="1600" baseline="0" dirty="0" smtClean="0"/>
+                        <a:rPr lang="en-US" sz="1600" baseline="0" dirty="0"/>
                         <a:t> Age (SD)</a:t>
                       </a:r>
                     </a:p>
@@ -4949,10 +4939,10 @@
                         <a:defRPr/>
                       </a:pPr>
                       <a:r>
-                        <a:rPr lang="en-US" sz="1600" baseline="0" dirty="0" smtClean="0"/>
+                        <a:rPr lang="en-US" sz="1600" baseline="0" dirty="0"/>
                         <a:t>[min, max]</a:t>
                       </a:r>
-                      <a:endParaRPr lang="en-US" sz="1600" dirty="0" smtClean="0"/>
+                      <a:endParaRPr lang="en-US" sz="1600" dirty="0"/>
                     </a:p>
                   </a:txBody>
                   <a:tcPr anchor="ctr">
@@ -5001,17 +4991,16 @@
                     <a:p>
                       <a:pPr algn="ctr"/>
                       <a:r>
-                        <a:rPr lang="en-US" sz="1600" dirty="0" smtClean="0"/>
+                        <a:rPr lang="en-US" sz="1600" dirty="0"/>
                         <a:t>45.5  (16.4)</a:t>
                       </a:r>
                     </a:p>
                     <a:p>
                       <a:pPr algn="ctr"/>
                       <a:r>
-                        <a:rPr lang="en-US" sz="1600" dirty="0" smtClean="0"/>
+                        <a:rPr lang="en-US" sz="1600" dirty="0"/>
                         <a:t>[13.0, 96.9]</a:t>
                       </a:r>
-                      <a:endParaRPr lang="en-US" sz="1600" dirty="0"/>
                     </a:p>
                   </a:txBody>
                   <a:tcPr anchor="ctr">
@@ -5076,15 +5065,15 @@
                         <a:defRPr/>
                       </a:pPr>
                       <a:r>
-                        <a:rPr lang="en-US" sz="1600" dirty="0" smtClean="0"/>
+                        <a:rPr lang="en-US" sz="1600" dirty="0"/>
                         <a:t>45.8 </a:t>
                       </a:r>
                       <a:r>
-                        <a:rPr lang="en-US" sz="1600" baseline="0" dirty="0" smtClean="0"/>
+                        <a:rPr lang="en-US" sz="1600" baseline="0" dirty="0"/>
                         <a:t> </a:t>
                       </a:r>
                       <a:r>
-                        <a:rPr lang="en-US" sz="1600" dirty="0" smtClean="0"/>
+                        <a:rPr lang="en-US" sz="1600" dirty="0"/>
                         <a:t>(16.5)</a:t>
                       </a:r>
                     </a:p>
@@ -5107,7 +5096,7 @@
                         <a:defRPr/>
                       </a:pPr>
                       <a:r>
-                        <a:rPr lang="en-US" sz="1600" dirty="0" smtClean="0"/>
+                        <a:rPr lang="en-US" sz="1600" dirty="0"/>
                         <a:t>[13.0, 96.9]</a:t>
                       </a:r>
                     </a:p>
@@ -5183,7 +5172,7 @@
           <a:lstStyle/>
           <a:p>
             <a:r>
-              <a:rPr lang="en-US" sz="2800" dirty="0" smtClean="0"/>
+              <a:rPr lang="en-US" sz="2800" dirty="0"/>
               <a:t>Sample information</a:t>
             </a:r>
           </a:p>
@@ -5244,10 +5233,9 @@
                     <a:p>
                       <a:pPr algn="ctr"/>
                       <a:r>
-                        <a:rPr lang="en-US" sz="1400" b="1" dirty="0" smtClean="0"/>
+                        <a:rPr lang="en-US" sz="1400" b="1" dirty="0"/>
                         <a:t>DLPFC</a:t>
                       </a:r>
-                      <a:endParaRPr lang="en-US" sz="1400" b="1" dirty="0"/>
                     </a:p>
                   </a:txBody>
                   <a:tcPr anchor="ctr">
@@ -5296,10 +5284,9 @@
                     <a:p>
                       <a:pPr algn="ctr"/>
                       <a:r>
-                        <a:rPr lang="en-US" sz="1400" b="0" dirty="0" smtClean="0"/>
+                        <a:rPr lang="en-US" sz="1400" b="0" dirty="0"/>
                         <a:t>F</a:t>
                       </a:r>
-                      <a:endParaRPr lang="en-US" sz="1400" b="0" dirty="0"/>
                     </a:p>
                   </a:txBody>
                   <a:tcPr anchor="ctr">
@@ -5348,10 +5335,9 @@
                     <a:p>
                       <a:pPr algn="ctr"/>
                       <a:r>
-                        <a:rPr lang="en-US" sz="1400" b="0" dirty="0" smtClean="0"/>
+                        <a:rPr lang="en-US" sz="1400" b="0" dirty="0"/>
                         <a:t>M</a:t>
                       </a:r>
-                      <a:endParaRPr lang="en-US" sz="1400" b="0" dirty="0"/>
                     </a:p>
                   </a:txBody>
                   <a:tcPr anchor="ctr">
@@ -5407,10 +5393,9 @@
                     <a:p>
                       <a:pPr algn="l"/>
                       <a:r>
-                        <a:rPr lang="en-US" sz="1400" b="0" dirty="0" smtClean="0"/>
+                        <a:rPr lang="en-US" sz="1400" b="0" dirty="0"/>
                         <a:t>Control</a:t>
                       </a:r>
-                      <a:endParaRPr lang="en-US" sz="1400" b="0" dirty="0"/>
                     </a:p>
                   </a:txBody>
                   <a:tcPr anchor="ctr">
@@ -5459,10 +5444,9 @@
                     <a:p>
                       <a:pPr algn="ctr"/>
                       <a:r>
-                        <a:rPr lang="en-US" sz="1400" b="0" dirty="0" smtClean="0"/>
+                        <a:rPr lang="en-US" sz="1400" b="0" dirty="0"/>
                         <a:t>75</a:t>
                       </a:r>
-                      <a:endParaRPr lang="en-US" sz="1400" b="0" dirty="0"/>
                     </a:p>
                   </a:txBody>
                   <a:tcPr anchor="ctr">
@@ -5511,10 +5495,9 @@
                     <a:p>
                       <a:pPr algn="ctr"/>
                       <a:r>
-                        <a:rPr lang="en-US" sz="1400" b="0" dirty="0" smtClean="0"/>
+                        <a:rPr lang="en-US" sz="1400" b="0" dirty="0"/>
                         <a:t>169</a:t>
                       </a:r>
-                      <a:endParaRPr lang="en-US" sz="1400" b="0" dirty="0"/>
                     </a:p>
                   </a:txBody>
                   <a:tcPr anchor="ctr">
@@ -5586,10 +5569,10 @@
                         <a:defRPr/>
                       </a:pPr>
                       <a:r>
-                        <a:rPr lang="en-US" sz="1400" b="0" dirty="0" err="1" smtClean="0"/>
+                        <a:rPr lang="en-US" sz="1400" b="0" dirty="0" err="1"/>
                         <a:t>Schiz</a:t>
                       </a:r>
-                      <a:endParaRPr lang="en-US" sz="1400" b="0" dirty="0" smtClean="0"/>
+                      <a:endParaRPr lang="en-US" sz="1400" b="0" dirty="0"/>
                     </a:p>
                   </a:txBody>
                   <a:tcPr anchor="ctr">
@@ -5638,10 +5621,9 @@
                     <a:p>
                       <a:pPr algn="ctr"/>
                       <a:r>
-                        <a:rPr lang="en-US" sz="1400" b="0" dirty="0" smtClean="0"/>
+                        <a:rPr lang="en-US" sz="1400" b="0" dirty="0"/>
                         <a:t>49</a:t>
                       </a:r>
-                      <a:endParaRPr lang="en-US" sz="1400" b="0" dirty="0"/>
                     </a:p>
                   </a:txBody>
                   <a:tcPr anchor="ctr">
@@ -5690,10 +5672,9 @@
                     <a:p>
                       <a:pPr algn="ctr"/>
                       <a:r>
-                        <a:rPr lang="en-US" sz="1400" b="0" dirty="0" smtClean="0"/>
+                        <a:rPr lang="en-US" sz="1400" b="0" dirty="0"/>
                         <a:t>104</a:t>
                       </a:r>
-                      <a:endParaRPr lang="en-US" sz="1400" b="0" dirty="0"/>
                     </a:p>
                   </a:txBody>
                   <a:tcPr anchor="ctr">
@@ -5800,10 +5781,9 @@
                     <a:p>
                       <a:pPr algn="ctr"/>
                       <a:r>
-                        <a:rPr lang="en-US" sz="1400" b="1" dirty="0" smtClean="0"/>
+                        <a:rPr lang="en-US" sz="1400" b="1" dirty="0"/>
                         <a:t>Hippo</a:t>
                       </a:r>
-                      <a:endParaRPr lang="en-US" sz="1400" b="1" dirty="0"/>
                     </a:p>
                   </a:txBody>
                   <a:tcPr anchor="ctr">
@@ -5852,10 +5832,9 @@
                     <a:p>
                       <a:pPr algn="ctr"/>
                       <a:r>
-                        <a:rPr lang="en-US" sz="1400" b="0" dirty="0" smtClean="0"/>
+                        <a:rPr lang="en-US" sz="1400" b="0" dirty="0"/>
                         <a:t>F</a:t>
                       </a:r>
-                      <a:endParaRPr lang="en-US" sz="1400" b="0" dirty="0"/>
                     </a:p>
                   </a:txBody>
                   <a:tcPr anchor="ctr">
@@ -5904,10 +5883,9 @@
                     <a:p>
                       <a:pPr algn="ctr"/>
                       <a:r>
-                        <a:rPr lang="en-US" sz="1400" b="0" dirty="0" smtClean="0"/>
+                        <a:rPr lang="en-US" sz="1400" b="0" dirty="0"/>
                         <a:t>M</a:t>
                       </a:r>
-                      <a:endParaRPr lang="en-US" sz="1400" b="0" dirty="0"/>
                     </a:p>
                   </a:txBody>
                   <a:tcPr anchor="ctr">
@@ -5963,10 +5941,9 @@
                     <a:p>
                       <a:pPr algn="l"/>
                       <a:r>
-                        <a:rPr lang="en-US" sz="1400" b="0" dirty="0" smtClean="0"/>
+                        <a:rPr lang="en-US" sz="1400" b="0" dirty="0"/>
                         <a:t>Control</a:t>
                       </a:r>
-                      <a:endParaRPr lang="en-US" sz="1400" b="0" dirty="0"/>
                     </a:p>
                   </a:txBody>
                   <a:tcPr anchor="ctr">
@@ -6015,10 +5992,9 @@
                     <a:p>
                       <a:pPr algn="ctr"/>
                       <a:r>
-                        <a:rPr lang="en-US" sz="1400" b="0" dirty="0" smtClean="0"/>
+                        <a:rPr lang="en-US" sz="1400" b="0" dirty="0"/>
                         <a:t>79</a:t>
                       </a:r>
-                      <a:endParaRPr lang="en-US" sz="1400" b="0" dirty="0"/>
                     </a:p>
                   </a:txBody>
                   <a:tcPr anchor="ctr">
@@ -6067,10 +6043,9 @@
                     <a:p>
                       <a:pPr algn="ctr"/>
                       <a:r>
-                        <a:rPr lang="en-US" sz="1400" b="0" dirty="0" smtClean="0"/>
+                        <a:rPr lang="en-US" sz="1400" b="0" dirty="0"/>
                         <a:t>183</a:t>
                       </a:r>
-                      <a:endParaRPr lang="en-US" sz="1400" b="0" dirty="0"/>
                     </a:p>
                   </a:txBody>
                   <a:tcPr anchor="ctr">
@@ -6142,10 +6117,10 @@
                         <a:defRPr/>
                       </a:pPr>
                       <a:r>
-                        <a:rPr lang="en-US" sz="1400" b="0" dirty="0" err="1" smtClean="0"/>
+                        <a:rPr lang="en-US" sz="1400" b="0" dirty="0" err="1"/>
                         <a:t>Schiz</a:t>
                       </a:r>
-                      <a:endParaRPr lang="en-US" sz="1400" b="0" dirty="0" smtClean="0"/>
+                      <a:endParaRPr lang="en-US" sz="1400" b="0" dirty="0"/>
                     </a:p>
                   </a:txBody>
                   <a:tcPr anchor="ctr">
@@ -6194,10 +6169,9 @@
                     <a:p>
                       <a:pPr algn="ctr"/>
                       <a:r>
-                        <a:rPr lang="en-US" sz="1400" b="0" dirty="0" smtClean="0"/>
+                        <a:rPr lang="en-US" sz="1400" b="0" dirty="0"/>
                         <a:t>47</a:t>
                       </a:r>
-                      <a:endParaRPr lang="en-US" sz="1400" b="0" dirty="0"/>
                     </a:p>
                   </a:txBody>
                   <a:tcPr anchor="ctr">
@@ -6246,10 +6220,9 @@
                     <a:p>
                       <a:pPr algn="ctr"/>
                       <a:r>
-                        <a:rPr lang="en-US" sz="1400" b="0" dirty="0" smtClean="0"/>
+                        <a:rPr lang="en-US" sz="1400" b="0" dirty="0"/>
                         <a:t>86</a:t>
                       </a:r>
-                      <a:endParaRPr lang="en-US" sz="1400" b="0" dirty="0"/>
                     </a:p>
                   </a:txBody>
                   <a:tcPr anchor="ctr">
@@ -6397,17 +6370,8 @@
               <a:rPr lang="en-US" dirty="0">
                 <a:latin typeface="+mn-lt"/>
               </a:rPr>
-              <a:t> </a:t>
+              <a:t> Analyses</a:t>
             </a:r>
-            <a:r>
-              <a:rPr lang="en-US" dirty="0" smtClean="0">
-                <a:latin typeface="+mn-lt"/>
-              </a:rPr>
-              <a:t>Analyses</a:t>
-            </a:r>
-            <a:endParaRPr lang="en-US" dirty="0">
-              <a:latin typeface="+mn-lt"/>
-            </a:endParaRPr>
           </a:p>
         </p:txBody>
       </p:sp>
@@ -6487,15 +6451,7 @@
                   <a:schemeClr val="tx1"/>
                 </a:solidFill>
               </a:rPr>
-              <a:t>Tested four features: gene, transcript, exon, and </a:t>
-            </a:r>
-            <a:r>
-              <a:rPr lang="en-US" sz="1800" kern="0" dirty="0" smtClean="0">
-                <a:solidFill>
-                  <a:schemeClr val="tx1"/>
-                </a:solidFill>
-              </a:rPr>
-              <a:t>junction</a:t>
+              <a:t>Tested four features: gene, transcript, exon, and junction</a:t>
             </a:r>
           </a:p>
           <a:p>
@@ -6513,34 +6469,10 @@
                   <a:schemeClr val="tx1"/>
                 </a:solidFill>
               </a:rPr>
-              <a:t>Adjusting for diagnosis, </a:t>
+              <a:t>Adjusting for diagnosis, sex, expression PCs and genetic ancestry components</a:t>
             </a:r>
             <a:r>
-              <a:rPr lang="en-US" sz="1800" dirty="0" smtClean="0">
-                <a:solidFill>
-                  <a:schemeClr val="tx1"/>
-                </a:solidFill>
-              </a:rPr>
-              <a:t>sex, expression </a:t>
-            </a:r>
-            <a:r>
-              <a:rPr lang="en-US" sz="1800" dirty="0">
-                <a:solidFill>
-                  <a:schemeClr val="tx1"/>
-                </a:solidFill>
-              </a:rPr>
-              <a:t>PCs and genetic ancestry </a:t>
-            </a:r>
-            <a:r>
-              <a:rPr lang="en-US" sz="1800" dirty="0" smtClean="0">
-                <a:solidFill>
-                  <a:schemeClr val="tx1"/>
-                </a:solidFill>
-              </a:rPr>
-              <a:t>components</a:t>
-            </a:r>
-            <a:r>
-              <a:rPr lang="en-US" sz="1800" kern="0" dirty="0" smtClean="0">
+              <a:rPr lang="en-US" sz="1800" kern="0" dirty="0">
                 <a:solidFill>
                   <a:schemeClr val="tx1"/>
                 </a:solidFill>
@@ -6558,34 +6490,13 @@
               <a:buChar char="•"/>
             </a:pPr>
             <a:r>
-              <a:rPr lang="en-US" sz="1800" kern="0" dirty="0" smtClean="0">
-                <a:solidFill>
-                  <a:schemeClr val="tx1"/>
-                </a:solidFill>
-              </a:rPr>
-              <a:t>Mean </a:t>
-            </a:r>
-            <a:r>
               <a:rPr lang="en-US" sz="1800" kern="0" dirty="0">
                 <a:solidFill>
                   <a:schemeClr val="tx1"/>
                 </a:solidFill>
               </a:rPr>
-              <a:t>expression </a:t>
+              <a:t>Mean expression cut-offs - calculated with all samples (both regions, all ages): </a:t>
             </a:r>
-            <a:r>
-              <a:rPr lang="en-US" sz="1800" kern="0" dirty="0" smtClean="0">
-                <a:solidFill>
-                  <a:schemeClr val="tx1"/>
-                </a:solidFill>
-              </a:rPr>
-              <a:t>cut-offs - calculated with all samples (both regions, all ages): </a:t>
-            </a:r>
-            <a:endParaRPr lang="en-US" sz="1800" kern="0" dirty="0">
-              <a:solidFill>
-                <a:schemeClr val="tx1"/>
-              </a:solidFill>
-            </a:endParaRPr>
           </a:p>
           <a:p>
             <a:pPr marL="521208" lvl="1" indent="-228600">
@@ -6638,23 +6549,7 @@
                   <a:schemeClr val="tx1"/>
                 </a:solidFill>
               </a:rPr>
-              <a:t>Jxn </a:t>
-            </a:r>
-            <a:r>
-              <a:rPr lang="de-DE" kern="0" dirty="0" smtClean="0">
-                <a:solidFill>
-                  <a:schemeClr val="tx1"/>
-                </a:solidFill>
-              </a:rPr>
-              <a:t>0.46 </a:t>
-            </a:r>
-            <a:r>
-              <a:rPr lang="de-DE" kern="0" dirty="0">
-                <a:solidFill>
-                  <a:schemeClr val="tx1"/>
-                </a:solidFill>
-              </a:rPr>
-              <a:t>(RP10M)</a:t>
+              <a:t>Jxn 0.46 (RP10M)</a:t>
             </a:r>
           </a:p>
           <a:p>
@@ -6672,31 +6567,7 @@
                   <a:schemeClr val="tx1"/>
                 </a:solidFill>
               </a:rPr>
-              <a:t>Tx </a:t>
-            </a:r>
-            <a:r>
-              <a:rPr lang="de-DE" kern="0" dirty="0" smtClean="0">
-                <a:solidFill>
-                  <a:schemeClr val="tx1"/>
-                </a:solidFill>
-              </a:rPr>
-              <a:t>0.38 </a:t>
-            </a:r>
-            <a:r>
-              <a:rPr lang="de-DE" kern="0" dirty="0">
-                <a:solidFill>
-                  <a:schemeClr val="tx1"/>
-                </a:solidFill>
-              </a:rPr>
-              <a:t>(</a:t>
-            </a:r>
-            <a:r>
-              <a:rPr lang="de-DE" kern="0" dirty="0" smtClean="0">
-                <a:solidFill>
-                  <a:schemeClr val="tx1"/>
-                </a:solidFill>
-              </a:rPr>
-              <a:t>TPM)</a:t>
+              <a:t>Tx 0.38 (TPM)</a:t>
             </a:r>
           </a:p>
           <a:p>
@@ -6726,7 +6597,7 @@
               <a:buFont typeface="Arial" panose="020B0604020202020204" pitchFamily="34" charset="0"/>
               <a:buChar char="•"/>
             </a:pPr>
-            <a:endParaRPr lang="de-DE" kern="0" dirty="0" smtClean="0">
+            <a:endParaRPr lang="de-DE" kern="0" dirty="0">
               <a:solidFill>
                 <a:schemeClr val="tx1"/>
               </a:solidFill>
@@ -6814,16 +6685,10 @@
               <a:rPr lang="en-US" dirty="0">
                 <a:latin typeface="+mn-lt"/>
               </a:rPr>
-              <a:t> </a:t>
+              <a:t> Analysis - </a:t>
             </a:r>
             <a:r>
-              <a:rPr lang="en-US" dirty="0" smtClean="0">
-                <a:latin typeface="+mn-lt"/>
-              </a:rPr>
-              <a:t>Analysis - </a:t>
-            </a:r>
-            <a:r>
-              <a:rPr lang="en-US" dirty="0" err="1" smtClean="0">
+              <a:rPr lang="en-US" dirty="0" err="1">
                 <a:latin typeface="+mn-lt"/>
               </a:rPr>
               <a:t>rAggr</a:t>
@@ -6849,14 +6714,14 @@
           <p:nvPr>
             <p:extLst>
               <p:ext uri="{D42A27DB-BD31-4B8C-83A1-F6EECF244321}">
-                <p14:modId xmlns:p14="http://schemas.microsoft.com/office/powerpoint/2010/main" val="479551316"/>
+                <p14:modId xmlns:p14="http://schemas.microsoft.com/office/powerpoint/2010/main" val="756372014"/>
               </p:ext>
             </p:extLst>
           </p:nvPr>
         </p:nvGraphicFramePr>
         <p:xfrm>
-          <a:off x="725986" y="2959718"/>
-          <a:ext cx="8154575" cy="2789772"/>
+          <a:off x="2735885" y="2959718"/>
+          <a:ext cx="6144675" cy="2789772"/>
         </p:xfrm>
         <a:graphic>
           <a:graphicData uri="http://schemas.openxmlformats.org/drawingml/2006/table">
@@ -6865,21 +6730,21 @@
                 <a:tableStyleId>{2D5ABB26-0587-4C30-8999-92F81FD0307C}</a:tableStyleId>
               </a:tblPr>
               <a:tblGrid>
-                <a:gridCol w="3957633">
+                <a:gridCol w="2982175">
                   <a:extLst>
                     <a:ext uri="{9D8B030D-6E8A-4147-A177-3AD203B41FA5}">
                       <a16:colId xmlns:a16="http://schemas.microsoft.com/office/drawing/2014/main" val="1143890325"/>
                     </a:ext>
                   </a:extLst>
                 </a:gridCol>
-                <a:gridCol w="2098471">
+                <a:gridCol w="1581250">
                   <a:extLst>
                     <a:ext uri="{9D8B030D-6E8A-4147-A177-3AD203B41FA5}">
                       <a16:colId xmlns:a16="http://schemas.microsoft.com/office/drawing/2014/main" val="3732076525"/>
                     </a:ext>
                   </a:extLst>
                 </a:gridCol>
-                <a:gridCol w="2098471">
+                <a:gridCol w="1581250">
                   <a:extLst>
                     <a:ext uri="{9D8B030D-6E8A-4147-A177-3AD203B41FA5}">
                       <a16:colId xmlns:a16="http://schemas.microsoft.com/office/drawing/2014/main" val="953123779"/>
@@ -6943,10 +6808,9 @@
                     <a:p>
                       <a:pPr algn="ctr"/>
                       <a:r>
-                        <a:rPr lang="en-US" sz="1800" b="1" smtClean="0"/>
-                        <a:t>Hippo (n=395)</a:t>
-                      </a:r>
-                      <a:endParaRPr lang="en-US" sz="1800" b="1" dirty="0"/>
+                        <a:rPr lang="en-US" sz="1800" b="1" dirty="0"/>
+                        <a:t>HIPPO (n=395)</a:t>
+                      </a:r>
                     </a:p>
                   </a:txBody>
                   <a:tcPr anchor="ctr">
@@ -6995,10 +6859,9 @@
                     <a:p>
                       <a:pPr algn="ctr"/>
                       <a:r>
-                        <a:rPr lang="en-US" sz="1800" b="1" dirty="0" smtClean="0"/>
+                        <a:rPr lang="en-US" sz="1800" b="1" dirty="0"/>
                         <a:t>DLPFC (n=397)</a:t>
                       </a:r>
-                      <a:endParaRPr lang="en-US" sz="1800" b="1" dirty="0"/>
                     </a:p>
                   </a:txBody>
                   <a:tcPr anchor="ctr">
@@ -7055,13 +6918,8 @@
                       <a:pPr algn="l"/>
                       <a:r>
                         <a:rPr lang="en-US" sz="1600" dirty="0"/>
-                        <a:t># </a:t>
-                      </a:r>
-                      <a:r>
-                        <a:rPr lang="en-US" sz="1600" dirty="0" smtClean="0"/>
-                        <a:t>SNPs (# index)</a:t>
-                      </a:r>
-                      <a:endParaRPr lang="en-US" sz="1600" dirty="0"/>
+                        <a:t># SNPs (# index; # risk loci)</a:t>
+                      </a:r>
                     </a:p>
                   </a:txBody>
                   <a:tcPr anchor="ctr">
@@ -7110,10 +6968,9 @@
                     <a:p>
                       <a:pPr algn="ctr"/>
                       <a:r>
-                        <a:rPr lang="en-US" sz="1600" dirty="0" smtClean="0"/>
-                        <a:t>9692 (135)</a:t>
-                      </a:r>
-                      <a:endParaRPr lang="en-US" sz="1600" dirty="0"/>
+                        <a:rPr lang="en-US" sz="1600" dirty="0"/>
+                        <a:t>9692 (135; 163)</a:t>
+                      </a:r>
                     </a:p>
                   </a:txBody>
                   <a:tcPr anchor="ctr">
@@ -7268,10 +7125,9 @@
                     <a:p>
                       <a:pPr algn="ctr"/>
                       <a:r>
-                        <a:rPr lang="en-US" sz="1600" dirty="0" smtClean="0"/>
+                        <a:rPr lang="en-US" sz="1600" dirty="0"/>
                         <a:t>24,652</a:t>
                       </a:r>
-                      <a:endParaRPr lang="en-US" sz="1600" dirty="0"/>
                     </a:p>
                   </a:txBody>
                   <a:tcPr anchor="ctr">
@@ -7426,10 +7282,9 @@
                     <a:p>
                       <a:pPr algn="ctr"/>
                       <a:r>
-                        <a:rPr lang="en-US" sz="1600" dirty="0" smtClean="0"/>
+                        <a:rPr lang="en-US" sz="1600" dirty="0"/>
                         <a:t>92,732 (31,707)</a:t>
                       </a:r>
-                      <a:endParaRPr lang="en-US" sz="1600" dirty="0"/>
                     </a:p>
                   </a:txBody>
                   <a:tcPr anchor="ctr">
@@ -7616,7 +7471,7 @@
                         <a:defRPr/>
                       </a:pPr>
                       <a:r>
-                        <a:rPr lang="en-US" sz="1600" dirty="0" smtClean="0"/>
+                        <a:rPr lang="en-US" sz="1600" dirty="0"/>
                         <a:t>396,583 (23,943)</a:t>
                       </a:r>
                       <a:endParaRPr lang="en-US" sz="1600" dirty="0">
@@ -7798,10 +7653,9 @@
                     <a:p>
                       <a:pPr algn="ctr"/>
                       <a:r>
-                        <a:rPr lang="en-US" sz="1600" dirty="0" smtClean="0"/>
+                        <a:rPr lang="en-US" sz="1600" dirty="0"/>
                         <a:t>297,181 (18,330)</a:t>
                       </a:r>
-                      <a:endParaRPr lang="en-US" sz="1600" dirty="0"/>
                     </a:p>
                   </a:txBody>
                   <a:tcPr anchor="ctr">
@@ -7924,18 +7778,17 @@
           <a:p>
             <a:pPr algn="ctr"/>
             <a:r>
-              <a:rPr lang="en-US" sz="2800" dirty="0" smtClean="0"/>
+              <a:rPr lang="en-US" sz="2800" dirty="0"/>
               <a:t>Inputs to </a:t>
             </a:r>
             <a:r>
-              <a:rPr lang="en-US" sz="2800" dirty="0" err="1" smtClean="0"/>
+              <a:rPr lang="en-US" sz="2800" dirty="0" err="1"/>
               <a:t>eQTL</a:t>
             </a:r>
             <a:r>
-              <a:rPr lang="en-US" sz="2800" dirty="0" smtClean="0"/>
+              <a:rPr lang="en-US" sz="2800" dirty="0"/>
               <a:t> analysis:</a:t>
             </a:r>
-            <a:endParaRPr lang="en-US" sz="2800" dirty="0"/>
           </a:p>
         </p:txBody>
       </p:sp>
@@ -7962,7 +7815,7 @@
           <a:p>
             <a:pPr algn="ctr"/>
             <a:r>
-              <a:rPr lang="en-US" sz="2400" spc="-50" dirty="0" smtClean="0">
+              <a:rPr lang="en-US" sz="2400" spc="-50" dirty="0">
                 <a:solidFill>
                   <a:schemeClr val="tx1">
                     <a:lumMod val="75000"/>
@@ -7975,7 +7828,7 @@
               <a:t>179</a:t>
             </a:r>
             <a:r>
-              <a:rPr lang="en-US" sz="2400" dirty="0" smtClean="0"/>
+              <a:rPr lang="en-US" sz="2400" dirty="0"/>
               <a:t> </a:t>
             </a:r>
             <a:r>
@@ -8066,13 +7919,7 @@
               <a:rPr lang="en-US" dirty="0">
                 <a:latin typeface="+mn-lt"/>
               </a:rPr>
-              <a:t> at </a:t>
-            </a:r>
-            <a:r>
-              <a:rPr lang="en-US" dirty="0" smtClean="0">
-                <a:latin typeface="+mn-lt"/>
-              </a:rPr>
-              <a:t>FDR &lt; 1% </a:t>
+              <a:t> at FDR &lt; 1% </a:t>
             </a:r>
             <a:r>
               <a:rPr lang="en-US" dirty="0"/>
@@ -8103,7 +7950,7 @@
           <p:nvPr>
             <p:extLst>
               <p:ext uri="{D42A27DB-BD31-4B8C-83A1-F6EECF244321}">
-                <p14:modId xmlns:p14="http://schemas.microsoft.com/office/powerpoint/2010/main" val="1481205532"/>
+                <p14:modId xmlns:p14="http://schemas.microsoft.com/office/powerpoint/2010/main" val="638386624"/>
               </p:ext>
             </p:extLst>
           </p:nvPr>
@@ -8197,10 +8044,9 @@
                     <a:p>
                       <a:pPr algn="ctr"/>
                       <a:r>
-                        <a:rPr lang="en-US" sz="1800" dirty="0" smtClean="0"/>
-                        <a:t>Hippocampus</a:t>
-                      </a:r>
-                      <a:endParaRPr lang="en-US" sz="1800" dirty="0"/>
+                        <a:rPr lang="en-US" sz="1800" dirty="0"/>
+                        <a:t>HIPPO</a:t>
+                      </a:r>
                     </a:p>
                   </a:txBody>
                   <a:tcPr anchor="ctr">
@@ -8308,13 +8154,8 @@
                       <a:pPr algn="l"/>
                       <a:r>
                         <a:rPr lang="en-US" sz="1800" dirty="0"/>
-                        <a:t># </a:t>
-                      </a:r>
-                      <a:r>
-                        <a:rPr lang="en-US" sz="1800" dirty="0" smtClean="0"/>
-                        <a:t>unique SNPs (unique index SNPs)</a:t>
-                      </a:r>
-                      <a:endParaRPr lang="en-US" sz="1800" dirty="0"/>
+                        <a:t># unique SNPs (risk loci)</a:t>
+                      </a:r>
                     </a:p>
                   </a:txBody>
                   <a:tcPr anchor="ctr">
@@ -8363,14 +8204,9 @@
                     <a:p>
                       <a:pPr algn="ctr"/>
                       <a:r>
-                        <a:rPr lang="en-US" sz="1600" dirty="0" smtClean="0"/>
-                        <a:t>5510 </a:t>
-                      </a:r>
-                      <a:r>
-                        <a:rPr lang="en-US" sz="1600" dirty="0" smtClean="0"/>
-                        <a:t>(103)</a:t>
-                      </a:r>
-                      <a:endParaRPr lang="en-US" sz="1600" dirty="0"/>
+                        <a:rPr lang="en-US" sz="1600" dirty="0"/>
+                        <a:t>5510 (103)</a:t>
+                      </a:r>
                     </a:p>
                   </a:txBody>
                   <a:tcPr anchor="ctr">
@@ -8419,14 +8255,9 @@
                     <a:p>
                       <a:pPr algn="ctr"/>
                       <a:r>
-                        <a:rPr lang="en-US" sz="1600" dirty="0" smtClean="0"/>
-                        <a:t>6780 </a:t>
-                      </a:r>
-                      <a:r>
-                        <a:rPr lang="en-US" sz="1600" dirty="0" smtClean="0"/>
-                        <a:t>(116)</a:t>
-                      </a:r>
-                      <a:endParaRPr lang="en-US" sz="1600" dirty="0"/>
+                        <a:rPr lang="en-US" sz="1600" dirty="0"/>
+                        <a:t>6780 (116)</a:t>
+                      </a:r>
                     </a:p>
                   </a:txBody>
                   <a:tcPr anchor="ctr">
@@ -8483,13 +8314,8 @@
                       <a:pPr algn="l"/>
                       <a:r>
                         <a:rPr lang="en-US" sz="1800" dirty="0"/>
-                        <a:t># </a:t>
-                      </a:r>
-                      <a:r>
-                        <a:rPr lang="en-US" sz="1800" dirty="0" smtClean="0"/>
-                        <a:t>unique features</a:t>
-                      </a:r>
-                      <a:endParaRPr lang="en-US" sz="1800" dirty="0"/>
+                        <a:t># unique features</a:t>
+                      </a:r>
                     </a:p>
                   </a:txBody>
                   <a:tcPr anchor="ctr">
@@ -8556,7 +8382,7 @@
                         <a:defRPr/>
                       </a:pPr>
                       <a:r>
-                        <a:rPr lang="en-US" sz="1600" dirty="0" smtClean="0"/>
+                        <a:rPr lang="en-US" sz="1600" dirty="0"/>
                         <a:t>1731</a:t>
                       </a:r>
                     </a:p>
@@ -8609,10 +8435,9 @@
                     <a:p>
                       <a:pPr algn="ctr"/>
                       <a:r>
-                        <a:rPr lang="en-US" sz="1600" dirty="0" smtClean="0"/>
+                        <a:rPr lang="en-US" sz="1600" dirty="0"/>
                         <a:t>2525</a:t>
                       </a:r>
-                      <a:endParaRPr lang="en-US" sz="1600" dirty="0"/>
                     </a:p>
                   </a:txBody>
                   <a:tcPr anchor="ctr">
@@ -8671,13 +8496,8 @@
                       <a:pPr algn="l"/>
                       <a:r>
                         <a:rPr lang="en-US" sz="1800" dirty="0"/>
-                        <a:t># </a:t>
-                      </a:r>
-                      <a:r>
-                        <a:rPr lang="en-US" sz="1800" dirty="0" smtClean="0"/>
-                        <a:t>Unique genes</a:t>
-                      </a:r>
-                      <a:endParaRPr lang="en-US" sz="1800" dirty="0"/>
+                        <a:t># Unique genes</a:t>
+                      </a:r>
                     </a:p>
                   </a:txBody>
                   <a:tcPr marL="548640" anchor="ctr">
@@ -8746,7 +8566,7 @@
                         <a:defRPr/>
                       </a:pPr>
                       <a:r>
-                        <a:rPr lang="en-US" sz="1600" dirty="0" smtClean="0"/>
+                        <a:rPr lang="en-US" sz="1600" dirty="0"/>
                         <a:t>123</a:t>
                       </a:r>
                     </a:p>
@@ -8801,10 +8621,9 @@
                     <a:p>
                       <a:pPr algn="ctr"/>
                       <a:r>
-                        <a:rPr lang="en-US" sz="1600" dirty="0" smtClean="0"/>
+                        <a:rPr lang="en-US" sz="1600" dirty="0"/>
                         <a:t>171</a:t>
                       </a:r>
-                      <a:endParaRPr lang="en-US" sz="1600" dirty="0"/>
                     </a:p>
                   </a:txBody>
                   <a:tcPr anchor="ctr">
@@ -8881,11 +8700,7 @@
                       </a:pPr>
                       <a:r>
                         <a:rPr lang="en-US" sz="1800" dirty="0"/>
-                        <a:t># </a:t>
-                      </a:r>
-                      <a:r>
-                        <a:rPr lang="en-US" sz="1800" dirty="0" smtClean="0"/>
-                        <a:t>Unique transcripts</a:t>
+                        <a:t># Unique transcripts</a:t>
                       </a:r>
                     </a:p>
                   </a:txBody>
@@ -8955,7 +8770,7 @@
                         <a:defRPr/>
                       </a:pPr>
                       <a:r>
-                        <a:rPr lang="en-US" sz="1600" dirty="0" smtClean="0"/>
+                        <a:rPr lang="en-US" sz="1600" dirty="0"/>
                         <a:t>244</a:t>
                       </a:r>
                     </a:p>
@@ -9010,10 +8825,9 @@
                     <a:p>
                       <a:pPr algn="ctr"/>
                       <a:r>
-                        <a:rPr lang="en-US" sz="1600" dirty="0" smtClean="0"/>
+                        <a:rPr lang="en-US" sz="1600" dirty="0"/>
                         <a:t>332</a:t>
                       </a:r>
-                      <a:endParaRPr lang="en-US" sz="1600" dirty="0"/>
                     </a:p>
                   </a:txBody>
                   <a:tcPr anchor="ctr">
@@ -9089,7 +8903,7 @@
                         <a:defRPr/>
                       </a:pPr>
                       <a:r>
-                        <a:rPr kumimoji="0" lang="en-US" sz="1800" b="0" i="0" u="none" strike="noStrike" kern="1200" cap="none" spc="0" normalizeH="0" baseline="0" noProof="0" dirty="0" smtClean="0">
+                        <a:rPr kumimoji="0" lang="en-US" sz="1800" b="0" i="0" u="none" strike="noStrike" kern="1200" cap="none" spc="0" normalizeH="0" baseline="0" noProof="0" dirty="0">
                           <a:ln>
                             <a:noFill/>
                           </a:ln>
@@ -9173,7 +8987,7 @@
                         <a:defRPr/>
                       </a:pPr>
                       <a:r>
-                        <a:rPr lang="en-US" sz="1600" dirty="0" smtClean="0"/>
+                        <a:rPr lang="en-US" sz="1600" dirty="0"/>
                         <a:t>857</a:t>
                       </a:r>
                     </a:p>
@@ -9228,10 +9042,9 @@
                     <a:p>
                       <a:pPr algn="ctr"/>
                       <a:r>
-                        <a:rPr lang="en-US" sz="1600" dirty="0" smtClean="0"/>
+                        <a:rPr lang="en-US" sz="1600" dirty="0"/>
                         <a:t>1363</a:t>
                       </a:r>
-                      <a:endParaRPr lang="en-US" sz="1600" dirty="0"/>
                     </a:p>
                   </a:txBody>
                   <a:tcPr anchor="ctr">
@@ -9307,7 +9120,7 @@
                         <a:defRPr/>
                       </a:pPr>
                       <a:r>
-                        <a:rPr kumimoji="0" lang="en-US" sz="1800" b="0" i="0" u="none" strike="noStrike" kern="1200" cap="none" spc="0" normalizeH="0" baseline="0" noProof="0" dirty="0" smtClean="0">
+                        <a:rPr kumimoji="0" lang="en-US" sz="1800" b="0" i="0" u="none" strike="noStrike" kern="1200" cap="none" spc="0" normalizeH="0" baseline="0" noProof="0" dirty="0">
                           <a:ln>
                             <a:noFill/>
                           </a:ln>
@@ -9389,7 +9202,7 @@
                         <a:defRPr/>
                       </a:pPr>
                       <a:r>
-                        <a:rPr lang="en-US" sz="1600" dirty="0" smtClean="0"/>
+                        <a:rPr lang="en-US" sz="1600" dirty="0"/>
                         <a:t>507</a:t>
                       </a:r>
                     </a:p>
@@ -9442,10 +9255,9 @@
                     <a:p>
                       <a:pPr algn="ctr"/>
                       <a:r>
-                        <a:rPr lang="en-US" sz="1600" dirty="0" smtClean="0"/>
+                        <a:rPr lang="en-US" sz="1600" dirty="0"/>
                         <a:t>659</a:t>
                       </a:r>
-                      <a:endParaRPr lang="en-US" sz="1600" dirty="0"/>
                     </a:p>
                   </a:txBody>
                   <a:tcPr anchor="ctr">
@@ -9504,14 +9316,10 @@
                       <a:pPr algn="l"/>
                       <a:r>
                         <a:rPr lang="en-US" sz="1800" dirty="0"/>
-                        <a:t># SNP-Feature </a:t>
-                      </a:r>
-                      <a:r>
-                        <a:rPr lang="en-US" sz="1800" dirty="0" smtClean="0"/>
-                        <a:t>Pairs (from #</a:t>
-                      </a:r>
-                      <a:r>
-                        <a:rPr lang="en-US" sz="1800" baseline="0" dirty="0" smtClean="0"/>
+                        <a:t># SNP-Feature Pairs (from #</a:t>
+                      </a:r>
+                      <a:r>
+                        <a:rPr lang="en-US" sz="1800" baseline="0" dirty="0"/>
                         <a:t> gene symbols)</a:t>
                       </a:r>
                       <a:endParaRPr lang="en-US" sz="1800" dirty="0"/>
@@ -9581,7 +9389,7 @@
                         <a:defRPr/>
                       </a:pPr>
                       <a:r>
-                        <a:rPr lang="en-US" sz="1600" dirty="0" smtClean="0"/>
+                        <a:rPr lang="en-US" sz="1600" dirty="0"/>
                         <a:t>66,923 (334)</a:t>
                       </a:r>
                     </a:p>
@@ -9634,10 +9442,9 @@
                     <a:p>
                       <a:pPr algn="ctr"/>
                       <a:r>
-                        <a:rPr lang="en-US" sz="1600" dirty="0" smtClean="0"/>
+                        <a:rPr lang="en-US" sz="1600" dirty="0"/>
                         <a:t>106,438 (412)</a:t>
                       </a:r>
-                      <a:endParaRPr lang="en-US" sz="1600" dirty="0"/>
                     </a:p>
                   </a:txBody>
                   <a:tcPr anchor="ctr">
@@ -9766,7 +9573,7 @@
                         <a:defRPr/>
                       </a:pPr>
                       <a:r>
-                        <a:rPr lang="en-US" sz="1600" dirty="0" smtClean="0"/>
+                        <a:rPr lang="en-US" sz="1600" dirty="0"/>
                         <a:t>4795 (123)</a:t>
                       </a:r>
                     </a:p>
@@ -9821,10 +9628,9 @@
                     <a:p>
                       <a:pPr algn="ctr"/>
                       <a:r>
-                        <a:rPr lang="en-US" sz="1600" dirty="0" smtClean="0"/>
+                        <a:rPr lang="en-US" sz="1600" dirty="0"/>
                         <a:t>7358 (171)</a:t>
                       </a:r>
-                      <a:endParaRPr lang="en-US" sz="1600" dirty="0"/>
                     </a:p>
                   </a:txBody>
                   <a:tcPr anchor="ctr">
@@ -9885,13 +9691,8 @@
                       <a:pPr algn="l"/>
                       <a:r>
                         <a:rPr lang="en-US" sz="1800" dirty="0"/>
-                        <a:t># SNP-Transcript </a:t>
-                      </a:r>
-                      <a:r>
-                        <a:rPr lang="en-US" sz="1800" dirty="0" smtClean="0"/>
-                        <a:t>Pairs</a:t>
-                      </a:r>
-                      <a:endParaRPr lang="en-US" sz="1800" dirty="0"/>
+                        <a:t># SNP-Transcript Pairs</a:t>
+                      </a:r>
                     </a:p>
                   </a:txBody>
                   <a:tcPr marL="548640" anchor="ctr">
@@ -9960,7 +9761,7 @@
                         <a:defRPr/>
                       </a:pPr>
                       <a:r>
-                        <a:rPr lang="en-US" sz="1600" dirty="0" smtClean="0"/>
+                        <a:rPr lang="en-US" sz="1600" dirty="0"/>
                         <a:t>9629 (170)</a:t>
                       </a:r>
                     </a:p>
@@ -10015,10 +9816,9 @@
                     <a:p>
                       <a:pPr algn="ctr"/>
                       <a:r>
-                        <a:rPr lang="en-US" sz="1600" dirty="0" smtClean="0"/>
+                        <a:rPr lang="en-US" sz="1600" dirty="0"/>
                         <a:t>13,218 (216)</a:t>
                       </a:r>
-                      <a:endParaRPr lang="en-US" sz="1600" dirty="0"/>
                     </a:p>
                   </a:txBody>
                   <a:tcPr anchor="ctr">
@@ -10079,13 +9879,8 @@
                       <a:pPr algn="l"/>
                       <a:r>
                         <a:rPr lang="en-US" sz="1800" dirty="0"/>
-                        <a:t># SNP-Exon </a:t>
-                      </a:r>
-                      <a:r>
-                        <a:rPr lang="en-US" sz="1800" dirty="0" smtClean="0"/>
-                        <a:t>Pairs</a:t>
-                      </a:r>
-                      <a:endParaRPr lang="en-US" sz="1800" dirty="0"/>
+                        <a:t># SNP-Exon Pairs</a:t>
+                      </a:r>
                     </a:p>
                   </a:txBody>
                   <a:tcPr marL="548640" anchor="ctr">
@@ -10154,7 +9949,7 @@
                         <a:defRPr/>
                       </a:pPr>
                       <a:r>
-                        <a:rPr lang="en-US" sz="1600" dirty="0" smtClean="0"/>
+                        <a:rPr lang="en-US" sz="1600" dirty="0"/>
                         <a:t>33,122 (216)</a:t>
                       </a:r>
                     </a:p>
@@ -10209,10 +10004,9 @@
                     <a:p>
                       <a:pPr algn="ctr"/>
                       <a:r>
-                        <a:rPr lang="en-US" sz="1600" dirty="0" smtClean="0"/>
+                        <a:rPr lang="en-US" sz="1600" dirty="0"/>
                         <a:t>57,986 (270)</a:t>
                       </a:r>
-                      <a:endParaRPr lang="en-US" sz="1600" dirty="0"/>
                     </a:p>
                   </a:txBody>
                   <a:tcPr anchor="ctr">
@@ -10273,13 +10067,8 @@
                       <a:pPr algn="l"/>
                       <a:r>
                         <a:rPr lang="en-US" sz="1800" dirty="0"/>
-                        <a:t># SNP-Junction </a:t>
-                      </a:r>
-                      <a:r>
-                        <a:rPr lang="en-US" sz="1800" dirty="0" smtClean="0"/>
-                        <a:t>Pairs</a:t>
-                      </a:r>
-                      <a:endParaRPr lang="en-US" sz="1800" dirty="0"/>
+                        <a:t># SNP-Junction Pairs</a:t>
+                      </a:r>
                     </a:p>
                   </a:txBody>
                   <a:tcPr marL="548640" anchor="ctr">
@@ -10346,7 +10135,7 @@
                         <a:defRPr/>
                       </a:pPr>
                       <a:r>
-                        <a:rPr lang="en-US" sz="1600" dirty="0" smtClean="0"/>
+                        <a:rPr lang="en-US" sz="1600" dirty="0"/>
                         <a:t>19,377 (165)</a:t>
                       </a:r>
                     </a:p>
@@ -10399,10 +10188,9 @@
                     <a:p>
                       <a:pPr algn="ctr"/>
                       <a:r>
-                        <a:rPr lang="en-US" sz="1600" dirty="0" smtClean="0"/>
+                        <a:rPr lang="en-US" sz="1600" dirty="0"/>
                         <a:t>27,876 (204)</a:t>
                       </a:r>
-                      <a:endParaRPr lang="en-US" sz="1600" dirty="0"/>
                     </a:p>
                   </a:txBody>
                   <a:tcPr anchor="ctr">
@@ -10557,13 +10345,7 @@
               <a:rPr lang="en-US" dirty="0">
                 <a:latin typeface="+mn-lt"/>
               </a:rPr>
-              <a:t> at </a:t>
-            </a:r>
-            <a:r>
-              <a:rPr lang="en-US" dirty="0" smtClean="0">
-                <a:latin typeface="+mn-lt"/>
-              </a:rPr>
-              <a:t>FDR &lt; 1% </a:t>
+              <a:t> at FDR &lt; 1% </a:t>
             </a:r>
             <a:r>
               <a:rPr lang="en-US" dirty="0"/>
@@ -10711,10 +10493,9 @@
                     <a:p>
                       <a:pPr algn="ctr"/>
                       <a:r>
-                        <a:rPr lang="en-US" sz="1800" dirty="0" smtClean="0"/>
+                        <a:rPr lang="en-US" sz="1800" dirty="0"/>
                         <a:t>Hippocampus</a:t>
                       </a:r>
-                      <a:endParaRPr lang="en-US" sz="1800" dirty="0"/>
                     </a:p>
                   </a:txBody>
                   <a:tcPr anchor="ctr">
@@ -10822,13 +10603,8 @@
                       <a:pPr algn="l"/>
                       <a:r>
                         <a:rPr lang="en-US" sz="1800" dirty="0"/>
-                        <a:t># </a:t>
-                      </a:r>
-                      <a:r>
-                        <a:rPr lang="en-US" sz="1800" dirty="0" smtClean="0"/>
-                        <a:t>unique SNPs (unique index SNPs)</a:t>
-                      </a:r>
-                      <a:endParaRPr lang="en-US" sz="1800" dirty="0"/>
+                        <a:t># unique SNPs (unique index SNPs)</a:t>
+                      </a:r>
                     </a:p>
                   </a:txBody>
                   <a:tcPr anchor="ctr">
@@ -10877,14 +10653,9 @@
                     <a:p>
                       <a:pPr algn="ctr"/>
                       <a:r>
-                        <a:rPr lang="en-US" sz="1600" dirty="0" smtClean="0"/>
-                        <a:t>5510 </a:t>
-                      </a:r>
-                      <a:r>
-                        <a:rPr lang="en-US" sz="1600" dirty="0" smtClean="0"/>
-                        <a:t>(103)</a:t>
-                      </a:r>
-                      <a:endParaRPr lang="en-US" sz="1600" dirty="0"/>
+                        <a:rPr lang="en-US" sz="1600" dirty="0"/>
+                        <a:t>5510 (103)</a:t>
+                      </a:r>
                     </a:p>
                   </a:txBody>
                   <a:tcPr anchor="ctr">
@@ -10933,14 +10704,9 @@
                     <a:p>
                       <a:pPr algn="ctr"/>
                       <a:r>
-                        <a:rPr lang="en-US" sz="1600" dirty="0" smtClean="0"/>
-                        <a:t>6780 </a:t>
-                      </a:r>
-                      <a:r>
-                        <a:rPr lang="en-US" sz="1600" dirty="0" smtClean="0"/>
-                        <a:t>(116)</a:t>
-                      </a:r>
-                      <a:endParaRPr lang="en-US" sz="1600" dirty="0"/>
+                        <a:rPr lang="en-US" sz="1600" dirty="0"/>
+                        <a:t>6780 (116)</a:t>
+                      </a:r>
                     </a:p>
                   </a:txBody>
                   <a:tcPr anchor="ctr">
@@ -11015,13 +10781,8 @@
           <a:p>
             <a:r>
               <a:rPr lang="en-US" dirty="0"/>
-              <a:t># unique </a:t>
+              <a:t># unique SNPs: </a:t>
             </a:r>
-            <a:r>
-              <a:rPr lang="en-US" dirty="0" smtClean="0"/>
-              <a:t>SNPs: </a:t>
-            </a:r>
-            <a:endParaRPr lang="en-US" dirty="0"/>
           </a:p>
         </p:txBody>
       </p:sp>
@@ -11048,13 +10809,8 @@
           <a:p>
             <a:r>
               <a:rPr lang="en-US" dirty="0"/>
-              <a:t># unique </a:t>
+              <a:t># unique index SNPs: </a:t>
             </a:r>
-            <a:r>
-              <a:rPr lang="en-US" dirty="0" smtClean="0"/>
-              <a:t>index SNPs: </a:t>
-            </a:r>
-            <a:endParaRPr lang="en-US" dirty="0"/>
           </a:p>
         </p:txBody>
       </p:sp>
@@ -11081,18 +10837,13 @@
           <a:lstStyle/>
           <a:p>
             <a:r>
-              <a:rPr lang="en-US" dirty="0" smtClean="0">
+              <a:rPr lang="en-US" dirty="0">
                 <a:solidFill>
                   <a:srgbClr val="C00000"/>
                 </a:solidFill>
               </a:rPr>
               <a:t>Updated 9/5:</a:t>
             </a:r>
-            <a:endParaRPr lang="en-US" dirty="0">
-              <a:solidFill>
-                <a:srgbClr val="C00000"/>
-              </a:solidFill>
-            </a:endParaRPr>
           </a:p>
         </p:txBody>
       </p:sp>
@@ -11168,13 +10919,7 @@
               <a:rPr lang="en-US" dirty="0">
                 <a:latin typeface="+mn-lt"/>
               </a:rPr>
-              <a:t> at </a:t>
-            </a:r>
-            <a:r>
-              <a:rPr lang="en-US" dirty="0" smtClean="0">
-                <a:latin typeface="+mn-lt"/>
-              </a:rPr>
-              <a:t>FDR &lt; 1% </a:t>
+              <a:t> at FDR &lt; 1% </a:t>
             </a:r>
             <a:r>
               <a:rPr lang="en-US" dirty="0"/>
@@ -11299,10 +11044,9 @@
                     <a:p>
                       <a:pPr algn="ctr"/>
                       <a:r>
-                        <a:rPr lang="en-US" sz="1800" dirty="0" smtClean="0"/>
+                        <a:rPr lang="en-US" sz="1800" dirty="0"/>
                         <a:t>Hippocampus</a:t>
                       </a:r>
-                      <a:endParaRPr lang="en-US" sz="1800" dirty="0"/>
                     </a:p>
                   </a:txBody>
                   <a:tcPr anchor="ctr">
@@ -11410,13 +11154,8 @@
                       <a:pPr algn="l"/>
                       <a:r>
                         <a:rPr lang="en-US" sz="1800" dirty="0"/>
-                        <a:t># </a:t>
-                      </a:r>
-                      <a:r>
-                        <a:rPr lang="en-US" sz="1800" dirty="0" smtClean="0"/>
-                        <a:t>unique SNPs (unique index SNPs)</a:t>
-                      </a:r>
-                      <a:endParaRPr lang="en-US" sz="1800" dirty="0"/>
+                        <a:t># unique SNPs (unique index SNPs)</a:t>
+                      </a:r>
                     </a:p>
                   </a:txBody>
                   <a:tcPr anchor="ctr">
@@ -11465,14 +11204,9 @@
                     <a:p>
                       <a:pPr algn="ctr"/>
                       <a:r>
-                        <a:rPr lang="en-US" sz="1600" dirty="0" smtClean="0"/>
-                        <a:t>5510 </a:t>
-                      </a:r>
-                      <a:r>
-                        <a:rPr lang="en-US" sz="1600" dirty="0" smtClean="0"/>
-                        <a:t>(103)</a:t>
-                      </a:r>
-                      <a:endParaRPr lang="en-US" sz="1600" dirty="0"/>
+                        <a:rPr lang="en-US" sz="1600" dirty="0"/>
+                        <a:t>5510 (103)</a:t>
+                      </a:r>
                     </a:p>
                   </a:txBody>
                   <a:tcPr anchor="ctr">
@@ -11521,14 +11255,9 @@
                     <a:p>
                       <a:pPr algn="ctr"/>
                       <a:r>
-                        <a:rPr lang="en-US" sz="1600" dirty="0" smtClean="0"/>
-                        <a:t>6780 </a:t>
-                      </a:r>
-                      <a:r>
-                        <a:rPr lang="en-US" sz="1600" dirty="0" smtClean="0"/>
-                        <a:t>(116)</a:t>
-                      </a:r>
-                      <a:endParaRPr lang="en-US" sz="1600" dirty="0"/>
+                        <a:rPr lang="en-US" sz="1600" dirty="0"/>
+                        <a:t>6780 (116)</a:t>
+                      </a:r>
                     </a:p>
                   </a:txBody>
                   <a:tcPr anchor="ctr">
@@ -11585,13 +11314,8 @@
                       <a:pPr algn="l"/>
                       <a:r>
                         <a:rPr lang="en-US" sz="1800" dirty="0"/>
-                        <a:t># </a:t>
-                      </a:r>
-                      <a:r>
-                        <a:rPr lang="en-US" sz="1800" dirty="0" smtClean="0"/>
-                        <a:t>unique features</a:t>
-                      </a:r>
-                      <a:endParaRPr lang="en-US" sz="1800" dirty="0"/>
+                        <a:t># unique features</a:t>
+                      </a:r>
                     </a:p>
                   </a:txBody>
                   <a:tcPr anchor="ctr">
@@ -11658,7 +11382,7 @@
                         <a:defRPr/>
                       </a:pPr>
                       <a:r>
-                        <a:rPr lang="en-US" sz="1600" dirty="0" smtClean="0"/>
+                        <a:rPr lang="en-US" sz="1600" dirty="0"/>
                         <a:t>1731</a:t>
                       </a:r>
                     </a:p>
@@ -11711,10 +11435,9 @@
                     <a:p>
                       <a:pPr algn="ctr"/>
                       <a:r>
-                        <a:rPr lang="en-US" sz="1600" dirty="0" smtClean="0"/>
+                        <a:rPr lang="en-US" sz="1600" dirty="0"/>
                         <a:t>2525</a:t>
                       </a:r>
-                      <a:endParaRPr lang="en-US" sz="1600" dirty="0"/>
                     </a:p>
                   </a:txBody>
                   <a:tcPr anchor="ctr">
@@ -11773,13 +11496,8 @@
                       <a:pPr algn="l"/>
                       <a:r>
                         <a:rPr lang="en-US" sz="1800" dirty="0"/>
-                        <a:t># </a:t>
-                      </a:r>
-                      <a:r>
-                        <a:rPr lang="en-US" sz="1800" dirty="0" smtClean="0"/>
-                        <a:t>Unique genes</a:t>
-                      </a:r>
-                      <a:endParaRPr lang="en-US" sz="1800" dirty="0"/>
+                        <a:t># Unique genes</a:t>
+                      </a:r>
                     </a:p>
                   </a:txBody>
                   <a:tcPr marL="548640" anchor="ctr">
@@ -11848,7 +11566,7 @@
                         <a:defRPr/>
                       </a:pPr>
                       <a:r>
-                        <a:rPr lang="en-US" sz="1600" dirty="0" smtClean="0"/>
+                        <a:rPr lang="en-US" sz="1600" dirty="0"/>
                         <a:t>123</a:t>
                       </a:r>
                     </a:p>
@@ -11903,10 +11621,9 @@
                     <a:p>
                       <a:pPr algn="ctr"/>
                       <a:r>
-                        <a:rPr lang="en-US" sz="1600" dirty="0" smtClean="0"/>
+                        <a:rPr lang="en-US" sz="1600" dirty="0"/>
                         <a:t>171</a:t>
                       </a:r>
-                      <a:endParaRPr lang="en-US" sz="1600" dirty="0"/>
                     </a:p>
                   </a:txBody>
                   <a:tcPr anchor="ctr">
@@ -11983,11 +11700,7 @@
                       </a:pPr>
                       <a:r>
                         <a:rPr lang="en-US" sz="1800" dirty="0"/>
-                        <a:t># </a:t>
-                      </a:r>
-                      <a:r>
-                        <a:rPr lang="en-US" sz="1800" dirty="0" smtClean="0"/>
-                        <a:t>Unique transcripts</a:t>
+                        <a:t># Unique transcripts</a:t>
                       </a:r>
                     </a:p>
                   </a:txBody>
@@ -12057,7 +11770,7 @@
                         <a:defRPr/>
                       </a:pPr>
                       <a:r>
-                        <a:rPr lang="en-US" sz="1600" dirty="0" smtClean="0"/>
+                        <a:rPr lang="en-US" sz="1600" dirty="0"/>
                         <a:t>244</a:t>
                       </a:r>
                     </a:p>
@@ -12112,10 +11825,9 @@
                     <a:p>
                       <a:pPr algn="ctr"/>
                       <a:r>
-                        <a:rPr lang="en-US" sz="1600" dirty="0" smtClean="0"/>
+                        <a:rPr lang="en-US" sz="1600" dirty="0"/>
                         <a:t>332</a:t>
                       </a:r>
-                      <a:endParaRPr lang="en-US" sz="1600" dirty="0"/>
                     </a:p>
                   </a:txBody>
                   <a:tcPr anchor="ctr">
@@ -12191,7 +11903,7 @@
                         <a:defRPr/>
                       </a:pPr>
                       <a:r>
-                        <a:rPr kumimoji="0" lang="en-US" sz="1800" b="0" i="0" u="none" strike="noStrike" kern="1200" cap="none" spc="0" normalizeH="0" baseline="0" noProof="0" dirty="0" smtClean="0">
+                        <a:rPr kumimoji="0" lang="en-US" sz="1800" b="0" i="0" u="none" strike="noStrike" kern="1200" cap="none" spc="0" normalizeH="0" baseline="0" noProof="0" dirty="0">
                           <a:ln>
                             <a:noFill/>
                           </a:ln>
@@ -12275,7 +11987,7 @@
                         <a:defRPr/>
                       </a:pPr>
                       <a:r>
-                        <a:rPr lang="en-US" sz="1600" dirty="0" smtClean="0"/>
+                        <a:rPr lang="en-US" sz="1600" dirty="0"/>
                         <a:t>857</a:t>
                       </a:r>
                     </a:p>
@@ -12330,10 +12042,9 @@
                     <a:p>
                       <a:pPr algn="ctr"/>
                       <a:r>
-                        <a:rPr lang="en-US" sz="1600" dirty="0" smtClean="0"/>
+                        <a:rPr lang="en-US" sz="1600" dirty="0"/>
                         <a:t>1363</a:t>
                       </a:r>
-                      <a:endParaRPr lang="en-US" sz="1600" dirty="0"/>
                     </a:p>
                   </a:txBody>
                   <a:tcPr anchor="ctr">
@@ -12409,7 +12120,7 @@
                         <a:defRPr/>
                       </a:pPr>
                       <a:r>
-                        <a:rPr kumimoji="0" lang="en-US" sz="1800" b="0" i="0" u="none" strike="noStrike" kern="1200" cap="none" spc="0" normalizeH="0" baseline="0" noProof="0" dirty="0" smtClean="0">
+                        <a:rPr kumimoji="0" lang="en-US" sz="1800" b="0" i="0" u="none" strike="noStrike" kern="1200" cap="none" spc="0" normalizeH="0" baseline="0" noProof="0" dirty="0">
                           <a:ln>
                             <a:noFill/>
                           </a:ln>
@@ -12491,7 +12202,7 @@
                         <a:defRPr/>
                       </a:pPr>
                       <a:r>
-                        <a:rPr lang="en-US" sz="1600" dirty="0" smtClean="0"/>
+                        <a:rPr lang="en-US" sz="1600" dirty="0"/>
                         <a:t>507</a:t>
                       </a:r>
                     </a:p>
@@ -12544,10 +12255,9 @@
                     <a:p>
                       <a:pPr algn="ctr"/>
                       <a:r>
-                        <a:rPr lang="en-US" sz="1600" dirty="0" smtClean="0"/>
+                        <a:rPr lang="en-US" sz="1600" dirty="0"/>
                         <a:t>659</a:t>
                       </a:r>
-                      <a:endParaRPr lang="en-US" sz="1600" dirty="0"/>
                     </a:p>
                   </a:txBody>
                   <a:tcPr anchor="ctr">
@@ -12743,10 +12453,9 @@
           <a:lstStyle/>
           <a:p>
             <a:r>
-              <a:rPr lang="en-US" dirty="0" smtClean="0"/>
+              <a:rPr lang="en-US" dirty="0"/>
               <a:t>Genes</a:t>
             </a:r>
-            <a:endParaRPr lang="en-US" dirty="0"/>
           </a:p>
         </p:txBody>
       </p:sp>
@@ -12772,10 +12481,9 @@
           <a:lstStyle/>
           <a:p>
             <a:r>
-              <a:rPr lang="en-US" dirty="0" smtClean="0"/>
+              <a:rPr lang="en-US" dirty="0"/>
               <a:t>Transcripts</a:t>
             </a:r>
-            <a:endParaRPr lang="en-US" dirty="0"/>
           </a:p>
         </p:txBody>
       </p:sp>
@@ -12801,10 +12509,9 @@
           <a:lstStyle/>
           <a:p>
             <a:r>
-              <a:rPr lang="en-US" dirty="0" smtClean="0"/>
+              <a:rPr lang="en-US" dirty="0"/>
               <a:t>Exons</a:t>
             </a:r>
-            <a:endParaRPr lang="en-US" dirty="0"/>
           </a:p>
         </p:txBody>
       </p:sp>
@@ -12830,10 +12537,9 @@
           <a:lstStyle/>
           <a:p>
             <a:r>
-              <a:rPr lang="en-US" dirty="0" smtClean="0"/>
+              <a:rPr lang="en-US" dirty="0"/>
               <a:t>Junctions</a:t>
             </a:r>
-            <a:endParaRPr lang="en-US" dirty="0"/>
           </a:p>
         </p:txBody>
       </p:sp>
@@ -12909,13 +12615,7 @@
               <a:rPr lang="en-US" dirty="0">
                 <a:latin typeface="+mn-lt"/>
               </a:rPr>
-              <a:t> at </a:t>
-            </a:r>
-            <a:r>
-              <a:rPr lang="en-US" dirty="0" smtClean="0">
-                <a:latin typeface="+mn-lt"/>
-              </a:rPr>
-              <a:t>FDR &lt; 1% </a:t>
+              <a:t> at FDR &lt; 1% </a:t>
             </a:r>
             <a:r>
               <a:rPr lang="en-US" dirty="0"/>
@@ -13091,10 +12791,9 @@
                     <a:p>
                       <a:pPr algn="ctr"/>
                       <a:r>
-                        <a:rPr lang="en-US" dirty="0" smtClean="0"/>
+                        <a:rPr lang="en-US" dirty="0"/>
                         <a:t>Hippo</a:t>
                       </a:r>
-                      <a:endParaRPr lang="en-US" dirty="0"/>
                     </a:p>
                   </a:txBody>
                   <a:tcPr anchor="ctr">
@@ -13134,9 +12833,317 @@
                     <a:p>
                       <a:pPr algn="ctr"/>
                       <a:r>
-                        <a:rPr lang="en-US" sz="1600" dirty="0" smtClean="0"/>
+                        <a:rPr lang="en-US" sz="1600" dirty="0"/>
                         <a:t>1</a:t>
                       </a:r>
+                    </a:p>
+                  </a:txBody>
+                  <a:tcPr anchor="ctr">
+                    <a:lnT w="12700" cap="flat" cmpd="sng" algn="ctr">
+                      <a:solidFill>
+                        <a:schemeClr val="tx1"/>
+                      </a:solidFill>
+                      <a:prstDash val="solid"/>
+                      <a:round/>
+                      <a:headEnd type="none" w="med" len="med"/>
+                      <a:tailEnd type="none" w="med" len="med"/>
+                    </a:lnT>
+                  </a:tcPr>
+                </a:tc>
+                <a:tc>
+                  <a:txBody>
+                    <a:bodyPr/>
+                    <a:lstStyle/>
+                    <a:p>
+                      <a:pPr algn="ctr"/>
+                      <a:r>
+                        <a:rPr lang="en-US" sz="1600" dirty="0"/>
+                        <a:t>2</a:t>
+                      </a:r>
+                    </a:p>
+                  </a:txBody>
+                  <a:tcPr anchor="ctr">
+                    <a:lnT w="12700" cap="flat" cmpd="sng" algn="ctr">
+                      <a:solidFill>
+                        <a:schemeClr val="tx1"/>
+                      </a:solidFill>
+                      <a:prstDash val="solid"/>
+                      <a:round/>
+                      <a:headEnd type="none" w="med" len="med"/>
+                      <a:tailEnd type="none" w="med" len="med"/>
+                    </a:lnT>
+                  </a:tcPr>
+                </a:tc>
+                <a:tc>
+                  <a:txBody>
+                    <a:bodyPr/>
+                    <a:lstStyle/>
+                    <a:p>
+                      <a:pPr algn="ctr"/>
+                      <a:r>
+                        <a:rPr lang="en-US" sz="1600" dirty="0"/>
+                        <a:t>3</a:t>
+                      </a:r>
+                    </a:p>
+                  </a:txBody>
+                  <a:tcPr anchor="ctr">
+                    <a:lnT w="12700" cap="flat" cmpd="sng" algn="ctr">
+                      <a:solidFill>
+                        <a:schemeClr val="tx1"/>
+                      </a:solidFill>
+                      <a:prstDash val="solid"/>
+                      <a:round/>
+                      <a:headEnd type="none" w="med" len="med"/>
+                      <a:tailEnd type="none" w="med" len="med"/>
+                    </a:lnT>
+                  </a:tcPr>
+                </a:tc>
+                <a:tc>
+                  <a:txBody>
+                    <a:bodyPr/>
+                    <a:lstStyle/>
+                    <a:p>
+                      <a:pPr algn="ctr"/>
+                      <a:r>
+                        <a:rPr lang="en-US" sz="1600" dirty="0"/>
+                        <a:t>4</a:t>
+                      </a:r>
+                    </a:p>
+                  </a:txBody>
+                  <a:tcPr anchor="ctr">
+                    <a:lnT w="12700" cap="flat" cmpd="sng" algn="ctr">
+                      <a:solidFill>
+                        <a:schemeClr val="tx1"/>
+                      </a:solidFill>
+                      <a:prstDash val="solid"/>
+                      <a:round/>
+                      <a:headEnd type="none" w="med" len="med"/>
+                      <a:tailEnd type="none" w="med" len="med"/>
+                    </a:lnT>
+                  </a:tcPr>
+                </a:tc>
+                <a:tc>
+                  <a:txBody>
+                    <a:bodyPr/>
+                    <a:lstStyle/>
+                    <a:p>
+                      <a:pPr algn="ctr"/>
+                      <a:r>
+                        <a:rPr lang="en-US" sz="1600" dirty="0"/>
+                        <a:t>5</a:t>
+                      </a:r>
+                    </a:p>
+                  </a:txBody>
+                  <a:tcPr anchor="ctr">
+                    <a:lnT w="12700" cap="flat" cmpd="sng" algn="ctr">
+                      <a:solidFill>
+                        <a:schemeClr val="tx1"/>
+                      </a:solidFill>
+                      <a:prstDash val="solid"/>
+                      <a:round/>
+                      <a:headEnd type="none" w="med" len="med"/>
+                      <a:tailEnd type="none" w="med" len="med"/>
+                    </a:lnT>
+                  </a:tcPr>
+                </a:tc>
+                <a:tc>
+                  <a:txBody>
+                    <a:bodyPr/>
+                    <a:lstStyle/>
+                    <a:p>
+                      <a:pPr algn="ctr"/>
+                      <a:r>
+                        <a:rPr lang="en-US" sz="1600" dirty="0"/>
+                        <a:t>6</a:t>
+                      </a:r>
+                    </a:p>
+                  </a:txBody>
+                  <a:tcPr anchor="ctr">
+                    <a:lnT w="12700" cap="flat" cmpd="sng" algn="ctr">
+                      <a:solidFill>
+                        <a:schemeClr val="tx1"/>
+                      </a:solidFill>
+                      <a:prstDash val="solid"/>
+                      <a:round/>
+                      <a:headEnd type="none" w="med" len="med"/>
+                      <a:tailEnd type="none" w="med" len="med"/>
+                    </a:lnT>
+                  </a:tcPr>
+                </a:tc>
+                <a:tc>
+                  <a:txBody>
+                    <a:bodyPr/>
+                    <a:lstStyle/>
+                    <a:p>
+                      <a:pPr algn="ctr"/>
+                      <a:r>
+                        <a:rPr lang="en-US" sz="1600" dirty="0"/>
+                        <a:t>7</a:t>
+                      </a:r>
+                    </a:p>
+                  </a:txBody>
+                  <a:tcPr anchor="ctr">
+                    <a:lnT w="12700" cap="flat" cmpd="sng" algn="ctr">
+                      <a:solidFill>
+                        <a:schemeClr val="tx1"/>
+                      </a:solidFill>
+                      <a:prstDash val="solid"/>
+                      <a:round/>
+                      <a:headEnd type="none" w="med" len="med"/>
+                      <a:tailEnd type="none" w="med" len="med"/>
+                    </a:lnT>
+                  </a:tcPr>
+                </a:tc>
+                <a:tc>
+                  <a:txBody>
+                    <a:bodyPr/>
+                    <a:lstStyle/>
+                    <a:p>
+                      <a:pPr algn="ctr"/>
+                      <a:r>
+                        <a:rPr lang="en-US" sz="1600" dirty="0"/>
+                        <a:t>8</a:t>
+                      </a:r>
+                    </a:p>
+                  </a:txBody>
+                  <a:tcPr anchor="ctr">
+                    <a:lnT w="12700" cap="flat" cmpd="sng" algn="ctr">
+                      <a:solidFill>
+                        <a:schemeClr val="tx1"/>
+                      </a:solidFill>
+                      <a:prstDash val="solid"/>
+                      <a:round/>
+                      <a:headEnd type="none" w="med" len="med"/>
+                      <a:tailEnd type="none" w="med" len="med"/>
+                    </a:lnT>
+                  </a:tcPr>
+                </a:tc>
+                <a:tc>
+                  <a:txBody>
+                    <a:bodyPr/>
+                    <a:lstStyle/>
+                    <a:p>
+                      <a:pPr algn="ctr"/>
+                      <a:r>
+                        <a:rPr lang="en-US" sz="1600" dirty="0"/>
+                        <a:t>9</a:t>
+                      </a:r>
+                    </a:p>
+                  </a:txBody>
+                  <a:tcPr anchor="ctr">
+                    <a:lnT w="12700" cap="flat" cmpd="sng" algn="ctr">
+                      <a:solidFill>
+                        <a:schemeClr val="tx1"/>
+                      </a:solidFill>
+                      <a:prstDash val="solid"/>
+                      <a:round/>
+                      <a:headEnd type="none" w="med" len="med"/>
+                      <a:tailEnd type="none" w="med" len="med"/>
+                    </a:lnT>
+                  </a:tcPr>
+                </a:tc>
+                <a:tc>
+                  <a:txBody>
+                    <a:bodyPr/>
+                    <a:lstStyle/>
+                    <a:p>
+                      <a:pPr algn="ctr"/>
+                      <a:r>
+                        <a:rPr lang="en-US" sz="1600" dirty="0"/>
+                        <a:t>10</a:t>
+                      </a:r>
+                    </a:p>
+                  </a:txBody>
+                  <a:tcPr anchor="ctr">
+                    <a:lnT w="12700" cap="flat" cmpd="sng" algn="ctr">
+                      <a:solidFill>
+                        <a:schemeClr val="tx1"/>
+                      </a:solidFill>
+                      <a:prstDash val="solid"/>
+                      <a:round/>
+                      <a:headEnd type="none" w="med" len="med"/>
+                      <a:tailEnd type="none" w="med" len="med"/>
+                    </a:lnT>
+                  </a:tcPr>
+                </a:tc>
+                <a:tc>
+                  <a:txBody>
+                    <a:bodyPr/>
+                    <a:lstStyle/>
+                    <a:p>
+                      <a:pPr algn="ctr"/>
+                      <a:r>
+                        <a:rPr lang="en-US" sz="1600" dirty="0"/>
+                        <a:t>11</a:t>
+                      </a:r>
+                    </a:p>
+                  </a:txBody>
+                  <a:tcPr anchor="ctr">
+                    <a:lnT w="12700" cap="flat" cmpd="sng" algn="ctr">
+                      <a:solidFill>
+                        <a:schemeClr val="tx1"/>
+                      </a:solidFill>
+                      <a:prstDash val="solid"/>
+                      <a:round/>
+                      <a:headEnd type="none" w="med" len="med"/>
+                      <a:tailEnd type="none" w="med" len="med"/>
+                    </a:lnT>
+                  </a:tcPr>
+                </a:tc>
+                <a:tc>
+                  <a:txBody>
+                    <a:bodyPr/>
+                    <a:lstStyle/>
+                    <a:p>
+                      <a:pPr algn="ctr"/>
+                      <a:r>
+                        <a:rPr lang="en-US" sz="1600" dirty="0"/>
+                        <a:t>12</a:t>
+                      </a:r>
+                    </a:p>
+                  </a:txBody>
+                  <a:tcPr anchor="ctr">
+                    <a:lnT w="12700" cap="flat" cmpd="sng" algn="ctr">
+                      <a:solidFill>
+                        <a:schemeClr val="tx1"/>
+                      </a:solidFill>
+                      <a:prstDash val="solid"/>
+                      <a:round/>
+                      <a:headEnd type="none" w="med" len="med"/>
+                      <a:tailEnd type="none" w="med" len="med"/>
+                    </a:lnT>
+                  </a:tcPr>
+                </a:tc>
+                <a:tc>
+                  <a:txBody>
+                    <a:bodyPr/>
+                    <a:lstStyle/>
+                    <a:p>
+                      <a:pPr algn="ctr"/>
+                      <a:r>
+                        <a:rPr lang="en-US" sz="1600" dirty="0"/>
+                        <a:t>13</a:t>
+                      </a:r>
+                    </a:p>
+                  </a:txBody>
+                  <a:tcPr anchor="ctr">
+                    <a:lnT w="12700" cap="flat" cmpd="sng" algn="ctr">
+                      <a:solidFill>
+                        <a:schemeClr val="tx1"/>
+                      </a:solidFill>
+                      <a:prstDash val="solid"/>
+                      <a:round/>
+                      <a:headEnd type="none" w="med" len="med"/>
+                      <a:tailEnd type="none" w="med" len="med"/>
+                    </a:lnT>
+                  </a:tcPr>
+                </a:tc>
+                <a:tc>
+                  <a:txBody>
+                    <a:bodyPr/>
+                    <a:lstStyle/>
+                    <a:p>
+                      <a:pPr algn="ctr"/>
                       <a:endParaRPr lang="en-US" sz="1600" dirty="0"/>
                     </a:p>
                   </a:txBody>
@@ -13158,10 +13165,6 @@
                     <a:lstStyle/>
                     <a:p>
                       <a:pPr algn="ctr"/>
-                      <a:r>
-                        <a:rPr lang="en-US" sz="1600" dirty="0" smtClean="0"/>
-                        <a:t>2</a:t>
-                      </a:r>
                       <a:endParaRPr lang="en-US" sz="1600" dirty="0"/>
                     </a:p>
                   </a:txBody>
@@ -13183,10 +13186,6 @@
                     <a:lstStyle/>
                     <a:p>
                       <a:pPr algn="ctr"/>
-                      <a:r>
-                        <a:rPr lang="en-US" sz="1600" dirty="0" smtClean="0"/>
-                        <a:t>3</a:t>
-                      </a:r>
                       <a:endParaRPr lang="en-US" sz="1600" dirty="0"/>
                     </a:p>
                   </a:txBody>
@@ -13209,323 +13208,9 @@
                     <a:p>
                       <a:pPr algn="ctr"/>
                       <a:r>
-                        <a:rPr lang="en-US" sz="1600" dirty="0" smtClean="0"/>
-                        <a:t>4</a:t>
-                      </a:r>
-                      <a:endParaRPr lang="en-US" sz="1600" dirty="0"/>
-                    </a:p>
-                  </a:txBody>
-                  <a:tcPr anchor="ctr">
-                    <a:lnT w="12700" cap="flat" cmpd="sng" algn="ctr">
-                      <a:solidFill>
-                        <a:schemeClr val="tx1"/>
-                      </a:solidFill>
-                      <a:prstDash val="solid"/>
-                      <a:round/>
-                      <a:headEnd type="none" w="med" len="med"/>
-                      <a:tailEnd type="none" w="med" len="med"/>
-                    </a:lnT>
-                  </a:tcPr>
-                </a:tc>
-                <a:tc>
-                  <a:txBody>
-                    <a:bodyPr/>
-                    <a:lstStyle/>
-                    <a:p>
-                      <a:pPr algn="ctr"/>
-                      <a:r>
-                        <a:rPr lang="en-US" sz="1600" dirty="0" smtClean="0"/>
-                        <a:t>5</a:t>
-                      </a:r>
-                      <a:endParaRPr lang="en-US" sz="1600" dirty="0"/>
-                    </a:p>
-                  </a:txBody>
-                  <a:tcPr anchor="ctr">
-                    <a:lnT w="12700" cap="flat" cmpd="sng" algn="ctr">
-                      <a:solidFill>
-                        <a:schemeClr val="tx1"/>
-                      </a:solidFill>
-                      <a:prstDash val="solid"/>
-                      <a:round/>
-                      <a:headEnd type="none" w="med" len="med"/>
-                      <a:tailEnd type="none" w="med" len="med"/>
-                    </a:lnT>
-                  </a:tcPr>
-                </a:tc>
-                <a:tc>
-                  <a:txBody>
-                    <a:bodyPr/>
-                    <a:lstStyle/>
-                    <a:p>
-                      <a:pPr algn="ctr"/>
-                      <a:r>
-                        <a:rPr lang="en-US" sz="1600" dirty="0" smtClean="0"/>
-                        <a:t>6</a:t>
-                      </a:r>
-                      <a:endParaRPr lang="en-US" sz="1600" dirty="0"/>
-                    </a:p>
-                  </a:txBody>
-                  <a:tcPr anchor="ctr">
-                    <a:lnT w="12700" cap="flat" cmpd="sng" algn="ctr">
-                      <a:solidFill>
-                        <a:schemeClr val="tx1"/>
-                      </a:solidFill>
-                      <a:prstDash val="solid"/>
-                      <a:round/>
-                      <a:headEnd type="none" w="med" len="med"/>
-                      <a:tailEnd type="none" w="med" len="med"/>
-                    </a:lnT>
-                  </a:tcPr>
-                </a:tc>
-                <a:tc>
-                  <a:txBody>
-                    <a:bodyPr/>
-                    <a:lstStyle/>
-                    <a:p>
-                      <a:pPr algn="ctr"/>
-                      <a:r>
-                        <a:rPr lang="en-US" sz="1600" dirty="0" smtClean="0"/>
-                        <a:t>7</a:t>
-                      </a:r>
-                      <a:endParaRPr lang="en-US" sz="1600" dirty="0"/>
-                    </a:p>
-                  </a:txBody>
-                  <a:tcPr anchor="ctr">
-                    <a:lnT w="12700" cap="flat" cmpd="sng" algn="ctr">
-                      <a:solidFill>
-                        <a:schemeClr val="tx1"/>
-                      </a:solidFill>
-                      <a:prstDash val="solid"/>
-                      <a:round/>
-                      <a:headEnd type="none" w="med" len="med"/>
-                      <a:tailEnd type="none" w="med" len="med"/>
-                    </a:lnT>
-                  </a:tcPr>
-                </a:tc>
-                <a:tc>
-                  <a:txBody>
-                    <a:bodyPr/>
-                    <a:lstStyle/>
-                    <a:p>
-                      <a:pPr algn="ctr"/>
-                      <a:r>
-                        <a:rPr lang="en-US" sz="1600" dirty="0" smtClean="0"/>
-                        <a:t>8</a:t>
-                      </a:r>
-                      <a:endParaRPr lang="en-US" sz="1600" dirty="0"/>
-                    </a:p>
-                  </a:txBody>
-                  <a:tcPr anchor="ctr">
-                    <a:lnT w="12700" cap="flat" cmpd="sng" algn="ctr">
-                      <a:solidFill>
-                        <a:schemeClr val="tx1"/>
-                      </a:solidFill>
-                      <a:prstDash val="solid"/>
-                      <a:round/>
-                      <a:headEnd type="none" w="med" len="med"/>
-                      <a:tailEnd type="none" w="med" len="med"/>
-                    </a:lnT>
-                  </a:tcPr>
-                </a:tc>
-                <a:tc>
-                  <a:txBody>
-                    <a:bodyPr/>
-                    <a:lstStyle/>
-                    <a:p>
-                      <a:pPr algn="ctr"/>
-                      <a:r>
-                        <a:rPr lang="en-US" sz="1600" dirty="0" smtClean="0"/>
-                        <a:t>9</a:t>
-                      </a:r>
-                      <a:endParaRPr lang="en-US" sz="1600" dirty="0"/>
-                    </a:p>
-                  </a:txBody>
-                  <a:tcPr anchor="ctr">
-                    <a:lnT w="12700" cap="flat" cmpd="sng" algn="ctr">
-                      <a:solidFill>
-                        <a:schemeClr val="tx1"/>
-                      </a:solidFill>
-                      <a:prstDash val="solid"/>
-                      <a:round/>
-                      <a:headEnd type="none" w="med" len="med"/>
-                      <a:tailEnd type="none" w="med" len="med"/>
-                    </a:lnT>
-                  </a:tcPr>
-                </a:tc>
-                <a:tc>
-                  <a:txBody>
-                    <a:bodyPr/>
-                    <a:lstStyle/>
-                    <a:p>
-                      <a:pPr algn="ctr"/>
-                      <a:r>
-                        <a:rPr lang="en-US" sz="1600" dirty="0" smtClean="0"/>
-                        <a:t>10</a:t>
-                      </a:r>
-                      <a:endParaRPr lang="en-US" sz="1600" dirty="0"/>
-                    </a:p>
-                  </a:txBody>
-                  <a:tcPr anchor="ctr">
-                    <a:lnT w="12700" cap="flat" cmpd="sng" algn="ctr">
-                      <a:solidFill>
-                        <a:schemeClr val="tx1"/>
-                      </a:solidFill>
-                      <a:prstDash val="solid"/>
-                      <a:round/>
-                      <a:headEnd type="none" w="med" len="med"/>
-                      <a:tailEnd type="none" w="med" len="med"/>
-                    </a:lnT>
-                  </a:tcPr>
-                </a:tc>
-                <a:tc>
-                  <a:txBody>
-                    <a:bodyPr/>
-                    <a:lstStyle/>
-                    <a:p>
-                      <a:pPr algn="ctr"/>
-                      <a:r>
-                        <a:rPr lang="en-US" sz="1600" dirty="0" smtClean="0"/>
-                        <a:t>11</a:t>
-                      </a:r>
-                      <a:endParaRPr lang="en-US" sz="1600" dirty="0"/>
-                    </a:p>
-                  </a:txBody>
-                  <a:tcPr anchor="ctr">
-                    <a:lnT w="12700" cap="flat" cmpd="sng" algn="ctr">
-                      <a:solidFill>
-                        <a:schemeClr val="tx1"/>
-                      </a:solidFill>
-                      <a:prstDash val="solid"/>
-                      <a:round/>
-                      <a:headEnd type="none" w="med" len="med"/>
-                      <a:tailEnd type="none" w="med" len="med"/>
-                    </a:lnT>
-                  </a:tcPr>
-                </a:tc>
-                <a:tc>
-                  <a:txBody>
-                    <a:bodyPr/>
-                    <a:lstStyle/>
-                    <a:p>
-                      <a:pPr algn="ctr"/>
-                      <a:r>
-                        <a:rPr lang="en-US" sz="1600" dirty="0" smtClean="0"/>
-                        <a:t>12</a:t>
-                      </a:r>
-                      <a:endParaRPr lang="en-US" sz="1600" dirty="0"/>
-                    </a:p>
-                  </a:txBody>
-                  <a:tcPr anchor="ctr">
-                    <a:lnT w="12700" cap="flat" cmpd="sng" algn="ctr">
-                      <a:solidFill>
-                        <a:schemeClr val="tx1"/>
-                      </a:solidFill>
-                      <a:prstDash val="solid"/>
-                      <a:round/>
-                      <a:headEnd type="none" w="med" len="med"/>
-                      <a:tailEnd type="none" w="med" len="med"/>
-                    </a:lnT>
-                  </a:tcPr>
-                </a:tc>
-                <a:tc>
-                  <a:txBody>
-                    <a:bodyPr/>
-                    <a:lstStyle/>
-                    <a:p>
-                      <a:pPr algn="ctr"/>
-                      <a:r>
-                        <a:rPr lang="en-US" sz="1600" dirty="0" smtClean="0"/>
-                        <a:t>13</a:t>
-                      </a:r>
-                      <a:endParaRPr lang="en-US" sz="1600" dirty="0"/>
-                    </a:p>
-                  </a:txBody>
-                  <a:tcPr anchor="ctr">
-                    <a:lnT w="12700" cap="flat" cmpd="sng" algn="ctr">
-                      <a:solidFill>
-                        <a:schemeClr val="tx1"/>
-                      </a:solidFill>
-                      <a:prstDash val="solid"/>
-                      <a:round/>
-                      <a:headEnd type="none" w="med" len="med"/>
-                      <a:tailEnd type="none" w="med" len="med"/>
-                    </a:lnT>
-                  </a:tcPr>
-                </a:tc>
-                <a:tc>
-                  <a:txBody>
-                    <a:bodyPr/>
-                    <a:lstStyle/>
-                    <a:p>
-                      <a:pPr algn="ctr"/>
-                      <a:endParaRPr lang="en-US" sz="1600" dirty="0"/>
-                    </a:p>
-                  </a:txBody>
-                  <a:tcPr anchor="ctr">
-                    <a:lnT w="12700" cap="flat" cmpd="sng" algn="ctr">
-                      <a:solidFill>
-                        <a:schemeClr val="tx1"/>
-                      </a:solidFill>
-                      <a:prstDash val="solid"/>
-                      <a:round/>
-                      <a:headEnd type="none" w="med" len="med"/>
-                      <a:tailEnd type="none" w="med" len="med"/>
-                    </a:lnT>
-                  </a:tcPr>
-                </a:tc>
-                <a:tc>
-                  <a:txBody>
-                    <a:bodyPr/>
-                    <a:lstStyle/>
-                    <a:p>
-                      <a:pPr algn="ctr"/>
-                      <a:endParaRPr lang="en-US" sz="1600" dirty="0"/>
-                    </a:p>
-                  </a:txBody>
-                  <a:tcPr anchor="ctr">
-                    <a:lnT w="12700" cap="flat" cmpd="sng" algn="ctr">
-                      <a:solidFill>
-                        <a:schemeClr val="tx1"/>
-                      </a:solidFill>
-                      <a:prstDash val="solid"/>
-                      <a:round/>
-                      <a:headEnd type="none" w="med" len="med"/>
-                      <a:tailEnd type="none" w="med" len="med"/>
-                    </a:lnT>
-                  </a:tcPr>
-                </a:tc>
-                <a:tc>
-                  <a:txBody>
-                    <a:bodyPr/>
-                    <a:lstStyle/>
-                    <a:p>
-                      <a:pPr algn="ctr"/>
-                      <a:endParaRPr lang="en-US" sz="1600" dirty="0"/>
-                    </a:p>
-                  </a:txBody>
-                  <a:tcPr anchor="ctr">
-                    <a:lnT w="12700" cap="flat" cmpd="sng" algn="ctr">
-                      <a:solidFill>
-                        <a:schemeClr val="tx1"/>
-                      </a:solidFill>
-                      <a:prstDash val="solid"/>
-                      <a:round/>
-                      <a:headEnd type="none" w="med" len="med"/>
-                      <a:tailEnd type="none" w="med" len="med"/>
-                    </a:lnT>
-                  </a:tcPr>
-                </a:tc>
-                <a:tc>
-                  <a:txBody>
-                    <a:bodyPr/>
-                    <a:lstStyle/>
-                    <a:p>
-                      <a:pPr algn="ctr"/>
-                      <a:r>
-                        <a:rPr lang="en-US" sz="1600" b="1" dirty="0" smtClean="0"/>
+                        <a:rPr lang="en-US" sz="1600" b="1" dirty="0"/>
                         <a:t>Total</a:t>
                       </a:r>
-                      <a:endParaRPr lang="en-US" sz="1600" b="1" dirty="0"/>
                     </a:p>
                   </a:txBody>
                   <a:tcPr anchor="ctr">
@@ -13573,410 +13258,393 @@
                     <a:p>
                       <a:pPr algn="ctr"/>
                       <a:r>
-                        <a:rPr lang="en-US" sz="1600" dirty="0" smtClean="0"/>
+                        <a:rPr lang="en-US" sz="1600" dirty="0"/>
                         <a:t>1982</a:t>
                       </a:r>
-                      <a:endParaRPr lang="en-US" sz="1600" dirty="0"/>
-                    </a:p>
-                  </a:txBody>
-                  <a:tcPr anchor="ctr">
-                    <a:lnB w="12700" cap="flat" cmpd="sng" algn="ctr">
-                      <a:solidFill>
-                        <a:schemeClr val="tx1"/>
-                      </a:solidFill>
-                      <a:prstDash val="solid"/>
-                      <a:round/>
-                      <a:headEnd type="none" w="med" len="med"/>
-                      <a:tailEnd type="none" w="med" len="med"/>
-                    </a:lnB>
-                  </a:tcPr>
-                </a:tc>
-                <a:tc>
-                  <a:txBody>
-                    <a:bodyPr/>
-                    <a:lstStyle/>
-                    <a:p>
-                      <a:pPr algn="ctr"/>
-                      <a:r>
-                        <a:rPr lang="en-US" sz="1600" dirty="0" smtClean="0"/>
+                    </a:p>
+                  </a:txBody>
+                  <a:tcPr anchor="ctr">
+                    <a:lnB w="12700" cap="flat" cmpd="sng" algn="ctr">
+                      <a:solidFill>
+                        <a:schemeClr val="tx1"/>
+                      </a:solidFill>
+                      <a:prstDash val="solid"/>
+                      <a:round/>
+                      <a:headEnd type="none" w="med" len="med"/>
+                      <a:tailEnd type="none" w="med" len="med"/>
+                    </a:lnB>
+                  </a:tcPr>
+                </a:tc>
+                <a:tc>
+                  <a:txBody>
+                    <a:bodyPr/>
+                    <a:lstStyle/>
+                    <a:p>
+                      <a:pPr algn="ctr"/>
+                      <a:r>
+                        <a:rPr lang="en-US" sz="1600" dirty="0"/>
                         <a:t>1353</a:t>
                       </a:r>
-                      <a:endParaRPr lang="en-US" sz="1600" dirty="0"/>
-                    </a:p>
-                  </a:txBody>
-                  <a:tcPr anchor="ctr">
-                    <a:lnB w="12700" cap="flat" cmpd="sng" algn="ctr">
-                      <a:solidFill>
-                        <a:schemeClr val="tx1"/>
-                      </a:solidFill>
-                      <a:prstDash val="solid"/>
-                      <a:round/>
-                      <a:headEnd type="none" w="med" len="med"/>
-                      <a:tailEnd type="none" w="med" len="med"/>
-                    </a:lnB>
-                  </a:tcPr>
-                </a:tc>
-                <a:tc>
-                  <a:txBody>
-                    <a:bodyPr/>
-                    <a:lstStyle/>
-                    <a:p>
-                      <a:pPr algn="ctr"/>
-                      <a:r>
-                        <a:rPr lang="en-US" sz="1600" dirty="0" smtClean="0"/>
+                    </a:p>
+                  </a:txBody>
+                  <a:tcPr anchor="ctr">
+                    <a:lnB w="12700" cap="flat" cmpd="sng" algn="ctr">
+                      <a:solidFill>
+                        <a:schemeClr val="tx1"/>
+                      </a:solidFill>
+                      <a:prstDash val="solid"/>
+                      <a:round/>
+                      <a:headEnd type="none" w="med" len="med"/>
+                      <a:tailEnd type="none" w="med" len="med"/>
+                    </a:lnB>
+                  </a:tcPr>
+                </a:tc>
+                <a:tc>
+                  <a:txBody>
+                    <a:bodyPr/>
+                    <a:lstStyle/>
+                    <a:p>
+                      <a:pPr algn="ctr"/>
+                      <a:r>
+                        <a:rPr lang="en-US" sz="1600" dirty="0"/>
                         <a:t>653</a:t>
                       </a:r>
-                      <a:endParaRPr lang="en-US" sz="1600" dirty="0"/>
-                    </a:p>
-                  </a:txBody>
-                  <a:tcPr anchor="ctr">
-                    <a:lnB w="12700" cap="flat" cmpd="sng" algn="ctr">
-                      <a:solidFill>
-                        <a:schemeClr val="tx1"/>
-                      </a:solidFill>
-                      <a:prstDash val="solid"/>
-                      <a:round/>
-                      <a:headEnd type="none" w="med" len="med"/>
-                      <a:tailEnd type="none" w="med" len="med"/>
-                    </a:lnB>
-                  </a:tcPr>
-                </a:tc>
-                <a:tc>
-                  <a:txBody>
-                    <a:bodyPr/>
-                    <a:lstStyle/>
-                    <a:p>
-                      <a:pPr algn="ctr"/>
-                      <a:r>
-                        <a:rPr lang="en-US" sz="1600" dirty="0" smtClean="0"/>
+                    </a:p>
+                  </a:txBody>
+                  <a:tcPr anchor="ctr">
+                    <a:lnB w="12700" cap="flat" cmpd="sng" algn="ctr">
+                      <a:solidFill>
+                        <a:schemeClr val="tx1"/>
+                      </a:solidFill>
+                      <a:prstDash val="solid"/>
+                      <a:round/>
+                      <a:headEnd type="none" w="med" len="med"/>
+                      <a:tailEnd type="none" w="med" len="med"/>
+                    </a:lnB>
+                  </a:tcPr>
+                </a:tc>
+                <a:tc>
+                  <a:txBody>
+                    <a:bodyPr/>
+                    <a:lstStyle/>
+                    <a:p>
+                      <a:pPr algn="ctr"/>
+                      <a:r>
+                        <a:rPr lang="en-US" sz="1600" dirty="0"/>
                         <a:t>580</a:t>
                       </a:r>
-                      <a:endParaRPr lang="en-US" sz="1600" dirty="0"/>
-                    </a:p>
-                  </a:txBody>
-                  <a:tcPr anchor="ctr">
-                    <a:lnB w="12700" cap="flat" cmpd="sng" algn="ctr">
-                      <a:solidFill>
-                        <a:schemeClr val="tx1"/>
-                      </a:solidFill>
-                      <a:prstDash val="solid"/>
-                      <a:round/>
-                      <a:headEnd type="none" w="med" len="med"/>
-                      <a:tailEnd type="none" w="med" len="med"/>
-                    </a:lnB>
-                  </a:tcPr>
-                </a:tc>
-                <a:tc>
-                  <a:txBody>
-                    <a:bodyPr/>
-                    <a:lstStyle/>
-                    <a:p>
-                      <a:pPr algn="ctr"/>
-                      <a:r>
-                        <a:rPr lang="en-US" sz="1600" dirty="0" smtClean="0"/>
+                    </a:p>
+                  </a:txBody>
+                  <a:tcPr anchor="ctr">
+                    <a:lnB w="12700" cap="flat" cmpd="sng" algn="ctr">
+                      <a:solidFill>
+                        <a:schemeClr val="tx1"/>
+                      </a:solidFill>
+                      <a:prstDash val="solid"/>
+                      <a:round/>
+                      <a:headEnd type="none" w="med" len="med"/>
+                      <a:tailEnd type="none" w="med" len="med"/>
+                    </a:lnB>
+                  </a:tcPr>
+                </a:tc>
+                <a:tc>
+                  <a:txBody>
+                    <a:bodyPr/>
+                    <a:lstStyle/>
+                    <a:p>
+                      <a:pPr algn="ctr"/>
+                      <a:r>
+                        <a:rPr lang="en-US" sz="1600" dirty="0"/>
                         <a:t>317</a:t>
                       </a:r>
-                      <a:endParaRPr lang="en-US" sz="1600" dirty="0"/>
-                    </a:p>
-                  </a:txBody>
-                  <a:tcPr anchor="ctr">
-                    <a:lnB w="12700" cap="flat" cmpd="sng" algn="ctr">
-                      <a:solidFill>
-                        <a:schemeClr val="tx1"/>
-                      </a:solidFill>
-                      <a:prstDash val="solid"/>
-                      <a:round/>
-                      <a:headEnd type="none" w="med" len="med"/>
-                      <a:tailEnd type="none" w="med" len="med"/>
-                    </a:lnB>
-                  </a:tcPr>
-                </a:tc>
-                <a:tc>
-                  <a:txBody>
-                    <a:bodyPr/>
-                    <a:lstStyle/>
-                    <a:p>
-                      <a:pPr algn="ctr"/>
-                      <a:r>
-                        <a:rPr lang="en-US" sz="1600" dirty="0" smtClean="0"/>
+                    </a:p>
+                  </a:txBody>
+                  <a:tcPr anchor="ctr">
+                    <a:lnB w="12700" cap="flat" cmpd="sng" algn="ctr">
+                      <a:solidFill>
+                        <a:schemeClr val="tx1"/>
+                      </a:solidFill>
+                      <a:prstDash val="solid"/>
+                      <a:round/>
+                      <a:headEnd type="none" w="med" len="med"/>
+                      <a:tailEnd type="none" w="med" len="med"/>
+                    </a:lnB>
+                  </a:tcPr>
+                </a:tc>
+                <a:tc>
+                  <a:txBody>
+                    <a:bodyPr/>
+                    <a:lstStyle/>
+                    <a:p>
+                      <a:pPr algn="ctr"/>
+                      <a:r>
+                        <a:rPr lang="en-US" sz="1600" dirty="0"/>
                         <a:t>91</a:t>
                       </a:r>
-                      <a:endParaRPr lang="en-US" sz="1600" dirty="0"/>
-                    </a:p>
-                  </a:txBody>
-                  <a:tcPr anchor="ctr">
-                    <a:lnB w="12700" cap="flat" cmpd="sng" algn="ctr">
-                      <a:solidFill>
-                        <a:schemeClr val="tx1"/>
-                      </a:solidFill>
-                      <a:prstDash val="solid"/>
-                      <a:round/>
-                      <a:headEnd type="none" w="med" len="med"/>
-                      <a:tailEnd type="none" w="med" len="med"/>
-                    </a:lnB>
-                  </a:tcPr>
-                </a:tc>
-                <a:tc>
-                  <a:txBody>
-                    <a:bodyPr/>
-                    <a:lstStyle/>
-                    <a:p>
-                      <a:pPr algn="ctr"/>
-                      <a:r>
-                        <a:rPr lang="en-US" sz="1600" dirty="0" smtClean="0"/>
+                    </a:p>
+                  </a:txBody>
+                  <a:tcPr anchor="ctr">
+                    <a:lnB w="12700" cap="flat" cmpd="sng" algn="ctr">
+                      <a:solidFill>
+                        <a:schemeClr val="tx1"/>
+                      </a:solidFill>
+                      <a:prstDash val="solid"/>
+                      <a:round/>
+                      <a:headEnd type="none" w="med" len="med"/>
+                      <a:tailEnd type="none" w="med" len="med"/>
+                    </a:lnB>
+                  </a:tcPr>
+                </a:tc>
+                <a:tc>
+                  <a:txBody>
+                    <a:bodyPr/>
+                    <a:lstStyle/>
+                    <a:p>
+                      <a:pPr algn="ctr"/>
+                      <a:r>
+                        <a:rPr lang="en-US" sz="1600" dirty="0"/>
                         <a:t>229</a:t>
                       </a:r>
-                      <a:endParaRPr lang="en-US" sz="1600" dirty="0"/>
-                    </a:p>
-                  </a:txBody>
-                  <a:tcPr anchor="ctr">
-                    <a:lnB w="12700" cap="flat" cmpd="sng" algn="ctr">
-                      <a:solidFill>
-                        <a:schemeClr val="tx1"/>
-                      </a:solidFill>
-                      <a:prstDash val="solid"/>
-                      <a:round/>
-                      <a:headEnd type="none" w="med" len="med"/>
-                      <a:tailEnd type="none" w="med" len="med"/>
-                    </a:lnB>
-                  </a:tcPr>
-                </a:tc>
-                <a:tc>
-                  <a:txBody>
-                    <a:bodyPr/>
-                    <a:lstStyle/>
-                    <a:p>
-                      <a:pPr algn="ctr"/>
-                      <a:r>
-                        <a:rPr lang="en-US" sz="1600" dirty="0" smtClean="0"/>
+                    </a:p>
+                  </a:txBody>
+                  <a:tcPr anchor="ctr">
+                    <a:lnB w="12700" cap="flat" cmpd="sng" algn="ctr">
+                      <a:solidFill>
+                        <a:schemeClr val="tx1"/>
+                      </a:solidFill>
+                      <a:prstDash val="solid"/>
+                      <a:round/>
+                      <a:headEnd type="none" w="med" len="med"/>
+                      <a:tailEnd type="none" w="med" len="med"/>
+                    </a:lnB>
+                  </a:tcPr>
+                </a:tc>
+                <a:tc>
+                  <a:txBody>
+                    <a:bodyPr/>
+                    <a:lstStyle/>
+                    <a:p>
+                      <a:pPr algn="ctr"/>
+                      <a:r>
+                        <a:rPr lang="en-US" sz="1600" dirty="0"/>
                         <a:t>28</a:t>
                       </a:r>
-                      <a:endParaRPr lang="en-US" sz="1600" dirty="0"/>
-                    </a:p>
-                  </a:txBody>
-                  <a:tcPr anchor="ctr">
-                    <a:lnB w="12700" cap="flat" cmpd="sng" algn="ctr">
-                      <a:solidFill>
-                        <a:schemeClr val="tx1"/>
-                      </a:solidFill>
-                      <a:prstDash val="solid"/>
-                      <a:round/>
-                      <a:headEnd type="none" w="med" len="med"/>
-                      <a:tailEnd type="none" w="med" len="med"/>
-                    </a:lnB>
-                  </a:tcPr>
-                </a:tc>
-                <a:tc>
-                  <a:txBody>
-                    <a:bodyPr/>
-                    <a:lstStyle/>
-                    <a:p>
-                      <a:pPr algn="ctr"/>
-                      <a:r>
-                        <a:rPr lang="en-US" sz="1600" dirty="0" smtClean="0"/>
+                    </a:p>
+                  </a:txBody>
+                  <a:tcPr anchor="ctr">
+                    <a:lnB w="12700" cap="flat" cmpd="sng" algn="ctr">
+                      <a:solidFill>
+                        <a:schemeClr val="tx1"/>
+                      </a:solidFill>
+                      <a:prstDash val="solid"/>
+                      <a:round/>
+                      <a:headEnd type="none" w="med" len="med"/>
+                      <a:tailEnd type="none" w="med" len="med"/>
+                    </a:lnB>
+                  </a:tcPr>
+                </a:tc>
+                <a:tc>
+                  <a:txBody>
+                    <a:bodyPr/>
+                    <a:lstStyle/>
+                    <a:p>
+                      <a:pPr algn="ctr"/>
+                      <a:r>
+                        <a:rPr lang="en-US" sz="1600" dirty="0"/>
                         <a:t>106</a:t>
                       </a:r>
-                      <a:endParaRPr lang="en-US" sz="1600" dirty="0"/>
-                    </a:p>
-                  </a:txBody>
-                  <a:tcPr anchor="ctr">
-                    <a:lnB w="12700" cap="flat" cmpd="sng" algn="ctr">
-                      <a:solidFill>
-                        <a:schemeClr val="tx1"/>
-                      </a:solidFill>
-                      <a:prstDash val="solid"/>
-                      <a:round/>
-                      <a:headEnd type="none" w="med" len="med"/>
-                      <a:tailEnd type="none" w="med" len="med"/>
-                    </a:lnB>
-                  </a:tcPr>
-                </a:tc>
-                <a:tc>
-                  <a:txBody>
-                    <a:bodyPr/>
-                    <a:lstStyle/>
-                    <a:p>
-                      <a:pPr algn="ctr"/>
-                      <a:r>
-                        <a:rPr lang="en-US" sz="1600" dirty="0" smtClean="0"/>
+                    </a:p>
+                  </a:txBody>
+                  <a:tcPr anchor="ctr">
+                    <a:lnB w="12700" cap="flat" cmpd="sng" algn="ctr">
+                      <a:solidFill>
+                        <a:schemeClr val="tx1"/>
+                      </a:solidFill>
+                      <a:prstDash val="solid"/>
+                      <a:round/>
+                      <a:headEnd type="none" w="med" len="med"/>
+                      <a:tailEnd type="none" w="med" len="med"/>
+                    </a:lnB>
+                  </a:tcPr>
+                </a:tc>
+                <a:tc>
+                  <a:txBody>
+                    <a:bodyPr/>
+                    <a:lstStyle/>
+                    <a:p>
+                      <a:pPr algn="ctr"/>
+                      <a:r>
+                        <a:rPr lang="en-US" sz="1600" dirty="0"/>
                         <a:t>47</a:t>
                       </a:r>
-                      <a:endParaRPr lang="en-US" sz="1600" dirty="0"/>
-                    </a:p>
-                  </a:txBody>
-                  <a:tcPr anchor="ctr">
-                    <a:lnB w="12700" cap="flat" cmpd="sng" algn="ctr">
-                      <a:solidFill>
-                        <a:schemeClr val="tx1"/>
-                      </a:solidFill>
-                      <a:prstDash val="solid"/>
-                      <a:round/>
-                      <a:headEnd type="none" w="med" len="med"/>
-                      <a:tailEnd type="none" w="med" len="med"/>
-                    </a:lnB>
-                  </a:tcPr>
-                </a:tc>
-                <a:tc>
-                  <a:txBody>
-                    <a:bodyPr/>
-                    <a:lstStyle/>
-                    <a:p>
-                      <a:pPr algn="ctr"/>
-                      <a:r>
-                        <a:rPr lang="en-US" sz="1600" dirty="0" smtClean="0"/>
+                    </a:p>
+                  </a:txBody>
+                  <a:tcPr anchor="ctr">
+                    <a:lnB w="12700" cap="flat" cmpd="sng" algn="ctr">
+                      <a:solidFill>
+                        <a:schemeClr val="tx1"/>
+                      </a:solidFill>
+                      <a:prstDash val="solid"/>
+                      <a:round/>
+                      <a:headEnd type="none" w="med" len="med"/>
+                      <a:tailEnd type="none" w="med" len="med"/>
+                    </a:lnB>
+                  </a:tcPr>
+                </a:tc>
+                <a:tc>
+                  <a:txBody>
+                    <a:bodyPr/>
+                    <a:lstStyle/>
+                    <a:p>
+                      <a:pPr algn="ctr"/>
+                      <a:r>
+                        <a:rPr lang="en-US" sz="1600" dirty="0"/>
                         <a:t>58</a:t>
                       </a:r>
-                      <a:endParaRPr lang="en-US" sz="1600" dirty="0"/>
-                    </a:p>
-                  </a:txBody>
-                  <a:tcPr anchor="ctr">
-                    <a:lnB w="12700" cap="flat" cmpd="sng" algn="ctr">
-                      <a:solidFill>
-                        <a:schemeClr val="tx1"/>
-                      </a:solidFill>
-                      <a:prstDash val="solid"/>
-                      <a:round/>
-                      <a:headEnd type="none" w="med" len="med"/>
-                      <a:tailEnd type="none" w="med" len="med"/>
-                    </a:lnB>
-                  </a:tcPr>
-                </a:tc>
-                <a:tc>
-                  <a:txBody>
-                    <a:bodyPr/>
-                    <a:lstStyle/>
-                    <a:p>
-                      <a:pPr algn="ctr"/>
-                      <a:r>
-                        <a:rPr lang="en-US" sz="1600" dirty="0" smtClean="0"/>
+                    </a:p>
+                  </a:txBody>
+                  <a:tcPr anchor="ctr">
+                    <a:lnB w="12700" cap="flat" cmpd="sng" algn="ctr">
+                      <a:solidFill>
+                        <a:schemeClr val="tx1"/>
+                      </a:solidFill>
+                      <a:prstDash val="solid"/>
+                      <a:round/>
+                      <a:headEnd type="none" w="med" len="med"/>
+                      <a:tailEnd type="none" w="med" len="med"/>
+                    </a:lnB>
+                  </a:tcPr>
+                </a:tc>
+                <a:tc>
+                  <a:txBody>
+                    <a:bodyPr/>
+                    <a:lstStyle/>
+                    <a:p>
+                      <a:pPr algn="ctr"/>
+                      <a:r>
+                        <a:rPr lang="en-US" sz="1600" dirty="0"/>
                         <a:t>59</a:t>
                       </a:r>
-                      <a:endParaRPr lang="en-US" sz="1600" dirty="0"/>
-                    </a:p>
-                  </a:txBody>
-                  <a:tcPr anchor="ctr">
-                    <a:lnB w="12700" cap="flat" cmpd="sng" algn="ctr">
-                      <a:solidFill>
-                        <a:schemeClr val="tx1"/>
-                      </a:solidFill>
-                      <a:prstDash val="solid"/>
-                      <a:round/>
-                      <a:headEnd type="none" w="med" len="med"/>
-                      <a:tailEnd type="none" w="med" len="med"/>
-                    </a:lnB>
-                  </a:tcPr>
-                </a:tc>
-                <a:tc>
-                  <a:txBody>
-                    <a:bodyPr/>
-                    <a:lstStyle/>
-                    <a:p>
-                      <a:pPr algn="ctr"/>
-                      <a:r>
-                        <a:rPr lang="en-US" sz="1600" dirty="0" smtClean="0"/>
+                    </a:p>
+                  </a:txBody>
+                  <a:tcPr anchor="ctr">
+                    <a:lnB w="12700" cap="flat" cmpd="sng" algn="ctr">
+                      <a:solidFill>
+                        <a:schemeClr val="tx1"/>
+                      </a:solidFill>
+                      <a:prstDash val="solid"/>
+                      <a:round/>
+                      <a:headEnd type="none" w="med" len="med"/>
+                      <a:tailEnd type="none" w="med" len="med"/>
+                    </a:lnB>
+                  </a:tcPr>
+                </a:tc>
+                <a:tc>
+                  <a:txBody>
+                    <a:bodyPr/>
+                    <a:lstStyle/>
+                    <a:p>
+                      <a:pPr algn="ctr"/>
+                      <a:r>
+                        <a:rPr lang="en-US" sz="1600" dirty="0"/>
                         <a:t>7</a:t>
                       </a:r>
-                      <a:endParaRPr lang="en-US" sz="1600" dirty="0"/>
-                    </a:p>
-                  </a:txBody>
-                  <a:tcPr anchor="ctr">
-                    <a:lnB w="12700" cap="flat" cmpd="sng" algn="ctr">
-                      <a:solidFill>
-                        <a:schemeClr val="tx1"/>
-                      </a:solidFill>
-                      <a:prstDash val="solid"/>
-                      <a:round/>
-                      <a:headEnd type="none" w="med" len="med"/>
-                      <a:tailEnd type="none" w="med" len="med"/>
-                    </a:lnB>
-                  </a:tcPr>
-                </a:tc>
-                <a:tc>
-                  <a:txBody>
-                    <a:bodyPr/>
-                    <a:lstStyle/>
-                    <a:p>
-                      <a:pPr algn="ctr"/>
-                      <a:r>
-                        <a:rPr lang="en-US" sz="1600" dirty="0" smtClean="0"/>
+                    </a:p>
+                  </a:txBody>
+                  <a:tcPr anchor="ctr">
+                    <a:lnB w="12700" cap="flat" cmpd="sng" algn="ctr">
+                      <a:solidFill>
+                        <a:schemeClr val="tx1"/>
+                      </a:solidFill>
+                      <a:prstDash val="solid"/>
+                      <a:round/>
+                      <a:headEnd type="none" w="med" len="med"/>
+                      <a:tailEnd type="none" w="med" len="med"/>
+                    </a:lnB>
+                  </a:tcPr>
+                </a:tc>
+                <a:tc>
+                  <a:txBody>
+                    <a:bodyPr/>
+                    <a:lstStyle/>
+                    <a:p>
+                      <a:pPr algn="ctr"/>
+                      <a:r>
+                        <a:rPr lang="en-US" sz="1600" dirty="0"/>
                         <a:t>-</a:t>
                       </a:r>
-                      <a:endParaRPr lang="en-US" sz="1600" dirty="0"/>
-                    </a:p>
-                  </a:txBody>
-                  <a:tcPr anchor="ctr">
-                    <a:lnB w="12700" cap="flat" cmpd="sng" algn="ctr">
-                      <a:solidFill>
-                        <a:schemeClr val="tx1"/>
-                      </a:solidFill>
-                      <a:prstDash val="solid"/>
-                      <a:round/>
-                      <a:headEnd type="none" w="med" len="med"/>
-                      <a:tailEnd type="none" w="med" len="med"/>
-                    </a:lnB>
-                  </a:tcPr>
-                </a:tc>
-                <a:tc>
-                  <a:txBody>
-                    <a:bodyPr/>
-                    <a:lstStyle/>
-                    <a:p>
-                      <a:pPr algn="ctr"/>
-                      <a:r>
-                        <a:rPr lang="en-US" sz="1600" dirty="0" smtClean="0"/>
+                    </a:p>
+                  </a:txBody>
+                  <a:tcPr anchor="ctr">
+                    <a:lnB w="12700" cap="flat" cmpd="sng" algn="ctr">
+                      <a:solidFill>
+                        <a:schemeClr val="tx1"/>
+                      </a:solidFill>
+                      <a:prstDash val="solid"/>
+                      <a:round/>
+                      <a:headEnd type="none" w="med" len="med"/>
+                      <a:tailEnd type="none" w="med" len="med"/>
+                    </a:lnB>
+                  </a:tcPr>
+                </a:tc>
+                <a:tc>
+                  <a:txBody>
+                    <a:bodyPr/>
+                    <a:lstStyle/>
+                    <a:p>
+                      <a:pPr algn="ctr"/>
+                      <a:r>
+                        <a:rPr lang="en-US" sz="1600" dirty="0"/>
                         <a:t>-</a:t>
                       </a:r>
-                      <a:endParaRPr lang="en-US" sz="1600" dirty="0"/>
-                    </a:p>
-                  </a:txBody>
-                  <a:tcPr anchor="ctr">
-                    <a:lnB w="12700" cap="flat" cmpd="sng" algn="ctr">
-                      <a:solidFill>
-                        <a:schemeClr val="tx1"/>
-                      </a:solidFill>
-                      <a:prstDash val="solid"/>
-                      <a:round/>
-                      <a:headEnd type="none" w="med" len="med"/>
-                      <a:tailEnd type="none" w="med" len="med"/>
-                    </a:lnB>
-                  </a:tcPr>
-                </a:tc>
-                <a:tc>
-                  <a:txBody>
-                    <a:bodyPr/>
-                    <a:lstStyle/>
-                    <a:p>
-                      <a:pPr algn="ctr"/>
-                      <a:r>
-                        <a:rPr lang="en-US" sz="1600" dirty="0" smtClean="0"/>
+                    </a:p>
+                  </a:txBody>
+                  <a:tcPr anchor="ctr">
+                    <a:lnB w="12700" cap="flat" cmpd="sng" algn="ctr">
+                      <a:solidFill>
+                        <a:schemeClr val="tx1"/>
+                      </a:solidFill>
+                      <a:prstDash val="solid"/>
+                      <a:round/>
+                      <a:headEnd type="none" w="med" len="med"/>
+                      <a:tailEnd type="none" w="med" len="med"/>
+                    </a:lnB>
+                  </a:tcPr>
+                </a:tc>
+                <a:tc>
+                  <a:txBody>
+                    <a:bodyPr/>
+                    <a:lstStyle/>
+                    <a:p>
+                      <a:pPr algn="ctr"/>
+                      <a:r>
+                        <a:rPr lang="en-US" sz="1600" dirty="0"/>
                         <a:t>-</a:t>
                       </a:r>
-                      <a:endParaRPr lang="en-US" sz="1600" dirty="0"/>
-                    </a:p>
-                  </a:txBody>
-                  <a:tcPr anchor="ctr">
-                    <a:lnB w="12700" cap="flat" cmpd="sng" algn="ctr">
-                      <a:solidFill>
-                        <a:schemeClr val="tx1"/>
-                      </a:solidFill>
-                      <a:prstDash val="solid"/>
-                      <a:round/>
-                      <a:headEnd type="none" w="med" len="med"/>
-                      <a:tailEnd type="none" w="med" len="med"/>
-                    </a:lnB>
-                  </a:tcPr>
-                </a:tc>
-                <a:tc>
-                  <a:txBody>
-                    <a:bodyPr/>
-                    <a:lstStyle/>
-                    <a:p>
-                      <a:pPr algn="ctr"/>
-                      <a:r>
-                        <a:rPr lang="en-US" sz="1600" dirty="0" smtClean="0"/>
+                    </a:p>
+                  </a:txBody>
+                  <a:tcPr anchor="ctr">
+                    <a:lnB w="12700" cap="flat" cmpd="sng" algn="ctr">
+                      <a:solidFill>
+                        <a:schemeClr val="tx1"/>
+                      </a:solidFill>
+                      <a:prstDash val="solid"/>
+                      <a:round/>
+                      <a:headEnd type="none" w="med" len="med"/>
+                      <a:tailEnd type="none" w="med" len="med"/>
+                    </a:lnB>
+                  </a:tcPr>
+                </a:tc>
+                <a:tc>
+                  <a:txBody>
+                    <a:bodyPr/>
+                    <a:lstStyle/>
+                    <a:p>
+                      <a:pPr algn="ctr"/>
+                      <a:r>
+                        <a:rPr lang="en-US" sz="1600" dirty="0"/>
                         <a:t>5510</a:t>
                       </a:r>
-                      <a:endParaRPr lang="en-US" sz="1600" dirty="0"/>
                     </a:p>
                   </a:txBody>
                   <a:tcPr anchor="ctr">
@@ -14014,10 +13682,9 @@
                     <a:p>
                       <a:pPr algn="ctr"/>
                       <a:r>
-                        <a:rPr lang="en-US" dirty="0" smtClean="0"/>
+                        <a:rPr lang="en-US" dirty="0"/>
                         <a:t>DLPFC</a:t>
                       </a:r>
-                      <a:endParaRPr lang="en-US" dirty="0"/>
                     </a:p>
                   </a:txBody>
                   <a:tcPr anchor="ctr">
@@ -14057,385 +13724,369 @@
                     <a:p>
                       <a:pPr algn="ctr"/>
                       <a:r>
-                        <a:rPr lang="en-US" sz="1600" dirty="0" smtClean="0"/>
+                        <a:rPr lang="en-US" sz="1600" dirty="0"/>
                         <a:t>1</a:t>
                       </a:r>
-                      <a:endParaRPr lang="en-US" sz="1600" dirty="0"/>
-                    </a:p>
-                  </a:txBody>
-                  <a:tcPr anchor="ctr">
-                    <a:lnT w="12700" cap="flat" cmpd="sng" algn="ctr">
-                      <a:solidFill>
-                        <a:schemeClr val="tx1"/>
-                      </a:solidFill>
-                      <a:prstDash val="solid"/>
-                      <a:round/>
-                      <a:headEnd type="none" w="med" len="med"/>
-                      <a:tailEnd type="none" w="med" len="med"/>
-                    </a:lnT>
-                  </a:tcPr>
-                </a:tc>
-                <a:tc>
-                  <a:txBody>
-                    <a:bodyPr/>
-                    <a:lstStyle/>
-                    <a:p>
-                      <a:pPr algn="ctr"/>
-                      <a:r>
-                        <a:rPr lang="en-US" sz="1600" dirty="0" smtClean="0"/>
+                    </a:p>
+                  </a:txBody>
+                  <a:tcPr anchor="ctr">
+                    <a:lnT w="12700" cap="flat" cmpd="sng" algn="ctr">
+                      <a:solidFill>
+                        <a:schemeClr val="tx1"/>
+                      </a:solidFill>
+                      <a:prstDash val="solid"/>
+                      <a:round/>
+                      <a:headEnd type="none" w="med" len="med"/>
+                      <a:tailEnd type="none" w="med" len="med"/>
+                    </a:lnT>
+                  </a:tcPr>
+                </a:tc>
+                <a:tc>
+                  <a:txBody>
+                    <a:bodyPr/>
+                    <a:lstStyle/>
+                    <a:p>
+                      <a:pPr algn="ctr"/>
+                      <a:r>
+                        <a:rPr lang="en-US" sz="1600" dirty="0"/>
                         <a:t>2</a:t>
                       </a:r>
-                      <a:endParaRPr lang="en-US" sz="1600" dirty="0"/>
-                    </a:p>
-                  </a:txBody>
-                  <a:tcPr anchor="ctr">
-                    <a:lnT w="12700" cap="flat" cmpd="sng" algn="ctr">
-                      <a:solidFill>
-                        <a:schemeClr val="tx1"/>
-                      </a:solidFill>
-                      <a:prstDash val="solid"/>
-                      <a:round/>
-                      <a:headEnd type="none" w="med" len="med"/>
-                      <a:tailEnd type="none" w="med" len="med"/>
-                    </a:lnT>
-                  </a:tcPr>
-                </a:tc>
-                <a:tc>
-                  <a:txBody>
-                    <a:bodyPr/>
-                    <a:lstStyle/>
-                    <a:p>
-                      <a:pPr algn="ctr"/>
-                      <a:r>
-                        <a:rPr lang="en-US" sz="1600" dirty="0" smtClean="0"/>
+                    </a:p>
+                  </a:txBody>
+                  <a:tcPr anchor="ctr">
+                    <a:lnT w="12700" cap="flat" cmpd="sng" algn="ctr">
+                      <a:solidFill>
+                        <a:schemeClr val="tx1"/>
+                      </a:solidFill>
+                      <a:prstDash val="solid"/>
+                      <a:round/>
+                      <a:headEnd type="none" w="med" len="med"/>
+                      <a:tailEnd type="none" w="med" len="med"/>
+                    </a:lnT>
+                  </a:tcPr>
+                </a:tc>
+                <a:tc>
+                  <a:txBody>
+                    <a:bodyPr/>
+                    <a:lstStyle/>
+                    <a:p>
+                      <a:pPr algn="ctr"/>
+                      <a:r>
+                        <a:rPr lang="en-US" sz="1600" dirty="0"/>
                         <a:t>3</a:t>
                       </a:r>
-                      <a:endParaRPr lang="en-US" sz="1600" dirty="0"/>
-                    </a:p>
-                  </a:txBody>
-                  <a:tcPr anchor="ctr">
-                    <a:lnT w="12700" cap="flat" cmpd="sng" algn="ctr">
-                      <a:solidFill>
-                        <a:schemeClr val="tx1"/>
-                      </a:solidFill>
-                      <a:prstDash val="solid"/>
-                      <a:round/>
-                      <a:headEnd type="none" w="med" len="med"/>
-                      <a:tailEnd type="none" w="med" len="med"/>
-                    </a:lnT>
-                  </a:tcPr>
-                </a:tc>
-                <a:tc>
-                  <a:txBody>
-                    <a:bodyPr/>
-                    <a:lstStyle/>
-                    <a:p>
-                      <a:pPr algn="ctr"/>
-                      <a:r>
-                        <a:rPr lang="en-US" sz="1600" dirty="0" smtClean="0"/>
+                    </a:p>
+                  </a:txBody>
+                  <a:tcPr anchor="ctr">
+                    <a:lnT w="12700" cap="flat" cmpd="sng" algn="ctr">
+                      <a:solidFill>
+                        <a:schemeClr val="tx1"/>
+                      </a:solidFill>
+                      <a:prstDash val="solid"/>
+                      <a:round/>
+                      <a:headEnd type="none" w="med" len="med"/>
+                      <a:tailEnd type="none" w="med" len="med"/>
+                    </a:lnT>
+                  </a:tcPr>
+                </a:tc>
+                <a:tc>
+                  <a:txBody>
+                    <a:bodyPr/>
+                    <a:lstStyle/>
+                    <a:p>
+                      <a:pPr algn="ctr"/>
+                      <a:r>
+                        <a:rPr lang="en-US" sz="1600" dirty="0"/>
                         <a:t>4</a:t>
                       </a:r>
-                      <a:endParaRPr lang="en-US" sz="1600" dirty="0"/>
-                    </a:p>
-                  </a:txBody>
-                  <a:tcPr anchor="ctr">
-                    <a:lnT w="12700" cap="flat" cmpd="sng" algn="ctr">
-                      <a:solidFill>
-                        <a:schemeClr val="tx1"/>
-                      </a:solidFill>
-                      <a:prstDash val="solid"/>
-                      <a:round/>
-                      <a:headEnd type="none" w="med" len="med"/>
-                      <a:tailEnd type="none" w="med" len="med"/>
-                    </a:lnT>
-                  </a:tcPr>
-                </a:tc>
-                <a:tc>
-                  <a:txBody>
-                    <a:bodyPr/>
-                    <a:lstStyle/>
-                    <a:p>
-                      <a:pPr algn="ctr"/>
-                      <a:r>
-                        <a:rPr lang="en-US" sz="1600" dirty="0" smtClean="0"/>
+                    </a:p>
+                  </a:txBody>
+                  <a:tcPr anchor="ctr">
+                    <a:lnT w="12700" cap="flat" cmpd="sng" algn="ctr">
+                      <a:solidFill>
+                        <a:schemeClr val="tx1"/>
+                      </a:solidFill>
+                      <a:prstDash val="solid"/>
+                      <a:round/>
+                      <a:headEnd type="none" w="med" len="med"/>
+                      <a:tailEnd type="none" w="med" len="med"/>
+                    </a:lnT>
+                  </a:tcPr>
+                </a:tc>
+                <a:tc>
+                  <a:txBody>
+                    <a:bodyPr/>
+                    <a:lstStyle/>
+                    <a:p>
+                      <a:pPr algn="ctr"/>
+                      <a:r>
+                        <a:rPr lang="en-US" sz="1600" dirty="0"/>
                         <a:t>5</a:t>
                       </a:r>
-                      <a:endParaRPr lang="en-US" sz="1600" dirty="0"/>
-                    </a:p>
-                  </a:txBody>
-                  <a:tcPr anchor="ctr">
-                    <a:lnT w="12700" cap="flat" cmpd="sng" algn="ctr">
-                      <a:solidFill>
-                        <a:schemeClr val="tx1"/>
-                      </a:solidFill>
-                      <a:prstDash val="solid"/>
-                      <a:round/>
-                      <a:headEnd type="none" w="med" len="med"/>
-                      <a:tailEnd type="none" w="med" len="med"/>
-                    </a:lnT>
-                  </a:tcPr>
-                </a:tc>
-                <a:tc>
-                  <a:txBody>
-                    <a:bodyPr/>
-                    <a:lstStyle/>
-                    <a:p>
-                      <a:pPr algn="ctr"/>
-                      <a:r>
-                        <a:rPr lang="en-US" sz="1600" dirty="0" smtClean="0"/>
+                    </a:p>
+                  </a:txBody>
+                  <a:tcPr anchor="ctr">
+                    <a:lnT w="12700" cap="flat" cmpd="sng" algn="ctr">
+                      <a:solidFill>
+                        <a:schemeClr val="tx1"/>
+                      </a:solidFill>
+                      <a:prstDash val="solid"/>
+                      <a:round/>
+                      <a:headEnd type="none" w="med" len="med"/>
+                      <a:tailEnd type="none" w="med" len="med"/>
+                    </a:lnT>
+                  </a:tcPr>
+                </a:tc>
+                <a:tc>
+                  <a:txBody>
+                    <a:bodyPr/>
+                    <a:lstStyle/>
+                    <a:p>
+                      <a:pPr algn="ctr"/>
+                      <a:r>
+                        <a:rPr lang="en-US" sz="1600" dirty="0"/>
                         <a:t>6</a:t>
                       </a:r>
-                      <a:endParaRPr lang="en-US" sz="1600" dirty="0"/>
-                    </a:p>
-                  </a:txBody>
-                  <a:tcPr anchor="ctr">
-                    <a:lnT w="12700" cap="flat" cmpd="sng" algn="ctr">
-                      <a:solidFill>
-                        <a:schemeClr val="tx1"/>
-                      </a:solidFill>
-                      <a:prstDash val="solid"/>
-                      <a:round/>
-                      <a:headEnd type="none" w="med" len="med"/>
-                      <a:tailEnd type="none" w="med" len="med"/>
-                    </a:lnT>
-                  </a:tcPr>
-                </a:tc>
-                <a:tc>
-                  <a:txBody>
-                    <a:bodyPr/>
-                    <a:lstStyle/>
-                    <a:p>
-                      <a:pPr algn="ctr"/>
-                      <a:r>
-                        <a:rPr lang="en-US" sz="1600" dirty="0" smtClean="0"/>
+                    </a:p>
+                  </a:txBody>
+                  <a:tcPr anchor="ctr">
+                    <a:lnT w="12700" cap="flat" cmpd="sng" algn="ctr">
+                      <a:solidFill>
+                        <a:schemeClr val="tx1"/>
+                      </a:solidFill>
+                      <a:prstDash val="solid"/>
+                      <a:round/>
+                      <a:headEnd type="none" w="med" len="med"/>
+                      <a:tailEnd type="none" w="med" len="med"/>
+                    </a:lnT>
+                  </a:tcPr>
+                </a:tc>
+                <a:tc>
+                  <a:txBody>
+                    <a:bodyPr/>
+                    <a:lstStyle/>
+                    <a:p>
+                      <a:pPr algn="ctr"/>
+                      <a:r>
+                        <a:rPr lang="en-US" sz="1600" dirty="0"/>
                         <a:t>7</a:t>
                       </a:r>
-                      <a:endParaRPr lang="en-US" sz="1600" dirty="0"/>
-                    </a:p>
-                  </a:txBody>
-                  <a:tcPr anchor="ctr">
-                    <a:lnT w="12700" cap="flat" cmpd="sng" algn="ctr">
-                      <a:solidFill>
-                        <a:schemeClr val="tx1"/>
-                      </a:solidFill>
-                      <a:prstDash val="solid"/>
-                      <a:round/>
-                      <a:headEnd type="none" w="med" len="med"/>
-                      <a:tailEnd type="none" w="med" len="med"/>
-                    </a:lnT>
-                  </a:tcPr>
-                </a:tc>
-                <a:tc>
-                  <a:txBody>
-                    <a:bodyPr/>
-                    <a:lstStyle/>
-                    <a:p>
-                      <a:pPr algn="ctr"/>
-                      <a:r>
-                        <a:rPr lang="en-US" sz="1600" dirty="0" smtClean="0"/>
+                    </a:p>
+                  </a:txBody>
+                  <a:tcPr anchor="ctr">
+                    <a:lnT w="12700" cap="flat" cmpd="sng" algn="ctr">
+                      <a:solidFill>
+                        <a:schemeClr val="tx1"/>
+                      </a:solidFill>
+                      <a:prstDash val="solid"/>
+                      <a:round/>
+                      <a:headEnd type="none" w="med" len="med"/>
+                      <a:tailEnd type="none" w="med" len="med"/>
+                    </a:lnT>
+                  </a:tcPr>
+                </a:tc>
+                <a:tc>
+                  <a:txBody>
+                    <a:bodyPr/>
+                    <a:lstStyle/>
+                    <a:p>
+                      <a:pPr algn="ctr"/>
+                      <a:r>
+                        <a:rPr lang="en-US" sz="1600" dirty="0"/>
                         <a:t>8</a:t>
                       </a:r>
-                      <a:endParaRPr lang="en-US" sz="1600" dirty="0"/>
-                    </a:p>
-                  </a:txBody>
-                  <a:tcPr anchor="ctr">
-                    <a:lnT w="12700" cap="flat" cmpd="sng" algn="ctr">
-                      <a:solidFill>
-                        <a:schemeClr val="tx1"/>
-                      </a:solidFill>
-                      <a:prstDash val="solid"/>
-                      <a:round/>
-                      <a:headEnd type="none" w="med" len="med"/>
-                      <a:tailEnd type="none" w="med" len="med"/>
-                    </a:lnT>
-                  </a:tcPr>
-                </a:tc>
-                <a:tc>
-                  <a:txBody>
-                    <a:bodyPr/>
-                    <a:lstStyle/>
-                    <a:p>
-                      <a:pPr algn="ctr"/>
-                      <a:r>
-                        <a:rPr lang="en-US" sz="1600" dirty="0" smtClean="0"/>
+                    </a:p>
+                  </a:txBody>
+                  <a:tcPr anchor="ctr">
+                    <a:lnT w="12700" cap="flat" cmpd="sng" algn="ctr">
+                      <a:solidFill>
+                        <a:schemeClr val="tx1"/>
+                      </a:solidFill>
+                      <a:prstDash val="solid"/>
+                      <a:round/>
+                      <a:headEnd type="none" w="med" len="med"/>
+                      <a:tailEnd type="none" w="med" len="med"/>
+                    </a:lnT>
+                  </a:tcPr>
+                </a:tc>
+                <a:tc>
+                  <a:txBody>
+                    <a:bodyPr/>
+                    <a:lstStyle/>
+                    <a:p>
+                      <a:pPr algn="ctr"/>
+                      <a:r>
+                        <a:rPr lang="en-US" sz="1600" dirty="0"/>
                         <a:t>9</a:t>
                       </a:r>
-                      <a:endParaRPr lang="en-US" sz="1600" dirty="0"/>
-                    </a:p>
-                  </a:txBody>
-                  <a:tcPr anchor="ctr">
-                    <a:lnT w="12700" cap="flat" cmpd="sng" algn="ctr">
-                      <a:solidFill>
-                        <a:schemeClr val="tx1"/>
-                      </a:solidFill>
-                      <a:prstDash val="solid"/>
-                      <a:round/>
-                      <a:headEnd type="none" w="med" len="med"/>
-                      <a:tailEnd type="none" w="med" len="med"/>
-                    </a:lnT>
-                  </a:tcPr>
-                </a:tc>
-                <a:tc>
-                  <a:txBody>
-                    <a:bodyPr/>
-                    <a:lstStyle/>
-                    <a:p>
-                      <a:pPr algn="ctr"/>
-                      <a:r>
-                        <a:rPr lang="en-US" sz="1600" dirty="0" smtClean="0"/>
+                    </a:p>
+                  </a:txBody>
+                  <a:tcPr anchor="ctr">
+                    <a:lnT w="12700" cap="flat" cmpd="sng" algn="ctr">
+                      <a:solidFill>
+                        <a:schemeClr val="tx1"/>
+                      </a:solidFill>
+                      <a:prstDash val="solid"/>
+                      <a:round/>
+                      <a:headEnd type="none" w="med" len="med"/>
+                      <a:tailEnd type="none" w="med" len="med"/>
+                    </a:lnT>
+                  </a:tcPr>
+                </a:tc>
+                <a:tc>
+                  <a:txBody>
+                    <a:bodyPr/>
+                    <a:lstStyle/>
+                    <a:p>
+                      <a:pPr algn="ctr"/>
+                      <a:r>
+                        <a:rPr lang="en-US" sz="1600" dirty="0"/>
                         <a:t>10</a:t>
                       </a:r>
-                      <a:endParaRPr lang="en-US" sz="1600" dirty="0"/>
-                    </a:p>
-                  </a:txBody>
-                  <a:tcPr anchor="ctr">
-                    <a:lnT w="12700" cap="flat" cmpd="sng" algn="ctr">
-                      <a:solidFill>
-                        <a:schemeClr val="tx1"/>
-                      </a:solidFill>
-                      <a:prstDash val="solid"/>
-                      <a:round/>
-                      <a:headEnd type="none" w="med" len="med"/>
-                      <a:tailEnd type="none" w="med" len="med"/>
-                    </a:lnT>
-                  </a:tcPr>
-                </a:tc>
-                <a:tc>
-                  <a:txBody>
-                    <a:bodyPr/>
-                    <a:lstStyle/>
-                    <a:p>
-                      <a:pPr algn="ctr"/>
-                      <a:r>
-                        <a:rPr lang="en-US" sz="1600" dirty="0" smtClean="0"/>
+                    </a:p>
+                  </a:txBody>
+                  <a:tcPr anchor="ctr">
+                    <a:lnT w="12700" cap="flat" cmpd="sng" algn="ctr">
+                      <a:solidFill>
+                        <a:schemeClr val="tx1"/>
+                      </a:solidFill>
+                      <a:prstDash val="solid"/>
+                      <a:round/>
+                      <a:headEnd type="none" w="med" len="med"/>
+                      <a:tailEnd type="none" w="med" len="med"/>
+                    </a:lnT>
+                  </a:tcPr>
+                </a:tc>
+                <a:tc>
+                  <a:txBody>
+                    <a:bodyPr/>
+                    <a:lstStyle/>
+                    <a:p>
+                      <a:pPr algn="ctr"/>
+                      <a:r>
+                        <a:rPr lang="en-US" sz="1600" dirty="0"/>
                         <a:t>11</a:t>
                       </a:r>
-                      <a:endParaRPr lang="en-US" sz="1600" dirty="0"/>
-                    </a:p>
-                  </a:txBody>
-                  <a:tcPr anchor="ctr">
-                    <a:lnT w="12700" cap="flat" cmpd="sng" algn="ctr">
-                      <a:solidFill>
-                        <a:schemeClr val="tx1"/>
-                      </a:solidFill>
-                      <a:prstDash val="solid"/>
-                      <a:round/>
-                      <a:headEnd type="none" w="med" len="med"/>
-                      <a:tailEnd type="none" w="med" len="med"/>
-                    </a:lnT>
-                  </a:tcPr>
-                </a:tc>
-                <a:tc>
-                  <a:txBody>
-                    <a:bodyPr/>
-                    <a:lstStyle/>
-                    <a:p>
-                      <a:pPr algn="ctr"/>
-                      <a:r>
-                        <a:rPr lang="en-US" sz="1600" dirty="0" smtClean="0"/>
+                    </a:p>
+                  </a:txBody>
+                  <a:tcPr anchor="ctr">
+                    <a:lnT w="12700" cap="flat" cmpd="sng" algn="ctr">
+                      <a:solidFill>
+                        <a:schemeClr val="tx1"/>
+                      </a:solidFill>
+                      <a:prstDash val="solid"/>
+                      <a:round/>
+                      <a:headEnd type="none" w="med" len="med"/>
+                      <a:tailEnd type="none" w="med" len="med"/>
+                    </a:lnT>
+                  </a:tcPr>
+                </a:tc>
+                <a:tc>
+                  <a:txBody>
+                    <a:bodyPr/>
+                    <a:lstStyle/>
+                    <a:p>
+                      <a:pPr algn="ctr"/>
+                      <a:r>
+                        <a:rPr lang="en-US" sz="1600" dirty="0"/>
                         <a:t>12</a:t>
                       </a:r>
-                      <a:endParaRPr lang="en-US" sz="1600" dirty="0"/>
-                    </a:p>
-                  </a:txBody>
-                  <a:tcPr anchor="ctr">
-                    <a:lnT w="12700" cap="flat" cmpd="sng" algn="ctr">
-                      <a:solidFill>
-                        <a:schemeClr val="tx1"/>
-                      </a:solidFill>
-                      <a:prstDash val="solid"/>
-                      <a:round/>
-                      <a:headEnd type="none" w="med" len="med"/>
-                      <a:tailEnd type="none" w="med" len="med"/>
-                    </a:lnT>
-                  </a:tcPr>
-                </a:tc>
-                <a:tc>
-                  <a:txBody>
-                    <a:bodyPr/>
-                    <a:lstStyle/>
-                    <a:p>
-                      <a:pPr algn="ctr"/>
-                      <a:r>
-                        <a:rPr lang="en-US" sz="1600" dirty="0" smtClean="0"/>
+                    </a:p>
+                  </a:txBody>
+                  <a:tcPr anchor="ctr">
+                    <a:lnT w="12700" cap="flat" cmpd="sng" algn="ctr">
+                      <a:solidFill>
+                        <a:schemeClr val="tx1"/>
+                      </a:solidFill>
+                      <a:prstDash val="solid"/>
+                      <a:round/>
+                      <a:headEnd type="none" w="med" len="med"/>
+                      <a:tailEnd type="none" w="med" len="med"/>
+                    </a:lnT>
+                  </a:tcPr>
+                </a:tc>
+                <a:tc>
+                  <a:txBody>
+                    <a:bodyPr/>
+                    <a:lstStyle/>
+                    <a:p>
+                      <a:pPr algn="ctr"/>
+                      <a:r>
+                        <a:rPr lang="en-US" sz="1600" dirty="0"/>
                         <a:t>13</a:t>
                       </a:r>
-                      <a:endParaRPr lang="en-US" sz="1600" dirty="0"/>
-                    </a:p>
-                  </a:txBody>
-                  <a:tcPr anchor="ctr">
-                    <a:lnT w="12700" cap="flat" cmpd="sng" algn="ctr">
-                      <a:solidFill>
-                        <a:schemeClr val="tx1"/>
-                      </a:solidFill>
-                      <a:prstDash val="solid"/>
-                      <a:round/>
-                      <a:headEnd type="none" w="med" len="med"/>
-                      <a:tailEnd type="none" w="med" len="med"/>
-                    </a:lnT>
-                  </a:tcPr>
-                </a:tc>
-                <a:tc>
-                  <a:txBody>
-                    <a:bodyPr/>
-                    <a:lstStyle/>
-                    <a:p>
-                      <a:pPr algn="ctr"/>
-                      <a:r>
-                        <a:rPr lang="en-US" sz="1600" dirty="0" smtClean="0"/>
+                    </a:p>
+                  </a:txBody>
+                  <a:tcPr anchor="ctr">
+                    <a:lnT w="12700" cap="flat" cmpd="sng" algn="ctr">
+                      <a:solidFill>
+                        <a:schemeClr val="tx1"/>
+                      </a:solidFill>
+                      <a:prstDash val="solid"/>
+                      <a:round/>
+                      <a:headEnd type="none" w="med" len="med"/>
+                      <a:tailEnd type="none" w="med" len="med"/>
+                    </a:lnT>
+                  </a:tcPr>
+                </a:tc>
+                <a:tc>
+                  <a:txBody>
+                    <a:bodyPr/>
+                    <a:lstStyle/>
+                    <a:p>
+                      <a:pPr algn="ctr"/>
+                      <a:r>
+                        <a:rPr lang="en-US" sz="1600" dirty="0"/>
                         <a:t>14</a:t>
                       </a:r>
-                      <a:endParaRPr lang="en-US" sz="1600" dirty="0"/>
-                    </a:p>
-                  </a:txBody>
-                  <a:tcPr anchor="ctr">
-                    <a:lnT w="12700" cap="flat" cmpd="sng" algn="ctr">
-                      <a:solidFill>
-                        <a:schemeClr val="tx1"/>
-                      </a:solidFill>
-                      <a:prstDash val="solid"/>
-                      <a:round/>
-                      <a:headEnd type="none" w="med" len="med"/>
-                      <a:tailEnd type="none" w="med" len="med"/>
-                    </a:lnT>
-                  </a:tcPr>
-                </a:tc>
-                <a:tc>
-                  <a:txBody>
-                    <a:bodyPr/>
-                    <a:lstStyle/>
-                    <a:p>
-                      <a:pPr algn="ctr"/>
-                      <a:r>
-                        <a:rPr lang="en-US" sz="1600" dirty="0" smtClean="0"/>
+                    </a:p>
+                  </a:txBody>
+                  <a:tcPr anchor="ctr">
+                    <a:lnT w="12700" cap="flat" cmpd="sng" algn="ctr">
+                      <a:solidFill>
+                        <a:schemeClr val="tx1"/>
+                      </a:solidFill>
+                      <a:prstDash val="solid"/>
+                      <a:round/>
+                      <a:headEnd type="none" w="med" len="med"/>
+                      <a:tailEnd type="none" w="med" len="med"/>
+                    </a:lnT>
+                  </a:tcPr>
+                </a:tc>
+                <a:tc>
+                  <a:txBody>
+                    <a:bodyPr/>
+                    <a:lstStyle/>
+                    <a:p>
+                      <a:pPr algn="ctr"/>
+                      <a:r>
+                        <a:rPr lang="en-US" sz="1600" dirty="0"/>
                         <a:t>15</a:t>
                       </a:r>
-                      <a:endParaRPr lang="en-US" sz="1600" dirty="0"/>
-                    </a:p>
-                  </a:txBody>
-                  <a:tcPr anchor="ctr">
-                    <a:lnT w="12700" cap="flat" cmpd="sng" algn="ctr">
-                      <a:solidFill>
-                        <a:schemeClr val="tx1"/>
-                      </a:solidFill>
-                      <a:prstDash val="solid"/>
-                      <a:round/>
-                      <a:headEnd type="none" w="med" len="med"/>
-                      <a:tailEnd type="none" w="med" len="med"/>
-                    </a:lnT>
-                  </a:tcPr>
-                </a:tc>
-                <a:tc>
-                  <a:txBody>
-                    <a:bodyPr/>
-                    <a:lstStyle/>
-                    <a:p>
-                      <a:pPr algn="ctr"/>
-                      <a:r>
-                        <a:rPr lang="en-US" sz="1600" dirty="0" smtClean="0"/>
+                    </a:p>
+                  </a:txBody>
+                  <a:tcPr anchor="ctr">
+                    <a:lnT w="12700" cap="flat" cmpd="sng" algn="ctr">
+                      <a:solidFill>
+                        <a:schemeClr val="tx1"/>
+                      </a:solidFill>
+                      <a:prstDash val="solid"/>
+                      <a:round/>
+                      <a:headEnd type="none" w="med" len="med"/>
+                      <a:tailEnd type="none" w="med" len="med"/>
+                    </a:lnT>
+                  </a:tcPr>
+                </a:tc>
+                <a:tc>
+                  <a:txBody>
+                    <a:bodyPr/>
+                    <a:lstStyle/>
+                    <a:p>
+                      <a:pPr algn="ctr"/>
+                      <a:r>
+                        <a:rPr lang="en-US" sz="1600" dirty="0"/>
                         <a:t>16</a:t>
                       </a:r>
-                      <a:endParaRPr lang="en-US" sz="1600" dirty="0"/>
                     </a:p>
                   </a:txBody>
                   <a:tcPr anchor="ctr">
@@ -14504,410 +14155,393 @@
                     <a:p>
                       <a:pPr algn="ctr"/>
                       <a:r>
-                        <a:rPr lang="en-US" sz="1600" dirty="0" smtClean="0"/>
+                        <a:rPr lang="en-US" sz="1600" dirty="0"/>
                         <a:t>2447</a:t>
                       </a:r>
-                      <a:endParaRPr lang="en-US" sz="1600" dirty="0"/>
-                    </a:p>
-                  </a:txBody>
-                  <a:tcPr anchor="ctr">
-                    <a:lnB w="12700" cap="flat" cmpd="sng" algn="ctr">
-                      <a:solidFill>
-                        <a:schemeClr val="tx1"/>
-                      </a:solidFill>
-                      <a:prstDash val="solid"/>
-                      <a:round/>
-                      <a:headEnd type="none" w="med" len="med"/>
-                      <a:tailEnd type="none" w="med" len="med"/>
-                    </a:lnB>
-                  </a:tcPr>
-                </a:tc>
-                <a:tc>
-                  <a:txBody>
-                    <a:bodyPr/>
-                    <a:lstStyle/>
-                    <a:p>
-                      <a:pPr algn="ctr"/>
-                      <a:r>
-                        <a:rPr lang="en-US" sz="1600" dirty="0" smtClean="0"/>
+                    </a:p>
+                  </a:txBody>
+                  <a:tcPr anchor="ctr">
+                    <a:lnB w="12700" cap="flat" cmpd="sng" algn="ctr">
+                      <a:solidFill>
+                        <a:schemeClr val="tx1"/>
+                      </a:solidFill>
+                      <a:prstDash val="solid"/>
+                      <a:round/>
+                      <a:headEnd type="none" w="med" len="med"/>
+                      <a:tailEnd type="none" w="med" len="med"/>
+                    </a:lnB>
+                  </a:tcPr>
+                </a:tc>
+                <a:tc>
+                  <a:txBody>
+                    <a:bodyPr/>
+                    <a:lstStyle/>
+                    <a:p>
+                      <a:pPr algn="ctr"/>
+                      <a:r>
+                        <a:rPr lang="en-US" sz="1600" dirty="0"/>
                         <a:t>1790</a:t>
                       </a:r>
-                      <a:endParaRPr lang="en-US" sz="1600" dirty="0"/>
-                    </a:p>
-                  </a:txBody>
-                  <a:tcPr anchor="ctr">
-                    <a:lnB w="12700" cap="flat" cmpd="sng" algn="ctr">
-                      <a:solidFill>
-                        <a:schemeClr val="tx1"/>
-                      </a:solidFill>
-                      <a:prstDash val="solid"/>
-                      <a:round/>
-                      <a:headEnd type="none" w="med" len="med"/>
-                      <a:tailEnd type="none" w="med" len="med"/>
-                    </a:lnB>
-                  </a:tcPr>
-                </a:tc>
-                <a:tc>
-                  <a:txBody>
-                    <a:bodyPr/>
-                    <a:lstStyle/>
-                    <a:p>
-                      <a:pPr algn="ctr"/>
-                      <a:r>
-                        <a:rPr lang="en-US" sz="1600" dirty="0" smtClean="0"/>
+                    </a:p>
+                  </a:txBody>
+                  <a:tcPr anchor="ctr">
+                    <a:lnB w="12700" cap="flat" cmpd="sng" algn="ctr">
+                      <a:solidFill>
+                        <a:schemeClr val="tx1"/>
+                      </a:solidFill>
+                      <a:prstDash val="solid"/>
+                      <a:round/>
+                      <a:headEnd type="none" w="med" len="med"/>
+                      <a:tailEnd type="none" w="med" len="med"/>
+                    </a:lnB>
+                  </a:tcPr>
+                </a:tc>
+                <a:tc>
+                  <a:txBody>
+                    <a:bodyPr/>
+                    <a:lstStyle/>
+                    <a:p>
+                      <a:pPr algn="ctr"/>
+                      <a:r>
+                        <a:rPr lang="en-US" sz="1600" dirty="0"/>
                         <a:t>679</a:t>
                       </a:r>
-                      <a:endParaRPr lang="en-US" sz="1600" dirty="0"/>
-                    </a:p>
-                  </a:txBody>
-                  <a:tcPr anchor="ctr">
-                    <a:lnB w="12700" cap="flat" cmpd="sng" algn="ctr">
-                      <a:solidFill>
-                        <a:schemeClr val="tx1"/>
-                      </a:solidFill>
-                      <a:prstDash val="solid"/>
-                      <a:round/>
-                      <a:headEnd type="none" w="med" len="med"/>
-                      <a:tailEnd type="none" w="med" len="med"/>
-                    </a:lnB>
-                  </a:tcPr>
-                </a:tc>
-                <a:tc>
-                  <a:txBody>
-                    <a:bodyPr/>
-                    <a:lstStyle/>
-                    <a:p>
-                      <a:pPr algn="ctr"/>
-                      <a:r>
-                        <a:rPr lang="en-US" sz="1600" dirty="0" smtClean="0"/>
+                    </a:p>
+                  </a:txBody>
+                  <a:tcPr anchor="ctr">
+                    <a:lnB w="12700" cap="flat" cmpd="sng" algn="ctr">
+                      <a:solidFill>
+                        <a:schemeClr val="tx1"/>
+                      </a:solidFill>
+                      <a:prstDash val="solid"/>
+                      <a:round/>
+                      <a:headEnd type="none" w="med" len="med"/>
+                      <a:tailEnd type="none" w="med" len="med"/>
+                    </a:lnB>
+                  </a:tcPr>
+                </a:tc>
+                <a:tc>
+                  <a:txBody>
+                    <a:bodyPr/>
+                    <a:lstStyle/>
+                    <a:p>
+                      <a:pPr algn="ctr"/>
+                      <a:r>
+                        <a:rPr lang="en-US" sz="1600" dirty="0"/>
                         <a:t>686</a:t>
                       </a:r>
-                      <a:endParaRPr lang="en-US" sz="1600" dirty="0"/>
-                    </a:p>
-                  </a:txBody>
-                  <a:tcPr anchor="ctr">
-                    <a:lnB w="12700" cap="flat" cmpd="sng" algn="ctr">
-                      <a:solidFill>
-                        <a:schemeClr val="tx1"/>
-                      </a:solidFill>
-                      <a:prstDash val="solid"/>
-                      <a:round/>
-                      <a:headEnd type="none" w="med" len="med"/>
-                      <a:tailEnd type="none" w="med" len="med"/>
-                    </a:lnB>
-                  </a:tcPr>
-                </a:tc>
-                <a:tc>
-                  <a:txBody>
-                    <a:bodyPr/>
-                    <a:lstStyle/>
-                    <a:p>
-                      <a:pPr algn="ctr"/>
-                      <a:r>
-                        <a:rPr lang="en-US" sz="1600" dirty="0" smtClean="0"/>
+                    </a:p>
+                  </a:txBody>
+                  <a:tcPr anchor="ctr">
+                    <a:lnB w="12700" cap="flat" cmpd="sng" algn="ctr">
+                      <a:solidFill>
+                        <a:schemeClr val="tx1"/>
+                      </a:solidFill>
+                      <a:prstDash val="solid"/>
+                      <a:round/>
+                      <a:headEnd type="none" w="med" len="med"/>
+                      <a:tailEnd type="none" w="med" len="med"/>
+                    </a:lnB>
+                  </a:tcPr>
+                </a:tc>
+                <a:tc>
+                  <a:txBody>
+                    <a:bodyPr/>
+                    <a:lstStyle/>
+                    <a:p>
+                      <a:pPr algn="ctr"/>
+                      <a:r>
+                        <a:rPr lang="en-US" sz="1600" dirty="0"/>
                         <a:t>329</a:t>
                       </a:r>
-                      <a:endParaRPr lang="en-US" sz="1600" dirty="0"/>
-                    </a:p>
-                  </a:txBody>
-                  <a:tcPr anchor="ctr">
-                    <a:lnB w="12700" cap="flat" cmpd="sng" algn="ctr">
-                      <a:solidFill>
-                        <a:schemeClr val="tx1"/>
-                      </a:solidFill>
-                      <a:prstDash val="solid"/>
-                      <a:round/>
-                      <a:headEnd type="none" w="med" len="med"/>
-                      <a:tailEnd type="none" w="med" len="med"/>
-                    </a:lnB>
-                  </a:tcPr>
-                </a:tc>
-                <a:tc>
-                  <a:txBody>
-                    <a:bodyPr/>
-                    <a:lstStyle/>
-                    <a:p>
-                      <a:pPr algn="ctr"/>
-                      <a:r>
-                        <a:rPr lang="en-US" sz="1600" dirty="0" smtClean="0"/>
+                    </a:p>
+                  </a:txBody>
+                  <a:tcPr anchor="ctr">
+                    <a:lnB w="12700" cap="flat" cmpd="sng" algn="ctr">
+                      <a:solidFill>
+                        <a:schemeClr val="tx1"/>
+                      </a:solidFill>
+                      <a:prstDash val="solid"/>
+                      <a:round/>
+                      <a:headEnd type="none" w="med" len="med"/>
+                      <a:tailEnd type="none" w="med" len="med"/>
+                    </a:lnB>
+                  </a:tcPr>
+                </a:tc>
+                <a:tc>
+                  <a:txBody>
+                    <a:bodyPr/>
+                    <a:lstStyle/>
+                    <a:p>
+                      <a:pPr algn="ctr"/>
+                      <a:r>
+                        <a:rPr lang="en-US" sz="1600" dirty="0"/>
                         <a:t>292</a:t>
                       </a:r>
-                      <a:endParaRPr lang="en-US" sz="1600" dirty="0"/>
-                    </a:p>
-                  </a:txBody>
-                  <a:tcPr anchor="ctr">
-                    <a:lnB w="12700" cap="flat" cmpd="sng" algn="ctr">
-                      <a:solidFill>
-                        <a:schemeClr val="tx1"/>
-                      </a:solidFill>
-                      <a:prstDash val="solid"/>
-                      <a:round/>
-                      <a:headEnd type="none" w="med" len="med"/>
-                      <a:tailEnd type="none" w="med" len="med"/>
-                    </a:lnB>
-                  </a:tcPr>
-                </a:tc>
-                <a:tc>
-                  <a:txBody>
-                    <a:bodyPr/>
-                    <a:lstStyle/>
-                    <a:p>
-                      <a:pPr algn="ctr"/>
-                      <a:r>
-                        <a:rPr lang="en-US" sz="1600" dirty="0" smtClean="0"/>
+                    </a:p>
+                  </a:txBody>
+                  <a:tcPr anchor="ctr">
+                    <a:lnB w="12700" cap="flat" cmpd="sng" algn="ctr">
+                      <a:solidFill>
+                        <a:schemeClr val="tx1"/>
+                      </a:solidFill>
+                      <a:prstDash val="solid"/>
+                      <a:round/>
+                      <a:headEnd type="none" w="med" len="med"/>
+                      <a:tailEnd type="none" w="med" len="med"/>
+                    </a:lnB>
+                  </a:tcPr>
+                </a:tc>
+                <a:tc>
+                  <a:txBody>
+                    <a:bodyPr/>
+                    <a:lstStyle/>
+                    <a:p>
+                      <a:pPr algn="ctr"/>
+                      <a:r>
+                        <a:rPr lang="en-US" sz="1600" dirty="0"/>
                         <a:t>107</a:t>
                       </a:r>
-                      <a:endParaRPr lang="en-US" sz="1600" dirty="0"/>
-                    </a:p>
-                  </a:txBody>
-                  <a:tcPr anchor="ctr">
-                    <a:lnB w="12700" cap="flat" cmpd="sng" algn="ctr">
-                      <a:solidFill>
-                        <a:schemeClr val="tx1"/>
-                      </a:solidFill>
-                      <a:prstDash val="solid"/>
-                      <a:round/>
-                      <a:headEnd type="none" w="med" len="med"/>
-                      <a:tailEnd type="none" w="med" len="med"/>
-                    </a:lnB>
-                  </a:tcPr>
-                </a:tc>
-                <a:tc>
-                  <a:txBody>
-                    <a:bodyPr/>
-                    <a:lstStyle/>
-                    <a:p>
-                      <a:pPr algn="ctr"/>
-                      <a:r>
-                        <a:rPr lang="en-US" sz="1600" dirty="0" smtClean="0"/>
+                    </a:p>
+                  </a:txBody>
+                  <a:tcPr anchor="ctr">
+                    <a:lnB w="12700" cap="flat" cmpd="sng" algn="ctr">
+                      <a:solidFill>
+                        <a:schemeClr val="tx1"/>
+                      </a:solidFill>
+                      <a:prstDash val="solid"/>
+                      <a:round/>
+                      <a:headEnd type="none" w="med" len="med"/>
+                      <a:tailEnd type="none" w="med" len="med"/>
+                    </a:lnB>
+                  </a:tcPr>
+                </a:tc>
+                <a:tc>
+                  <a:txBody>
+                    <a:bodyPr/>
+                    <a:lstStyle/>
+                    <a:p>
+                      <a:pPr algn="ctr"/>
+                      <a:r>
+                        <a:rPr lang="en-US" sz="1600" dirty="0"/>
                         <a:t>136</a:t>
                       </a:r>
-                      <a:endParaRPr lang="en-US" sz="1600" dirty="0"/>
-                    </a:p>
-                  </a:txBody>
-                  <a:tcPr anchor="ctr">
-                    <a:lnB w="12700" cap="flat" cmpd="sng" algn="ctr">
-                      <a:solidFill>
-                        <a:schemeClr val="tx1"/>
-                      </a:solidFill>
-                      <a:prstDash val="solid"/>
-                      <a:round/>
-                      <a:headEnd type="none" w="med" len="med"/>
-                      <a:tailEnd type="none" w="med" len="med"/>
-                    </a:lnB>
-                  </a:tcPr>
-                </a:tc>
-                <a:tc>
-                  <a:txBody>
-                    <a:bodyPr/>
-                    <a:lstStyle/>
-                    <a:p>
-                      <a:pPr algn="ctr"/>
-                      <a:r>
-                        <a:rPr lang="en-US" sz="1600" dirty="0" smtClean="0"/>
+                    </a:p>
+                  </a:txBody>
+                  <a:tcPr anchor="ctr">
+                    <a:lnB w="12700" cap="flat" cmpd="sng" algn="ctr">
+                      <a:solidFill>
+                        <a:schemeClr val="tx1"/>
+                      </a:solidFill>
+                      <a:prstDash val="solid"/>
+                      <a:round/>
+                      <a:headEnd type="none" w="med" len="med"/>
+                      <a:tailEnd type="none" w="med" len="med"/>
+                    </a:lnB>
+                  </a:tcPr>
+                </a:tc>
+                <a:tc>
+                  <a:txBody>
+                    <a:bodyPr/>
+                    <a:lstStyle/>
+                    <a:p>
+                      <a:pPr algn="ctr"/>
+                      <a:r>
+                        <a:rPr lang="en-US" sz="1600" dirty="0"/>
                         <a:t>50</a:t>
                       </a:r>
-                      <a:endParaRPr lang="en-US" sz="1600" dirty="0"/>
-                    </a:p>
-                  </a:txBody>
-                  <a:tcPr anchor="ctr">
-                    <a:lnB w="12700" cap="flat" cmpd="sng" algn="ctr">
-                      <a:solidFill>
-                        <a:schemeClr val="tx1"/>
-                      </a:solidFill>
-                      <a:prstDash val="solid"/>
-                      <a:round/>
-                      <a:headEnd type="none" w="med" len="med"/>
-                      <a:tailEnd type="none" w="med" len="med"/>
-                    </a:lnB>
-                  </a:tcPr>
-                </a:tc>
-                <a:tc>
-                  <a:txBody>
-                    <a:bodyPr/>
-                    <a:lstStyle/>
-                    <a:p>
-                      <a:pPr algn="ctr"/>
-                      <a:r>
-                        <a:rPr lang="en-US" sz="1600" dirty="0" smtClean="0"/>
+                    </a:p>
+                  </a:txBody>
+                  <a:tcPr anchor="ctr">
+                    <a:lnB w="12700" cap="flat" cmpd="sng" algn="ctr">
+                      <a:solidFill>
+                        <a:schemeClr val="tx1"/>
+                      </a:solidFill>
+                      <a:prstDash val="solid"/>
+                      <a:round/>
+                      <a:headEnd type="none" w="med" len="med"/>
+                      <a:tailEnd type="none" w="med" len="med"/>
+                    </a:lnB>
+                  </a:tcPr>
+                </a:tc>
+                <a:tc>
+                  <a:txBody>
+                    <a:bodyPr/>
+                    <a:lstStyle/>
+                    <a:p>
+                      <a:pPr algn="ctr"/>
+                      <a:r>
+                        <a:rPr lang="en-US" sz="1600" dirty="0"/>
                         <a:t>49</a:t>
                       </a:r>
-                      <a:endParaRPr lang="en-US" sz="1600" dirty="0"/>
-                    </a:p>
-                  </a:txBody>
-                  <a:tcPr anchor="ctr">
-                    <a:lnB w="12700" cap="flat" cmpd="sng" algn="ctr">
-                      <a:solidFill>
-                        <a:schemeClr val="tx1"/>
-                      </a:solidFill>
-                      <a:prstDash val="solid"/>
-                      <a:round/>
-                      <a:headEnd type="none" w="med" len="med"/>
-                      <a:tailEnd type="none" w="med" len="med"/>
-                    </a:lnB>
-                  </a:tcPr>
-                </a:tc>
-                <a:tc>
-                  <a:txBody>
-                    <a:bodyPr/>
-                    <a:lstStyle/>
-                    <a:p>
-                      <a:pPr algn="ctr"/>
-                      <a:r>
-                        <a:rPr lang="en-US" sz="1600" dirty="0" smtClean="0"/>
+                    </a:p>
+                  </a:txBody>
+                  <a:tcPr anchor="ctr">
+                    <a:lnB w="12700" cap="flat" cmpd="sng" algn="ctr">
+                      <a:solidFill>
+                        <a:schemeClr val="tx1"/>
+                      </a:solidFill>
+                      <a:prstDash val="solid"/>
+                      <a:round/>
+                      <a:headEnd type="none" w="med" len="med"/>
+                      <a:tailEnd type="none" w="med" len="med"/>
+                    </a:lnB>
+                  </a:tcPr>
+                </a:tc>
+                <a:tc>
+                  <a:txBody>
+                    <a:bodyPr/>
+                    <a:lstStyle/>
+                    <a:p>
+                      <a:pPr algn="ctr"/>
+                      <a:r>
+                        <a:rPr lang="en-US" sz="1600" dirty="0"/>
                         <a:t>70</a:t>
                       </a:r>
-                      <a:endParaRPr lang="en-US" sz="1600" dirty="0"/>
-                    </a:p>
-                  </a:txBody>
-                  <a:tcPr anchor="ctr">
-                    <a:lnB w="12700" cap="flat" cmpd="sng" algn="ctr">
-                      <a:solidFill>
-                        <a:schemeClr val="tx1"/>
-                      </a:solidFill>
-                      <a:prstDash val="solid"/>
-                      <a:round/>
-                      <a:headEnd type="none" w="med" len="med"/>
-                      <a:tailEnd type="none" w="med" len="med"/>
-                    </a:lnB>
-                  </a:tcPr>
-                </a:tc>
-                <a:tc>
-                  <a:txBody>
-                    <a:bodyPr/>
-                    <a:lstStyle/>
-                    <a:p>
-                      <a:pPr algn="ctr"/>
-                      <a:r>
-                        <a:rPr lang="en-US" sz="1600" dirty="0" smtClean="0"/>
+                    </a:p>
+                  </a:txBody>
+                  <a:tcPr anchor="ctr">
+                    <a:lnB w="12700" cap="flat" cmpd="sng" algn="ctr">
+                      <a:solidFill>
+                        <a:schemeClr val="tx1"/>
+                      </a:solidFill>
+                      <a:prstDash val="solid"/>
+                      <a:round/>
+                      <a:headEnd type="none" w="med" len="med"/>
+                      <a:tailEnd type="none" w="med" len="med"/>
+                    </a:lnB>
+                  </a:tcPr>
+                </a:tc>
+                <a:tc>
+                  <a:txBody>
+                    <a:bodyPr/>
+                    <a:lstStyle/>
+                    <a:p>
+                      <a:pPr algn="ctr"/>
+                      <a:r>
+                        <a:rPr lang="en-US" sz="1600" dirty="0"/>
                         <a:t>73</a:t>
                       </a:r>
-                      <a:endParaRPr lang="en-US" sz="1600" dirty="0"/>
-                    </a:p>
-                  </a:txBody>
-                  <a:tcPr anchor="ctr">
-                    <a:lnB w="12700" cap="flat" cmpd="sng" algn="ctr">
-                      <a:solidFill>
-                        <a:schemeClr val="tx1"/>
-                      </a:solidFill>
-                      <a:prstDash val="solid"/>
-                      <a:round/>
-                      <a:headEnd type="none" w="med" len="med"/>
-                      <a:tailEnd type="none" w="med" len="med"/>
-                    </a:lnB>
-                  </a:tcPr>
-                </a:tc>
-                <a:tc>
-                  <a:txBody>
-                    <a:bodyPr/>
-                    <a:lstStyle/>
-                    <a:p>
-                      <a:pPr algn="ctr"/>
-                      <a:r>
-                        <a:rPr lang="en-US" sz="1600" dirty="0" smtClean="0"/>
+                    </a:p>
+                  </a:txBody>
+                  <a:tcPr anchor="ctr">
+                    <a:lnB w="12700" cap="flat" cmpd="sng" algn="ctr">
+                      <a:solidFill>
+                        <a:schemeClr val="tx1"/>
+                      </a:solidFill>
+                      <a:prstDash val="solid"/>
+                      <a:round/>
+                      <a:headEnd type="none" w="med" len="med"/>
+                      <a:tailEnd type="none" w="med" len="med"/>
+                    </a:lnB>
+                  </a:tcPr>
+                </a:tc>
+                <a:tc>
+                  <a:txBody>
+                    <a:bodyPr/>
+                    <a:lstStyle/>
+                    <a:p>
+                      <a:pPr algn="ctr"/>
+                      <a:r>
+                        <a:rPr lang="en-US" sz="1600" dirty="0"/>
                         <a:t>36</a:t>
                       </a:r>
-                      <a:endParaRPr lang="en-US" sz="1600" dirty="0"/>
-                    </a:p>
-                  </a:txBody>
-                  <a:tcPr anchor="ctr">
-                    <a:lnB w="12700" cap="flat" cmpd="sng" algn="ctr">
-                      <a:solidFill>
-                        <a:schemeClr val="tx1"/>
-                      </a:solidFill>
-                      <a:prstDash val="solid"/>
-                      <a:round/>
-                      <a:headEnd type="none" w="med" len="med"/>
-                      <a:tailEnd type="none" w="med" len="med"/>
-                    </a:lnB>
-                  </a:tcPr>
-                </a:tc>
-                <a:tc>
-                  <a:txBody>
-                    <a:bodyPr/>
-                    <a:lstStyle/>
-                    <a:p>
-                      <a:pPr algn="ctr"/>
-                      <a:r>
-                        <a:rPr lang="en-US" sz="1600" dirty="0" smtClean="0"/>
+                    </a:p>
+                  </a:txBody>
+                  <a:tcPr anchor="ctr">
+                    <a:lnB w="12700" cap="flat" cmpd="sng" algn="ctr">
+                      <a:solidFill>
+                        <a:schemeClr val="tx1"/>
+                      </a:solidFill>
+                      <a:prstDash val="solid"/>
+                      <a:round/>
+                      <a:headEnd type="none" w="med" len="med"/>
+                      <a:tailEnd type="none" w="med" len="med"/>
+                    </a:lnB>
+                  </a:tcPr>
+                </a:tc>
+                <a:tc>
+                  <a:txBody>
+                    <a:bodyPr/>
+                    <a:lstStyle/>
+                    <a:p>
+                      <a:pPr algn="ctr"/>
+                      <a:r>
+                        <a:rPr lang="en-US" sz="1600" dirty="0"/>
                         <a:t>28</a:t>
                       </a:r>
-                      <a:endParaRPr lang="en-US" sz="1600" dirty="0"/>
-                    </a:p>
-                  </a:txBody>
-                  <a:tcPr anchor="ctr">
-                    <a:lnB w="12700" cap="flat" cmpd="sng" algn="ctr">
-                      <a:solidFill>
-                        <a:schemeClr val="tx1"/>
-                      </a:solidFill>
-                      <a:prstDash val="solid"/>
-                      <a:round/>
-                      <a:headEnd type="none" w="med" len="med"/>
-                      <a:tailEnd type="none" w="med" len="med"/>
-                    </a:lnB>
-                  </a:tcPr>
-                </a:tc>
-                <a:tc>
-                  <a:txBody>
-                    <a:bodyPr/>
-                    <a:lstStyle/>
-                    <a:p>
-                      <a:pPr algn="ctr"/>
-                      <a:r>
-                        <a:rPr lang="en-US" sz="1600" dirty="0" smtClean="0"/>
+                    </a:p>
+                  </a:txBody>
+                  <a:tcPr anchor="ctr">
+                    <a:lnB w="12700" cap="flat" cmpd="sng" algn="ctr">
+                      <a:solidFill>
+                        <a:schemeClr val="tx1"/>
+                      </a:solidFill>
+                      <a:prstDash val="solid"/>
+                      <a:round/>
+                      <a:headEnd type="none" w="med" len="med"/>
+                      <a:tailEnd type="none" w="med" len="med"/>
+                    </a:lnB>
+                  </a:tcPr>
+                </a:tc>
+                <a:tc>
+                  <a:txBody>
+                    <a:bodyPr/>
+                    <a:lstStyle/>
+                    <a:p>
+                      <a:pPr algn="ctr"/>
+                      <a:r>
+                        <a:rPr lang="en-US" sz="1600" dirty="0"/>
                         <a:t>7</a:t>
                       </a:r>
-                      <a:endParaRPr lang="en-US" sz="1600" dirty="0"/>
-                    </a:p>
-                  </a:txBody>
-                  <a:tcPr anchor="ctr">
-                    <a:lnB w="12700" cap="flat" cmpd="sng" algn="ctr">
-                      <a:solidFill>
-                        <a:schemeClr val="tx1"/>
-                      </a:solidFill>
-                      <a:prstDash val="solid"/>
-                      <a:round/>
-                      <a:headEnd type="none" w="med" len="med"/>
-                      <a:tailEnd type="none" w="med" len="med"/>
-                    </a:lnB>
-                  </a:tcPr>
-                </a:tc>
-                <a:tc>
-                  <a:txBody>
-                    <a:bodyPr/>
-                    <a:lstStyle/>
-                    <a:p>
-                      <a:pPr algn="ctr"/>
-                      <a:r>
-                        <a:rPr lang="en-US" sz="1600" dirty="0" smtClean="0"/>
+                    </a:p>
+                  </a:txBody>
+                  <a:tcPr anchor="ctr">
+                    <a:lnB w="12700" cap="flat" cmpd="sng" algn="ctr">
+                      <a:solidFill>
+                        <a:schemeClr val="tx1"/>
+                      </a:solidFill>
+                      <a:prstDash val="solid"/>
+                      <a:round/>
+                      <a:headEnd type="none" w="med" len="med"/>
+                      <a:tailEnd type="none" w="med" len="med"/>
+                    </a:lnB>
+                  </a:tcPr>
+                </a:tc>
+                <a:tc>
+                  <a:txBody>
+                    <a:bodyPr/>
+                    <a:lstStyle/>
+                    <a:p>
+                      <a:pPr algn="ctr"/>
+                      <a:r>
+                        <a:rPr lang="en-US" sz="1600" dirty="0"/>
                         <a:t>1</a:t>
                       </a:r>
-                      <a:endParaRPr lang="en-US" sz="1600" dirty="0"/>
-                    </a:p>
-                  </a:txBody>
-                  <a:tcPr anchor="ctr">
-                    <a:lnB w="12700" cap="flat" cmpd="sng" algn="ctr">
-                      <a:solidFill>
-                        <a:schemeClr val="tx1"/>
-                      </a:solidFill>
-                      <a:prstDash val="solid"/>
-                      <a:round/>
-                      <a:headEnd type="none" w="med" len="med"/>
-                      <a:tailEnd type="none" w="med" len="med"/>
-                    </a:lnB>
-                  </a:tcPr>
-                </a:tc>
-                <a:tc>
-                  <a:txBody>
-                    <a:bodyPr/>
-                    <a:lstStyle/>
-                    <a:p>
-                      <a:pPr algn="ctr"/>
-                      <a:r>
-                        <a:rPr lang="en-US" sz="1600" dirty="0" smtClean="0"/>
+                    </a:p>
+                  </a:txBody>
+                  <a:tcPr anchor="ctr">
+                    <a:lnB w="12700" cap="flat" cmpd="sng" algn="ctr">
+                      <a:solidFill>
+                        <a:schemeClr val="tx1"/>
+                      </a:solidFill>
+                      <a:prstDash val="solid"/>
+                      <a:round/>
+                      <a:headEnd type="none" w="med" len="med"/>
+                      <a:tailEnd type="none" w="med" len="med"/>
+                    </a:lnB>
+                  </a:tcPr>
+                </a:tc>
+                <a:tc>
+                  <a:txBody>
+                    <a:bodyPr/>
+                    <a:lstStyle/>
+                    <a:p>
+                      <a:pPr algn="ctr"/>
+                      <a:r>
+                        <a:rPr lang="en-US" sz="1600" dirty="0"/>
                         <a:t>6780</a:t>
                       </a:r>
-                      <a:endParaRPr lang="en-US" sz="1600" dirty="0"/>
                     </a:p>
                   </a:txBody>
                   <a:tcPr anchor="ctr">
@@ -14963,10 +14597,9 @@
           <a:lstStyle/>
           <a:p>
             <a:r>
-              <a:rPr lang="en-US" dirty="0" smtClean="0"/>
+              <a:rPr lang="en-US" dirty="0"/>
               <a:t>Number of SNPs that pair to n genes:</a:t>
             </a:r>
-            <a:endParaRPr lang="en-US" dirty="0"/>
           </a:p>
         </p:txBody>
       </p:sp>
@@ -15073,10 +14706,9 @@
                     <a:p>
                       <a:pPr algn="ctr"/>
                       <a:r>
-                        <a:rPr lang="en-US" sz="1800" dirty="0" smtClean="0"/>
+                        <a:rPr lang="en-US" sz="1800" dirty="0"/>
                         <a:t>Hippocampus</a:t>
                       </a:r>
-                      <a:endParaRPr lang="en-US" sz="1800" dirty="0"/>
                     </a:p>
                   </a:txBody>
                   <a:tcPr anchor="ctr">
@@ -15184,13 +14816,8 @@
                       <a:pPr algn="l"/>
                       <a:r>
                         <a:rPr lang="en-US" sz="1800" dirty="0"/>
-                        <a:t># </a:t>
-                      </a:r>
-                      <a:r>
-                        <a:rPr lang="en-US" sz="1800" dirty="0" smtClean="0"/>
-                        <a:t>unique SNPs (unique index SNPs)</a:t>
-                      </a:r>
-                      <a:endParaRPr lang="en-US" sz="1800" dirty="0"/>
+                        <a:t># unique SNPs (unique index SNPs)</a:t>
+                      </a:r>
                     </a:p>
                   </a:txBody>
                   <a:tcPr anchor="ctr">
@@ -15239,14 +14866,9 @@
                     <a:p>
                       <a:pPr algn="ctr"/>
                       <a:r>
-                        <a:rPr lang="en-US" sz="1600" dirty="0" smtClean="0"/>
-                        <a:t>5510 </a:t>
-                      </a:r>
-                      <a:r>
-                        <a:rPr lang="en-US" sz="1600" dirty="0" smtClean="0"/>
-                        <a:t>(103)</a:t>
-                      </a:r>
-                      <a:endParaRPr lang="en-US" sz="1600" dirty="0"/>
+                        <a:rPr lang="en-US" sz="1600" dirty="0"/>
+                        <a:t>5510 (103)</a:t>
+                      </a:r>
                     </a:p>
                   </a:txBody>
                   <a:tcPr anchor="ctr">
@@ -15295,14 +14917,9 @@
                     <a:p>
                       <a:pPr algn="ctr"/>
                       <a:r>
-                        <a:rPr lang="en-US" sz="1600" dirty="0" smtClean="0"/>
-                        <a:t>6780 </a:t>
-                      </a:r>
-                      <a:r>
-                        <a:rPr lang="en-US" sz="1600" dirty="0" smtClean="0"/>
-                        <a:t>(116)</a:t>
-                      </a:r>
-                      <a:endParaRPr lang="en-US" sz="1600" dirty="0"/>
+                        <a:rPr lang="en-US" sz="1600" dirty="0"/>
+                        <a:t>6780 (116)</a:t>
+                      </a:r>
                     </a:p>
                   </a:txBody>
                   <a:tcPr anchor="ctr">
@@ -15426,13 +15043,7 @@
               <a:rPr lang="en-US" dirty="0">
                 <a:latin typeface="+mn-lt"/>
               </a:rPr>
-              <a:t> at </a:t>
-            </a:r>
-            <a:r>
-              <a:rPr lang="en-US" dirty="0" smtClean="0">
-                <a:latin typeface="+mn-lt"/>
-              </a:rPr>
-              <a:t>FDR &lt; 1% </a:t>
+              <a:t> at FDR &lt; 1% </a:t>
             </a:r>
             <a:r>
               <a:rPr lang="en-US" dirty="0"/>
@@ -15457,7 +15068,7 @@
           <p:nvPr>
             <p:extLst>
               <p:ext uri="{D42A27DB-BD31-4B8C-83A1-F6EECF244321}">
-                <p14:modId xmlns:p14="http://schemas.microsoft.com/office/powerpoint/2010/main" val="1464596246"/>
+                <p14:modId xmlns:p14="http://schemas.microsoft.com/office/powerpoint/2010/main" val="3060954481"/>
               </p:ext>
             </p:extLst>
           </p:nvPr>
@@ -15671,10 +15282,9 @@
                     <a:p>
                       <a:pPr algn="ctr"/>
                       <a:r>
-                        <a:rPr lang="en-US" sz="1400" dirty="0" smtClean="0"/>
-                        <a:t>Hippo</a:t>
-                      </a:r>
-                      <a:endParaRPr lang="en-US" sz="1400" dirty="0"/>
+                        <a:rPr lang="en-US" sz="1400" dirty="0"/>
+                        <a:t>HIPPO</a:t>
+                      </a:r>
                     </a:p>
                   </a:txBody>
                   <a:tcPr anchor="ctr">
@@ -15714,635 +15324,609 @@
                     <a:p>
                       <a:pPr algn="ctr"/>
                       <a:r>
-                        <a:rPr lang="en-US" sz="1400" dirty="0" smtClean="0"/>
+                        <a:rPr lang="en-US" sz="1400" dirty="0"/>
                         <a:t>1</a:t>
                       </a:r>
-                      <a:endParaRPr lang="en-US" sz="1400" dirty="0"/>
-                    </a:p>
-                  </a:txBody>
-                  <a:tcPr anchor="ctr">
-                    <a:lnT w="12700" cap="flat" cmpd="sng" algn="ctr">
-                      <a:solidFill>
-                        <a:schemeClr val="tx1"/>
-                      </a:solidFill>
-                      <a:prstDash val="solid"/>
-                      <a:round/>
-                      <a:headEnd type="none" w="med" len="med"/>
-                      <a:tailEnd type="none" w="med" len="med"/>
-                    </a:lnT>
-                  </a:tcPr>
-                </a:tc>
-                <a:tc>
-                  <a:txBody>
-                    <a:bodyPr/>
-                    <a:lstStyle/>
-                    <a:p>
-                      <a:pPr algn="ctr"/>
-                      <a:r>
-                        <a:rPr lang="en-US" sz="1400" dirty="0" smtClean="0"/>
+                    </a:p>
+                  </a:txBody>
+                  <a:tcPr anchor="ctr">
+                    <a:lnT w="12700" cap="flat" cmpd="sng" algn="ctr">
+                      <a:solidFill>
+                        <a:schemeClr val="tx1"/>
+                      </a:solidFill>
+                      <a:prstDash val="solid"/>
+                      <a:round/>
+                      <a:headEnd type="none" w="med" len="med"/>
+                      <a:tailEnd type="none" w="med" len="med"/>
+                    </a:lnT>
+                  </a:tcPr>
+                </a:tc>
+                <a:tc>
+                  <a:txBody>
+                    <a:bodyPr/>
+                    <a:lstStyle/>
+                    <a:p>
+                      <a:pPr algn="ctr"/>
+                      <a:r>
+                        <a:rPr lang="en-US" sz="1400" dirty="0"/>
                         <a:t>2</a:t>
                       </a:r>
-                      <a:endParaRPr lang="en-US" sz="1400" dirty="0"/>
-                    </a:p>
-                  </a:txBody>
-                  <a:tcPr anchor="ctr">
-                    <a:lnT w="12700" cap="flat" cmpd="sng" algn="ctr">
-                      <a:solidFill>
-                        <a:schemeClr val="tx1"/>
-                      </a:solidFill>
-                      <a:prstDash val="solid"/>
-                      <a:round/>
-                      <a:headEnd type="none" w="med" len="med"/>
-                      <a:tailEnd type="none" w="med" len="med"/>
-                    </a:lnT>
-                  </a:tcPr>
-                </a:tc>
-                <a:tc>
-                  <a:txBody>
-                    <a:bodyPr/>
-                    <a:lstStyle/>
-                    <a:p>
-                      <a:pPr algn="ctr"/>
-                      <a:r>
-                        <a:rPr lang="en-US" sz="1400" dirty="0" smtClean="0"/>
+                    </a:p>
+                  </a:txBody>
+                  <a:tcPr anchor="ctr">
+                    <a:lnT w="12700" cap="flat" cmpd="sng" algn="ctr">
+                      <a:solidFill>
+                        <a:schemeClr val="tx1"/>
+                      </a:solidFill>
+                      <a:prstDash val="solid"/>
+                      <a:round/>
+                      <a:headEnd type="none" w="med" len="med"/>
+                      <a:tailEnd type="none" w="med" len="med"/>
+                    </a:lnT>
+                  </a:tcPr>
+                </a:tc>
+                <a:tc>
+                  <a:txBody>
+                    <a:bodyPr/>
+                    <a:lstStyle/>
+                    <a:p>
+                      <a:pPr algn="ctr"/>
+                      <a:r>
+                        <a:rPr lang="en-US" sz="1400" dirty="0"/>
                         <a:t>3</a:t>
                       </a:r>
-                      <a:endParaRPr lang="en-US" sz="1400" dirty="0"/>
-                    </a:p>
-                  </a:txBody>
-                  <a:tcPr anchor="ctr">
-                    <a:lnT w="12700" cap="flat" cmpd="sng" algn="ctr">
-                      <a:solidFill>
-                        <a:schemeClr val="tx1"/>
-                      </a:solidFill>
-                      <a:prstDash val="solid"/>
-                      <a:round/>
-                      <a:headEnd type="none" w="med" len="med"/>
-                      <a:tailEnd type="none" w="med" len="med"/>
-                    </a:lnT>
-                  </a:tcPr>
-                </a:tc>
-                <a:tc>
-                  <a:txBody>
-                    <a:bodyPr/>
-                    <a:lstStyle/>
-                    <a:p>
-                      <a:pPr algn="ctr"/>
-                      <a:r>
-                        <a:rPr lang="en-US" sz="1400" dirty="0" smtClean="0"/>
+                    </a:p>
+                  </a:txBody>
+                  <a:tcPr anchor="ctr">
+                    <a:lnT w="12700" cap="flat" cmpd="sng" algn="ctr">
+                      <a:solidFill>
+                        <a:schemeClr val="tx1"/>
+                      </a:solidFill>
+                      <a:prstDash val="solid"/>
+                      <a:round/>
+                      <a:headEnd type="none" w="med" len="med"/>
+                      <a:tailEnd type="none" w="med" len="med"/>
+                    </a:lnT>
+                  </a:tcPr>
+                </a:tc>
+                <a:tc>
+                  <a:txBody>
+                    <a:bodyPr/>
+                    <a:lstStyle/>
+                    <a:p>
+                      <a:pPr algn="ctr"/>
+                      <a:r>
+                        <a:rPr lang="en-US" sz="1400" dirty="0"/>
                         <a:t>4</a:t>
                       </a:r>
-                      <a:endParaRPr lang="en-US" sz="1400" dirty="0"/>
-                    </a:p>
-                  </a:txBody>
-                  <a:tcPr anchor="ctr">
-                    <a:lnT w="12700" cap="flat" cmpd="sng" algn="ctr">
-                      <a:solidFill>
-                        <a:schemeClr val="tx1"/>
-                      </a:solidFill>
-                      <a:prstDash val="solid"/>
-                      <a:round/>
-                      <a:headEnd type="none" w="med" len="med"/>
-                      <a:tailEnd type="none" w="med" len="med"/>
-                    </a:lnT>
-                  </a:tcPr>
-                </a:tc>
-                <a:tc>
-                  <a:txBody>
-                    <a:bodyPr/>
-                    <a:lstStyle/>
-                    <a:p>
-                      <a:pPr algn="ctr"/>
-                      <a:r>
-                        <a:rPr lang="en-US" sz="1400" dirty="0" smtClean="0"/>
+                    </a:p>
+                  </a:txBody>
+                  <a:tcPr anchor="ctr">
+                    <a:lnT w="12700" cap="flat" cmpd="sng" algn="ctr">
+                      <a:solidFill>
+                        <a:schemeClr val="tx1"/>
+                      </a:solidFill>
+                      <a:prstDash val="solid"/>
+                      <a:round/>
+                      <a:headEnd type="none" w="med" len="med"/>
+                      <a:tailEnd type="none" w="med" len="med"/>
+                    </a:lnT>
+                  </a:tcPr>
+                </a:tc>
+                <a:tc>
+                  <a:txBody>
+                    <a:bodyPr/>
+                    <a:lstStyle/>
+                    <a:p>
+                      <a:pPr algn="ctr"/>
+                      <a:r>
+                        <a:rPr lang="en-US" sz="1400" dirty="0"/>
                         <a:t>5</a:t>
                       </a:r>
-                      <a:endParaRPr lang="en-US" sz="1400" dirty="0"/>
-                    </a:p>
-                  </a:txBody>
-                  <a:tcPr anchor="ctr">
-                    <a:lnT w="12700" cap="flat" cmpd="sng" algn="ctr">
-                      <a:solidFill>
-                        <a:schemeClr val="tx1"/>
-                      </a:solidFill>
-                      <a:prstDash val="solid"/>
-                      <a:round/>
-                      <a:headEnd type="none" w="med" len="med"/>
-                      <a:tailEnd type="none" w="med" len="med"/>
-                    </a:lnT>
-                  </a:tcPr>
-                </a:tc>
-                <a:tc>
-                  <a:txBody>
-                    <a:bodyPr/>
-                    <a:lstStyle/>
-                    <a:p>
-                      <a:pPr algn="ctr"/>
-                      <a:r>
-                        <a:rPr lang="en-US" sz="1400" dirty="0" smtClean="0"/>
+                    </a:p>
+                  </a:txBody>
+                  <a:tcPr anchor="ctr">
+                    <a:lnT w="12700" cap="flat" cmpd="sng" algn="ctr">
+                      <a:solidFill>
+                        <a:schemeClr val="tx1"/>
+                      </a:solidFill>
+                      <a:prstDash val="solid"/>
+                      <a:round/>
+                      <a:headEnd type="none" w="med" len="med"/>
+                      <a:tailEnd type="none" w="med" len="med"/>
+                    </a:lnT>
+                  </a:tcPr>
+                </a:tc>
+                <a:tc>
+                  <a:txBody>
+                    <a:bodyPr/>
+                    <a:lstStyle/>
+                    <a:p>
+                      <a:pPr algn="ctr"/>
+                      <a:r>
+                        <a:rPr lang="en-US" sz="1400" dirty="0"/>
                         <a:t>6</a:t>
                       </a:r>
-                      <a:endParaRPr lang="en-US" sz="1400" dirty="0"/>
-                    </a:p>
-                  </a:txBody>
-                  <a:tcPr anchor="ctr">
-                    <a:lnT w="12700" cap="flat" cmpd="sng" algn="ctr">
-                      <a:solidFill>
-                        <a:schemeClr val="tx1"/>
-                      </a:solidFill>
-                      <a:prstDash val="solid"/>
-                      <a:round/>
-                      <a:headEnd type="none" w="med" len="med"/>
-                      <a:tailEnd type="none" w="med" len="med"/>
-                    </a:lnT>
-                  </a:tcPr>
-                </a:tc>
-                <a:tc>
-                  <a:txBody>
-                    <a:bodyPr/>
-                    <a:lstStyle/>
-                    <a:p>
-                      <a:pPr algn="ctr"/>
-                      <a:r>
-                        <a:rPr lang="en-US" sz="1400" dirty="0" smtClean="0"/>
+                    </a:p>
+                  </a:txBody>
+                  <a:tcPr anchor="ctr">
+                    <a:lnT w="12700" cap="flat" cmpd="sng" algn="ctr">
+                      <a:solidFill>
+                        <a:schemeClr val="tx1"/>
+                      </a:solidFill>
+                      <a:prstDash val="solid"/>
+                      <a:round/>
+                      <a:headEnd type="none" w="med" len="med"/>
+                      <a:tailEnd type="none" w="med" len="med"/>
+                    </a:lnT>
+                  </a:tcPr>
+                </a:tc>
+                <a:tc>
+                  <a:txBody>
+                    <a:bodyPr/>
+                    <a:lstStyle/>
+                    <a:p>
+                      <a:pPr algn="ctr"/>
+                      <a:r>
+                        <a:rPr lang="en-US" sz="1400" dirty="0"/>
                         <a:t>7</a:t>
                       </a:r>
-                      <a:endParaRPr lang="en-US" sz="1400" dirty="0"/>
-                    </a:p>
-                  </a:txBody>
-                  <a:tcPr anchor="ctr">
-                    <a:lnT w="12700" cap="flat" cmpd="sng" algn="ctr">
-                      <a:solidFill>
-                        <a:schemeClr val="tx1"/>
-                      </a:solidFill>
-                      <a:prstDash val="solid"/>
-                      <a:round/>
-                      <a:headEnd type="none" w="med" len="med"/>
-                      <a:tailEnd type="none" w="med" len="med"/>
-                    </a:lnT>
-                  </a:tcPr>
-                </a:tc>
-                <a:tc>
-                  <a:txBody>
-                    <a:bodyPr/>
-                    <a:lstStyle/>
-                    <a:p>
-                      <a:pPr algn="ctr"/>
-                      <a:r>
-                        <a:rPr lang="en-US" sz="1400" dirty="0" smtClean="0"/>
+                    </a:p>
+                  </a:txBody>
+                  <a:tcPr anchor="ctr">
+                    <a:lnT w="12700" cap="flat" cmpd="sng" algn="ctr">
+                      <a:solidFill>
+                        <a:schemeClr val="tx1"/>
+                      </a:solidFill>
+                      <a:prstDash val="solid"/>
+                      <a:round/>
+                      <a:headEnd type="none" w="med" len="med"/>
+                      <a:tailEnd type="none" w="med" len="med"/>
+                    </a:lnT>
+                  </a:tcPr>
+                </a:tc>
+                <a:tc>
+                  <a:txBody>
+                    <a:bodyPr/>
+                    <a:lstStyle/>
+                    <a:p>
+                      <a:pPr algn="ctr"/>
+                      <a:r>
+                        <a:rPr lang="en-US" sz="1400" dirty="0"/>
                         <a:t>8</a:t>
                       </a:r>
-                      <a:endParaRPr lang="en-US" sz="1400" dirty="0"/>
-                    </a:p>
-                  </a:txBody>
-                  <a:tcPr anchor="ctr">
-                    <a:lnT w="12700" cap="flat" cmpd="sng" algn="ctr">
-                      <a:solidFill>
-                        <a:schemeClr val="tx1"/>
-                      </a:solidFill>
-                      <a:prstDash val="solid"/>
-                      <a:round/>
-                      <a:headEnd type="none" w="med" len="med"/>
-                      <a:tailEnd type="none" w="med" len="med"/>
-                    </a:lnT>
-                  </a:tcPr>
-                </a:tc>
-                <a:tc>
-                  <a:txBody>
-                    <a:bodyPr/>
-                    <a:lstStyle/>
-                    <a:p>
-                      <a:pPr algn="ctr"/>
-                      <a:r>
-                        <a:rPr lang="en-US" sz="1400" dirty="0" smtClean="0"/>
+                    </a:p>
+                  </a:txBody>
+                  <a:tcPr anchor="ctr">
+                    <a:lnT w="12700" cap="flat" cmpd="sng" algn="ctr">
+                      <a:solidFill>
+                        <a:schemeClr val="tx1"/>
+                      </a:solidFill>
+                      <a:prstDash val="solid"/>
+                      <a:round/>
+                      <a:headEnd type="none" w="med" len="med"/>
+                      <a:tailEnd type="none" w="med" len="med"/>
+                    </a:lnT>
+                  </a:tcPr>
+                </a:tc>
+                <a:tc>
+                  <a:txBody>
+                    <a:bodyPr/>
+                    <a:lstStyle/>
+                    <a:p>
+                      <a:pPr algn="ctr"/>
+                      <a:r>
+                        <a:rPr lang="en-US" sz="1400" dirty="0"/>
                         <a:t>9</a:t>
                       </a:r>
-                      <a:endParaRPr lang="en-US" sz="1400" dirty="0"/>
-                    </a:p>
-                  </a:txBody>
-                  <a:tcPr anchor="ctr">
-                    <a:lnT w="12700" cap="flat" cmpd="sng" algn="ctr">
-                      <a:solidFill>
-                        <a:schemeClr val="tx1"/>
-                      </a:solidFill>
-                      <a:prstDash val="solid"/>
-                      <a:round/>
-                      <a:headEnd type="none" w="med" len="med"/>
-                      <a:tailEnd type="none" w="med" len="med"/>
-                    </a:lnT>
-                  </a:tcPr>
-                </a:tc>
-                <a:tc>
-                  <a:txBody>
-                    <a:bodyPr/>
-                    <a:lstStyle/>
-                    <a:p>
-                      <a:pPr algn="ctr"/>
-                      <a:r>
-                        <a:rPr lang="en-US" sz="1400" dirty="0" smtClean="0"/>
+                    </a:p>
+                  </a:txBody>
+                  <a:tcPr anchor="ctr">
+                    <a:lnT w="12700" cap="flat" cmpd="sng" algn="ctr">
+                      <a:solidFill>
+                        <a:schemeClr val="tx1"/>
+                      </a:solidFill>
+                      <a:prstDash val="solid"/>
+                      <a:round/>
+                      <a:headEnd type="none" w="med" len="med"/>
+                      <a:tailEnd type="none" w="med" len="med"/>
+                    </a:lnT>
+                  </a:tcPr>
+                </a:tc>
+                <a:tc>
+                  <a:txBody>
+                    <a:bodyPr/>
+                    <a:lstStyle/>
+                    <a:p>
+                      <a:pPr algn="ctr"/>
+                      <a:r>
+                        <a:rPr lang="en-US" sz="1400" dirty="0"/>
                         <a:t>10</a:t>
                       </a:r>
-                      <a:endParaRPr lang="en-US" sz="1400" dirty="0"/>
-                    </a:p>
-                  </a:txBody>
-                  <a:tcPr anchor="ctr">
-                    <a:lnT w="12700" cap="flat" cmpd="sng" algn="ctr">
-                      <a:solidFill>
-                        <a:schemeClr val="tx1"/>
-                      </a:solidFill>
-                      <a:prstDash val="solid"/>
-                      <a:round/>
-                      <a:headEnd type="none" w="med" len="med"/>
-                      <a:tailEnd type="none" w="med" len="med"/>
-                    </a:lnT>
-                  </a:tcPr>
-                </a:tc>
-                <a:tc>
-                  <a:txBody>
-                    <a:bodyPr/>
-                    <a:lstStyle/>
-                    <a:p>
-                      <a:pPr algn="ctr"/>
-                      <a:r>
-                        <a:rPr lang="en-US" sz="1400" dirty="0" smtClean="0"/>
+                    </a:p>
+                  </a:txBody>
+                  <a:tcPr anchor="ctr">
+                    <a:lnT w="12700" cap="flat" cmpd="sng" algn="ctr">
+                      <a:solidFill>
+                        <a:schemeClr val="tx1"/>
+                      </a:solidFill>
+                      <a:prstDash val="solid"/>
+                      <a:round/>
+                      <a:headEnd type="none" w="med" len="med"/>
+                      <a:tailEnd type="none" w="med" len="med"/>
+                    </a:lnT>
+                  </a:tcPr>
+                </a:tc>
+                <a:tc>
+                  <a:txBody>
+                    <a:bodyPr/>
+                    <a:lstStyle/>
+                    <a:p>
+                      <a:pPr algn="ctr"/>
+                      <a:r>
+                        <a:rPr lang="en-US" sz="1400" dirty="0"/>
                         <a:t>11</a:t>
                       </a:r>
-                      <a:endParaRPr lang="en-US" sz="1400" dirty="0"/>
-                    </a:p>
-                  </a:txBody>
-                  <a:tcPr anchor="ctr">
-                    <a:lnT w="12700" cap="flat" cmpd="sng" algn="ctr">
-                      <a:solidFill>
-                        <a:schemeClr val="tx1"/>
-                      </a:solidFill>
-                      <a:prstDash val="solid"/>
-                      <a:round/>
-                      <a:headEnd type="none" w="med" len="med"/>
-                      <a:tailEnd type="none" w="med" len="med"/>
-                    </a:lnT>
-                  </a:tcPr>
-                </a:tc>
-                <a:tc>
-                  <a:txBody>
-                    <a:bodyPr/>
-                    <a:lstStyle/>
-                    <a:p>
-                      <a:pPr algn="ctr"/>
-                      <a:r>
-                        <a:rPr lang="en-US" sz="1400" dirty="0" smtClean="0"/>
+                    </a:p>
+                  </a:txBody>
+                  <a:tcPr anchor="ctr">
+                    <a:lnT w="12700" cap="flat" cmpd="sng" algn="ctr">
+                      <a:solidFill>
+                        <a:schemeClr val="tx1"/>
+                      </a:solidFill>
+                      <a:prstDash val="solid"/>
+                      <a:round/>
+                      <a:headEnd type="none" w="med" len="med"/>
+                      <a:tailEnd type="none" w="med" len="med"/>
+                    </a:lnT>
+                  </a:tcPr>
+                </a:tc>
+                <a:tc>
+                  <a:txBody>
+                    <a:bodyPr/>
+                    <a:lstStyle/>
+                    <a:p>
+                      <a:pPr algn="ctr"/>
+                      <a:r>
+                        <a:rPr lang="en-US" sz="1400" dirty="0"/>
                         <a:t>12</a:t>
                       </a:r>
-                      <a:endParaRPr lang="en-US" sz="1400" dirty="0"/>
-                    </a:p>
-                  </a:txBody>
-                  <a:tcPr anchor="ctr">
-                    <a:lnT w="12700" cap="flat" cmpd="sng" algn="ctr">
-                      <a:solidFill>
-                        <a:schemeClr val="tx1"/>
-                      </a:solidFill>
-                      <a:prstDash val="solid"/>
-                      <a:round/>
-                      <a:headEnd type="none" w="med" len="med"/>
-                      <a:tailEnd type="none" w="med" len="med"/>
-                    </a:lnT>
-                  </a:tcPr>
-                </a:tc>
-                <a:tc>
-                  <a:txBody>
-                    <a:bodyPr/>
-                    <a:lstStyle/>
-                    <a:p>
-                      <a:pPr algn="ctr"/>
-                      <a:r>
-                        <a:rPr lang="en-US" sz="1400" dirty="0" smtClean="0"/>
+                    </a:p>
+                  </a:txBody>
+                  <a:tcPr anchor="ctr">
+                    <a:lnT w="12700" cap="flat" cmpd="sng" algn="ctr">
+                      <a:solidFill>
+                        <a:schemeClr val="tx1"/>
+                      </a:solidFill>
+                      <a:prstDash val="solid"/>
+                      <a:round/>
+                      <a:headEnd type="none" w="med" len="med"/>
+                      <a:tailEnd type="none" w="med" len="med"/>
+                    </a:lnT>
+                  </a:tcPr>
+                </a:tc>
+                <a:tc>
+                  <a:txBody>
+                    <a:bodyPr/>
+                    <a:lstStyle/>
+                    <a:p>
+                      <a:pPr algn="ctr"/>
+                      <a:r>
+                        <a:rPr lang="en-US" sz="1400" dirty="0"/>
                         <a:t>13</a:t>
                       </a:r>
-                      <a:endParaRPr lang="en-US" sz="1400" dirty="0"/>
-                    </a:p>
-                  </a:txBody>
-                  <a:tcPr anchor="ctr">
-                    <a:lnT w="12700" cap="flat" cmpd="sng" algn="ctr">
-                      <a:solidFill>
-                        <a:schemeClr val="tx1"/>
-                      </a:solidFill>
-                      <a:prstDash val="solid"/>
-                      <a:round/>
-                      <a:headEnd type="none" w="med" len="med"/>
-                      <a:tailEnd type="none" w="med" len="med"/>
-                    </a:lnT>
-                  </a:tcPr>
-                </a:tc>
-                <a:tc>
-                  <a:txBody>
-                    <a:bodyPr/>
-                    <a:lstStyle/>
-                    <a:p>
-                      <a:pPr algn="ctr"/>
-                      <a:r>
-                        <a:rPr lang="en-US" sz="1400" dirty="0" smtClean="0"/>
+                    </a:p>
+                  </a:txBody>
+                  <a:tcPr anchor="ctr">
+                    <a:lnT w="12700" cap="flat" cmpd="sng" algn="ctr">
+                      <a:solidFill>
+                        <a:schemeClr val="tx1"/>
+                      </a:solidFill>
+                      <a:prstDash val="solid"/>
+                      <a:round/>
+                      <a:headEnd type="none" w="med" len="med"/>
+                      <a:tailEnd type="none" w="med" len="med"/>
+                    </a:lnT>
+                  </a:tcPr>
+                </a:tc>
+                <a:tc>
+                  <a:txBody>
+                    <a:bodyPr/>
+                    <a:lstStyle/>
+                    <a:p>
+                      <a:pPr algn="ctr"/>
+                      <a:r>
+                        <a:rPr lang="en-US" sz="1400" dirty="0"/>
                         <a:t>14</a:t>
                       </a:r>
-                      <a:endParaRPr lang="en-US" sz="1400" dirty="0"/>
-                    </a:p>
-                  </a:txBody>
-                  <a:tcPr anchor="ctr">
-                    <a:lnT w="12700" cap="flat" cmpd="sng" algn="ctr">
-                      <a:solidFill>
-                        <a:schemeClr val="tx1"/>
-                      </a:solidFill>
-                      <a:prstDash val="solid"/>
-                      <a:round/>
-                      <a:headEnd type="none" w="med" len="med"/>
-                      <a:tailEnd type="none" w="med" len="med"/>
-                    </a:lnT>
-                  </a:tcPr>
-                </a:tc>
-                <a:tc>
-                  <a:txBody>
-                    <a:bodyPr/>
-                    <a:lstStyle/>
-                    <a:p>
-                      <a:pPr algn="ctr"/>
-                      <a:r>
-                        <a:rPr lang="en-US" sz="1400" dirty="0" smtClean="0"/>
+                    </a:p>
+                  </a:txBody>
+                  <a:tcPr anchor="ctr">
+                    <a:lnT w="12700" cap="flat" cmpd="sng" algn="ctr">
+                      <a:solidFill>
+                        <a:schemeClr val="tx1"/>
+                      </a:solidFill>
+                      <a:prstDash val="solid"/>
+                      <a:round/>
+                      <a:headEnd type="none" w="med" len="med"/>
+                      <a:tailEnd type="none" w="med" len="med"/>
+                    </a:lnT>
+                  </a:tcPr>
+                </a:tc>
+                <a:tc>
+                  <a:txBody>
+                    <a:bodyPr/>
+                    <a:lstStyle/>
+                    <a:p>
+                      <a:pPr algn="ctr"/>
+                      <a:r>
+                        <a:rPr lang="en-US" sz="1400" dirty="0"/>
                         <a:t>15</a:t>
                       </a:r>
-                      <a:endParaRPr lang="en-US" sz="1400" dirty="0"/>
-                    </a:p>
-                  </a:txBody>
-                  <a:tcPr anchor="ctr">
-                    <a:lnT w="12700" cap="flat" cmpd="sng" algn="ctr">
-                      <a:solidFill>
-                        <a:schemeClr val="tx1"/>
-                      </a:solidFill>
-                      <a:prstDash val="solid"/>
-                      <a:round/>
-                      <a:headEnd type="none" w="med" len="med"/>
-                      <a:tailEnd type="none" w="med" len="med"/>
-                    </a:lnT>
-                  </a:tcPr>
-                </a:tc>
-                <a:tc>
-                  <a:txBody>
-                    <a:bodyPr/>
-                    <a:lstStyle/>
-                    <a:p>
-                      <a:pPr algn="ctr"/>
-                      <a:r>
-                        <a:rPr lang="en-US" sz="1400" dirty="0" smtClean="0"/>
+                    </a:p>
+                  </a:txBody>
+                  <a:tcPr anchor="ctr">
+                    <a:lnT w="12700" cap="flat" cmpd="sng" algn="ctr">
+                      <a:solidFill>
+                        <a:schemeClr val="tx1"/>
+                      </a:solidFill>
+                      <a:prstDash val="solid"/>
+                      <a:round/>
+                      <a:headEnd type="none" w="med" len="med"/>
+                      <a:tailEnd type="none" w="med" len="med"/>
+                    </a:lnT>
+                  </a:tcPr>
+                </a:tc>
+                <a:tc>
+                  <a:txBody>
+                    <a:bodyPr/>
+                    <a:lstStyle/>
+                    <a:p>
+                      <a:pPr algn="ctr"/>
+                      <a:r>
+                        <a:rPr lang="en-US" sz="1400" dirty="0"/>
                         <a:t>16</a:t>
                       </a:r>
-                      <a:endParaRPr lang="en-US" sz="1400" dirty="0"/>
-                    </a:p>
-                  </a:txBody>
-                  <a:tcPr anchor="ctr">
-                    <a:lnT w="12700" cap="flat" cmpd="sng" algn="ctr">
-                      <a:solidFill>
-                        <a:schemeClr val="tx1"/>
-                      </a:solidFill>
-                      <a:prstDash val="solid"/>
-                      <a:round/>
-                      <a:headEnd type="none" w="med" len="med"/>
-                      <a:tailEnd type="none" w="med" len="med"/>
-                    </a:lnT>
-                  </a:tcPr>
-                </a:tc>
-                <a:tc>
-                  <a:txBody>
-                    <a:bodyPr/>
-                    <a:lstStyle/>
-                    <a:p>
-                      <a:pPr algn="ctr"/>
-                      <a:r>
-                        <a:rPr lang="en-US" sz="1400" b="0" dirty="0" smtClean="0"/>
+                    </a:p>
+                  </a:txBody>
+                  <a:tcPr anchor="ctr">
+                    <a:lnT w="12700" cap="flat" cmpd="sng" algn="ctr">
+                      <a:solidFill>
+                        <a:schemeClr val="tx1"/>
+                      </a:solidFill>
+                      <a:prstDash val="solid"/>
+                      <a:round/>
+                      <a:headEnd type="none" w="med" len="med"/>
+                      <a:tailEnd type="none" w="med" len="med"/>
+                    </a:lnT>
+                  </a:tcPr>
+                </a:tc>
+                <a:tc>
+                  <a:txBody>
+                    <a:bodyPr/>
+                    <a:lstStyle/>
+                    <a:p>
+                      <a:pPr algn="ctr"/>
+                      <a:r>
+                        <a:rPr lang="en-US" sz="1400" b="0" dirty="0"/>
                         <a:t>17</a:t>
                       </a:r>
-                      <a:endParaRPr lang="en-US" sz="1400" b="0" dirty="0"/>
-                    </a:p>
-                  </a:txBody>
-                  <a:tcPr anchor="ctr">
-                    <a:lnT w="12700" cap="flat" cmpd="sng" algn="ctr">
-                      <a:solidFill>
-                        <a:schemeClr val="tx1"/>
-                      </a:solidFill>
-                      <a:prstDash val="solid"/>
-                      <a:round/>
-                      <a:headEnd type="none" w="med" len="med"/>
-                      <a:tailEnd type="none" w="med" len="med"/>
-                    </a:lnT>
-                  </a:tcPr>
-                </a:tc>
-                <a:tc>
-                  <a:txBody>
-                    <a:bodyPr/>
-                    <a:lstStyle/>
-                    <a:p>
-                      <a:pPr algn="ctr"/>
-                      <a:r>
-                        <a:rPr lang="en-US" sz="1400" b="0" dirty="0" smtClean="0"/>
+                    </a:p>
+                  </a:txBody>
+                  <a:tcPr anchor="ctr">
+                    <a:lnT w="12700" cap="flat" cmpd="sng" algn="ctr">
+                      <a:solidFill>
+                        <a:schemeClr val="tx1"/>
+                      </a:solidFill>
+                      <a:prstDash val="solid"/>
+                      <a:round/>
+                      <a:headEnd type="none" w="med" len="med"/>
+                      <a:tailEnd type="none" w="med" len="med"/>
+                    </a:lnT>
+                  </a:tcPr>
+                </a:tc>
+                <a:tc>
+                  <a:txBody>
+                    <a:bodyPr/>
+                    <a:lstStyle/>
+                    <a:p>
+                      <a:pPr algn="ctr"/>
+                      <a:r>
+                        <a:rPr lang="en-US" sz="1400" b="0" dirty="0"/>
                         <a:t>18</a:t>
                       </a:r>
-                      <a:endParaRPr lang="en-US" sz="1400" b="0" dirty="0"/>
-                    </a:p>
-                  </a:txBody>
-                  <a:tcPr anchor="ctr">
-                    <a:lnT w="12700" cap="flat" cmpd="sng" algn="ctr">
-                      <a:solidFill>
-                        <a:schemeClr val="tx1"/>
-                      </a:solidFill>
-                      <a:prstDash val="solid"/>
-                      <a:round/>
-                      <a:headEnd type="none" w="med" len="med"/>
-                      <a:tailEnd type="none" w="med" len="med"/>
-                    </a:lnT>
-                  </a:tcPr>
-                </a:tc>
-                <a:tc>
-                  <a:txBody>
-                    <a:bodyPr/>
-                    <a:lstStyle/>
-                    <a:p>
-                      <a:pPr algn="ctr"/>
-                      <a:r>
-                        <a:rPr lang="en-US" sz="1400" b="0" dirty="0" smtClean="0"/>
+                    </a:p>
+                  </a:txBody>
+                  <a:tcPr anchor="ctr">
+                    <a:lnT w="12700" cap="flat" cmpd="sng" algn="ctr">
+                      <a:solidFill>
+                        <a:schemeClr val="tx1"/>
+                      </a:solidFill>
+                      <a:prstDash val="solid"/>
+                      <a:round/>
+                      <a:headEnd type="none" w="med" len="med"/>
+                      <a:tailEnd type="none" w="med" len="med"/>
+                    </a:lnT>
+                  </a:tcPr>
+                </a:tc>
+                <a:tc>
+                  <a:txBody>
+                    <a:bodyPr/>
+                    <a:lstStyle/>
+                    <a:p>
+                      <a:pPr algn="ctr"/>
+                      <a:r>
+                        <a:rPr lang="en-US" sz="1400" b="0" dirty="0"/>
                         <a:t>19</a:t>
                       </a:r>
-                      <a:endParaRPr lang="en-US" sz="1400" b="0" dirty="0"/>
-                    </a:p>
-                  </a:txBody>
-                  <a:tcPr anchor="ctr">
-                    <a:lnT w="12700" cap="flat" cmpd="sng" algn="ctr">
-                      <a:solidFill>
-                        <a:schemeClr val="tx1"/>
-                      </a:solidFill>
-                      <a:prstDash val="solid"/>
-                      <a:round/>
-                      <a:headEnd type="none" w="med" len="med"/>
-                      <a:tailEnd type="none" w="med" len="med"/>
-                    </a:lnT>
-                  </a:tcPr>
-                </a:tc>
-                <a:tc>
-                  <a:txBody>
-                    <a:bodyPr/>
-                    <a:lstStyle/>
-                    <a:p>
-                      <a:pPr algn="ctr"/>
-                      <a:r>
-                        <a:rPr lang="en-US" sz="1400" b="0" dirty="0" smtClean="0"/>
+                    </a:p>
+                  </a:txBody>
+                  <a:tcPr anchor="ctr">
+                    <a:lnT w="12700" cap="flat" cmpd="sng" algn="ctr">
+                      <a:solidFill>
+                        <a:schemeClr val="tx1"/>
+                      </a:solidFill>
+                      <a:prstDash val="solid"/>
+                      <a:round/>
+                      <a:headEnd type="none" w="med" len="med"/>
+                      <a:tailEnd type="none" w="med" len="med"/>
+                    </a:lnT>
+                  </a:tcPr>
+                </a:tc>
+                <a:tc>
+                  <a:txBody>
+                    <a:bodyPr/>
+                    <a:lstStyle/>
+                    <a:p>
+                      <a:pPr algn="ctr"/>
+                      <a:r>
+                        <a:rPr lang="en-US" sz="1400" b="0" dirty="0"/>
                         <a:t>20</a:t>
                       </a:r>
-                      <a:endParaRPr lang="en-US" sz="1400" b="0" dirty="0"/>
-                    </a:p>
-                  </a:txBody>
-                  <a:tcPr anchor="ctr">
-                    <a:lnT w="12700" cap="flat" cmpd="sng" algn="ctr">
-                      <a:solidFill>
-                        <a:schemeClr val="tx1"/>
-                      </a:solidFill>
-                      <a:prstDash val="solid"/>
-                      <a:round/>
-                      <a:headEnd type="none" w="med" len="med"/>
-                      <a:tailEnd type="none" w="med" len="med"/>
-                    </a:lnT>
-                  </a:tcPr>
-                </a:tc>
-                <a:tc>
-                  <a:txBody>
-                    <a:bodyPr/>
-                    <a:lstStyle/>
-                    <a:p>
-                      <a:pPr algn="ctr"/>
-                      <a:r>
-                        <a:rPr lang="en-US" sz="1400" b="0" dirty="0" smtClean="0"/>
+                    </a:p>
+                  </a:txBody>
+                  <a:tcPr anchor="ctr">
+                    <a:lnT w="12700" cap="flat" cmpd="sng" algn="ctr">
+                      <a:solidFill>
+                        <a:schemeClr val="tx1"/>
+                      </a:solidFill>
+                      <a:prstDash val="solid"/>
+                      <a:round/>
+                      <a:headEnd type="none" w="med" len="med"/>
+                      <a:tailEnd type="none" w="med" len="med"/>
+                    </a:lnT>
+                  </a:tcPr>
+                </a:tc>
+                <a:tc>
+                  <a:txBody>
+                    <a:bodyPr/>
+                    <a:lstStyle/>
+                    <a:p>
+                      <a:pPr algn="ctr"/>
+                      <a:r>
+                        <a:rPr lang="en-US" sz="1400" b="0" dirty="0"/>
                         <a:t>21</a:t>
                       </a:r>
-                      <a:endParaRPr lang="en-US" sz="1400" b="0" dirty="0"/>
-                    </a:p>
-                  </a:txBody>
-                  <a:tcPr anchor="ctr">
-                    <a:lnT w="12700" cap="flat" cmpd="sng" algn="ctr">
-                      <a:solidFill>
-                        <a:schemeClr val="tx1"/>
-                      </a:solidFill>
-                      <a:prstDash val="solid"/>
-                      <a:round/>
-                      <a:headEnd type="none" w="med" len="med"/>
-                      <a:tailEnd type="none" w="med" len="med"/>
-                    </a:lnT>
-                  </a:tcPr>
-                </a:tc>
-                <a:tc>
-                  <a:txBody>
-                    <a:bodyPr/>
-                    <a:lstStyle/>
-                    <a:p>
-                      <a:pPr algn="ctr"/>
-                      <a:r>
-                        <a:rPr lang="en-US" sz="1400" b="0" dirty="0" smtClean="0"/>
+                    </a:p>
+                  </a:txBody>
+                  <a:tcPr anchor="ctr">
+                    <a:lnT w="12700" cap="flat" cmpd="sng" algn="ctr">
+                      <a:solidFill>
+                        <a:schemeClr val="tx1"/>
+                      </a:solidFill>
+                      <a:prstDash val="solid"/>
+                      <a:round/>
+                      <a:headEnd type="none" w="med" len="med"/>
+                      <a:tailEnd type="none" w="med" len="med"/>
+                    </a:lnT>
+                  </a:tcPr>
+                </a:tc>
+                <a:tc>
+                  <a:txBody>
+                    <a:bodyPr/>
+                    <a:lstStyle/>
+                    <a:p>
+                      <a:pPr algn="ctr"/>
+                      <a:r>
+                        <a:rPr lang="en-US" sz="1400" b="0" dirty="0"/>
                         <a:t>22</a:t>
                       </a:r>
-                      <a:endParaRPr lang="en-US" sz="1400" b="0" dirty="0"/>
-                    </a:p>
-                  </a:txBody>
-                  <a:tcPr anchor="ctr">
-                    <a:lnT w="12700" cap="flat" cmpd="sng" algn="ctr">
-                      <a:solidFill>
-                        <a:schemeClr val="tx1"/>
-                      </a:solidFill>
-                      <a:prstDash val="solid"/>
-                      <a:round/>
-                      <a:headEnd type="none" w="med" len="med"/>
-                      <a:tailEnd type="none" w="med" len="med"/>
-                    </a:lnT>
-                  </a:tcPr>
-                </a:tc>
-                <a:tc>
-                  <a:txBody>
-                    <a:bodyPr/>
-                    <a:lstStyle/>
-                    <a:p>
-                      <a:pPr algn="ctr"/>
-                      <a:r>
-                        <a:rPr lang="en-US" sz="1400" b="0" dirty="0" smtClean="0"/>
+                    </a:p>
+                  </a:txBody>
+                  <a:tcPr anchor="ctr">
+                    <a:lnT w="12700" cap="flat" cmpd="sng" algn="ctr">
+                      <a:solidFill>
+                        <a:schemeClr val="tx1"/>
+                      </a:solidFill>
+                      <a:prstDash val="solid"/>
+                      <a:round/>
+                      <a:headEnd type="none" w="med" len="med"/>
+                      <a:tailEnd type="none" w="med" len="med"/>
+                    </a:lnT>
+                  </a:tcPr>
+                </a:tc>
+                <a:tc>
+                  <a:txBody>
+                    <a:bodyPr/>
+                    <a:lstStyle/>
+                    <a:p>
+                      <a:pPr algn="ctr"/>
+                      <a:r>
+                        <a:rPr lang="en-US" sz="1400" b="0" dirty="0"/>
                         <a:t>23</a:t>
                       </a:r>
-                      <a:endParaRPr lang="en-US" sz="1400" b="0" dirty="0"/>
-                    </a:p>
-                  </a:txBody>
-                  <a:tcPr anchor="ctr">
-                    <a:lnT w="12700" cap="flat" cmpd="sng" algn="ctr">
-                      <a:solidFill>
-                        <a:schemeClr val="tx1"/>
-                      </a:solidFill>
-                      <a:prstDash val="solid"/>
-                      <a:round/>
-                      <a:headEnd type="none" w="med" len="med"/>
-                      <a:tailEnd type="none" w="med" len="med"/>
-                    </a:lnT>
-                  </a:tcPr>
-                </a:tc>
-                <a:tc>
-                  <a:txBody>
-                    <a:bodyPr/>
-                    <a:lstStyle/>
-                    <a:p>
-                      <a:pPr algn="ctr"/>
-                      <a:r>
-                        <a:rPr lang="en-US" sz="1400" b="0" dirty="0" smtClean="0"/>
+                    </a:p>
+                  </a:txBody>
+                  <a:tcPr anchor="ctr">
+                    <a:lnT w="12700" cap="flat" cmpd="sng" algn="ctr">
+                      <a:solidFill>
+                        <a:schemeClr val="tx1"/>
+                      </a:solidFill>
+                      <a:prstDash val="solid"/>
+                      <a:round/>
+                      <a:headEnd type="none" w="med" len="med"/>
+                      <a:tailEnd type="none" w="med" len="med"/>
+                    </a:lnT>
+                  </a:tcPr>
+                </a:tc>
+                <a:tc>
+                  <a:txBody>
+                    <a:bodyPr/>
+                    <a:lstStyle/>
+                    <a:p>
+                      <a:pPr algn="ctr"/>
+                      <a:r>
+                        <a:rPr lang="en-US" sz="1400" b="0" dirty="0"/>
                         <a:t>24</a:t>
                       </a:r>
-                      <a:endParaRPr lang="en-US" sz="1400" b="0" dirty="0"/>
-                    </a:p>
-                  </a:txBody>
-                  <a:tcPr anchor="ctr">
-                    <a:lnT w="12700" cap="flat" cmpd="sng" algn="ctr">
-                      <a:solidFill>
-                        <a:schemeClr val="tx1"/>
-                      </a:solidFill>
-                      <a:prstDash val="solid"/>
-                      <a:round/>
-                      <a:headEnd type="none" w="med" len="med"/>
-                      <a:tailEnd type="none" w="med" len="med"/>
-                    </a:lnT>
-                  </a:tcPr>
-                </a:tc>
-                <a:tc>
-                  <a:txBody>
-                    <a:bodyPr/>
-                    <a:lstStyle/>
-                    <a:p>
-                      <a:pPr algn="ctr"/>
-                      <a:r>
-                        <a:rPr lang="en-US" sz="1400" b="0" dirty="0" smtClean="0"/>
+                    </a:p>
+                  </a:txBody>
+                  <a:tcPr anchor="ctr">
+                    <a:lnT w="12700" cap="flat" cmpd="sng" algn="ctr">
+                      <a:solidFill>
+                        <a:schemeClr val="tx1"/>
+                      </a:solidFill>
+                      <a:prstDash val="solid"/>
+                      <a:round/>
+                      <a:headEnd type="none" w="med" len="med"/>
+                      <a:tailEnd type="none" w="med" len="med"/>
+                    </a:lnT>
+                  </a:tcPr>
+                </a:tc>
+                <a:tc>
+                  <a:txBody>
+                    <a:bodyPr/>
+                    <a:lstStyle/>
+                    <a:p>
+                      <a:pPr algn="ctr"/>
+                      <a:r>
+                        <a:rPr lang="en-US" sz="1400" b="0" dirty="0"/>
                         <a:t>25</a:t>
                       </a:r>
-                      <a:endParaRPr lang="en-US" sz="1400" b="0" dirty="0"/>
-                    </a:p>
-                  </a:txBody>
-                  <a:tcPr anchor="ctr">
-                    <a:lnT w="12700" cap="flat" cmpd="sng" algn="ctr">
-                      <a:solidFill>
-                        <a:schemeClr val="tx1"/>
-                      </a:solidFill>
-                      <a:prstDash val="solid"/>
-                      <a:round/>
-                      <a:headEnd type="none" w="med" len="med"/>
-                      <a:tailEnd type="none" w="med" len="med"/>
-                    </a:lnT>
-                  </a:tcPr>
-                </a:tc>
-                <a:tc>
-                  <a:txBody>
-                    <a:bodyPr/>
-                    <a:lstStyle/>
-                    <a:p>
-                      <a:pPr algn="ctr"/>
-                      <a:r>
-                        <a:rPr lang="en-US" sz="1400" b="1" dirty="0" smtClean="0"/>
+                    </a:p>
+                  </a:txBody>
+                  <a:tcPr anchor="ctr">
+                    <a:lnT w="12700" cap="flat" cmpd="sng" algn="ctr">
+                      <a:solidFill>
+                        <a:schemeClr val="tx1"/>
+                      </a:solidFill>
+                      <a:prstDash val="solid"/>
+                      <a:round/>
+                      <a:headEnd type="none" w="med" len="med"/>
+                      <a:tailEnd type="none" w="med" len="med"/>
+                    </a:lnT>
+                  </a:tcPr>
+                </a:tc>
+                <a:tc>
+                  <a:txBody>
+                    <a:bodyPr/>
+                    <a:lstStyle/>
+                    <a:p>
+                      <a:pPr algn="ctr"/>
+                      <a:r>
+                        <a:rPr lang="en-US" sz="1400" b="1" dirty="0"/>
                         <a:t>Total</a:t>
                       </a:r>
-                      <a:endParaRPr lang="en-US" sz="1400" b="1" dirty="0"/>
                     </a:p>
                   </a:txBody>
                   <a:tcPr anchor="ctr">
@@ -16390,307 +15974,295 @@
                     <a:p>
                       <a:pPr algn="ctr"/>
                       <a:r>
-                        <a:rPr lang="en-US" sz="1400" dirty="0" smtClean="0"/>
+                        <a:rPr lang="en-US" sz="1400" dirty="0"/>
                         <a:t>38</a:t>
                       </a:r>
-                      <a:endParaRPr lang="en-US" sz="1400" dirty="0"/>
-                    </a:p>
-                  </a:txBody>
-                  <a:tcPr anchor="ctr">
-                    <a:lnB w="12700" cap="flat" cmpd="sng" algn="ctr">
-                      <a:solidFill>
-                        <a:schemeClr val="tx1"/>
-                      </a:solidFill>
-                      <a:prstDash val="solid"/>
-                      <a:round/>
-                      <a:headEnd type="none" w="med" len="med"/>
-                      <a:tailEnd type="none" w="med" len="med"/>
-                    </a:lnB>
-                  </a:tcPr>
-                </a:tc>
-                <a:tc>
-                  <a:txBody>
-                    <a:bodyPr/>
-                    <a:lstStyle/>
-                    <a:p>
-                      <a:pPr algn="ctr"/>
-                      <a:r>
-                        <a:rPr lang="en-US" sz="1400" dirty="0" smtClean="0"/>
+                    </a:p>
+                  </a:txBody>
+                  <a:tcPr anchor="ctr">
+                    <a:lnB w="12700" cap="flat" cmpd="sng" algn="ctr">
+                      <a:solidFill>
+                        <a:schemeClr val="tx1"/>
+                      </a:solidFill>
+                      <a:prstDash val="solid"/>
+                      <a:round/>
+                      <a:headEnd type="none" w="med" len="med"/>
+                      <a:tailEnd type="none" w="med" len="med"/>
+                    </a:lnB>
+                  </a:tcPr>
+                </a:tc>
+                <a:tc>
+                  <a:txBody>
+                    <a:bodyPr/>
+                    <a:lstStyle/>
+                    <a:p>
+                      <a:pPr algn="ctr"/>
+                      <a:r>
+                        <a:rPr lang="en-US" sz="1400" dirty="0"/>
                         <a:t>18</a:t>
                       </a:r>
-                      <a:endParaRPr lang="en-US" sz="1400" dirty="0"/>
-                    </a:p>
-                  </a:txBody>
-                  <a:tcPr anchor="ctr">
-                    <a:lnB w="12700" cap="flat" cmpd="sng" algn="ctr">
-                      <a:solidFill>
-                        <a:schemeClr val="tx1"/>
-                      </a:solidFill>
-                      <a:prstDash val="solid"/>
-                      <a:round/>
-                      <a:headEnd type="none" w="med" len="med"/>
-                      <a:tailEnd type="none" w="med" len="med"/>
-                    </a:lnB>
-                  </a:tcPr>
-                </a:tc>
-                <a:tc>
-                  <a:txBody>
-                    <a:bodyPr/>
-                    <a:lstStyle/>
-                    <a:p>
-                      <a:pPr algn="ctr"/>
-                      <a:r>
-                        <a:rPr lang="en-US" sz="1400" dirty="0" smtClean="0"/>
+                    </a:p>
+                  </a:txBody>
+                  <a:tcPr anchor="ctr">
+                    <a:lnB w="12700" cap="flat" cmpd="sng" algn="ctr">
+                      <a:solidFill>
+                        <a:schemeClr val="tx1"/>
+                      </a:solidFill>
+                      <a:prstDash val="solid"/>
+                      <a:round/>
+                      <a:headEnd type="none" w="med" len="med"/>
+                      <a:tailEnd type="none" w="med" len="med"/>
+                    </a:lnB>
+                  </a:tcPr>
+                </a:tc>
+                <a:tc>
+                  <a:txBody>
+                    <a:bodyPr/>
+                    <a:lstStyle/>
+                    <a:p>
+                      <a:pPr algn="ctr"/>
+                      <a:r>
+                        <a:rPr lang="en-US" sz="1400" dirty="0"/>
                         <a:t>13</a:t>
                       </a:r>
-                      <a:endParaRPr lang="en-US" sz="1400" dirty="0"/>
-                    </a:p>
-                  </a:txBody>
-                  <a:tcPr anchor="ctr">
-                    <a:lnB w="12700" cap="flat" cmpd="sng" algn="ctr">
-                      <a:solidFill>
-                        <a:schemeClr val="tx1"/>
-                      </a:solidFill>
-                      <a:prstDash val="solid"/>
-                      <a:round/>
-                      <a:headEnd type="none" w="med" len="med"/>
-                      <a:tailEnd type="none" w="med" len="med"/>
-                    </a:lnB>
-                  </a:tcPr>
-                </a:tc>
-                <a:tc>
-                  <a:txBody>
-                    <a:bodyPr/>
-                    <a:lstStyle/>
-                    <a:p>
-                      <a:pPr algn="ctr"/>
-                      <a:r>
-                        <a:rPr lang="en-US" sz="1400" dirty="0" smtClean="0"/>
+                    </a:p>
+                  </a:txBody>
+                  <a:tcPr anchor="ctr">
+                    <a:lnB w="12700" cap="flat" cmpd="sng" algn="ctr">
+                      <a:solidFill>
+                        <a:schemeClr val="tx1"/>
+                      </a:solidFill>
+                      <a:prstDash val="solid"/>
+                      <a:round/>
+                      <a:headEnd type="none" w="med" len="med"/>
+                      <a:tailEnd type="none" w="med" len="med"/>
+                    </a:lnB>
+                  </a:tcPr>
+                </a:tc>
+                <a:tc>
+                  <a:txBody>
+                    <a:bodyPr/>
+                    <a:lstStyle/>
+                    <a:p>
+                      <a:pPr algn="ctr"/>
+                      <a:r>
+                        <a:rPr lang="en-US" sz="1400" dirty="0"/>
                         <a:t>9</a:t>
                       </a:r>
-                      <a:endParaRPr lang="en-US" sz="1400" dirty="0"/>
-                    </a:p>
-                  </a:txBody>
-                  <a:tcPr anchor="ctr">
-                    <a:lnB w="12700" cap="flat" cmpd="sng" algn="ctr">
-                      <a:solidFill>
-                        <a:schemeClr val="tx1"/>
-                      </a:solidFill>
-                      <a:prstDash val="solid"/>
-                      <a:round/>
-                      <a:headEnd type="none" w="med" len="med"/>
-                      <a:tailEnd type="none" w="med" len="med"/>
-                    </a:lnB>
-                  </a:tcPr>
-                </a:tc>
-                <a:tc>
-                  <a:txBody>
-                    <a:bodyPr/>
-                    <a:lstStyle/>
-                    <a:p>
-                      <a:pPr algn="ctr"/>
-                      <a:r>
-                        <a:rPr lang="en-US" sz="1400" dirty="0" smtClean="0"/>
+                    </a:p>
+                  </a:txBody>
+                  <a:tcPr anchor="ctr">
+                    <a:lnB w="12700" cap="flat" cmpd="sng" algn="ctr">
+                      <a:solidFill>
+                        <a:schemeClr val="tx1"/>
+                      </a:solidFill>
+                      <a:prstDash val="solid"/>
+                      <a:round/>
+                      <a:headEnd type="none" w="med" len="med"/>
+                      <a:tailEnd type="none" w="med" len="med"/>
+                    </a:lnB>
+                  </a:tcPr>
+                </a:tc>
+                <a:tc>
+                  <a:txBody>
+                    <a:bodyPr/>
+                    <a:lstStyle/>
+                    <a:p>
+                      <a:pPr algn="ctr"/>
+                      <a:r>
+                        <a:rPr lang="en-US" sz="1400" dirty="0"/>
                         <a:t>4</a:t>
                       </a:r>
-                      <a:endParaRPr lang="en-US" sz="1400" dirty="0"/>
-                    </a:p>
-                  </a:txBody>
-                  <a:tcPr anchor="ctr">
-                    <a:lnB w="12700" cap="flat" cmpd="sng" algn="ctr">
-                      <a:solidFill>
-                        <a:schemeClr val="tx1"/>
-                      </a:solidFill>
-                      <a:prstDash val="solid"/>
-                      <a:round/>
-                      <a:headEnd type="none" w="med" len="med"/>
-                      <a:tailEnd type="none" w="med" len="med"/>
-                    </a:lnB>
-                  </a:tcPr>
-                </a:tc>
-                <a:tc>
-                  <a:txBody>
-                    <a:bodyPr/>
-                    <a:lstStyle/>
-                    <a:p>
-                      <a:pPr algn="ctr"/>
-                      <a:r>
-                        <a:rPr lang="en-US" sz="1400" dirty="0" smtClean="0"/>
+                    </a:p>
+                  </a:txBody>
+                  <a:tcPr anchor="ctr">
+                    <a:lnB w="12700" cap="flat" cmpd="sng" algn="ctr">
+                      <a:solidFill>
+                        <a:schemeClr val="tx1"/>
+                      </a:solidFill>
+                      <a:prstDash val="solid"/>
+                      <a:round/>
+                      <a:headEnd type="none" w="med" len="med"/>
+                      <a:tailEnd type="none" w="med" len="med"/>
+                    </a:lnB>
+                  </a:tcPr>
+                </a:tc>
+                <a:tc>
+                  <a:txBody>
+                    <a:bodyPr/>
+                    <a:lstStyle/>
+                    <a:p>
+                      <a:pPr algn="ctr"/>
+                      <a:r>
+                        <a:rPr lang="en-US" sz="1400" dirty="0"/>
                         <a:t>1</a:t>
                       </a:r>
-                      <a:endParaRPr lang="en-US" sz="1400" dirty="0"/>
-                    </a:p>
-                  </a:txBody>
-                  <a:tcPr anchor="ctr">
-                    <a:lnB w="12700" cap="flat" cmpd="sng" algn="ctr">
-                      <a:solidFill>
-                        <a:schemeClr val="tx1"/>
-                      </a:solidFill>
-                      <a:prstDash val="solid"/>
-                      <a:round/>
-                      <a:headEnd type="none" w="med" len="med"/>
-                      <a:tailEnd type="none" w="med" len="med"/>
-                    </a:lnB>
-                  </a:tcPr>
-                </a:tc>
-                <a:tc>
-                  <a:txBody>
-                    <a:bodyPr/>
-                    <a:lstStyle/>
-                    <a:p>
-                      <a:pPr algn="ctr"/>
-                      <a:r>
-                        <a:rPr lang="en-US" sz="1400" dirty="0" smtClean="0"/>
+                    </a:p>
+                  </a:txBody>
+                  <a:tcPr anchor="ctr">
+                    <a:lnB w="12700" cap="flat" cmpd="sng" algn="ctr">
+                      <a:solidFill>
+                        <a:schemeClr val="tx1"/>
+                      </a:solidFill>
+                      <a:prstDash val="solid"/>
+                      <a:round/>
+                      <a:headEnd type="none" w="med" len="med"/>
+                      <a:tailEnd type="none" w="med" len="med"/>
+                    </a:lnB>
+                  </a:tcPr>
+                </a:tc>
+                <a:tc>
+                  <a:txBody>
+                    <a:bodyPr/>
+                    <a:lstStyle/>
+                    <a:p>
+                      <a:pPr algn="ctr"/>
+                      <a:r>
+                        <a:rPr lang="en-US" sz="1400" dirty="0"/>
                         <a:t>4</a:t>
                       </a:r>
-                      <a:endParaRPr lang="en-US" sz="1400" dirty="0"/>
-                    </a:p>
-                  </a:txBody>
-                  <a:tcPr anchor="ctr">
-                    <a:lnB w="12700" cap="flat" cmpd="sng" algn="ctr">
-                      <a:solidFill>
-                        <a:schemeClr val="tx1"/>
-                      </a:solidFill>
-                      <a:prstDash val="solid"/>
-                      <a:round/>
-                      <a:headEnd type="none" w="med" len="med"/>
-                      <a:tailEnd type="none" w="med" len="med"/>
-                    </a:lnB>
-                  </a:tcPr>
-                </a:tc>
-                <a:tc>
-                  <a:txBody>
-                    <a:bodyPr/>
-                    <a:lstStyle/>
-                    <a:p>
-                      <a:pPr algn="ctr"/>
-                      <a:r>
-                        <a:rPr lang="en-US" sz="1400" dirty="0" smtClean="0"/>
+                    </a:p>
+                  </a:txBody>
+                  <a:tcPr anchor="ctr">
+                    <a:lnB w="12700" cap="flat" cmpd="sng" algn="ctr">
+                      <a:solidFill>
+                        <a:schemeClr val="tx1"/>
+                      </a:solidFill>
+                      <a:prstDash val="solid"/>
+                      <a:round/>
+                      <a:headEnd type="none" w="med" len="med"/>
+                      <a:tailEnd type="none" w="med" len="med"/>
+                    </a:lnB>
+                  </a:tcPr>
+                </a:tc>
+                <a:tc>
+                  <a:txBody>
+                    <a:bodyPr/>
+                    <a:lstStyle/>
+                    <a:p>
+                      <a:pPr algn="ctr"/>
+                      <a:r>
+                        <a:rPr lang="en-US" sz="1400" dirty="0"/>
                         <a:t>2</a:t>
                       </a:r>
-                      <a:endParaRPr lang="en-US" sz="1400" dirty="0"/>
-                    </a:p>
-                  </a:txBody>
-                  <a:tcPr anchor="ctr">
-                    <a:lnB w="12700" cap="flat" cmpd="sng" algn="ctr">
-                      <a:solidFill>
-                        <a:schemeClr val="tx1"/>
-                      </a:solidFill>
-                      <a:prstDash val="solid"/>
-                      <a:round/>
-                      <a:headEnd type="none" w="med" len="med"/>
-                      <a:tailEnd type="none" w="med" len="med"/>
-                    </a:lnB>
-                  </a:tcPr>
-                </a:tc>
-                <a:tc>
-                  <a:txBody>
-                    <a:bodyPr/>
-                    <a:lstStyle/>
-                    <a:p>
-                      <a:pPr algn="ctr"/>
-                      <a:r>
-                        <a:rPr lang="en-US" sz="1400" dirty="0" smtClean="0"/>
+                    </a:p>
+                  </a:txBody>
+                  <a:tcPr anchor="ctr">
+                    <a:lnB w="12700" cap="flat" cmpd="sng" algn="ctr">
+                      <a:solidFill>
+                        <a:schemeClr val="tx1"/>
+                      </a:solidFill>
+                      <a:prstDash val="solid"/>
+                      <a:round/>
+                      <a:headEnd type="none" w="med" len="med"/>
+                      <a:tailEnd type="none" w="med" len="med"/>
+                    </a:lnB>
+                  </a:tcPr>
+                </a:tc>
+                <a:tc>
+                  <a:txBody>
+                    <a:bodyPr/>
+                    <a:lstStyle/>
+                    <a:p>
+                      <a:pPr algn="ctr"/>
+                      <a:r>
+                        <a:rPr lang="en-US" sz="1400" dirty="0"/>
                         <a:t>5</a:t>
                       </a:r>
-                      <a:endParaRPr lang="en-US" sz="1400" dirty="0"/>
-                    </a:p>
-                  </a:txBody>
-                  <a:tcPr anchor="ctr">
-                    <a:lnB w="12700" cap="flat" cmpd="sng" algn="ctr">
-                      <a:solidFill>
-                        <a:schemeClr val="tx1"/>
-                      </a:solidFill>
-                      <a:prstDash val="solid"/>
-                      <a:round/>
-                      <a:headEnd type="none" w="med" len="med"/>
-                      <a:tailEnd type="none" w="med" len="med"/>
-                    </a:lnB>
-                  </a:tcPr>
-                </a:tc>
-                <a:tc>
-                  <a:txBody>
-                    <a:bodyPr/>
-                    <a:lstStyle/>
-                    <a:p>
-                      <a:pPr algn="ctr"/>
-                      <a:r>
-                        <a:rPr lang="en-US" sz="1400" dirty="0" smtClean="0"/>
+                    </a:p>
+                  </a:txBody>
+                  <a:tcPr anchor="ctr">
+                    <a:lnB w="12700" cap="flat" cmpd="sng" algn="ctr">
+                      <a:solidFill>
+                        <a:schemeClr val="tx1"/>
+                      </a:solidFill>
+                      <a:prstDash val="solid"/>
+                      <a:round/>
+                      <a:headEnd type="none" w="med" len="med"/>
+                      <a:tailEnd type="none" w="med" len="med"/>
+                    </a:lnB>
+                  </a:tcPr>
+                </a:tc>
+                <a:tc>
+                  <a:txBody>
+                    <a:bodyPr/>
+                    <a:lstStyle/>
+                    <a:p>
+                      <a:pPr algn="ctr"/>
+                      <a:r>
+                        <a:rPr lang="en-US" sz="1400" dirty="0"/>
                         <a:t>1</a:t>
                       </a:r>
-                      <a:endParaRPr lang="en-US" sz="1400" dirty="0"/>
-                    </a:p>
-                  </a:txBody>
-                  <a:tcPr anchor="ctr">
-                    <a:lnB w="12700" cap="flat" cmpd="sng" algn="ctr">
-                      <a:solidFill>
-                        <a:schemeClr val="tx1"/>
-                      </a:solidFill>
-                      <a:prstDash val="solid"/>
-                      <a:round/>
-                      <a:headEnd type="none" w="med" len="med"/>
-                      <a:tailEnd type="none" w="med" len="med"/>
-                    </a:lnB>
-                  </a:tcPr>
-                </a:tc>
-                <a:tc>
-                  <a:txBody>
-                    <a:bodyPr/>
-                    <a:lstStyle/>
-                    <a:p>
-                      <a:pPr algn="ctr"/>
-                      <a:r>
-                        <a:rPr lang="en-US" sz="1400" dirty="0" smtClean="0"/>
+                    </a:p>
+                  </a:txBody>
+                  <a:tcPr anchor="ctr">
+                    <a:lnB w="12700" cap="flat" cmpd="sng" algn="ctr">
+                      <a:solidFill>
+                        <a:schemeClr val="tx1"/>
+                      </a:solidFill>
+                      <a:prstDash val="solid"/>
+                      <a:round/>
+                      <a:headEnd type="none" w="med" len="med"/>
+                      <a:tailEnd type="none" w="med" len="med"/>
+                    </a:lnB>
+                  </a:tcPr>
+                </a:tc>
+                <a:tc>
+                  <a:txBody>
+                    <a:bodyPr/>
+                    <a:lstStyle/>
+                    <a:p>
+                      <a:pPr algn="ctr"/>
+                      <a:r>
+                        <a:rPr lang="en-US" sz="1400" dirty="0"/>
                         <a:t>1</a:t>
                       </a:r>
-                      <a:endParaRPr lang="en-US" sz="1400" dirty="0"/>
-                    </a:p>
-                  </a:txBody>
-                  <a:tcPr anchor="ctr">
-                    <a:lnB w="12700" cap="flat" cmpd="sng" algn="ctr">
-                      <a:solidFill>
-                        <a:schemeClr val="tx1"/>
-                      </a:solidFill>
-                      <a:prstDash val="solid"/>
-                      <a:round/>
-                      <a:headEnd type="none" w="med" len="med"/>
-                      <a:tailEnd type="none" w="med" len="med"/>
-                    </a:lnB>
-                  </a:tcPr>
-                </a:tc>
-                <a:tc>
-                  <a:txBody>
-                    <a:bodyPr/>
-                    <a:lstStyle/>
-                    <a:p>
-                      <a:pPr algn="ctr"/>
-                      <a:r>
-                        <a:rPr lang="en-US" sz="1400" dirty="0" smtClean="0"/>
+                    </a:p>
+                  </a:txBody>
+                  <a:tcPr anchor="ctr">
+                    <a:lnB w="12700" cap="flat" cmpd="sng" algn="ctr">
+                      <a:solidFill>
+                        <a:schemeClr val="tx1"/>
+                      </a:solidFill>
+                      <a:prstDash val="solid"/>
+                      <a:round/>
+                      <a:headEnd type="none" w="med" len="med"/>
+                      <a:tailEnd type="none" w="med" len="med"/>
+                    </a:lnB>
+                  </a:tcPr>
+                </a:tc>
+                <a:tc>
+                  <a:txBody>
+                    <a:bodyPr/>
+                    <a:lstStyle/>
+                    <a:p>
+                      <a:pPr algn="ctr"/>
+                      <a:r>
+                        <a:rPr lang="en-US" sz="1400" dirty="0"/>
                         <a:t>1</a:t>
                       </a:r>
-                      <a:endParaRPr lang="en-US" sz="1400" dirty="0"/>
-                    </a:p>
-                  </a:txBody>
-                  <a:tcPr anchor="ctr">
-                    <a:lnB w="12700" cap="flat" cmpd="sng" algn="ctr">
-                      <a:solidFill>
-                        <a:schemeClr val="tx1"/>
-                      </a:solidFill>
-                      <a:prstDash val="solid"/>
-                      <a:round/>
-                      <a:headEnd type="none" w="med" len="med"/>
-                      <a:tailEnd type="none" w="med" len="med"/>
-                    </a:lnB>
-                  </a:tcPr>
-                </a:tc>
-                <a:tc>
-                  <a:txBody>
-                    <a:bodyPr/>
-                    <a:lstStyle/>
-                    <a:p>
-                      <a:pPr algn="ctr"/>
-                      <a:r>
-                        <a:rPr lang="en-US" sz="1400" dirty="0" smtClean="0">
+                    </a:p>
+                  </a:txBody>
+                  <a:tcPr anchor="ctr">
+                    <a:lnB w="12700" cap="flat" cmpd="sng" algn="ctr">
+                      <a:solidFill>
+                        <a:schemeClr val="tx1"/>
+                      </a:solidFill>
+                      <a:prstDash val="solid"/>
+                      <a:round/>
+                      <a:headEnd type="none" w="med" len="med"/>
+                      <a:tailEnd type="none" w="med" len="med"/>
+                    </a:lnB>
+                  </a:tcPr>
+                </a:tc>
+                <a:tc>
+                  <a:txBody>
+                    <a:bodyPr/>
+                    <a:lstStyle/>
+                    <a:p>
+                      <a:pPr algn="ctr"/>
+                      <a:r>
+                        <a:rPr lang="en-US" sz="1400" dirty="0">
                           <a:solidFill>
                             <a:schemeClr val="bg1">
                               <a:lumMod val="50000"/>
@@ -16699,60 +16271,52 @@
                         </a:rPr>
                         <a:t>-</a:t>
                       </a:r>
-                      <a:endParaRPr lang="en-US" sz="1400" dirty="0">
-                        <a:solidFill>
-                          <a:schemeClr val="bg1">
-                            <a:lumMod val="50000"/>
-                          </a:schemeClr>
-                        </a:solidFill>
-                      </a:endParaRPr>
-                    </a:p>
-                  </a:txBody>
-                  <a:tcPr anchor="ctr">
-                    <a:lnB w="12700" cap="flat" cmpd="sng" algn="ctr">
-                      <a:solidFill>
-                        <a:schemeClr val="tx1"/>
-                      </a:solidFill>
-                      <a:prstDash val="solid"/>
-                      <a:round/>
-                      <a:headEnd type="none" w="med" len="med"/>
-                      <a:tailEnd type="none" w="med" len="med"/>
-                    </a:lnB>
-                  </a:tcPr>
-                </a:tc>
-                <a:tc>
-                  <a:txBody>
-                    <a:bodyPr/>
-                    <a:lstStyle/>
-                    <a:p>
-                      <a:pPr algn="ctr"/>
-                      <a:r>
-                        <a:rPr lang="en-US" sz="1400" dirty="0" smtClean="0"/>
+                    </a:p>
+                  </a:txBody>
+                  <a:tcPr anchor="ctr">
+                    <a:lnB w="12700" cap="flat" cmpd="sng" algn="ctr">
+                      <a:solidFill>
+                        <a:schemeClr val="tx1"/>
+                      </a:solidFill>
+                      <a:prstDash val="solid"/>
+                      <a:round/>
+                      <a:headEnd type="none" w="med" len="med"/>
+                      <a:tailEnd type="none" w="med" len="med"/>
+                    </a:lnB>
+                  </a:tcPr>
+                </a:tc>
+                <a:tc>
+                  <a:txBody>
+                    <a:bodyPr/>
+                    <a:lstStyle/>
+                    <a:p>
+                      <a:pPr algn="ctr"/>
+                      <a:r>
+                        <a:rPr lang="en-US" sz="1400" dirty="0"/>
                         <a:t>3</a:t>
                       </a:r>
-                      <a:endParaRPr lang="en-US" sz="1400" dirty="0"/>
-                    </a:p>
-                  </a:txBody>
-                  <a:tcPr anchor="ctr">
-                    <a:lnB w="12700" cap="flat" cmpd="sng" algn="ctr">
-                      <a:solidFill>
-                        <a:schemeClr val="tx1"/>
-                      </a:solidFill>
-                      <a:prstDash val="solid"/>
-                      <a:round/>
-                      <a:headEnd type="none" w="med" len="med"/>
-                      <a:tailEnd type="none" w="med" len="med"/>
-                    </a:lnB>
-                  </a:tcPr>
-                </a:tc>
-                <a:tc>
-                  <a:txBody>
-                    <a:bodyPr/>
-                    <a:lstStyle/>
-                    <a:p>
-                      <a:pPr algn="ctr"/>
-                      <a:r>
-                        <a:rPr lang="en-US" sz="1400" dirty="0" smtClean="0">
+                    </a:p>
+                  </a:txBody>
+                  <a:tcPr anchor="ctr">
+                    <a:lnB w="12700" cap="flat" cmpd="sng" algn="ctr">
+                      <a:solidFill>
+                        <a:schemeClr val="tx1"/>
+                      </a:solidFill>
+                      <a:prstDash val="solid"/>
+                      <a:round/>
+                      <a:headEnd type="none" w="med" len="med"/>
+                      <a:tailEnd type="none" w="med" len="med"/>
+                    </a:lnB>
+                  </a:tcPr>
+                </a:tc>
+                <a:tc>
+                  <a:txBody>
+                    <a:bodyPr/>
+                    <a:lstStyle/>
+                    <a:p>
+                      <a:pPr algn="ctr"/>
+                      <a:r>
+                        <a:rPr lang="en-US" sz="1400" dirty="0">
                           <a:solidFill>
                             <a:schemeClr val="bg1">
                               <a:lumMod val="50000"/>
@@ -16761,35 +16325,28 @@
                         </a:rPr>
                         <a:t>-</a:t>
                       </a:r>
-                      <a:endParaRPr lang="en-US" sz="1400" dirty="0">
-                        <a:solidFill>
-                          <a:schemeClr val="bg1">
-                            <a:lumMod val="50000"/>
-                          </a:schemeClr>
-                        </a:solidFill>
-                      </a:endParaRPr>
-                    </a:p>
-                  </a:txBody>
-                  <a:tcPr anchor="ctr">
-                    <a:lnB w="12700" cap="flat" cmpd="sng" algn="ctr">
-                      <a:solidFill>
-                        <a:schemeClr val="tx1"/>
-                      </a:solidFill>
-                      <a:prstDash val="solid"/>
-                      <a:round/>
-                      <a:headEnd type="none" w="med" len="med"/>
-                      <a:tailEnd type="none" w="med" len="med"/>
-                    </a:lnB>
-                  </a:tcPr>
-                </a:tc>
-                <a:tc>
-                  <a:txBody>
-                    <a:bodyPr/>
-                    <a:lstStyle/>
-                    <a:p>
-                      <a:pPr algn="ctr"/>
-                      <a:r>
-                        <a:rPr lang="en-US" sz="1400" dirty="0" smtClean="0">
+                    </a:p>
+                  </a:txBody>
+                  <a:tcPr anchor="ctr">
+                    <a:lnB w="12700" cap="flat" cmpd="sng" algn="ctr">
+                      <a:solidFill>
+                        <a:schemeClr val="tx1"/>
+                      </a:solidFill>
+                      <a:prstDash val="solid"/>
+                      <a:round/>
+                      <a:headEnd type="none" w="med" len="med"/>
+                      <a:tailEnd type="none" w="med" len="med"/>
+                    </a:lnB>
+                  </a:tcPr>
+                </a:tc>
+                <a:tc>
+                  <a:txBody>
+                    <a:bodyPr/>
+                    <a:lstStyle/>
+                    <a:p>
+                      <a:pPr algn="ctr"/>
+                      <a:r>
+                        <a:rPr lang="en-US" sz="1400" dirty="0">
                           <a:solidFill>
                             <a:schemeClr val="bg1">
                               <a:lumMod val="50000"/>
@@ -16798,35 +16355,28 @@
                         </a:rPr>
                         <a:t>-</a:t>
                       </a:r>
-                      <a:endParaRPr lang="en-US" sz="1400" dirty="0">
-                        <a:solidFill>
-                          <a:schemeClr val="bg1">
-                            <a:lumMod val="50000"/>
-                          </a:schemeClr>
-                        </a:solidFill>
-                      </a:endParaRPr>
-                    </a:p>
-                  </a:txBody>
-                  <a:tcPr anchor="ctr">
-                    <a:lnB w="12700" cap="flat" cmpd="sng" algn="ctr">
-                      <a:solidFill>
-                        <a:schemeClr val="tx1"/>
-                      </a:solidFill>
-                      <a:prstDash val="solid"/>
-                      <a:round/>
-                      <a:headEnd type="none" w="med" len="med"/>
-                      <a:tailEnd type="none" w="med" len="med"/>
-                    </a:lnB>
-                  </a:tcPr>
-                </a:tc>
-                <a:tc>
-                  <a:txBody>
-                    <a:bodyPr/>
-                    <a:lstStyle/>
-                    <a:p>
-                      <a:pPr algn="ctr"/>
-                      <a:r>
-                        <a:rPr lang="en-US" sz="1400" dirty="0" smtClean="0">
+                    </a:p>
+                  </a:txBody>
+                  <a:tcPr anchor="ctr">
+                    <a:lnB w="12700" cap="flat" cmpd="sng" algn="ctr">
+                      <a:solidFill>
+                        <a:schemeClr val="tx1"/>
+                      </a:solidFill>
+                      <a:prstDash val="solid"/>
+                      <a:round/>
+                      <a:headEnd type="none" w="med" len="med"/>
+                      <a:tailEnd type="none" w="med" len="med"/>
+                    </a:lnB>
+                  </a:tcPr>
+                </a:tc>
+                <a:tc>
+                  <a:txBody>
+                    <a:bodyPr/>
+                    <a:lstStyle/>
+                    <a:p>
+                      <a:pPr algn="ctr"/>
+                      <a:r>
+                        <a:rPr lang="en-US" sz="1400" dirty="0">
                           <a:solidFill>
                             <a:schemeClr val="bg1">
                               <a:lumMod val="50000"/>
@@ -16835,60 +16385,52 @@
                         </a:rPr>
                         <a:t>-</a:t>
                       </a:r>
-                      <a:endParaRPr lang="en-US" sz="1400" dirty="0">
-                        <a:solidFill>
-                          <a:schemeClr val="bg1">
-                            <a:lumMod val="50000"/>
-                          </a:schemeClr>
-                        </a:solidFill>
-                      </a:endParaRPr>
-                    </a:p>
-                  </a:txBody>
-                  <a:tcPr anchor="ctr">
-                    <a:lnB w="12700" cap="flat" cmpd="sng" algn="ctr">
-                      <a:solidFill>
-                        <a:schemeClr val="tx1"/>
-                      </a:solidFill>
-                      <a:prstDash val="solid"/>
-                      <a:round/>
-                      <a:headEnd type="none" w="med" len="med"/>
-                      <a:tailEnd type="none" w="med" len="med"/>
-                    </a:lnB>
-                  </a:tcPr>
-                </a:tc>
-                <a:tc>
-                  <a:txBody>
-                    <a:bodyPr/>
-                    <a:lstStyle/>
-                    <a:p>
-                      <a:pPr algn="ctr"/>
-                      <a:r>
-                        <a:rPr lang="en-US" sz="1400" dirty="0" smtClean="0"/>
+                    </a:p>
+                  </a:txBody>
+                  <a:tcPr anchor="ctr">
+                    <a:lnB w="12700" cap="flat" cmpd="sng" algn="ctr">
+                      <a:solidFill>
+                        <a:schemeClr val="tx1"/>
+                      </a:solidFill>
+                      <a:prstDash val="solid"/>
+                      <a:round/>
+                      <a:headEnd type="none" w="med" len="med"/>
+                      <a:tailEnd type="none" w="med" len="med"/>
+                    </a:lnB>
+                  </a:tcPr>
+                </a:tc>
+                <a:tc>
+                  <a:txBody>
+                    <a:bodyPr/>
+                    <a:lstStyle/>
+                    <a:p>
+                      <a:pPr algn="ctr"/>
+                      <a:r>
+                        <a:rPr lang="en-US" sz="1400" dirty="0"/>
                         <a:t>1</a:t>
                       </a:r>
-                      <a:endParaRPr lang="en-US" sz="1400" dirty="0"/>
-                    </a:p>
-                  </a:txBody>
-                  <a:tcPr anchor="ctr">
-                    <a:lnB w="12700" cap="flat" cmpd="sng" algn="ctr">
-                      <a:solidFill>
-                        <a:schemeClr val="tx1"/>
-                      </a:solidFill>
-                      <a:prstDash val="solid"/>
-                      <a:round/>
-                      <a:headEnd type="none" w="med" len="med"/>
-                      <a:tailEnd type="none" w="med" len="med"/>
-                    </a:lnB>
-                  </a:tcPr>
-                </a:tc>
-                <a:tc>
-                  <a:txBody>
-                    <a:bodyPr/>
-                    <a:lstStyle/>
-                    <a:p>
-                      <a:pPr algn="ctr"/>
-                      <a:r>
-                        <a:rPr lang="en-US" sz="1400" dirty="0" smtClean="0">
+                    </a:p>
+                  </a:txBody>
+                  <a:tcPr anchor="ctr">
+                    <a:lnB w="12700" cap="flat" cmpd="sng" algn="ctr">
+                      <a:solidFill>
+                        <a:schemeClr val="tx1"/>
+                      </a:solidFill>
+                      <a:prstDash val="solid"/>
+                      <a:round/>
+                      <a:headEnd type="none" w="med" len="med"/>
+                      <a:tailEnd type="none" w="med" len="med"/>
+                    </a:lnB>
+                  </a:tcPr>
+                </a:tc>
+                <a:tc>
+                  <a:txBody>
+                    <a:bodyPr/>
+                    <a:lstStyle/>
+                    <a:p>
+                      <a:pPr algn="ctr"/>
+                      <a:r>
+                        <a:rPr lang="en-US" sz="1400" dirty="0">
                           <a:solidFill>
                             <a:schemeClr val="bg1">
                               <a:lumMod val="50000"/>
@@ -16897,35 +16439,28 @@
                         </a:rPr>
                         <a:t>-</a:t>
                       </a:r>
-                      <a:endParaRPr lang="en-US" sz="1400" dirty="0">
-                        <a:solidFill>
-                          <a:schemeClr val="bg1">
-                            <a:lumMod val="50000"/>
-                          </a:schemeClr>
-                        </a:solidFill>
-                      </a:endParaRPr>
-                    </a:p>
-                  </a:txBody>
-                  <a:tcPr anchor="ctr">
-                    <a:lnB w="12700" cap="flat" cmpd="sng" algn="ctr">
-                      <a:solidFill>
-                        <a:schemeClr val="tx1"/>
-                      </a:solidFill>
-                      <a:prstDash val="solid"/>
-                      <a:round/>
-                      <a:headEnd type="none" w="med" len="med"/>
-                      <a:tailEnd type="none" w="med" len="med"/>
-                    </a:lnB>
-                  </a:tcPr>
-                </a:tc>
-                <a:tc>
-                  <a:txBody>
-                    <a:bodyPr/>
-                    <a:lstStyle/>
-                    <a:p>
-                      <a:pPr algn="ctr"/>
-                      <a:r>
-                        <a:rPr lang="en-US" sz="1400" dirty="0" smtClean="0">
+                    </a:p>
+                  </a:txBody>
+                  <a:tcPr anchor="ctr">
+                    <a:lnB w="12700" cap="flat" cmpd="sng" algn="ctr">
+                      <a:solidFill>
+                        <a:schemeClr val="tx1"/>
+                      </a:solidFill>
+                      <a:prstDash val="solid"/>
+                      <a:round/>
+                      <a:headEnd type="none" w="med" len="med"/>
+                      <a:tailEnd type="none" w="med" len="med"/>
+                    </a:lnB>
+                  </a:tcPr>
+                </a:tc>
+                <a:tc>
+                  <a:txBody>
+                    <a:bodyPr/>
+                    <a:lstStyle/>
+                    <a:p>
+                      <a:pPr algn="ctr"/>
+                      <a:r>
+                        <a:rPr lang="en-US" sz="1400" dirty="0">
                           <a:solidFill>
                             <a:schemeClr val="bg1">
                               <a:lumMod val="50000"/>
@@ -16934,35 +16469,28 @@
                         </a:rPr>
                         <a:t>-</a:t>
                       </a:r>
-                      <a:endParaRPr lang="en-US" sz="1400" dirty="0">
-                        <a:solidFill>
-                          <a:schemeClr val="bg1">
-                            <a:lumMod val="50000"/>
-                          </a:schemeClr>
-                        </a:solidFill>
-                      </a:endParaRPr>
-                    </a:p>
-                  </a:txBody>
-                  <a:tcPr anchor="ctr">
-                    <a:lnB w="12700" cap="flat" cmpd="sng" algn="ctr">
-                      <a:solidFill>
-                        <a:schemeClr val="tx1"/>
-                      </a:solidFill>
-                      <a:prstDash val="solid"/>
-                      <a:round/>
-                      <a:headEnd type="none" w="med" len="med"/>
-                      <a:tailEnd type="none" w="med" len="med"/>
-                    </a:lnB>
-                  </a:tcPr>
-                </a:tc>
-                <a:tc>
-                  <a:txBody>
-                    <a:bodyPr/>
-                    <a:lstStyle/>
-                    <a:p>
-                      <a:pPr algn="ctr"/>
-                      <a:r>
-                        <a:rPr lang="en-US" sz="1400" dirty="0" smtClean="0">
+                    </a:p>
+                  </a:txBody>
+                  <a:tcPr anchor="ctr">
+                    <a:lnB w="12700" cap="flat" cmpd="sng" algn="ctr">
+                      <a:solidFill>
+                        <a:schemeClr val="tx1"/>
+                      </a:solidFill>
+                      <a:prstDash val="solid"/>
+                      <a:round/>
+                      <a:headEnd type="none" w="med" len="med"/>
+                      <a:tailEnd type="none" w="med" len="med"/>
+                    </a:lnB>
+                  </a:tcPr>
+                </a:tc>
+                <a:tc>
+                  <a:txBody>
+                    <a:bodyPr/>
+                    <a:lstStyle/>
+                    <a:p>
+                      <a:pPr algn="ctr"/>
+                      <a:r>
+                        <a:rPr lang="en-US" sz="1400" dirty="0">
                           <a:solidFill>
                             <a:schemeClr val="bg1">
                               <a:lumMod val="50000"/>
@@ -16971,60 +16499,52 @@
                         </a:rPr>
                         <a:t>-</a:t>
                       </a:r>
-                      <a:endParaRPr lang="en-US" sz="1400" dirty="0">
-                        <a:solidFill>
-                          <a:schemeClr val="bg1">
-                            <a:lumMod val="50000"/>
-                          </a:schemeClr>
-                        </a:solidFill>
-                      </a:endParaRPr>
-                    </a:p>
-                  </a:txBody>
-                  <a:tcPr anchor="ctr">
-                    <a:lnB w="12700" cap="flat" cmpd="sng" algn="ctr">
-                      <a:solidFill>
-                        <a:schemeClr val="tx1"/>
-                      </a:solidFill>
-                      <a:prstDash val="solid"/>
-                      <a:round/>
-                      <a:headEnd type="none" w="med" len="med"/>
-                      <a:tailEnd type="none" w="med" len="med"/>
-                    </a:lnB>
-                  </a:tcPr>
-                </a:tc>
-                <a:tc>
-                  <a:txBody>
-                    <a:bodyPr/>
-                    <a:lstStyle/>
-                    <a:p>
-                      <a:pPr algn="ctr"/>
-                      <a:r>
-                        <a:rPr lang="en-US" sz="1400" dirty="0" smtClean="0"/>
+                    </a:p>
+                  </a:txBody>
+                  <a:tcPr anchor="ctr">
+                    <a:lnB w="12700" cap="flat" cmpd="sng" algn="ctr">
+                      <a:solidFill>
+                        <a:schemeClr val="tx1"/>
+                      </a:solidFill>
+                      <a:prstDash val="solid"/>
+                      <a:round/>
+                      <a:headEnd type="none" w="med" len="med"/>
+                      <a:tailEnd type="none" w="med" len="med"/>
+                    </a:lnB>
+                  </a:tcPr>
+                </a:tc>
+                <a:tc>
+                  <a:txBody>
+                    <a:bodyPr/>
+                    <a:lstStyle/>
+                    <a:p>
+                      <a:pPr algn="ctr"/>
+                      <a:r>
+                        <a:rPr lang="en-US" sz="1400" dirty="0"/>
                         <a:t>1</a:t>
                       </a:r>
-                      <a:endParaRPr lang="en-US" sz="1400" dirty="0"/>
-                    </a:p>
-                  </a:txBody>
-                  <a:tcPr anchor="ctr">
-                    <a:lnB w="12700" cap="flat" cmpd="sng" algn="ctr">
-                      <a:solidFill>
-                        <a:schemeClr val="tx1"/>
-                      </a:solidFill>
-                      <a:prstDash val="solid"/>
-                      <a:round/>
-                      <a:headEnd type="none" w="med" len="med"/>
-                      <a:tailEnd type="none" w="med" len="med"/>
-                    </a:lnB>
-                  </a:tcPr>
-                </a:tc>
-                <a:tc>
-                  <a:txBody>
-                    <a:bodyPr/>
-                    <a:lstStyle/>
-                    <a:p>
-                      <a:pPr algn="ctr"/>
-                      <a:r>
-                        <a:rPr lang="en-US" sz="1400" dirty="0" smtClean="0">
+                    </a:p>
+                  </a:txBody>
+                  <a:tcPr anchor="ctr">
+                    <a:lnB w="12700" cap="flat" cmpd="sng" algn="ctr">
+                      <a:solidFill>
+                        <a:schemeClr val="tx1"/>
+                      </a:solidFill>
+                      <a:prstDash val="solid"/>
+                      <a:round/>
+                      <a:headEnd type="none" w="med" len="med"/>
+                      <a:tailEnd type="none" w="med" len="med"/>
+                    </a:lnB>
+                  </a:tcPr>
+                </a:tc>
+                <a:tc>
+                  <a:txBody>
+                    <a:bodyPr/>
+                    <a:lstStyle/>
+                    <a:p>
+                      <a:pPr algn="ctr"/>
+                      <a:r>
+                        <a:rPr lang="en-US" sz="1400" dirty="0">
                           <a:solidFill>
                             <a:schemeClr val="bg1">
                               <a:lumMod val="50000"/>
@@ -17033,35 +16553,28 @@
                         </a:rPr>
                         <a:t>-</a:t>
                       </a:r>
-                      <a:endParaRPr lang="en-US" sz="1400" dirty="0">
-                        <a:solidFill>
-                          <a:schemeClr val="bg1">
-                            <a:lumMod val="50000"/>
-                          </a:schemeClr>
-                        </a:solidFill>
-                      </a:endParaRPr>
-                    </a:p>
-                  </a:txBody>
-                  <a:tcPr anchor="ctr">
-                    <a:lnB w="12700" cap="flat" cmpd="sng" algn="ctr">
-                      <a:solidFill>
-                        <a:schemeClr val="tx1"/>
-                      </a:solidFill>
-                      <a:prstDash val="solid"/>
-                      <a:round/>
-                      <a:headEnd type="none" w="med" len="med"/>
-                      <a:tailEnd type="none" w="med" len="med"/>
-                    </a:lnB>
-                  </a:tcPr>
-                </a:tc>
-                <a:tc>
-                  <a:txBody>
-                    <a:bodyPr/>
-                    <a:lstStyle/>
-                    <a:p>
-                      <a:pPr algn="ctr"/>
-                      <a:r>
-                        <a:rPr lang="en-US" sz="1400" dirty="0" smtClean="0">
+                    </a:p>
+                  </a:txBody>
+                  <a:tcPr anchor="ctr">
+                    <a:lnB w="12700" cap="flat" cmpd="sng" algn="ctr">
+                      <a:solidFill>
+                        <a:schemeClr val="tx1"/>
+                      </a:solidFill>
+                      <a:prstDash val="solid"/>
+                      <a:round/>
+                      <a:headEnd type="none" w="med" len="med"/>
+                      <a:tailEnd type="none" w="med" len="med"/>
+                    </a:lnB>
+                  </a:tcPr>
+                </a:tc>
+                <a:tc>
+                  <a:txBody>
+                    <a:bodyPr/>
+                    <a:lstStyle/>
+                    <a:p>
+                      <a:pPr algn="ctr"/>
+                      <a:r>
+                        <a:rPr lang="en-US" sz="1400" dirty="0">
                           <a:solidFill>
                             <a:schemeClr val="bg1">
                               <a:lumMod val="50000"/>
@@ -17070,63 +16583,54 @@
                         </a:rPr>
                         <a:t>-</a:t>
                       </a:r>
-                      <a:endParaRPr lang="en-US" sz="1400" dirty="0">
-                        <a:solidFill>
-                          <a:schemeClr val="bg1">
-                            <a:lumMod val="50000"/>
-                          </a:schemeClr>
-                        </a:solidFill>
-                      </a:endParaRPr>
-                    </a:p>
-                  </a:txBody>
-                  <a:tcPr anchor="ctr">
-                    <a:lnB w="12700" cap="flat" cmpd="sng" algn="ctr">
-                      <a:solidFill>
-                        <a:schemeClr val="tx1"/>
-                      </a:solidFill>
-                      <a:prstDash val="solid"/>
-                      <a:round/>
-                      <a:headEnd type="none" w="med" len="med"/>
-                      <a:tailEnd type="none" w="med" len="med"/>
-                    </a:lnB>
-                  </a:tcPr>
-                </a:tc>
-                <a:tc>
-                  <a:txBody>
-                    <a:bodyPr/>
-                    <a:lstStyle/>
-                    <a:p>
-                      <a:pPr algn="ctr"/>
-                      <a:r>
-                        <a:rPr lang="en-US" sz="1400" dirty="0" smtClean="0"/>
+                    </a:p>
+                  </a:txBody>
+                  <a:tcPr anchor="ctr">
+                    <a:lnB w="12700" cap="flat" cmpd="sng" algn="ctr">
+                      <a:solidFill>
+                        <a:schemeClr val="tx1"/>
+                      </a:solidFill>
+                      <a:prstDash val="solid"/>
+                      <a:round/>
+                      <a:headEnd type="none" w="med" len="med"/>
+                      <a:tailEnd type="none" w="med" len="med"/>
+                    </a:lnB>
+                  </a:tcPr>
+                </a:tc>
+                <a:tc>
+                  <a:txBody>
+                    <a:bodyPr/>
+                    <a:lstStyle/>
+                    <a:p>
+                      <a:pPr algn="ctr"/>
+                      <a:r>
+                        <a:rPr lang="en-US" sz="1400" dirty="0"/>
                         <a:t>1</a:t>
                       </a:r>
-                      <a:endParaRPr lang="en-US" sz="1400" dirty="0"/>
-                    </a:p>
-                  </a:txBody>
-                  <a:tcPr anchor="ctr">
-                    <a:lnB w="12700" cap="flat" cmpd="sng" algn="ctr">
-                      <a:solidFill>
-                        <a:schemeClr val="tx1"/>
-                      </a:solidFill>
-                      <a:prstDash val="solid"/>
-                      <a:round/>
-                      <a:headEnd type="none" w="med" len="med"/>
-                      <a:tailEnd type="none" w="med" len="med"/>
-                    </a:lnB>
-                  </a:tcPr>
-                </a:tc>
-                <a:tc>
-                  <a:txBody>
-                    <a:bodyPr/>
-                    <a:lstStyle/>
-                    <a:p>
-                      <a:pPr algn="ctr"/>
-                      <a:r>
-                        <a:rPr lang="en-US" sz="1400" dirty="0" smtClean="0"/>
+                    </a:p>
+                  </a:txBody>
+                  <a:tcPr anchor="ctr">
+                    <a:lnB w="12700" cap="flat" cmpd="sng" algn="ctr">
+                      <a:solidFill>
+                        <a:schemeClr val="tx1"/>
+                      </a:solidFill>
+                      <a:prstDash val="solid"/>
+                      <a:round/>
+                      <a:headEnd type="none" w="med" len="med"/>
+                      <a:tailEnd type="none" w="med" len="med"/>
+                    </a:lnB>
+                  </a:tcPr>
+                </a:tc>
+                <a:tc>
+                  <a:txBody>
+                    <a:bodyPr/>
+                    <a:lstStyle/>
+                    <a:p>
+                      <a:pPr algn="ctr"/>
+                      <a:r>
+                        <a:rPr lang="en-US" sz="1400" dirty="0"/>
                         <a:t>103</a:t>
                       </a:r>
-                      <a:endParaRPr lang="en-US" sz="1400" dirty="0"/>
                     </a:p>
                   </a:txBody>
                   <a:tcPr anchor="ctr">
@@ -17164,10 +16668,9 @@
                     <a:p>
                       <a:pPr algn="ctr"/>
                       <a:r>
-                        <a:rPr lang="en-US" sz="1400" dirty="0" smtClean="0"/>
+                        <a:rPr lang="en-US" sz="1400" dirty="0"/>
                         <a:t>DLPFC</a:t>
                       </a:r>
-                      <a:endParaRPr lang="en-US" sz="1400" dirty="0"/>
                     </a:p>
                   </a:txBody>
                   <a:tcPr anchor="ctr">
@@ -17207,610 +16710,585 @@
                     <a:p>
                       <a:pPr algn="ctr"/>
                       <a:r>
-                        <a:rPr lang="en-US" sz="1400" dirty="0" smtClean="0"/>
+                        <a:rPr lang="en-US" sz="1400" dirty="0"/>
                         <a:t>1</a:t>
                       </a:r>
-                      <a:endParaRPr lang="en-US" sz="1400" dirty="0"/>
-                    </a:p>
-                  </a:txBody>
-                  <a:tcPr anchor="ctr">
-                    <a:lnT w="12700" cap="flat" cmpd="sng" algn="ctr">
-                      <a:solidFill>
-                        <a:schemeClr val="tx1"/>
-                      </a:solidFill>
-                      <a:prstDash val="solid"/>
-                      <a:round/>
-                      <a:headEnd type="none" w="med" len="med"/>
-                      <a:tailEnd type="none" w="med" len="med"/>
-                    </a:lnT>
-                  </a:tcPr>
-                </a:tc>
-                <a:tc>
-                  <a:txBody>
-                    <a:bodyPr/>
-                    <a:lstStyle/>
-                    <a:p>
-                      <a:pPr algn="ctr"/>
-                      <a:r>
-                        <a:rPr lang="en-US" sz="1400" dirty="0" smtClean="0"/>
+                    </a:p>
+                  </a:txBody>
+                  <a:tcPr anchor="ctr">
+                    <a:lnT w="12700" cap="flat" cmpd="sng" algn="ctr">
+                      <a:solidFill>
+                        <a:schemeClr val="tx1"/>
+                      </a:solidFill>
+                      <a:prstDash val="solid"/>
+                      <a:round/>
+                      <a:headEnd type="none" w="med" len="med"/>
+                      <a:tailEnd type="none" w="med" len="med"/>
+                    </a:lnT>
+                  </a:tcPr>
+                </a:tc>
+                <a:tc>
+                  <a:txBody>
+                    <a:bodyPr/>
+                    <a:lstStyle/>
+                    <a:p>
+                      <a:pPr algn="ctr"/>
+                      <a:r>
+                        <a:rPr lang="en-US" sz="1400" dirty="0"/>
                         <a:t>2</a:t>
                       </a:r>
-                      <a:endParaRPr lang="en-US" sz="1400" dirty="0"/>
-                    </a:p>
-                  </a:txBody>
-                  <a:tcPr anchor="ctr">
-                    <a:lnT w="12700" cap="flat" cmpd="sng" algn="ctr">
-                      <a:solidFill>
-                        <a:schemeClr val="tx1"/>
-                      </a:solidFill>
-                      <a:prstDash val="solid"/>
-                      <a:round/>
-                      <a:headEnd type="none" w="med" len="med"/>
-                      <a:tailEnd type="none" w="med" len="med"/>
-                    </a:lnT>
-                  </a:tcPr>
-                </a:tc>
-                <a:tc>
-                  <a:txBody>
-                    <a:bodyPr/>
-                    <a:lstStyle/>
-                    <a:p>
-                      <a:pPr algn="ctr"/>
-                      <a:r>
-                        <a:rPr lang="en-US" sz="1400" dirty="0" smtClean="0"/>
+                    </a:p>
+                  </a:txBody>
+                  <a:tcPr anchor="ctr">
+                    <a:lnT w="12700" cap="flat" cmpd="sng" algn="ctr">
+                      <a:solidFill>
+                        <a:schemeClr val="tx1"/>
+                      </a:solidFill>
+                      <a:prstDash val="solid"/>
+                      <a:round/>
+                      <a:headEnd type="none" w="med" len="med"/>
+                      <a:tailEnd type="none" w="med" len="med"/>
+                    </a:lnT>
+                  </a:tcPr>
+                </a:tc>
+                <a:tc>
+                  <a:txBody>
+                    <a:bodyPr/>
+                    <a:lstStyle/>
+                    <a:p>
+                      <a:pPr algn="ctr"/>
+                      <a:r>
+                        <a:rPr lang="en-US" sz="1400" dirty="0"/>
                         <a:t>3</a:t>
                       </a:r>
-                      <a:endParaRPr lang="en-US" sz="1400" dirty="0"/>
-                    </a:p>
-                  </a:txBody>
-                  <a:tcPr anchor="ctr">
-                    <a:lnT w="12700" cap="flat" cmpd="sng" algn="ctr">
-                      <a:solidFill>
-                        <a:schemeClr val="tx1"/>
-                      </a:solidFill>
-                      <a:prstDash val="solid"/>
-                      <a:round/>
-                      <a:headEnd type="none" w="med" len="med"/>
-                      <a:tailEnd type="none" w="med" len="med"/>
-                    </a:lnT>
-                  </a:tcPr>
-                </a:tc>
-                <a:tc>
-                  <a:txBody>
-                    <a:bodyPr/>
-                    <a:lstStyle/>
-                    <a:p>
-                      <a:pPr algn="ctr"/>
-                      <a:r>
-                        <a:rPr lang="en-US" sz="1400" dirty="0" smtClean="0"/>
+                    </a:p>
+                  </a:txBody>
+                  <a:tcPr anchor="ctr">
+                    <a:lnT w="12700" cap="flat" cmpd="sng" algn="ctr">
+                      <a:solidFill>
+                        <a:schemeClr val="tx1"/>
+                      </a:solidFill>
+                      <a:prstDash val="solid"/>
+                      <a:round/>
+                      <a:headEnd type="none" w="med" len="med"/>
+                      <a:tailEnd type="none" w="med" len="med"/>
+                    </a:lnT>
+                  </a:tcPr>
+                </a:tc>
+                <a:tc>
+                  <a:txBody>
+                    <a:bodyPr/>
+                    <a:lstStyle/>
+                    <a:p>
+                      <a:pPr algn="ctr"/>
+                      <a:r>
+                        <a:rPr lang="en-US" sz="1400" dirty="0"/>
                         <a:t>4</a:t>
                       </a:r>
-                      <a:endParaRPr lang="en-US" sz="1400" dirty="0"/>
-                    </a:p>
-                  </a:txBody>
-                  <a:tcPr anchor="ctr">
-                    <a:lnT w="12700" cap="flat" cmpd="sng" algn="ctr">
-                      <a:solidFill>
-                        <a:schemeClr val="tx1"/>
-                      </a:solidFill>
-                      <a:prstDash val="solid"/>
-                      <a:round/>
-                      <a:headEnd type="none" w="med" len="med"/>
-                      <a:tailEnd type="none" w="med" len="med"/>
-                    </a:lnT>
-                  </a:tcPr>
-                </a:tc>
-                <a:tc>
-                  <a:txBody>
-                    <a:bodyPr/>
-                    <a:lstStyle/>
-                    <a:p>
-                      <a:pPr algn="ctr"/>
-                      <a:r>
-                        <a:rPr lang="en-US" sz="1400" dirty="0" smtClean="0"/>
+                    </a:p>
+                  </a:txBody>
+                  <a:tcPr anchor="ctr">
+                    <a:lnT w="12700" cap="flat" cmpd="sng" algn="ctr">
+                      <a:solidFill>
+                        <a:schemeClr val="tx1"/>
+                      </a:solidFill>
+                      <a:prstDash val="solid"/>
+                      <a:round/>
+                      <a:headEnd type="none" w="med" len="med"/>
+                      <a:tailEnd type="none" w="med" len="med"/>
+                    </a:lnT>
+                  </a:tcPr>
+                </a:tc>
+                <a:tc>
+                  <a:txBody>
+                    <a:bodyPr/>
+                    <a:lstStyle/>
+                    <a:p>
+                      <a:pPr algn="ctr"/>
+                      <a:r>
+                        <a:rPr lang="en-US" sz="1400" dirty="0"/>
                         <a:t>5</a:t>
                       </a:r>
-                      <a:endParaRPr lang="en-US" sz="1400" dirty="0"/>
-                    </a:p>
-                  </a:txBody>
-                  <a:tcPr anchor="ctr">
-                    <a:lnT w="12700" cap="flat" cmpd="sng" algn="ctr">
-                      <a:solidFill>
-                        <a:schemeClr val="tx1"/>
-                      </a:solidFill>
-                      <a:prstDash val="solid"/>
-                      <a:round/>
-                      <a:headEnd type="none" w="med" len="med"/>
-                      <a:tailEnd type="none" w="med" len="med"/>
-                    </a:lnT>
-                  </a:tcPr>
-                </a:tc>
-                <a:tc>
-                  <a:txBody>
-                    <a:bodyPr/>
-                    <a:lstStyle/>
-                    <a:p>
-                      <a:pPr algn="ctr"/>
-                      <a:r>
-                        <a:rPr lang="en-US" sz="1400" dirty="0" smtClean="0"/>
+                    </a:p>
+                  </a:txBody>
+                  <a:tcPr anchor="ctr">
+                    <a:lnT w="12700" cap="flat" cmpd="sng" algn="ctr">
+                      <a:solidFill>
+                        <a:schemeClr val="tx1"/>
+                      </a:solidFill>
+                      <a:prstDash val="solid"/>
+                      <a:round/>
+                      <a:headEnd type="none" w="med" len="med"/>
+                      <a:tailEnd type="none" w="med" len="med"/>
+                    </a:lnT>
+                  </a:tcPr>
+                </a:tc>
+                <a:tc>
+                  <a:txBody>
+                    <a:bodyPr/>
+                    <a:lstStyle/>
+                    <a:p>
+                      <a:pPr algn="ctr"/>
+                      <a:r>
+                        <a:rPr lang="en-US" sz="1400" dirty="0"/>
                         <a:t>6</a:t>
                       </a:r>
-                      <a:endParaRPr lang="en-US" sz="1400" dirty="0"/>
-                    </a:p>
-                  </a:txBody>
-                  <a:tcPr anchor="ctr">
-                    <a:lnT w="12700" cap="flat" cmpd="sng" algn="ctr">
-                      <a:solidFill>
-                        <a:schemeClr val="tx1"/>
-                      </a:solidFill>
-                      <a:prstDash val="solid"/>
-                      <a:round/>
-                      <a:headEnd type="none" w="med" len="med"/>
-                      <a:tailEnd type="none" w="med" len="med"/>
-                    </a:lnT>
-                  </a:tcPr>
-                </a:tc>
-                <a:tc>
-                  <a:txBody>
-                    <a:bodyPr/>
-                    <a:lstStyle/>
-                    <a:p>
-                      <a:pPr algn="ctr"/>
-                      <a:r>
-                        <a:rPr lang="en-US" sz="1400" dirty="0" smtClean="0"/>
+                    </a:p>
+                  </a:txBody>
+                  <a:tcPr anchor="ctr">
+                    <a:lnT w="12700" cap="flat" cmpd="sng" algn="ctr">
+                      <a:solidFill>
+                        <a:schemeClr val="tx1"/>
+                      </a:solidFill>
+                      <a:prstDash val="solid"/>
+                      <a:round/>
+                      <a:headEnd type="none" w="med" len="med"/>
+                      <a:tailEnd type="none" w="med" len="med"/>
+                    </a:lnT>
+                  </a:tcPr>
+                </a:tc>
+                <a:tc>
+                  <a:txBody>
+                    <a:bodyPr/>
+                    <a:lstStyle/>
+                    <a:p>
+                      <a:pPr algn="ctr"/>
+                      <a:r>
+                        <a:rPr lang="en-US" sz="1400" dirty="0"/>
                         <a:t>7</a:t>
                       </a:r>
-                      <a:endParaRPr lang="en-US" sz="1400" dirty="0"/>
-                    </a:p>
-                  </a:txBody>
-                  <a:tcPr anchor="ctr">
-                    <a:lnT w="12700" cap="flat" cmpd="sng" algn="ctr">
-                      <a:solidFill>
-                        <a:schemeClr val="tx1"/>
-                      </a:solidFill>
-                      <a:prstDash val="solid"/>
-                      <a:round/>
-                      <a:headEnd type="none" w="med" len="med"/>
-                      <a:tailEnd type="none" w="med" len="med"/>
-                    </a:lnT>
-                  </a:tcPr>
-                </a:tc>
-                <a:tc>
-                  <a:txBody>
-                    <a:bodyPr/>
-                    <a:lstStyle/>
-                    <a:p>
-                      <a:pPr algn="ctr"/>
-                      <a:r>
-                        <a:rPr lang="en-US" sz="1400" dirty="0" smtClean="0"/>
+                    </a:p>
+                  </a:txBody>
+                  <a:tcPr anchor="ctr">
+                    <a:lnT w="12700" cap="flat" cmpd="sng" algn="ctr">
+                      <a:solidFill>
+                        <a:schemeClr val="tx1"/>
+                      </a:solidFill>
+                      <a:prstDash val="solid"/>
+                      <a:round/>
+                      <a:headEnd type="none" w="med" len="med"/>
+                      <a:tailEnd type="none" w="med" len="med"/>
+                    </a:lnT>
+                  </a:tcPr>
+                </a:tc>
+                <a:tc>
+                  <a:txBody>
+                    <a:bodyPr/>
+                    <a:lstStyle/>
+                    <a:p>
+                      <a:pPr algn="ctr"/>
+                      <a:r>
+                        <a:rPr lang="en-US" sz="1400" dirty="0"/>
                         <a:t>8</a:t>
                       </a:r>
-                      <a:endParaRPr lang="en-US" sz="1400" dirty="0"/>
-                    </a:p>
-                  </a:txBody>
-                  <a:tcPr anchor="ctr">
-                    <a:lnT w="12700" cap="flat" cmpd="sng" algn="ctr">
-                      <a:solidFill>
-                        <a:schemeClr val="tx1"/>
-                      </a:solidFill>
-                      <a:prstDash val="solid"/>
-                      <a:round/>
-                      <a:headEnd type="none" w="med" len="med"/>
-                      <a:tailEnd type="none" w="med" len="med"/>
-                    </a:lnT>
-                  </a:tcPr>
-                </a:tc>
-                <a:tc>
-                  <a:txBody>
-                    <a:bodyPr/>
-                    <a:lstStyle/>
-                    <a:p>
-                      <a:pPr algn="ctr"/>
-                      <a:r>
-                        <a:rPr lang="en-US" sz="1400" dirty="0" smtClean="0"/>
+                    </a:p>
+                  </a:txBody>
+                  <a:tcPr anchor="ctr">
+                    <a:lnT w="12700" cap="flat" cmpd="sng" algn="ctr">
+                      <a:solidFill>
+                        <a:schemeClr val="tx1"/>
+                      </a:solidFill>
+                      <a:prstDash val="solid"/>
+                      <a:round/>
+                      <a:headEnd type="none" w="med" len="med"/>
+                      <a:tailEnd type="none" w="med" len="med"/>
+                    </a:lnT>
+                  </a:tcPr>
+                </a:tc>
+                <a:tc>
+                  <a:txBody>
+                    <a:bodyPr/>
+                    <a:lstStyle/>
+                    <a:p>
+                      <a:pPr algn="ctr"/>
+                      <a:r>
+                        <a:rPr lang="en-US" sz="1400" dirty="0"/>
                         <a:t>9</a:t>
                       </a:r>
-                      <a:endParaRPr lang="en-US" sz="1400" dirty="0"/>
-                    </a:p>
-                  </a:txBody>
-                  <a:tcPr anchor="ctr">
-                    <a:lnT w="12700" cap="flat" cmpd="sng" algn="ctr">
-                      <a:solidFill>
-                        <a:schemeClr val="tx1"/>
-                      </a:solidFill>
-                      <a:prstDash val="solid"/>
-                      <a:round/>
-                      <a:headEnd type="none" w="med" len="med"/>
-                      <a:tailEnd type="none" w="med" len="med"/>
-                    </a:lnT>
-                  </a:tcPr>
-                </a:tc>
-                <a:tc>
-                  <a:txBody>
-                    <a:bodyPr/>
-                    <a:lstStyle/>
-                    <a:p>
-                      <a:pPr algn="ctr"/>
-                      <a:r>
-                        <a:rPr lang="en-US" sz="1400" dirty="0" smtClean="0"/>
+                    </a:p>
+                  </a:txBody>
+                  <a:tcPr anchor="ctr">
+                    <a:lnT w="12700" cap="flat" cmpd="sng" algn="ctr">
+                      <a:solidFill>
+                        <a:schemeClr val="tx1"/>
+                      </a:solidFill>
+                      <a:prstDash val="solid"/>
+                      <a:round/>
+                      <a:headEnd type="none" w="med" len="med"/>
+                      <a:tailEnd type="none" w="med" len="med"/>
+                    </a:lnT>
+                  </a:tcPr>
+                </a:tc>
+                <a:tc>
+                  <a:txBody>
+                    <a:bodyPr/>
+                    <a:lstStyle/>
+                    <a:p>
+                      <a:pPr algn="ctr"/>
+                      <a:r>
+                        <a:rPr lang="en-US" sz="1400" dirty="0"/>
                         <a:t>10</a:t>
                       </a:r>
-                      <a:endParaRPr lang="en-US" sz="1400" dirty="0"/>
-                    </a:p>
-                  </a:txBody>
-                  <a:tcPr anchor="ctr">
-                    <a:lnT w="12700" cap="flat" cmpd="sng" algn="ctr">
-                      <a:solidFill>
-                        <a:schemeClr val="tx1"/>
-                      </a:solidFill>
-                      <a:prstDash val="solid"/>
-                      <a:round/>
-                      <a:headEnd type="none" w="med" len="med"/>
-                      <a:tailEnd type="none" w="med" len="med"/>
-                    </a:lnT>
-                  </a:tcPr>
-                </a:tc>
-                <a:tc>
-                  <a:txBody>
-                    <a:bodyPr/>
-                    <a:lstStyle/>
-                    <a:p>
-                      <a:pPr algn="ctr"/>
-                      <a:r>
-                        <a:rPr lang="en-US" sz="1400" dirty="0" smtClean="0"/>
+                    </a:p>
+                  </a:txBody>
+                  <a:tcPr anchor="ctr">
+                    <a:lnT w="12700" cap="flat" cmpd="sng" algn="ctr">
+                      <a:solidFill>
+                        <a:schemeClr val="tx1"/>
+                      </a:solidFill>
+                      <a:prstDash val="solid"/>
+                      <a:round/>
+                      <a:headEnd type="none" w="med" len="med"/>
+                      <a:tailEnd type="none" w="med" len="med"/>
+                    </a:lnT>
+                  </a:tcPr>
+                </a:tc>
+                <a:tc>
+                  <a:txBody>
+                    <a:bodyPr/>
+                    <a:lstStyle/>
+                    <a:p>
+                      <a:pPr algn="ctr"/>
+                      <a:r>
+                        <a:rPr lang="en-US" sz="1400" dirty="0"/>
                         <a:t>11</a:t>
                       </a:r>
-                      <a:endParaRPr lang="en-US" sz="1400" dirty="0"/>
-                    </a:p>
-                  </a:txBody>
-                  <a:tcPr anchor="ctr">
-                    <a:lnT w="12700" cap="flat" cmpd="sng" algn="ctr">
-                      <a:solidFill>
-                        <a:schemeClr val="tx1"/>
-                      </a:solidFill>
-                      <a:prstDash val="solid"/>
-                      <a:round/>
-                      <a:headEnd type="none" w="med" len="med"/>
-                      <a:tailEnd type="none" w="med" len="med"/>
-                    </a:lnT>
-                  </a:tcPr>
-                </a:tc>
-                <a:tc>
-                  <a:txBody>
-                    <a:bodyPr/>
-                    <a:lstStyle/>
-                    <a:p>
-                      <a:pPr algn="ctr"/>
-                      <a:r>
-                        <a:rPr lang="en-US" sz="1400" dirty="0" smtClean="0"/>
+                    </a:p>
+                  </a:txBody>
+                  <a:tcPr anchor="ctr">
+                    <a:lnT w="12700" cap="flat" cmpd="sng" algn="ctr">
+                      <a:solidFill>
+                        <a:schemeClr val="tx1"/>
+                      </a:solidFill>
+                      <a:prstDash val="solid"/>
+                      <a:round/>
+                      <a:headEnd type="none" w="med" len="med"/>
+                      <a:tailEnd type="none" w="med" len="med"/>
+                    </a:lnT>
+                  </a:tcPr>
+                </a:tc>
+                <a:tc>
+                  <a:txBody>
+                    <a:bodyPr/>
+                    <a:lstStyle/>
+                    <a:p>
+                      <a:pPr algn="ctr"/>
+                      <a:r>
+                        <a:rPr lang="en-US" sz="1400" dirty="0"/>
                         <a:t>12</a:t>
                       </a:r>
-                      <a:endParaRPr lang="en-US" sz="1400" dirty="0"/>
-                    </a:p>
-                  </a:txBody>
-                  <a:tcPr anchor="ctr">
-                    <a:lnT w="12700" cap="flat" cmpd="sng" algn="ctr">
-                      <a:solidFill>
-                        <a:schemeClr val="tx1"/>
-                      </a:solidFill>
-                      <a:prstDash val="solid"/>
-                      <a:round/>
-                      <a:headEnd type="none" w="med" len="med"/>
-                      <a:tailEnd type="none" w="med" len="med"/>
-                    </a:lnT>
-                  </a:tcPr>
-                </a:tc>
-                <a:tc>
-                  <a:txBody>
-                    <a:bodyPr/>
-                    <a:lstStyle/>
-                    <a:p>
-                      <a:pPr algn="ctr"/>
-                      <a:r>
-                        <a:rPr lang="en-US" sz="1400" dirty="0" smtClean="0"/>
+                    </a:p>
+                  </a:txBody>
+                  <a:tcPr anchor="ctr">
+                    <a:lnT w="12700" cap="flat" cmpd="sng" algn="ctr">
+                      <a:solidFill>
+                        <a:schemeClr val="tx1"/>
+                      </a:solidFill>
+                      <a:prstDash val="solid"/>
+                      <a:round/>
+                      <a:headEnd type="none" w="med" len="med"/>
+                      <a:tailEnd type="none" w="med" len="med"/>
+                    </a:lnT>
+                  </a:tcPr>
+                </a:tc>
+                <a:tc>
+                  <a:txBody>
+                    <a:bodyPr/>
+                    <a:lstStyle/>
+                    <a:p>
+                      <a:pPr algn="ctr"/>
+                      <a:r>
+                        <a:rPr lang="en-US" sz="1400" dirty="0"/>
                         <a:t>13</a:t>
                       </a:r>
-                      <a:endParaRPr lang="en-US" sz="1400" dirty="0"/>
-                    </a:p>
-                  </a:txBody>
-                  <a:tcPr anchor="ctr">
-                    <a:lnT w="12700" cap="flat" cmpd="sng" algn="ctr">
-                      <a:solidFill>
-                        <a:schemeClr val="tx1"/>
-                      </a:solidFill>
-                      <a:prstDash val="solid"/>
-                      <a:round/>
-                      <a:headEnd type="none" w="med" len="med"/>
-                      <a:tailEnd type="none" w="med" len="med"/>
-                    </a:lnT>
-                  </a:tcPr>
-                </a:tc>
-                <a:tc>
-                  <a:txBody>
-                    <a:bodyPr/>
-                    <a:lstStyle/>
-                    <a:p>
-                      <a:pPr algn="ctr"/>
-                      <a:r>
-                        <a:rPr lang="en-US" sz="1400" dirty="0" smtClean="0"/>
+                    </a:p>
+                  </a:txBody>
+                  <a:tcPr anchor="ctr">
+                    <a:lnT w="12700" cap="flat" cmpd="sng" algn="ctr">
+                      <a:solidFill>
+                        <a:schemeClr val="tx1"/>
+                      </a:solidFill>
+                      <a:prstDash val="solid"/>
+                      <a:round/>
+                      <a:headEnd type="none" w="med" len="med"/>
+                      <a:tailEnd type="none" w="med" len="med"/>
+                    </a:lnT>
+                  </a:tcPr>
+                </a:tc>
+                <a:tc>
+                  <a:txBody>
+                    <a:bodyPr/>
+                    <a:lstStyle/>
+                    <a:p>
+                      <a:pPr algn="ctr"/>
+                      <a:r>
+                        <a:rPr lang="en-US" sz="1400" dirty="0"/>
                         <a:t>14</a:t>
                       </a:r>
-                      <a:endParaRPr lang="en-US" sz="1400" dirty="0"/>
-                    </a:p>
-                  </a:txBody>
-                  <a:tcPr anchor="ctr">
-                    <a:lnT w="12700" cap="flat" cmpd="sng" algn="ctr">
-                      <a:solidFill>
-                        <a:schemeClr val="tx1"/>
-                      </a:solidFill>
-                      <a:prstDash val="solid"/>
-                      <a:round/>
-                      <a:headEnd type="none" w="med" len="med"/>
-                      <a:tailEnd type="none" w="med" len="med"/>
-                    </a:lnT>
-                  </a:tcPr>
-                </a:tc>
-                <a:tc>
-                  <a:txBody>
-                    <a:bodyPr/>
-                    <a:lstStyle/>
-                    <a:p>
-                      <a:pPr algn="ctr"/>
-                      <a:r>
-                        <a:rPr lang="en-US" sz="1400" dirty="0" smtClean="0"/>
+                    </a:p>
+                  </a:txBody>
+                  <a:tcPr anchor="ctr">
+                    <a:lnT w="12700" cap="flat" cmpd="sng" algn="ctr">
+                      <a:solidFill>
+                        <a:schemeClr val="tx1"/>
+                      </a:solidFill>
+                      <a:prstDash val="solid"/>
+                      <a:round/>
+                      <a:headEnd type="none" w="med" len="med"/>
+                      <a:tailEnd type="none" w="med" len="med"/>
+                    </a:lnT>
+                  </a:tcPr>
+                </a:tc>
+                <a:tc>
+                  <a:txBody>
+                    <a:bodyPr/>
+                    <a:lstStyle/>
+                    <a:p>
+                      <a:pPr algn="ctr"/>
+                      <a:r>
+                        <a:rPr lang="en-US" sz="1400" dirty="0"/>
                         <a:t>15</a:t>
                       </a:r>
-                      <a:endParaRPr lang="en-US" sz="1400" dirty="0"/>
-                    </a:p>
-                  </a:txBody>
-                  <a:tcPr anchor="ctr">
-                    <a:lnT w="12700" cap="flat" cmpd="sng" algn="ctr">
-                      <a:solidFill>
-                        <a:schemeClr val="tx1"/>
-                      </a:solidFill>
-                      <a:prstDash val="solid"/>
-                      <a:round/>
-                      <a:headEnd type="none" w="med" len="med"/>
-                      <a:tailEnd type="none" w="med" len="med"/>
-                    </a:lnT>
-                  </a:tcPr>
-                </a:tc>
-                <a:tc>
-                  <a:txBody>
-                    <a:bodyPr/>
-                    <a:lstStyle/>
-                    <a:p>
-                      <a:pPr algn="ctr"/>
-                      <a:r>
-                        <a:rPr lang="en-US" sz="1400" dirty="0" smtClean="0"/>
+                    </a:p>
+                  </a:txBody>
+                  <a:tcPr anchor="ctr">
+                    <a:lnT w="12700" cap="flat" cmpd="sng" algn="ctr">
+                      <a:solidFill>
+                        <a:schemeClr val="tx1"/>
+                      </a:solidFill>
+                      <a:prstDash val="solid"/>
+                      <a:round/>
+                      <a:headEnd type="none" w="med" len="med"/>
+                      <a:tailEnd type="none" w="med" len="med"/>
+                    </a:lnT>
+                  </a:tcPr>
+                </a:tc>
+                <a:tc>
+                  <a:txBody>
+                    <a:bodyPr/>
+                    <a:lstStyle/>
+                    <a:p>
+                      <a:pPr algn="ctr"/>
+                      <a:r>
+                        <a:rPr lang="en-US" sz="1400" dirty="0"/>
                         <a:t>16</a:t>
                       </a:r>
-                      <a:endParaRPr lang="en-US" sz="1400" dirty="0"/>
-                    </a:p>
-                  </a:txBody>
-                  <a:tcPr anchor="ctr">
-                    <a:lnT w="12700" cap="flat" cmpd="sng" algn="ctr">
-                      <a:solidFill>
-                        <a:schemeClr val="tx1"/>
-                      </a:solidFill>
-                      <a:prstDash val="solid"/>
-                      <a:round/>
-                      <a:headEnd type="none" w="med" len="med"/>
-                      <a:tailEnd type="none" w="med" len="med"/>
-                    </a:lnT>
-                  </a:tcPr>
-                </a:tc>
-                <a:tc>
-                  <a:txBody>
-                    <a:bodyPr/>
-                    <a:lstStyle/>
-                    <a:p>
-                      <a:pPr algn="ctr"/>
-                      <a:r>
-                        <a:rPr lang="en-US" sz="1400" b="0" dirty="0" smtClean="0"/>
+                    </a:p>
+                  </a:txBody>
+                  <a:tcPr anchor="ctr">
+                    <a:lnT w="12700" cap="flat" cmpd="sng" algn="ctr">
+                      <a:solidFill>
+                        <a:schemeClr val="tx1"/>
+                      </a:solidFill>
+                      <a:prstDash val="solid"/>
+                      <a:round/>
+                      <a:headEnd type="none" w="med" len="med"/>
+                      <a:tailEnd type="none" w="med" len="med"/>
+                    </a:lnT>
+                  </a:tcPr>
+                </a:tc>
+                <a:tc>
+                  <a:txBody>
+                    <a:bodyPr/>
+                    <a:lstStyle/>
+                    <a:p>
+                      <a:pPr algn="ctr"/>
+                      <a:r>
+                        <a:rPr lang="en-US" sz="1400" b="0" dirty="0"/>
                         <a:t>17</a:t>
                       </a:r>
-                      <a:endParaRPr lang="en-US" sz="1400" b="0" dirty="0"/>
-                    </a:p>
-                  </a:txBody>
-                  <a:tcPr anchor="ctr">
-                    <a:lnT w="12700" cap="flat" cmpd="sng" algn="ctr">
-                      <a:solidFill>
-                        <a:schemeClr val="tx1"/>
-                      </a:solidFill>
-                      <a:prstDash val="solid"/>
-                      <a:round/>
-                      <a:headEnd type="none" w="med" len="med"/>
-                      <a:tailEnd type="none" w="med" len="med"/>
-                    </a:lnT>
-                  </a:tcPr>
-                </a:tc>
-                <a:tc>
-                  <a:txBody>
-                    <a:bodyPr/>
-                    <a:lstStyle/>
-                    <a:p>
-                      <a:pPr algn="ctr"/>
-                      <a:r>
-                        <a:rPr lang="en-US" sz="1400" b="0" dirty="0" smtClean="0"/>
+                    </a:p>
+                  </a:txBody>
+                  <a:tcPr anchor="ctr">
+                    <a:lnT w="12700" cap="flat" cmpd="sng" algn="ctr">
+                      <a:solidFill>
+                        <a:schemeClr val="tx1"/>
+                      </a:solidFill>
+                      <a:prstDash val="solid"/>
+                      <a:round/>
+                      <a:headEnd type="none" w="med" len="med"/>
+                      <a:tailEnd type="none" w="med" len="med"/>
+                    </a:lnT>
+                  </a:tcPr>
+                </a:tc>
+                <a:tc>
+                  <a:txBody>
+                    <a:bodyPr/>
+                    <a:lstStyle/>
+                    <a:p>
+                      <a:pPr algn="ctr"/>
+                      <a:r>
+                        <a:rPr lang="en-US" sz="1400" b="0" dirty="0"/>
                         <a:t>18</a:t>
                       </a:r>
-                      <a:endParaRPr lang="en-US" sz="1400" b="0" dirty="0"/>
-                    </a:p>
-                  </a:txBody>
-                  <a:tcPr anchor="ctr">
-                    <a:lnT w="12700" cap="flat" cmpd="sng" algn="ctr">
-                      <a:solidFill>
-                        <a:schemeClr val="tx1"/>
-                      </a:solidFill>
-                      <a:prstDash val="solid"/>
-                      <a:round/>
-                      <a:headEnd type="none" w="med" len="med"/>
-                      <a:tailEnd type="none" w="med" len="med"/>
-                    </a:lnT>
-                  </a:tcPr>
-                </a:tc>
-                <a:tc>
-                  <a:txBody>
-                    <a:bodyPr/>
-                    <a:lstStyle/>
-                    <a:p>
-                      <a:pPr algn="ctr"/>
-                      <a:r>
-                        <a:rPr lang="en-US" sz="1400" b="0" dirty="0" smtClean="0"/>
+                    </a:p>
+                  </a:txBody>
+                  <a:tcPr anchor="ctr">
+                    <a:lnT w="12700" cap="flat" cmpd="sng" algn="ctr">
+                      <a:solidFill>
+                        <a:schemeClr val="tx1"/>
+                      </a:solidFill>
+                      <a:prstDash val="solid"/>
+                      <a:round/>
+                      <a:headEnd type="none" w="med" len="med"/>
+                      <a:tailEnd type="none" w="med" len="med"/>
+                    </a:lnT>
+                  </a:tcPr>
+                </a:tc>
+                <a:tc>
+                  <a:txBody>
+                    <a:bodyPr/>
+                    <a:lstStyle/>
+                    <a:p>
+                      <a:pPr algn="ctr"/>
+                      <a:r>
+                        <a:rPr lang="en-US" sz="1400" b="0" dirty="0"/>
                         <a:t>19</a:t>
                       </a:r>
-                      <a:endParaRPr lang="en-US" sz="1400" b="0" dirty="0"/>
-                    </a:p>
-                  </a:txBody>
-                  <a:tcPr anchor="ctr">
-                    <a:lnT w="12700" cap="flat" cmpd="sng" algn="ctr">
-                      <a:solidFill>
-                        <a:schemeClr val="tx1"/>
-                      </a:solidFill>
-                      <a:prstDash val="solid"/>
-                      <a:round/>
-                      <a:headEnd type="none" w="med" len="med"/>
-                      <a:tailEnd type="none" w="med" len="med"/>
-                    </a:lnT>
-                  </a:tcPr>
-                </a:tc>
-                <a:tc>
-                  <a:txBody>
-                    <a:bodyPr/>
-                    <a:lstStyle/>
-                    <a:p>
-                      <a:pPr algn="ctr"/>
-                      <a:r>
-                        <a:rPr lang="en-US" sz="1400" b="0" dirty="0" smtClean="0"/>
+                    </a:p>
+                  </a:txBody>
+                  <a:tcPr anchor="ctr">
+                    <a:lnT w="12700" cap="flat" cmpd="sng" algn="ctr">
+                      <a:solidFill>
+                        <a:schemeClr val="tx1"/>
+                      </a:solidFill>
+                      <a:prstDash val="solid"/>
+                      <a:round/>
+                      <a:headEnd type="none" w="med" len="med"/>
+                      <a:tailEnd type="none" w="med" len="med"/>
+                    </a:lnT>
+                  </a:tcPr>
+                </a:tc>
+                <a:tc>
+                  <a:txBody>
+                    <a:bodyPr/>
+                    <a:lstStyle/>
+                    <a:p>
+                      <a:pPr algn="ctr"/>
+                      <a:r>
+                        <a:rPr lang="en-US" sz="1400" b="0" dirty="0"/>
                         <a:t>20</a:t>
                       </a:r>
-                      <a:endParaRPr lang="en-US" sz="1400" b="0" dirty="0"/>
-                    </a:p>
-                  </a:txBody>
-                  <a:tcPr anchor="ctr">
-                    <a:lnT w="12700" cap="flat" cmpd="sng" algn="ctr">
-                      <a:solidFill>
-                        <a:schemeClr val="tx1"/>
-                      </a:solidFill>
-                      <a:prstDash val="solid"/>
-                      <a:round/>
-                      <a:headEnd type="none" w="med" len="med"/>
-                      <a:tailEnd type="none" w="med" len="med"/>
-                    </a:lnT>
-                  </a:tcPr>
-                </a:tc>
-                <a:tc>
-                  <a:txBody>
-                    <a:bodyPr/>
-                    <a:lstStyle/>
-                    <a:p>
-                      <a:pPr algn="ctr"/>
-                      <a:r>
-                        <a:rPr lang="en-US" sz="1400" b="0" dirty="0" smtClean="0"/>
+                    </a:p>
+                  </a:txBody>
+                  <a:tcPr anchor="ctr">
+                    <a:lnT w="12700" cap="flat" cmpd="sng" algn="ctr">
+                      <a:solidFill>
+                        <a:schemeClr val="tx1"/>
+                      </a:solidFill>
+                      <a:prstDash val="solid"/>
+                      <a:round/>
+                      <a:headEnd type="none" w="med" len="med"/>
+                      <a:tailEnd type="none" w="med" len="med"/>
+                    </a:lnT>
+                  </a:tcPr>
+                </a:tc>
+                <a:tc>
+                  <a:txBody>
+                    <a:bodyPr/>
+                    <a:lstStyle/>
+                    <a:p>
+                      <a:pPr algn="ctr"/>
+                      <a:r>
+                        <a:rPr lang="en-US" sz="1400" b="0" dirty="0"/>
                         <a:t>21</a:t>
                       </a:r>
-                      <a:endParaRPr lang="en-US" sz="1400" b="0" dirty="0"/>
-                    </a:p>
-                  </a:txBody>
-                  <a:tcPr anchor="ctr">
-                    <a:lnT w="12700" cap="flat" cmpd="sng" algn="ctr">
-                      <a:solidFill>
-                        <a:schemeClr val="tx1"/>
-                      </a:solidFill>
-                      <a:prstDash val="solid"/>
-                      <a:round/>
-                      <a:headEnd type="none" w="med" len="med"/>
-                      <a:tailEnd type="none" w="med" len="med"/>
-                    </a:lnT>
-                  </a:tcPr>
-                </a:tc>
-                <a:tc>
-                  <a:txBody>
-                    <a:bodyPr/>
-                    <a:lstStyle/>
-                    <a:p>
-                      <a:pPr algn="ctr"/>
-                      <a:r>
-                        <a:rPr lang="en-US" sz="1400" b="0" dirty="0" smtClean="0"/>
+                    </a:p>
+                  </a:txBody>
+                  <a:tcPr anchor="ctr">
+                    <a:lnT w="12700" cap="flat" cmpd="sng" algn="ctr">
+                      <a:solidFill>
+                        <a:schemeClr val="tx1"/>
+                      </a:solidFill>
+                      <a:prstDash val="solid"/>
+                      <a:round/>
+                      <a:headEnd type="none" w="med" len="med"/>
+                      <a:tailEnd type="none" w="med" len="med"/>
+                    </a:lnT>
+                  </a:tcPr>
+                </a:tc>
+                <a:tc>
+                  <a:txBody>
+                    <a:bodyPr/>
+                    <a:lstStyle/>
+                    <a:p>
+                      <a:pPr algn="ctr"/>
+                      <a:r>
+                        <a:rPr lang="en-US" sz="1400" b="0" dirty="0"/>
                         <a:t>22</a:t>
                       </a:r>
-                      <a:endParaRPr lang="en-US" sz="1400" b="0" dirty="0"/>
-                    </a:p>
-                  </a:txBody>
-                  <a:tcPr anchor="ctr">
-                    <a:lnT w="12700" cap="flat" cmpd="sng" algn="ctr">
-                      <a:solidFill>
-                        <a:schemeClr val="tx1"/>
-                      </a:solidFill>
-                      <a:prstDash val="solid"/>
-                      <a:round/>
-                      <a:headEnd type="none" w="med" len="med"/>
-                      <a:tailEnd type="none" w="med" len="med"/>
-                    </a:lnT>
-                  </a:tcPr>
-                </a:tc>
-                <a:tc>
-                  <a:txBody>
-                    <a:bodyPr/>
-                    <a:lstStyle/>
-                    <a:p>
-                      <a:pPr algn="ctr"/>
-                      <a:r>
-                        <a:rPr lang="en-US" sz="1400" b="0" dirty="0" smtClean="0"/>
+                    </a:p>
+                  </a:txBody>
+                  <a:tcPr anchor="ctr">
+                    <a:lnT w="12700" cap="flat" cmpd="sng" algn="ctr">
+                      <a:solidFill>
+                        <a:schemeClr val="tx1"/>
+                      </a:solidFill>
+                      <a:prstDash val="solid"/>
+                      <a:round/>
+                      <a:headEnd type="none" w="med" len="med"/>
+                      <a:tailEnd type="none" w="med" len="med"/>
+                    </a:lnT>
+                  </a:tcPr>
+                </a:tc>
+                <a:tc>
+                  <a:txBody>
+                    <a:bodyPr/>
+                    <a:lstStyle/>
+                    <a:p>
+                      <a:pPr algn="ctr"/>
+                      <a:r>
+                        <a:rPr lang="en-US" sz="1400" b="0" dirty="0"/>
                         <a:t>23</a:t>
                       </a:r>
-                      <a:endParaRPr lang="en-US" sz="1400" b="0" dirty="0"/>
-                    </a:p>
-                  </a:txBody>
-                  <a:tcPr anchor="ctr">
-                    <a:lnT w="12700" cap="flat" cmpd="sng" algn="ctr">
-                      <a:solidFill>
-                        <a:schemeClr val="tx1"/>
-                      </a:solidFill>
-                      <a:prstDash val="solid"/>
-                      <a:round/>
-                      <a:headEnd type="none" w="med" len="med"/>
-                      <a:tailEnd type="none" w="med" len="med"/>
-                    </a:lnT>
-                  </a:tcPr>
-                </a:tc>
-                <a:tc>
-                  <a:txBody>
-                    <a:bodyPr/>
-                    <a:lstStyle/>
-                    <a:p>
-                      <a:pPr algn="ctr"/>
-                      <a:r>
-                        <a:rPr lang="en-US" sz="1400" b="0" dirty="0" smtClean="0"/>
+                    </a:p>
+                  </a:txBody>
+                  <a:tcPr anchor="ctr">
+                    <a:lnT w="12700" cap="flat" cmpd="sng" algn="ctr">
+                      <a:solidFill>
+                        <a:schemeClr val="tx1"/>
+                      </a:solidFill>
+                      <a:prstDash val="solid"/>
+                      <a:round/>
+                      <a:headEnd type="none" w="med" len="med"/>
+                      <a:tailEnd type="none" w="med" len="med"/>
+                    </a:lnT>
+                  </a:tcPr>
+                </a:tc>
+                <a:tc>
+                  <a:txBody>
+                    <a:bodyPr/>
+                    <a:lstStyle/>
+                    <a:p>
+                      <a:pPr algn="ctr"/>
+                      <a:r>
+                        <a:rPr lang="en-US" sz="1400" b="0" dirty="0"/>
                         <a:t>24</a:t>
                       </a:r>
-                      <a:endParaRPr lang="en-US" sz="1400" b="0" dirty="0"/>
-                    </a:p>
-                  </a:txBody>
-                  <a:tcPr anchor="ctr">
-                    <a:lnT w="12700" cap="flat" cmpd="sng" algn="ctr">
-                      <a:solidFill>
-                        <a:schemeClr val="tx1"/>
-                      </a:solidFill>
-                      <a:prstDash val="solid"/>
-                      <a:round/>
-                      <a:headEnd type="none" w="med" len="med"/>
-                      <a:tailEnd type="none" w="med" len="med"/>
-                    </a:lnT>
-                  </a:tcPr>
-                </a:tc>
-                <a:tc>
-                  <a:txBody>
-                    <a:bodyPr/>
-                    <a:lstStyle/>
-                    <a:p>
-                      <a:pPr algn="ctr"/>
-                      <a:r>
-                        <a:rPr lang="en-US" sz="1400" b="0" dirty="0" smtClean="0"/>
+                    </a:p>
+                  </a:txBody>
+                  <a:tcPr anchor="ctr">
+                    <a:lnT w="12700" cap="flat" cmpd="sng" algn="ctr">
+                      <a:solidFill>
+                        <a:schemeClr val="tx1"/>
+                      </a:solidFill>
+                      <a:prstDash val="solid"/>
+                      <a:round/>
+                      <a:headEnd type="none" w="med" len="med"/>
+                      <a:tailEnd type="none" w="med" len="med"/>
+                    </a:lnT>
+                  </a:tcPr>
+                </a:tc>
+                <a:tc>
+                  <a:txBody>
+                    <a:bodyPr/>
+                    <a:lstStyle/>
+                    <a:p>
+                      <a:pPr algn="ctr"/>
+                      <a:r>
+                        <a:rPr lang="en-US" sz="1400" b="0" dirty="0"/>
                         <a:t>25</a:t>
                       </a:r>
-                      <a:endParaRPr lang="en-US" sz="1400" b="0" dirty="0"/>
                     </a:p>
                   </a:txBody>
                   <a:tcPr anchor="ctr">
@@ -17848,7 +17326,7 @@
                         <a:defRPr/>
                       </a:pPr>
                       <a:r>
-                        <a:rPr lang="en-US" sz="1400" b="1" dirty="0" smtClean="0"/>
+                        <a:rPr lang="en-US" sz="1400" b="1" dirty="0"/>
                         <a:t>Total</a:t>
                       </a:r>
                     </a:p>
@@ -17898,382 +17376,367 @@
                     <a:p>
                       <a:pPr algn="ctr"/>
                       <a:r>
-                        <a:rPr lang="en-US" sz="1400" dirty="0" smtClean="0"/>
+                        <a:rPr lang="en-US" sz="1400" dirty="0"/>
                         <a:t>37</a:t>
                       </a:r>
-                      <a:endParaRPr lang="en-US" sz="1400" dirty="0"/>
-                    </a:p>
-                  </a:txBody>
-                  <a:tcPr anchor="ctr">
-                    <a:lnB w="12700" cap="flat" cmpd="sng" algn="ctr">
-                      <a:solidFill>
-                        <a:schemeClr val="tx1"/>
-                      </a:solidFill>
-                      <a:prstDash val="solid"/>
-                      <a:round/>
-                      <a:headEnd type="none" w="med" len="med"/>
-                      <a:tailEnd type="none" w="med" len="med"/>
-                    </a:lnB>
-                  </a:tcPr>
-                </a:tc>
-                <a:tc>
-                  <a:txBody>
-                    <a:bodyPr/>
-                    <a:lstStyle/>
-                    <a:p>
-                      <a:pPr algn="ctr"/>
-                      <a:r>
-                        <a:rPr lang="en-US" sz="1400" dirty="0" smtClean="0"/>
+                    </a:p>
+                  </a:txBody>
+                  <a:tcPr anchor="ctr">
+                    <a:lnB w="12700" cap="flat" cmpd="sng" algn="ctr">
+                      <a:solidFill>
+                        <a:schemeClr val="tx1"/>
+                      </a:solidFill>
+                      <a:prstDash val="solid"/>
+                      <a:round/>
+                      <a:headEnd type="none" w="med" len="med"/>
+                      <a:tailEnd type="none" w="med" len="med"/>
+                    </a:lnB>
+                  </a:tcPr>
+                </a:tc>
+                <a:tc>
+                  <a:txBody>
+                    <a:bodyPr/>
+                    <a:lstStyle/>
+                    <a:p>
+                      <a:pPr algn="ctr"/>
+                      <a:r>
+                        <a:rPr lang="en-US" sz="1400" dirty="0"/>
                         <a:t>19</a:t>
                       </a:r>
-                      <a:endParaRPr lang="en-US" sz="1400" dirty="0"/>
-                    </a:p>
-                  </a:txBody>
-                  <a:tcPr anchor="ctr">
-                    <a:lnB w="12700" cap="flat" cmpd="sng" algn="ctr">
-                      <a:solidFill>
-                        <a:schemeClr val="tx1"/>
-                      </a:solidFill>
-                      <a:prstDash val="solid"/>
-                      <a:round/>
-                      <a:headEnd type="none" w="med" len="med"/>
-                      <a:tailEnd type="none" w="med" len="med"/>
-                    </a:lnB>
-                  </a:tcPr>
-                </a:tc>
-                <a:tc>
-                  <a:txBody>
-                    <a:bodyPr/>
-                    <a:lstStyle/>
-                    <a:p>
-                      <a:pPr algn="ctr"/>
-                      <a:r>
-                        <a:rPr lang="en-US" sz="1400" dirty="0" smtClean="0"/>
+                    </a:p>
+                  </a:txBody>
+                  <a:tcPr anchor="ctr">
+                    <a:lnB w="12700" cap="flat" cmpd="sng" algn="ctr">
+                      <a:solidFill>
+                        <a:schemeClr val="tx1"/>
+                      </a:solidFill>
+                      <a:prstDash val="solid"/>
+                      <a:round/>
+                      <a:headEnd type="none" w="med" len="med"/>
+                      <a:tailEnd type="none" w="med" len="med"/>
+                    </a:lnB>
+                  </a:tcPr>
+                </a:tc>
+                <a:tc>
+                  <a:txBody>
+                    <a:bodyPr/>
+                    <a:lstStyle/>
+                    <a:p>
+                      <a:pPr algn="ctr"/>
+                      <a:r>
+                        <a:rPr lang="en-US" sz="1400" dirty="0"/>
                         <a:t>20</a:t>
                       </a:r>
-                      <a:endParaRPr lang="en-US" sz="1400" dirty="0"/>
-                    </a:p>
-                  </a:txBody>
-                  <a:tcPr anchor="ctr">
-                    <a:lnB w="12700" cap="flat" cmpd="sng" algn="ctr">
-                      <a:solidFill>
-                        <a:schemeClr val="tx1"/>
-                      </a:solidFill>
-                      <a:prstDash val="solid"/>
-                      <a:round/>
-                      <a:headEnd type="none" w="med" len="med"/>
-                      <a:tailEnd type="none" w="med" len="med"/>
-                    </a:lnB>
-                  </a:tcPr>
-                </a:tc>
-                <a:tc>
-                  <a:txBody>
-                    <a:bodyPr/>
-                    <a:lstStyle/>
-                    <a:p>
-                      <a:pPr algn="ctr"/>
-                      <a:r>
-                        <a:rPr lang="en-US" sz="1400" dirty="0" smtClean="0"/>
+                    </a:p>
+                  </a:txBody>
+                  <a:tcPr anchor="ctr">
+                    <a:lnB w="12700" cap="flat" cmpd="sng" algn="ctr">
+                      <a:solidFill>
+                        <a:schemeClr val="tx1"/>
+                      </a:solidFill>
+                      <a:prstDash val="solid"/>
+                      <a:round/>
+                      <a:headEnd type="none" w="med" len="med"/>
+                      <a:tailEnd type="none" w="med" len="med"/>
+                    </a:lnB>
+                  </a:tcPr>
+                </a:tc>
+                <a:tc>
+                  <a:txBody>
+                    <a:bodyPr/>
+                    <a:lstStyle/>
+                    <a:p>
+                      <a:pPr algn="ctr"/>
+                      <a:r>
+                        <a:rPr lang="en-US" sz="1400" dirty="0"/>
                         <a:t>8</a:t>
                       </a:r>
-                      <a:endParaRPr lang="en-US" sz="1400" dirty="0"/>
-                    </a:p>
-                  </a:txBody>
-                  <a:tcPr anchor="ctr">
-                    <a:lnB w="12700" cap="flat" cmpd="sng" algn="ctr">
-                      <a:solidFill>
-                        <a:schemeClr val="tx1"/>
-                      </a:solidFill>
-                      <a:prstDash val="solid"/>
-                      <a:round/>
-                      <a:headEnd type="none" w="med" len="med"/>
-                      <a:tailEnd type="none" w="med" len="med"/>
-                    </a:lnB>
-                  </a:tcPr>
-                </a:tc>
-                <a:tc>
-                  <a:txBody>
-                    <a:bodyPr/>
-                    <a:lstStyle/>
-                    <a:p>
-                      <a:pPr algn="ctr"/>
-                      <a:r>
-                        <a:rPr lang="en-US" sz="1400" dirty="0" smtClean="0"/>
+                    </a:p>
+                  </a:txBody>
+                  <a:tcPr anchor="ctr">
+                    <a:lnB w="12700" cap="flat" cmpd="sng" algn="ctr">
+                      <a:solidFill>
+                        <a:schemeClr val="tx1"/>
+                      </a:solidFill>
+                      <a:prstDash val="solid"/>
+                      <a:round/>
+                      <a:headEnd type="none" w="med" len="med"/>
+                      <a:tailEnd type="none" w="med" len="med"/>
+                    </a:lnB>
+                  </a:tcPr>
+                </a:tc>
+                <a:tc>
+                  <a:txBody>
+                    <a:bodyPr/>
+                    <a:lstStyle/>
+                    <a:p>
+                      <a:pPr algn="ctr"/>
+                      <a:r>
+                        <a:rPr lang="en-US" sz="1400" dirty="0"/>
                         <a:t>7</a:t>
                       </a:r>
-                      <a:endParaRPr lang="en-US" sz="1400" dirty="0"/>
-                    </a:p>
-                  </a:txBody>
-                  <a:tcPr anchor="ctr">
-                    <a:lnB w="12700" cap="flat" cmpd="sng" algn="ctr">
-                      <a:solidFill>
-                        <a:schemeClr val="tx1"/>
-                      </a:solidFill>
-                      <a:prstDash val="solid"/>
-                      <a:round/>
-                      <a:headEnd type="none" w="med" len="med"/>
-                      <a:tailEnd type="none" w="med" len="med"/>
-                    </a:lnB>
-                  </a:tcPr>
-                </a:tc>
-                <a:tc>
-                  <a:txBody>
-                    <a:bodyPr/>
-                    <a:lstStyle/>
-                    <a:p>
-                      <a:pPr algn="ctr"/>
-                      <a:r>
-                        <a:rPr lang="en-US" sz="1400" dirty="0" smtClean="0"/>
+                    </a:p>
+                  </a:txBody>
+                  <a:tcPr anchor="ctr">
+                    <a:lnB w="12700" cap="flat" cmpd="sng" algn="ctr">
+                      <a:solidFill>
+                        <a:schemeClr val="tx1"/>
+                      </a:solidFill>
+                      <a:prstDash val="solid"/>
+                      <a:round/>
+                      <a:headEnd type="none" w="med" len="med"/>
+                      <a:tailEnd type="none" w="med" len="med"/>
+                    </a:lnB>
+                  </a:tcPr>
+                </a:tc>
+                <a:tc>
+                  <a:txBody>
+                    <a:bodyPr/>
+                    <a:lstStyle/>
+                    <a:p>
+                      <a:pPr algn="ctr"/>
+                      <a:r>
+                        <a:rPr lang="en-US" sz="1400" dirty="0"/>
                         <a:t>2</a:t>
                       </a:r>
-                      <a:endParaRPr lang="en-US" sz="1400" dirty="0"/>
-                    </a:p>
-                  </a:txBody>
-                  <a:tcPr anchor="ctr">
-                    <a:lnB w="12700" cap="flat" cmpd="sng" algn="ctr">
-                      <a:solidFill>
-                        <a:schemeClr val="tx1"/>
-                      </a:solidFill>
-                      <a:prstDash val="solid"/>
-                      <a:round/>
-                      <a:headEnd type="none" w="med" len="med"/>
-                      <a:tailEnd type="none" w="med" len="med"/>
-                    </a:lnB>
-                  </a:tcPr>
-                </a:tc>
-                <a:tc>
-                  <a:txBody>
-                    <a:bodyPr/>
-                    <a:lstStyle/>
-                    <a:p>
-                      <a:pPr algn="ctr"/>
-                      <a:r>
-                        <a:rPr lang="en-US" sz="1400" dirty="0" smtClean="0"/>
+                    </a:p>
+                  </a:txBody>
+                  <a:tcPr anchor="ctr">
+                    <a:lnB w="12700" cap="flat" cmpd="sng" algn="ctr">
+                      <a:solidFill>
+                        <a:schemeClr val="tx1"/>
+                      </a:solidFill>
+                      <a:prstDash val="solid"/>
+                      <a:round/>
+                      <a:headEnd type="none" w="med" len="med"/>
+                      <a:tailEnd type="none" w="med" len="med"/>
+                    </a:lnB>
+                  </a:tcPr>
+                </a:tc>
+                <a:tc>
+                  <a:txBody>
+                    <a:bodyPr/>
+                    <a:lstStyle/>
+                    <a:p>
+                      <a:pPr algn="ctr"/>
+                      <a:r>
+                        <a:rPr lang="en-US" sz="1400" dirty="0"/>
                         <a:t>3</a:t>
                       </a:r>
-                      <a:endParaRPr lang="en-US" sz="1400" dirty="0"/>
-                    </a:p>
-                  </a:txBody>
-                  <a:tcPr anchor="ctr">
-                    <a:lnB w="12700" cap="flat" cmpd="sng" algn="ctr">
-                      <a:solidFill>
-                        <a:schemeClr val="tx1"/>
-                      </a:solidFill>
-                      <a:prstDash val="solid"/>
-                      <a:round/>
-                      <a:headEnd type="none" w="med" len="med"/>
-                      <a:tailEnd type="none" w="med" len="med"/>
-                    </a:lnB>
-                  </a:tcPr>
-                </a:tc>
-                <a:tc>
-                  <a:txBody>
-                    <a:bodyPr/>
-                    <a:lstStyle/>
-                    <a:p>
-                      <a:pPr algn="ctr"/>
-                      <a:r>
-                        <a:rPr lang="en-US" sz="1400" dirty="0" smtClean="0"/>
+                    </a:p>
+                  </a:txBody>
+                  <a:tcPr anchor="ctr">
+                    <a:lnB w="12700" cap="flat" cmpd="sng" algn="ctr">
+                      <a:solidFill>
+                        <a:schemeClr val="tx1"/>
+                      </a:solidFill>
+                      <a:prstDash val="solid"/>
+                      <a:round/>
+                      <a:headEnd type="none" w="med" len="med"/>
+                      <a:tailEnd type="none" w="med" len="med"/>
+                    </a:lnB>
+                  </a:tcPr>
+                </a:tc>
+                <a:tc>
+                  <a:txBody>
+                    <a:bodyPr/>
+                    <a:lstStyle/>
+                    <a:p>
+                      <a:pPr algn="ctr"/>
+                      <a:r>
+                        <a:rPr lang="en-US" sz="1400" dirty="0"/>
                         <a:t>4</a:t>
                       </a:r>
-                      <a:endParaRPr lang="en-US" sz="1400" dirty="0"/>
-                    </a:p>
-                  </a:txBody>
-                  <a:tcPr anchor="ctr">
-                    <a:lnB w="12700" cap="flat" cmpd="sng" algn="ctr">
-                      <a:solidFill>
-                        <a:schemeClr val="tx1"/>
-                      </a:solidFill>
-                      <a:prstDash val="solid"/>
-                      <a:round/>
-                      <a:headEnd type="none" w="med" len="med"/>
-                      <a:tailEnd type="none" w="med" len="med"/>
-                    </a:lnB>
-                  </a:tcPr>
-                </a:tc>
-                <a:tc>
-                  <a:txBody>
-                    <a:bodyPr/>
-                    <a:lstStyle/>
-                    <a:p>
-                      <a:pPr algn="ctr"/>
-                      <a:r>
-                        <a:rPr lang="en-US" sz="1400" dirty="0" smtClean="0"/>
+                    </a:p>
+                  </a:txBody>
+                  <a:tcPr anchor="ctr">
+                    <a:lnB w="12700" cap="flat" cmpd="sng" algn="ctr">
+                      <a:solidFill>
+                        <a:schemeClr val="tx1"/>
+                      </a:solidFill>
+                      <a:prstDash val="solid"/>
+                      <a:round/>
+                      <a:headEnd type="none" w="med" len="med"/>
+                      <a:tailEnd type="none" w="med" len="med"/>
+                    </a:lnB>
+                  </a:tcPr>
+                </a:tc>
+                <a:tc>
+                  <a:txBody>
+                    <a:bodyPr/>
+                    <a:lstStyle/>
+                    <a:p>
+                      <a:pPr algn="ctr"/>
+                      <a:r>
+                        <a:rPr lang="en-US" sz="1400" dirty="0"/>
                         <a:t>4</a:t>
                       </a:r>
-                      <a:endParaRPr lang="en-US" sz="1400" dirty="0"/>
-                    </a:p>
-                  </a:txBody>
-                  <a:tcPr anchor="ctr">
-                    <a:lnB w="12700" cap="flat" cmpd="sng" algn="ctr">
-                      <a:solidFill>
-                        <a:schemeClr val="tx1"/>
-                      </a:solidFill>
-                      <a:prstDash val="solid"/>
-                      <a:round/>
-                      <a:headEnd type="none" w="med" len="med"/>
-                      <a:tailEnd type="none" w="med" len="med"/>
-                    </a:lnB>
-                  </a:tcPr>
-                </a:tc>
-                <a:tc>
-                  <a:txBody>
-                    <a:bodyPr/>
-                    <a:lstStyle/>
-                    <a:p>
-                      <a:pPr algn="ctr"/>
-                      <a:r>
-                        <a:rPr lang="en-US" sz="1400" dirty="0" smtClean="0"/>
+                    </a:p>
+                  </a:txBody>
+                  <a:tcPr anchor="ctr">
+                    <a:lnB w="12700" cap="flat" cmpd="sng" algn="ctr">
+                      <a:solidFill>
+                        <a:schemeClr val="tx1"/>
+                      </a:solidFill>
+                      <a:prstDash val="solid"/>
+                      <a:round/>
+                      <a:headEnd type="none" w="med" len="med"/>
+                      <a:tailEnd type="none" w="med" len="med"/>
+                    </a:lnB>
+                  </a:tcPr>
+                </a:tc>
+                <a:tc>
+                  <a:txBody>
+                    <a:bodyPr/>
+                    <a:lstStyle/>
+                    <a:p>
+                      <a:pPr algn="ctr"/>
+                      <a:r>
+                        <a:rPr lang="en-US" sz="1400" dirty="0"/>
                         <a:t>4</a:t>
                       </a:r>
-                      <a:endParaRPr lang="en-US" sz="1400" dirty="0"/>
-                    </a:p>
-                  </a:txBody>
-                  <a:tcPr anchor="ctr">
-                    <a:lnB w="12700" cap="flat" cmpd="sng" algn="ctr">
-                      <a:solidFill>
-                        <a:schemeClr val="tx1"/>
-                      </a:solidFill>
-                      <a:prstDash val="solid"/>
-                      <a:round/>
-                      <a:headEnd type="none" w="med" len="med"/>
-                      <a:tailEnd type="none" w="med" len="med"/>
-                    </a:lnB>
-                  </a:tcPr>
-                </a:tc>
-                <a:tc>
-                  <a:txBody>
-                    <a:bodyPr/>
-                    <a:lstStyle/>
-                    <a:p>
-                      <a:pPr algn="ctr"/>
-                      <a:r>
-                        <a:rPr lang="en-US" sz="1400" dirty="0" smtClean="0"/>
+                    </a:p>
+                  </a:txBody>
+                  <a:tcPr anchor="ctr">
+                    <a:lnB w="12700" cap="flat" cmpd="sng" algn="ctr">
+                      <a:solidFill>
+                        <a:schemeClr val="tx1"/>
+                      </a:solidFill>
+                      <a:prstDash val="solid"/>
+                      <a:round/>
+                      <a:headEnd type="none" w="med" len="med"/>
+                      <a:tailEnd type="none" w="med" len="med"/>
+                    </a:lnB>
+                  </a:tcPr>
+                </a:tc>
+                <a:tc>
+                  <a:txBody>
+                    <a:bodyPr/>
+                    <a:lstStyle/>
+                    <a:p>
+                      <a:pPr algn="ctr"/>
+                      <a:r>
+                        <a:rPr lang="en-US" sz="1400" dirty="0"/>
                         <a:t>2</a:t>
                       </a:r>
-                      <a:endParaRPr lang="en-US" sz="1400" dirty="0"/>
-                    </a:p>
-                  </a:txBody>
-                  <a:tcPr anchor="ctr">
-                    <a:lnB w="12700" cap="flat" cmpd="sng" algn="ctr">
-                      <a:solidFill>
-                        <a:schemeClr val="tx1"/>
-                      </a:solidFill>
-                      <a:prstDash val="solid"/>
-                      <a:round/>
-                      <a:headEnd type="none" w="med" len="med"/>
-                      <a:tailEnd type="none" w="med" len="med"/>
-                    </a:lnB>
-                  </a:tcPr>
-                </a:tc>
-                <a:tc>
-                  <a:txBody>
-                    <a:bodyPr/>
-                    <a:lstStyle/>
-                    <a:p>
-                      <a:pPr algn="ctr"/>
-                      <a:r>
-                        <a:rPr lang="en-US" sz="1400" dirty="0" smtClean="0"/>
+                    </a:p>
+                  </a:txBody>
+                  <a:tcPr anchor="ctr">
+                    <a:lnB w="12700" cap="flat" cmpd="sng" algn="ctr">
+                      <a:solidFill>
+                        <a:schemeClr val="tx1"/>
+                      </a:solidFill>
+                      <a:prstDash val="solid"/>
+                      <a:round/>
+                      <a:headEnd type="none" w="med" len="med"/>
+                      <a:tailEnd type="none" w="med" len="med"/>
+                    </a:lnB>
+                  </a:tcPr>
+                </a:tc>
+                <a:tc>
+                  <a:txBody>
+                    <a:bodyPr/>
+                    <a:lstStyle/>
+                    <a:p>
+                      <a:pPr algn="ctr"/>
+                      <a:r>
+                        <a:rPr lang="en-US" sz="1400" dirty="0"/>
                         <a:t>3</a:t>
                       </a:r>
-                      <a:endParaRPr lang="en-US" sz="1400" dirty="0"/>
-                    </a:p>
-                  </a:txBody>
-                  <a:tcPr anchor="ctr">
-                    <a:lnB w="12700" cap="flat" cmpd="sng" algn="ctr">
-                      <a:solidFill>
-                        <a:schemeClr val="tx1"/>
-                      </a:solidFill>
-                      <a:prstDash val="solid"/>
-                      <a:round/>
-                      <a:headEnd type="none" w="med" len="med"/>
-                      <a:tailEnd type="none" w="med" len="med"/>
-                    </a:lnB>
-                  </a:tcPr>
-                </a:tc>
-                <a:tc>
-                  <a:txBody>
-                    <a:bodyPr/>
-                    <a:lstStyle/>
-                    <a:p>
-                      <a:pPr algn="ctr"/>
-                      <a:r>
-                        <a:rPr lang="en-US" sz="1400" dirty="0" smtClean="0"/>
+                    </a:p>
+                  </a:txBody>
+                  <a:tcPr anchor="ctr">
+                    <a:lnB w="12700" cap="flat" cmpd="sng" algn="ctr">
+                      <a:solidFill>
+                        <a:schemeClr val="tx1"/>
+                      </a:solidFill>
+                      <a:prstDash val="solid"/>
+                      <a:round/>
+                      <a:headEnd type="none" w="med" len="med"/>
+                      <a:tailEnd type="none" w="med" len="med"/>
+                    </a:lnB>
+                  </a:tcPr>
+                </a:tc>
+                <a:tc>
+                  <a:txBody>
+                    <a:bodyPr/>
+                    <a:lstStyle/>
+                    <a:p>
+                      <a:pPr algn="ctr"/>
+                      <a:r>
+                        <a:rPr lang="en-US" sz="1400" dirty="0"/>
                         <a:t>1</a:t>
                       </a:r>
-                      <a:endParaRPr lang="en-US" sz="1400" dirty="0"/>
-                    </a:p>
-                  </a:txBody>
-                  <a:tcPr anchor="ctr">
-                    <a:lnB w="12700" cap="flat" cmpd="sng" algn="ctr">
-                      <a:solidFill>
-                        <a:schemeClr val="tx1"/>
-                      </a:solidFill>
-                      <a:prstDash val="solid"/>
-                      <a:round/>
-                      <a:headEnd type="none" w="med" len="med"/>
-                      <a:tailEnd type="none" w="med" len="med"/>
-                    </a:lnB>
-                  </a:tcPr>
-                </a:tc>
-                <a:tc>
-                  <a:txBody>
-                    <a:bodyPr/>
-                    <a:lstStyle/>
-                    <a:p>
-                      <a:pPr algn="ctr"/>
-                      <a:r>
-                        <a:rPr lang="en-US" sz="1400" dirty="0" smtClean="0"/>
+                    </a:p>
+                  </a:txBody>
+                  <a:tcPr anchor="ctr">
+                    <a:lnB w="12700" cap="flat" cmpd="sng" algn="ctr">
+                      <a:solidFill>
+                        <a:schemeClr val="tx1"/>
+                      </a:solidFill>
+                      <a:prstDash val="solid"/>
+                      <a:round/>
+                      <a:headEnd type="none" w="med" len="med"/>
+                      <a:tailEnd type="none" w="med" len="med"/>
+                    </a:lnB>
+                  </a:tcPr>
+                </a:tc>
+                <a:tc>
+                  <a:txBody>
+                    <a:bodyPr/>
+                    <a:lstStyle/>
+                    <a:p>
+                      <a:pPr algn="ctr"/>
+                      <a:r>
+                        <a:rPr lang="en-US" sz="1400" dirty="0"/>
                         <a:t>1</a:t>
                       </a:r>
-                      <a:endParaRPr lang="en-US" sz="1400" dirty="0"/>
-                    </a:p>
-                  </a:txBody>
-                  <a:tcPr anchor="ctr">
-                    <a:lnB w="12700" cap="flat" cmpd="sng" algn="ctr">
-                      <a:solidFill>
-                        <a:schemeClr val="tx1"/>
-                      </a:solidFill>
-                      <a:prstDash val="solid"/>
-                      <a:round/>
-                      <a:headEnd type="none" w="med" len="med"/>
-                      <a:tailEnd type="none" w="med" len="med"/>
-                    </a:lnB>
-                  </a:tcPr>
-                </a:tc>
-                <a:tc>
-                  <a:txBody>
-                    <a:bodyPr/>
-                    <a:lstStyle/>
-                    <a:p>
-                      <a:pPr algn="ctr"/>
-                      <a:r>
-                        <a:rPr lang="en-US" sz="1400" dirty="0" smtClean="0"/>
+                    </a:p>
+                  </a:txBody>
+                  <a:tcPr anchor="ctr">
+                    <a:lnB w="12700" cap="flat" cmpd="sng" algn="ctr">
+                      <a:solidFill>
+                        <a:schemeClr val="tx1"/>
+                      </a:solidFill>
+                      <a:prstDash val="solid"/>
+                      <a:round/>
+                      <a:headEnd type="none" w="med" len="med"/>
+                      <a:tailEnd type="none" w="med" len="med"/>
+                    </a:lnB>
+                  </a:tcPr>
+                </a:tc>
+                <a:tc>
+                  <a:txBody>
+                    <a:bodyPr/>
+                    <a:lstStyle/>
+                    <a:p>
+                      <a:pPr algn="ctr"/>
+                      <a:r>
+                        <a:rPr lang="en-US" sz="1400" dirty="0"/>
                         <a:t>1</a:t>
                       </a:r>
-                      <a:endParaRPr lang="en-US" sz="1400" dirty="0"/>
-                    </a:p>
-                  </a:txBody>
-                  <a:tcPr anchor="ctr">
-                    <a:lnB w="12700" cap="flat" cmpd="sng" algn="ctr">
-                      <a:solidFill>
-                        <a:schemeClr val="tx1"/>
-                      </a:solidFill>
-                      <a:prstDash val="solid"/>
-                      <a:round/>
-                      <a:headEnd type="none" w="med" len="med"/>
-                      <a:tailEnd type="none" w="med" len="med"/>
-                    </a:lnB>
-                  </a:tcPr>
-                </a:tc>
-                <a:tc>
-                  <a:txBody>
-                    <a:bodyPr/>
-                    <a:lstStyle/>
-                    <a:p>
-                      <a:pPr algn="ctr"/>
-                      <a:r>
-                        <a:rPr lang="en-US" sz="1400" dirty="0" smtClean="0">
+                    </a:p>
+                  </a:txBody>
+                  <a:tcPr anchor="ctr">
+                    <a:lnB w="12700" cap="flat" cmpd="sng" algn="ctr">
+                      <a:solidFill>
+                        <a:schemeClr val="tx1"/>
+                      </a:solidFill>
+                      <a:prstDash val="solid"/>
+                      <a:round/>
+                      <a:headEnd type="none" w="med" len="med"/>
+                      <a:tailEnd type="none" w="med" len="med"/>
+                    </a:lnB>
+                  </a:tcPr>
+                </a:tc>
+                <a:tc>
+                  <a:txBody>
+                    <a:bodyPr/>
+                    <a:lstStyle/>
+                    <a:p>
+                      <a:pPr algn="ctr"/>
+                      <a:r>
+                        <a:rPr lang="en-US" sz="1400" dirty="0">
                           <a:solidFill>
                             <a:schemeClr val="bg1">
                               <a:lumMod val="50000"/>
@@ -18282,60 +17745,52 @@
                         </a:rPr>
                         <a:t>-</a:t>
                       </a:r>
-                      <a:endParaRPr lang="en-US" sz="1400" dirty="0">
-                        <a:solidFill>
-                          <a:schemeClr val="bg1">
-                            <a:lumMod val="50000"/>
-                          </a:schemeClr>
-                        </a:solidFill>
-                      </a:endParaRPr>
-                    </a:p>
-                  </a:txBody>
-                  <a:tcPr anchor="ctr">
-                    <a:lnB w="12700" cap="flat" cmpd="sng" algn="ctr">
-                      <a:solidFill>
-                        <a:schemeClr val="tx1"/>
-                      </a:solidFill>
-                      <a:prstDash val="solid"/>
-                      <a:round/>
-                      <a:headEnd type="none" w="med" len="med"/>
-                      <a:tailEnd type="none" w="med" len="med"/>
-                    </a:lnB>
-                  </a:tcPr>
-                </a:tc>
-                <a:tc>
-                  <a:txBody>
-                    <a:bodyPr/>
-                    <a:lstStyle/>
-                    <a:p>
-                      <a:pPr algn="ctr"/>
-                      <a:r>
-                        <a:rPr lang="en-US" sz="1400" dirty="0" smtClean="0"/>
+                    </a:p>
+                  </a:txBody>
+                  <a:tcPr anchor="ctr">
+                    <a:lnB w="12700" cap="flat" cmpd="sng" algn="ctr">
+                      <a:solidFill>
+                        <a:schemeClr val="tx1"/>
+                      </a:solidFill>
+                      <a:prstDash val="solid"/>
+                      <a:round/>
+                      <a:headEnd type="none" w="med" len="med"/>
+                      <a:tailEnd type="none" w="med" len="med"/>
+                    </a:lnB>
+                  </a:tcPr>
+                </a:tc>
+                <a:tc>
+                  <a:txBody>
+                    <a:bodyPr/>
+                    <a:lstStyle/>
+                    <a:p>
+                      <a:pPr algn="ctr"/>
+                      <a:r>
+                        <a:rPr lang="en-US" sz="1400" dirty="0"/>
                         <a:t>1</a:t>
                       </a:r>
-                      <a:endParaRPr lang="en-US" sz="1400" dirty="0"/>
-                    </a:p>
-                  </a:txBody>
-                  <a:tcPr anchor="ctr">
-                    <a:lnB w="12700" cap="flat" cmpd="sng" algn="ctr">
-                      <a:solidFill>
-                        <a:schemeClr val="tx1"/>
-                      </a:solidFill>
-                      <a:prstDash val="solid"/>
-                      <a:round/>
-                      <a:headEnd type="none" w="med" len="med"/>
-                      <a:tailEnd type="none" w="med" len="med"/>
-                    </a:lnB>
-                  </a:tcPr>
-                </a:tc>
-                <a:tc>
-                  <a:txBody>
-                    <a:bodyPr/>
-                    <a:lstStyle/>
-                    <a:p>
-                      <a:pPr algn="ctr"/>
-                      <a:r>
-                        <a:rPr lang="en-US" sz="1400" dirty="0" smtClean="0">
+                    </a:p>
+                  </a:txBody>
+                  <a:tcPr anchor="ctr">
+                    <a:lnB w="12700" cap="flat" cmpd="sng" algn="ctr">
+                      <a:solidFill>
+                        <a:schemeClr val="tx1"/>
+                      </a:solidFill>
+                      <a:prstDash val="solid"/>
+                      <a:round/>
+                      <a:headEnd type="none" w="med" len="med"/>
+                      <a:tailEnd type="none" w="med" len="med"/>
+                    </a:lnB>
+                  </a:tcPr>
+                </a:tc>
+                <a:tc>
+                  <a:txBody>
+                    <a:bodyPr/>
+                    <a:lstStyle/>
+                    <a:p>
+                      <a:pPr algn="ctr"/>
+                      <a:r>
+                        <a:rPr lang="en-US" sz="1400" dirty="0">
                           <a:solidFill>
                             <a:schemeClr val="bg1">
                               <a:lumMod val="50000"/>
@@ -18344,35 +17799,28 @@
                         </a:rPr>
                         <a:t>-</a:t>
                       </a:r>
-                      <a:endParaRPr lang="en-US" sz="1400" dirty="0">
-                        <a:solidFill>
-                          <a:schemeClr val="bg1">
-                            <a:lumMod val="50000"/>
-                          </a:schemeClr>
-                        </a:solidFill>
-                      </a:endParaRPr>
-                    </a:p>
-                  </a:txBody>
-                  <a:tcPr anchor="ctr">
-                    <a:lnB w="12700" cap="flat" cmpd="sng" algn="ctr">
-                      <a:solidFill>
-                        <a:schemeClr val="tx1"/>
-                      </a:solidFill>
-                      <a:prstDash val="solid"/>
-                      <a:round/>
-                      <a:headEnd type="none" w="med" len="med"/>
-                      <a:tailEnd type="none" w="med" len="med"/>
-                    </a:lnB>
-                  </a:tcPr>
-                </a:tc>
-                <a:tc>
-                  <a:txBody>
-                    <a:bodyPr/>
-                    <a:lstStyle/>
-                    <a:p>
-                      <a:pPr algn="ctr"/>
-                      <a:r>
-                        <a:rPr lang="en-US" sz="1400" dirty="0" smtClean="0">
+                    </a:p>
+                  </a:txBody>
+                  <a:tcPr anchor="ctr">
+                    <a:lnB w="12700" cap="flat" cmpd="sng" algn="ctr">
+                      <a:solidFill>
+                        <a:schemeClr val="tx1"/>
+                      </a:solidFill>
+                      <a:prstDash val="solid"/>
+                      <a:round/>
+                      <a:headEnd type="none" w="med" len="med"/>
+                      <a:tailEnd type="none" w="med" len="med"/>
+                    </a:lnB>
+                  </a:tcPr>
+                </a:tc>
+                <a:tc>
+                  <a:txBody>
+                    <a:bodyPr/>
+                    <a:lstStyle/>
+                    <a:p>
+                      <a:pPr algn="ctr"/>
+                      <a:r>
+                        <a:rPr lang="en-US" sz="1400" dirty="0">
                           <a:solidFill>
                             <a:schemeClr val="bg1">
                               <a:lumMod val="50000"/>
@@ -18381,60 +17829,52 @@
                         </a:rPr>
                         <a:t>-</a:t>
                       </a:r>
-                      <a:endParaRPr lang="en-US" sz="1400" dirty="0">
-                        <a:solidFill>
-                          <a:schemeClr val="bg1">
-                            <a:lumMod val="50000"/>
-                          </a:schemeClr>
-                        </a:solidFill>
-                      </a:endParaRPr>
-                    </a:p>
-                  </a:txBody>
-                  <a:tcPr anchor="ctr">
-                    <a:lnB w="12700" cap="flat" cmpd="sng" algn="ctr">
-                      <a:solidFill>
-                        <a:schemeClr val="tx1"/>
-                      </a:solidFill>
-                      <a:prstDash val="solid"/>
-                      <a:round/>
-                      <a:headEnd type="none" w="med" len="med"/>
-                      <a:tailEnd type="none" w="med" len="med"/>
-                    </a:lnB>
-                  </a:tcPr>
-                </a:tc>
-                <a:tc>
-                  <a:txBody>
-                    <a:bodyPr/>
-                    <a:lstStyle/>
-                    <a:p>
-                      <a:pPr algn="ctr"/>
-                      <a:r>
-                        <a:rPr lang="en-US" sz="1400" dirty="0" smtClean="0"/>
+                    </a:p>
+                  </a:txBody>
+                  <a:tcPr anchor="ctr">
+                    <a:lnB w="12700" cap="flat" cmpd="sng" algn="ctr">
+                      <a:solidFill>
+                        <a:schemeClr val="tx1"/>
+                      </a:solidFill>
+                      <a:prstDash val="solid"/>
+                      <a:round/>
+                      <a:headEnd type="none" w="med" len="med"/>
+                      <a:tailEnd type="none" w="med" len="med"/>
+                    </a:lnB>
+                  </a:tcPr>
+                </a:tc>
+                <a:tc>
+                  <a:txBody>
+                    <a:bodyPr/>
+                    <a:lstStyle/>
+                    <a:p>
+                      <a:pPr algn="ctr"/>
+                      <a:r>
+                        <a:rPr lang="en-US" sz="1400" dirty="0"/>
                         <a:t>1</a:t>
                       </a:r>
-                      <a:endParaRPr lang="en-US" sz="1400" dirty="0"/>
-                    </a:p>
-                  </a:txBody>
-                  <a:tcPr anchor="ctr">
-                    <a:lnB w="12700" cap="flat" cmpd="sng" algn="ctr">
-                      <a:solidFill>
-                        <a:schemeClr val="tx1"/>
-                      </a:solidFill>
-                      <a:prstDash val="solid"/>
-                      <a:round/>
-                      <a:headEnd type="none" w="med" len="med"/>
-                      <a:tailEnd type="none" w="med" len="med"/>
-                    </a:lnB>
-                  </a:tcPr>
-                </a:tc>
-                <a:tc>
-                  <a:txBody>
-                    <a:bodyPr/>
-                    <a:lstStyle/>
-                    <a:p>
-                      <a:pPr algn="ctr"/>
-                      <a:r>
-                        <a:rPr lang="en-US" sz="1400" dirty="0" smtClean="0">
+                    </a:p>
+                  </a:txBody>
+                  <a:tcPr anchor="ctr">
+                    <a:lnB w="12700" cap="flat" cmpd="sng" algn="ctr">
+                      <a:solidFill>
+                        <a:schemeClr val="tx1"/>
+                      </a:solidFill>
+                      <a:prstDash val="solid"/>
+                      <a:round/>
+                      <a:headEnd type="none" w="med" len="med"/>
+                      <a:tailEnd type="none" w="med" len="med"/>
+                    </a:lnB>
+                  </a:tcPr>
+                </a:tc>
+                <a:tc>
+                  <a:txBody>
+                    <a:bodyPr/>
+                    <a:lstStyle/>
+                    <a:p>
+                      <a:pPr algn="ctr"/>
+                      <a:r>
+                        <a:rPr lang="en-US" sz="1400" dirty="0">
                           <a:solidFill>
                             <a:schemeClr val="bg1">
                               <a:lumMod val="50000"/>
@@ -18443,35 +17883,28 @@
                         </a:rPr>
                         <a:t>-</a:t>
                       </a:r>
-                      <a:endParaRPr lang="en-US" sz="1400" dirty="0">
-                        <a:solidFill>
-                          <a:schemeClr val="bg1">
-                            <a:lumMod val="50000"/>
-                          </a:schemeClr>
-                        </a:solidFill>
-                      </a:endParaRPr>
-                    </a:p>
-                  </a:txBody>
-                  <a:tcPr anchor="ctr">
-                    <a:lnB w="12700" cap="flat" cmpd="sng" algn="ctr">
-                      <a:solidFill>
-                        <a:schemeClr val="tx1"/>
-                      </a:solidFill>
-                      <a:prstDash val="solid"/>
-                      <a:round/>
-                      <a:headEnd type="none" w="med" len="med"/>
-                      <a:tailEnd type="none" w="med" len="med"/>
-                    </a:lnB>
-                  </a:tcPr>
-                </a:tc>
-                <a:tc>
-                  <a:txBody>
-                    <a:bodyPr/>
-                    <a:lstStyle/>
-                    <a:p>
-                      <a:pPr algn="ctr"/>
-                      <a:r>
-                        <a:rPr lang="en-US" sz="1400" dirty="0" smtClean="0">
+                    </a:p>
+                  </a:txBody>
+                  <a:tcPr anchor="ctr">
+                    <a:lnB w="12700" cap="flat" cmpd="sng" algn="ctr">
+                      <a:solidFill>
+                        <a:schemeClr val="tx1"/>
+                      </a:solidFill>
+                      <a:prstDash val="solid"/>
+                      <a:round/>
+                      <a:headEnd type="none" w="med" len="med"/>
+                      <a:tailEnd type="none" w="med" len="med"/>
+                    </a:lnB>
+                  </a:tcPr>
+                </a:tc>
+                <a:tc>
+                  <a:txBody>
+                    <a:bodyPr/>
+                    <a:lstStyle/>
+                    <a:p>
+                      <a:pPr algn="ctr"/>
+                      <a:r>
+                        <a:rPr lang="en-US" sz="1400" dirty="0">
                           <a:solidFill>
                             <a:schemeClr val="bg1">
                               <a:lumMod val="50000"/>
@@ -18480,85 +17913,76 @@
                         </a:rPr>
                         <a:t>-</a:t>
                       </a:r>
-                      <a:endParaRPr lang="en-US" sz="1400" dirty="0">
-                        <a:solidFill>
-                          <a:schemeClr val="bg1">
-                            <a:lumMod val="50000"/>
-                          </a:schemeClr>
-                        </a:solidFill>
-                      </a:endParaRPr>
-                    </a:p>
-                  </a:txBody>
-                  <a:tcPr anchor="ctr">
-                    <a:lnB w="12700" cap="flat" cmpd="sng" algn="ctr">
-                      <a:solidFill>
-                        <a:schemeClr val="tx1"/>
-                      </a:solidFill>
-                      <a:prstDash val="solid"/>
-                      <a:round/>
-                      <a:headEnd type="none" w="med" len="med"/>
-                      <a:tailEnd type="none" w="med" len="med"/>
-                    </a:lnB>
-                  </a:tcPr>
-                </a:tc>
-                <a:tc>
-                  <a:txBody>
-                    <a:bodyPr/>
-                    <a:lstStyle/>
-                    <a:p>
-                      <a:pPr algn="ctr"/>
-                      <a:r>
-                        <a:rPr lang="en-US" sz="1400" dirty="0" smtClean="0"/>
+                    </a:p>
+                  </a:txBody>
+                  <a:tcPr anchor="ctr">
+                    <a:lnB w="12700" cap="flat" cmpd="sng" algn="ctr">
+                      <a:solidFill>
+                        <a:schemeClr val="tx1"/>
+                      </a:solidFill>
+                      <a:prstDash val="solid"/>
+                      <a:round/>
+                      <a:headEnd type="none" w="med" len="med"/>
+                      <a:tailEnd type="none" w="med" len="med"/>
+                    </a:lnB>
+                  </a:tcPr>
+                </a:tc>
+                <a:tc>
+                  <a:txBody>
+                    <a:bodyPr/>
+                    <a:lstStyle/>
+                    <a:p>
+                      <a:pPr algn="ctr"/>
+                      <a:r>
+                        <a:rPr lang="en-US" sz="1400" dirty="0"/>
                         <a:t>1</a:t>
                       </a:r>
-                      <a:endParaRPr lang="en-US" sz="1400" dirty="0"/>
-                    </a:p>
-                  </a:txBody>
-                  <a:tcPr anchor="ctr">
-                    <a:lnB w="12700" cap="flat" cmpd="sng" algn="ctr">
-                      <a:solidFill>
-                        <a:schemeClr val="tx1"/>
-                      </a:solidFill>
-                      <a:prstDash val="solid"/>
-                      <a:round/>
-                      <a:headEnd type="none" w="med" len="med"/>
-                      <a:tailEnd type="none" w="med" len="med"/>
-                    </a:lnB>
-                  </a:tcPr>
-                </a:tc>
-                <a:tc>
-                  <a:txBody>
-                    <a:bodyPr/>
-                    <a:lstStyle/>
-                    <a:p>
-                      <a:pPr algn="ctr"/>
-                      <a:r>
-                        <a:rPr lang="en-US" sz="1400" dirty="0" smtClean="0"/>
+                    </a:p>
+                  </a:txBody>
+                  <a:tcPr anchor="ctr">
+                    <a:lnB w="12700" cap="flat" cmpd="sng" algn="ctr">
+                      <a:solidFill>
+                        <a:schemeClr val="tx1"/>
+                      </a:solidFill>
+                      <a:prstDash val="solid"/>
+                      <a:round/>
+                      <a:headEnd type="none" w="med" len="med"/>
+                      <a:tailEnd type="none" w="med" len="med"/>
+                    </a:lnB>
+                  </a:tcPr>
+                </a:tc>
+                <a:tc>
+                  <a:txBody>
+                    <a:bodyPr/>
+                    <a:lstStyle/>
+                    <a:p>
+                      <a:pPr algn="ctr"/>
+                      <a:r>
+                        <a:rPr lang="en-US" sz="1400" dirty="0"/>
                         <a:t>1</a:t>
                       </a:r>
-                      <a:endParaRPr lang="en-US" sz="1400" dirty="0"/>
-                    </a:p>
-                  </a:txBody>
-                  <a:tcPr anchor="ctr">
-                    <a:lnB w="12700" cap="flat" cmpd="sng" algn="ctr">
-                      <a:solidFill>
-                        <a:schemeClr val="tx1"/>
-                      </a:solidFill>
-                      <a:prstDash val="solid"/>
-                      <a:round/>
-                      <a:headEnd type="none" w="med" len="med"/>
-                      <a:tailEnd type="none" w="med" len="med"/>
-                    </a:lnB>
-                  </a:tcPr>
-                </a:tc>
-                <a:tc>
-                  <a:txBody>
-                    <a:bodyPr/>
-                    <a:lstStyle/>
-                    <a:p>
-                      <a:pPr algn="ctr"/>
-                      <a:r>
-                        <a:rPr lang="en-US" sz="1400" dirty="0" smtClean="0">
+                    </a:p>
+                  </a:txBody>
+                  <a:tcPr anchor="ctr">
+                    <a:lnB w="12700" cap="flat" cmpd="sng" algn="ctr">
+                      <a:solidFill>
+                        <a:schemeClr val="tx1"/>
+                      </a:solidFill>
+                      <a:prstDash val="solid"/>
+                      <a:round/>
+                      <a:headEnd type="none" w="med" len="med"/>
+                      <a:tailEnd type="none" w="med" len="med"/>
+                    </a:lnB>
+                  </a:tcPr>
+                </a:tc>
+                <a:tc>
+                  <a:txBody>
+                    <a:bodyPr/>
+                    <a:lstStyle/>
+                    <a:p>
+                      <a:pPr algn="ctr"/>
+                      <a:r>
+                        <a:rPr lang="en-US" sz="1400" dirty="0">
                           <a:solidFill>
                             <a:schemeClr val="bg1">
                               <a:lumMod val="50000"/>
@@ -18567,38 +17991,30 @@
                         </a:rPr>
                         <a:t>-</a:t>
                       </a:r>
-                      <a:endParaRPr lang="en-US" sz="1400" dirty="0">
-                        <a:solidFill>
-                          <a:schemeClr val="bg1">
-                            <a:lumMod val="50000"/>
-                          </a:schemeClr>
-                        </a:solidFill>
-                      </a:endParaRPr>
-                    </a:p>
-                  </a:txBody>
-                  <a:tcPr anchor="ctr">
-                    <a:lnB w="12700" cap="flat" cmpd="sng" algn="ctr">
-                      <a:solidFill>
-                        <a:schemeClr val="tx1"/>
-                      </a:solidFill>
-                      <a:prstDash val="solid"/>
-                      <a:round/>
-                      <a:headEnd type="none" w="med" len="med"/>
-                      <a:tailEnd type="none" w="med" len="med"/>
-                    </a:lnB>
-                  </a:tcPr>
-                </a:tc>
-                <a:tc>
-                  <a:txBody>
-                    <a:bodyPr/>
-                    <a:lstStyle/>
-                    <a:p>
-                      <a:pPr algn="ctr"/>
-                      <a:r>
-                        <a:rPr lang="en-US" sz="1400" dirty="0" smtClean="0"/>
+                    </a:p>
+                  </a:txBody>
+                  <a:tcPr anchor="ctr">
+                    <a:lnB w="12700" cap="flat" cmpd="sng" algn="ctr">
+                      <a:solidFill>
+                        <a:schemeClr val="tx1"/>
+                      </a:solidFill>
+                      <a:prstDash val="solid"/>
+                      <a:round/>
+                      <a:headEnd type="none" w="med" len="med"/>
+                      <a:tailEnd type="none" w="med" len="med"/>
+                    </a:lnB>
+                  </a:tcPr>
+                </a:tc>
+                <a:tc>
+                  <a:txBody>
+                    <a:bodyPr/>
+                    <a:lstStyle/>
+                    <a:p>
+                      <a:pPr algn="ctr"/>
+                      <a:r>
+                        <a:rPr lang="en-US" sz="1400" dirty="0"/>
                         <a:t>116</a:t>
                       </a:r>
-                      <a:endParaRPr lang="en-US" sz="1400" dirty="0"/>
                     </a:p>
                   </a:txBody>
                   <a:tcPr anchor="ctr">
@@ -18654,18 +18070,9 @@
           <a:lstStyle/>
           <a:p>
             <a:r>
-              <a:rPr lang="en-US" dirty="0" smtClean="0"/>
-              <a:t>Number of </a:t>
+              <a:rPr lang="en-US" dirty="0"/>
+              <a:t>Number of *Index SNPs* that pair to n genes:</a:t>
             </a:r>
-            <a:r>
-              <a:rPr lang="en-US" dirty="0" smtClean="0"/>
-              <a:t>*Index SNPs* </a:t>
-            </a:r>
-            <a:r>
-              <a:rPr lang="en-US" dirty="0" smtClean="0"/>
-              <a:t>that pair to n genes:</a:t>
-            </a:r>
-            <a:endParaRPr lang="en-US" dirty="0"/>
           </a:p>
         </p:txBody>
       </p:sp>
@@ -18772,10 +18179,9 @@
                     <a:p>
                       <a:pPr algn="ctr"/>
                       <a:r>
-                        <a:rPr lang="en-US" sz="1800" dirty="0" smtClean="0"/>
+                        <a:rPr lang="en-US" sz="1800" dirty="0"/>
                         <a:t>Hippocampus</a:t>
                       </a:r>
-                      <a:endParaRPr lang="en-US" sz="1800" dirty="0"/>
                     </a:p>
                   </a:txBody>
                   <a:tcPr anchor="ctr">
@@ -18883,13 +18289,8 @@
                       <a:pPr algn="l"/>
                       <a:r>
                         <a:rPr lang="en-US" sz="1800" dirty="0"/>
-                        <a:t># </a:t>
-                      </a:r>
-                      <a:r>
-                        <a:rPr lang="en-US" sz="1800" dirty="0" smtClean="0"/>
-                        <a:t>unique SNPs (unique index SNPs)</a:t>
-                      </a:r>
-                      <a:endParaRPr lang="en-US" sz="1800" dirty="0"/>
+                        <a:t># unique SNPs (unique index SNPs)</a:t>
+                      </a:r>
                     </a:p>
                   </a:txBody>
                   <a:tcPr anchor="ctr">
@@ -18938,14 +18339,9 @@
                     <a:p>
                       <a:pPr algn="ctr"/>
                       <a:r>
-                        <a:rPr lang="en-US" sz="1600" dirty="0" smtClean="0"/>
-                        <a:t>5510 </a:t>
-                      </a:r>
-                      <a:r>
-                        <a:rPr lang="en-US" sz="1600" dirty="0" smtClean="0"/>
-                        <a:t>(103)</a:t>
-                      </a:r>
-                      <a:endParaRPr lang="en-US" sz="1600" dirty="0"/>
+                        <a:rPr lang="en-US" sz="1600" dirty="0"/>
+                        <a:t>5510 (103)</a:t>
+                      </a:r>
                     </a:p>
                   </a:txBody>
                   <a:tcPr anchor="ctr">
@@ -18994,14 +18390,9 @@
                     <a:p>
                       <a:pPr algn="ctr"/>
                       <a:r>
-                        <a:rPr lang="en-US" sz="1600" dirty="0" smtClean="0"/>
-                        <a:t>6780 </a:t>
-                      </a:r>
-                      <a:r>
-                        <a:rPr lang="en-US" sz="1600" dirty="0" smtClean="0"/>
-                        <a:t>(116)</a:t>
-                      </a:r>
-                      <a:endParaRPr lang="en-US" sz="1600" dirty="0"/>
+                        <a:rPr lang="en-US" sz="1600" dirty="0"/>
+                        <a:t>6780 (116)</a:t>
+                      </a:r>
                     </a:p>
                   </a:txBody>
                   <a:tcPr anchor="ctr">
